--- a/Vorträge/VortragFlorianSchierzBloomfilterKurz.pptx
+++ b/Vorträge/VortragFlorianSchierzBloomfilterKurz.pptx
@@ -5,7 +5,7 @@
     <p:sldMasterId id="2147483648" r:id="rId1"/>
   </p:sldMasterIdLst>
   <p:notesMasterIdLst>
-    <p:notesMasterId r:id="rId31"/>
+    <p:notesMasterId r:id="rId35"/>
   </p:notesMasterIdLst>
   <p:sldIdLst>
     <p:sldId id="260" r:id="rId2"/>
@@ -14,29 +14,33 @@
     <p:sldId id="261" r:id="rId5"/>
     <p:sldId id="263" r:id="rId6"/>
     <p:sldId id="277" r:id="rId7"/>
-    <p:sldId id="268" r:id="rId8"/>
-    <p:sldId id="269" r:id="rId9"/>
-    <p:sldId id="271" r:id="rId10"/>
-    <p:sldId id="272" r:id="rId11"/>
-    <p:sldId id="278" r:id="rId12"/>
-    <p:sldId id="281" r:id="rId13"/>
-    <p:sldId id="282" r:id="rId14"/>
-    <p:sldId id="283" r:id="rId15"/>
-    <p:sldId id="265" r:id="rId16"/>
-    <p:sldId id="267" r:id="rId17"/>
-    <p:sldId id="264" r:id="rId18"/>
-    <p:sldId id="274" r:id="rId19"/>
-    <p:sldId id="275" r:id="rId20"/>
-    <p:sldId id="276" r:id="rId21"/>
-    <p:sldId id="262" r:id="rId22"/>
-    <p:sldId id="266" r:id="rId23"/>
-    <p:sldId id="259" r:id="rId24"/>
-    <p:sldId id="270" r:id="rId25"/>
-    <p:sldId id="273" r:id="rId26"/>
-    <p:sldId id="285" r:id="rId27"/>
-    <p:sldId id="286" r:id="rId28"/>
-    <p:sldId id="284" r:id="rId29"/>
-    <p:sldId id="258" r:id="rId30"/>
+    <p:sldId id="287" r:id="rId8"/>
+    <p:sldId id="268" r:id="rId9"/>
+    <p:sldId id="288" r:id="rId10"/>
+    <p:sldId id="289" r:id="rId11"/>
+    <p:sldId id="290" r:id="rId12"/>
+    <p:sldId id="269" r:id="rId13"/>
+    <p:sldId id="271" r:id="rId14"/>
+    <p:sldId id="272" r:id="rId15"/>
+    <p:sldId id="278" r:id="rId16"/>
+    <p:sldId id="281" r:id="rId17"/>
+    <p:sldId id="282" r:id="rId18"/>
+    <p:sldId id="283" r:id="rId19"/>
+    <p:sldId id="265" r:id="rId20"/>
+    <p:sldId id="267" r:id="rId21"/>
+    <p:sldId id="264" r:id="rId22"/>
+    <p:sldId id="274" r:id="rId23"/>
+    <p:sldId id="275" r:id="rId24"/>
+    <p:sldId id="276" r:id="rId25"/>
+    <p:sldId id="262" r:id="rId26"/>
+    <p:sldId id="266" r:id="rId27"/>
+    <p:sldId id="259" r:id="rId28"/>
+    <p:sldId id="270" r:id="rId29"/>
+    <p:sldId id="273" r:id="rId30"/>
+    <p:sldId id="285" r:id="rId31"/>
+    <p:sldId id="286" r:id="rId32"/>
+    <p:sldId id="284" r:id="rId33"/>
+    <p:sldId id="258" r:id="rId34"/>
   </p:sldIdLst>
   <p:sldSz cx="9144000" cy="5143500" type="screen16x9"/>
   <p:notesSz cx="6858000" cy="9144000"/>
@@ -154,7 +158,11 @@
           <p14:sldIdLst>
             <p14:sldId id="263"/>
             <p14:sldId id="277"/>
+            <p14:sldId id="287"/>
             <p14:sldId id="268"/>
+            <p14:sldId id="288"/>
+            <p14:sldId id="289"/>
+            <p14:sldId id="290"/>
             <p14:sldId id="269"/>
             <p14:sldId id="271"/>
             <p14:sldId id="272"/>
@@ -310,7 +318,7 @@
           <a:p>
             <a:fld id="{6DB929B3-EDC4-4292-BA5A-2119A16C91BC}" type="datetimeFigureOut">
               <a:rPr lang="de-DE" smtClean="0"/>
-              <a:t>25.05.2022</a:t>
+              <a:t>11.06.2022</a:t>
             </a:fld>
             <a:endParaRPr lang="de-DE"/>
           </a:p>
@@ -780,7 +788,7 @@
           <a:p>
             <a:fld id="{6C0E0915-CD52-4968-84CC-DCADF0878D91}" type="slidenum">
               <a:rPr lang="de-DE" smtClean="0"/>
-              <a:t>10</a:t>
+              <a:t>14</a:t>
             </a:fld>
             <a:endParaRPr lang="de-DE"/>
           </a:p>
@@ -891,7 +899,7 @@
           <a:p>
             <a:fld id="{6C0E0915-CD52-4968-84CC-DCADF0878D91}" type="slidenum">
               <a:rPr lang="de-DE" smtClean="0"/>
-              <a:t>11</a:t>
+              <a:t>15</a:t>
             </a:fld>
             <a:endParaRPr lang="de-DE"/>
           </a:p>
@@ -1002,7 +1010,7 @@
           <a:p>
             <a:fld id="{6C0E0915-CD52-4968-84CC-DCADF0878D91}" type="slidenum">
               <a:rPr lang="de-DE" smtClean="0"/>
-              <a:t>12</a:t>
+              <a:t>16</a:t>
             </a:fld>
             <a:endParaRPr lang="de-DE"/>
           </a:p>
@@ -1113,7 +1121,7 @@
           <a:p>
             <a:fld id="{6C0E0915-CD52-4968-84CC-DCADF0878D91}" type="slidenum">
               <a:rPr lang="de-DE" smtClean="0"/>
-              <a:t>13</a:t>
+              <a:t>17</a:t>
             </a:fld>
             <a:endParaRPr lang="de-DE"/>
           </a:p>
@@ -1224,7 +1232,7 @@
           <a:p>
             <a:fld id="{6C0E0915-CD52-4968-84CC-DCADF0878D91}" type="slidenum">
               <a:rPr lang="de-DE" smtClean="0"/>
-              <a:t>14</a:t>
+              <a:t>18</a:t>
             </a:fld>
             <a:endParaRPr lang="de-DE"/>
           </a:p>
@@ -5359,6 +5367,1544 @@
               <a:rPr lang="de-DE" smtClean="0"/>
               <a:pPr/>
               <a:t>10</a:t>
+            </a:fld>
+            <a:endParaRPr lang="de-DE"/>
+          </a:p>
+        </p:txBody>
+      </p:sp>
+      <p:sp>
+        <p:nvSpPr>
+          <p:cNvPr id="3" name="Titel 2"/>
+          <p:cNvSpPr>
+            <a:spLocks noGrp="1"/>
+          </p:cNvSpPr>
+          <p:nvPr>
+            <p:ph type="title"/>
+          </p:nvPr>
+        </p:nvSpPr>
+        <p:spPr/>
+        <p:txBody>
+          <a:bodyPr/>
+          <a:lstStyle/>
+          <a:p>
+            <a:r>
+              <a:rPr lang="de-DE" dirty="0"/>
+              <a:t>BLOOM-FILTER</a:t>
+            </a:r>
+          </a:p>
+        </p:txBody>
+      </p:sp>
+      <p:sp>
+        <p:nvSpPr>
+          <p:cNvPr id="4" name="Inhaltsplatzhalter 3"/>
+          <p:cNvSpPr>
+            <a:spLocks noGrp="1"/>
+          </p:cNvSpPr>
+          <p:nvPr>
+            <p:ph sz="quarter" idx="13"/>
+          </p:nvPr>
+        </p:nvSpPr>
+        <p:spPr>
+          <a:xfrm>
+            <a:off x="936000" y="699542"/>
+            <a:ext cx="7308000" cy="429622"/>
+          </a:xfrm>
+        </p:spPr>
+        <p:txBody>
+          <a:bodyPr/>
+          <a:lstStyle/>
+          <a:p>
+            <a:r>
+              <a:rPr lang="de-DE" dirty="0"/>
+              <a:t>Funktionsweise und Operationen</a:t>
+            </a:r>
+          </a:p>
+        </p:txBody>
+      </p:sp>
+      <p:sp>
+        <p:nvSpPr>
+          <p:cNvPr id="7" name="Fußzeilenplatzhalter 6"/>
+          <p:cNvSpPr>
+            <a:spLocks noGrp="1"/>
+          </p:cNvSpPr>
+          <p:nvPr>
+            <p:ph type="ftr" sz="quarter" idx="3"/>
+          </p:nvPr>
+        </p:nvSpPr>
+        <p:spPr/>
+        <p:txBody>
+          <a:bodyPr/>
+          <a:lstStyle/>
+          <a:p>
+            <a:r>
+              <a:rPr lang="de-DE" dirty="0"/>
+              <a:t>TU Bergakademie Freiberg | Vortragender: Florian Schierz | 2022</a:t>
+            </a:r>
+          </a:p>
+        </p:txBody>
+      </p:sp>
+      <p:sp>
+        <p:nvSpPr>
+          <p:cNvPr id="8" name="Textfeld 7">
+            <a:extLst>
+              <a:ext uri="{FF2B5EF4-FFF2-40B4-BE49-F238E27FC236}">
+                <a16:creationId xmlns:a16="http://schemas.microsoft.com/office/drawing/2014/main" id="{7162C9EA-9725-333A-21C5-65FC349B92B6}"/>
+              </a:ext>
+            </a:extLst>
+          </p:cNvPr>
+          <p:cNvSpPr txBox="1"/>
+          <p:nvPr/>
+        </p:nvSpPr>
+        <p:spPr>
+          <a:xfrm>
+            <a:off x="611560" y="1203598"/>
+            <a:ext cx="7776864" cy="369332"/>
+          </a:xfrm>
+          <a:prstGeom prst="rect">
+            <a:avLst/>
+          </a:prstGeom>
+          <a:noFill/>
+        </p:spPr>
+        <p:txBody>
+          <a:bodyPr wrap="square" rtlCol="0">
+            <a:spAutoFit/>
+          </a:bodyPr>
+          <a:lstStyle/>
+          <a:p>
+            <a:r>
+              <a:rPr lang="de-DE" dirty="0">
+                <a:solidFill>
+                  <a:srgbClr val="000000"/>
+                </a:solidFill>
+              </a:rPr>
+              <a:t>Zeit pro Prüfen (in s) in Abhängigkeit der Anzahl Hashfunktionen k (nur negativ)</a:t>
+            </a:r>
+          </a:p>
+        </p:txBody>
+      </p:sp>
+      <p:pic>
+        <p:nvPicPr>
+          <p:cNvPr id="9" name="Grafik 8">
+            <a:extLst>
+              <a:ext uri="{FF2B5EF4-FFF2-40B4-BE49-F238E27FC236}">
+                <a16:creationId xmlns:a16="http://schemas.microsoft.com/office/drawing/2014/main" id="{10550223-9404-007C-7640-D4680EB87F4A}"/>
+              </a:ext>
+            </a:extLst>
+          </p:cNvPr>
+          <p:cNvPicPr>
+            <a:picLocks noChangeAspect="1"/>
+          </p:cNvPicPr>
+          <p:nvPr/>
+        </p:nvPicPr>
+        <p:blipFill>
+          <a:blip r:embed="rId2" cstate="print">
+            <a:extLst>
+              <a:ext uri="{28A0092B-C50C-407E-A947-70E740481C1C}">
+                <a14:useLocalDpi xmlns:a14="http://schemas.microsoft.com/office/drawing/2010/main" val="0"/>
+              </a:ext>
+            </a:extLst>
+          </a:blip>
+          <a:stretch>
+            <a:fillRect/>
+          </a:stretch>
+        </p:blipFill>
+        <p:spPr>
+          <a:xfrm>
+            <a:off x="1331636" y="1569594"/>
+            <a:ext cx="6516728" cy="3085263"/>
+          </a:xfrm>
+          <a:prstGeom prst="rect">
+            <a:avLst/>
+          </a:prstGeom>
+        </p:spPr>
+      </p:pic>
+    </p:spTree>
+    <p:extLst>
+      <p:ext uri="{BB962C8B-B14F-4D97-AF65-F5344CB8AC3E}">
+        <p14:creationId xmlns:p14="http://schemas.microsoft.com/office/powerpoint/2010/main" val="4076983733"/>
+      </p:ext>
+    </p:extLst>
+  </p:cSld>
+  <p:clrMapOvr>
+    <a:masterClrMapping/>
+  </p:clrMapOvr>
+</p:sld>
+</file>
+
+<file path=ppt/slides/slide11.xml><?xml version="1.0" encoding="utf-8"?>
+<p:sld xmlns:a="http://schemas.openxmlformats.org/drawingml/2006/main" xmlns:r="http://schemas.openxmlformats.org/officeDocument/2006/relationships" xmlns:p="http://schemas.openxmlformats.org/presentationml/2006/main">
+  <p:cSld>
+    <p:spTree>
+      <p:nvGrpSpPr>
+        <p:cNvPr id="1" name=""/>
+        <p:cNvGrpSpPr/>
+        <p:nvPr/>
+      </p:nvGrpSpPr>
+      <p:grpSpPr>
+        <a:xfrm>
+          <a:off x="0" y="0"/>
+          <a:ext cx="0" cy="0"/>
+          <a:chOff x="0" y="0"/>
+          <a:chExt cx="0" cy="0"/>
+        </a:xfrm>
+      </p:grpSpPr>
+      <p:sp>
+        <p:nvSpPr>
+          <p:cNvPr id="6" name="Foliennummernplatzhalter 5"/>
+          <p:cNvSpPr>
+            <a:spLocks noGrp="1"/>
+          </p:cNvSpPr>
+          <p:nvPr>
+            <p:ph type="sldNum" sz="quarter" idx="4"/>
+          </p:nvPr>
+        </p:nvSpPr>
+        <p:spPr/>
+        <p:txBody>
+          <a:bodyPr/>
+          <a:lstStyle/>
+          <a:p>
+            <a:fld id="{F9CA7F02-FF28-4D8F-AF3B-6C950C783A54}" type="slidenum">
+              <a:rPr lang="de-DE" smtClean="0"/>
+              <a:pPr/>
+              <a:t>11</a:t>
+            </a:fld>
+            <a:endParaRPr lang="de-DE"/>
+          </a:p>
+        </p:txBody>
+      </p:sp>
+      <p:sp>
+        <p:nvSpPr>
+          <p:cNvPr id="3" name="Titel 2"/>
+          <p:cNvSpPr>
+            <a:spLocks noGrp="1"/>
+          </p:cNvSpPr>
+          <p:nvPr>
+            <p:ph type="title"/>
+          </p:nvPr>
+        </p:nvSpPr>
+        <p:spPr/>
+        <p:txBody>
+          <a:bodyPr/>
+          <a:lstStyle/>
+          <a:p>
+            <a:r>
+              <a:rPr lang="de-DE" dirty="0"/>
+              <a:t>BLOOM-FILTER</a:t>
+            </a:r>
+          </a:p>
+        </p:txBody>
+      </p:sp>
+      <p:sp>
+        <p:nvSpPr>
+          <p:cNvPr id="4" name="Inhaltsplatzhalter 3"/>
+          <p:cNvSpPr>
+            <a:spLocks noGrp="1"/>
+          </p:cNvSpPr>
+          <p:nvPr>
+            <p:ph sz="quarter" idx="13"/>
+          </p:nvPr>
+        </p:nvSpPr>
+        <p:spPr>
+          <a:xfrm>
+            <a:off x="936000" y="699542"/>
+            <a:ext cx="7308000" cy="429622"/>
+          </a:xfrm>
+        </p:spPr>
+        <p:txBody>
+          <a:bodyPr/>
+          <a:lstStyle/>
+          <a:p>
+            <a:r>
+              <a:rPr lang="de-DE" dirty="0"/>
+              <a:t>Funktionsweise und Operationen</a:t>
+            </a:r>
+          </a:p>
+        </p:txBody>
+      </p:sp>
+      <p:sp>
+        <p:nvSpPr>
+          <p:cNvPr id="7" name="Fußzeilenplatzhalter 6"/>
+          <p:cNvSpPr>
+            <a:spLocks noGrp="1"/>
+          </p:cNvSpPr>
+          <p:nvPr>
+            <p:ph type="ftr" sz="quarter" idx="3"/>
+          </p:nvPr>
+        </p:nvSpPr>
+        <p:spPr/>
+        <p:txBody>
+          <a:bodyPr/>
+          <a:lstStyle/>
+          <a:p>
+            <a:r>
+              <a:rPr lang="de-DE" dirty="0"/>
+              <a:t>TU Bergakademie Freiberg | Vortragender: Florian Schierz | 2022</a:t>
+            </a:r>
+          </a:p>
+        </p:txBody>
+      </p:sp>
+      <p:sp>
+        <p:nvSpPr>
+          <p:cNvPr id="8" name="Textfeld 7">
+            <a:extLst>
+              <a:ext uri="{FF2B5EF4-FFF2-40B4-BE49-F238E27FC236}">
+                <a16:creationId xmlns:a16="http://schemas.microsoft.com/office/drawing/2014/main" id="{7162C9EA-9725-333A-21C5-65FC349B92B6}"/>
+              </a:ext>
+            </a:extLst>
+          </p:cNvPr>
+          <p:cNvSpPr txBox="1"/>
+          <p:nvPr/>
+        </p:nvSpPr>
+        <p:spPr>
+          <a:xfrm>
+            <a:off x="611560" y="1203598"/>
+            <a:ext cx="7776864" cy="369332"/>
+          </a:xfrm>
+          <a:prstGeom prst="rect">
+            <a:avLst/>
+          </a:prstGeom>
+          <a:noFill/>
+        </p:spPr>
+        <p:txBody>
+          <a:bodyPr wrap="square" rtlCol="0">
+            <a:spAutoFit/>
+          </a:bodyPr>
+          <a:lstStyle/>
+          <a:p>
+            <a:r>
+              <a:rPr lang="de-DE" dirty="0">
+                <a:solidFill>
+                  <a:srgbClr val="000000"/>
+                </a:solidFill>
+              </a:rPr>
+              <a:t>Zeit pro Prüfen (in s) in Abhängigkeit der Anzahl Hashfunktionen k (gemischt)</a:t>
+            </a:r>
+          </a:p>
+        </p:txBody>
+      </p:sp>
+      <p:pic>
+        <p:nvPicPr>
+          <p:cNvPr id="5" name="Grafik 4">
+            <a:extLst>
+              <a:ext uri="{FF2B5EF4-FFF2-40B4-BE49-F238E27FC236}">
+                <a16:creationId xmlns:a16="http://schemas.microsoft.com/office/drawing/2014/main" id="{BFA53F18-90CF-C61D-74AC-21DC81D0C7C7}"/>
+              </a:ext>
+            </a:extLst>
+          </p:cNvPr>
+          <p:cNvPicPr>
+            <a:picLocks noChangeAspect="1"/>
+          </p:cNvPicPr>
+          <p:nvPr/>
+        </p:nvPicPr>
+        <p:blipFill>
+          <a:blip r:embed="rId2" cstate="print">
+            <a:extLst>
+              <a:ext uri="{28A0092B-C50C-407E-A947-70E740481C1C}">
+                <a14:useLocalDpi xmlns:a14="http://schemas.microsoft.com/office/drawing/2010/main" val="0"/>
+              </a:ext>
+            </a:extLst>
+          </a:blip>
+          <a:stretch>
+            <a:fillRect/>
+          </a:stretch>
+        </p:blipFill>
+        <p:spPr>
+          <a:xfrm>
+            <a:off x="1295786" y="1509338"/>
+            <a:ext cx="6588428" cy="3119209"/>
+          </a:xfrm>
+          <a:prstGeom prst="rect">
+            <a:avLst/>
+          </a:prstGeom>
+        </p:spPr>
+      </p:pic>
+    </p:spTree>
+    <p:extLst>
+      <p:ext uri="{BB962C8B-B14F-4D97-AF65-F5344CB8AC3E}">
+        <p14:creationId xmlns:p14="http://schemas.microsoft.com/office/powerpoint/2010/main" val="1419472776"/>
+      </p:ext>
+    </p:extLst>
+  </p:cSld>
+  <p:clrMapOvr>
+    <a:masterClrMapping/>
+  </p:clrMapOvr>
+</p:sld>
+</file>
+
+<file path=ppt/slides/slide12.xml><?xml version="1.0" encoding="utf-8"?>
+<p:sld xmlns:a="http://schemas.openxmlformats.org/drawingml/2006/main" xmlns:r="http://schemas.openxmlformats.org/officeDocument/2006/relationships" xmlns:p="http://schemas.openxmlformats.org/presentationml/2006/main">
+  <p:cSld>
+    <p:spTree>
+      <p:nvGrpSpPr>
+        <p:cNvPr id="1" name=""/>
+        <p:cNvGrpSpPr/>
+        <p:nvPr/>
+      </p:nvGrpSpPr>
+      <p:grpSpPr>
+        <a:xfrm>
+          <a:off x="0" y="0"/>
+          <a:ext cx="0" cy="0"/>
+          <a:chOff x="0" y="0"/>
+          <a:chExt cx="0" cy="0"/>
+        </a:xfrm>
+      </p:grpSpPr>
+      <p:sp>
+        <p:nvSpPr>
+          <p:cNvPr id="6" name="Foliennummernplatzhalter 5"/>
+          <p:cNvSpPr>
+            <a:spLocks noGrp="1"/>
+          </p:cNvSpPr>
+          <p:nvPr>
+            <p:ph type="sldNum" sz="quarter" idx="4"/>
+          </p:nvPr>
+        </p:nvSpPr>
+        <p:spPr/>
+        <p:txBody>
+          <a:bodyPr/>
+          <a:lstStyle/>
+          <a:p>
+            <a:fld id="{F9CA7F02-FF28-4D8F-AF3B-6C950C783A54}" type="slidenum">
+              <a:rPr lang="de-DE" smtClean="0"/>
+              <a:pPr/>
+              <a:t>12</a:t>
+            </a:fld>
+            <a:endParaRPr lang="de-DE"/>
+          </a:p>
+        </p:txBody>
+      </p:sp>
+      <p:sp>
+        <p:nvSpPr>
+          <p:cNvPr id="3" name="Titel 2"/>
+          <p:cNvSpPr>
+            <a:spLocks noGrp="1"/>
+          </p:cNvSpPr>
+          <p:nvPr>
+            <p:ph type="title"/>
+          </p:nvPr>
+        </p:nvSpPr>
+        <p:spPr/>
+        <p:txBody>
+          <a:bodyPr/>
+          <a:lstStyle/>
+          <a:p>
+            <a:r>
+              <a:rPr lang="de-DE" dirty="0"/>
+              <a:t>BLOOM-FILTER</a:t>
+            </a:r>
+          </a:p>
+        </p:txBody>
+      </p:sp>
+      <p:sp>
+        <p:nvSpPr>
+          <p:cNvPr id="4" name="Inhaltsplatzhalter 3"/>
+          <p:cNvSpPr>
+            <a:spLocks noGrp="1"/>
+          </p:cNvSpPr>
+          <p:nvPr>
+            <p:ph sz="quarter" idx="13"/>
+          </p:nvPr>
+        </p:nvSpPr>
+        <p:spPr>
+          <a:xfrm>
+            <a:off x="936000" y="699542"/>
+            <a:ext cx="7308000" cy="429622"/>
+          </a:xfrm>
+        </p:spPr>
+        <p:txBody>
+          <a:bodyPr/>
+          <a:lstStyle/>
+          <a:p>
+            <a:r>
+              <a:rPr lang="de-DE" dirty="0"/>
+              <a:t>Funktionsweise und Operationen</a:t>
+            </a:r>
+          </a:p>
+        </p:txBody>
+      </p:sp>
+      <p:sp>
+        <p:nvSpPr>
+          <p:cNvPr id="7" name="Fußzeilenplatzhalter 6"/>
+          <p:cNvSpPr>
+            <a:spLocks noGrp="1"/>
+          </p:cNvSpPr>
+          <p:nvPr>
+            <p:ph type="ftr" sz="quarter" idx="3"/>
+          </p:nvPr>
+        </p:nvSpPr>
+        <p:spPr/>
+        <p:txBody>
+          <a:bodyPr/>
+          <a:lstStyle/>
+          <a:p>
+            <a:r>
+              <a:rPr lang="de-DE" dirty="0"/>
+              <a:t>TU Bergakademie Freiberg | Vortragender: Florian Schierz | 2022</a:t>
+            </a:r>
+          </a:p>
+        </p:txBody>
+      </p:sp>
+      <p:sp>
+        <p:nvSpPr>
+          <p:cNvPr id="8" name="Textfeld 7">
+            <a:extLst>
+              <a:ext uri="{FF2B5EF4-FFF2-40B4-BE49-F238E27FC236}">
+                <a16:creationId xmlns:a16="http://schemas.microsoft.com/office/drawing/2014/main" id="{7162C9EA-9725-333A-21C5-65FC349B92B6}"/>
+              </a:ext>
+            </a:extLst>
+          </p:cNvPr>
+          <p:cNvSpPr txBox="1"/>
+          <p:nvPr/>
+        </p:nvSpPr>
+        <p:spPr>
+          <a:xfrm>
+            <a:off x="611560" y="1203598"/>
+            <a:ext cx="4968552" cy="1200329"/>
+          </a:xfrm>
+          <a:prstGeom prst="rect">
+            <a:avLst/>
+          </a:prstGeom>
+          <a:noFill/>
+        </p:spPr>
+        <p:txBody>
+          <a:bodyPr wrap="square" rtlCol="0">
+            <a:spAutoFit/>
+          </a:bodyPr>
+          <a:lstStyle/>
+          <a:p>
+            <a:pPr marL="285750" indent="-285750">
+              <a:buFont typeface="Arial" panose="020B0604020202020204" pitchFamily="34" charset="0"/>
+              <a:buChar char="•"/>
+            </a:pPr>
+            <a:r>
+              <a:rPr lang="de-DE" b="1" u="sng" dirty="0"/>
+              <a:t>Optimale Wahl der Parameter:</a:t>
+            </a:r>
+            <a:endParaRPr lang="de-DE" dirty="0"/>
+          </a:p>
+          <a:p>
+            <a:pPr marL="742950" lvl="1" indent="-285750">
+              <a:buFont typeface="Arial" panose="020B0604020202020204" pitchFamily="34" charset="0"/>
+              <a:buChar char="•"/>
+            </a:pPr>
+            <a:r>
+              <a:rPr lang="de-DE" b="1" dirty="0">
+                <a:solidFill>
+                  <a:srgbClr val="000000"/>
+                </a:solidFill>
+              </a:rPr>
+              <a:t>m </a:t>
+            </a:r>
+            <a:r>
+              <a:rPr lang="de-DE" dirty="0">
+                <a:solidFill>
+                  <a:srgbClr val="000000"/>
+                </a:solidFill>
+              </a:rPr>
+              <a:t>Bit Länge</a:t>
+            </a:r>
+          </a:p>
+          <a:p>
+            <a:pPr marL="742950" lvl="1" indent="-285750">
+              <a:buFont typeface="Arial" panose="020B0604020202020204" pitchFamily="34" charset="0"/>
+              <a:buChar char="•"/>
+            </a:pPr>
+            <a:r>
+              <a:rPr lang="de-DE" b="1" dirty="0">
+                <a:solidFill>
+                  <a:srgbClr val="000000"/>
+                </a:solidFill>
+              </a:rPr>
+              <a:t>n</a:t>
+            </a:r>
+            <a:r>
+              <a:rPr lang="de-DE" dirty="0">
+                <a:solidFill>
+                  <a:srgbClr val="000000"/>
+                </a:solidFill>
+              </a:rPr>
+              <a:t> einzufügende Elemente</a:t>
+            </a:r>
+          </a:p>
+          <a:p>
+            <a:endParaRPr lang="de-DE" dirty="0"/>
+          </a:p>
+        </p:txBody>
+      </p:sp>
+      <p:sp>
+        <p:nvSpPr>
+          <p:cNvPr id="9" name="Textfeld 8">
+            <a:extLst>
+              <a:ext uri="{FF2B5EF4-FFF2-40B4-BE49-F238E27FC236}">
+                <a16:creationId xmlns:a16="http://schemas.microsoft.com/office/drawing/2014/main" id="{67A2B410-6F02-6467-D0F2-FC98B4BF0279}"/>
+              </a:ext>
+            </a:extLst>
+          </p:cNvPr>
+          <p:cNvSpPr txBox="1"/>
+          <p:nvPr/>
+        </p:nvSpPr>
+        <p:spPr>
+          <a:xfrm>
+            <a:off x="3491880" y="1203598"/>
+            <a:ext cx="4968552" cy="1200329"/>
+          </a:xfrm>
+          <a:prstGeom prst="rect">
+            <a:avLst/>
+          </a:prstGeom>
+          <a:noFill/>
+        </p:spPr>
+        <p:txBody>
+          <a:bodyPr wrap="square" rtlCol="0">
+            <a:spAutoFit/>
+          </a:bodyPr>
+          <a:lstStyle/>
+          <a:p>
+            <a:pPr marL="742950" lvl="1" indent="-285750">
+              <a:buFont typeface="Arial" panose="020B0604020202020204" pitchFamily="34" charset="0"/>
+              <a:buChar char="•"/>
+            </a:pPr>
+            <a:endParaRPr lang="de-DE" b="1" dirty="0"/>
+          </a:p>
+          <a:p>
+            <a:pPr marL="742950" lvl="1" indent="-285750">
+              <a:buFont typeface="Arial" panose="020B0604020202020204" pitchFamily="34" charset="0"/>
+              <a:buChar char="•"/>
+            </a:pPr>
+            <a:r>
+              <a:rPr lang="de-DE" b="1" dirty="0">
+                <a:solidFill>
+                  <a:srgbClr val="000000"/>
+                </a:solidFill>
+              </a:rPr>
+              <a:t>k</a:t>
+            </a:r>
+            <a:r>
+              <a:rPr lang="de-DE" dirty="0">
+                <a:solidFill>
+                  <a:srgbClr val="000000"/>
+                </a:solidFill>
+              </a:rPr>
+              <a:t> unabhängige Hash-Funktionen</a:t>
+            </a:r>
+          </a:p>
+          <a:p>
+            <a:pPr marL="742950" lvl="1" indent="-285750">
+              <a:buFont typeface="Arial" panose="020B0604020202020204" pitchFamily="34" charset="0"/>
+              <a:buChar char="•"/>
+            </a:pPr>
+            <a:r>
+              <a:rPr lang="de-DE" b="1" dirty="0">
+                <a:solidFill>
+                  <a:srgbClr val="000000"/>
+                </a:solidFill>
+              </a:rPr>
+              <a:t>FPP</a:t>
+            </a:r>
+            <a:r>
+              <a:rPr lang="de-DE" dirty="0">
+                <a:solidFill>
+                  <a:srgbClr val="000000"/>
+                </a:solidFill>
+              </a:rPr>
+              <a:t> Falsch-Positiv-Rate</a:t>
+            </a:r>
+          </a:p>
+          <a:p>
+            <a:endParaRPr lang="de-DE" dirty="0"/>
+          </a:p>
+        </p:txBody>
+      </p:sp>
+      <p:pic>
+        <p:nvPicPr>
+          <p:cNvPr id="5" name="Grafik 4">
+            <a:extLst>
+              <a:ext uri="{FF2B5EF4-FFF2-40B4-BE49-F238E27FC236}">
+                <a16:creationId xmlns:a16="http://schemas.microsoft.com/office/drawing/2014/main" id="{5F5E1ED9-596F-4228-4B29-EC7B4B603A1B}"/>
+              </a:ext>
+            </a:extLst>
+          </p:cNvPr>
+          <p:cNvPicPr>
+            <a:picLocks noChangeAspect="1"/>
+          </p:cNvPicPr>
+          <p:nvPr/>
+        </p:nvPicPr>
+        <p:blipFill rotWithShape="1">
+          <a:blip r:embed="rId2">
+            <a:extLst>
+              <a:ext uri="{28A0092B-C50C-407E-A947-70E740481C1C}">
+                <a14:useLocalDpi xmlns:a14="http://schemas.microsoft.com/office/drawing/2010/main" val="0"/>
+              </a:ext>
+              <a:ext uri="{96DAC541-7B7A-43D3-8B79-37D633B846F1}">
+                <asvg:svgBlip xmlns:asvg="http://schemas.microsoft.com/office/drawing/2016/SVG/main" r:embed="rId3"/>
+              </a:ext>
+            </a:extLst>
+          </a:blip>
+          <a:srcRect b="65400"/>
+          <a:stretch/>
+        </p:blipFill>
+        <p:spPr>
+          <a:xfrm>
+            <a:off x="1979712" y="2028532"/>
+            <a:ext cx="5544616" cy="2713373"/>
+          </a:xfrm>
+          <a:prstGeom prst="rect">
+            <a:avLst/>
+          </a:prstGeom>
+        </p:spPr>
+      </p:pic>
+    </p:spTree>
+    <p:extLst>
+      <p:ext uri="{BB962C8B-B14F-4D97-AF65-F5344CB8AC3E}">
+        <p14:creationId xmlns:p14="http://schemas.microsoft.com/office/powerpoint/2010/main" val="2763595447"/>
+      </p:ext>
+    </p:extLst>
+  </p:cSld>
+  <p:clrMapOvr>
+    <a:masterClrMapping/>
+  </p:clrMapOvr>
+</p:sld>
+</file>
+
+<file path=ppt/slides/slide13.xml><?xml version="1.0" encoding="utf-8"?>
+<p:sld xmlns:a="http://schemas.openxmlformats.org/drawingml/2006/main" xmlns:r="http://schemas.openxmlformats.org/officeDocument/2006/relationships" xmlns:p="http://schemas.openxmlformats.org/presentationml/2006/main">
+  <p:cSld>
+    <p:spTree>
+      <p:nvGrpSpPr>
+        <p:cNvPr id="1" name=""/>
+        <p:cNvGrpSpPr/>
+        <p:nvPr/>
+      </p:nvGrpSpPr>
+      <p:grpSpPr>
+        <a:xfrm>
+          <a:off x="0" y="0"/>
+          <a:ext cx="0" cy="0"/>
+          <a:chOff x="0" y="0"/>
+          <a:chExt cx="0" cy="0"/>
+        </a:xfrm>
+      </p:grpSpPr>
+      <p:sp>
+        <p:nvSpPr>
+          <p:cNvPr id="6" name="Foliennummernplatzhalter 5"/>
+          <p:cNvSpPr>
+            <a:spLocks noGrp="1"/>
+          </p:cNvSpPr>
+          <p:nvPr>
+            <p:ph type="sldNum" sz="quarter" idx="4"/>
+          </p:nvPr>
+        </p:nvSpPr>
+        <p:spPr/>
+        <p:txBody>
+          <a:bodyPr/>
+          <a:lstStyle/>
+          <a:p>
+            <a:fld id="{F9CA7F02-FF28-4D8F-AF3B-6C950C783A54}" type="slidenum">
+              <a:rPr lang="de-DE" smtClean="0"/>
+              <a:pPr/>
+              <a:t>13</a:t>
+            </a:fld>
+            <a:endParaRPr lang="de-DE"/>
+          </a:p>
+        </p:txBody>
+      </p:sp>
+      <p:sp>
+        <p:nvSpPr>
+          <p:cNvPr id="3" name="Titel 2"/>
+          <p:cNvSpPr>
+            <a:spLocks noGrp="1"/>
+          </p:cNvSpPr>
+          <p:nvPr>
+            <p:ph type="title"/>
+          </p:nvPr>
+        </p:nvSpPr>
+        <p:spPr/>
+        <p:txBody>
+          <a:bodyPr/>
+          <a:lstStyle/>
+          <a:p>
+            <a:r>
+              <a:rPr lang="de-DE" dirty="0"/>
+              <a:t>BLOOM-FILTER</a:t>
+            </a:r>
+          </a:p>
+        </p:txBody>
+      </p:sp>
+      <p:sp>
+        <p:nvSpPr>
+          <p:cNvPr id="4" name="Inhaltsplatzhalter 3"/>
+          <p:cNvSpPr>
+            <a:spLocks noGrp="1"/>
+          </p:cNvSpPr>
+          <p:nvPr>
+            <p:ph sz="quarter" idx="13"/>
+          </p:nvPr>
+        </p:nvSpPr>
+        <p:spPr>
+          <a:xfrm>
+            <a:off x="936000" y="699542"/>
+            <a:ext cx="7308000" cy="429622"/>
+          </a:xfrm>
+        </p:spPr>
+        <p:txBody>
+          <a:bodyPr/>
+          <a:lstStyle/>
+          <a:p>
+            <a:r>
+              <a:rPr lang="de-DE" dirty="0"/>
+              <a:t>Funktionsweise und Operationen</a:t>
+            </a:r>
+          </a:p>
+        </p:txBody>
+      </p:sp>
+      <p:sp>
+        <p:nvSpPr>
+          <p:cNvPr id="7" name="Fußzeilenplatzhalter 6"/>
+          <p:cNvSpPr>
+            <a:spLocks noGrp="1"/>
+          </p:cNvSpPr>
+          <p:nvPr>
+            <p:ph type="ftr" sz="quarter" idx="3"/>
+          </p:nvPr>
+        </p:nvSpPr>
+        <p:spPr/>
+        <p:txBody>
+          <a:bodyPr/>
+          <a:lstStyle/>
+          <a:p>
+            <a:r>
+              <a:rPr lang="de-DE" dirty="0"/>
+              <a:t>TU Bergakademie Freiberg | Vortragender: Florian Schierz | 2022</a:t>
+            </a:r>
+          </a:p>
+        </p:txBody>
+      </p:sp>
+      <p:sp>
+        <p:nvSpPr>
+          <p:cNvPr id="8" name="Textfeld 7">
+            <a:extLst>
+              <a:ext uri="{FF2B5EF4-FFF2-40B4-BE49-F238E27FC236}">
+                <a16:creationId xmlns:a16="http://schemas.microsoft.com/office/drawing/2014/main" id="{7162C9EA-9725-333A-21C5-65FC349B92B6}"/>
+              </a:ext>
+            </a:extLst>
+          </p:cNvPr>
+          <p:cNvSpPr txBox="1"/>
+          <p:nvPr/>
+        </p:nvSpPr>
+        <p:spPr>
+          <a:xfrm>
+            <a:off x="611560" y="1203598"/>
+            <a:ext cx="4968552" cy="1200329"/>
+          </a:xfrm>
+          <a:prstGeom prst="rect">
+            <a:avLst/>
+          </a:prstGeom>
+          <a:noFill/>
+        </p:spPr>
+        <p:txBody>
+          <a:bodyPr wrap="square" rtlCol="0">
+            <a:spAutoFit/>
+          </a:bodyPr>
+          <a:lstStyle/>
+          <a:p>
+            <a:pPr marL="285750" indent="-285750">
+              <a:buFont typeface="Arial" panose="020B0604020202020204" pitchFamily="34" charset="0"/>
+              <a:buChar char="•"/>
+            </a:pPr>
+            <a:r>
+              <a:rPr lang="de-DE" b="1" u="sng" dirty="0"/>
+              <a:t>Optimale Wahl der Parameter:</a:t>
+            </a:r>
+          </a:p>
+          <a:p>
+            <a:pPr marL="742950" lvl="1" indent="-285750">
+              <a:buFont typeface="Arial" panose="020B0604020202020204" pitchFamily="34" charset="0"/>
+              <a:buChar char="•"/>
+            </a:pPr>
+            <a:r>
+              <a:rPr lang="de-DE" b="1" dirty="0">
+                <a:solidFill>
+                  <a:srgbClr val="000000"/>
+                </a:solidFill>
+              </a:rPr>
+              <a:t>m </a:t>
+            </a:r>
+            <a:r>
+              <a:rPr lang="de-DE" dirty="0">
+                <a:solidFill>
+                  <a:srgbClr val="000000"/>
+                </a:solidFill>
+              </a:rPr>
+              <a:t>Bit Länge</a:t>
+            </a:r>
+          </a:p>
+          <a:p>
+            <a:pPr marL="742950" lvl="1" indent="-285750">
+              <a:buFont typeface="Arial" panose="020B0604020202020204" pitchFamily="34" charset="0"/>
+              <a:buChar char="•"/>
+            </a:pPr>
+            <a:r>
+              <a:rPr lang="de-DE" b="1" dirty="0">
+                <a:solidFill>
+                  <a:srgbClr val="000000"/>
+                </a:solidFill>
+              </a:rPr>
+              <a:t>n</a:t>
+            </a:r>
+            <a:r>
+              <a:rPr lang="de-DE" dirty="0">
+                <a:solidFill>
+                  <a:srgbClr val="000000"/>
+                </a:solidFill>
+              </a:rPr>
+              <a:t> einzufügende Elemente</a:t>
+            </a:r>
+          </a:p>
+          <a:p>
+            <a:endParaRPr lang="de-DE" dirty="0"/>
+          </a:p>
+        </p:txBody>
+      </p:sp>
+      <p:sp>
+        <p:nvSpPr>
+          <p:cNvPr id="9" name="Textfeld 8">
+            <a:extLst>
+              <a:ext uri="{FF2B5EF4-FFF2-40B4-BE49-F238E27FC236}">
+                <a16:creationId xmlns:a16="http://schemas.microsoft.com/office/drawing/2014/main" id="{67A2B410-6F02-6467-D0F2-FC98B4BF0279}"/>
+              </a:ext>
+            </a:extLst>
+          </p:cNvPr>
+          <p:cNvSpPr txBox="1"/>
+          <p:nvPr/>
+        </p:nvSpPr>
+        <p:spPr>
+          <a:xfrm>
+            <a:off x="3491880" y="1203598"/>
+            <a:ext cx="4968552" cy="1200329"/>
+          </a:xfrm>
+          <a:prstGeom prst="rect">
+            <a:avLst/>
+          </a:prstGeom>
+          <a:noFill/>
+        </p:spPr>
+        <p:txBody>
+          <a:bodyPr wrap="square" rtlCol="0">
+            <a:spAutoFit/>
+          </a:bodyPr>
+          <a:lstStyle/>
+          <a:p>
+            <a:pPr marL="742950" lvl="1" indent="-285750">
+              <a:buFont typeface="Arial" panose="020B0604020202020204" pitchFamily="34" charset="0"/>
+              <a:buChar char="•"/>
+            </a:pPr>
+            <a:endParaRPr lang="de-DE" b="1" dirty="0"/>
+          </a:p>
+          <a:p>
+            <a:pPr marL="742950" lvl="1" indent="-285750">
+              <a:buFont typeface="Arial" panose="020B0604020202020204" pitchFamily="34" charset="0"/>
+              <a:buChar char="•"/>
+            </a:pPr>
+            <a:r>
+              <a:rPr lang="de-DE" b="1" dirty="0">
+                <a:solidFill>
+                  <a:srgbClr val="000000"/>
+                </a:solidFill>
+              </a:rPr>
+              <a:t>k</a:t>
+            </a:r>
+            <a:r>
+              <a:rPr lang="de-DE" dirty="0">
+                <a:solidFill>
+                  <a:srgbClr val="000000"/>
+                </a:solidFill>
+              </a:rPr>
+              <a:t> unabhängige Hash-Funktionen</a:t>
+            </a:r>
+          </a:p>
+          <a:p>
+            <a:pPr marL="742950" lvl="1" indent="-285750">
+              <a:buFont typeface="Arial" panose="020B0604020202020204" pitchFamily="34" charset="0"/>
+              <a:buChar char="•"/>
+            </a:pPr>
+            <a:r>
+              <a:rPr lang="de-DE" b="1" dirty="0">
+                <a:solidFill>
+                  <a:srgbClr val="000000"/>
+                </a:solidFill>
+              </a:rPr>
+              <a:t>FPP</a:t>
+            </a:r>
+            <a:r>
+              <a:rPr lang="de-DE" dirty="0">
+                <a:solidFill>
+                  <a:srgbClr val="000000"/>
+                </a:solidFill>
+              </a:rPr>
+              <a:t> Falsch-Positiv-Rate</a:t>
+            </a:r>
+          </a:p>
+          <a:p>
+            <a:endParaRPr lang="de-DE" dirty="0"/>
+          </a:p>
+        </p:txBody>
+      </p:sp>
+      <mc:AlternateContent xmlns:mc="http://schemas.openxmlformats.org/markup-compatibility/2006" xmlns:a14="http://schemas.microsoft.com/office/drawing/2010/main">
+        <mc:Choice Requires="a14">
+          <p:sp>
+            <p:nvSpPr>
+              <p:cNvPr id="11" name="Textfeld 10">
+                <a:extLst>
+                  <a:ext uri="{FF2B5EF4-FFF2-40B4-BE49-F238E27FC236}">
+                    <a16:creationId xmlns:a16="http://schemas.microsoft.com/office/drawing/2014/main" id="{57246031-85FF-B68C-2B65-72CEF1D1848F}"/>
+                  </a:ext>
+                </a:extLst>
+              </p:cNvPr>
+              <p:cNvSpPr txBox="1"/>
+              <p:nvPr/>
+            </p:nvSpPr>
+            <p:spPr>
+              <a:xfrm>
+                <a:off x="611560" y="2307525"/>
+                <a:ext cx="7920880" cy="2950167"/>
+              </a:xfrm>
+              <a:prstGeom prst="rect">
+                <a:avLst/>
+              </a:prstGeom>
+              <a:noFill/>
+            </p:spPr>
+            <p:txBody>
+              <a:bodyPr wrap="square" rtlCol="0">
+                <a:spAutoFit/>
+              </a:bodyPr>
+              <a:lstStyle/>
+              <a:p>
+                <a:r>
+                  <a:rPr lang="de-DE" dirty="0">
+                    <a:solidFill>
+                      <a:srgbClr val="000000"/>
+                    </a:solidFill>
+                  </a:rPr>
+                  <a:t>Wahrscheinlichkeit für ein Bit, noch Null zu sein: [5]</a:t>
+                </a:r>
+              </a:p>
+              <a:p>
+                <a:pPr/>
+                <a14:m>
+                  <m:oMathPara xmlns:m="http://schemas.openxmlformats.org/officeDocument/2006/math">
+                    <m:oMathParaPr>
+                      <m:jc m:val="centerGroup"/>
+                    </m:oMathParaPr>
+                    <m:oMath xmlns:m="http://schemas.openxmlformats.org/officeDocument/2006/math">
+                      <m:sSup>
+                        <m:sSupPr>
+                          <m:ctrlPr>
+                            <a:rPr lang="de-DE" b="0" i="1" smtClean="0">
+                              <a:solidFill>
+                                <a:srgbClr val="000000"/>
+                              </a:solidFill>
+                              <a:latin typeface="Cambria Math" panose="02040503050406030204" pitchFamily="18" charset="0"/>
+                            </a:rPr>
+                          </m:ctrlPr>
+                        </m:sSupPr>
+                        <m:e>
+                          <m:d>
+                            <m:dPr>
+                              <m:ctrlPr>
+                                <a:rPr lang="de-DE" b="0" i="1" smtClean="0">
+                                  <a:solidFill>
+                                    <a:srgbClr val="000000"/>
+                                  </a:solidFill>
+                                  <a:latin typeface="Cambria Math" panose="02040503050406030204" pitchFamily="18" charset="0"/>
+                                </a:rPr>
+                              </m:ctrlPr>
+                            </m:dPr>
+                            <m:e>
+                              <m:r>
+                                <a:rPr lang="de-DE" b="0" i="1" smtClean="0">
+                                  <a:solidFill>
+                                    <a:srgbClr val="000000"/>
+                                  </a:solidFill>
+                                  <a:latin typeface="Cambria Math" panose="02040503050406030204" pitchFamily="18" charset="0"/>
+                                </a:rPr>
+                                <m:t>1−</m:t>
+                              </m:r>
+                              <m:f>
+                                <m:fPr>
+                                  <m:ctrlPr>
+                                    <a:rPr lang="de-DE" b="0" i="1" smtClean="0">
+                                      <a:solidFill>
+                                        <a:srgbClr val="000000"/>
+                                      </a:solidFill>
+                                      <a:latin typeface="Cambria Math" panose="02040503050406030204" pitchFamily="18" charset="0"/>
+                                    </a:rPr>
+                                  </m:ctrlPr>
+                                </m:fPr>
+                                <m:num>
+                                  <m:r>
+                                    <a:rPr lang="de-DE" b="0" i="1" smtClean="0">
+                                      <a:solidFill>
+                                        <a:srgbClr val="000000"/>
+                                      </a:solidFill>
+                                      <a:latin typeface="Cambria Math" panose="02040503050406030204" pitchFamily="18" charset="0"/>
+                                    </a:rPr>
+                                    <m:t>1</m:t>
+                                  </m:r>
+                                </m:num>
+                                <m:den>
+                                  <m:r>
+                                    <a:rPr lang="de-DE" b="0" i="1" smtClean="0">
+                                      <a:solidFill>
+                                        <a:srgbClr val="000000"/>
+                                      </a:solidFill>
+                                      <a:latin typeface="Cambria Math" panose="02040503050406030204" pitchFamily="18" charset="0"/>
+                                    </a:rPr>
+                                    <m:t>𝑚</m:t>
+                                  </m:r>
+                                </m:den>
+                              </m:f>
+                            </m:e>
+                          </m:d>
+                        </m:e>
+                        <m:sup>
+                          <m:r>
+                            <a:rPr lang="de-DE" b="0" i="1" smtClean="0">
+                              <a:solidFill>
+                                <a:srgbClr val="000000"/>
+                              </a:solidFill>
+                              <a:latin typeface="Cambria Math" panose="02040503050406030204" pitchFamily="18" charset="0"/>
+                            </a:rPr>
+                            <m:t>𝑘𝑛</m:t>
+                          </m:r>
+                        </m:sup>
+                      </m:sSup>
+                    </m:oMath>
+                  </m:oMathPara>
+                </a14:m>
+                <a:endParaRPr lang="de-DE" b="0" dirty="0">
+                  <a:solidFill>
+                    <a:srgbClr val="000000"/>
+                  </a:solidFill>
+                </a:endParaRPr>
+              </a:p>
+              <a:p>
+                <a:r>
+                  <a:rPr lang="de-DE" dirty="0">
+                    <a:solidFill>
+                      <a:srgbClr val="000000"/>
+                    </a:solidFill>
+                  </a:rPr>
+                  <a:t>Somit ist die Wahrscheinlichkeit für k Einsen (FPP): [5]</a:t>
+                </a:r>
+              </a:p>
+              <a:p>
+                <a:pPr/>
+                <a14:m>
+                  <m:oMathPara xmlns:m="http://schemas.openxmlformats.org/officeDocument/2006/math">
+                    <m:oMathParaPr>
+                      <m:jc m:val="centerGroup"/>
+                    </m:oMathParaPr>
+                    <m:oMath xmlns:m="http://schemas.openxmlformats.org/officeDocument/2006/math">
+                      <m:r>
+                        <a:rPr lang="de-DE" b="0" i="1" smtClean="0">
+                          <a:solidFill>
+                            <a:srgbClr val="000000"/>
+                          </a:solidFill>
+                          <a:latin typeface="Cambria Math" panose="02040503050406030204" pitchFamily="18" charset="0"/>
+                        </a:rPr>
+                        <m:t>𝐹𝑃𝑃</m:t>
+                      </m:r>
+                      <m:r>
+                        <a:rPr lang="de-DE" b="0" i="1" smtClean="0">
+                          <a:solidFill>
+                            <a:srgbClr val="000000"/>
+                          </a:solidFill>
+                          <a:latin typeface="Cambria Math" panose="02040503050406030204" pitchFamily="18" charset="0"/>
+                        </a:rPr>
+                        <m:t>=</m:t>
+                      </m:r>
+                      <m:sSup>
+                        <m:sSupPr>
+                          <m:ctrlPr>
+                            <a:rPr lang="de-DE" b="0" i="1" smtClean="0">
+                              <a:solidFill>
+                                <a:srgbClr val="000000"/>
+                              </a:solidFill>
+                              <a:latin typeface="Cambria Math" panose="02040503050406030204" pitchFamily="18" charset="0"/>
+                            </a:rPr>
+                          </m:ctrlPr>
+                        </m:sSupPr>
+                        <m:e>
+                          <m:d>
+                            <m:dPr>
+                              <m:ctrlPr>
+                                <a:rPr lang="de-DE" i="1">
+                                  <a:solidFill>
+                                    <a:srgbClr val="000000"/>
+                                  </a:solidFill>
+                                  <a:latin typeface="Cambria Math" panose="02040503050406030204" pitchFamily="18" charset="0"/>
+                                </a:rPr>
+                              </m:ctrlPr>
+                            </m:dPr>
+                            <m:e>
+                              <m:r>
+                                <a:rPr lang="de-DE" i="1">
+                                  <a:solidFill>
+                                    <a:srgbClr val="000000"/>
+                                  </a:solidFill>
+                                  <a:latin typeface="Cambria Math" panose="02040503050406030204" pitchFamily="18" charset="0"/>
+                                </a:rPr>
+                                <m:t>1−</m:t>
+                              </m:r>
+                              <m:sSup>
+                                <m:sSupPr>
+                                  <m:ctrlPr>
+                                    <a:rPr lang="de-DE" i="1">
+                                      <a:solidFill>
+                                        <a:srgbClr val="000000"/>
+                                      </a:solidFill>
+                                      <a:latin typeface="Cambria Math" panose="02040503050406030204" pitchFamily="18" charset="0"/>
+                                    </a:rPr>
+                                  </m:ctrlPr>
+                                </m:sSupPr>
+                                <m:e>
+                                  <m:d>
+                                    <m:dPr>
+                                      <m:ctrlPr>
+                                        <a:rPr lang="de-DE" i="1">
+                                          <a:solidFill>
+                                            <a:srgbClr val="000000"/>
+                                          </a:solidFill>
+                                          <a:latin typeface="Cambria Math" panose="02040503050406030204" pitchFamily="18" charset="0"/>
+                                        </a:rPr>
+                                      </m:ctrlPr>
+                                    </m:dPr>
+                                    <m:e>
+                                      <m:r>
+                                        <a:rPr lang="de-DE" i="1">
+                                          <a:solidFill>
+                                            <a:srgbClr val="000000"/>
+                                          </a:solidFill>
+                                          <a:latin typeface="Cambria Math" panose="02040503050406030204" pitchFamily="18" charset="0"/>
+                                        </a:rPr>
+                                        <m:t>1−</m:t>
+                                      </m:r>
+                                      <m:f>
+                                        <m:fPr>
+                                          <m:ctrlPr>
+                                            <a:rPr lang="de-DE" i="1">
+                                              <a:solidFill>
+                                                <a:srgbClr val="000000"/>
+                                              </a:solidFill>
+                                              <a:latin typeface="Cambria Math" panose="02040503050406030204" pitchFamily="18" charset="0"/>
+                                            </a:rPr>
+                                          </m:ctrlPr>
+                                        </m:fPr>
+                                        <m:num>
+                                          <m:r>
+                                            <a:rPr lang="de-DE" i="1">
+                                              <a:solidFill>
+                                                <a:srgbClr val="000000"/>
+                                              </a:solidFill>
+                                              <a:latin typeface="Cambria Math" panose="02040503050406030204" pitchFamily="18" charset="0"/>
+                                            </a:rPr>
+                                            <m:t>1</m:t>
+                                          </m:r>
+                                        </m:num>
+                                        <m:den>
+                                          <m:r>
+                                            <a:rPr lang="de-DE" i="1">
+                                              <a:solidFill>
+                                                <a:srgbClr val="000000"/>
+                                              </a:solidFill>
+                                              <a:latin typeface="Cambria Math" panose="02040503050406030204" pitchFamily="18" charset="0"/>
+                                            </a:rPr>
+                                            <m:t>𝑚</m:t>
+                                          </m:r>
+                                        </m:den>
+                                      </m:f>
+                                    </m:e>
+                                  </m:d>
+                                </m:e>
+                                <m:sup>
+                                  <m:r>
+                                    <a:rPr lang="de-DE" i="1">
+                                      <a:solidFill>
+                                        <a:srgbClr val="000000"/>
+                                      </a:solidFill>
+                                      <a:latin typeface="Cambria Math" panose="02040503050406030204" pitchFamily="18" charset="0"/>
+                                    </a:rPr>
+                                    <m:t>𝑛𝑘</m:t>
+                                  </m:r>
+                                </m:sup>
+                              </m:sSup>
+                            </m:e>
+                          </m:d>
+                        </m:e>
+                        <m:sup>
+                          <m:r>
+                            <a:rPr lang="de-DE" b="0" i="1" smtClean="0">
+                              <a:solidFill>
+                                <a:srgbClr val="000000"/>
+                              </a:solidFill>
+                              <a:latin typeface="Cambria Math" panose="02040503050406030204" pitchFamily="18" charset="0"/>
+                            </a:rPr>
+                            <m:t>𝑘</m:t>
+                          </m:r>
+                        </m:sup>
+                      </m:sSup>
+                      <m:r>
+                        <a:rPr lang="de-DE" b="0" i="1" smtClean="0">
+                          <a:solidFill>
+                            <a:srgbClr val="000000"/>
+                          </a:solidFill>
+                          <a:latin typeface="Cambria Math" panose="02040503050406030204" pitchFamily="18" charset="0"/>
+                          <a:ea typeface="Cambria Math" panose="02040503050406030204" pitchFamily="18" charset="0"/>
+                        </a:rPr>
+                        <m:t>≈ </m:t>
+                      </m:r>
+                      <m:sSup>
+                        <m:sSupPr>
+                          <m:ctrlPr>
+                            <a:rPr lang="de-DE" b="0" i="1" smtClean="0">
+                              <a:solidFill>
+                                <a:srgbClr val="000000"/>
+                              </a:solidFill>
+                              <a:latin typeface="Cambria Math" panose="02040503050406030204" pitchFamily="18" charset="0"/>
+                              <a:ea typeface="Cambria Math" panose="02040503050406030204" pitchFamily="18" charset="0"/>
+                            </a:rPr>
+                          </m:ctrlPr>
+                        </m:sSupPr>
+                        <m:e>
+                          <m:d>
+                            <m:dPr>
+                              <m:ctrlPr>
+                                <a:rPr lang="de-DE" b="0" i="1" smtClean="0">
+                                  <a:solidFill>
+                                    <a:srgbClr val="000000"/>
+                                  </a:solidFill>
+                                  <a:latin typeface="Cambria Math" panose="02040503050406030204" pitchFamily="18" charset="0"/>
+                                  <a:ea typeface="Cambria Math" panose="02040503050406030204" pitchFamily="18" charset="0"/>
+                                </a:rPr>
+                              </m:ctrlPr>
+                            </m:dPr>
+                            <m:e>
+                              <m:r>
+                                <a:rPr lang="de-DE" b="0" i="1" smtClean="0">
+                                  <a:solidFill>
+                                    <a:srgbClr val="000000"/>
+                                  </a:solidFill>
+                                  <a:latin typeface="Cambria Math" panose="02040503050406030204" pitchFamily="18" charset="0"/>
+                                  <a:ea typeface="Cambria Math" panose="02040503050406030204" pitchFamily="18" charset="0"/>
+                                </a:rPr>
+                                <m:t>1−</m:t>
+                              </m:r>
+                              <m:sSup>
+                                <m:sSupPr>
+                                  <m:ctrlPr>
+                                    <a:rPr lang="de-DE" b="0" i="1" smtClean="0">
+                                      <a:solidFill>
+                                        <a:srgbClr val="000000"/>
+                                      </a:solidFill>
+                                      <a:latin typeface="Cambria Math" panose="02040503050406030204" pitchFamily="18" charset="0"/>
+                                      <a:ea typeface="Cambria Math" panose="02040503050406030204" pitchFamily="18" charset="0"/>
+                                    </a:rPr>
+                                  </m:ctrlPr>
+                                </m:sSupPr>
+                                <m:e>
+                                  <m:r>
+                                    <a:rPr lang="de-DE" b="0" i="1" smtClean="0">
+                                      <a:solidFill>
+                                        <a:srgbClr val="000000"/>
+                                      </a:solidFill>
+                                      <a:latin typeface="Cambria Math" panose="02040503050406030204" pitchFamily="18" charset="0"/>
+                                      <a:ea typeface="Cambria Math" panose="02040503050406030204" pitchFamily="18" charset="0"/>
+                                    </a:rPr>
+                                    <m:t>𝑒</m:t>
+                                  </m:r>
+                                </m:e>
+                                <m:sup>
+                                  <m:r>
+                                    <a:rPr lang="de-DE" b="0" i="1" smtClean="0">
+                                      <a:solidFill>
+                                        <a:srgbClr val="000000"/>
+                                      </a:solidFill>
+                                      <a:latin typeface="Cambria Math" panose="02040503050406030204" pitchFamily="18" charset="0"/>
+                                      <a:ea typeface="Cambria Math" panose="02040503050406030204" pitchFamily="18" charset="0"/>
+                                    </a:rPr>
+                                    <m:t>−</m:t>
+                                  </m:r>
+                                  <m:r>
+                                    <a:rPr lang="de-DE" b="0" i="1" smtClean="0">
+                                      <a:solidFill>
+                                        <a:srgbClr val="000000"/>
+                                      </a:solidFill>
+                                      <a:latin typeface="Cambria Math" panose="02040503050406030204" pitchFamily="18" charset="0"/>
+                                      <a:ea typeface="Cambria Math" panose="02040503050406030204" pitchFamily="18" charset="0"/>
+                                    </a:rPr>
+                                    <m:t>𝑘𝑛</m:t>
+                                  </m:r>
+                                  <m:r>
+                                    <a:rPr lang="de-DE" b="0" i="1" smtClean="0">
+                                      <a:solidFill>
+                                        <a:srgbClr val="000000"/>
+                                      </a:solidFill>
+                                      <a:latin typeface="Cambria Math" panose="02040503050406030204" pitchFamily="18" charset="0"/>
+                                      <a:ea typeface="Cambria Math" panose="02040503050406030204" pitchFamily="18" charset="0"/>
+                                    </a:rPr>
+                                    <m:t>/</m:t>
+                                  </m:r>
+                                  <m:r>
+                                    <a:rPr lang="de-DE" b="0" i="1" smtClean="0">
+                                      <a:solidFill>
+                                        <a:srgbClr val="000000"/>
+                                      </a:solidFill>
+                                      <a:latin typeface="Cambria Math" panose="02040503050406030204" pitchFamily="18" charset="0"/>
+                                      <a:ea typeface="Cambria Math" panose="02040503050406030204" pitchFamily="18" charset="0"/>
+                                    </a:rPr>
+                                    <m:t>𝑚</m:t>
+                                  </m:r>
+                                </m:sup>
+                              </m:sSup>
+                            </m:e>
+                          </m:d>
+                        </m:e>
+                        <m:sup>
+                          <m:r>
+                            <a:rPr lang="de-DE" b="0" i="1" smtClean="0">
+                              <a:solidFill>
+                                <a:srgbClr val="000000"/>
+                              </a:solidFill>
+                              <a:latin typeface="Cambria Math" panose="02040503050406030204" pitchFamily="18" charset="0"/>
+                              <a:ea typeface="Cambria Math" panose="02040503050406030204" pitchFamily="18" charset="0"/>
+                            </a:rPr>
+                            <m:t>𝑘</m:t>
+                          </m:r>
+                        </m:sup>
+                      </m:sSup>
+                    </m:oMath>
+                  </m:oMathPara>
+                </a14:m>
+                <a:endParaRPr lang="de-DE" dirty="0">
+                  <a:solidFill>
+                    <a:srgbClr val="000000"/>
+                  </a:solidFill>
+                </a:endParaRPr>
+              </a:p>
+              <a:p>
+                <a:endParaRPr lang="de-DE" dirty="0">
+                  <a:solidFill>
+                    <a:srgbClr val="000000"/>
+                  </a:solidFill>
+                </a:endParaRPr>
+              </a:p>
+              <a:p>
+                <a:endParaRPr lang="de-DE" dirty="0">
+                  <a:solidFill>
+                    <a:srgbClr val="000000"/>
+                  </a:solidFill>
+                </a:endParaRPr>
+              </a:p>
+              <a:p>
+                <a:endParaRPr lang="de-DE" dirty="0">
+                  <a:solidFill>
+                    <a:srgbClr val="000000"/>
+                  </a:solidFill>
+                </a:endParaRPr>
+              </a:p>
+            </p:txBody>
+          </p:sp>
+        </mc:Choice>
+        <mc:Fallback xmlns="">
+          <p:sp>
+            <p:nvSpPr>
+              <p:cNvPr id="11" name="Textfeld 10">
+                <a:extLst>
+                  <a:ext uri="{FF2B5EF4-FFF2-40B4-BE49-F238E27FC236}">
+                    <a16:creationId xmlns:a16="http://schemas.microsoft.com/office/drawing/2014/main" id="{57246031-85FF-B68C-2B65-72CEF1D1848F}"/>
+                  </a:ext>
+                </a:extLst>
+              </p:cNvPr>
+              <p:cNvSpPr txBox="1">
+                <a:spLocks noRot="1" noChangeAspect="1" noMove="1" noResize="1" noEditPoints="1" noAdjustHandles="1" noChangeArrowheads="1" noChangeShapeType="1" noTextEdit="1"/>
+              </p:cNvSpPr>
+              <p:nvPr/>
+            </p:nvSpPr>
+            <p:spPr>
+              <a:xfrm>
+                <a:off x="611560" y="2307525"/>
+                <a:ext cx="7920880" cy="2950167"/>
+              </a:xfrm>
+              <a:prstGeom prst="rect">
+                <a:avLst/>
+              </a:prstGeom>
+              <a:blipFill>
+                <a:blip r:embed="rId2"/>
+                <a:stretch>
+                  <a:fillRect l="-615" t="-1242"/>
+                </a:stretch>
+              </a:blipFill>
+            </p:spPr>
+            <p:txBody>
+              <a:bodyPr/>
+              <a:lstStyle/>
+              <a:p>
+                <a:r>
+                  <a:rPr lang="de-DE">
+                    <a:noFill/>
+                  </a:rPr>
+                  <a:t> </a:t>
+                </a:r>
+              </a:p>
+            </p:txBody>
+          </p:sp>
+        </mc:Fallback>
+      </mc:AlternateContent>
+    </p:spTree>
+    <p:extLst>
+      <p:ext uri="{BB962C8B-B14F-4D97-AF65-F5344CB8AC3E}">
+        <p14:creationId xmlns:p14="http://schemas.microsoft.com/office/powerpoint/2010/main" val="892721914"/>
+      </p:ext>
+    </p:extLst>
+  </p:cSld>
+  <p:clrMapOvr>
+    <a:masterClrMapping/>
+  </p:clrMapOvr>
+</p:sld>
+</file>
+
+<file path=ppt/slides/slide14.xml><?xml version="1.0" encoding="utf-8"?>
+<p:sld xmlns:a="http://schemas.openxmlformats.org/drawingml/2006/main" xmlns:r="http://schemas.openxmlformats.org/officeDocument/2006/relationships" xmlns:p="http://schemas.openxmlformats.org/presentationml/2006/main">
+  <p:cSld>
+    <p:spTree>
+      <p:nvGrpSpPr>
+        <p:cNvPr id="1" name=""/>
+        <p:cNvGrpSpPr/>
+        <p:nvPr/>
+      </p:nvGrpSpPr>
+      <p:grpSpPr>
+        <a:xfrm>
+          <a:off x="0" y="0"/>
+          <a:ext cx="0" cy="0"/>
+          <a:chOff x="0" y="0"/>
+          <a:chExt cx="0" cy="0"/>
+        </a:xfrm>
+      </p:grpSpPr>
+      <p:sp>
+        <p:nvSpPr>
+          <p:cNvPr id="6" name="Foliennummernplatzhalter 5"/>
+          <p:cNvSpPr>
+            <a:spLocks noGrp="1"/>
+          </p:cNvSpPr>
+          <p:nvPr>
+            <p:ph type="sldNum" sz="quarter" idx="4"/>
+          </p:nvPr>
+        </p:nvSpPr>
+        <p:spPr/>
+        <p:txBody>
+          <a:bodyPr/>
+          <a:lstStyle/>
+          <a:p>
+            <a:fld id="{F9CA7F02-FF28-4D8F-AF3B-6C950C783A54}" type="slidenum">
+              <a:rPr lang="de-DE" smtClean="0"/>
+              <a:pPr/>
+              <a:t>14</a:t>
             </a:fld>
             <a:endParaRPr lang="de-DE"/>
           </a:p>
@@ -6025,7 +7571,7 @@
 </p:sld>
 </file>
 
-<file path=ppt/slides/slide11.xml><?xml version="1.0" encoding="utf-8"?>
+<file path=ppt/slides/slide15.xml><?xml version="1.0" encoding="utf-8"?>
 <p:sld xmlns:a="http://schemas.openxmlformats.org/drawingml/2006/main" xmlns:r="http://schemas.openxmlformats.org/officeDocument/2006/relationships" xmlns:p="http://schemas.openxmlformats.org/presentationml/2006/main">
   <p:cSld>
     <p:spTree>
@@ -6060,7 +7606,7 @@
             <a:fld id="{F9CA7F02-FF28-4D8F-AF3B-6C950C783A54}" type="slidenum">
               <a:rPr lang="de-DE" smtClean="0"/>
               <a:pPr/>
-              <a:t>11</a:t>
+              <a:t>15</a:t>
             </a:fld>
             <a:endParaRPr lang="de-DE"/>
           </a:p>
@@ -6242,7 +7788,7 @@
 </p:sld>
 </file>
 
-<file path=ppt/slides/slide12.xml><?xml version="1.0" encoding="utf-8"?>
+<file path=ppt/slides/slide16.xml><?xml version="1.0" encoding="utf-8"?>
 <p:sld xmlns:a="http://schemas.openxmlformats.org/drawingml/2006/main" xmlns:r="http://schemas.openxmlformats.org/officeDocument/2006/relationships" xmlns:p="http://schemas.openxmlformats.org/presentationml/2006/main">
   <p:cSld>
     <p:spTree>
@@ -6277,7 +7823,7 @@
             <a:fld id="{F9CA7F02-FF28-4D8F-AF3B-6C950C783A54}" type="slidenum">
               <a:rPr lang="de-DE" smtClean="0"/>
               <a:pPr/>
-              <a:t>12</a:t>
+              <a:t>16</a:t>
             </a:fld>
             <a:endParaRPr lang="de-DE"/>
           </a:p>
@@ -6459,7 +8005,7 @@
 </p:sld>
 </file>
 
-<file path=ppt/slides/slide13.xml><?xml version="1.0" encoding="utf-8"?>
+<file path=ppt/slides/slide17.xml><?xml version="1.0" encoding="utf-8"?>
 <p:sld xmlns:a="http://schemas.openxmlformats.org/drawingml/2006/main" xmlns:r="http://schemas.openxmlformats.org/officeDocument/2006/relationships" xmlns:p="http://schemas.openxmlformats.org/presentationml/2006/main">
   <p:cSld>
     <p:spTree>
@@ -6494,7 +8040,7 @@
             <a:fld id="{F9CA7F02-FF28-4D8F-AF3B-6C950C783A54}" type="slidenum">
               <a:rPr lang="de-DE" smtClean="0"/>
               <a:pPr/>
-              <a:t>13</a:t>
+              <a:t>17</a:t>
             </a:fld>
             <a:endParaRPr lang="de-DE"/>
           </a:p>
@@ -6676,7 +8222,7 @@
 </p:sld>
 </file>
 
-<file path=ppt/slides/slide14.xml><?xml version="1.0" encoding="utf-8"?>
+<file path=ppt/slides/slide18.xml><?xml version="1.0" encoding="utf-8"?>
 <p:sld xmlns:a="http://schemas.openxmlformats.org/drawingml/2006/main" xmlns:r="http://schemas.openxmlformats.org/officeDocument/2006/relationships" xmlns:p="http://schemas.openxmlformats.org/presentationml/2006/main">
   <p:cSld>
     <p:spTree>
@@ -6711,7 +8257,7 @@
             <a:fld id="{F9CA7F02-FF28-4D8F-AF3B-6C950C783A54}" type="slidenum">
               <a:rPr lang="de-DE" smtClean="0"/>
               <a:pPr/>
-              <a:t>14</a:t>
+              <a:t>18</a:t>
             </a:fld>
             <a:endParaRPr lang="de-DE"/>
           </a:p>
@@ -6893,7 +8439,7 @@
 </p:sld>
 </file>
 
-<file path=ppt/slides/slide15.xml><?xml version="1.0" encoding="utf-8"?>
+<file path=ppt/slides/slide19.xml><?xml version="1.0" encoding="utf-8"?>
 <p:sld xmlns:a="http://schemas.openxmlformats.org/drawingml/2006/main" xmlns:r="http://schemas.openxmlformats.org/officeDocument/2006/relationships" xmlns:p="http://schemas.openxmlformats.org/presentationml/2006/main">
   <p:cSld>
     <p:spTree>
@@ -6928,7 +8474,7 @@
             <a:fld id="{F9CA7F02-FF28-4D8F-AF3B-6C950C783A54}" type="slidenum">
               <a:rPr lang="de-DE" smtClean="0"/>
               <a:pPr/>
-              <a:t>15</a:t>
+              <a:t>19</a:t>
             </a:fld>
             <a:endParaRPr lang="de-DE" dirty="0"/>
           </a:p>
@@ -7234,7 +8780,7 @@
 </p:sld>
 </file>
 
-<file path=ppt/slides/slide16.xml><?xml version="1.0" encoding="utf-8"?>
+<file path=ppt/slides/slide2.xml><?xml version="1.0" encoding="utf-8"?>
 <p:sld xmlns:a="http://schemas.openxmlformats.org/drawingml/2006/main" xmlns:r="http://schemas.openxmlformats.org/officeDocument/2006/relationships" xmlns:p="http://schemas.openxmlformats.org/presentationml/2006/main">
   <p:cSld>
     <p:spTree>
@@ -7251,6 +8797,171 @@
           <a:chExt cx="0" cy="0"/>
         </a:xfrm>
       </p:grpSpPr>
+      <p:pic>
+        <p:nvPicPr>
+          <p:cNvPr id="12" name="Grafik 11">
+            <a:extLst>
+              <a:ext uri="{FF2B5EF4-FFF2-40B4-BE49-F238E27FC236}">
+                <a16:creationId xmlns:a16="http://schemas.microsoft.com/office/drawing/2014/main" id="{CF18642A-3060-4BB5-9382-A93566EE6512}"/>
+              </a:ext>
+            </a:extLst>
+          </p:cNvPr>
+          <p:cNvPicPr>
+            <a:picLocks noChangeAspect="1"/>
+          </p:cNvPicPr>
+          <p:nvPr/>
+        </p:nvPicPr>
+        <p:blipFill rotWithShape="1">
+          <a:blip r:embed="rId2" cstate="print">
+            <a:extLst>
+              <a:ext uri="{28A0092B-C50C-407E-A947-70E740481C1C}">
+                <a14:useLocalDpi xmlns:a14="http://schemas.microsoft.com/office/drawing/2010/main" val="0"/>
+              </a:ext>
+            </a:extLst>
+          </a:blip>
+          <a:srcRect b="9132"/>
+          <a:stretch/>
+        </p:blipFill>
+        <p:spPr>
+          <a:xfrm>
+            <a:off x="5923911" y="2274027"/>
+            <a:ext cx="3220089" cy="1950674"/>
+          </a:xfrm>
+          <a:prstGeom prst="rect">
+            <a:avLst/>
+          </a:prstGeom>
+        </p:spPr>
+      </p:pic>
+      <p:sp>
+        <p:nvSpPr>
+          <p:cNvPr id="5" name="Titel 1"/>
+          <p:cNvSpPr>
+            <a:spLocks noGrp="1"/>
+          </p:cNvSpPr>
+          <p:nvPr>
+            <p:ph type="ctrTitle"/>
+          </p:nvPr>
+        </p:nvSpPr>
+        <p:spPr/>
+        <p:txBody>
+          <a:bodyPr/>
+          <a:lstStyle/>
+          <a:p>
+            <a:r>
+              <a:rPr lang="de-DE" dirty="0"/>
+              <a:t>BLOOM-FILTER</a:t>
+            </a:r>
+            <a:br>
+              <a:rPr lang="de-DE" dirty="0"/>
+            </a:br>
+            <a:r>
+              <a:rPr lang="de-DE" b="0" dirty="0"/>
+              <a:t>Eine probabilistische Datenstruktur</a:t>
+            </a:r>
+          </a:p>
+        </p:txBody>
+      </p:sp>
+      <p:pic>
+        <p:nvPicPr>
+          <p:cNvPr id="4" name="Grafik 3" descr="Ein Bild, das Text enthält.&#10;&#10;Automatisch generierte Beschreibung">
+            <a:extLst>
+              <a:ext uri="{FF2B5EF4-FFF2-40B4-BE49-F238E27FC236}">
+                <a16:creationId xmlns:a16="http://schemas.microsoft.com/office/drawing/2014/main" id="{42373734-DCCB-440A-B82F-E0615E78D97F}"/>
+              </a:ext>
+            </a:extLst>
+          </p:cNvPr>
+          <p:cNvPicPr>
+            <a:picLocks noChangeAspect="1"/>
+          </p:cNvPicPr>
+          <p:nvPr/>
+        </p:nvPicPr>
+        <p:blipFill>
+          <a:blip r:embed="rId3" cstate="print">
+            <a:extLst>
+              <a:ext uri="{28A0092B-C50C-407E-A947-70E740481C1C}">
+                <a14:useLocalDpi xmlns:a14="http://schemas.microsoft.com/office/drawing/2010/main" val="0"/>
+              </a:ext>
+            </a:extLst>
+          </a:blip>
+          <a:stretch>
+            <a:fillRect/>
+          </a:stretch>
+        </p:blipFill>
+        <p:spPr>
+          <a:xfrm>
+            <a:off x="1" y="2284413"/>
+            <a:ext cx="2910432" cy="1940288"/>
+          </a:xfrm>
+          <a:prstGeom prst="rect">
+            <a:avLst/>
+          </a:prstGeom>
+        </p:spPr>
+      </p:pic>
+      <p:pic>
+        <p:nvPicPr>
+          <p:cNvPr id="7" name="Grafik 6" descr="Ein Bild, das Text, drinnen, computer, Computer enthält.&#10;&#10;Automatisch generierte Beschreibung">
+            <a:extLst>
+              <a:ext uri="{FF2B5EF4-FFF2-40B4-BE49-F238E27FC236}">
+                <a16:creationId xmlns:a16="http://schemas.microsoft.com/office/drawing/2014/main" id="{0E5EAEF7-78D4-4DA5-9997-2A5259E46EC1}"/>
+              </a:ext>
+            </a:extLst>
+          </p:cNvPr>
+          <p:cNvPicPr>
+            <a:picLocks noChangeAspect="1"/>
+          </p:cNvPicPr>
+          <p:nvPr/>
+        </p:nvPicPr>
+        <p:blipFill rotWithShape="1">
+          <a:blip r:embed="rId4" cstate="print">
+            <a:extLst>
+              <a:ext uri="{28A0092B-C50C-407E-A947-70E740481C1C}">
+                <a14:useLocalDpi xmlns:a14="http://schemas.microsoft.com/office/drawing/2010/main" val="0"/>
+              </a:ext>
+            </a:extLst>
+          </a:blip>
+          <a:srcRect b="6404"/>
+          <a:stretch/>
+        </p:blipFill>
+        <p:spPr>
+          <a:xfrm>
+            <a:off x="2953881" y="2284413"/>
+            <a:ext cx="2910431" cy="1940288"/>
+          </a:xfrm>
+          <a:prstGeom prst="rect">
+            <a:avLst/>
+          </a:prstGeom>
+        </p:spPr>
+      </p:pic>
+    </p:spTree>
+    <p:extLst>
+      <p:ext uri="{BB962C8B-B14F-4D97-AF65-F5344CB8AC3E}">
+        <p14:creationId xmlns:p14="http://schemas.microsoft.com/office/powerpoint/2010/main" val="3677729472"/>
+      </p:ext>
+    </p:extLst>
+  </p:cSld>
+  <p:clrMapOvr>
+    <a:masterClrMapping/>
+  </p:clrMapOvr>
+</p:sld>
+</file>
+
+<file path=ppt/slides/slide20.xml><?xml version="1.0" encoding="utf-8"?>
+<p:sld xmlns:a="http://schemas.openxmlformats.org/drawingml/2006/main" xmlns:r="http://schemas.openxmlformats.org/officeDocument/2006/relationships" xmlns:p="http://schemas.openxmlformats.org/presentationml/2006/main">
+  <p:cSld>
+    <p:spTree>
+      <p:nvGrpSpPr>
+        <p:cNvPr id="1" name=""/>
+        <p:cNvGrpSpPr/>
+        <p:nvPr/>
+      </p:nvGrpSpPr>
+      <p:grpSpPr>
+        <a:xfrm>
+          <a:off x="0" y="0"/>
+          <a:ext cx="0" cy="0"/>
+          <a:chOff x="0" y="0"/>
+          <a:chExt cx="0" cy="0"/>
+        </a:xfrm>
+      </p:grpSpPr>
       <p:sp>
         <p:nvSpPr>
           <p:cNvPr id="6" name="Foliennummernplatzhalter 5"/>
@@ -7269,7 +8980,7 @@
             <a:fld id="{F9CA7F02-FF28-4D8F-AF3B-6C950C783A54}" type="slidenum">
               <a:rPr lang="de-DE" smtClean="0"/>
               <a:pPr/>
-              <a:t>16</a:t>
+              <a:t>20</a:t>
             </a:fld>
             <a:endParaRPr lang="de-DE" dirty="0"/>
           </a:p>
@@ -7655,7 +9366,7 @@
 </p:sld>
 </file>
 
-<file path=ppt/slides/slide17.xml><?xml version="1.0" encoding="utf-8"?>
+<file path=ppt/slides/slide21.xml><?xml version="1.0" encoding="utf-8"?>
 <p:sld xmlns:a="http://schemas.openxmlformats.org/drawingml/2006/main" xmlns:r="http://schemas.openxmlformats.org/officeDocument/2006/relationships" xmlns:p="http://schemas.openxmlformats.org/presentationml/2006/main">
   <p:cSld>
     <p:spTree>
@@ -7690,7 +9401,7 @@
             <a:fld id="{F9CA7F02-FF28-4D8F-AF3B-6C950C783A54}" type="slidenum">
               <a:rPr lang="de-DE" smtClean="0"/>
               <a:pPr/>
-              <a:t>17</a:t>
+              <a:t>21</a:t>
             </a:fld>
             <a:endParaRPr lang="de-DE"/>
           </a:p>
@@ -8112,7 +9823,7 @@
 </p:sld>
 </file>
 
-<file path=ppt/slides/slide18.xml><?xml version="1.0" encoding="utf-8"?>
+<file path=ppt/slides/slide22.xml><?xml version="1.0" encoding="utf-8"?>
 <p:sld xmlns:a="http://schemas.openxmlformats.org/drawingml/2006/main" xmlns:r="http://schemas.openxmlformats.org/officeDocument/2006/relationships" xmlns:p="http://schemas.openxmlformats.org/presentationml/2006/main">
   <p:cSld>
     <p:spTree>
@@ -8147,7 +9858,7 @@
             <a:fld id="{F9CA7F02-FF28-4D8F-AF3B-6C950C783A54}" type="slidenum">
               <a:rPr lang="de-DE" smtClean="0"/>
               <a:pPr/>
-              <a:t>18</a:t>
+              <a:t>22</a:t>
             </a:fld>
             <a:endParaRPr lang="de-DE"/>
           </a:p>
@@ -8456,7 +10167,7 @@
 </p:sld>
 </file>
 
-<file path=ppt/slides/slide19.xml><?xml version="1.0" encoding="utf-8"?>
+<file path=ppt/slides/slide23.xml><?xml version="1.0" encoding="utf-8"?>
 <p:sld xmlns:a="http://schemas.openxmlformats.org/drawingml/2006/main" xmlns:r="http://schemas.openxmlformats.org/officeDocument/2006/relationships" xmlns:p="http://schemas.openxmlformats.org/presentationml/2006/main">
   <p:cSld>
     <p:spTree>
@@ -8491,7 +10202,7 @@
             <a:fld id="{F9CA7F02-FF28-4D8F-AF3B-6C950C783A54}" type="slidenum">
               <a:rPr lang="de-DE" smtClean="0"/>
               <a:pPr/>
-              <a:t>19</a:t>
+              <a:t>23</a:t>
             </a:fld>
             <a:endParaRPr lang="de-DE"/>
           </a:p>
@@ -8835,10 +10546,10 @@
       </mc:AlternateContent>
       <p:pic>
         <p:nvPicPr>
-          <p:cNvPr id="9" name="Grafik 8">
+          <p:cNvPr id="10" name="Grafik 9">
             <a:extLst>
               <a:ext uri="{FF2B5EF4-FFF2-40B4-BE49-F238E27FC236}">
-                <a16:creationId xmlns:a16="http://schemas.microsoft.com/office/drawing/2014/main" id="{045DDFF4-437E-05A0-0DEB-64A455B72FC6}"/>
+                <a16:creationId xmlns:a16="http://schemas.microsoft.com/office/drawing/2014/main" id="{FCE469E1-4657-6866-856C-EDDDEEF7D097}"/>
               </a:ext>
             </a:extLst>
           </p:cNvPr>
@@ -8858,13 +10569,13 @@
               </a:ext>
             </a:extLst>
           </a:blip>
-          <a:srcRect l="18319" r="16338" b="66800"/>
+          <a:srcRect l="22279" t="3499" r="20298" b="71000"/>
           <a:stretch/>
         </p:blipFill>
         <p:spPr>
           <a:xfrm>
-            <a:off x="3250708" y="511937"/>
-            <a:ext cx="6072764" cy="4364069"/>
+            <a:off x="3347864" y="699542"/>
+            <a:ext cx="5911879" cy="3713284"/>
           </a:xfrm>
           <a:prstGeom prst="rect">
             <a:avLst/>
@@ -8884,7 +10595,7 @@
 </p:sld>
 </file>
 
-<file path=ppt/slides/slide2.xml><?xml version="1.0" encoding="utf-8"?>
+<file path=ppt/slides/slide24.xml><?xml version="1.0" encoding="utf-8"?>
 <p:sld xmlns:a="http://schemas.openxmlformats.org/drawingml/2006/main" xmlns:r="http://schemas.openxmlformats.org/officeDocument/2006/relationships" xmlns:p="http://schemas.openxmlformats.org/presentationml/2006/main">
   <p:cSld>
     <p:spTree>
@@ -8901,171 +10612,6 @@
           <a:chExt cx="0" cy="0"/>
         </a:xfrm>
       </p:grpSpPr>
-      <p:pic>
-        <p:nvPicPr>
-          <p:cNvPr id="12" name="Grafik 11">
-            <a:extLst>
-              <a:ext uri="{FF2B5EF4-FFF2-40B4-BE49-F238E27FC236}">
-                <a16:creationId xmlns:a16="http://schemas.microsoft.com/office/drawing/2014/main" id="{CF18642A-3060-4BB5-9382-A93566EE6512}"/>
-              </a:ext>
-            </a:extLst>
-          </p:cNvPr>
-          <p:cNvPicPr>
-            <a:picLocks noChangeAspect="1"/>
-          </p:cNvPicPr>
-          <p:nvPr/>
-        </p:nvPicPr>
-        <p:blipFill rotWithShape="1">
-          <a:blip r:embed="rId2" cstate="print">
-            <a:extLst>
-              <a:ext uri="{28A0092B-C50C-407E-A947-70E740481C1C}">
-                <a14:useLocalDpi xmlns:a14="http://schemas.microsoft.com/office/drawing/2010/main" val="0"/>
-              </a:ext>
-            </a:extLst>
-          </a:blip>
-          <a:srcRect b="9132"/>
-          <a:stretch/>
-        </p:blipFill>
-        <p:spPr>
-          <a:xfrm>
-            <a:off x="5923911" y="2274027"/>
-            <a:ext cx="3220089" cy="1950674"/>
-          </a:xfrm>
-          <a:prstGeom prst="rect">
-            <a:avLst/>
-          </a:prstGeom>
-        </p:spPr>
-      </p:pic>
-      <p:sp>
-        <p:nvSpPr>
-          <p:cNvPr id="5" name="Titel 1"/>
-          <p:cNvSpPr>
-            <a:spLocks noGrp="1"/>
-          </p:cNvSpPr>
-          <p:nvPr>
-            <p:ph type="ctrTitle"/>
-          </p:nvPr>
-        </p:nvSpPr>
-        <p:spPr/>
-        <p:txBody>
-          <a:bodyPr/>
-          <a:lstStyle/>
-          <a:p>
-            <a:r>
-              <a:rPr lang="de-DE" dirty="0"/>
-              <a:t>BLOOM-FILTER</a:t>
-            </a:r>
-            <a:br>
-              <a:rPr lang="de-DE" dirty="0"/>
-            </a:br>
-            <a:r>
-              <a:rPr lang="de-DE" b="0" dirty="0"/>
-              <a:t>Eine probabilistische Datenstruktur</a:t>
-            </a:r>
-          </a:p>
-        </p:txBody>
-      </p:sp>
-      <p:pic>
-        <p:nvPicPr>
-          <p:cNvPr id="4" name="Grafik 3" descr="Ein Bild, das Text enthält.&#10;&#10;Automatisch generierte Beschreibung">
-            <a:extLst>
-              <a:ext uri="{FF2B5EF4-FFF2-40B4-BE49-F238E27FC236}">
-                <a16:creationId xmlns:a16="http://schemas.microsoft.com/office/drawing/2014/main" id="{42373734-DCCB-440A-B82F-E0615E78D97F}"/>
-              </a:ext>
-            </a:extLst>
-          </p:cNvPr>
-          <p:cNvPicPr>
-            <a:picLocks noChangeAspect="1"/>
-          </p:cNvPicPr>
-          <p:nvPr/>
-        </p:nvPicPr>
-        <p:blipFill>
-          <a:blip r:embed="rId3" cstate="print">
-            <a:extLst>
-              <a:ext uri="{28A0092B-C50C-407E-A947-70E740481C1C}">
-                <a14:useLocalDpi xmlns:a14="http://schemas.microsoft.com/office/drawing/2010/main" val="0"/>
-              </a:ext>
-            </a:extLst>
-          </a:blip>
-          <a:stretch>
-            <a:fillRect/>
-          </a:stretch>
-        </p:blipFill>
-        <p:spPr>
-          <a:xfrm>
-            <a:off x="1" y="2284413"/>
-            <a:ext cx="2910432" cy="1940288"/>
-          </a:xfrm>
-          <a:prstGeom prst="rect">
-            <a:avLst/>
-          </a:prstGeom>
-        </p:spPr>
-      </p:pic>
-      <p:pic>
-        <p:nvPicPr>
-          <p:cNvPr id="7" name="Grafik 6" descr="Ein Bild, das Text, drinnen, computer, Computer enthält.&#10;&#10;Automatisch generierte Beschreibung">
-            <a:extLst>
-              <a:ext uri="{FF2B5EF4-FFF2-40B4-BE49-F238E27FC236}">
-                <a16:creationId xmlns:a16="http://schemas.microsoft.com/office/drawing/2014/main" id="{0E5EAEF7-78D4-4DA5-9997-2A5259E46EC1}"/>
-              </a:ext>
-            </a:extLst>
-          </p:cNvPr>
-          <p:cNvPicPr>
-            <a:picLocks noChangeAspect="1"/>
-          </p:cNvPicPr>
-          <p:nvPr/>
-        </p:nvPicPr>
-        <p:blipFill rotWithShape="1">
-          <a:blip r:embed="rId4" cstate="print">
-            <a:extLst>
-              <a:ext uri="{28A0092B-C50C-407E-A947-70E740481C1C}">
-                <a14:useLocalDpi xmlns:a14="http://schemas.microsoft.com/office/drawing/2010/main" val="0"/>
-              </a:ext>
-            </a:extLst>
-          </a:blip>
-          <a:srcRect b="6404"/>
-          <a:stretch/>
-        </p:blipFill>
-        <p:spPr>
-          <a:xfrm>
-            <a:off x="2953881" y="2284413"/>
-            <a:ext cx="2910431" cy="1940288"/>
-          </a:xfrm>
-          <a:prstGeom prst="rect">
-            <a:avLst/>
-          </a:prstGeom>
-        </p:spPr>
-      </p:pic>
-    </p:spTree>
-    <p:extLst>
-      <p:ext uri="{BB962C8B-B14F-4D97-AF65-F5344CB8AC3E}">
-        <p14:creationId xmlns:p14="http://schemas.microsoft.com/office/powerpoint/2010/main" val="3677729472"/>
-      </p:ext>
-    </p:extLst>
-  </p:cSld>
-  <p:clrMapOvr>
-    <a:masterClrMapping/>
-  </p:clrMapOvr>
-</p:sld>
-</file>
-
-<file path=ppt/slides/slide20.xml><?xml version="1.0" encoding="utf-8"?>
-<p:sld xmlns:a="http://schemas.openxmlformats.org/drawingml/2006/main" xmlns:r="http://schemas.openxmlformats.org/officeDocument/2006/relationships" xmlns:p="http://schemas.openxmlformats.org/presentationml/2006/main">
-  <p:cSld>
-    <p:spTree>
-      <p:nvGrpSpPr>
-        <p:cNvPr id="1" name=""/>
-        <p:cNvGrpSpPr/>
-        <p:nvPr/>
-      </p:nvGrpSpPr>
-      <p:grpSpPr>
-        <a:xfrm>
-          <a:off x="0" y="0"/>
-          <a:ext cx="0" cy="0"/>
-          <a:chOff x="0" y="0"/>
-          <a:chExt cx="0" cy="0"/>
-        </a:xfrm>
-      </p:grpSpPr>
       <p:sp>
         <p:nvSpPr>
           <p:cNvPr id="6" name="Foliennummernplatzhalter 5"/>
@@ -9084,7 +10630,7 @@
             <a:fld id="{F9CA7F02-FF28-4D8F-AF3B-6C950C783A54}" type="slidenum">
               <a:rPr lang="de-DE" smtClean="0"/>
               <a:pPr/>
-              <a:t>20</a:t>
+              <a:t>24</a:t>
             </a:fld>
             <a:endParaRPr lang="de-DE"/>
           </a:p>
@@ -9416,1398 +10962,6 @@
 </p:sld>
 </file>
 
-<file path=ppt/slides/slide21.xml><?xml version="1.0" encoding="utf-8"?>
-<p:sld xmlns:a="http://schemas.openxmlformats.org/drawingml/2006/main" xmlns:r="http://schemas.openxmlformats.org/officeDocument/2006/relationships" xmlns:p="http://schemas.openxmlformats.org/presentationml/2006/main">
-  <p:cSld>
-    <p:spTree>
-      <p:nvGrpSpPr>
-        <p:cNvPr id="1" name=""/>
-        <p:cNvGrpSpPr/>
-        <p:nvPr/>
-      </p:nvGrpSpPr>
-      <p:grpSpPr>
-        <a:xfrm>
-          <a:off x="0" y="0"/>
-          <a:ext cx="0" cy="0"/>
-          <a:chOff x="0" y="0"/>
-          <a:chExt cx="0" cy="0"/>
-        </a:xfrm>
-      </p:grpSpPr>
-      <p:sp>
-        <p:nvSpPr>
-          <p:cNvPr id="6" name="Foliennummernplatzhalter 5"/>
-          <p:cNvSpPr>
-            <a:spLocks noGrp="1"/>
-          </p:cNvSpPr>
-          <p:nvPr>
-            <p:ph type="sldNum" sz="quarter" idx="4"/>
-          </p:nvPr>
-        </p:nvSpPr>
-        <p:spPr/>
-        <p:txBody>
-          <a:bodyPr/>
-          <a:lstStyle/>
-          <a:p>
-            <a:fld id="{F9CA7F02-FF28-4D8F-AF3B-6C950C783A54}" type="slidenum">
-              <a:rPr lang="de-DE" smtClean="0"/>
-              <a:pPr/>
-              <a:t>21</a:t>
-            </a:fld>
-            <a:endParaRPr lang="de-DE"/>
-          </a:p>
-        </p:txBody>
-      </p:sp>
-      <p:sp>
-        <p:nvSpPr>
-          <p:cNvPr id="3" name="Titel 2"/>
-          <p:cNvSpPr>
-            <a:spLocks noGrp="1"/>
-          </p:cNvSpPr>
-          <p:nvPr>
-            <p:ph type="title"/>
-          </p:nvPr>
-        </p:nvSpPr>
-        <p:spPr/>
-        <p:txBody>
-          <a:bodyPr/>
-          <a:lstStyle/>
-          <a:p>
-            <a:r>
-              <a:rPr lang="de-DE" dirty="0"/>
-              <a:t>BLOOM-FILTER</a:t>
-            </a:r>
-          </a:p>
-        </p:txBody>
-      </p:sp>
-      <p:sp>
-        <p:nvSpPr>
-          <p:cNvPr id="4" name="Inhaltsplatzhalter 3"/>
-          <p:cNvSpPr>
-            <a:spLocks noGrp="1"/>
-          </p:cNvSpPr>
-          <p:nvPr>
-            <p:ph sz="quarter" idx="13"/>
-          </p:nvPr>
-        </p:nvSpPr>
-        <p:spPr>
-          <a:xfrm>
-            <a:off x="936000" y="699542"/>
-            <a:ext cx="7308000" cy="429622"/>
-          </a:xfrm>
-        </p:spPr>
-        <p:txBody>
-          <a:bodyPr/>
-          <a:lstStyle/>
-          <a:p>
-            <a:r>
-              <a:rPr lang="de-DE" dirty="0"/>
-              <a:t>Zusammenfassung</a:t>
-            </a:r>
-          </a:p>
-        </p:txBody>
-      </p:sp>
-      <p:sp>
-        <p:nvSpPr>
-          <p:cNvPr id="7" name="Fußzeilenplatzhalter 6"/>
-          <p:cNvSpPr>
-            <a:spLocks noGrp="1"/>
-          </p:cNvSpPr>
-          <p:nvPr>
-            <p:ph type="ftr" sz="quarter" idx="3"/>
-          </p:nvPr>
-        </p:nvSpPr>
-        <p:spPr/>
-        <p:txBody>
-          <a:bodyPr/>
-          <a:lstStyle/>
-          <a:p>
-            <a:r>
-              <a:rPr lang="de-DE" dirty="0"/>
-              <a:t>TU Bergakademie Freiberg | Vortragender: Florian Schierz | 2022</a:t>
-            </a:r>
-          </a:p>
-        </p:txBody>
-      </p:sp>
-      <p:sp>
-        <p:nvSpPr>
-          <p:cNvPr id="8" name="Textfeld 7">
-            <a:extLst>
-              <a:ext uri="{FF2B5EF4-FFF2-40B4-BE49-F238E27FC236}">
-                <a16:creationId xmlns:a16="http://schemas.microsoft.com/office/drawing/2014/main" id="{093EC415-536A-DF25-47D2-0D0A17C6051B}"/>
-              </a:ext>
-            </a:extLst>
-          </p:cNvPr>
-          <p:cNvSpPr txBox="1"/>
-          <p:nvPr/>
-        </p:nvSpPr>
-        <p:spPr>
-          <a:xfrm>
-            <a:off x="611560" y="1203598"/>
-            <a:ext cx="6768752" cy="2585323"/>
-          </a:xfrm>
-          <a:prstGeom prst="rect">
-            <a:avLst/>
-          </a:prstGeom>
-          <a:noFill/>
-        </p:spPr>
-        <p:txBody>
-          <a:bodyPr wrap="square" rtlCol="0">
-            <a:spAutoFit/>
-          </a:bodyPr>
-          <a:lstStyle/>
-          <a:p>
-            <a:pPr marL="285750" indent="-285750">
-              <a:buFont typeface="Arial" panose="020B0604020202020204" pitchFamily="34" charset="0"/>
-              <a:buChar char="•"/>
-            </a:pPr>
-            <a:r>
-              <a:rPr lang="de-DE" dirty="0">
-                <a:solidFill>
-                  <a:srgbClr val="000000"/>
-                </a:solidFill>
-              </a:rPr>
-              <a:t>In </a:t>
-            </a:r>
-            <a:r>
-              <a:rPr lang="de-DE" b="1" dirty="0">
-                <a:solidFill>
-                  <a:srgbClr val="000000"/>
-                </a:solidFill>
-              </a:rPr>
-              <a:t>Praxis</a:t>
-            </a:r>
-            <a:r>
-              <a:rPr lang="de-DE" dirty="0">
-                <a:solidFill>
-                  <a:srgbClr val="000000"/>
-                </a:solidFill>
-              </a:rPr>
-              <a:t> und </a:t>
-            </a:r>
-            <a:r>
-              <a:rPr lang="de-DE" b="1" dirty="0">
-                <a:solidFill>
-                  <a:srgbClr val="000000"/>
-                </a:solidFill>
-              </a:rPr>
-              <a:t>Literatur</a:t>
-            </a:r>
-            <a:r>
-              <a:rPr lang="de-DE" dirty="0">
-                <a:solidFill>
-                  <a:srgbClr val="000000"/>
-                </a:solidFill>
-              </a:rPr>
-              <a:t> seit Erfindung (1970) oft thematisiert</a:t>
-            </a:r>
-          </a:p>
-          <a:p>
-            <a:pPr marL="285750" indent="-285750">
-              <a:buFont typeface="Arial" panose="020B0604020202020204" pitchFamily="34" charset="0"/>
-              <a:buChar char="•"/>
-            </a:pPr>
-            <a:r>
-              <a:rPr lang="de-DE" dirty="0">
-                <a:solidFill>
-                  <a:srgbClr val="000000"/>
-                </a:solidFill>
-              </a:rPr>
-              <a:t>Beliebt aufgrund der </a:t>
-            </a:r>
-            <a:r>
-              <a:rPr lang="de-DE" b="1" dirty="0">
-                <a:solidFill>
-                  <a:srgbClr val="000000"/>
-                </a:solidFill>
-              </a:rPr>
-              <a:t>Effizienz</a:t>
-            </a:r>
-            <a:r>
-              <a:rPr lang="de-DE" dirty="0">
-                <a:solidFill>
-                  <a:srgbClr val="000000"/>
-                </a:solidFill>
-              </a:rPr>
-              <a:t> und </a:t>
-            </a:r>
-            <a:r>
-              <a:rPr lang="de-DE" b="1" dirty="0">
-                <a:solidFill>
-                  <a:srgbClr val="000000"/>
-                </a:solidFill>
-              </a:rPr>
-              <a:t>Vielseitigkeit</a:t>
-            </a:r>
-          </a:p>
-          <a:p>
-            <a:pPr marL="285750" indent="-285750">
-              <a:buFont typeface="Arial" panose="020B0604020202020204" pitchFamily="34" charset="0"/>
-              <a:buChar char="•"/>
-            </a:pPr>
-            <a:r>
-              <a:rPr lang="de-DE" dirty="0">
-                <a:solidFill>
-                  <a:srgbClr val="000000"/>
-                </a:solidFill>
-              </a:rPr>
-              <a:t>Ständige </a:t>
-            </a:r>
-            <a:r>
-              <a:rPr lang="de-DE" b="1" dirty="0">
-                <a:solidFill>
-                  <a:srgbClr val="000000"/>
-                </a:solidFill>
-              </a:rPr>
-              <a:t>Weiterentwicklung</a:t>
-            </a:r>
-            <a:r>
-              <a:rPr lang="de-DE" dirty="0">
-                <a:solidFill>
-                  <a:srgbClr val="000000"/>
-                </a:solidFill>
-              </a:rPr>
-              <a:t>, neue </a:t>
-            </a:r>
-            <a:r>
-              <a:rPr lang="de-DE" b="1" dirty="0">
-                <a:solidFill>
-                  <a:srgbClr val="000000"/>
-                </a:solidFill>
-              </a:rPr>
-              <a:t>Varianten</a:t>
-            </a:r>
-            <a:r>
-              <a:rPr lang="de-DE" dirty="0">
-                <a:solidFill>
-                  <a:srgbClr val="000000"/>
-                </a:solidFill>
-              </a:rPr>
-              <a:t> </a:t>
-            </a:r>
-          </a:p>
-          <a:p>
-            <a:r>
-              <a:rPr lang="de-DE" dirty="0">
-                <a:solidFill>
-                  <a:srgbClr val="000000"/>
-                </a:solidFill>
-                <a:sym typeface="Wingdings" panose="05000000000000000000" pitchFamily="2" charset="2"/>
-              </a:rPr>
-              <a:t>	</a:t>
-            </a:r>
-            <a:r>
-              <a:rPr lang="de-DE" dirty="0">
-                <a:solidFill>
-                  <a:srgbClr val="000000"/>
-                </a:solidFill>
-              </a:rPr>
-              <a:t>Welche Variante ist am </a:t>
-            </a:r>
-            <a:r>
-              <a:rPr lang="de-DE" b="1" dirty="0">
-                <a:solidFill>
-                  <a:srgbClr val="000000"/>
-                </a:solidFill>
-              </a:rPr>
-              <a:t>besten</a:t>
-            </a:r>
-            <a:r>
-              <a:rPr lang="de-DE" dirty="0">
-                <a:solidFill>
-                  <a:srgbClr val="000000"/>
-                </a:solidFill>
-              </a:rPr>
-              <a:t>?</a:t>
-            </a:r>
-          </a:p>
-          <a:p>
-            <a:pPr marL="285750" indent="-285750">
-              <a:buFont typeface="Arial" panose="020B0604020202020204" pitchFamily="34" charset="0"/>
-              <a:buChar char="•"/>
-            </a:pPr>
-            <a:r>
-              <a:rPr lang="de-DE" dirty="0">
-                <a:solidFill>
-                  <a:srgbClr val="000000"/>
-                </a:solidFill>
-              </a:rPr>
-              <a:t>Benötigt meist </a:t>
-            </a:r>
-            <a:r>
-              <a:rPr lang="de-DE" b="1" dirty="0">
-                <a:solidFill>
-                  <a:srgbClr val="000000"/>
-                </a:solidFill>
-              </a:rPr>
-              <a:t>weitere Datenstruktur</a:t>
-            </a:r>
-            <a:r>
-              <a:rPr lang="de-DE" dirty="0">
-                <a:solidFill>
-                  <a:srgbClr val="000000"/>
-                </a:solidFill>
-              </a:rPr>
-              <a:t>, die Daten wirklich speichert</a:t>
-            </a:r>
-          </a:p>
-          <a:p>
-            <a:pPr marL="285750" indent="-285750">
-              <a:buFont typeface="Arial" panose="020B0604020202020204" pitchFamily="34" charset="0"/>
-              <a:buChar char="•"/>
-            </a:pPr>
-            <a:endParaRPr lang="de-DE" dirty="0">
-              <a:solidFill>
-                <a:srgbClr val="000000"/>
-              </a:solidFill>
-            </a:endParaRPr>
-          </a:p>
-          <a:p>
-            <a:pPr marL="285750" indent="-285750">
-              <a:buFont typeface="Arial" panose="020B0604020202020204" pitchFamily="34" charset="0"/>
-              <a:buChar char="•"/>
-            </a:pPr>
-            <a:r>
-              <a:rPr lang="de-DE" b="1" dirty="0">
-                <a:solidFill>
-                  <a:srgbClr val="0064A8"/>
-                </a:solidFill>
-              </a:rPr>
-              <a:t>Ist eine Datenstruktur mit den Eigenschaften des Bloom-Filters möglich, die zudem die Elemente selbst speichert?</a:t>
-            </a:r>
-          </a:p>
-          <a:p>
-            <a:pPr marL="285750" indent="-285750">
-              <a:buFont typeface="Arial" panose="020B0604020202020204" pitchFamily="34" charset="0"/>
-              <a:buChar char="•"/>
-            </a:pPr>
-            <a:endParaRPr lang="de-DE" dirty="0"/>
-          </a:p>
-        </p:txBody>
-      </p:sp>
-    </p:spTree>
-    <p:extLst>
-      <p:ext uri="{BB962C8B-B14F-4D97-AF65-F5344CB8AC3E}">
-        <p14:creationId xmlns:p14="http://schemas.microsoft.com/office/powerpoint/2010/main" val="2716102838"/>
-      </p:ext>
-    </p:extLst>
-  </p:cSld>
-  <p:clrMapOvr>
-    <a:masterClrMapping/>
-  </p:clrMapOvr>
-</p:sld>
-</file>
-
-<file path=ppt/slides/slide22.xml><?xml version="1.0" encoding="utf-8"?>
-<p:sld xmlns:a="http://schemas.openxmlformats.org/drawingml/2006/main" xmlns:r="http://schemas.openxmlformats.org/officeDocument/2006/relationships" xmlns:p="http://schemas.openxmlformats.org/presentationml/2006/main">
-  <p:cSld>
-    <p:spTree>
-      <p:nvGrpSpPr>
-        <p:cNvPr id="1" name=""/>
-        <p:cNvGrpSpPr/>
-        <p:nvPr/>
-      </p:nvGrpSpPr>
-      <p:grpSpPr>
-        <a:xfrm>
-          <a:off x="0" y="0"/>
-          <a:ext cx="0" cy="0"/>
-          <a:chOff x="0" y="0"/>
-          <a:chExt cx="0" cy="0"/>
-        </a:xfrm>
-      </p:grpSpPr>
-      <p:sp>
-        <p:nvSpPr>
-          <p:cNvPr id="6" name="Foliennummernplatzhalter 5"/>
-          <p:cNvSpPr>
-            <a:spLocks noGrp="1"/>
-          </p:cNvSpPr>
-          <p:nvPr>
-            <p:ph type="sldNum" sz="quarter" idx="4"/>
-          </p:nvPr>
-        </p:nvSpPr>
-        <p:spPr/>
-        <p:txBody>
-          <a:bodyPr/>
-          <a:lstStyle/>
-          <a:p>
-            <a:fld id="{F9CA7F02-FF28-4D8F-AF3B-6C950C783A54}" type="slidenum">
-              <a:rPr lang="de-DE" smtClean="0"/>
-              <a:pPr/>
-              <a:t>22</a:t>
-            </a:fld>
-            <a:endParaRPr lang="de-DE"/>
-          </a:p>
-        </p:txBody>
-      </p:sp>
-      <p:sp>
-        <p:nvSpPr>
-          <p:cNvPr id="3" name="Titel 2"/>
-          <p:cNvSpPr>
-            <a:spLocks noGrp="1"/>
-          </p:cNvSpPr>
-          <p:nvPr>
-            <p:ph type="title"/>
-          </p:nvPr>
-        </p:nvSpPr>
-        <p:spPr/>
-        <p:txBody>
-          <a:bodyPr/>
-          <a:lstStyle/>
-          <a:p>
-            <a:r>
-              <a:rPr lang="de-DE" dirty="0"/>
-              <a:t>BLOOM-FILTER</a:t>
-            </a:r>
-          </a:p>
-        </p:txBody>
-      </p:sp>
-      <p:sp>
-        <p:nvSpPr>
-          <p:cNvPr id="4" name="Inhaltsplatzhalter 3"/>
-          <p:cNvSpPr>
-            <a:spLocks noGrp="1"/>
-          </p:cNvSpPr>
-          <p:nvPr>
-            <p:ph sz="quarter" idx="13"/>
-          </p:nvPr>
-        </p:nvSpPr>
-        <p:spPr>
-          <a:xfrm>
-            <a:off x="936000" y="699542"/>
-            <a:ext cx="7308000" cy="429622"/>
-          </a:xfrm>
-        </p:spPr>
-        <p:txBody>
-          <a:bodyPr/>
-          <a:lstStyle/>
-          <a:p>
-            <a:r>
-              <a:rPr lang="de-DE" dirty="0"/>
-              <a:t>Diskussion</a:t>
-            </a:r>
-          </a:p>
-        </p:txBody>
-      </p:sp>
-      <p:sp>
-        <p:nvSpPr>
-          <p:cNvPr id="7" name="Fußzeilenplatzhalter 6"/>
-          <p:cNvSpPr>
-            <a:spLocks noGrp="1"/>
-          </p:cNvSpPr>
-          <p:nvPr>
-            <p:ph type="ftr" sz="quarter" idx="3"/>
-          </p:nvPr>
-        </p:nvSpPr>
-        <p:spPr/>
-        <p:txBody>
-          <a:bodyPr/>
-          <a:lstStyle/>
-          <a:p>
-            <a:r>
-              <a:rPr lang="de-DE" dirty="0"/>
-              <a:t>TU Bergakademie Freiberg | Vortragender: Florian Schierz | 2022</a:t>
-            </a:r>
-          </a:p>
-        </p:txBody>
-      </p:sp>
-      <p:sp>
-        <p:nvSpPr>
-          <p:cNvPr id="8" name="Textfeld 7">
-            <a:extLst>
-              <a:ext uri="{FF2B5EF4-FFF2-40B4-BE49-F238E27FC236}">
-                <a16:creationId xmlns:a16="http://schemas.microsoft.com/office/drawing/2014/main" id="{A04075D0-33B8-9F09-E1F9-193D4F6D6A8C}"/>
-              </a:ext>
-            </a:extLst>
-          </p:cNvPr>
-          <p:cNvSpPr txBox="1"/>
-          <p:nvPr/>
-        </p:nvSpPr>
-        <p:spPr>
-          <a:xfrm>
-            <a:off x="611560" y="1203598"/>
-            <a:ext cx="4968552" cy="1754326"/>
-          </a:xfrm>
-          <a:prstGeom prst="rect">
-            <a:avLst/>
-          </a:prstGeom>
-          <a:noFill/>
-        </p:spPr>
-        <p:txBody>
-          <a:bodyPr wrap="square" rtlCol="0">
-            <a:spAutoFit/>
-          </a:bodyPr>
-          <a:lstStyle/>
-          <a:p>
-            <a:pPr marL="285750" indent="-285750">
-              <a:buFont typeface="Arial" panose="020B0604020202020204" pitchFamily="34" charset="0"/>
-              <a:buChar char="•"/>
-            </a:pPr>
-            <a:r>
-              <a:rPr lang="de-DE" dirty="0"/>
-              <a:t>Prinzipielle Idee</a:t>
-            </a:r>
-          </a:p>
-          <a:p>
-            <a:pPr marL="285750" indent="-285750">
-              <a:buFont typeface="Arial" panose="020B0604020202020204" pitchFamily="34" charset="0"/>
-              <a:buChar char="•"/>
-            </a:pPr>
-            <a:r>
-              <a:rPr lang="de-DE" dirty="0"/>
-              <a:t>Anwendungen</a:t>
-            </a:r>
-          </a:p>
-          <a:p>
-            <a:pPr marL="285750" indent="-285750">
-              <a:buFont typeface="Arial" panose="020B0604020202020204" pitchFamily="34" charset="0"/>
-              <a:buChar char="•"/>
-            </a:pPr>
-            <a:r>
-              <a:rPr lang="de-DE" dirty="0"/>
-              <a:t>Funktionsweise und Operationen</a:t>
-            </a:r>
-          </a:p>
-          <a:p>
-            <a:pPr marL="285750" indent="-285750">
-              <a:buFont typeface="Arial" panose="020B0604020202020204" pitchFamily="34" charset="0"/>
-              <a:buChar char="•"/>
-            </a:pPr>
-            <a:r>
-              <a:rPr lang="de-DE" dirty="0"/>
-              <a:t>Varianten</a:t>
-            </a:r>
-          </a:p>
-          <a:p>
-            <a:pPr marL="285750" indent="-285750">
-              <a:buFont typeface="Arial" panose="020B0604020202020204" pitchFamily="34" charset="0"/>
-              <a:buChar char="•"/>
-            </a:pPr>
-            <a:r>
-              <a:rPr lang="de-DE" dirty="0"/>
-              <a:t>Zusammenfassung</a:t>
-            </a:r>
-          </a:p>
-          <a:p>
-            <a:pPr marL="285750" indent="-285750">
-              <a:buFont typeface="Arial" panose="020B0604020202020204" pitchFamily="34" charset="0"/>
-              <a:buChar char="•"/>
-            </a:pPr>
-            <a:r>
-              <a:rPr lang="de-DE" dirty="0"/>
-              <a:t>Quellen</a:t>
-            </a:r>
-          </a:p>
-        </p:txBody>
-      </p:sp>
-    </p:spTree>
-    <p:extLst>
-      <p:ext uri="{BB962C8B-B14F-4D97-AF65-F5344CB8AC3E}">
-        <p14:creationId xmlns:p14="http://schemas.microsoft.com/office/powerpoint/2010/main" val="2003097720"/>
-      </p:ext>
-    </p:extLst>
-  </p:cSld>
-  <p:clrMapOvr>
-    <a:masterClrMapping/>
-  </p:clrMapOvr>
-</p:sld>
-</file>
-
-<file path=ppt/slides/slide23.xml><?xml version="1.0" encoding="utf-8"?>
-<p:sld xmlns:a="http://schemas.openxmlformats.org/drawingml/2006/main" xmlns:r="http://schemas.openxmlformats.org/officeDocument/2006/relationships" xmlns:p="http://schemas.openxmlformats.org/presentationml/2006/main">
-  <p:cSld>
-    <p:spTree>
-      <p:nvGrpSpPr>
-        <p:cNvPr id="1" name=""/>
-        <p:cNvGrpSpPr/>
-        <p:nvPr/>
-      </p:nvGrpSpPr>
-      <p:grpSpPr>
-        <a:xfrm>
-          <a:off x="0" y="0"/>
-          <a:ext cx="0" cy="0"/>
-          <a:chOff x="0" y="0"/>
-          <a:chExt cx="0" cy="0"/>
-        </a:xfrm>
-      </p:grpSpPr>
-      <p:sp>
-        <p:nvSpPr>
-          <p:cNvPr id="6" name="Foliennummernplatzhalter 5"/>
-          <p:cNvSpPr>
-            <a:spLocks noGrp="1"/>
-          </p:cNvSpPr>
-          <p:nvPr>
-            <p:ph type="sldNum" sz="quarter" idx="4"/>
-          </p:nvPr>
-        </p:nvSpPr>
-        <p:spPr/>
-        <p:txBody>
-          <a:bodyPr/>
-          <a:lstStyle/>
-          <a:p>
-            <a:fld id="{F9CA7F02-FF28-4D8F-AF3B-6C950C783A54}" type="slidenum">
-              <a:rPr lang="de-DE" smtClean="0"/>
-              <a:pPr/>
-              <a:t>23</a:t>
-            </a:fld>
-            <a:endParaRPr lang="de-DE"/>
-          </a:p>
-        </p:txBody>
-      </p:sp>
-      <p:sp>
-        <p:nvSpPr>
-          <p:cNvPr id="3" name="Titel 2"/>
-          <p:cNvSpPr>
-            <a:spLocks noGrp="1"/>
-          </p:cNvSpPr>
-          <p:nvPr>
-            <p:ph type="title"/>
-          </p:nvPr>
-        </p:nvSpPr>
-        <p:spPr/>
-        <p:txBody>
-          <a:bodyPr/>
-          <a:lstStyle/>
-          <a:p>
-            <a:r>
-              <a:rPr lang="de-DE" dirty="0"/>
-              <a:t>BLOOM-FILTER</a:t>
-            </a:r>
-          </a:p>
-        </p:txBody>
-      </p:sp>
-      <p:sp>
-        <p:nvSpPr>
-          <p:cNvPr id="4" name="Inhaltsplatzhalter 3"/>
-          <p:cNvSpPr>
-            <a:spLocks noGrp="1"/>
-          </p:cNvSpPr>
-          <p:nvPr>
-            <p:ph sz="quarter" idx="13"/>
-          </p:nvPr>
-        </p:nvSpPr>
-        <p:spPr>
-          <a:xfrm>
-            <a:off x="936000" y="699542"/>
-            <a:ext cx="7308000" cy="429622"/>
-          </a:xfrm>
-        </p:spPr>
-        <p:txBody>
-          <a:bodyPr/>
-          <a:lstStyle/>
-          <a:p>
-            <a:r>
-              <a:rPr lang="de-DE" dirty="0"/>
-              <a:t>Quellen</a:t>
-            </a:r>
-          </a:p>
-        </p:txBody>
-      </p:sp>
-      <p:sp>
-        <p:nvSpPr>
-          <p:cNvPr id="7" name="Fußzeilenplatzhalter 6"/>
-          <p:cNvSpPr>
-            <a:spLocks noGrp="1"/>
-          </p:cNvSpPr>
-          <p:nvPr>
-            <p:ph type="ftr" sz="quarter" idx="3"/>
-          </p:nvPr>
-        </p:nvSpPr>
-        <p:spPr/>
-        <p:txBody>
-          <a:bodyPr/>
-          <a:lstStyle/>
-          <a:p>
-            <a:r>
-              <a:rPr lang="de-DE" dirty="0"/>
-              <a:t>TU Bergakademie Freiberg | Vortragender: Florian Schierz | 2022</a:t>
-            </a:r>
-          </a:p>
-        </p:txBody>
-      </p:sp>
-      <p:sp>
-        <p:nvSpPr>
-          <p:cNvPr id="11" name="Textfeld 10">
-            <a:extLst>
-              <a:ext uri="{FF2B5EF4-FFF2-40B4-BE49-F238E27FC236}">
-                <a16:creationId xmlns:a16="http://schemas.microsoft.com/office/drawing/2014/main" id="{AED7FCD8-3C56-4B11-ADA2-B181B3B96684}"/>
-              </a:ext>
-            </a:extLst>
-          </p:cNvPr>
-          <p:cNvSpPr txBox="1"/>
-          <p:nvPr/>
-        </p:nvSpPr>
-        <p:spPr>
-          <a:xfrm>
-            <a:off x="611560" y="1419622"/>
-            <a:ext cx="8064896" cy="2800767"/>
-          </a:xfrm>
-          <a:prstGeom prst="rect">
-            <a:avLst/>
-          </a:prstGeom>
-          <a:noFill/>
-        </p:spPr>
-        <p:txBody>
-          <a:bodyPr wrap="square" rtlCol="0">
-            <a:spAutoFit/>
-          </a:bodyPr>
-          <a:lstStyle/>
-          <a:p>
-            <a:pPr marL="285750" indent="-285750">
-              <a:buFont typeface="Arial" panose="020B0604020202020204" pitchFamily="34" charset="0"/>
-              <a:buChar char="•"/>
-            </a:pPr>
-            <a:r>
-              <a:rPr lang="en-US" sz="1600" dirty="0">
-                <a:latin typeface="Segoe UI" panose="020B0502040204020203" pitchFamily="34" charset="0"/>
-              </a:rPr>
-              <a:t>[1] Burton H. Bloom, 1970, Space/time trade-offs in hash coding with allowable errors, </a:t>
-            </a:r>
-            <a:r>
-              <a:rPr lang="en-US" sz="1600" i="1" dirty="0">
-                <a:latin typeface="Segoe UI" panose="020B0502040204020203" pitchFamily="34" charset="0"/>
-              </a:rPr>
-              <a:t>Communications of the ACM</a:t>
-            </a:r>
-            <a:r>
-              <a:rPr lang="en-US" sz="1600" i="0" dirty="0">
-                <a:latin typeface="Segoe UI" panose="020B0502040204020203" pitchFamily="34" charset="0"/>
-              </a:rPr>
-              <a:t> 13, Issue 7, 422–426. DOI: https://doi.org/10.1145/362686.362692.</a:t>
-            </a:r>
-          </a:p>
-          <a:p>
-            <a:pPr marL="285750" indent="-285750">
-              <a:buFont typeface="Arial" panose="020B0604020202020204" pitchFamily="34" charset="0"/>
-              <a:buChar char="•"/>
-            </a:pPr>
-            <a:r>
-              <a:rPr lang="en-US" sz="1600" dirty="0">
-                <a:latin typeface="Segoe UI" panose="020B0502040204020203" pitchFamily="34" charset="0"/>
-              </a:rPr>
-              <a:t>[2] </a:t>
-            </a:r>
-            <a:r>
-              <a:rPr lang="en-US" sz="1600" dirty="0" err="1">
-                <a:latin typeface="Segoe UI" panose="020B0502040204020203" pitchFamily="34" charset="0"/>
-              </a:rPr>
-              <a:t>Saibal</a:t>
-            </a:r>
-            <a:r>
-              <a:rPr lang="en-US" sz="1600" dirty="0">
-                <a:latin typeface="Segoe UI" panose="020B0502040204020203" pitchFamily="34" charset="0"/>
-              </a:rPr>
-              <a:t> Kumar Pal and Puneet Sardana, 2012, BLOOM FILTERS &amp; THEIR APPLICATIONS, </a:t>
-            </a:r>
-            <a:r>
-              <a:rPr lang="en-US" sz="1600" i="1" dirty="0">
-                <a:latin typeface="Segoe UI" panose="020B0502040204020203" pitchFamily="34" charset="0"/>
-              </a:rPr>
-              <a:t>International Journal of Computer Applications Technology and Research</a:t>
-            </a:r>
-            <a:r>
-              <a:rPr lang="en-US" sz="1600" i="0" dirty="0">
-                <a:latin typeface="Segoe UI" panose="020B0502040204020203" pitchFamily="34" charset="0"/>
-              </a:rPr>
-              <a:t> 1, 25–29. </a:t>
-            </a:r>
-            <a:r>
-              <a:rPr lang="en-US" sz="1600" dirty="0">
-                <a:latin typeface="Segoe UI" panose="020B0502040204020203" pitchFamily="34" charset="0"/>
-              </a:rPr>
-              <a:t>DOI: https://doi.org/10.7753/2012.1006</a:t>
-            </a:r>
-            <a:r>
-              <a:rPr lang="en-US" sz="1600" i="0" dirty="0">
-                <a:latin typeface="Segoe UI" panose="020B0502040204020203" pitchFamily="34" charset="0"/>
-              </a:rPr>
-              <a:t> https://ui.adsabs.harvard.edu/</a:t>
-            </a:r>
-            <a:r>
-              <a:rPr lang="en-US" sz="1600" i="0" dirty="0" err="1">
-                <a:latin typeface="Segoe UI" panose="020B0502040204020203" pitchFamily="34" charset="0"/>
-              </a:rPr>
-              <a:t>link_gateway</a:t>
-            </a:r>
-            <a:r>
-              <a:rPr lang="en-US" sz="1600" i="0" dirty="0">
-                <a:latin typeface="Segoe UI" panose="020B0502040204020203" pitchFamily="34" charset="0"/>
-              </a:rPr>
-              <a:t>/2012IJCAT...1...25P/doi:10.7753/2012.1006</a:t>
-            </a:r>
-          </a:p>
-          <a:p>
-            <a:pPr marL="285750" indent="-285750">
-              <a:buFont typeface="Arial" panose="020B0604020202020204" pitchFamily="34" charset="0"/>
-              <a:buChar char="•"/>
-            </a:pPr>
-            <a:r>
-              <a:rPr lang="de-DE" sz="1600" dirty="0">
-                <a:latin typeface="Segoe UI" panose="020B0502040204020203" pitchFamily="34" charset="0"/>
-              </a:rPr>
-              <a:t>[3] </a:t>
-            </a:r>
-            <a:r>
-              <a:rPr lang="de-DE" sz="1600" dirty="0" err="1">
-                <a:latin typeface="Segoe UI" panose="020B0502040204020203" pitchFamily="34" charset="0"/>
-              </a:rPr>
-              <a:t>Ripon</a:t>
-            </a:r>
-            <a:r>
-              <a:rPr lang="de-DE" sz="1600" dirty="0">
-                <a:latin typeface="Segoe UI" panose="020B0502040204020203" pitchFamily="34" charset="0"/>
-              </a:rPr>
-              <a:t> </a:t>
-            </a:r>
-            <a:r>
-              <a:rPr lang="de-DE" sz="1600" dirty="0" err="1">
-                <a:latin typeface="Segoe UI" panose="020B0502040204020203" pitchFamily="34" charset="0"/>
-              </a:rPr>
-              <a:t>Patgiri</a:t>
-            </a:r>
-            <a:r>
-              <a:rPr lang="de-DE" sz="1600" dirty="0">
-                <a:latin typeface="Segoe UI" panose="020B0502040204020203" pitchFamily="34" charset="0"/>
-              </a:rPr>
-              <a:t>, </a:t>
-            </a:r>
-            <a:r>
-              <a:rPr lang="de-DE" sz="1600" dirty="0" err="1">
-                <a:latin typeface="Segoe UI" panose="020B0502040204020203" pitchFamily="34" charset="0"/>
-              </a:rPr>
-              <a:t>Sabuzima</a:t>
-            </a:r>
-            <a:r>
-              <a:rPr lang="de-DE" sz="1600" dirty="0">
-                <a:latin typeface="Segoe UI" panose="020B0502040204020203" pitchFamily="34" charset="0"/>
-              </a:rPr>
-              <a:t> </a:t>
-            </a:r>
-            <a:r>
-              <a:rPr lang="de-DE" sz="1600" dirty="0" err="1">
-                <a:latin typeface="Segoe UI" panose="020B0502040204020203" pitchFamily="34" charset="0"/>
-              </a:rPr>
-              <a:t>Nayak</a:t>
-            </a:r>
-            <a:r>
-              <a:rPr lang="de-DE" sz="1600" dirty="0">
-                <a:latin typeface="Segoe UI" panose="020B0502040204020203" pitchFamily="34" charset="0"/>
-              </a:rPr>
-              <a:t>, and Samir </a:t>
-            </a:r>
-            <a:r>
-              <a:rPr lang="de-DE" sz="1600" dirty="0" err="1">
-                <a:latin typeface="Segoe UI" panose="020B0502040204020203" pitchFamily="34" charset="0"/>
-              </a:rPr>
-              <a:t>Borgohain</a:t>
-            </a:r>
-            <a:r>
-              <a:rPr lang="de-DE" sz="1600" dirty="0">
-                <a:latin typeface="Segoe UI" panose="020B0502040204020203" pitchFamily="34" charset="0"/>
-              </a:rPr>
-              <a:t>. 2018. </a:t>
-            </a:r>
-            <a:r>
-              <a:rPr lang="de-DE" sz="1600" dirty="0" err="1">
-                <a:latin typeface="Segoe UI" panose="020B0502040204020203" pitchFamily="34" charset="0"/>
-              </a:rPr>
-              <a:t>Preventing</a:t>
-            </a:r>
-            <a:r>
-              <a:rPr lang="de-DE" sz="1600" dirty="0">
-                <a:latin typeface="Segoe UI" panose="020B0502040204020203" pitchFamily="34" charset="0"/>
-              </a:rPr>
-              <a:t> DDoS </a:t>
-            </a:r>
-            <a:r>
-              <a:rPr lang="de-DE" sz="1600" dirty="0" err="1">
-                <a:latin typeface="Segoe UI" panose="020B0502040204020203" pitchFamily="34" charset="0"/>
-              </a:rPr>
-              <a:t>using</a:t>
-            </a:r>
-            <a:r>
-              <a:rPr lang="de-DE" sz="1600" dirty="0">
-                <a:latin typeface="Segoe UI" panose="020B0502040204020203" pitchFamily="34" charset="0"/>
-              </a:rPr>
-              <a:t> Bloom Filter: A Survey. </a:t>
-            </a:r>
-            <a:r>
-              <a:rPr lang="de-DE" sz="1600" i="1" dirty="0">
-                <a:latin typeface="Segoe UI" panose="020B0502040204020203" pitchFamily="34" charset="0"/>
-              </a:rPr>
-              <a:t>ICST Transactions on </a:t>
-            </a:r>
-            <a:r>
-              <a:rPr lang="de-DE" sz="1600" i="1" dirty="0" err="1">
-                <a:latin typeface="Segoe UI" panose="020B0502040204020203" pitchFamily="34" charset="0"/>
-              </a:rPr>
-              <a:t>Scalable</a:t>
-            </a:r>
-            <a:r>
-              <a:rPr lang="de-DE" sz="1600" i="1" dirty="0">
-                <a:latin typeface="Segoe UI" panose="020B0502040204020203" pitchFamily="34" charset="0"/>
-              </a:rPr>
-              <a:t> Information Systems</a:t>
-            </a:r>
-            <a:r>
-              <a:rPr lang="de-DE" sz="1600" i="0" dirty="0">
-                <a:latin typeface="Segoe UI" panose="020B0502040204020203" pitchFamily="34" charset="0"/>
-              </a:rPr>
-              <a:t> 5, 19, 155865. DOI: </a:t>
-            </a:r>
-            <a:r>
-              <a:rPr lang="de-DE" sz="1600" i="0" dirty="0">
-                <a:latin typeface="Segoe UI" panose="020B0502040204020203" pitchFamily="34" charset="0"/>
-                <a:hlinkClick r:id="rId2"/>
-              </a:rPr>
-              <a:t>https://doi.org/10.4108%2Feai.19-6-2018.155865</a:t>
-            </a:r>
-            <a:endParaRPr lang="de-DE" sz="1600" i="0" dirty="0">
-              <a:latin typeface="Segoe UI" panose="020B0502040204020203" pitchFamily="34" charset="0"/>
-            </a:endParaRPr>
-          </a:p>
-        </p:txBody>
-      </p:sp>
-    </p:spTree>
-    <p:extLst>
-      <p:ext uri="{BB962C8B-B14F-4D97-AF65-F5344CB8AC3E}">
-        <p14:creationId xmlns:p14="http://schemas.microsoft.com/office/powerpoint/2010/main" val="2718584080"/>
-      </p:ext>
-    </p:extLst>
-  </p:cSld>
-  <p:clrMapOvr>
-    <a:masterClrMapping/>
-  </p:clrMapOvr>
-</p:sld>
-</file>
-
-<file path=ppt/slides/slide24.xml><?xml version="1.0" encoding="utf-8"?>
-<p:sld xmlns:a="http://schemas.openxmlformats.org/drawingml/2006/main" xmlns:r="http://schemas.openxmlformats.org/officeDocument/2006/relationships" xmlns:p="http://schemas.openxmlformats.org/presentationml/2006/main">
-  <p:cSld>
-    <p:spTree>
-      <p:nvGrpSpPr>
-        <p:cNvPr id="1" name=""/>
-        <p:cNvGrpSpPr/>
-        <p:nvPr/>
-      </p:nvGrpSpPr>
-      <p:grpSpPr>
-        <a:xfrm>
-          <a:off x="0" y="0"/>
-          <a:ext cx="0" cy="0"/>
-          <a:chOff x="0" y="0"/>
-          <a:chExt cx="0" cy="0"/>
-        </a:xfrm>
-      </p:grpSpPr>
-      <p:sp>
-        <p:nvSpPr>
-          <p:cNvPr id="6" name="Foliennummernplatzhalter 5"/>
-          <p:cNvSpPr>
-            <a:spLocks noGrp="1"/>
-          </p:cNvSpPr>
-          <p:nvPr>
-            <p:ph type="sldNum" sz="quarter" idx="4"/>
-          </p:nvPr>
-        </p:nvSpPr>
-        <p:spPr/>
-        <p:txBody>
-          <a:bodyPr/>
-          <a:lstStyle/>
-          <a:p>
-            <a:fld id="{F9CA7F02-FF28-4D8F-AF3B-6C950C783A54}" type="slidenum">
-              <a:rPr lang="de-DE" smtClean="0"/>
-              <a:pPr/>
-              <a:t>24</a:t>
-            </a:fld>
-            <a:endParaRPr lang="de-DE"/>
-          </a:p>
-        </p:txBody>
-      </p:sp>
-      <p:sp>
-        <p:nvSpPr>
-          <p:cNvPr id="3" name="Titel 2"/>
-          <p:cNvSpPr>
-            <a:spLocks noGrp="1"/>
-          </p:cNvSpPr>
-          <p:nvPr>
-            <p:ph type="title"/>
-          </p:nvPr>
-        </p:nvSpPr>
-        <p:spPr/>
-        <p:txBody>
-          <a:bodyPr/>
-          <a:lstStyle/>
-          <a:p>
-            <a:r>
-              <a:rPr lang="de-DE" dirty="0"/>
-              <a:t>BLOOM-FILTER</a:t>
-            </a:r>
-          </a:p>
-        </p:txBody>
-      </p:sp>
-      <p:sp>
-        <p:nvSpPr>
-          <p:cNvPr id="4" name="Inhaltsplatzhalter 3"/>
-          <p:cNvSpPr>
-            <a:spLocks noGrp="1"/>
-          </p:cNvSpPr>
-          <p:nvPr>
-            <p:ph sz="quarter" idx="13"/>
-          </p:nvPr>
-        </p:nvSpPr>
-        <p:spPr>
-          <a:xfrm>
-            <a:off x="936000" y="699542"/>
-            <a:ext cx="7308000" cy="429622"/>
-          </a:xfrm>
-        </p:spPr>
-        <p:txBody>
-          <a:bodyPr/>
-          <a:lstStyle/>
-          <a:p>
-            <a:r>
-              <a:rPr lang="de-DE" dirty="0"/>
-              <a:t>Quellen</a:t>
-            </a:r>
-          </a:p>
-        </p:txBody>
-      </p:sp>
-      <p:sp>
-        <p:nvSpPr>
-          <p:cNvPr id="7" name="Fußzeilenplatzhalter 6"/>
-          <p:cNvSpPr>
-            <a:spLocks noGrp="1"/>
-          </p:cNvSpPr>
-          <p:nvPr>
-            <p:ph type="ftr" sz="quarter" idx="3"/>
-          </p:nvPr>
-        </p:nvSpPr>
-        <p:spPr/>
-        <p:txBody>
-          <a:bodyPr/>
-          <a:lstStyle/>
-          <a:p>
-            <a:r>
-              <a:rPr lang="de-DE" dirty="0"/>
-              <a:t>TU Bergakademie Freiberg | Vortragender: Florian Schierz | 2022</a:t>
-            </a:r>
-          </a:p>
-        </p:txBody>
-      </p:sp>
-      <p:sp>
-        <p:nvSpPr>
-          <p:cNvPr id="11" name="Textfeld 10">
-            <a:extLst>
-              <a:ext uri="{FF2B5EF4-FFF2-40B4-BE49-F238E27FC236}">
-                <a16:creationId xmlns:a16="http://schemas.microsoft.com/office/drawing/2014/main" id="{AED7FCD8-3C56-4B11-ADA2-B181B3B96684}"/>
-              </a:ext>
-            </a:extLst>
-          </p:cNvPr>
-          <p:cNvSpPr txBox="1"/>
-          <p:nvPr/>
-        </p:nvSpPr>
-        <p:spPr>
-          <a:xfrm>
-            <a:off x="611560" y="1419622"/>
-            <a:ext cx="8064896" cy="2800767"/>
-          </a:xfrm>
-          <a:prstGeom prst="rect">
-            <a:avLst/>
-          </a:prstGeom>
-          <a:noFill/>
-        </p:spPr>
-        <p:txBody>
-          <a:bodyPr wrap="square" rtlCol="0">
-            <a:spAutoFit/>
-          </a:bodyPr>
-          <a:lstStyle/>
-          <a:p>
-            <a:pPr marL="285750" indent="-285750">
-              <a:buFont typeface="Arial" panose="020B0604020202020204" pitchFamily="34" charset="0"/>
-              <a:buChar char="•"/>
-            </a:pPr>
-            <a:r>
-              <a:rPr lang="de-DE" sz="1600" dirty="0">
-                <a:latin typeface="Segoe UI" panose="020B0502040204020203" pitchFamily="34" charset="0"/>
-              </a:rPr>
-              <a:t>[4] </a:t>
-            </a:r>
-            <a:r>
-              <a:rPr lang="en-US" sz="1600" dirty="0"/>
-              <a:t>Bloom Filter. </a:t>
-            </a:r>
-            <a:r>
-              <a:rPr lang="en-US" sz="1600" i="1" dirty="0"/>
-              <a:t>Brilliant.org</a:t>
-            </a:r>
-            <a:r>
-              <a:rPr lang="en-US" sz="1600" dirty="0"/>
-              <a:t>. Retrieved 18:02, May 12, 2022, from </a:t>
-            </a:r>
-            <a:r>
-              <a:rPr lang="en-US" sz="1600" dirty="0">
-                <a:hlinkClick r:id="rId2"/>
-              </a:rPr>
-              <a:t>https://brilliant.org/wiki/bloom-filter/</a:t>
-            </a:r>
-            <a:endParaRPr lang="en-US" sz="1600" dirty="0"/>
-          </a:p>
-          <a:p>
-            <a:pPr marL="285750" indent="-285750">
-              <a:buFont typeface="Arial" panose="020B0604020202020204" pitchFamily="34" charset="0"/>
-              <a:buChar char="•"/>
-            </a:pPr>
-            <a:r>
-              <a:rPr lang="en-US" sz="1600" i="0" dirty="0">
-                <a:latin typeface="Segoe UI" panose="020B0502040204020203" pitchFamily="34" charset="0"/>
-              </a:rPr>
-              <a:t>[5] </a:t>
-            </a:r>
-            <a:r>
-              <a:rPr lang="en-US" sz="1600" dirty="0">
-                <a:latin typeface="Segoe UI" panose="020B0502040204020203" pitchFamily="34" charset="0"/>
-              </a:rPr>
-              <a:t>Fabio </a:t>
-            </a:r>
-            <a:r>
-              <a:rPr lang="en-US" sz="1600" dirty="0" err="1">
-                <a:latin typeface="Segoe UI" panose="020B0502040204020203" pitchFamily="34" charset="0"/>
-              </a:rPr>
-              <a:t>Grandi</a:t>
-            </a:r>
-            <a:r>
-              <a:rPr lang="en-US" sz="1600" dirty="0">
-                <a:latin typeface="Segoe UI" panose="020B0502040204020203" pitchFamily="34" charset="0"/>
-              </a:rPr>
-              <a:t>. 2018. On the analysis of Bloom filters. </a:t>
-            </a:r>
-            <a:r>
-              <a:rPr lang="en-US" sz="1600" i="1" dirty="0">
-                <a:latin typeface="Segoe UI" panose="020B0502040204020203" pitchFamily="34" charset="0"/>
-              </a:rPr>
-              <a:t>Information Processing Letters</a:t>
-            </a:r>
-            <a:r>
-              <a:rPr lang="en-US" sz="1600" i="0" dirty="0">
-                <a:latin typeface="Segoe UI" panose="020B0502040204020203" pitchFamily="34" charset="0"/>
-              </a:rPr>
-              <a:t> 129, 35–39. DOI: </a:t>
-            </a:r>
-            <a:r>
-              <a:rPr lang="en-US" sz="1600" i="0" dirty="0">
-                <a:latin typeface="Segoe UI" panose="020B0502040204020203" pitchFamily="34" charset="0"/>
-                <a:hlinkClick r:id="rId3"/>
-              </a:rPr>
-              <a:t>https://doi.org/10.1016/j.ipl.2017.09.004</a:t>
-            </a:r>
-            <a:endParaRPr lang="en-US" sz="1600" i="0" dirty="0">
-              <a:latin typeface="Segoe UI" panose="020B0502040204020203" pitchFamily="34" charset="0"/>
-            </a:endParaRPr>
-          </a:p>
-          <a:p>
-            <a:pPr marL="285750" indent="-285750">
-              <a:buFont typeface="Arial" panose="020B0604020202020204" pitchFamily="34" charset="0"/>
-              <a:buChar char="•"/>
-            </a:pPr>
-            <a:r>
-              <a:rPr lang="en-US" sz="1600" dirty="0">
-                <a:latin typeface="Segoe UI" panose="020B0502040204020203" pitchFamily="34" charset="0"/>
-              </a:rPr>
-              <a:t>[6] Nayak, S. and </a:t>
-            </a:r>
-            <a:r>
-              <a:rPr lang="en-US" sz="1600" dirty="0" err="1">
-                <a:latin typeface="Segoe UI" panose="020B0502040204020203" pitchFamily="34" charset="0"/>
-              </a:rPr>
-              <a:t>Patgiri</a:t>
-            </a:r>
-            <a:r>
-              <a:rPr lang="en-US" sz="1600" dirty="0">
-                <a:latin typeface="Segoe UI" panose="020B0502040204020203" pitchFamily="34" charset="0"/>
-              </a:rPr>
-              <a:t>, R. 2021. </a:t>
-            </a:r>
-            <a:r>
-              <a:rPr lang="en-US" sz="1600" i="1" dirty="0" err="1">
-                <a:latin typeface="Segoe UI" panose="020B0502040204020203" pitchFamily="34" charset="0"/>
-              </a:rPr>
-              <a:t>RobustBF</a:t>
-            </a:r>
-            <a:r>
-              <a:rPr lang="en-US" sz="1600" i="1" dirty="0">
-                <a:latin typeface="Segoe UI" panose="020B0502040204020203" pitchFamily="34" charset="0"/>
-              </a:rPr>
-              <a:t>: A High Accuracy and Memory Efficient 2D Bloom Filter</a:t>
-            </a:r>
-            <a:r>
-              <a:rPr lang="en-US" sz="1600" i="0" dirty="0">
-                <a:latin typeface="Segoe UI" panose="020B0502040204020203" pitchFamily="34" charset="0"/>
-              </a:rPr>
-              <a:t>. DOI: https://doi.org/10.48550/arxiv.2106.04365</a:t>
-            </a:r>
-          </a:p>
-          <a:p>
-            <a:pPr marL="285750" indent="-285750">
-              <a:buFont typeface="Arial" panose="020B0604020202020204" pitchFamily="34" charset="0"/>
-              <a:buChar char="•"/>
-            </a:pPr>
-            <a:r>
-              <a:rPr lang="en-US" sz="1600" dirty="0">
-                <a:latin typeface="Segoe UI" panose="020B0502040204020203" pitchFamily="34" charset="0"/>
-              </a:rPr>
-              <a:t>[7] </a:t>
-            </a:r>
-            <a:r>
-              <a:rPr lang="de-DE" sz="1600" dirty="0">
-                <a:latin typeface="Segoe UI" panose="020B0502040204020203" pitchFamily="34" charset="0"/>
-              </a:rPr>
-              <a:t>Fan, L., Cao, P., Almeida, J., and Broder, A. Z. 1998. Summary Cache: A </a:t>
-            </a:r>
-            <a:r>
-              <a:rPr lang="de-DE" sz="1600" dirty="0" err="1">
-                <a:latin typeface="Segoe UI" panose="020B0502040204020203" pitchFamily="34" charset="0"/>
-              </a:rPr>
-              <a:t>Scalable</a:t>
-            </a:r>
-            <a:r>
-              <a:rPr lang="de-DE" sz="1600" dirty="0">
-                <a:latin typeface="Segoe UI" panose="020B0502040204020203" pitchFamily="34" charset="0"/>
-              </a:rPr>
-              <a:t> Wide-Area Web Cache Sharing Protocol. In </a:t>
-            </a:r>
-            <a:r>
-              <a:rPr lang="de-DE" sz="1600" i="1" dirty="0">
-                <a:latin typeface="Segoe UI" panose="020B0502040204020203" pitchFamily="34" charset="0"/>
-              </a:rPr>
-              <a:t>Proceedings </a:t>
-            </a:r>
-            <a:r>
-              <a:rPr lang="de-DE" sz="1600" i="1" dirty="0" err="1">
-                <a:latin typeface="Segoe UI" panose="020B0502040204020203" pitchFamily="34" charset="0"/>
-              </a:rPr>
-              <a:t>of</a:t>
-            </a:r>
-            <a:r>
-              <a:rPr lang="de-DE" sz="1600" i="1" dirty="0">
-                <a:latin typeface="Segoe UI" panose="020B0502040204020203" pitchFamily="34" charset="0"/>
-              </a:rPr>
-              <a:t> </a:t>
-            </a:r>
-            <a:r>
-              <a:rPr lang="de-DE" sz="1600" i="1" dirty="0" err="1">
-                <a:latin typeface="Segoe UI" panose="020B0502040204020203" pitchFamily="34" charset="0"/>
-              </a:rPr>
-              <a:t>the</a:t>
-            </a:r>
-            <a:r>
-              <a:rPr lang="de-DE" sz="1600" i="1" dirty="0">
-                <a:latin typeface="Segoe UI" panose="020B0502040204020203" pitchFamily="34" charset="0"/>
-              </a:rPr>
-              <a:t> ACM SIGCOMM ’98 Conference on </a:t>
-            </a:r>
-            <a:r>
-              <a:rPr lang="de-DE" sz="1600" i="1" dirty="0" err="1">
-                <a:latin typeface="Segoe UI" panose="020B0502040204020203" pitchFamily="34" charset="0"/>
-              </a:rPr>
-              <a:t>Applications</a:t>
-            </a:r>
-            <a:r>
-              <a:rPr lang="de-DE" sz="1600" i="1" dirty="0">
-                <a:latin typeface="Segoe UI" panose="020B0502040204020203" pitchFamily="34" charset="0"/>
-              </a:rPr>
-              <a:t>, Technologies, </a:t>
-            </a:r>
-            <a:r>
-              <a:rPr lang="de-DE" sz="1600" i="1" dirty="0" err="1">
-                <a:latin typeface="Segoe UI" panose="020B0502040204020203" pitchFamily="34" charset="0"/>
-              </a:rPr>
-              <a:t>Architectures</a:t>
-            </a:r>
-            <a:r>
-              <a:rPr lang="de-DE" sz="1600" i="1" dirty="0">
-                <a:latin typeface="Segoe UI" panose="020B0502040204020203" pitchFamily="34" charset="0"/>
-              </a:rPr>
-              <a:t>, and </a:t>
-            </a:r>
-            <a:r>
-              <a:rPr lang="de-DE" sz="1600" i="1" dirty="0" err="1">
-                <a:latin typeface="Segoe UI" panose="020B0502040204020203" pitchFamily="34" charset="0"/>
-              </a:rPr>
-              <a:t>Protocols</a:t>
-            </a:r>
-            <a:r>
-              <a:rPr lang="de-DE" sz="1600" i="1" dirty="0">
-                <a:latin typeface="Segoe UI" panose="020B0502040204020203" pitchFamily="34" charset="0"/>
-              </a:rPr>
-              <a:t> </a:t>
-            </a:r>
-            <a:r>
-              <a:rPr lang="de-DE" sz="1600" i="1" dirty="0" err="1">
-                <a:latin typeface="Segoe UI" panose="020B0502040204020203" pitchFamily="34" charset="0"/>
-              </a:rPr>
-              <a:t>for</a:t>
-            </a:r>
-            <a:r>
-              <a:rPr lang="de-DE" sz="1600" i="1" dirty="0">
-                <a:latin typeface="Segoe UI" panose="020B0502040204020203" pitchFamily="34" charset="0"/>
-              </a:rPr>
-              <a:t> Computer Communication</a:t>
-            </a:r>
-            <a:r>
-              <a:rPr lang="de-DE" sz="1600" i="0" dirty="0">
-                <a:latin typeface="Segoe UI" panose="020B0502040204020203" pitchFamily="34" charset="0"/>
-              </a:rPr>
-              <a:t>. SIGCOMM ’98. </a:t>
-            </a:r>
-            <a:r>
-              <a:rPr lang="de-DE" sz="1600" i="0" dirty="0" err="1">
-                <a:latin typeface="Segoe UI" panose="020B0502040204020203" pitchFamily="34" charset="0"/>
-              </a:rPr>
-              <a:t>Association</a:t>
-            </a:r>
-            <a:r>
-              <a:rPr lang="de-DE" sz="1600" i="0" dirty="0">
-                <a:latin typeface="Segoe UI" panose="020B0502040204020203" pitchFamily="34" charset="0"/>
-              </a:rPr>
-              <a:t> </a:t>
-            </a:r>
-            <a:r>
-              <a:rPr lang="de-DE" sz="1600" i="0" dirty="0" err="1">
-                <a:latin typeface="Segoe UI" panose="020B0502040204020203" pitchFamily="34" charset="0"/>
-              </a:rPr>
-              <a:t>for</a:t>
-            </a:r>
-            <a:r>
-              <a:rPr lang="de-DE" sz="1600" i="0" dirty="0">
-                <a:latin typeface="Segoe UI" panose="020B0502040204020203" pitchFamily="34" charset="0"/>
-              </a:rPr>
-              <a:t> Computing Machinery, New York, NY, USA, 254–265. DOI:</a:t>
-            </a:r>
-            <a:r>
-              <a:rPr lang="en-US" sz="1600" i="0" dirty="0">
-                <a:latin typeface="Segoe UI" panose="020B0502040204020203" pitchFamily="34" charset="0"/>
-              </a:rPr>
-              <a:t> https://doi.org/</a:t>
-            </a:r>
-            <a:r>
-              <a:rPr lang="de-DE" sz="1600" i="0" dirty="0">
-                <a:latin typeface="Segoe UI" panose="020B0502040204020203" pitchFamily="34" charset="0"/>
-              </a:rPr>
-              <a:t>10.1145/285237.285287</a:t>
-            </a:r>
-          </a:p>
-        </p:txBody>
-      </p:sp>
-    </p:spTree>
-    <p:extLst>
-      <p:ext uri="{BB962C8B-B14F-4D97-AF65-F5344CB8AC3E}">
-        <p14:creationId xmlns:p14="http://schemas.microsoft.com/office/powerpoint/2010/main" val="1092689422"/>
-      </p:ext>
-    </p:extLst>
-  </p:cSld>
-  <p:clrMapOvr>
-    <a:masterClrMapping/>
-  </p:clrMapOvr>
-</p:sld>
-</file>
-
 <file path=ppt/slides/slide25.xml><?xml version="1.0" encoding="utf-8"?>
 <p:sld xmlns:a="http://schemas.openxmlformats.org/drawingml/2006/main" xmlns:r="http://schemas.openxmlformats.org/officeDocument/2006/relationships" xmlns:p="http://schemas.openxmlformats.org/presentationml/2006/main">
   <p:cSld>
@@ -10893,7 +11047,7 @@
           <a:p>
             <a:r>
               <a:rPr lang="de-DE" dirty="0"/>
-              <a:t>Quellen</a:t>
+              <a:t>Zusammenfassung</a:t>
             </a:r>
           </a:p>
         </p:txBody>
@@ -10922,10 +11076,10 @@
       </p:sp>
       <p:sp>
         <p:nvSpPr>
-          <p:cNvPr id="11" name="Textfeld 10">
+          <p:cNvPr id="8" name="Textfeld 7">
             <a:extLst>
               <a:ext uri="{FF2B5EF4-FFF2-40B4-BE49-F238E27FC236}">
-                <a16:creationId xmlns:a16="http://schemas.microsoft.com/office/drawing/2014/main" id="{AED7FCD8-3C56-4B11-ADA2-B181B3B96684}"/>
+                <a16:creationId xmlns:a16="http://schemas.microsoft.com/office/drawing/2014/main" id="{093EC415-536A-DF25-47D2-0D0A17C6051B}"/>
               </a:ext>
             </a:extLst>
           </p:cNvPr>
@@ -10934,8 +11088,8 @@
         </p:nvSpPr>
         <p:spPr>
           <a:xfrm>
-            <a:off x="611560" y="1419622"/>
-            <a:ext cx="8064896" cy="2554545"/>
+            <a:off x="611560" y="1203598"/>
+            <a:ext cx="6768752" cy="2585323"/>
           </a:xfrm>
           <a:prstGeom prst="rect">
             <a:avLst/>
@@ -10953,91 +11107,45 @@
               <a:buChar char="•"/>
             </a:pPr>
             <a:r>
-              <a:rPr lang="en-US" sz="1600" dirty="0">
-                <a:latin typeface="Segoe UI" panose="020B0502040204020203" pitchFamily="34" charset="0"/>
-              </a:rPr>
-              <a:t>[8] </a:t>
-            </a:r>
-            <a:r>
-              <a:rPr lang="de-DE" sz="1600" dirty="0">
-                <a:latin typeface="Segoe UI" panose="020B0502040204020203" pitchFamily="34" charset="0"/>
-              </a:rPr>
-              <a:t>Rottenstreich Ori, </a:t>
-            </a:r>
-            <a:r>
-              <a:rPr lang="de-DE" sz="1600" dirty="0" err="1">
-                <a:latin typeface="Segoe UI" panose="020B0502040204020203" pitchFamily="34" charset="0"/>
-              </a:rPr>
-              <a:t>Kanizo</a:t>
-            </a:r>
-            <a:r>
-              <a:rPr lang="de-DE" sz="1600" dirty="0">
-                <a:latin typeface="Segoe UI" panose="020B0502040204020203" pitchFamily="34" charset="0"/>
-              </a:rPr>
-              <a:t> Yossi, and </a:t>
-            </a:r>
-            <a:r>
-              <a:rPr lang="de-DE" sz="1600" dirty="0" err="1">
-                <a:latin typeface="Segoe UI" panose="020B0502040204020203" pitchFamily="34" charset="0"/>
-              </a:rPr>
-              <a:t>Keslassy</a:t>
-            </a:r>
-            <a:r>
-              <a:rPr lang="de-DE" sz="1600" dirty="0">
-                <a:latin typeface="Segoe UI" panose="020B0502040204020203" pitchFamily="34" charset="0"/>
-              </a:rPr>
-              <a:t> Isaac. 2014. The Variable-</a:t>
-            </a:r>
-            <a:r>
-              <a:rPr lang="de-DE" sz="1600" dirty="0" err="1">
-                <a:latin typeface="Segoe UI" panose="020B0502040204020203" pitchFamily="34" charset="0"/>
-              </a:rPr>
-              <a:t>Increment</a:t>
-            </a:r>
-            <a:r>
-              <a:rPr lang="de-DE" sz="1600" dirty="0">
-                <a:latin typeface="Segoe UI" panose="020B0502040204020203" pitchFamily="34" charset="0"/>
-              </a:rPr>
-              <a:t> </a:t>
-            </a:r>
-            <a:r>
-              <a:rPr lang="de-DE" sz="1600" dirty="0" err="1">
-                <a:latin typeface="Segoe UI" panose="020B0502040204020203" pitchFamily="34" charset="0"/>
-              </a:rPr>
-              <a:t>Counting</a:t>
-            </a:r>
-            <a:r>
-              <a:rPr lang="de-DE" sz="1600" dirty="0">
-                <a:latin typeface="Segoe UI" panose="020B0502040204020203" pitchFamily="34" charset="0"/>
-              </a:rPr>
-              <a:t> Bloom Filter. </a:t>
-            </a:r>
-            <a:r>
-              <a:rPr lang="de-DE" sz="1600" i="1" dirty="0">
-                <a:latin typeface="Segoe UI" panose="020B0502040204020203" pitchFamily="34" charset="0"/>
-              </a:rPr>
-              <a:t>IEEE/ACM Trans. Networking</a:t>
-            </a:r>
-            <a:r>
-              <a:rPr lang="de-DE" sz="1600" i="0" dirty="0">
-                <a:latin typeface="Segoe UI" panose="020B0502040204020203" pitchFamily="34" charset="0"/>
-              </a:rPr>
-              <a:t> 22, 4, 1092–1105. DOI: </a:t>
-            </a:r>
-            <a:r>
-              <a:rPr lang="de-DE" sz="1600" i="0" dirty="0">
-                <a:latin typeface="Segoe UI" panose="020B0502040204020203" pitchFamily="34" charset="0"/>
-                <a:hlinkClick r:id="rId2"/>
-              </a:rPr>
-              <a:t>https://doi.org/</a:t>
-            </a:r>
-            <a:r>
-              <a:rPr lang="de-DE" sz="1600" dirty="0">
-                <a:hlinkClick r:id="rId2"/>
-              </a:rPr>
-              <a:t>10.1109/TNET.2013.2272604</a:t>
-            </a:r>
-            <a:endParaRPr lang="de-DE" sz="1600" dirty="0"/>
+              <a:rPr lang="de-DE" dirty="0">
+                <a:solidFill>
+                  <a:srgbClr val="000000"/>
+                </a:solidFill>
+              </a:rPr>
+              <a:t>In </a:t>
+            </a:r>
+            <a:r>
+              <a:rPr lang="de-DE" b="1" dirty="0">
+                <a:solidFill>
+                  <a:srgbClr val="000000"/>
+                </a:solidFill>
+              </a:rPr>
+              <a:t>Praxis</a:t>
+            </a:r>
+            <a:r>
+              <a:rPr lang="de-DE" dirty="0">
+                <a:solidFill>
+                  <a:srgbClr val="000000"/>
+                </a:solidFill>
+              </a:rPr>
+              <a:t> und </a:t>
+            </a:r>
+            <a:r>
+              <a:rPr lang="de-DE" b="1" dirty="0">
+                <a:solidFill>
+                  <a:srgbClr val="000000"/>
+                </a:solidFill>
+              </a:rPr>
+              <a:t>Literatur</a:t>
+            </a:r>
+            <a:r>
+              <a:rPr lang="de-DE" dirty="0">
+                <a:solidFill>
+                  <a:srgbClr val="000000"/>
+                </a:solidFill>
+              </a:rPr>
+              <a:t> seit Erfindung (1970) oft thematisiert</a:t>
+            </a:r>
           </a:p>
           <a:p>
             <a:pPr marL="285750" indent="-285750">
@@ -11045,92 +11153,37 @@
               <a:buChar char="•"/>
             </a:pPr>
             <a:r>
-              <a:rPr lang="en-US" sz="1600" dirty="0">
-                <a:latin typeface="Segoe UI" panose="020B0502040204020203" pitchFamily="34" charset="0"/>
-              </a:rPr>
-              <a:t>[9] Rothenberg, C., </a:t>
-            </a:r>
-            <a:r>
-              <a:rPr lang="en-US" sz="1600" dirty="0" err="1">
-                <a:latin typeface="Segoe UI" panose="020B0502040204020203" pitchFamily="34" charset="0"/>
-              </a:rPr>
-              <a:t>Macapuna</a:t>
-            </a:r>
-            <a:r>
-              <a:rPr lang="en-US" sz="1600" dirty="0">
-                <a:latin typeface="Segoe UI" panose="020B0502040204020203" pitchFamily="34" charset="0"/>
-              </a:rPr>
-              <a:t>, C., Verdi, F., and </a:t>
-            </a:r>
-            <a:r>
-              <a:rPr lang="en-US" sz="1600" dirty="0" err="1">
-                <a:latin typeface="Segoe UI" panose="020B0502040204020203" pitchFamily="34" charset="0"/>
-              </a:rPr>
-              <a:t>Magalhaes</a:t>
-            </a:r>
-            <a:r>
-              <a:rPr lang="en-US" sz="1600" dirty="0">
-                <a:latin typeface="Segoe UI" panose="020B0502040204020203" pitchFamily="34" charset="0"/>
-              </a:rPr>
-              <a:t>, M. 2010. The </a:t>
-            </a:r>
-            <a:r>
-              <a:rPr lang="en-US" sz="1600" dirty="0" err="1">
-                <a:latin typeface="Segoe UI" panose="020B0502040204020203" pitchFamily="34" charset="0"/>
-              </a:rPr>
-              <a:t>deletable</a:t>
-            </a:r>
-            <a:r>
-              <a:rPr lang="en-US" sz="1600" dirty="0">
-                <a:latin typeface="Segoe UI" panose="020B0502040204020203" pitchFamily="34" charset="0"/>
-              </a:rPr>
-              <a:t> Bloom filter: a new member of the Bloom family. </a:t>
-            </a:r>
-            <a:r>
-              <a:rPr lang="en-US" sz="1600" i="1" dirty="0">
-                <a:latin typeface="Segoe UI" panose="020B0502040204020203" pitchFamily="34" charset="0"/>
-              </a:rPr>
-              <a:t>IEEE </a:t>
-            </a:r>
-            <a:r>
-              <a:rPr lang="en-US" sz="1600" i="1" dirty="0" err="1">
-                <a:latin typeface="Segoe UI" panose="020B0502040204020203" pitchFamily="34" charset="0"/>
-              </a:rPr>
-              <a:t>Commun</a:t>
-            </a:r>
-            <a:r>
-              <a:rPr lang="en-US" sz="1600" i="1" dirty="0">
-                <a:latin typeface="Segoe UI" panose="020B0502040204020203" pitchFamily="34" charset="0"/>
-              </a:rPr>
-              <a:t>. Lett.</a:t>
-            </a:r>
-            <a:r>
-              <a:rPr lang="en-US" sz="1600" i="0" dirty="0">
-                <a:latin typeface="Segoe UI" panose="020B0502040204020203" pitchFamily="34" charset="0"/>
-              </a:rPr>
-              <a:t> 14, 6, 557–559. DOI: </a:t>
-            </a:r>
-            <a:r>
-              <a:rPr lang="en-US" sz="1600" i="0" dirty="0">
-                <a:latin typeface="Segoe UI" panose="020B0502040204020203" pitchFamily="34" charset="0"/>
-                <a:hlinkClick r:id="rId3"/>
-              </a:rPr>
-              <a:t>https://</a:t>
-            </a:r>
-            <a:r>
-              <a:rPr lang="de-DE" sz="1600" i="0" dirty="0">
-                <a:latin typeface="Segoe UI" panose="020B0502040204020203" pitchFamily="34" charset="0"/>
-                <a:hlinkClick r:id="rId3"/>
-              </a:rPr>
-              <a:t>doi.org/</a:t>
-            </a:r>
-            <a:r>
-              <a:rPr lang="de-DE" sz="1600" dirty="0">
-                <a:hlinkClick r:id="rId3"/>
-              </a:rPr>
-              <a:t>10.1109/LCOMM.2010.06.100344</a:t>
-            </a:r>
-            <a:endParaRPr lang="de-DE" sz="1600" dirty="0"/>
+              <a:rPr lang="de-DE" dirty="0">
+                <a:solidFill>
+                  <a:srgbClr val="000000"/>
+                </a:solidFill>
+              </a:rPr>
+              <a:t>Beliebt aufgrund der </a:t>
+            </a:r>
+            <a:r>
+              <a:rPr lang="de-DE" b="1" dirty="0">
+                <a:solidFill>
+                  <a:srgbClr val="000000"/>
+                </a:solidFill>
+              </a:rPr>
+              <a:t>Effizienz</a:t>
+            </a:r>
+            <a:r>
+              <a:rPr lang="de-DE" dirty="0">
+                <a:solidFill>
+                  <a:srgbClr val="000000"/>
+                </a:solidFill>
+              </a:rPr>
+              <a:t> und </a:t>
+            </a:r>
+            <a:r>
+              <a:rPr lang="de-DE" b="1" dirty="0">
+                <a:solidFill>
+                  <a:srgbClr val="000000"/>
+                </a:solidFill>
+              </a:rPr>
+              <a:t>Vielseitigkeit</a:t>
+            </a:r>
           </a:p>
           <a:p>
             <a:pPr marL="285750" indent="-285750">
@@ -11138,78 +11191,149 @@
               <a:buChar char="•"/>
             </a:pPr>
             <a:r>
-              <a:rPr lang="de-DE" sz="1600" dirty="0">
-                <a:latin typeface="Segoe UI" panose="020B0502040204020203" pitchFamily="34" charset="0"/>
-              </a:rPr>
-              <a:t>[10] </a:t>
-            </a:r>
-            <a:r>
-              <a:rPr lang="en-US" sz="1600" dirty="0">
-                <a:latin typeface="Segoe UI" panose="020B0502040204020203" pitchFamily="34" charset="0"/>
-              </a:rPr>
-              <a:t>Rhea S.C. and </a:t>
-            </a:r>
-            <a:r>
-              <a:rPr lang="en-US" sz="1600" dirty="0" err="1">
-                <a:latin typeface="Segoe UI" panose="020B0502040204020203" pitchFamily="34" charset="0"/>
-              </a:rPr>
-              <a:t>Kubiatowicz</a:t>
-            </a:r>
-            <a:r>
-              <a:rPr lang="en-US" sz="1600" dirty="0">
-                <a:latin typeface="Segoe UI" panose="020B0502040204020203" pitchFamily="34" charset="0"/>
-              </a:rPr>
-              <a:t> J. 2002. Probabilistic location and routing. In </a:t>
-            </a:r>
-            <a:r>
-              <a:rPr lang="en-US" sz="1600" i="1" dirty="0" err="1">
-                <a:latin typeface="Segoe UI" panose="020B0502040204020203" pitchFamily="34" charset="0"/>
-              </a:rPr>
-              <a:t>Proceedings.Twenty</a:t>
-            </a:r>
-            <a:r>
-              <a:rPr lang="en-US" sz="1600" i="1" dirty="0">
-                <a:latin typeface="Segoe UI" panose="020B0502040204020203" pitchFamily="34" charset="0"/>
-              </a:rPr>
-              <a:t>-First Annual Joint Conference of the IEEE Computer and Communications Societies</a:t>
-            </a:r>
-            <a:r>
-              <a:rPr lang="en-US" sz="1600" i="0" dirty="0">
-                <a:latin typeface="Segoe UI" panose="020B0502040204020203" pitchFamily="34" charset="0"/>
-              </a:rPr>
-              <a:t>, 1248-1257 vol.3. DOI: </a:t>
-            </a:r>
-            <a:r>
-              <a:rPr lang="en-US" sz="1600" dirty="0">
-                <a:latin typeface="Segoe UI" panose="020B0502040204020203" pitchFamily="34" charset="0"/>
-                <a:hlinkClick r:id="rId4"/>
-              </a:rPr>
-              <a:t>https://</a:t>
-            </a:r>
-            <a:r>
-              <a:rPr lang="de-DE" sz="1600" dirty="0">
-                <a:latin typeface="Segoe UI" panose="020B0502040204020203" pitchFamily="34" charset="0"/>
-                <a:hlinkClick r:id="rId4"/>
-              </a:rPr>
-              <a:t>doi.org/</a:t>
-            </a:r>
-            <a:r>
-              <a:rPr lang="en-US" sz="1600" i="0" dirty="0">
-                <a:latin typeface="Segoe UI" panose="020B0502040204020203" pitchFamily="34" charset="0"/>
-                <a:hlinkClick r:id="rId4"/>
-              </a:rPr>
-              <a:t>10.1109/INFCOM.2002.1019375</a:t>
-            </a:r>
-            <a:endParaRPr lang="en-US" sz="1600" i="0" dirty="0">
-              <a:latin typeface="Segoe UI" panose="020B0502040204020203" pitchFamily="34" charset="0"/>
+              <a:rPr lang="de-DE" dirty="0">
+                <a:solidFill>
+                  <a:srgbClr val="000000"/>
+                </a:solidFill>
+              </a:rPr>
+              <a:t>Ständige </a:t>
+            </a:r>
+            <a:r>
+              <a:rPr lang="de-DE" b="1" dirty="0">
+                <a:solidFill>
+                  <a:srgbClr val="000000"/>
+                </a:solidFill>
+              </a:rPr>
+              <a:t>Weiterentwicklung</a:t>
+            </a:r>
+            <a:r>
+              <a:rPr lang="de-DE" dirty="0">
+                <a:solidFill>
+                  <a:srgbClr val="000000"/>
+                </a:solidFill>
+              </a:rPr>
+              <a:t>, neue </a:t>
+            </a:r>
+            <a:r>
+              <a:rPr lang="de-DE" b="1" dirty="0">
+                <a:solidFill>
+                  <a:srgbClr val="000000"/>
+                </a:solidFill>
+              </a:rPr>
+              <a:t>Varianten</a:t>
+            </a:r>
+            <a:r>
+              <a:rPr lang="de-DE" dirty="0">
+                <a:solidFill>
+                  <a:srgbClr val="000000"/>
+                </a:solidFill>
+              </a:rPr>
+              <a:t> </a:t>
+            </a:r>
+          </a:p>
+          <a:p>
+            <a:r>
+              <a:rPr lang="de-DE" dirty="0">
+                <a:solidFill>
+                  <a:srgbClr val="000000"/>
+                </a:solidFill>
+                <a:sym typeface="Wingdings" panose="05000000000000000000" pitchFamily="2" charset="2"/>
+              </a:rPr>
+              <a:t>	</a:t>
+            </a:r>
+            <a:r>
+              <a:rPr lang="de-DE" dirty="0">
+                <a:solidFill>
+                  <a:srgbClr val="000000"/>
+                </a:solidFill>
+              </a:rPr>
+              <a:t>Welche Variante ist am </a:t>
+            </a:r>
+            <a:r>
+              <a:rPr lang="de-DE" b="1" dirty="0">
+                <a:solidFill>
+                  <a:srgbClr val="000000"/>
+                </a:solidFill>
+              </a:rPr>
+              <a:t>besten</a:t>
+            </a:r>
+            <a:r>
+              <a:rPr lang="de-DE" dirty="0">
+                <a:solidFill>
+                  <a:srgbClr val="000000"/>
+                </a:solidFill>
+              </a:rPr>
+              <a:t>?</a:t>
+            </a:r>
+          </a:p>
+          <a:p>
+            <a:pPr marL="285750" indent="-285750">
+              <a:buFont typeface="Arial" panose="020B0604020202020204" pitchFamily="34" charset="0"/>
+              <a:buChar char="•"/>
+            </a:pPr>
+            <a:r>
+              <a:rPr lang="de-DE" dirty="0">
+                <a:solidFill>
+                  <a:srgbClr val="000000"/>
+                </a:solidFill>
+              </a:rPr>
+              <a:t>Benötigt meist </a:t>
+            </a:r>
+            <a:r>
+              <a:rPr lang="de-DE" b="1" dirty="0">
+                <a:solidFill>
+                  <a:srgbClr val="000000"/>
+                </a:solidFill>
+              </a:rPr>
+              <a:t>weitere Datenstruktur</a:t>
+            </a:r>
+            <a:r>
+              <a:rPr lang="de-DE" dirty="0">
+                <a:solidFill>
+                  <a:srgbClr val="000000"/>
+                </a:solidFill>
+              </a:rPr>
+              <a:t>, die Daten wirklich speichert</a:t>
+            </a:r>
+          </a:p>
+          <a:p>
+            <a:pPr marL="285750" indent="-285750">
+              <a:buFont typeface="Arial" panose="020B0604020202020204" pitchFamily="34" charset="0"/>
+              <a:buChar char="•"/>
+            </a:pPr>
+            <a:endParaRPr lang="de-DE" dirty="0">
+              <a:solidFill>
+                <a:srgbClr val="000000"/>
+              </a:solidFill>
             </a:endParaRPr>
+          </a:p>
+          <a:p>
+            <a:pPr marL="285750" indent="-285750">
+              <a:buFont typeface="Arial" panose="020B0604020202020204" pitchFamily="34" charset="0"/>
+              <a:buChar char="•"/>
+            </a:pPr>
+            <a:r>
+              <a:rPr lang="de-DE" b="1" dirty="0">
+                <a:solidFill>
+                  <a:srgbClr val="0064A8"/>
+                </a:solidFill>
+              </a:rPr>
+              <a:t>Ist eine Datenstruktur mit den Eigenschaften des Bloom-Filters möglich, die zudem die Elemente selbst speichert?</a:t>
+            </a:r>
+          </a:p>
+          <a:p>
+            <a:pPr marL="285750" indent="-285750">
+              <a:buFont typeface="Arial" panose="020B0604020202020204" pitchFamily="34" charset="0"/>
+              <a:buChar char="•"/>
+            </a:pPr>
+            <a:endParaRPr lang="de-DE" dirty="0"/>
           </a:p>
         </p:txBody>
       </p:sp>
     </p:spTree>
     <p:extLst>
       <p:ext uri="{BB962C8B-B14F-4D97-AF65-F5344CB8AC3E}">
-        <p14:creationId xmlns:p14="http://schemas.microsoft.com/office/powerpoint/2010/main" val="2790701121"/>
+        <p14:creationId xmlns:p14="http://schemas.microsoft.com/office/powerpoint/2010/main" val="2716102838"/>
       </p:ext>
     </p:extLst>
   </p:cSld>
@@ -11304,7 +11428,7 @@
           <a:p>
             <a:r>
               <a:rPr lang="de-DE" dirty="0"/>
-              <a:t>Quellen</a:t>
+              <a:t>Diskussion</a:t>
             </a:r>
           </a:p>
         </p:txBody>
@@ -11333,10 +11457,10 @@
       </p:sp>
       <p:sp>
         <p:nvSpPr>
-          <p:cNvPr id="11" name="Textfeld 10">
+          <p:cNvPr id="8" name="Textfeld 7">
             <a:extLst>
               <a:ext uri="{FF2B5EF4-FFF2-40B4-BE49-F238E27FC236}">
-                <a16:creationId xmlns:a16="http://schemas.microsoft.com/office/drawing/2014/main" id="{AED7FCD8-3C56-4B11-ADA2-B181B3B96684}"/>
+                <a16:creationId xmlns:a16="http://schemas.microsoft.com/office/drawing/2014/main" id="{A04075D0-33B8-9F09-E1F9-193D4F6D6A8C}"/>
               </a:ext>
             </a:extLst>
           </p:cNvPr>
@@ -11345,8 +11469,8 @@
         </p:nvSpPr>
         <p:spPr>
           <a:xfrm>
-            <a:off x="611560" y="1419622"/>
-            <a:ext cx="8064896" cy="4339650"/>
+            <a:off x="611560" y="1203598"/>
+            <a:ext cx="4968552" cy="1754326"/>
           </a:xfrm>
           <a:prstGeom prst="rect">
             <a:avLst/>
@@ -11364,59 +11488,9 @@
               <a:buChar char="•"/>
             </a:pPr>
             <a:r>
-              <a:rPr lang="en-US" sz="1600" dirty="0">
-                <a:latin typeface="Segoe UI" panose="020B0502040204020203" pitchFamily="34" charset="0"/>
-              </a:rPr>
-              <a:t>[11] Whitaker A. and </a:t>
-            </a:r>
-            <a:r>
-              <a:rPr lang="en-US" sz="1600" dirty="0" err="1">
-                <a:latin typeface="Segoe UI" panose="020B0502040204020203" pitchFamily="34" charset="0"/>
-              </a:rPr>
-              <a:t>Wetherall</a:t>
-            </a:r>
-            <a:r>
-              <a:rPr lang="en-US" sz="1600" dirty="0">
-                <a:latin typeface="Segoe UI" panose="020B0502040204020203" pitchFamily="34" charset="0"/>
-              </a:rPr>
-              <a:t> D. 2002. Forwarding without loops in Icarus. In </a:t>
-            </a:r>
-            <a:r>
-              <a:rPr lang="en-US" sz="1600" i="1" dirty="0">
-                <a:latin typeface="Segoe UI" panose="020B0502040204020203" pitchFamily="34" charset="0"/>
-              </a:rPr>
-              <a:t>2002 IEEE Open Architectures and Network Programming Proceedings. OPENARCH 2002 (Cat. No.02EX571)</a:t>
-            </a:r>
-            <a:r>
-              <a:rPr lang="en-US" sz="1600" i="0" dirty="0">
-                <a:latin typeface="Segoe UI" panose="020B0502040204020203" pitchFamily="34" charset="0"/>
-              </a:rPr>
-              <a:t>, 63–75. DOI: </a:t>
-            </a:r>
-            <a:r>
-              <a:rPr lang="en-US" sz="1600" dirty="0">
-                <a:latin typeface="Segoe UI" panose="020B0502040204020203" pitchFamily="34" charset="0"/>
-                <a:hlinkClick r:id="rId2"/>
-              </a:rPr>
-              <a:t>https://</a:t>
-            </a:r>
-            <a:r>
-              <a:rPr lang="de-DE" sz="1600" dirty="0">
-                <a:latin typeface="Segoe UI" panose="020B0502040204020203" pitchFamily="34" charset="0"/>
-                <a:hlinkClick r:id="rId2"/>
-              </a:rPr>
-              <a:t>doi.org/</a:t>
-            </a:r>
-            <a:r>
-              <a:rPr lang="en-US" sz="1600" i="0" dirty="0">
-                <a:latin typeface="Segoe UI" panose="020B0502040204020203" pitchFamily="34" charset="0"/>
-                <a:hlinkClick r:id="rId2"/>
-              </a:rPr>
-              <a:t>10.1109/OPNARC.2002.1019229</a:t>
-            </a:r>
-            <a:endParaRPr lang="en-US" sz="1600" i="0" dirty="0">
-              <a:latin typeface="Segoe UI" panose="020B0502040204020203" pitchFamily="34" charset="0"/>
-            </a:endParaRPr>
+              <a:rPr lang="de-DE" dirty="0"/>
+              <a:t>Prinzipielle Idee</a:t>
+            </a:r>
           </a:p>
           <a:p>
             <a:pPr marL="285750" indent="-285750">
@@ -11424,131 +11498,9 @@
               <a:buChar char="•"/>
             </a:pPr>
             <a:r>
-              <a:rPr lang="de-DE" sz="1600" dirty="0">
-                <a:latin typeface="Segoe UI" panose="020B0502040204020203" pitchFamily="34" charset="0"/>
-              </a:rPr>
-              <a:t>[12] Laufer Rafael P., </a:t>
-            </a:r>
-            <a:r>
-              <a:rPr lang="de-DE" sz="1600" dirty="0" err="1">
-                <a:latin typeface="Segoe UI" panose="020B0502040204020203" pitchFamily="34" charset="0"/>
-              </a:rPr>
-              <a:t>Velloso</a:t>
-            </a:r>
-            <a:r>
-              <a:rPr lang="de-DE" sz="1600" dirty="0">
-                <a:latin typeface="Segoe UI" panose="020B0502040204020203" pitchFamily="34" charset="0"/>
-              </a:rPr>
-              <a:t> Pedro B., Cunha Daniel de O., </a:t>
-            </a:r>
-            <a:r>
-              <a:rPr lang="de-DE" sz="1600" dirty="0" err="1">
-                <a:latin typeface="Segoe UI" panose="020B0502040204020203" pitchFamily="34" charset="0"/>
-              </a:rPr>
-              <a:t>Moraes</a:t>
-            </a:r>
-            <a:r>
-              <a:rPr lang="de-DE" sz="1600" dirty="0">
-                <a:latin typeface="Segoe UI" panose="020B0502040204020203" pitchFamily="34" charset="0"/>
-              </a:rPr>
-              <a:t> Igor M., </a:t>
-            </a:r>
-            <a:r>
-              <a:rPr lang="de-DE" sz="1600" dirty="0" err="1">
-                <a:latin typeface="Segoe UI" panose="020B0502040204020203" pitchFamily="34" charset="0"/>
-              </a:rPr>
-              <a:t>Bicudo</a:t>
-            </a:r>
-            <a:r>
-              <a:rPr lang="de-DE" sz="1600" dirty="0">
-                <a:latin typeface="Segoe UI" panose="020B0502040204020203" pitchFamily="34" charset="0"/>
-              </a:rPr>
-              <a:t> Marco D.D., Moreira Marcelo D.D., and Duarte Otto Carlos M.B. 2007. </a:t>
-            </a:r>
-            <a:r>
-              <a:rPr lang="de-DE" sz="1600" dirty="0" err="1">
-                <a:latin typeface="Segoe UI" panose="020B0502040204020203" pitchFamily="34" charset="0"/>
-              </a:rPr>
-              <a:t>Towards</a:t>
-            </a:r>
-            <a:r>
-              <a:rPr lang="de-DE" sz="1600" dirty="0">
-                <a:latin typeface="Segoe UI" panose="020B0502040204020203" pitchFamily="34" charset="0"/>
-              </a:rPr>
-              <a:t> </a:t>
-            </a:r>
-            <a:r>
-              <a:rPr lang="de-DE" sz="1600" dirty="0" err="1">
-                <a:latin typeface="Segoe UI" panose="020B0502040204020203" pitchFamily="34" charset="0"/>
-              </a:rPr>
-              <a:t>Stateless</a:t>
-            </a:r>
-            <a:r>
-              <a:rPr lang="de-DE" sz="1600" dirty="0">
-                <a:latin typeface="Segoe UI" panose="020B0502040204020203" pitchFamily="34" charset="0"/>
-              </a:rPr>
-              <a:t> Single-Packet IP </a:t>
-            </a:r>
-            <a:r>
-              <a:rPr lang="de-DE" sz="1600" dirty="0" err="1">
-                <a:latin typeface="Segoe UI" panose="020B0502040204020203" pitchFamily="34" charset="0"/>
-              </a:rPr>
-              <a:t>Traceback</a:t>
-            </a:r>
-            <a:r>
-              <a:rPr lang="de-DE" sz="1600" dirty="0">
-                <a:latin typeface="Segoe UI" panose="020B0502040204020203" pitchFamily="34" charset="0"/>
-              </a:rPr>
-              <a:t>. In </a:t>
-            </a:r>
-            <a:r>
-              <a:rPr lang="de-DE" sz="1600" i="1" dirty="0">
-                <a:latin typeface="Segoe UI" panose="020B0502040204020203" pitchFamily="34" charset="0"/>
-              </a:rPr>
-              <a:t>32nd IEEE Conference on </a:t>
-            </a:r>
-            <a:r>
-              <a:rPr lang="de-DE" sz="1600" i="1" dirty="0" err="1">
-                <a:latin typeface="Segoe UI" panose="020B0502040204020203" pitchFamily="34" charset="0"/>
-              </a:rPr>
-              <a:t>Local</a:t>
-            </a:r>
-            <a:r>
-              <a:rPr lang="de-DE" sz="1600" i="1" dirty="0">
-                <a:latin typeface="Segoe UI" panose="020B0502040204020203" pitchFamily="34" charset="0"/>
-              </a:rPr>
-              <a:t> Computer Networks (LCN 2007)</a:t>
-            </a:r>
-            <a:r>
-              <a:rPr lang="de-DE" sz="1600" i="0" dirty="0">
-                <a:latin typeface="Segoe UI" panose="020B0502040204020203" pitchFamily="34" charset="0"/>
-              </a:rPr>
-              <a:t>, 548–555. DOI: </a:t>
-            </a:r>
-            <a:r>
-              <a:rPr lang="en-US" sz="1600" dirty="0">
-                <a:latin typeface="Segoe UI" panose="020B0502040204020203" pitchFamily="34" charset="0"/>
-                <a:hlinkClick r:id="rId3"/>
-              </a:rPr>
-              <a:t>https://</a:t>
-            </a:r>
-            <a:r>
-              <a:rPr lang="de-DE" sz="1600" dirty="0">
-                <a:latin typeface="Segoe UI" panose="020B0502040204020203" pitchFamily="34" charset="0"/>
-                <a:hlinkClick r:id="rId3"/>
-              </a:rPr>
-              <a:t>doi.org/</a:t>
-            </a:r>
-            <a:r>
-              <a:rPr lang="de-DE" sz="1600" i="0" dirty="0">
-                <a:latin typeface="Segoe UI" panose="020B0502040204020203" pitchFamily="34" charset="0"/>
-                <a:hlinkClick r:id="rId3"/>
-              </a:rPr>
-              <a:t>10.1109/LCN.2007.15</a:t>
-            </a:r>
-            <a:endParaRPr lang="de-DE" sz="1600" i="0" dirty="0">
-              <a:latin typeface="Segoe UI" panose="020B0502040204020203" pitchFamily="34" charset="0"/>
-            </a:endParaRPr>
+              <a:rPr lang="de-DE" dirty="0"/>
+              <a:t>Anwendungen</a:t>
+            </a:r>
           </a:p>
           <a:p>
             <a:pPr marL="285750" indent="-285750">
@@ -11556,87 +11508,9 @@
               <a:buChar char="•"/>
             </a:pPr>
             <a:r>
-              <a:rPr lang="de-DE" sz="1600" dirty="0">
-                <a:latin typeface="Segoe UI" panose="020B0502040204020203" pitchFamily="34" charset="0"/>
-                <a:cs typeface="Segoe UI" panose="020B0502040204020203" pitchFamily="34" charset="0"/>
-              </a:rPr>
-              <a:t>[13] </a:t>
-            </a:r>
-            <a:r>
-              <a:rPr lang="en-US" sz="1600" dirty="0">
-                <a:latin typeface="Segoe UI" panose="020B0502040204020203" pitchFamily="34" charset="0"/>
-                <a:cs typeface="Segoe UI" panose="020B0502040204020203" pitchFamily="34" charset="0"/>
-              </a:rPr>
-              <a:t>Wang, J. 1999. A Survey of Web Caching Schemes for the Internet. </a:t>
-            </a:r>
-            <a:r>
-              <a:rPr lang="en-US" sz="1600" i="1" dirty="0">
-                <a:latin typeface="Segoe UI" panose="020B0502040204020203" pitchFamily="34" charset="0"/>
-                <a:cs typeface="Segoe UI" panose="020B0502040204020203" pitchFamily="34" charset="0"/>
-              </a:rPr>
-              <a:t>SIGCOMM </a:t>
-            </a:r>
-            <a:r>
-              <a:rPr lang="en-US" sz="1600" i="1" dirty="0" err="1">
-                <a:latin typeface="Segoe UI" panose="020B0502040204020203" pitchFamily="34" charset="0"/>
-                <a:cs typeface="Segoe UI" panose="020B0502040204020203" pitchFamily="34" charset="0"/>
-              </a:rPr>
-              <a:t>Comput</a:t>
-            </a:r>
-            <a:r>
-              <a:rPr lang="en-US" sz="1600" i="1" dirty="0">
-                <a:latin typeface="Segoe UI" panose="020B0502040204020203" pitchFamily="34" charset="0"/>
-                <a:cs typeface="Segoe UI" panose="020B0502040204020203" pitchFamily="34" charset="0"/>
-              </a:rPr>
-              <a:t>. </a:t>
-            </a:r>
-            <a:r>
-              <a:rPr lang="en-US" sz="1600" i="1" dirty="0" err="1">
-                <a:latin typeface="Segoe UI" panose="020B0502040204020203" pitchFamily="34" charset="0"/>
-                <a:cs typeface="Segoe UI" panose="020B0502040204020203" pitchFamily="34" charset="0"/>
-              </a:rPr>
-              <a:t>Commun</a:t>
-            </a:r>
-            <a:r>
-              <a:rPr lang="en-US" sz="1600" i="1" dirty="0">
-                <a:latin typeface="Segoe UI" panose="020B0502040204020203" pitchFamily="34" charset="0"/>
-                <a:cs typeface="Segoe UI" panose="020B0502040204020203" pitchFamily="34" charset="0"/>
-              </a:rPr>
-              <a:t>. Rev.</a:t>
-            </a:r>
-            <a:r>
-              <a:rPr lang="en-US" sz="1600" i="0" dirty="0">
-                <a:latin typeface="Segoe UI" panose="020B0502040204020203" pitchFamily="34" charset="0"/>
-                <a:cs typeface="Segoe UI" panose="020B0502040204020203" pitchFamily="34" charset="0"/>
-              </a:rPr>
-              <a:t> 29, 5, 36–46. DOI: </a:t>
-            </a:r>
-            <a:r>
-              <a:rPr kumimoji="0" lang="de-DE" altLang="de-DE" sz="1600" b="0" i="0" u="none" strike="noStrike" cap="none" normalizeH="0" baseline="0" dirty="0">
-                <a:ln>
-                  <a:noFill/>
-                </a:ln>
-                <a:solidFill>
-                  <a:schemeClr val="tx1"/>
-                </a:solidFill>
-                <a:effectLst/>
-                <a:latin typeface="Segoe UI" panose="020B0502040204020203" pitchFamily="34" charset="0"/>
-                <a:cs typeface="Segoe UI" panose="020B0502040204020203" pitchFamily="34" charset="0"/>
-                <a:hlinkClick r:id="rId4"/>
-              </a:rPr>
-              <a:t>https://doi.org/10.1145/505696.505701</a:t>
-            </a:r>
-            <a:endParaRPr kumimoji="0" lang="de-DE" altLang="de-DE" sz="1600" b="0" i="0" u="none" strike="noStrike" cap="none" normalizeH="0" baseline="0" dirty="0">
-              <a:ln>
-                <a:noFill/>
-              </a:ln>
-              <a:solidFill>
-                <a:schemeClr val="tx1"/>
-              </a:solidFill>
-              <a:effectLst/>
-              <a:latin typeface="Segoe UI" panose="020B0502040204020203" pitchFamily="34" charset="0"/>
-              <a:cs typeface="Segoe UI" panose="020B0502040204020203" pitchFamily="34" charset="0"/>
-            </a:endParaRPr>
+              <a:rPr lang="de-DE" dirty="0"/>
+              <a:t>Funktionsweise und Operationen</a:t>
+            </a:r>
           </a:p>
           <a:p>
             <a:pPr marL="285750" indent="-285750">
@@ -11644,173 +11518,36 @@
               <a:buChar char="•"/>
             </a:pPr>
             <a:r>
-              <a:rPr lang="de-DE" sz="1600" dirty="0">
-                <a:latin typeface="Segoe UI" panose="020B0502040204020203" pitchFamily="34" charset="0"/>
-              </a:rPr>
-              <a:t>[14] </a:t>
-            </a:r>
-            <a:r>
-              <a:rPr lang="de-DE" sz="1600" dirty="0" err="1">
-                <a:latin typeface="Segoe UI" panose="020B0502040204020203" pitchFamily="34" charset="0"/>
-              </a:rPr>
-              <a:t>Dharmapurikar</a:t>
-            </a:r>
-            <a:r>
-              <a:rPr lang="de-DE" sz="1600" dirty="0">
-                <a:latin typeface="Segoe UI" panose="020B0502040204020203" pitchFamily="34" charset="0"/>
-              </a:rPr>
-              <a:t> S., </a:t>
-            </a:r>
-            <a:r>
-              <a:rPr lang="de-DE" sz="1600" dirty="0" err="1">
-                <a:latin typeface="Segoe UI" panose="020B0502040204020203" pitchFamily="34" charset="0"/>
-              </a:rPr>
-              <a:t>Krishnamurthy</a:t>
-            </a:r>
-            <a:r>
-              <a:rPr lang="de-DE" sz="1600" dirty="0">
-                <a:latin typeface="Segoe UI" panose="020B0502040204020203" pitchFamily="34" charset="0"/>
-              </a:rPr>
-              <a:t> P., </a:t>
-            </a:r>
-            <a:r>
-              <a:rPr lang="de-DE" sz="1600" dirty="0" err="1">
-                <a:latin typeface="Segoe UI" panose="020B0502040204020203" pitchFamily="34" charset="0"/>
-              </a:rPr>
-              <a:t>Sproull</a:t>
-            </a:r>
-            <a:r>
-              <a:rPr lang="de-DE" sz="1600" dirty="0">
-                <a:latin typeface="Segoe UI" panose="020B0502040204020203" pitchFamily="34" charset="0"/>
-              </a:rPr>
-              <a:t> T., and Lockwood J. 2003. Deep packet </a:t>
-            </a:r>
-            <a:r>
-              <a:rPr lang="de-DE" sz="1600" dirty="0" err="1">
-                <a:latin typeface="Segoe UI" panose="020B0502040204020203" pitchFamily="34" charset="0"/>
-              </a:rPr>
-              <a:t>inspection</a:t>
-            </a:r>
-            <a:r>
-              <a:rPr lang="de-DE" sz="1600" dirty="0">
-                <a:latin typeface="Segoe UI" panose="020B0502040204020203" pitchFamily="34" charset="0"/>
-              </a:rPr>
-              <a:t> </a:t>
-            </a:r>
-            <a:r>
-              <a:rPr lang="de-DE" sz="1600" dirty="0" err="1">
-                <a:latin typeface="Segoe UI" panose="020B0502040204020203" pitchFamily="34" charset="0"/>
-              </a:rPr>
-              <a:t>using</a:t>
-            </a:r>
-            <a:r>
-              <a:rPr lang="de-DE" sz="1600" dirty="0">
-                <a:latin typeface="Segoe UI" panose="020B0502040204020203" pitchFamily="34" charset="0"/>
-              </a:rPr>
-              <a:t> parallel Bloom </a:t>
-            </a:r>
-            <a:r>
-              <a:rPr lang="de-DE" sz="1600" dirty="0" err="1">
-                <a:latin typeface="Segoe UI" panose="020B0502040204020203" pitchFamily="34" charset="0"/>
-              </a:rPr>
-              <a:t>filters</a:t>
-            </a:r>
-            <a:r>
-              <a:rPr lang="de-DE" sz="1600" dirty="0">
-                <a:latin typeface="Segoe UI" panose="020B0502040204020203" pitchFamily="34" charset="0"/>
-              </a:rPr>
-              <a:t>. In </a:t>
-            </a:r>
-            <a:r>
-              <a:rPr lang="de-DE" sz="1600" i="1" dirty="0">
-                <a:latin typeface="Segoe UI" panose="020B0502040204020203" pitchFamily="34" charset="0"/>
-              </a:rPr>
-              <a:t>11th Symposium on High Performance </a:t>
-            </a:r>
-            <a:r>
-              <a:rPr lang="de-DE" sz="1600" i="1" dirty="0" err="1">
-                <a:latin typeface="Segoe UI" panose="020B0502040204020203" pitchFamily="34" charset="0"/>
-              </a:rPr>
-              <a:t>Interconnects</a:t>
-            </a:r>
-            <a:r>
-              <a:rPr lang="de-DE" sz="1600" i="1" dirty="0">
-                <a:latin typeface="Segoe UI" panose="020B0502040204020203" pitchFamily="34" charset="0"/>
-              </a:rPr>
-              <a:t>, 2003. Proceedings</a:t>
-            </a:r>
-            <a:r>
-              <a:rPr lang="de-DE" sz="1600" i="0" dirty="0">
-                <a:latin typeface="Segoe UI" panose="020B0502040204020203" pitchFamily="34" charset="0"/>
-              </a:rPr>
-              <a:t>, 44–51. DOI: </a:t>
-            </a:r>
-            <a:r>
-              <a:rPr lang="en-US" sz="1600" dirty="0">
-                <a:latin typeface="Segoe UI" panose="020B0502040204020203" pitchFamily="34" charset="0"/>
-                <a:hlinkClick r:id="rId5"/>
-              </a:rPr>
-              <a:t>https://</a:t>
-            </a:r>
-            <a:r>
-              <a:rPr lang="de-DE" sz="1600" dirty="0">
-                <a:latin typeface="Segoe UI" panose="020B0502040204020203" pitchFamily="34" charset="0"/>
-                <a:hlinkClick r:id="rId5"/>
-              </a:rPr>
-              <a:t>doi.org/</a:t>
-            </a:r>
-            <a:r>
-              <a:rPr lang="de-DE" sz="1600" i="0" dirty="0">
-                <a:latin typeface="Segoe UI" panose="020B0502040204020203" pitchFamily="34" charset="0"/>
-                <a:hlinkClick r:id="rId5"/>
-              </a:rPr>
-              <a:t>10.1109/CONECT.2003.1231477</a:t>
-            </a:r>
-            <a:endParaRPr lang="de-DE" altLang="de-DE" sz="1600" dirty="0">
-              <a:latin typeface="Segoe UI" panose="020B0502040204020203" pitchFamily="34" charset="0"/>
-              <a:cs typeface="Segoe UI" panose="020B0502040204020203" pitchFamily="34" charset="0"/>
-            </a:endParaRPr>
+              <a:rPr lang="de-DE" dirty="0"/>
+              <a:t>Varianten</a:t>
+            </a:r>
           </a:p>
           <a:p>
             <a:pPr marL="285750" indent="-285750">
               <a:buFont typeface="Arial" panose="020B0604020202020204" pitchFamily="34" charset="0"/>
               <a:buChar char="•"/>
             </a:pPr>
-            <a:endParaRPr kumimoji="0" lang="de-DE" altLang="de-DE" sz="3600" b="0" i="0" u="none" strike="noStrike" cap="none" normalizeH="0" baseline="0" dirty="0">
-              <a:ln>
-                <a:noFill/>
-              </a:ln>
-              <a:solidFill>
-                <a:schemeClr val="tx1"/>
-              </a:solidFill>
-              <a:effectLst/>
-              <a:latin typeface="Arial" panose="020B0604020202020204" pitchFamily="34" charset="0"/>
-            </a:endParaRPr>
+            <a:r>
+              <a:rPr lang="de-DE" dirty="0"/>
+              <a:t>Zusammenfassung</a:t>
+            </a:r>
           </a:p>
           <a:p>
             <a:pPr marL="285750" indent="-285750">
               <a:buFont typeface="Arial" panose="020B0604020202020204" pitchFamily="34" charset="0"/>
               <a:buChar char="•"/>
             </a:pPr>
-            <a:endParaRPr lang="en-US" sz="1600" i="0" dirty="0">
-              <a:latin typeface="Segoe UI" panose="020B0502040204020203" pitchFamily="34" charset="0"/>
-            </a:endParaRPr>
-          </a:p>
-          <a:p>
-            <a:pPr marL="285750" indent="-285750">
-              <a:buFont typeface="Arial" panose="020B0604020202020204" pitchFamily="34" charset="0"/>
-              <a:buChar char="•"/>
-            </a:pPr>
-            <a:endParaRPr lang="en-US" sz="1600" i="0" dirty="0">
-              <a:latin typeface="Segoe UI" panose="020B0502040204020203" pitchFamily="34" charset="0"/>
-            </a:endParaRPr>
+            <a:r>
+              <a:rPr lang="de-DE" dirty="0"/>
+              <a:t>Quellen</a:t>
+            </a:r>
           </a:p>
         </p:txBody>
       </p:sp>
     </p:spTree>
     <p:extLst>
       <p:ext uri="{BB962C8B-B14F-4D97-AF65-F5344CB8AC3E}">
-        <p14:creationId xmlns:p14="http://schemas.microsoft.com/office/powerpoint/2010/main" val="3916588754"/>
+        <p14:creationId xmlns:p14="http://schemas.microsoft.com/office/powerpoint/2010/main" val="2003097720"/>
       </p:ext>
     </p:extLst>
   </p:cSld>
@@ -11947,7 +11684,7 @@
         <p:spPr>
           <a:xfrm>
             <a:off x="611560" y="1419622"/>
-            <a:ext cx="8064896" cy="5724644"/>
+            <a:ext cx="8064896" cy="2800767"/>
           </a:xfrm>
           <a:prstGeom prst="rect">
             <a:avLst/>
@@ -11968,71 +11705,20 @@
               <a:rPr lang="en-US" sz="1600" dirty="0">
                 <a:latin typeface="Segoe UI" panose="020B0502040204020203" pitchFamily="34" charset="0"/>
               </a:rPr>
-              <a:t>[15] </a:t>
-            </a:r>
-            <a:r>
-              <a:rPr lang="en-US" sz="1600" dirty="0" err="1">
-                <a:latin typeface="Segoe UI" panose="020B0502040204020203" pitchFamily="34" charset="0"/>
-              </a:rPr>
-              <a:t>Gremillion</a:t>
-            </a:r>
-            <a:r>
-              <a:rPr lang="en-US" sz="1600" dirty="0">
-                <a:latin typeface="Segoe UI" panose="020B0502040204020203" pitchFamily="34" charset="0"/>
-              </a:rPr>
-              <a:t>, L. L. 1982. Designing a Bloom Filter for Differential File Access. </a:t>
-            </a:r>
-            <a:r>
-              <a:rPr lang="en-US" sz="1600" i="1" dirty="0" err="1">
-                <a:latin typeface="Segoe UI" panose="020B0502040204020203" pitchFamily="34" charset="0"/>
-              </a:rPr>
-              <a:t>Commun</a:t>
+              <a:t>[1] Burton H. Bloom, 1970, Space/time trade-offs in hash coding with allowable errors, </a:t>
             </a:r>
             <a:r>
               <a:rPr lang="en-US" sz="1600" i="1" dirty="0">
                 <a:latin typeface="Segoe UI" panose="020B0502040204020203" pitchFamily="34" charset="0"/>
               </a:rPr>
-              <a:t>. ACM</a:t>
+              <a:t>Communications of the ACM</a:t>
             </a:r>
             <a:r>
               <a:rPr lang="en-US" sz="1600" i="0" dirty="0">
                 <a:latin typeface="Segoe UI" panose="020B0502040204020203" pitchFamily="34" charset="0"/>
               </a:rPr>
-              <a:t> 25, 9, 600–604. </a:t>
-            </a:r>
-            <a:r>
-              <a:rPr lang="en-US" sz="1600" i="0" dirty="0">
-                <a:latin typeface="Segoe UI" panose="020B0502040204020203" pitchFamily="34" charset="0"/>
-                <a:cs typeface="Segoe UI" panose="020B0502040204020203" pitchFamily="34" charset="0"/>
-              </a:rPr>
-              <a:t>DOI: </a:t>
-            </a:r>
-            <a:r>
-              <a:rPr kumimoji="0" lang="de-DE" altLang="de-DE" sz="1600" b="0" i="0" u="none" strike="noStrike" cap="none" normalizeH="0" baseline="0" dirty="0">
-                <a:ln>
-                  <a:noFill/>
-                </a:ln>
-                <a:solidFill>
-                  <a:schemeClr val="tx1"/>
-                </a:solidFill>
-                <a:effectLst/>
-                <a:latin typeface="Segoe UI" panose="020B0502040204020203" pitchFamily="34" charset="0"/>
-                <a:cs typeface="Segoe UI" panose="020B0502040204020203" pitchFamily="34" charset="0"/>
-                <a:hlinkClick r:id="rId2"/>
-              </a:rPr>
-              <a:t>https://doi.org/10.1145/358628.358632</a:t>
-            </a:r>
-            <a:endParaRPr kumimoji="0" lang="de-DE" altLang="de-DE" sz="1600" b="0" i="0" u="none" strike="noStrike" cap="none" normalizeH="0" baseline="0" dirty="0">
-              <a:ln>
-                <a:noFill/>
-              </a:ln>
-              <a:solidFill>
-                <a:schemeClr val="tx1"/>
-              </a:solidFill>
-              <a:effectLst/>
-              <a:latin typeface="Segoe UI" panose="020B0502040204020203" pitchFamily="34" charset="0"/>
-              <a:cs typeface="Segoe UI" panose="020B0502040204020203" pitchFamily="34" charset="0"/>
-            </a:endParaRPr>
+              <a:t> 13, Issue 7, 422–426. DOI: https://doi.org/10.1145/362686.362692.</a:t>
+            </a:r>
           </a:p>
           <a:p>
             <a:pPr marL="285750" indent="-285750">
@@ -12040,115 +11726,59 @@
               <a:buChar char="•"/>
             </a:pPr>
             <a:r>
-              <a:rPr lang="de-DE" altLang="de-DE" sz="1600" dirty="0">
-                <a:latin typeface="Segoe UI" panose="020B0502040204020203" pitchFamily="34" charset="0"/>
-                <a:cs typeface="Segoe UI" panose="020B0502040204020203" pitchFamily="34" charset="0"/>
-              </a:rPr>
-              <a:t>[16] </a:t>
-            </a:r>
-            <a:r>
-              <a:rPr lang="de-DE" sz="1600" dirty="0" err="1">
-                <a:latin typeface="Segoe UI" panose="020B0502040204020203" pitchFamily="34" charset="0"/>
-              </a:rPr>
-              <a:t>Murugan</a:t>
-            </a:r>
-            <a:r>
-              <a:rPr lang="de-DE" sz="1600" dirty="0">
-                <a:latin typeface="Segoe UI" panose="020B0502040204020203" pitchFamily="34" charset="0"/>
-              </a:rPr>
-              <a:t>, S., </a:t>
-            </a:r>
-            <a:r>
-              <a:rPr lang="de-DE" sz="1600" dirty="0" err="1">
-                <a:latin typeface="Segoe UI" panose="020B0502040204020203" pitchFamily="34" charset="0"/>
-              </a:rPr>
-              <a:t>Bakthavatchalam</a:t>
-            </a:r>
-            <a:r>
-              <a:rPr lang="de-DE" sz="1600" dirty="0">
-                <a:latin typeface="Segoe UI" panose="020B0502040204020203" pitchFamily="34" charset="0"/>
-              </a:rPr>
-              <a:t>, T. A., and </a:t>
-            </a:r>
-            <a:r>
-              <a:rPr lang="de-DE" sz="1600" dirty="0" err="1">
-                <a:latin typeface="Segoe UI" panose="020B0502040204020203" pitchFamily="34" charset="0"/>
-              </a:rPr>
-              <a:t>Sankarasubbu</a:t>
-            </a:r>
-            <a:r>
-              <a:rPr lang="de-DE" sz="1600" dirty="0">
-                <a:latin typeface="Segoe UI" panose="020B0502040204020203" pitchFamily="34" charset="0"/>
-              </a:rPr>
-              <a:t>, M. 2020. </a:t>
-            </a:r>
-            <a:r>
-              <a:rPr lang="de-DE" sz="1600" dirty="0" err="1">
-                <a:latin typeface="Segoe UI" panose="020B0502040204020203" pitchFamily="34" charset="0"/>
-              </a:rPr>
-              <a:t>SymSpell</a:t>
-            </a:r>
-            <a:r>
-              <a:rPr lang="de-DE" sz="1600" dirty="0">
-                <a:latin typeface="Segoe UI" panose="020B0502040204020203" pitchFamily="34" charset="0"/>
-              </a:rPr>
-              <a:t> and LSTM </a:t>
-            </a:r>
-            <a:r>
-              <a:rPr lang="de-DE" sz="1600" dirty="0" err="1">
-                <a:latin typeface="Segoe UI" panose="020B0502040204020203" pitchFamily="34" charset="0"/>
-              </a:rPr>
-              <a:t>based</a:t>
-            </a:r>
-            <a:r>
-              <a:rPr lang="de-DE" sz="1600" dirty="0">
-                <a:latin typeface="Segoe UI" panose="020B0502040204020203" pitchFamily="34" charset="0"/>
-              </a:rPr>
-              <a:t> </a:t>
-            </a:r>
-            <a:r>
-              <a:rPr lang="de-DE" sz="1600" dirty="0" err="1">
-                <a:latin typeface="Segoe UI" panose="020B0502040204020203" pitchFamily="34" charset="0"/>
-              </a:rPr>
-              <a:t>Spell</a:t>
-            </a:r>
-            <a:r>
-              <a:rPr lang="de-DE" sz="1600" dirty="0">
-                <a:latin typeface="Segoe UI" panose="020B0502040204020203" pitchFamily="34" charset="0"/>
-              </a:rPr>
-              <a:t>-Checkers </a:t>
-            </a:r>
-            <a:r>
-              <a:rPr lang="de-DE" sz="1600" dirty="0" err="1">
-                <a:latin typeface="Segoe UI" panose="020B0502040204020203" pitchFamily="34" charset="0"/>
-              </a:rPr>
-              <a:t>for</a:t>
-            </a:r>
-            <a:r>
-              <a:rPr lang="de-DE" sz="1600" dirty="0">
-                <a:latin typeface="Segoe UI" panose="020B0502040204020203" pitchFamily="34" charset="0"/>
-              </a:rPr>
-              <a:t> Tamil.</a:t>
-            </a:r>
-            <a:r>
-              <a:rPr lang="de-DE" sz="1600" dirty="0">
-                <a:latin typeface="Segoe UI" panose="020B0502040204020203" pitchFamily="34" charset="0"/>
-                <a:cs typeface="Segoe UI" panose="020B0502040204020203" pitchFamily="34" charset="0"/>
-              </a:rPr>
-              <a:t> </a:t>
-            </a:r>
-            <a:r>
-              <a:rPr lang="de-DE" sz="1600" dirty="0">
-                <a:latin typeface="Segoe UI" panose="020B0502040204020203" pitchFamily="34" charset="0"/>
-                <a:cs typeface="Segoe UI" panose="020B0502040204020203" pitchFamily="34" charset="0"/>
-                <a:hlinkClick r:id="rId3"/>
-              </a:rPr>
-              <a:t>http://uttamam.org/papers/20_17.pdf</a:t>
-            </a:r>
-            <a:endParaRPr lang="de-DE" sz="1600" dirty="0">
-              <a:latin typeface="Segoe UI" panose="020B0502040204020203" pitchFamily="34" charset="0"/>
-              <a:cs typeface="Segoe UI" panose="020B0502040204020203" pitchFamily="34" charset="0"/>
-            </a:endParaRPr>
+              <a:rPr lang="en-US" sz="1600" dirty="0">
+                <a:latin typeface="Segoe UI" panose="020B0502040204020203" pitchFamily="34" charset="0"/>
+              </a:rPr>
+              <a:t>[2] </a:t>
+            </a:r>
+            <a:r>
+              <a:rPr lang="en-US" sz="1600" dirty="0" err="1">
+                <a:latin typeface="Segoe UI" panose="020B0502040204020203" pitchFamily="34" charset="0"/>
+              </a:rPr>
+              <a:t>Saibal</a:t>
+            </a:r>
+            <a:r>
+              <a:rPr lang="en-US" sz="1600" dirty="0">
+                <a:latin typeface="Segoe UI" panose="020B0502040204020203" pitchFamily="34" charset="0"/>
+              </a:rPr>
+              <a:t> Kumar Pal and Puneet Sardana, 2012, BLOOM FILTERS &amp; THEIR APPLICATIONS, </a:t>
+            </a:r>
+            <a:r>
+              <a:rPr lang="en-US" sz="1600" i="1" dirty="0">
+                <a:latin typeface="Segoe UI" panose="020B0502040204020203" pitchFamily="34" charset="0"/>
+              </a:rPr>
+              <a:t>International Journal of Computer Applications Technology and Research</a:t>
+            </a:r>
+            <a:r>
+              <a:rPr lang="en-US" sz="1600" i="0" dirty="0">
+                <a:latin typeface="Segoe UI" panose="020B0502040204020203" pitchFamily="34" charset="0"/>
+              </a:rPr>
+              <a:t> 1, 25–29. </a:t>
+            </a:r>
+            <a:r>
+              <a:rPr lang="en-US" sz="1600" dirty="0">
+                <a:latin typeface="Segoe UI" panose="020B0502040204020203" pitchFamily="34" charset="0"/>
+              </a:rPr>
+              <a:t>DOI: https://doi.org/10.7753/2012.1006</a:t>
+            </a:r>
+            <a:r>
+              <a:rPr lang="en-US" sz="1600" i="0" dirty="0">
+                <a:latin typeface="Segoe UI" panose="020B0502040204020203" pitchFamily="34" charset="0"/>
+              </a:rPr>
+              <a:t> https://ui.adsabs.harvard.edu/</a:t>
+            </a:r>
+            <a:r>
+              <a:rPr lang="en-US" sz="1600" i="0" dirty="0" err="1">
+                <a:latin typeface="Segoe UI" panose="020B0502040204020203" pitchFamily="34" charset="0"/>
+              </a:rPr>
+              <a:t>link_gateway</a:t>
+            </a:r>
+            <a:r>
+              <a:rPr lang="en-US" sz="1600" i="0" dirty="0">
+                <a:latin typeface="Segoe UI" panose="020B0502040204020203" pitchFamily="34" charset="0"/>
+              </a:rPr>
+              <a:t>/2012IJCAT...1...25P/doi:10.7753/2012.1006</a:t>
+            </a:r>
           </a:p>
           <a:p>
             <a:pPr marL="285750" indent="-285750">
@@ -12156,48 +11786,40 @@
               <a:buChar char="•"/>
             </a:pPr>
             <a:r>
-              <a:rPr kumimoji="0" lang="de-DE" altLang="de-DE" sz="1600" b="0" i="0" u="none" strike="noStrike" cap="none" normalizeH="0" baseline="0" dirty="0">
-                <a:ln>
-                  <a:noFill/>
-                </a:ln>
-                <a:solidFill>
-                  <a:schemeClr val="tx1"/>
-                </a:solidFill>
-                <a:effectLst/>
-                <a:latin typeface="Segoe UI" panose="020B0502040204020203" pitchFamily="34" charset="0"/>
-                <a:cs typeface="Segoe UI" panose="020B0502040204020203" pitchFamily="34" charset="0"/>
-              </a:rPr>
-              <a:t>[17] </a:t>
+              <a:rPr lang="de-DE" sz="1600" dirty="0">
+                <a:latin typeface="Segoe UI" panose="020B0502040204020203" pitchFamily="34" charset="0"/>
+              </a:rPr>
+              <a:t>[3] </a:t>
             </a:r>
             <a:r>
               <a:rPr lang="de-DE" sz="1600" dirty="0" err="1">
                 <a:latin typeface="Segoe UI" panose="020B0502040204020203" pitchFamily="34" charset="0"/>
               </a:rPr>
-              <a:t>Dharmapurikar</a:t>
+              <a:t>Ripon</a:t>
             </a:r>
             <a:r>
               <a:rPr lang="de-DE" sz="1600" dirty="0">
                 <a:latin typeface="Segoe UI" panose="020B0502040204020203" pitchFamily="34" charset="0"/>
               </a:rPr>
-              <a:t>, S., </a:t>
+              <a:t> </a:t>
             </a:r>
             <a:r>
               <a:rPr lang="de-DE" sz="1600" dirty="0" err="1">
                 <a:latin typeface="Segoe UI" panose="020B0502040204020203" pitchFamily="34" charset="0"/>
               </a:rPr>
-              <a:t>Krishnamurthy</a:t>
+              <a:t>Patgiri</a:t>
             </a:r>
             <a:r>
               <a:rPr lang="de-DE" sz="1600" dirty="0">
                 <a:latin typeface="Segoe UI" panose="020B0502040204020203" pitchFamily="34" charset="0"/>
               </a:rPr>
-              <a:t>, P., and Taylor, D. E. 2003. </a:t>
+              <a:t>, </a:t>
             </a:r>
             <a:r>
               <a:rPr lang="de-DE" sz="1600" dirty="0" err="1">
                 <a:latin typeface="Segoe UI" panose="020B0502040204020203" pitchFamily="34" charset="0"/>
               </a:rPr>
-              <a:t>Longest</a:t>
+              <a:t>Sabuzima</a:t>
             </a:r>
             <a:r>
               <a:rPr lang="de-DE" sz="1600" dirty="0">
@@ -12209,318 +11831,91 @@
               <a:rPr lang="de-DE" sz="1600" dirty="0" err="1">
                 <a:latin typeface="Segoe UI" panose="020B0502040204020203" pitchFamily="34" charset="0"/>
               </a:rPr>
-              <a:t>Prefix</a:t>
+              <a:t>Nayak</a:t>
             </a:r>
             <a:r>
               <a:rPr lang="de-DE" sz="1600" dirty="0">
                 <a:latin typeface="Segoe UI" panose="020B0502040204020203" pitchFamily="34" charset="0"/>
               </a:rPr>
-              <a:t> </a:t>
+              <a:t>, and Samir </a:t>
             </a:r>
             <a:r>
               <a:rPr lang="de-DE" sz="1600" dirty="0" err="1">
                 <a:latin typeface="Segoe UI" panose="020B0502040204020203" pitchFamily="34" charset="0"/>
               </a:rPr>
-              <a:t>Matching</a:t>
+              <a:t>Borgohain</a:t>
             </a:r>
             <a:r>
               <a:rPr lang="de-DE" sz="1600" dirty="0">
                 <a:latin typeface="Segoe UI" panose="020B0502040204020203" pitchFamily="34" charset="0"/>
               </a:rPr>
-              <a:t> </a:t>
+              <a:t>. 2018. </a:t>
             </a:r>
             <a:r>
               <a:rPr lang="de-DE" sz="1600" dirty="0" err="1">
                 <a:latin typeface="Segoe UI" panose="020B0502040204020203" pitchFamily="34" charset="0"/>
               </a:rPr>
-              <a:t>Using</a:t>
+              <a:t>Preventing</a:t>
             </a:r>
             <a:r>
               <a:rPr lang="de-DE" sz="1600" dirty="0">
                 <a:latin typeface="Segoe UI" panose="020B0502040204020203" pitchFamily="34" charset="0"/>
               </a:rPr>
-              <a:t> Bloom Filters. In </a:t>
+              <a:t> DDoS </a:t>
+            </a:r>
+            <a:r>
+              <a:rPr lang="de-DE" sz="1600" dirty="0" err="1">
+                <a:latin typeface="Segoe UI" panose="020B0502040204020203" pitchFamily="34" charset="0"/>
+              </a:rPr>
+              <a:t>using</a:t>
+            </a:r>
+            <a:r>
+              <a:rPr lang="de-DE" sz="1600" dirty="0">
+                <a:latin typeface="Segoe UI" panose="020B0502040204020203" pitchFamily="34" charset="0"/>
+              </a:rPr>
+              <a:t> Bloom Filter: A Survey. </a:t>
             </a:r>
             <a:r>
               <a:rPr lang="de-DE" sz="1600" i="1" dirty="0">
                 <a:latin typeface="Segoe UI" panose="020B0502040204020203" pitchFamily="34" charset="0"/>
               </a:rPr>
-              <a:t>Proceedings </a:t>
+              <a:t>ICST Transactions on </a:t>
             </a:r>
             <a:r>
               <a:rPr lang="de-DE" sz="1600" i="1" dirty="0" err="1">
                 <a:latin typeface="Segoe UI" panose="020B0502040204020203" pitchFamily="34" charset="0"/>
               </a:rPr>
-              <a:t>of</a:t>
+              <a:t>Scalable</a:t>
             </a:r>
             <a:r>
               <a:rPr lang="de-DE" sz="1600" i="1" dirty="0">
                 <a:latin typeface="Segoe UI" panose="020B0502040204020203" pitchFamily="34" charset="0"/>
               </a:rPr>
-              <a:t> </a:t>
-            </a:r>
-            <a:r>
-              <a:rPr lang="de-DE" sz="1600" i="1" dirty="0" err="1">
-                <a:latin typeface="Segoe UI" panose="020B0502040204020203" pitchFamily="34" charset="0"/>
-              </a:rPr>
-              <a:t>the</a:t>
-            </a:r>
-            <a:r>
-              <a:rPr lang="de-DE" sz="1600" i="1" dirty="0">
-                <a:latin typeface="Segoe UI" panose="020B0502040204020203" pitchFamily="34" charset="0"/>
-              </a:rPr>
-              <a:t> 2003 Conference on </a:t>
-            </a:r>
-            <a:r>
-              <a:rPr lang="de-DE" sz="1600" i="1" dirty="0" err="1">
-                <a:latin typeface="Segoe UI" panose="020B0502040204020203" pitchFamily="34" charset="0"/>
-              </a:rPr>
-              <a:t>Applications</a:t>
-            </a:r>
-            <a:r>
-              <a:rPr lang="de-DE" sz="1600" i="1" dirty="0">
-                <a:latin typeface="Segoe UI" panose="020B0502040204020203" pitchFamily="34" charset="0"/>
-              </a:rPr>
-              <a:t>, Technologies, </a:t>
-            </a:r>
-            <a:r>
-              <a:rPr lang="de-DE" sz="1600" i="1" dirty="0" err="1">
-                <a:latin typeface="Segoe UI" panose="020B0502040204020203" pitchFamily="34" charset="0"/>
-              </a:rPr>
-              <a:t>Architectures</a:t>
-            </a:r>
-            <a:r>
-              <a:rPr lang="de-DE" sz="1600" i="1" dirty="0">
-                <a:latin typeface="Segoe UI" panose="020B0502040204020203" pitchFamily="34" charset="0"/>
-              </a:rPr>
-              <a:t>, and </a:t>
-            </a:r>
-            <a:r>
-              <a:rPr lang="de-DE" sz="1600" i="1" dirty="0" err="1">
-                <a:latin typeface="Segoe UI" panose="020B0502040204020203" pitchFamily="34" charset="0"/>
-              </a:rPr>
-              <a:t>Protocols</a:t>
-            </a:r>
-            <a:r>
-              <a:rPr lang="de-DE" sz="1600" i="1" dirty="0">
-                <a:latin typeface="Segoe UI" panose="020B0502040204020203" pitchFamily="34" charset="0"/>
-              </a:rPr>
-              <a:t> </a:t>
-            </a:r>
-            <a:r>
-              <a:rPr lang="de-DE" sz="1600" i="1" dirty="0" err="1">
-                <a:latin typeface="Segoe UI" panose="020B0502040204020203" pitchFamily="34" charset="0"/>
-              </a:rPr>
-              <a:t>for</a:t>
-            </a:r>
-            <a:r>
-              <a:rPr lang="de-DE" sz="1600" i="1" dirty="0">
-                <a:latin typeface="Segoe UI" panose="020B0502040204020203" pitchFamily="34" charset="0"/>
-              </a:rPr>
-              <a:t> Computer Communications</a:t>
+              <a:t> Information Systems</a:t>
             </a:r>
             <a:r>
               <a:rPr lang="de-DE" sz="1600" i="0" dirty="0">
                 <a:latin typeface="Segoe UI" panose="020B0502040204020203" pitchFamily="34" charset="0"/>
               </a:rPr>
-              <a:t>. SIGCOMM ’03. </a:t>
-            </a:r>
-            <a:r>
-              <a:rPr lang="de-DE" sz="1600" i="0" dirty="0" err="1">
-                <a:latin typeface="Segoe UI" panose="020B0502040204020203" pitchFamily="34" charset="0"/>
-              </a:rPr>
-              <a:t>Association</a:t>
+              <a:t> 5, 19, 155865. DOI: </a:t>
             </a:r>
             <a:r>
               <a:rPr lang="de-DE" sz="1600" i="0" dirty="0">
                 <a:latin typeface="Segoe UI" panose="020B0502040204020203" pitchFamily="34" charset="0"/>
-              </a:rPr>
-              <a:t> </a:t>
-            </a:r>
-            <a:r>
-              <a:rPr lang="de-DE" sz="1600" i="0" dirty="0" err="1">
-                <a:latin typeface="Segoe UI" panose="020B0502040204020203" pitchFamily="34" charset="0"/>
-              </a:rPr>
-              <a:t>for</a:t>
-            </a:r>
-            <a:r>
-              <a:rPr lang="de-DE" sz="1600" i="0" dirty="0">
-                <a:latin typeface="Segoe UI" panose="020B0502040204020203" pitchFamily="34" charset="0"/>
-              </a:rPr>
-              <a:t> Computing Machinery, New York, NY, USA, 201–212. DOI: </a:t>
-            </a:r>
-            <a:r>
-              <a:rPr lang="de-DE" altLang="de-DE" sz="1600" dirty="0">
-                <a:latin typeface="Segoe UI" panose="020B0502040204020203" pitchFamily="34" charset="0"/>
-                <a:cs typeface="Segoe UI" panose="020B0502040204020203" pitchFamily="34" charset="0"/>
-                <a:hlinkClick r:id="rId4"/>
-              </a:rPr>
-              <a:t>https://doi.org/</a:t>
-            </a:r>
-            <a:r>
-              <a:rPr lang="de-DE" sz="1600" i="0" dirty="0">
-                <a:latin typeface="Segoe UI" panose="020B0502040204020203" pitchFamily="34" charset="0"/>
-                <a:hlinkClick r:id="rId4"/>
-              </a:rPr>
-              <a:t>10.1145/863955.863979</a:t>
+                <a:hlinkClick r:id="rId2"/>
+              </a:rPr>
+              <a:t>https://doi.org/10.4108%2Feai.19-6-2018.155865</a:t>
             </a:r>
             <a:endParaRPr lang="de-DE" sz="1600" i="0" dirty="0">
               <a:latin typeface="Segoe UI" panose="020B0502040204020203" pitchFamily="34" charset="0"/>
             </a:endParaRPr>
           </a:p>
-          <a:p>
-            <a:pPr marL="285750" indent="-285750">
-              <a:buFont typeface="Arial" panose="020B0604020202020204" pitchFamily="34" charset="0"/>
-              <a:buChar char="•"/>
-            </a:pPr>
-            <a:r>
-              <a:rPr lang="de-DE" sz="1600" dirty="0">
-                <a:latin typeface="Segoe UI" panose="020B0502040204020203" pitchFamily="34" charset="0"/>
-              </a:rPr>
-              <a:t>[18] </a:t>
-            </a:r>
-            <a:r>
-              <a:rPr lang="en-US" sz="1600" dirty="0">
-                <a:latin typeface="Segoe UI" panose="020B0502040204020203" pitchFamily="34" charset="0"/>
-              </a:rPr>
-              <a:t>Jain, N., Dahlin, M., and </a:t>
-            </a:r>
-            <a:r>
-              <a:rPr lang="en-US" sz="1600" dirty="0" err="1">
-                <a:latin typeface="Segoe UI" panose="020B0502040204020203" pitchFamily="34" charset="0"/>
-              </a:rPr>
-              <a:t>Tewar</a:t>
-            </a:r>
-            <a:r>
-              <a:rPr lang="en-US" sz="1600" dirty="0">
-                <a:latin typeface="Segoe UI" panose="020B0502040204020203" pitchFamily="34" charset="0"/>
-              </a:rPr>
-              <a:t>, R. 2005. Using Bloom Filters to Refine Web Search Results. In </a:t>
-            </a:r>
-            <a:r>
-              <a:rPr lang="en-US" sz="1600" i="1" dirty="0">
-                <a:latin typeface="Segoe UI" panose="020B0502040204020203" pitchFamily="34" charset="0"/>
-              </a:rPr>
-              <a:t>Eighth International Workshop on the Web and Databases (</a:t>
-            </a:r>
-            <a:r>
-              <a:rPr lang="en-US" sz="1600" i="1" dirty="0" err="1">
-                <a:latin typeface="Segoe UI" panose="020B0502040204020203" pitchFamily="34" charset="0"/>
-              </a:rPr>
-              <a:t>WebDB</a:t>
-            </a:r>
-            <a:r>
-              <a:rPr lang="en-US" sz="1600" i="1" dirty="0">
-                <a:latin typeface="Segoe UI" panose="020B0502040204020203" pitchFamily="34" charset="0"/>
-              </a:rPr>
-              <a:t> ’05)</a:t>
-            </a:r>
-            <a:r>
-              <a:rPr lang="en-US" sz="1600" i="0" dirty="0">
-                <a:latin typeface="Segoe UI" panose="020B0502040204020203" pitchFamily="34" charset="0"/>
-              </a:rPr>
-              <a:t>.</a:t>
-            </a:r>
-            <a:r>
-              <a:rPr lang="de-DE" sz="1600" dirty="0">
-                <a:latin typeface="Segoe UI" panose="020B0502040204020203" pitchFamily="34" charset="0"/>
-              </a:rPr>
-              <a:t> https://www.microsoft.com/en-us/research/wp-content/uploads/2017/01/webdb-167.pdf</a:t>
-            </a:r>
-          </a:p>
-          <a:p>
-            <a:pPr marL="285750" indent="-285750">
-              <a:buFont typeface="Arial" panose="020B0604020202020204" pitchFamily="34" charset="0"/>
-              <a:buChar char="•"/>
-            </a:pPr>
-            <a:endParaRPr kumimoji="0" lang="de-DE" altLang="de-DE" sz="1600" b="0" i="0" u="none" strike="noStrike" cap="none" normalizeH="0" baseline="0" dirty="0">
-              <a:ln>
-                <a:noFill/>
-              </a:ln>
-              <a:solidFill>
-                <a:schemeClr val="tx1"/>
-              </a:solidFill>
-              <a:effectLst/>
-              <a:latin typeface="Segoe UI" panose="020B0502040204020203" pitchFamily="34" charset="0"/>
-              <a:cs typeface="Segoe UI" panose="020B0502040204020203" pitchFamily="34" charset="0"/>
-            </a:endParaRPr>
-          </a:p>
-          <a:p>
-            <a:pPr marL="285750" indent="-285750">
-              <a:buFont typeface="Arial" panose="020B0604020202020204" pitchFamily="34" charset="0"/>
-              <a:buChar char="•"/>
-            </a:pPr>
-            <a:endParaRPr lang="de-DE" altLang="de-DE" sz="1600" dirty="0">
-              <a:latin typeface="Segoe UI" panose="020B0502040204020203" pitchFamily="34" charset="0"/>
-              <a:cs typeface="Segoe UI" panose="020B0502040204020203" pitchFamily="34" charset="0"/>
-            </a:endParaRPr>
-          </a:p>
-          <a:p>
-            <a:pPr marL="285750" indent="-285750">
-              <a:buFont typeface="Arial" panose="020B0604020202020204" pitchFamily="34" charset="0"/>
-              <a:buChar char="•"/>
-            </a:pPr>
-            <a:endParaRPr kumimoji="0" lang="de-DE" altLang="de-DE" sz="3600" b="0" i="0" u="none" strike="noStrike" cap="none" normalizeH="0" baseline="0" dirty="0">
-              <a:ln>
-                <a:noFill/>
-              </a:ln>
-              <a:solidFill>
-                <a:schemeClr val="tx1"/>
-              </a:solidFill>
-              <a:effectLst/>
-              <a:latin typeface="Arial" panose="020B0604020202020204" pitchFamily="34" charset="0"/>
-            </a:endParaRPr>
-          </a:p>
-          <a:p>
-            <a:pPr marL="285750" indent="-285750">
-              <a:buFont typeface="Arial" panose="020B0604020202020204" pitchFamily="34" charset="0"/>
-              <a:buChar char="•"/>
-            </a:pPr>
-            <a:endParaRPr lang="de-DE" altLang="de-DE" sz="1600" dirty="0">
-              <a:latin typeface="Segoe UI" panose="020B0502040204020203" pitchFamily="34" charset="0"/>
-              <a:cs typeface="Segoe UI" panose="020B0502040204020203" pitchFamily="34" charset="0"/>
-            </a:endParaRPr>
-          </a:p>
-          <a:p>
-            <a:pPr marL="285750" indent="-285750">
-              <a:buFont typeface="Arial" panose="020B0604020202020204" pitchFamily="34" charset="0"/>
-              <a:buChar char="•"/>
-            </a:pPr>
-            <a:endParaRPr kumimoji="0" lang="de-DE" altLang="de-DE" sz="3600" b="0" i="0" u="none" strike="noStrike" cap="none" normalizeH="0" baseline="0" dirty="0">
-              <a:ln>
-                <a:noFill/>
-              </a:ln>
-              <a:solidFill>
-                <a:schemeClr val="tx1"/>
-              </a:solidFill>
-              <a:effectLst/>
-              <a:latin typeface="Arial" panose="020B0604020202020204" pitchFamily="34" charset="0"/>
-            </a:endParaRPr>
-          </a:p>
-          <a:p>
-            <a:pPr marL="285750" indent="-285750">
-              <a:buFont typeface="Arial" panose="020B0604020202020204" pitchFamily="34" charset="0"/>
-              <a:buChar char="•"/>
-            </a:pPr>
-            <a:endParaRPr lang="en-US" sz="1600" i="0" dirty="0">
-              <a:latin typeface="Segoe UI" panose="020B0502040204020203" pitchFamily="34" charset="0"/>
-            </a:endParaRPr>
-          </a:p>
-          <a:p>
-            <a:pPr marL="285750" indent="-285750">
-              <a:buFont typeface="Arial" panose="020B0604020202020204" pitchFamily="34" charset="0"/>
-              <a:buChar char="•"/>
-            </a:pPr>
-            <a:endParaRPr lang="en-US" sz="1600" i="0" dirty="0">
-              <a:latin typeface="Segoe UI" panose="020B0502040204020203" pitchFamily="34" charset="0"/>
-            </a:endParaRPr>
-          </a:p>
         </p:txBody>
       </p:sp>
     </p:spTree>
     <p:extLst>
       <p:ext uri="{BB962C8B-B14F-4D97-AF65-F5344CB8AC3E}">
-        <p14:creationId xmlns:p14="http://schemas.microsoft.com/office/powerpoint/2010/main" val="3408374900"/>
+        <p14:creationId xmlns:p14="http://schemas.microsoft.com/office/powerpoint/2010/main" val="2718584080"/>
       </p:ext>
     </p:extLst>
   </p:cSld>
@@ -12657,6 +12052,2409 @@
         <p:spPr>
           <a:xfrm>
             <a:off x="611560" y="1419622"/>
+            <a:ext cx="8064896" cy="2800767"/>
+          </a:xfrm>
+          <a:prstGeom prst="rect">
+            <a:avLst/>
+          </a:prstGeom>
+          <a:noFill/>
+        </p:spPr>
+        <p:txBody>
+          <a:bodyPr wrap="square" rtlCol="0">
+            <a:spAutoFit/>
+          </a:bodyPr>
+          <a:lstStyle/>
+          <a:p>
+            <a:pPr marL="285750" indent="-285750">
+              <a:buFont typeface="Arial" panose="020B0604020202020204" pitchFamily="34" charset="0"/>
+              <a:buChar char="•"/>
+            </a:pPr>
+            <a:r>
+              <a:rPr lang="de-DE" sz="1600" dirty="0">
+                <a:latin typeface="Segoe UI" panose="020B0502040204020203" pitchFamily="34" charset="0"/>
+              </a:rPr>
+              <a:t>[4] </a:t>
+            </a:r>
+            <a:r>
+              <a:rPr lang="en-US" sz="1600" dirty="0"/>
+              <a:t>Bloom Filter. </a:t>
+            </a:r>
+            <a:r>
+              <a:rPr lang="en-US" sz="1600" i="1" dirty="0"/>
+              <a:t>Brilliant.org</a:t>
+            </a:r>
+            <a:r>
+              <a:rPr lang="en-US" sz="1600" dirty="0"/>
+              <a:t>. Retrieved 18:02, May 12, 2022, from </a:t>
+            </a:r>
+            <a:r>
+              <a:rPr lang="en-US" sz="1600" dirty="0">
+                <a:hlinkClick r:id="rId2"/>
+              </a:rPr>
+              <a:t>https://brilliant.org/wiki/bloom-filter/</a:t>
+            </a:r>
+            <a:endParaRPr lang="en-US" sz="1600" dirty="0"/>
+          </a:p>
+          <a:p>
+            <a:pPr marL="285750" indent="-285750">
+              <a:buFont typeface="Arial" panose="020B0604020202020204" pitchFamily="34" charset="0"/>
+              <a:buChar char="•"/>
+            </a:pPr>
+            <a:r>
+              <a:rPr lang="en-US" sz="1600" i="0" dirty="0">
+                <a:latin typeface="Segoe UI" panose="020B0502040204020203" pitchFamily="34" charset="0"/>
+              </a:rPr>
+              <a:t>[5] </a:t>
+            </a:r>
+            <a:r>
+              <a:rPr lang="en-US" sz="1600" dirty="0">
+                <a:latin typeface="Segoe UI" panose="020B0502040204020203" pitchFamily="34" charset="0"/>
+              </a:rPr>
+              <a:t>Fabio </a:t>
+            </a:r>
+            <a:r>
+              <a:rPr lang="en-US" sz="1600" dirty="0" err="1">
+                <a:latin typeface="Segoe UI" panose="020B0502040204020203" pitchFamily="34" charset="0"/>
+              </a:rPr>
+              <a:t>Grandi</a:t>
+            </a:r>
+            <a:r>
+              <a:rPr lang="en-US" sz="1600" dirty="0">
+                <a:latin typeface="Segoe UI" panose="020B0502040204020203" pitchFamily="34" charset="0"/>
+              </a:rPr>
+              <a:t>. 2018. On the analysis of Bloom filters. </a:t>
+            </a:r>
+            <a:r>
+              <a:rPr lang="en-US" sz="1600" i="1" dirty="0">
+                <a:latin typeface="Segoe UI" panose="020B0502040204020203" pitchFamily="34" charset="0"/>
+              </a:rPr>
+              <a:t>Information Processing Letters</a:t>
+            </a:r>
+            <a:r>
+              <a:rPr lang="en-US" sz="1600" i="0" dirty="0">
+                <a:latin typeface="Segoe UI" panose="020B0502040204020203" pitchFamily="34" charset="0"/>
+              </a:rPr>
+              <a:t> 129, 35–39. DOI: </a:t>
+            </a:r>
+            <a:r>
+              <a:rPr lang="en-US" sz="1600" i="0" dirty="0">
+                <a:latin typeface="Segoe UI" panose="020B0502040204020203" pitchFamily="34" charset="0"/>
+                <a:hlinkClick r:id="rId3"/>
+              </a:rPr>
+              <a:t>https://doi.org/10.1016/j.ipl.2017.09.004</a:t>
+            </a:r>
+            <a:endParaRPr lang="en-US" sz="1600" i="0" dirty="0">
+              <a:latin typeface="Segoe UI" panose="020B0502040204020203" pitchFamily="34" charset="0"/>
+            </a:endParaRPr>
+          </a:p>
+          <a:p>
+            <a:pPr marL="285750" indent="-285750">
+              <a:buFont typeface="Arial" panose="020B0604020202020204" pitchFamily="34" charset="0"/>
+              <a:buChar char="•"/>
+            </a:pPr>
+            <a:r>
+              <a:rPr lang="en-US" sz="1600" dirty="0">
+                <a:latin typeface="Segoe UI" panose="020B0502040204020203" pitchFamily="34" charset="0"/>
+              </a:rPr>
+              <a:t>[6] Nayak, S. and </a:t>
+            </a:r>
+            <a:r>
+              <a:rPr lang="en-US" sz="1600" dirty="0" err="1">
+                <a:latin typeface="Segoe UI" panose="020B0502040204020203" pitchFamily="34" charset="0"/>
+              </a:rPr>
+              <a:t>Patgiri</a:t>
+            </a:r>
+            <a:r>
+              <a:rPr lang="en-US" sz="1600" dirty="0">
+                <a:latin typeface="Segoe UI" panose="020B0502040204020203" pitchFamily="34" charset="0"/>
+              </a:rPr>
+              <a:t>, R. 2021. </a:t>
+            </a:r>
+            <a:r>
+              <a:rPr lang="en-US" sz="1600" i="1" dirty="0" err="1">
+                <a:latin typeface="Segoe UI" panose="020B0502040204020203" pitchFamily="34" charset="0"/>
+              </a:rPr>
+              <a:t>RobustBF</a:t>
+            </a:r>
+            <a:r>
+              <a:rPr lang="en-US" sz="1600" i="1" dirty="0">
+                <a:latin typeface="Segoe UI" panose="020B0502040204020203" pitchFamily="34" charset="0"/>
+              </a:rPr>
+              <a:t>: A High Accuracy and Memory Efficient 2D Bloom Filter</a:t>
+            </a:r>
+            <a:r>
+              <a:rPr lang="en-US" sz="1600" i="0" dirty="0">
+                <a:latin typeface="Segoe UI" panose="020B0502040204020203" pitchFamily="34" charset="0"/>
+              </a:rPr>
+              <a:t>. DOI: https://doi.org/10.48550/arxiv.2106.04365</a:t>
+            </a:r>
+          </a:p>
+          <a:p>
+            <a:pPr marL="285750" indent="-285750">
+              <a:buFont typeface="Arial" panose="020B0604020202020204" pitchFamily="34" charset="0"/>
+              <a:buChar char="•"/>
+            </a:pPr>
+            <a:r>
+              <a:rPr lang="en-US" sz="1600" dirty="0">
+                <a:latin typeface="Segoe UI" panose="020B0502040204020203" pitchFamily="34" charset="0"/>
+              </a:rPr>
+              <a:t>[7] </a:t>
+            </a:r>
+            <a:r>
+              <a:rPr lang="de-DE" sz="1600" dirty="0">
+                <a:latin typeface="Segoe UI" panose="020B0502040204020203" pitchFamily="34" charset="0"/>
+              </a:rPr>
+              <a:t>Fan, L., Cao, P., Almeida, J., and Broder, A. Z. 1998. Summary Cache: A </a:t>
+            </a:r>
+            <a:r>
+              <a:rPr lang="de-DE" sz="1600" dirty="0" err="1">
+                <a:latin typeface="Segoe UI" panose="020B0502040204020203" pitchFamily="34" charset="0"/>
+              </a:rPr>
+              <a:t>Scalable</a:t>
+            </a:r>
+            <a:r>
+              <a:rPr lang="de-DE" sz="1600" dirty="0">
+                <a:latin typeface="Segoe UI" panose="020B0502040204020203" pitchFamily="34" charset="0"/>
+              </a:rPr>
+              <a:t> Wide-Area Web Cache Sharing Protocol. In </a:t>
+            </a:r>
+            <a:r>
+              <a:rPr lang="de-DE" sz="1600" i="1" dirty="0">
+                <a:latin typeface="Segoe UI" panose="020B0502040204020203" pitchFamily="34" charset="0"/>
+              </a:rPr>
+              <a:t>Proceedings </a:t>
+            </a:r>
+            <a:r>
+              <a:rPr lang="de-DE" sz="1600" i="1" dirty="0" err="1">
+                <a:latin typeface="Segoe UI" panose="020B0502040204020203" pitchFamily="34" charset="0"/>
+              </a:rPr>
+              <a:t>of</a:t>
+            </a:r>
+            <a:r>
+              <a:rPr lang="de-DE" sz="1600" i="1" dirty="0">
+                <a:latin typeface="Segoe UI" panose="020B0502040204020203" pitchFamily="34" charset="0"/>
+              </a:rPr>
+              <a:t> </a:t>
+            </a:r>
+            <a:r>
+              <a:rPr lang="de-DE" sz="1600" i="1" dirty="0" err="1">
+                <a:latin typeface="Segoe UI" panose="020B0502040204020203" pitchFamily="34" charset="0"/>
+              </a:rPr>
+              <a:t>the</a:t>
+            </a:r>
+            <a:r>
+              <a:rPr lang="de-DE" sz="1600" i="1" dirty="0">
+                <a:latin typeface="Segoe UI" panose="020B0502040204020203" pitchFamily="34" charset="0"/>
+              </a:rPr>
+              <a:t> ACM SIGCOMM ’98 Conference on </a:t>
+            </a:r>
+            <a:r>
+              <a:rPr lang="de-DE" sz="1600" i="1" dirty="0" err="1">
+                <a:latin typeface="Segoe UI" panose="020B0502040204020203" pitchFamily="34" charset="0"/>
+              </a:rPr>
+              <a:t>Applications</a:t>
+            </a:r>
+            <a:r>
+              <a:rPr lang="de-DE" sz="1600" i="1" dirty="0">
+                <a:latin typeface="Segoe UI" panose="020B0502040204020203" pitchFamily="34" charset="0"/>
+              </a:rPr>
+              <a:t>, Technologies, </a:t>
+            </a:r>
+            <a:r>
+              <a:rPr lang="de-DE" sz="1600" i="1" dirty="0" err="1">
+                <a:latin typeface="Segoe UI" panose="020B0502040204020203" pitchFamily="34" charset="0"/>
+              </a:rPr>
+              <a:t>Architectures</a:t>
+            </a:r>
+            <a:r>
+              <a:rPr lang="de-DE" sz="1600" i="1" dirty="0">
+                <a:latin typeface="Segoe UI" panose="020B0502040204020203" pitchFamily="34" charset="0"/>
+              </a:rPr>
+              <a:t>, and </a:t>
+            </a:r>
+            <a:r>
+              <a:rPr lang="de-DE" sz="1600" i="1" dirty="0" err="1">
+                <a:latin typeface="Segoe UI" panose="020B0502040204020203" pitchFamily="34" charset="0"/>
+              </a:rPr>
+              <a:t>Protocols</a:t>
+            </a:r>
+            <a:r>
+              <a:rPr lang="de-DE" sz="1600" i="1" dirty="0">
+                <a:latin typeface="Segoe UI" panose="020B0502040204020203" pitchFamily="34" charset="0"/>
+              </a:rPr>
+              <a:t> </a:t>
+            </a:r>
+            <a:r>
+              <a:rPr lang="de-DE" sz="1600" i="1" dirty="0" err="1">
+                <a:latin typeface="Segoe UI" panose="020B0502040204020203" pitchFamily="34" charset="0"/>
+              </a:rPr>
+              <a:t>for</a:t>
+            </a:r>
+            <a:r>
+              <a:rPr lang="de-DE" sz="1600" i="1" dirty="0">
+                <a:latin typeface="Segoe UI" panose="020B0502040204020203" pitchFamily="34" charset="0"/>
+              </a:rPr>
+              <a:t> Computer Communication</a:t>
+            </a:r>
+            <a:r>
+              <a:rPr lang="de-DE" sz="1600" i="0" dirty="0">
+                <a:latin typeface="Segoe UI" panose="020B0502040204020203" pitchFamily="34" charset="0"/>
+              </a:rPr>
+              <a:t>. SIGCOMM ’98. </a:t>
+            </a:r>
+            <a:r>
+              <a:rPr lang="de-DE" sz="1600" i="0" dirty="0" err="1">
+                <a:latin typeface="Segoe UI" panose="020B0502040204020203" pitchFamily="34" charset="0"/>
+              </a:rPr>
+              <a:t>Association</a:t>
+            </a:r>
+            <a:r>
+              <a:rPr lang="de-DE" sz="1600" i="0" dirty="0">
+                <a:latin typeface="Segoe UI" panose="020B0502040204020203" pitchFamily="34" charset="0"/>
+              </a:rPr>
+              <a:t> </a:t>
+            </a:r>
+            <a:r>
+              <a:rPr lang="de-DE" sz="1600" i="0" dirty="0" err="1">
+                <a:latin typeface="Segoe UI" panose="020B0502040204020203" pitchFamily="34" charset="0"/>
+              </a:rPr>
+              <a:t>for</a:t>
+            </a:r>
+            <a:r>
+              <a:rPr lang="de-DE" sz="1600" i="0" dirty="0">
+                <a:latin typeface="Segoe UI" panose="020B0502040204020203" pitchFamily="34" charset="0"/>
+              </a:rPr>
+              <a:t> Computing Machinery, New York, NY, USA, 254–265. DOI:</a:t>
+            </a:r>
+            <a:r>
+              <a:rPr lang="en-US" sz="1600" i="0" dirty="0">
+                <a:latin typeface="Segoe UI" panose="020B0502040204020203" pitchFamily="34" charset="0"/>
+              </a:rPr>
+              <a:t> https://doi.org/</a:t>
+            </a:r>
+            <a:r>
+              <a:rPr lang="de-DE" sz="1600" i="0" dirty="0">
+                <a:latin typeface="Segoe UI" panose="020B0502040204020203" pitchFamily="34" charset="0"/>
+              </a:rPr>
+              <a:t>10.1145/285237.285287</a:t>
+            </a:r>
+          </a:p>
+        </p:txBody>
+      </p:sp>
+    </p:spTree>
+    <p:extLst>
+      <p:ext uri="{BB962C8B-B14F-4D97-AF65-F5344CB8AC3E}">
+        <p14:creationId xmlns:p14="http://schemas.microsoft.com/office/powerpoint/2010/main" val="1092689422"/>
+      </p:ext>
+    </p:extLst>
+  </p:cSld>
+  <p:clrMapOvr>
+    <a:masterClrMapping/>
+  </p:clrMapOvr>
+</p:sld>
+</file>
+
+<file path=ppt/slides/slide29.xml><?xml version="1.0" encoding="utf-8"?>
+<p:sld xmlns:a="http://schemas.openxmlformats.org/drawingml/2006/main" xmlns:r="http://schemas.openxmlformats.org/officeDocument/2006/relationships" xmlns:p="http://schemas.openxmlformats.org/presentationml/2006/main">
+  <p:cSld>
+    <p:spTree>
+      <p:nvGrpSpPr>
+        <p:cNvPr id="1" name=""/>
+        <p:cNvGrpSpPr/>
+        <p:nvPr/>
+      </p:nvGrpSpPr>
+      <p:grpSpPr>
+        <a:xfrm>
+          <a:off x="0" y="0"/>
+          <a:ext cx="0" cy="0"/>
+          <a:chOff x="0" y="0"/>
+          <a:chExt cx="0" cy="0"/>
+        </a:xfrm>
+      </p:grpSpPr>
+      <p:sp>
+        <p:nvSpPr>
+          <p:cNvPr id="6" name="Foliennummernplatzhalter 5"/>
+          <p:cNvSpPr>
+            <a:spLocks noGrp="1"/>
+          </p:cNvSpPr>
+          <p:nvPr>
+            <p:ph type="sldNum" sz="quarter" idx="4"/>
+          </p:nvPr>
+        </p:nvSpPr>
+        <p:spPr/>
+        <p:txBody>
+          <a:bodyPr/>
+          <a:lstStyle/>
+          <a:p>
+            <a:fld id="{F9CA7F02-FF28-4D8F-AF3B-6C950C783A54}" type="slidenum">
+              <a:rPr lang="de-DE" smtClean="0"/>
+              <a:pPr/>
+              <a:t>29</a:t>
+            </a:fld>
+            <a:endParaRPr lang="de-DE"/>
+          </a:p>
+        </p:txBody>
+      </p:sp>
+      <p:sp>
+        <p:nvSpPr>
+          <p:cNvPr id="3" name="Titel 2"/>
+          <p:cNvSpPr>
+            <a:spLocks noGrp="1"/>
+          </p:cNvSpPr>
+          <p:nvPr>
+            <p:ph type="title"/>
+          </p:nvPr>
+        </p:nvSpPr>
+        <p:spPr/>
+        <p:txBody>
+          <a:bodyPr/>
+          <a:lstStyle/>
+          <a:p>
+            <a:r>
+              <a:rPr lang="de-DE" dirty="0"/>
+              <a:t>BLOOM-FILTER</a:t>
+            </a:r>
+          </a:p>
+        </p:txBody>
+      </p:sp>
+      <p:sp>
+        <p:nvSpPr>
+          <p:cNvPr id="4" name="Inhaltsplatzhalter 3"/>
+          <p:cNvSpPr>
+            <a:spLocks noGrp="1"/>
+          </p:cNvSpPr>
+          <p:nvPr>
+            <p:ph sz="quarter" idx="13"/>
+          </p:nvPr>
+        </p:nvSpPr>
+        <p:spPr>
+          <a:xfrm>
+            <a:off x="936000" y="699542"/>
+            <a:ext cx="7308000" cy="429622"/>
+          </a:xfrm>
+        </p:spPr>
+        <p:txBody>
+          <a:bodyPr/>
+          <a:lstStyle/>
+          <a:p>
+            <a:r>
+              <a:rPr lang="de-DE" dirty="0"/>
+              <a:t>Quellen</a:t>
+            </a:r>
+          </a:p>
+        </p:txBody>
+      </p:sp>
+      <p:sp>
+        <p:nvSpPr>
+          <p:cNvPr id="7" name="Fußzeilenplatzhalter 6"/>
+          <p:cNvSpPr>
+            <a:spLocks noGrp="1"/>
+          </p:cNvSpPr>
+          <p:nvPr>
+            <p:ph type="ftr" sz="quarter" idx="3"/>
+          </p:nvPr>
+        </p:nvSpPr>
+        <p:spPr/>
+        <p:txBody>
+          <a:bodyPr/>
+          <a:lstStyle/>
+          <a:p>
+            <a:r>
+              <a:rPr lang="de-DE" dirty="0"/>
+              <a:t>TU Bergakademie Freiberg | Vortragender: Florian Schierz | 2022</a:t>
+            </a:r>
+          </a:p>
+        </p:txBody>
+      </p:sp>
+      <p:sp>
+        <p:nvSpPr>
+          <p:cNvPr id="11" name="Textfeld 10">
+            <a:extLst>
+              <a:ext uri="{FF2B5EF4-FFF2-40B4-BE49-F238E27FC236}">
+                <a16:creationId xmlns:a16="http://schemas.microsoft.com/office/drawing/2014/main" id="{AED7FCD8-3C56-4B11-ADA2-B181B3B96684}"/>
+              </a:ext>
+            </a:extLst>
+          </p:cNvPr>
+          <p:cNvSpPr txBox="1"/>
+          <p:nvPr/>
+        </p:nvSpPr>
+        <p:spPr>
+          <a:xfrm>
+            <a:off x="611560" y="1419622"/>
+            <a:ext cx="8064896" cy="2554545"/>
+          </a:xfrm>
+          <a:prstGeom prst="rect">
+            <a:avLst/>
+          </a:prstGeom>
+          <a:noFill/>
+        </p:spPr>
+        <p:txBody>
+          <a:bodyPr wrap="square" rtlCol="0">
+            <a:spAutoFit/>
+          </a:bodyPr>
+          <a:lstStyle/>
+          <a:p>
+            <a:pPr marL="285750" indent="-285750">
+              <a:buFont typeface="Arial" panose="020B0604020202020204" pitchFamily="34" charset="0"/>
+              <a:buChar char="•"/>
+            </a:pPr>
+            <a:r>
+              <a:rPr lang="en-US" sz="1600" dirty="0">
+                <a:latin typeface="Segoe UI" panose="020B0502040204020203" pitchFamily="34" charset="0"/>
+              </a:rPr>
+              <a:t>[8] </a:t>
+            </a:r>
+            <a:r>
+              <a:rPr lang="de-DE" sz="1600" dirty="0">
+                <a:latin typeface="Segoe UI" panose="020B0502040204020203" pitchFamily="34" charset="0"/>
+              </a:rPr>
+              <a:t>Rottenstreich Ori, </a:t>
+            </a:r>
+            <a:r>
+              <a:rPr lang="de-DE" sz="1600" dirty="0" err="1">
+                <a:latin typeface="Segoe UI" panose="020B0502040204020203" pitchFamily="34" charset="0"/>
+              </a:rPr>
+              <a:t>Kanizo</a:t>
+            </a:r>
+            <a:r>
+              <a:rPr lang="de-DE" sz="1600" dirty="0">
+                <a:latin typeface="Segoe UI" panose="020B0502040204020203" pitchFamily="34" charset="0"/>
+              </a:rPr>
+              <a:t> Yossi, and </a:t>
+            </a:r>
+            <a:r>
+              <a:rPr lang="de-DE" sz="1600" dirty="0" err="1">
+                <a:latin typeface="Segoe UI" panose="020B0502040204020203" pitchFamily="34" charset="0"/>
+              </a:rPr>
+              <a:t>Keslassy</a:t>
+            </a:r>
+            <a:r>
+              <a:rPr lang="de-DE" sz="1600" dirty="0">
+                <a:latin typeface="Segoe UI" panose="020B0502040204020203" pitchFamily="34" charset="0"/>
+              </a:rPr>
+              <a:t> Isaac. 2014. The Variable-</a:t>
+            </a:r>
+            <a:r>
+              <a:rPr lang="de-DE" sz="1600" dirty="0" err="1">
+                <a:latin typeface="Segoe UI" panose="020B0502040204020203" pitchFamily="34" charset="0"/>
+              </a:rPr>
+              <a:t>Increment</a:t>
+            </a:r>
+            <a:r>
+              <a:rPr lang="de-DE" sz="1600" dirty="0">
+                <a:latin typeface="Segoe UI" panose="020B0502040204020203" pitchFamily="34" charset="0"/>
+              </a:rPr>
+              <a:t> </a:t>
+            </a:r>
+            <a:r>
+              <a:rPr lang="de-DE" sz="1600" dirty="0" err="1">
+                <a:latin typeface="Segoe UI" panose="020B0502040204020203" pitchFamily="34" charset="0"/>
+              </a:rPr>
+              <a:t>Counting</a:t>
+            </a:r>
+            <a:r>
+              <a:rPr lang="de-DE" sz="1600" dirty="0">
+                <a:latin typeface="Segoe UI" panose="020B0502040204020203" pitchFamily="34" charset="0"/>
+              </a:rPr>
+              <a:t> Bloom Filter. </a:t>
+            </a:r>
+            <a:r>
+              <a:rPr lang="de-DE" sz="1600" i="1" dirty="0">
+                <a:latin typeface="Segoe UI" panose="020B0502040204020203" pitchFamily="34" charset="0"/>
+              </a:rPr>
+              <a:t>IEEE/ACM Trans. Networking</a:t>
+            </a:r>
+            <a:r>
+              <a:rPr lang="de-DE" sz="1600" i="0" dirty="0">
+                <a:latin typeface="Segoe UI" panose="020B0502040204020203" pitchFamily="34" charset="0"/>
+              </a:rPr>
+              <a:t> 22, 4, 1092–1105. DOI: </a:t>
+            </a:r>
+            <a:r>
+              <a:rPr lang="de-DE" sz="1600" i="0" dirty="0">
+                <a:latin typeface="Segoe UI" panose="020B0502040204020203" pitchFamily="34" charset="0"/>
+                <a:hlinkClick r:id="rId2"/>
+              </a:rPr>
+              <a:t>https://doi.org/</a:t>
+            </a:r>
+            <a:r>
+              <a:rPr lang="de-DE" sz="1600" dirty="0">
+                <a:hlinkClick r:id="rId2"/>
+              </a:rPr>
+              <a:t>10.1109/TNET.2013.2272604</a:t>
+            </a:r>
+            <a:endParaRPr lang="de-DE" sz="1600" dirty="0"/>
+          </a:p>
+          <a:p>
+            <a:pPr marL="285750" indent="-285750">
+              <a:buFont typeface="Arial" panose="020B0604020202020204" pitchFamily="34" charset="0"/>
+              <a:buChar char="•"/>
+            </a:pPr>
+            <a:r>
+              <a:rPr lang="en-US" sz="1600" dirty="0">
+                <a:latin typeface="Segoe UI" panose="020B0502040204020203" pitchFamily="34" charset="0"/>
+              </a:rPr>
+              <a:t>[9] Rothenberg, C., </a:t>
+            </a:r>
+            <a:r>
+              <a:rPr lang="en-US" sz="1600" dirty="0" err="1">
+                <a:latin typeface="Segoe UI" panose="020B0502040204020203" pitchFamily="34" charset="0"/>
+              </a:rPr>
+              <a:t>Macapuna</a:t>
+            </a:r>
+            <a:r>
+              <a:rPr lang="en-US" sz="1600" dirty="0">
+                <a:latin typeface="Segoe UI" panose="020B0502040204020203" pitchFamily="34" charset="0"/>
+              </a:rPr>
+              <a:t>, C., Verdi, F., and </a:t>
+            </a:r>
+            <a:r>
+              <a:rPr lang="en-US" sz="1600" dirty="0" err="1">
+                <a:latin typeface="Segoe UI" panose="020B0502040204020203" pitchFamily="34" charset="0"/>
+              </a:rPr>
+              <a:t>Magalhaes</a:t>
+            </a:r>
+            <a:r>
+              <a:rPr lang="en-US" sz="1600" dirty="0">
+                <a:latin typeface="Segoe UI" panose="020B0502040204020203" pitchFamily="34" charset="0"/>
+              </a:rPr>
+              <a:t>, M. 2010. The </a:t>
+            </a:r>
+            <a:r>
+              <a:rPr lang="en-US" sz="1600" dirty="0" err="1">
+                <a:latin typeface="Segoe UI" panose="020B0502040204020203" pitchFamily="34" charset="0"/>
+              </a:rPr>
+              <a:t>deletable</a:t>
+            </a:r>
+            <a:r>
+              <a:rPr lang="en-US" sz="1600" dirty="0">
+                <a:latin typeface="Segoe UI" panose="020B0502040204020203" pitchFamily="34" charset="0"/>
+              </a:rPr>
+              <a:t> Bloom filter: a new member of the Bloom family. </a:t>
+            </a:r>
+            <a:r>
+              <a:rPr lang="en-US" sz="1600" i="1" dirty="0">
+                <a:latin typeface="Segoe UI" panose="020B0502040204020203" pitchFamily="34" charset="0"/>
+              </a:rPr>
+              <a:t>IEEE </a:t>
+            </a:r>
+            <a:r>
+              <a:rPr lang="en-US" sz="1600" i="1" dirty="0" err="1">
+                <a:latin typeface="Segoe UI" panose="020B0502040204020203" pitchFamily="34" charset="0"/>
+              </a:rPr>
+              <a:t>Commun</a:t>
+            </a:r>
+            <a:r>
+              <a:rPr lang="en-US" sz="1600" i="1" dirty="0">
+                <a:latin typeface="Segoe UI" panose="020B0502040204020203" pitchFamily="34" charset="0"/>
+              </a:rPr>
+              <a:t>. Lett.</a:t>
+            </a:r>
+            <a:r>
+              <a:rPr lang="en-US" sz="1600" i="0" dirty="0">
+                <a:latin typeface="Segoe UI" panose="020B0502040204020203" pitchFamily="34" charset="0"/>
+              </a:rPr>
+              <a:t> 14, 6, 557–559. DOI: </a:t>
+            </a:r>
+            <a:r>
+              <a:rPr lang="en-US" sz="1600" i="0" dirty="0">
+                <a:latin typeface="Segoe UI" panose="020B0502040204020203" pitchFamily="34" charset="0"/>
+                <a:hlinkClick r:id="rId3"/>
+              </a:rPr>
+              <a:t>https://</a:t>
+            </a:r>
+            <a:r>
+              <a:rPr lang="de-DE" sz="1600" i="0" dirty="0">
+                <a:latin typeface="Segoe UI" panose="020B0502040204020203" pitchFamily="34" charset="0"/>
+                <a:hlinkClick r:id="rId3"/>
+              </a:rPr>
+              <a:t>doi.org/</a:t>
+            </a:r>
+            <a:r>
+              <a:rPr lang="de-DE" sz="1600" dirty="0">
+                <a:hlinkClick r:id="rId3"/>
+              </a:rPr>
+              <a:t>10.1109/LCOMM.2010.06.100344</a:t>
+            </a:r>
+            <a:endParaRPr lang="de-DE" sz="1600" dirty="0"/>
+          </a:p>
+          <a:p>
+            <a:pPr marL="285750" indent="-285750">
+              <a:buFont typeface="Arial" panose="020B0604020202020204" pitchFamily="34" charset="0"/>
+              <a:buChar char="•"/>
+            </a:pPr>
+            <a:r>
+              <a:rPr lang="de-DE" sz="1600" dirty="0">
+                <a:latin typeface="Segoe UI" panose="020B0502040204020203" pitchFamily="34" charset="0"/>
+              </a:rPr>
+              <a:t>[10] </a:t>
+            </a:r>
+            <a:r>
+              <a:rPr lang="en-US" sz="1600" dirty="0">
+                <a:latin typeface="Segoe UI" panose="020B0502040204020203" pitchFamily="34" charset="0"/>
+              </a:rPr>
+              <a:t>Rhea S.C. and </a:t>
+            </a:r>
+            <a:r>
+              <a:rPr lang="en-US" sz="1600" dirty="0" err="1">
+                <a:latin typeface="Segoe UI" panose="020B0502040204020203" pitchFamily="34" charset="0"/>
+              </a:rPr>
+              <a:t>Kubiatowicz</a:t>
+            </a:r>
+            <a:r>
+              <a:rPr lang="en-US" sz="1600" dirty="0">
+                <a:latin typeface="Segoe UI" panose="020B0502040204020203" pitchFamily="34" charset="0"/>
+              </a:rPr>
+              <a:t> J. 2002. Probabilistic location and routing. In </a:t>
+            </a:r>
+            <a:r>
+              <a:rPr lang="en-US" sz="1600" i="1" dirty="0" err="1">
+                <a:latin typeface="Segoe UI" panose="020B0502040204020203" pitchFamily="34" charset="0"/>
+              </a:rPr>
+              <a:t>Proceedings.Twenty</a:t>
+            </a:r>
+            <a:r>
+              <a:rPr lang="en-US" sz="1600" i="1" dirty="0">
+                <a:latin typeface="Segoe UI" panose="020B0502040204020203" pitchFamily="34" charset="0"/>
+              </a:rPr>
+              <a:t>-First Annual Joint Conference of the IEEE Computer and Communications Societies</a:t>
+            </a:r>
+            <a:r>
+              <a:rPr lang="en-US" sz="1600" i="0" dirty="0">
+                <a:latin typeface="Segoe UI" panose="020B0502040204020203" pitchFamily="34" charset="0"/>
+              </a:rPr>
+              <a:t>, 1248-1257 vol.3. DOI: </a:t>
+            </a:r>
+            <a:r>
+              <a:rPr lang="en-US" sz="1600" dirty="0">
+                <a:latin typeface="Segoe UI" panose="020B0502040204020203" pitchFamily="34" charset="0"/>
+                <a:hlinkClick r:id="rId4"/>
+              </a:rPr>
+              <a:t>https://</a:t>
+            </a:r>
+            <a:r>
+              <a:rPr lang="de-DE" sz="1600" dirty="0">
+                <a:latin typeface="Segoe UI" panose="020B0502040204020203" pitchFamily="34" charset="0"/>
+                <a:hlinkClick r:id="rId4"/>
+              </a:rPr>
+              <a:t>doi.org/</a:t>
+            </a:r>
+            <a:r>
+              <a:rPr lang="en-US" sz="1600" i="0" dirty="0">
+                <a:latin typeface="Segoe UI" panose="020B0502040204020203" pitchFamily="34" charset="0"/>
+                <a:hlinkClick r:id="rId4"/>
+              </a:rPr>
+              <a:t>10.1109/INFCOM.2002.1019375</a:t>
+            </a:r>
+            <a:endParaRPr lang="en-US" sz="1600" i="0" dirty="0">
+              <a:latin typeface="Segoe UI" panose="020B0502040204020203" pitchFamily="34" charset="0"/>
+            </a:endParaRPr>
+          </a:p>
+        </p:txBody>
+      </p:sp>
+    </p:spTree>
+    <p:extLst>
+      <p:ext uri="{BB962C8B-B14F-4D97-AF65-F5344CB8AC3E}">
+        <p14:creationId xmlns:p14="http://schemas.microsoft.com/office/powerpoint/2010/main" val="2790701121"/>
+      </p:ext>
+    </p:extLst>
+  </p:cSld>
+  <p:clrMapOvr>
+    <a:masterClrMapping/>
+  </p:clrMapOvr>
+</p:sld>
+</file>
+
+<file path=ppt/slides/slide3.xml><?xml version="1.0" encoding="utf-8"?>
+<p:sld xmlns:a="http://schemas.openxmlformats.org/drawingml/2006/main" xmlns:r="http://schemas.openxmlformats.org/officeDocument/2006/relationships" xmlns:p="http://schemas.openxmlformats.org/presentationml/2006/main">
+  <p:cSld>
+    <p:spTree>
+      <p:nvGrpSpPr>
+        <p:cNvPr id="1" name=""/>
+        <p:cNvGrpSpPr/>
+        <p:nvPr/>
+      </p:nvGrpSpPr>
+      <p:grpSpPr>
+        <a:xfrm>
+          <a:off x="0" y="0"/>
+          <a:ext cx="0" cy="0"/>
+          <a:chOff x="0" y="0"/>
+          <a:chExt cx="0" cy="0"/>
+        </a:xfrm>
+      </p:grpSpPr>
+      <p:sp>
+        <p:nvSpPr>
+          <p:cNvPr id="6" name="Foliennummernplatzhalter 5"/>
+          <p:cNvSpPr>
+            <a:spLocks noGrp="1"/>
+          </p:cNvSpPr>
+          <p:nvPr>
+            <p:ph type="sldNum" sz="quarter" idx="4"/>
+          </p:nvPr>
+        </p:nvSpPr>
+        <p:spPr/>
+        <p:txBody>
+          <a:bodyPr/>
+          <a:lstStyle/>
+          <a:p>
+            <a:fld id="{F9CA7F02-FF28-4D8F-AF3B-6C950C783A54}" type="slidenum">
+              <a:rPr lang="de-DE" smtClean="0"/>
+              <a:pPr/>
+              <a:t>3</a:t>
+            </a:fld>
+            <a:endParaRPr lang="de-DE" dirty="0"/>
+          </a:p>
+        </p:txBody>
+      </p:sp>
+      <p:sp>
+        <p:nvSpPr>
+          <p:cNvPr id="3" name="Titel 2"/>
+          <p:cNvSpPr>
+            <a:spLocks noGrp="1"/>
+          </p:cNvSpPr>
+          <p:nvPr>
+            <p:ph type="title"/>
+          </p:nvPr>
+        </p:nvSpPr>
+        <p:spPr/>
+        <p:txBody>
+          <a:bodyPr/>
+          <a:lstStyle/>
+          <a:p>
+            <a:r>
+              <a:rPr lang="de-DE" dirty="0"/>
+              <a:t>BLOOM-FILTER</a:t>
+            </a:r>
+          </a:p>
+        </p:txBody>
+      </p:sp>
+      <p:sp>
+        <p:nvSpPr>
+          <p:cNvPr id="4" name="Inhaltsplatzhalter 3"/>
+          <p:cNvSpPr>
+            <a:spLocks noGrp="1"/>
+          </p:cNvSpPr>
+          <p:nvPr>
+            <p:ph sz="quarter" idx="13"/>
+          </p:nvPr>
+        </p:nvSpPr>
+        <p:spPr>
+          <a:xfrm>
+            <a:off x="936000" y="699542"/>
+            <a:ext cx="7308000" cy="429622"/>
+          </a:xfrm>
+        </p:spPr>
+        <p:txBody>
+          <a:bodyPr/>
+          <a:lstStyle/>
+          <a:p>
+            <a:r>
+              <a:rPr lang="de-DE" dirty="0"/>
+              <a:t>Gliederung</a:t>
+            </a:r>
+          </a:p>
+        </p:txBody>
+      </p:sp>
+      <p:sp>
+        <p:nvSpPr>
+          <p:cNvPr id="7" name="Fußzeilenplatzhalter 6"/>
+          <p:cNvSpPr>
+            <a:spLocks noGrp="1"/>
+          </p:cNvSpPr>
+          <p:nvPr>
+            <p:ph type="ftr" sz="quarter" idx="3"/>
+          </p:nvPr>
+        </p:nvSpPr>
+        <p:spPr/>
+        <p:txBody>
+          <a:bodyPr/>
+          <a:lstStyle/>
+          <a:p>
+            <a:r>
+              <a:rPr lang="de-DE" dirty="0"/>
+              <a:t>TU Bergakademie Freiberg | Vortragender: Florian Schierz | 2022</a:t>
+            </a:r>
+          </a:p>
+        </p:txBody>
+      </p:sp>
+      <p:sp>
+        <p:nvSpPr>
+          <p:cNvPr id="11" name="Textfeld 10">
+            <a:extLst>
+              <a:ext uri="{FF2B5EF4-FFF2-40B4-BE49-F238E27FC236}">
+                <a16:creationId xmlns:a16="http://schemas.microsoft.com/office/drawing/2014/main" id="{AED7FCD8-3C56-4B11-ADA2-B181B3B96684}"/>
+              </a:ext>
+            </a:extLst>
+          </p:cNvPr>
+          <p:cNvSpPr txBox="1"/>
+          <p:nvPr/>
+        </p:nvSpPr>
+        <p:spPr>
+          <a:xfrm>
+            <a:off x="611560" y="1203598"/>
+            <a:ext cx="4968552" cy="1754326"/>
+          </a:xfrm>
+          <a:prstGeom prst="rect">
+            <a:avLst/>
+          </a:prstGeom>
+          <a:noFill/>
+        </p:spPr>
+        <p:txBody>
+          <a:bodyPr wrap="square" rtlCol="0">
+            <a:spAutoFit/>
+          </a:bodyPr>
+          <a:lstStyle/>
+          <a:p>
+            <a:pPr marL="285750" indent="-285750">
+              <a:buFont typeface="Arial" panose="020B0604020202020204" pitchFamily="34" charset="0"/>
+              <a:buChar char="•"/>
+            </a:pPr>
+            <a:r>
+              <a:rPr lang="de-DE" dirty="0"/>
+              <a:t>Prinzipielle Idee</a:t>
+            </a:r>
+          </a:p>
+          <a:p>
+            <a:pPr marL="285750" indent="-285750">
+              <a:buFont typeface="Arial" panose="020B0604020202020204" pitchFamily="34" charset="0"/>
+              <a:buChar char="•"/>
+            </a:pPr>
+            <a:r>
+              <a:rPr lang="de-DE" dirty="0"/>
+              <a:t>Anwendungen</a:t>
+            </a:r>
+          </a:p>
+          <a:p>
+            <a:pPr marL="285750" indent="-285750">
+              <a:buFont typeface="Arial" panose="020B0604020202020204" pitchFamily="34" charset="0"/>
+              <a:buChar char="•"/>
+            </a:pPr>
+            <a:r>
+              <a:rPr lang="de-DE" dirty="0"/>
+              <a:t>Funktionsweise und Operationen</a:t>
+            </a:r>
+          </a:p>
+          <a:p>
+            <a:pPr marL="285750" indent="-285750">
+              <a:buFont typeface="Arial" panose="020B0604020202020204" pitchFamily="34" charset="0"/>
+              <a:buChar char="•"/>
+            </a:pPr>
+            <a:r>
+              <a:rPr lang="de-DE" dirty="0"/>
+              <a:t>Varianten</a:t>
+            </a:r>
+          </a:p>
+          <a:p>
+            <a:pPr marL="285750" indent="-285750">
+              <a:buFont typeface="Arial" panose="020B0604020202020204" pitchFamily="34" charset="0"/>
+              <a:buChar char="•"/>
+            </a:pPr>
+            <a:r>
+              <a:rPr lang="de-DE" dirty="0"/>
+              <a:t>Zusammenfassung</a:t>
+            </a:r>
+          </a:p>
+          <a:p>
+            <a:pPr marL="285750" indent="-285750">
+              <a:buFont typeface="Arial" panose="020B0604020202020204" pitchFamily="34" charset="0"/>
+              <a:buChar char="•"/>
+            </a:pPr>
+            <a:r>
+              <a:rPr lang="de-DE" dirty="0"/>
+              <a:t>Quellen</a:t>
+            </a:r>
+          </a:p>
+        </p:txBody>
+      </p:sp>
+      <p:pic>
+        <p:nvPicPr>
+          <p:cNvPr id="10" name="Grafik 9">
+            <a:extLst>
+              <a:ext uri="{FF2B5EF4-FFF2-40B4-BE49-F238E27FC236}">
+                <a16:creationId xmlns:a16="http://schemas.microsoft.com/office/drawing/2014/main" id="{EC1DAC08-CA9E-2ED3-E998-C145F7B70B15}"/>
+              </a:ext>
+            </a:extLst>
+          </p:cNvPr>
+          <p:cNvPicPr>
+            <a:picLocks noChangeAspect="1"/>
+          </p:cNvPicPr>
+          <p:nvPr/>
+        </p:nvPicPr>
+        <p:blipFill rotWithShape="1">
+          <a:blip r:embed="rId2">
+            <a:extLst>
+              <a:ext uri="{28A0092B-C50C-407E-A947-70E740481C1C}">
+                <a14:useLocalDpi xmlns:a14="http://schemas.microsoft.com/office/drawing/2010/main" val="0"/>
+              </a:ext>
+              <a:ext uri="{96DAC541-7B7A-43D3-8B79-37D633B846F1}">
+                <asvg:svgBlip xmlns:asvg="http://schemas.microsoft.com/office/drawing/2016/SVG/main" r:embed="rId3"/>
+              </a:ext>
+            </a:extLst>
+          </a:blip>
+          <a:srcRect l="20298" r="10399" b="66800"/>
+          <a:stretch/>
+        </p:blipFill>
+        <p:spPr>
+          <a:xfrm>
+            <a:off x="4788024" y="713343"/>
+            <a:ext cx="4040227" cy="2737517"/>
+          </a:xfrm>
+          <a:prstGeom prst="rect">
+            <a:avLst/>
+          </a:prstGeom>
+        </p:spPr>
+      </p:pic>
+    </p:spTree>
+    <p:extLst>
+      <p:ext uri="{BB962C8B-B14F-4D97-AF65-F5344CB8AC3E}">
+        <p14:creationId xmlns:p14="http://schemas.microsoft.com/office/powerpoint/2010/main" val="1119290176"/>
+      </p:ext>
+    </p:extLst>
+  </p:cSld>
+  <p:clrMapOvr>
+    <a:masterClrMapping/>
+  </p:clrMapOvr>
+</p:sld>
+</file>
+
+<file path=ppt/slides/slide30.xml><?xml version="1.0" encoding="utf-8"?>
+<p:sld xmlns:a="http://schemas.openxmlformats.org/drawingml/2006/main" xmlns:r="http://schemas.openxmlformats.org/officeDocument/2006/relationships" xmlns:p="http://schemas.openxmlformats.org/presentationml/2006/main">
+  <p:cSld>
+    <p:spTree>
+      <p:nvGrpSpPr>
+        <p:cNvPr id="1" name=""/>
+        <p:cNvGrpSpPr/>
+        <p:nvPr/>
+      </p:nvGrpSpPr>
+      <p:grpSpPr>
+        <a:xfrm>
+          <a:off x="0" y="0"/>
+          <a:ext cx="0" cy="0"/>
+          <a:chOff x="0" y="0"/>
+          <a:chExt cx="0" cy="0"/>
+        </a:xfrm>
+      </p:grpSpPr>
+      <p:sp>
+        <p:nvSpPr>
+          <p:cNvPr id="6" name="Foliennummernplatzhalter 5"/>
+          <p:cNvSpPr>
+            <a:spLocks noGrp="1"/>
+          </p:cNvSpPr>
+          <p:nvPr>
+            <p:ph type="sldNum" sz="quarter" idx="4"/>
+          </p:nvPr>
+        </p:nvSpPr>
+        <p:spPr/>
+        <p:txBody>
+          <a:bodyPr/>
+          <a:lstStyle/>
+          <a:p>
+            <a:fld id="{F9CA7F02-FF28-4D8F-AF3B-6C950C783A54}" type="slidenum">
+              <a:rPr lang="de-DE" smtClean="0"/>
+              <a:pPr/>
+              <a:t>30</a:t>
+            </a:fld>
+            <a:endParaRPr lang="de-DE"/>
+          </a:p>
+        </p:txBody>
+      </p:sp>
+      <p:sp>
+        <p:nvSpPr>
+          <p:cNvPr id="3" name="Titel 2"/>
+          <p:cNvSpPr>
+            <a:spLocks noGrp="1"/>
+          </p:cNvSpPr>
+          <p:nvPr>
+            <p:ph type="title"/>
+          </p:nvPr>
+        </p:nvSpPr>
+        <p:spPr/>
+        <p:txBody>
+          <a:bodyPr/>
+          <a:lstStyle/>
+          <a:p>
+            <a:r>
+              <a:rPr lang="de-DE" dirty="0"/>
+              <a:t>BLOOM-FILTER</a:t>
+            </a:r>
+          </a:p>
+        </p:txBody>
+      </p:sp>
+      <p:sp>
+        <p:nvSpPr>
+          <p:cNvPr id="4" name="Inhaltsplatzhalter 3"/>
+          <p:cNvSpPr>
+            <a:spLocks noGrp="1"/>
+          </p:cNvSpPr>
+          <p:nvPr>
+            <p:ph sz="quarter" idx="13"/>
+          </p:nvPr>
+        </p:nvSpPr>
+        <p:spPr>
+          <a:xfrm>
+            <a:off x="936000" y="699542"/>
+            <a:ext cx="7308000" cy="429622"/>
+          </a:xfrm>
+        </p:spPr>
+        <p:txBody>
+          <a:bodyPr/>
+          <a:lstStyle/>
+          <a:p>
+            <a:r>
+              <a:rPr lang="de-DE" dirty="0"/>
+              <a:t>Quellen</a:t>
+            </a:r>
+          </a:p>
+        </p:txBody>
+      </p:sp>
+      <p:sp>
+        <p:nvSpPr>
+          <p:cNvPr id="7" name="Fußzeilenplatzhalter 6"/>
+          <p:cNvSpPr>
+            <a:spLocks noGrp="1"/>
+          </p:cNvSpPr>
+          <p:nvPr>
+            <p:ph type="ftr" sz="quarter" idx="3"/>
+          </p:nvPr>
+        </p:nvSpPr>
+        <p:spPr/>
+        <p:txBody>
+          <a:bodyPr/>
+          <a:lstStyle/>
+          <a:p>
+            <a:r>
+              <a:rPr lang="de-DE" dirty="0"/>
+              <a:t>TU Bergakademie Freiberg | Vortragender: Florian Schierz | 2022</a:t>
+            </a:r>
+          </a:p>
+        </p:txBody>
+      </p:sp>
+      <p:sp>
+        <p:nvSpPr>
+          <p:cNvPr id="11" name="Textfeld 10">
+            <a:extLst>
+              <a:ext uri="{FF2B5EF4-FFF2-40B4-BE49-F238E27FC236}">
+                <a16:creationId xmlns:a16="http://schemas.microsoft.com/office/drawing/2014/main" id="{AED7FCD8-3C56-4B11-ADA2-B181B3B96684}"/>
+              </a:ext>
+            </a:extLst>
+          </p:cNvPr>
+          <p:cNvSpPr txBox="1"/>
+          <p:nvPr/>
+        </p:nvSpPr>
+        <p:spPr>
+          <a:xfrm>
+            <a:off x="611560" y="1419622"/>
+            <a:ext cx="8064896" cy="4339650"/>
+          </a:xfrm>
+          <a:prstGeom prst="rect">
+            <a:avLst/>
+          </a:prstGeom>
+          <a:noFill/>
+        </p:spPr>
+        <p:txBody>
+          <a:bodyPr wrap="square" rtlCol="0">
+            <a:spAutoFit/>
+          </a:bodyPr>
+          <a:lstStyle/>
+          <a:p>
+            <a:pPr marL="285750" indent="-285750">
+              <a:buFont typeface="Arial" panose="020B0604020202020204" pitchFamily="34" charset="0"/>
+              <a:buChar char="•"/>
+            </a:pPr>
+            <a:r>
+              <a:rPr lang="en-US" sz="1600" dirty="0">
+                <a:latin typeface="Segoe UI" panose="020B0502040204020203" pitchFamily="34" charset="0"/>
+              </a:rPr>
+              <a:t>[11] Whitaker A. and </a:t>
+            </a:r>
+            <a:r>
+              <a:rPr lang="en-US" sz="1600" dirty="0" err="1">
+                <a:latin typeface="Segoe UI" panose="020B0502040204020203" pitchFamily="34" charset="0"/>
+              </a:rPr>
+              <a:t>Wetherall</a:t>
+            </a:r>
+            <a:r>
+              <a:rPr lang="en-US" sz="1600" dirty="0">
+                <a:latin typeface="Segoe UI" panose="020B0502040204020203" pitchFamily="34" charset="0"/>
+              </a:rPr>
+              <a:t> D. 2002. Forwarding without loops in Icarus. In </a:t>
+            </a:r>
+            <a:r>
+              <a:rPr lang="en-US" sz="1600" i="1" dirty="0">
+                <a:latin typeface="Segoe UI" panose="020B0502040204020203" pitchFamily="34" charset="0"/>
+              </a:rPr>
+              <a:t>2002 IEEE Open Architectures and Network Programming Proceedings. OPENARCH 2002 (Cat. No.02EX571)</a:t>
+            </a:r>
+            <a:r>
+              <a:rPr lang="en-US" sz="1600" i="0" dirty="0">
+                <a:latin typeface="Segoe UI" panose="020B0502040204020203" pitchFamily="34" charset="0"/>
+              </a:rPr>
+              <a:t>, 63–75. DOI: </a:t>
+            </a:r>
+            <a:r>
+              <a:rPr lang="en-US" sz="1600" dirty="0">
+                <a:latin typeface="Segoe UI" panose="020B0502040204020203" pitchFamily="34" charset="0"/>
+                <a:hlinkClick r:id="rId2"/>
+              </a:rPr>
+              <a:t>https://</a:t>
+            </a:r>
+            <a:r>
+              <a:rPr lang="de-DE" sz="1600" dirty="0">
+                <a:latin typeface="Segoe UI" panose="020B0502040204020203" pitchFamily="34" charset="0"/>
+                <a:hlinkClick r:id="rId2"/>
+              </a:rPr>
+              <a:t>doi.org/</a:t>
+            </a:r>
+            <a:r>
+              <a:rPr lang="en-US" sz="1600" i="0" dirty="0">
+                <a:latin typeface="Segoe UI" panose="020B0502040204020203" pitchFamily="34" charset="0"/>
+                <a:hlinkClick r:id="rId2"/>
+              </a:rPr>
+              <a:t>10.1109/OPNARC.2002.1019229</a:t>
+            </a:r>
+            <a:endParaRPr lang="en-US" sz="1600" i="0" dirty="0">
+              <a:latin typeface="Segoe UI" panose="020B0502040204020203" pitchFamily="34" charset="0"/>
+            </a:endParaRPr>
+          </a:p>
+          <a:p>
+            <a:pPr marL="285750" indent="-285750">
+              <a:buFont typeface="Arial" panose="020B0604020202020204" pitchFamily="34" charset="0"/>
+              <a:buChar char="•"/>
+            </a:pPr>
+            <a:r>
+              <a:rPr lang="de-DE" sz="1600" dirty="0">
+                <a:latin typeface="Segoe UI" panose="020B0502040204020203" pitchFamily="34" charset="0"/>
+              </a:rPr>
+              <a:t>[12] Laufer Rafael P., </a:t>
+            </a:r>
+            <a:r>
+              <a:rPr lang="de-DE" sz="1600" dirty="0" err="1">
+                <a:latin typeface="Segoe UI" panose="020B0502040204020203" pitchFamily="34" charset="0"/>
+              </a:rPr>
+              <a:t>Velloso</a:t>
+            </a:r>
+            <a:r>
+              <a:rPr lang="de-DE" sz="1600" dirty="0">
+                <a:latin typeface="Segoe UI" panose="020B0502040204020203" pitchFamily="34" charset="0"/>
+              </a:rPr>
+              <a:t> Pedro B., Cunha Daniel de O., </a:t>
+            </a:r>
+            <a:r>
+              <a:rPr lang="de-DE" sz="1600" dirty="0" err="1">
+                <a:latin typeface="Segoe UI" panose="020B0502040204020203" pitchFamily="34" charset="0"/>
+              </a:rPr>
+              <a:t>Moraes</a:t>
+            </a:r>
+            <a:r>
+              <a:rPr lang="de-DE" sz="1600" dirty="0">
+                <a:latin typeface="Segoe UI" panose="020B0502040204020203" pitchFamily="34" charset="0"/>
+              </a:rPr>
+              <a:t> Igor M., </a:t>
+            </a:r>
+            <a:r>
+              <a:rPr lang="de-DE" sz="1600" dirty="0" err="1">
+                <a:latin typeface="Segoe UI" panose="020B0502040204020203" pitchFamily="34" charset="0"/>
+              </a:rPr>
+              <a:t>Bicudo</a:t>
+            </a:r>
+            <a:r>
+              <a:rPr lang="de-DE" sz="1600" dirty="0">
+                <a:latin typeface="Segoe UI" panose="020B0502040204020203" pitchFamily="34" charset="0"/>
+              </a:rPr>
+              <a:t> Marco D.D., Moreira Marcelo D.D., and Duarte Otto Carlos M.B. 2007. </a:t>
+            </a:r>
+            <a:r>
+              <a:rPr lang="de-DE" sz="1600" dirty="0" err="1">
+                <a:latin typeface="Segoe UI" panose="020B0502040204020203" pitchFamily="34" charset="0"/>
+              </a:rPr>
+              <a:t>Towards</a:t>
+            </a:r>
+            <a:r>
+              <a:rPr lang="de-DE" sz="1600" dirty="0">
+                <a:latin typeface="Segoe UI" panose="020B0502040204020203" pitchFamily="34" charset="0"/>
+              </a:rPr>
+              <a:t> </a:t>
+            </a:r>
+            <a:r>
+              <a:rPr lang="de-DE" sz="1600" dirty="0" err="1">
+                <a:latin typeface="Segoe UI" panose="020B0502040204020203" pitchFamily="34" charset="0"/>
+              </a:rPr>
+              <a:t>Stateless</a:t>
+            </a:r>
+            <a:r>
+              <a:rPr lang="de-DE" sz="1600" dirty="0">
+                <a:latin typeface="Segoe UI" panose="020B0502040204020203" pitchFamily="34" charset="0"/>
+              </a:rPr>
+              <a:t> Single-Packet IP </a:t>
+            </a:r>
+            <a:r>
+              <a:rPr lang="de-DE" sz="1600" dirty="0" err="1">
+                <a:latin typeface="Segoe UI" panose="020B0502040204020203" pitchFamily="34" charset="0"/>
+              </a:rPr>
+              <a:t>Traceback</a:t>
+            </a:r>
+            <a:r>
+              <a:rPr lang="de-DE" sz="1600" dirty="0">
+                <a:latin typeface="Segoe UI" panose="020B0502040204020203" pitchFamily="34" charset="0"/>
+              </a:rPr>
+              <a:t>. In </a:t>
+            </a:r>
+            <a:r>
+              <a:rPr lang="de-DE" sz="1600" i="1" dirty="0">
+                <a:latin typeface="Segoe UI" panose="020B0502040204020203" pitchFamily="34" charset="0"/>
+              </a:rPr>
+              <a:t>32nd IEEE Conference on </a:t>
+            </a:r>
+            <a:r>
+              <a:rPr lang="de-DE" sz="1600" i="1" dirty="0" err="1">
+                <a:latin typeface="Segoe UI" panose="020B0502040204020203" pitchFamily="34" charset="0"/>
+              </a:rPr>
+              <a:t>Local</a:t>
+            </a:r>
+            <a:r>
+              <a:rPr lang="de-DE" sz="1600" i="1" dirty="0">
+                <a:latin typeface="Segoe UI" panose="020B0502040204020203" pitchFamily="34" charset="0"/>
+              </a:rPr>
+              <a:t> Computer Networks (LCN 2007)</a:t>
+            </a:r>
+            <a:r>
+              <a:rPr lang="de-DE" sz="1600" i="0" dirty="0">
+                <a:latin typeface="Segoe UI" panose="020B0502040204020203" pitchFamily="34" charset="0"/>
+              </a:rPr>
+              <a:t>, 548–555. DOI: </a:t>
+            </a:r>
+            <a:r>
+              <a:rPr lang="en-US" sz="1600" dirty="0">
+                <a:latin typeface="Segoe UI" panose="020B0502040204020203" pitchFamily="34" charset="0"/>
+                <a:hlinkClick r:id="rId3"/>
+              </a:rPr>
+              <a:t>https://</a:t>
+            </a:r>
+            <a:r>
+              <a:rPr lang="de-DE" sz="1600" dirty="0">
+                <a:latin typeface="Segoe UI" panose="020B0502040204020203" pitchFamily="34" charset="0"/>
+                <a:hlinkClick r:id="rId3"/>
+              </a:rPr>
+              <a:t>doi.org/</a:t>
+            </a:r>
+            <a:r>
+              <a:rPr lang="de-DE" sz="1600" i="0" dirty="0">
+                <a:latin typeface="Segoe UI" panose="020B0502040204020203" pitchFamily="34" charset="0"/>
+                <a:hlinkClick r:id="rId3"/>
+              </a:rPr>
+              <a:t>10.1109/LCN.2007.15</a:t>
+            </a:r>
+            <a:endParaRPr lang="de-DE" sz="1600" i="0" dirty="0">
+              <a:latin typeface="Segoe UI" panose="020B0502040204020203" pitchFamily="34" charset="0"/>
+            </a:endParaRPr>
+          </a:p>
+          <a:p>
+            <a:pPr marL="285750" indent="-285750">
+              <a:buFont typeface="Arial" panose="020B0604020202020204" pitchFamily="34" charset="0"/>
+              <a:buChar char="•"/>
+            </a:pPr>
+            <a:r>
+              <a:rPr lang="de-DE" sz="1600" dirty="0">
+                <a:latin typeface="Segoe UI" panose="020B0502040204020203" pitchFamily="34" charset="0"/>
+                <a:cs typeface="Segoe UI" panose="020B0502040204020203" pitchFamily="34" charset="0"/>
+              </a:rPr>
+              <a:t>[13] </a:t>
+            </a:r>
+            <a:r>
+              <a:rPr lang="en-US" sz="1600" dirty="0">
+                <a:latin typeface="Segoe UI" panose="020B0502040204020203" pitchFamily="34" charset="0"/>
+                <a:cs typeface="Segoe UI" panose="020B0502040204020203" pitchFamily="34" charset="0"/>
+              </a:rPr>
+              <a:t>Wang, J. 1999. A Survey of Web Caching Schemes for the Internet. </a:t>
+            </a:r>
+            <a:r>
+              <a:rPr lang="en-US" sz="1600" i="1" dirty="0">
+                <a:latin typeface="Segoe UI" panose="020B0502040204020203" pitchFamily="34" charset="0"/>
+                <a:cs typeface="Segoe UI" panose="020B0502040204020203" pitchFamily="34" charset="0"/>
+              </a:rPr>
+              <a:t>SIGCOMM </a:t>
+            </a:r>
+            <a:r>
+              <a:rPr lang="en-US" sz="1600" i="1" dirty="0" err="1">
+                <a:latin typeface="Segoe UI" panose="020B0502040204020203" pitchFamily="34" charset="0"/>
+                <a:cs typeface="Segoe UI" panose="020B0502040204020203" pitchFamily="34" charset="0"/>
+              </a:rPr>
+              <a:t>Comput</a:t>
+            </a:r>
+            <a:r>
+              <a:rPr lang="en-US" sz="1600" i="1" dirty="0">
+                <a:latin typeface="Segoe UI" panose="020B0502040204020203" pitchFamily="34" charset="0"/>
+                <a:cs typeface="Segoe UI" panose="020B0502040204020203" pitchFamily="34" charset="0"/>
+              </a:rPr>
+              <a:t>. </a:t>
+            </a:r>
+            <a:r>
+              <a:rPr lang="en-US" sz="1600" i="1" dirty="0" err="1">
+                <a:latin typeface="Segoe UI" panose="020B0502040204020203" pitchFamily="34" charset="0"/>
+                <a:cs typeface="Segoe UI" panose="020B0502040204020203" pitchFamily="34" charset="0"/>
+              </a:rPr>
+              <a:t>Commun</a:t>
+            </a:r>
+            <a:r>
+              <a:rPr lang="en-US" sz="1600" i="1" dirty="0">
+                <a:latin typeface="Segoe UI" panose="020B0502040204020203" pitchFamily="34" charset="0"/>
+                <a:cs typeface="Segoe UI" panose="020B0502040204020203" pitchFamily="34" charset="0"/>
+              </a:rPr>
+              <a:t>. Rev.</a:t>
+            </a:r>
+            <a:r>
+              <a:rPr lang="en-US" sz="1600" i="0" dirty="0">
+                <a:latin typeface="Segoe UI" panose="020B0502040204020203" pitchFamily="34" charset="0"/>
+                <a:cs typeface="Segoe UI" panose="020B0502040204020203" pitchFamily="34" charset="0"/>
+              </a:rPr>
+              <a:t> 29, 5, 36–46. DOI: </a:t>
+            </a:r>
+            <a:r>
+              <a:rPr kumimoji="0" lang="de-DE" altLang="de-DE" sz="1600" b="0" i="0" u="none" strike="noStrike" cap="none" normalizeH="0" baseline="0" dirty="0">
+                <a:ln>
+                  <a:noFill/>
+                </a:ln>
+                <a:solidFill>
+                  <a:schemeClr val="tx1"/>
+                </a:solidFill>
+                <a:effectLst/>
+                <a:latin typeface="Segoe UI" panose="020B0502040204020203" pitchFamily="34" charset="0"/>
+                <a:cs typeface="Segoe UI" panose="020B0502040204020203" pitchFamily="34" charset="0"/>
+                <a:hlinkClick r:id="rId4"/>
+              </a:rPr>
+              <a:t>https://doi.org/10.1145/505696.505701</a:t>
+            </a:r>
+            <a:endParaRPr kumimoji="0" lang="de-DE" altLang="de-DE" sz="1600" b="0" i="0" u="none" strike="noStrike" cap="none" normalizeH="0" baseline="0" dirty="0">
+              <a:ln>
+                <a:noFill/>
+              </a:ln>
+              <a:solidFill>
+                <a:schemeClr val="tx1"/>
+              </a:solidFill>
+              <a:effectLst/>
+              <a:latin typeface="Segoe UI" panose="020B0502040204020203" pitchFamily="34" charset="0"/>
+              <a:cs typeface="Segoe UI" panose="020B0502040204020203" pitchFamily="34" charset="0"/>
+            </a:endParaRPr>
+          </a:p>
+          <a:p>
+            <a:pPr marL="285750" indent="-285750">
+              <a:buFont typeface="Arial" panose="020B0604020202020204" pitchFamily="34" charset="0"/>
+              <a:buChar char="•"/>
+            </a:pPr>
+            <a:r>
+              <a:rPr lang="de-DE" sz="1600" dirty="0">
+                <a:latin typeface="Segoe UI" panose="020B0502040204020203" pitchFamily="34" charset="0"/>
+              </a:rPr>
+              <a:t>[14] </a:t>
+            </a:r>
+            <a:r>
+              <a:rPr lang="de-DE" sz="1600" dirty="0" err="1">
+                <a:latin typeface="Segoe UI" panose="020B0502040204020203" pitchFamily="34" charset="0"/>
+              </a:rPr>
+              <a:t>Dharmapurikar</a:t>
+            </a:r>
+            <a:r>
+              <a:rPr lang="de-DE" sz="1600" dirty="0">
+                <a:latin typeface="Segoe UI" panose="020B0502040204020203" pitchFamily="34" charset="0"/>
+              </a:rPr>
+              <a:t> S., </a:t>
+            </a:r>
+            <a:r>
+              <a:rPr lang="de-DE" sz="1600" dirty="0" err="1">
+                <a:latin typeface="Segoe UI" panose="020B0502040204020203" pitchFamily="34" charset="0"/>
+              </a:rPr>
+              <a:t>Krishnamurthy</a:t>
+            </a:r>
+            <a:r>
+              <a:rPr lang="de-DE" sz="1600" dirty="0">
+                <a:latin typeface="Segoe UI" panose="020B0502040204020203" pitchFamily="34" charset="0"/>
+              </a:rPr>
+              <a:t> P., </a:t>
+            </a:r>
+            <a:r>
+              <a:rPr lang="de-DE" sz="1600" dirty="0" err="1">
+                <a:latin typeface="Segoe UI" panose="020B0502040204020203" pitchFamily="34" charset="0"/>
+              </a:rPr>
+              <a:t>Sproull</a:t>
+            </a:r>
+            <a:r>
+              <a:rPr lang="de-DE" sz="1600" dirty="0">
+                <a:latin typeface="Segoe UI" panose="020B0502040204020203" pitchFamily="34" charset="0"/>
+              </a:rPr>
+              <a:t> T., and Lockwood J. 2003. Deep packet </a:t>
+            </a:r>
+            <a:r>
+              <a:rPr lang="de-DE" sz="1600" dirty="0" err="1">
+                <a:latin typeface="Segoe UI" panose="020B0502040204020203" pitchFamily="34" charset="0"/>
+              </a:rPr>
+              <a:t>inspection</a:t>
+            </a:r>
+            <a:r>
+              <a:rPr lang="de-DE" sz="1600" dirty="0">
+                <a:latin typeface="Segoe UI" panose="020B0502040204020203" pitchFamily="34" charset="0"/>
+              </a:rPr>
+              <a:t> </a:t>
+            </a:r>
+            <a:r>
+              <a:rPr lang="de-DE" sz="1600" dirty="0" err="1">
+                <a:latin typeface="Segoe UI" panose="020B0502040204020203" pitchFamily="34" charset="0"/>
+              </a:rPr>
+              <a:t>using</a:t>
+            </a:r>
+            <a:r>
+              <a:rPr lang="de-DE" sz="1600" dirty="0">
+                <a:latin typeface="Segoe UI" panose="020B0502040204020203" pitchFamily="34" charset="0"/>
+              </a:rPr>
+              <a:t> parallel Bloom </a:t>
+            </a:r>
+            <a:r>
+              <a:rPr lang="de-DE" sz="1600" dirty="0" err="1">
+                <a:latin typeface="Segoe UI" panose="020B0502040204020203" pitchFamily="34" charset="0"/>
+              </a:rPr>
+              <a:t>filters</a:t>
+            </a:r>
+            <a:r>
+              <a:rPr lang="de-DE" sz="1600" dirty="0">
+                <a:latin typeface="Segoe UI" panose="020B0502040204020203" pitchFamily="34" charset="0"/>
+              </a:rPr>
+              <a:t>. In </a:t>
+            </a:r>
+            <a:r>
+              <a:rPr lang="de-DE" sz="1600" i="1" dirty="0">
+                <a:latin typeface="Segoe UI" panose="020B0502040204020203" pitchFamily="34" charset="0"/>
+              </a:rPr>
+              <a:t>11th Symposium on High Performance </a:t>
+            </a:r>
+            <a:r>
+              <a:rPr lang="de-DE" sz="1600" i="1" dirty="0" err="1">
+                <a:latin typeface="Segoe UI" panose="020B0502040204020203" pitchFamily="34" charset="0"/>
+              </a:rPr>
+              <a:t>Interconnects</a:t>
+            </a:r>
+            <a:r>
+              <a:rPr lang="de-DE" sz="1600" i="1" dirty="0">
+                <a:latin typeface="Segoe UI" panose="020B0502040204020203" pitchFamily="34" charset="0"/>
+              </a:rPr>
+              <a:t>, 2003. Proceedings</a:t>
+            </a:r>
+            <a:r>
+              <a:rPr lang="de-DE" sz="1600" i="0" dirty="0">
+                <a:latin typeface="Segoe UI" panose="020B0502040204020203" pitchFamily="34" charset="0"/>
+              </a:rPr>
+              <a:t>, 44–51. DOI: </a:t>
+            </a:r>
+            <a:r>
+              <a:rPr lang="en-US" sz="1600" dirty="0">
+                <a:latin typeface="Segoe UI" panose="020B0502040204020203" pitchFamily="34" charset="0"/>
+                <a:hlinkClick r:id="rId5"/>
+              </a:rPr>
+              <a:t>https://</a:t>
+            </a:r>
+            <a:r>
+              <a:rPr lang="de-DE" sz="1600" dirty="0">
+                <a:latin typeface="Segoe UI" panose="020B0502040204020203" pitchFamily="34" charset="0"/>
+                <a:hlinkClick r:id="rId5"/>
+              </a:rPr>
+              <a:t>doi.org/</a:t>
+            </a:r>
+            <a:r>
+              <a:rPr lang="de-DE" sz="1600" i="0" dirty="0">
+                <a:latin typeface="Segoe UI" panose="020B0502040204020203" pitchFamily="34" charset="0"/>
+                <a:hlinkClick r:id="rId5"/>
+              </a:rPr>
+              <a:t>10.1109/CONECT.2003.1231477</a:t>
+            </a:r>
+            <a:endParaRPr lang="de-DE" altLang="de-DE" sz="1600" dirty="0">
+              <a:latin typeface="Segoe UI" panose="020B0502040204020203" pitchFamily="34" charset="0"/>
+              <a:cs typeface="Segoe UI" panose="020B0502040204020203" pitchFamily="34" charset="0"/>
+            </a:endParaRPr>
+          </a:p>
+          <a:p>
+            <a:pPr marL="285750" indent="-285750">
+              <a:buFont typeface="Arial" panose="020B0604020202020204" pitchFamily="34" charset="0"/>
+              <a:buChar char="•"/>
+            </a:pPr>
+            <a:endParaRPr kumimoji="0" lang="de-DE" altLang="de-DE" sz="3600" b="0" i="0" u="none" strike="noStrike" cap="none" normalizeH="0" baseline="0" dirty="0">
+              <a:ln>
+                <a:noFill/>
+              </a:ln>
+              <a:solidFill>
+                <a:schemeClr val="tx1"/>
+              </a:solidFill>
+              <a:effectLst/>
+              <a:latin typeface="Arial" panose="020B0604020202020204" pitchFamily="34" charset="0"/>
+            </a:endParaRPr>
+          </a:p>
+          <a:p>
+            <a:pPr marL="285750" indent="-285750">
+              <a:buFont typeface="Arial" panose="020B0604020202020204" pitchFamily="34" charset="0"/>
+              <a:buChar char="•"/>
+            </a:pPr>
+            <a:endParaRPr lang="en-US" sz="1600" i="0" dirty="0">
+              <a:latin typeface="Segoe UI" panose="020B0502040204020203" pitchFamily="34" charset="0"/>
+            </a:endParaRPr>
+          </a:p>
+          <a:p>
+            <a:pPr marL="285750" indent="-285750">
+              <a:buFont typeface="Arial" panose="020B0604020202020204" pitchFamily="34" charset="0"/>
+              <a:buChar char="•"/>
+            </a:pPr>
+            <a:endParaRPr lang="en-US" sz="1600" i="0" dirty="0">
+              <a:latin typeface="Segoe UI" panose="020B0502040204020203" pitchFamily="34" charset="0"/>
+            </a:endParaRPr>
+          </a:p>
+        </p:txBody>
+      </p:sp>
+    </p:spTree>
+    <p:extLst>
+      <p:ext uri="{BB962C8B-B14F-4D97-AF65-F5344CB8AC3E}">
+        <p14:creationId xmlns:p14="http://schemas.microsoft.com/office/powerpoint/2010/main" val="3916588754"/>
+      </p:ext>
+    </p:extLst>
+  </p:cSld>
+  <p:clrMapOvr>
+    <a:masterClrMapping/>
+  </p:clrMapOvr>
+</p:sld>
+</file>
+
+<file path=ppt/slides/slide31.xml><?xml version="1.0" encoding="utf-8"?>
+<p:sld xmlns:a="http://schemas.openxmlformats.org/drawingml/2006/main" xmlns:r="http://schemas.openxmlformats.org/officeDocument/2006/relationships" xmlns:p="http://schemas.openxmlformats.org/presentationml/2006/main">
+  <p:cSld>
+    <p:spTree>
+      <p:nvGrpSpPr>
+        <p:cNvPr id="1" name=""/>
+        <p:cNvGrpSpPr/>
+        <p:nvPr/>
+      </p:nvGrpSpPr>
+      <p:grpSpPr>
+        <a:xfrm>
+          <a:off x="0" y="0"/>
+          <a:ext cx="0" cy="0"/>
+          <a:chOff x="0" y="0"/>
+          <a:chExt cx="0" cy="0"/>
+        </a:xfrm>
+      </p:grpSpPr>
+      <p:sp>
+        <p:nvSpPr>
+          <p:cNvPr id="6" name="Foliennummernplatzhalter 5"/>
+          <p:cNvSpPr>
+            <a:spLocks noGrp="1"/>
+          </p:cNvSpPr>
+          <p:nvPr>
+            <p:ph type="sldNum" sz="quarter" idx="4"/>
+          </p:nvPr>
+        </p:nvSpPr>
+        <p:spPr/>
+        <p:txBody>
+          <a:bodyPr/>
+          <a:lstStyle/>
+          <a:p>
+            <a:fld id="{F9CA7F02-FF28-4D8F-AF3B-6C950C783A54}" type="slidenum">
+              <a:rPr lang="de-DE" smtClean="0"/>
+              <a:pPr/>
+              <a:t>31</a:t>
+            </a:fld>
+            <a:endParaRPr lang="de-DE"/>
+          </a:p>
+        </p:txBody>
+      </p:sp>
+      <p:sp>
+        <p:nvSpPr>
+          <p:cNvPr id="3" name="Titel 2"/>
+          <p:cNvSpPr>
+            <a:spLocks noGrp="1"/>
+          </p:cNvSpPr>
+          <p:nvPr>
+            <p:ph type="title"/>
+          </p:nvPr>
+        </p:nvSpPr>
+        <p:spPr/>
+        <p:txBody>
+          <a:bodyPr/>
+          <a:lstStyle/>
+          <a:p>
+            <a:r>
+              <a:rPr lang="de-DE" dirty="0"/>
+              <a:t>BLOOM-FILTER</a:t>
+            </a:r>
+          </a:p>
+        </p:txBody>
+      </p:sp>
+      <p:sp>
+        <p:nvSpPr>
+          <p:cNvPr id="4" name="Inhaltsplatzhalter 3"/>
+          <p:cNvSpPr>
+            <a:spLocks noGrp="1"/>
+          </p:cNvSpPr>
+          <p:nvPr>
+            <p:ph sz="quarter" idx="13"/>
+          </p:nvPr>
+        </p:nvSpPr>
+        <p:spPr>
+          <a:xfrm>
+            <a:off x="936000" y="699542"/>
+            <a:ext cx="7308000" cy="429622"/>
+          </a:xfrm>
+        </p:spPr>
+        <p:txBody>
+          <a:bodyPr/>
+          <a:lstStyle/>
+          <a:p>
+            <a:r>
+              <a:rPr lang="de-DE" dirty="0"/>
+              <a:t>Quellen</a:t>
+            </a:r>
+          </a:p>
+        </p:txBody>
+      </p:sp>
+      <p:sp>
+        <p:nvSpPr>
+          <p:cNvPr id="7" name="Fußzeilenplatzhalter 6"/>
+          <p:cNvSpPr>
+            <a:spLocks noGrp="1"/>
+          </p:cNvSpPr>
+          <p:nvPr>
+            <p:ph type="ftr" sz="quarter" idx="3"/>
+          </p:nvPr>
+        </p:nvSpPr>
+        <p:spPr/>
+        <p:txBody>
+          <a:bodyPr/>
+          <a:lstStyle/>
+          <a:p>
+            <a:r>
+              <a:rPr lang="de-DE" dirty="0"/>
+              <a:t>TU Bergakademie Freiberg | Vortragender: Florian Schierz | 2022</a:t>
+            </a:r>
+          </a:p>
+        </p:txBody>
+      </p:sp>
+      <p:sp>
+        <p:nvSpPr>
+          <p:cNvPr id="11" name="Textfeld 10">
+            <a:extLst>
+              <a:ext uri="{FF2B5EF4-FFF2-40B4-BE49-F238E27FC236}">
+                <a16:creationId xmlns:a16="http://schemas.microsoft.com/office/drawing/2014/main" id="{AED7FCD8-3C56-4B11-ADA2-B181B3B96684}"/>
+              </a:ext>
+            </a:extLst>
+          </p:cNvPr>
+          <p:cNvSpPr txBox="1"/>
+          <p:nvPr/>
+        </p:nvSpPr>
+        <p:spPr>
+          <a:xfrm>
+            <a:off x="611560" y="1419622"/>
+            <a:ext cx="8064896" cy="5724644"/>
+          </a:xfrm>
+          <a:prstGeom prst="rect">
+            <a:avLst/>
+          </a:prstGeom>
+          <a:noFill/>
+        </p:spPr>
+        <p:txBody>
+          <a:bodyPr wrap="square" rtlCol="0">
+            <a:spAutoFit/>
+          </a:bodyPr>
+          <a:lstStyle/>
+          <a:p>
+            <a:pPr marL="285750" indent="-285750">
+              <a:buFont typeface="Arial" panose="020B0604020202020204" pitchFamily="34" charset="0"/>
+              <a:buChar char="•"/>
+            </a:pPr>
+            <a:r>
+              <a:rPr lang="en-US" sz="1600" dirty="0">
+                <a:latin typeface="Segoe UI" panose="020B0502040204020203" pitchFamily="34" charset="0"/>
+              </a:rPr>
+              <a:t>[15] </a:t>
+            </a:r>
+            <a:r>
+              <a:rPr lang="en-US" sz="1600" dirty="0" err="1">
+                <a:latin typeface="Segoe UI" panose="020B0502040204020203" pitchFamily="34" charset="0"/>
+              </a:rPr>
+              <a:t>Gremillion</a:t>
+            </a:r>
+            <a:r>
+              <a:rPr lang="en-US" sz="1600" dirty="0">
+                <a:latin typeface="Segoe UI" panose="020B0502040204020203" pitchFamily="34" charset="0"/>
+              </a:rPr>
+              <a:t>, L. L. 1982. Designing a Bloom Filter for Differential File Access. </a:t>
+            </a:r>
+            <a:r>
+              <a:rPr lang="en-US" sz="1600" i="1" dirty="0" err="1">
+                <a:latin typeface="Segoe UI" panose="020B0502040204020203" pitchFamily="34" charset="0"/>
+              </a:rPr>
+              <a:t>Commun</a:t>
+            </a:r>
+            <a:r>
+              <a:rPr lang="en-US" sz="1600" i="1" dirty="0">
+                <a:latin typeface="Segoe UI" panose="020B0502040204020203" pitchFamily="34" charset="0"/>
+              </a:rPr>
+              <a:t>. ACM</a:t>
+            </a:r>
+            <a:r>
+              <a:rPr lang="en-US" sz="1600" i="0" dirty="0">
+                <a:latin typeface="Segoe UI" panose="020B0502040204020203" pitchFamily="34" charset="0"/>
+              </a:rPr>
+              <a:t> 25, 9, 600–604. </a:t>
+            </a:r>
+            <a:r>
+              <a:rPr lang="en-US" sz="1600" i="0" dirty="0">
+                <a:latin typeface="Segoe UI" panose="020B0502040204020203" pitchFamily="34" charset="0"/>
+                <a:cs typeface="Segoe UI" panose="020B0502040204020203" pitchFamily="34" charset="0"/>
+              </a:rPr>
+              <a:t>DOI: </a:t>
+            </a:r>
+            <a:r>
+              <a:rPr kumimoji="0" lang="de-DE" altLang="de-DE" sz="1600" b="0" i="0" u="none" strike="noStrike" cap="none" normalizeH="0" baseline="0" dirty="0">
+                <a:ln>
+                  <a:noFill/>
+                </a:ln>
+                <a:solidFill>
+                  <a:schemeClr val="tx1"/>
+                </a:solidFill>
+                <a:effectLst/>
+                <a:latin typeface="Segoe UI" panose="020B0502040204020203" pitchFamily="34" charset="0"/>
+                <a:cs typeface="Segoe UI" panose="020B0502040204020203" pitchFamily="34" charset="0"/>
+                <a:hlinkClick r:id="rId2"/>
+              </a:rPr>
+              <a:t>https://doi.org/10.1145/358628.358632</a:t>
+            </a:r>
+            <a:endParaRPr kumimoji="0" lang="de-DE" altLang="de-DE" sz="1600" b="0" i="0" u="none" strike="noStrike" cap="none" normalizeH="0" baseline="0" dirty="0">
+              <a:ln>
+                <a:noFill/>
+              </a:ln>
+              <a:solidFill>
+                <a:schemeClr val="tx1"/>
+              </a:solidFill>
+              <a:effectLst/>
+              <a:latin typeface="Segoe UI" panose="020B0502040204020203" pitchFamily="34" charset="0"/>
+              <a:cs typeface="Segoe UI" panose="020B0502040204020203" pitchFamily="34" charset="0"/>
+            </a:endParaRPr>
+          </a:p>
+          <a:p>
+            <a:pPr marL="285750" indent="-285750">
+              <a:buFont typeface="Arial" panose="020B0604020202020204" pitchFamily="34" charset="0"/>
+              <a:buChar char="•"/>
+            </a:pPr>
+            <a:r>
+              <a:rPr lang="de-DE" altLang="de-DE" sz="1600" dirty="0">
+                <a:latin typeface="Segoe UI" panose="020B0502040204020203" pitchFamily="34" charset="0"/>
+                <a:cs typeface="Segoe UI" panose="020B0502040204020203" pitchFamily="34" charset="0"/>
+              </a:rPr>
+              <a:t>[16] </a:t>
+            </a:r>
+            <a:r>
+              <a:rPr lang="de-DE" sz="1600" dirty="0" err="1">
+                <a:latin typeface="Segoe UI" panose="020B0502040204020203" pitchFamily="34" charset="0"/>
+              </a:rPr>
+              <a:t>Murugan</a:t>
+            </a:r>
+            <a:r>
+              <a:rPr lang="de-DE" sz="1600" dirty="0">
+                <a:latin typeface="Segoe UI" panose="020B0502040204020203" pitchFamily="34" charset="0"/>
+              </a:rPr>
+              <a:t>, S., </a:t>
+            </a:r>
+            <a:r>
+              <a:rPr lang="de-DE" sz="1600" dirty="0" err="1">
+                <a:latin typeface="Segoe UI" panose="020B0502040204020203" pitchFamily="34" charset="0"/>
+              </a:rPr>
+              <a:t>Bakthavatchalam</a:t>
+            </a:r>
+            <a:r>
+              <a:rPr lang="de-DE" sz="1600" dirty="0">
+                <a:latin typeface="Segoe UI" panose="020B0502040204020203" pitchFamily="34" charset="0"/>
+              </a:rPr>
+              <a:t>, T. A., and </a:t>
+            </a:r>
+            <a:r>
+              <a:rPr lang="de-DE" sz="1600" dirty="0" err="1">
+                <a:latin typeface="Segoe UI" panose="020B0502040204020203" pitchFamily="34" charset="0"/>
+              </a:rPr>
+              <a:t>Sankarasubbu</a:t>
+            </a:r>
+            <a:r>
+              <a:rPr lang="de-DE" sz="1600" dirty="0">
+                <a:latin typeface="Segoe UI" panose="020B0502040204020203" pitchFamily="34" charset="0"/>
+              </a:rPr>
+              <a:t>, M. 2020. </a:t>
+            </a:r>
+            <a:r>
+              <a:rPr lang="de-DE" sz="1600" dirty="0" err="1">
+                <a:latin typeface="Segoe UI" panose="020B0502040204020203" pitchFamily="34" charset="0"/>
+              </a:rPr>
+              <a:t>SymSpell</a:t>
+            </a:r>
+            <a:r>
+              <a:rPr lang="de-DE" sz="1600" dirty="0">
+                <a:latin typeface="Segoe UI" panose="020B0502040204020203" pitchFamily="34" charset="0"/>
+              </a:rPr>
+              <a:t> and LSTM </a:t>
+            </a:r>
+            <a:r>
+              <a:rPr lang="de-DE" sz="1600" dirty="0" err="1">
+                <a:latin typeface="Segoe UI" panose="020B0502040204020203" pitchFamily="34" charset="0"/>
+              </a:rPr>
+              <a:t>based</a:t>
+            </a:r>
+            <a:r>
+              <a:rPr lang="de-DE" sz="1600" dirty="0">
+                <a:latin typeface="Segoe UI" panose="020B0502040204020203" pitchFamily="34" charset="0"/>
+              </a:rPr>
+              <a:t> </a:t>
+            </a:r>
+            <a:r>
+              <a:rPr lang="de-DE" sz="1600" dirty="0" err="1">
+                <a:latin typeface="Segoe UI" panose="020B0502040204020203" pitchFamily="34" charset="0"/>
+              </a:rPr>
+              <a:t>Spell</a:t>
+            </a:r>
+            <a:r>
+              <a:rPr lang="de-DE" sz="1600" dirty="0">
+                <a:latin typeface="Segoe UI" panose="020B0502040204020203" pitchFamily="34" charset="0"/>
+              </a:rPr>
+              <a:t>-Checkers </a:t>
+            </a:r>
+            <a:r>
+              <a:rPr lang="de-DE" sz="1600" dirty="0" err="1">
+                <a:latin typeface="Segoe UI" panose="020B0502040204020203" pitchFamily="34" charset="0"/>
+              </a:rPr>
+              <a:t>for</a:t>
+            </a:r>
+            <a:r>
+              <a:rPr lang="de-DE" sz="1600" dirty="0">
+                <a:latin typeface="Segoe UI" panose="020B0502040204020203" pitchFamily="34" charset="0"/>
+              </a:rPr>
+              <a:t> Tamil.</a:t>
+            </a:r>
+            <a:r>
+              <a:rPr lang="de-DE" sz="1600" dirty="0">
+                <a:latin typeface="Segoe UI" panose="020B0502040204020203" pitchFamily="34" charset="0"/>
+                <a:cs typeface="Segoe UI" panose="020B0502040204020203" pitchFamily="34" charset="0"/>
+              </a:rPr>
+              <a:t> </a:t>
+            </a:r>
+            <a:r>
+              <a:rPr lang="de-DE" sz="1600" dirty="0">
+                <a:latin typeface="Segoe UI" panose="020B0502040204020203" pitchFamily="34" charset="0"/>
+                <a:cs typeface="Segoe UI" panose="020B0502040204020203" pitchFamily="34" charset="0"/>
+                <a:hlinkClick r:id="rId3"/>
+              </a:rPr>
+              <a:t>http://uttamam.org/papers/20_17.pdf</a:t>
+            </a:r>
+            <a:endParaRPr lang="de-DE" sz="1600" dirty="0">
+              <a:latin typeface="Segoe UI" panose="020B0502040204020203" pitchFamily="34" charset="0"/>
+              <a:cs typeface="Segoe UI" panose="020B0502040204020203" pitchFamily="34" charset="0"/>
+            </a:endParaRPr>
+          </a:p>
+          <a:p>
+            <a:pPr marL="285750" indent="-285750">
+              <a:buFont typeface="Arial" panose="020B0604020202020204" pitchFamily="34" charset="0"/>
+              <a:buChar char="•"/>
+            </a:pPr>
+            <a:r>
+              <a:rPr kumimoji="0" lang="de-DE" altLang="de-DE" sz="1600" b="0" i="0" u="none" strike="noStrike" cap="none" normalizeH="0" baseline="0" dirty="0">
+                <a:ln>
+                  <a:noFill/>
+                </a:ln>
+                <a:solidFill>
+                  <a:schemeClr val="tx1"/>
+                </a:solidFill>
+                <a:effectLst/>
+                <a:latin typeface="Segoe UI" panose="020B0502040204020203" pitchFamily="34" charset="0"/>
+                <a:cs typeface="Segoe UI" panose="020B0502040204020203" pitchFamily="34" charset="0"/>
+              </a:rPr>
+              <a:t>[17] </a:t>
+            </a:r>
+            <a:r>
+              <a:rPr lang="de-DE" sz="1600" dirty="0" err="1">
+                <a:latin typeface="Segoe UI" panose="020B0502040204020203" pitchFamily="34" charset="0"/>
+              </a:rPr>
+              <a:t>Dharmapurikar</a:t>
+            </a:r>
+            <a:r>
+              <a:rPr lang="de-DE" sz="1600" dirty="0">
+                <a:latin typeface="Segoe UI" panose="020B0502040204020203" pitchFamily="34" charset="0"/>
+              </a:rPr>
+              <a:t>, S., </a:t>
+            </a:r>
+            <a:r>
+              <a:rPr lang="de-DE" sz="1600" dirty="0" err="1">
+                <a:latin typeface="Segoe UI" panose="020B0502040204020203" pitchFamily="34" charset="0"/>
+              </a:rPr>
+              <a:t>Krishnamurthy</a:t>
+            </a:r>
+            <a:r>
+              <a:rPr lang="de-DE" sz="1600" dirty="0">
+                <a:latin typeface="Segoe UI" panose="020B0502040204020203" pitchFamily="34" charset="0"/>
+              </a:rPr>
+              <a:t>, P., and Taylor, D. E. 2003. </a:t>
+            </a:r>
+            <a:r>
+              <a:rPr lang="de-DE" sz="1600" dirty="0" err="1">
+                <a:latin typeface="Segoe UI" panose="020B0502040204020203" pitchFamily="34" charset="0"/>
+              </a:rPr>
+              <a:t>Longest</a:t>
+            </a:r>
+            <a:r>
+              <a:rPr lang="de-DE" sz="1600" dirty="0">
+                <a:latin typeface="Segoe UI" panose="020B0502040204020203" pitchFamily="34" charset="0"/>
+              </a:rPr>
+              <a:t> </a:t>
+            </a:r>
+            <a:r>
+              <a:rPr lang="de-DE" sz="1600" dirty="0" err="1">
+                <a:latin typeface="Segoe UI" panose="020B0502040204020203" pitchFamily="34" charset="0"/>
+              </a:rPr>
+              <a:t>Prefix</a:t>
+            </a:r>
+            <a:r>
+              <a:rPr lang="de-DE" sz="1600" dirty="0">
+                <a:latin typeface="Segoe UI" panose="020B0502040204020203" pitchFamily="34" charset="0"/>
+              </a:rPr>
+              <a:t> </a:t>
+            </a:r>
+            <a:r>
+              <a:rPr lang="de-DE" sz="1600" dirty="0" err="1">
+                <a:latin typeface="Segoe UI" panose="020B0502040204020203" pitchFamily="34" charset="0"/>
+              </a:rPr>
+              <a:t>Matching</a:t>
+            </a:r>
+            <a:r>
+              <a:rPr lang="de-DE" sz="1600" dirty="0">
+                <a:latin typeface="Segoe UI" panose="020B0502040204020203" pitchFamily="34" charset="0"/>
+              </a:rPr>
+              <a:t> </a:t>
+            </a:r>
+            <a:r>
+              <a:rPr lang="de-DE" sz="1600" dirty="0" err="1">
+                <a:latin typeface="Segoe UI" panose="020B0502040204020203" pitchFamily="34" charset="0"/>
+              </a:rPr>
+              <a:t>Using</a:t>
+            </a:r>
+            <a:r>
+              <a:rPr lang="de-DE" sz="1600" dirty="0">
+                <a:latin typeface="Segoe UI" panose="020B0502040204020203" pitchFamily="34" charset="0"/>
+              </a:rPr>
+              <a:t> Bloom Filters. In </a:t>
+            </a:r>
+            <a:r>
+              <a:rPr lang="de-DE" sz="1600" i="1" dirty="0">
+                <a:latin typeface="Segoe UI" panose="020B0502040204020203" pitchFamily="34" charset="0"/>
+              </a:rPr>
+              <a:t>Proceedings </a:t>
+            </a:r>
+            <a:r>
+              <a:rPr lang="de-DE" sz="1600" i="1" dirty="0" err="1">
+                <a:latin typeface="Segoe UI" panose="020B0502040204020203" pitchFamily="34" charset="0"/>
+              </a:rPr>
+              <a:t>of</a:t>
+            </a:r>
+            <a:r>
+              <a:rPr lang="de-DE" sz="1600" i="1" dirty="0">
+                <a:latin typeface="Segoe UI" panose="020B0502040204020203" pitchFamily="34" charset="0"/>
+              </a:rPr>
+              <a:t> </a:t>
+            </a:r>
+            <a:r>
+              <a:rPr lang="de-DE" sz="1600" i="1" dirty="0" err="1">
+                <a:latin typeface="Segoe UI" panose="020B0502040204020203" pitchFamily="34" charset="0"/>
+              </a:rPr>
+              <a:t>the</a:t>
+            </a:r>
+            <a:r>
+              <a:rPr lang="de-DE" sz="1600" i="1" dirty="0">
+                <a:latin typeface="Segoe UI" panose="020B0502040204020203" pitchFamily="34" charset="0"/>
+              </a:rPr>
+              <a:t> 2003 Conference on </a:t>
+            </a:r>
+            <a:r>
+              <a:rPr lang="de-DE" sz="1600" i="1" dirty="0" err="1">
+                <a:latin typeface="Segoe UI" panose="020B0502040204020203" pitchFamily="34" charset="0"/>
+              </a:rPr>
+              <a:t>Applications</a:t>
+            </a:r>
+            <a:r>
+              <a:rPr lang="de-DE" sz="1600" i="1" dirty="0">
+                <a:latin typeface="Segoe UI" panose="020B0502040204020203" pitchFamily="34" charset="0"/>
+              </a:rPr>
+              <a:t>, Technologies, </a:t>
+            </a:r>
+            <a:r>
+              <a:rPr lang="de-DE" sz="1600" i="1" dirty="0" err="1">
+                <a:latin typeface="Segoe UI" panose="020B0502040204020203" pitchFamily="34" charset="0"/>
+              </a:rPr>
+              <a:t>Architectures</a:t>
+            </a:r>
+            <a:r>
+              <a:rPr lang="de-DE" sz="1600" i="1" dirty="0">
+                <a:latin typeface="Segoe UI" panose="020B0502040204020203" pitchFamily="34" charset="0"/>
+              </a:rPr>
+              <a:t>, and </a:t>
+            </a:r>
+            <a:r>
+              <a:rPr lang="de-DE" sz="1600" i="1" dirty="0" err="1">
+                <a:latin typeface="Segoe UI" panose="020B0502040204020203" pitchFamily="34" charset="0"/>
+              </a:rPr>
+              <a:t>Protocols</a:t>
+            </a:r>
+            <a:r>
+              <a:rPr lang="de-DE" sz="1600" i="1" dirty="0">
+                <a:latin typeface="Segoe UI" panose="020B0502040204020203" pitchFamily="34" charset="0"/>
+              </a:rPr>
+              <a:t> </a:t>
+            </a:r>
+            <a:r>
+              <a:rPr lang="de-DE" sz="1600" i="1" dirty="0" err="1">
+                <a:latin typeface="Segoe UI" panose="020B0502040204020203" pitchFamily="34" charset="0"/>
+              </a:rPr>
+              <a:t>for</a:t>
+            </a:r>
+            <a:r>
+              <a:rPr lang="de-DE" sz="1600" i="1" dirty="0">
+                <a:latin typeface="Segoe UI" panose="020B0502040204020203" pitchFamily="34" charset="0"/>
+              </a:rPr>
+              <a:t> Computer Communications</a:t>
+            </a:r>
+            <a:r>
+              <a:rPr lang="de-DE" sz="1600" i="0" dirty="0">
+                <a:latin typeface="Segoe UI" panose="020B0502040204020203" pitchFamily="34" charset="0"/>
+              </a:rPr>
+              <a:t>. SIGCOMM ’03. </a:t>
+            </a:r>
+            <a:r>
+              <a:rPr lang="de-DE" sz="1600" i="0" dirty="0" err="1">
+                <a:latin typeface="Segoe UI" panose="020B0502040204020203" pitchFamily="34" charset="0"/>
+              </a:rPr>
+              <a:t>Association</a:t>
+            </a:r>
+            <a:r>
+              <a:rPr lang="de-DE" sz="1600" i="0" dirty="0">
+                <a:latin typeface="Segoe UI" panose="020B0502040204020203" pitchFamily="34" charset="0"/>
+              </a:rPr>
+              <a:t> </a:t>
+            </a:r>
+            <a:r>
+              <a:rPr lang="de-DE" sz="1600" i="0" dirty="0" err="1">
+                <a:latin typeface="Segoe UI" panose="020B0502040204020203" pitchFamily="34" charset="0"/>
+              </a:rPr>
+              <a:t>for</a:t>
+            </a:r>
+            <a:r>
+              <a:rPr lang="de-DE" sz="1600" i="0" dirty="0">
+                <a:latin typeface="Segoe UI" panose="020B0502040204020203" pitchFamily="34" charset="0"/>
+              </a:rPr>
+              <a:t> Computing Machinery, New York, NY, USA, 201–212. DOI: </a:t>
+            </a:r>
+            <a:r>
+              <a:rPr lang="de-DE" altLang="de-DE" sz="1600" dirty="0">
+                <a:latin typeface="Segoe UI" panose="020B0502040204020203" pitchFamily="34" charset="0"/>
+                <a:cs typeface="Segoe UI" panose="020B0502040204020203" pitchFamily="34" charset="0"/>
+                <a:hlinkClick r:id="rId4"/>
+              </a:rPr>
+              <a:t>https://doi.org/</a:t>
+            </a:r>
+            <a:r>
+              <a:rPr lang="de-DE" sz="1600" i="0" dirty="0">
+                <a:latin typeface="Segoe UI" panose="020B0502040204020203" pitchFamily="34" charset="0"/>
+                <a:hlinkClick r:id="rId4"/>
+              </a:rPr>
+              <a:t>10.1145/863955.863979</a:t>
+            </a:r>
+            <a:endParaRPr lang="de-DE" sz="1600" i="0" dirty="0">
+              <a:latin typeface="Segoe UI" panose="020B0502040204020203" pitchFamily="34" charset="0"/>
+            </a:endParaRPr>
+          </a:p>
+          <a:p>
+            <a:pPr marL="285750" indent="-285750">
+              <a:buFont typeface="Arial" panose="020B0604020202020204" pitchFamily="34" charset="0"/>
+              <a:buChar char="•"/>
+            </a:pPr>
+            <a:r>
+              <a:rPr lang="de-DE" sz="1600" dirty="0">
+                <a:latin typeface="Segoe UI" panose="020B0502040204020203" pitchFamily="34" charset="0"/>
+              </a:rPr>
+              <a:t>[18] </a:t>
+            </a:r>
+            <a:r>
+              <a:rPr lang="en-US" sz="1600" dirty="0">
+                <a:latin typeface="Segoe UI" panose="020B0502040204020203" pitchFamily="34" charset="0"/>
+              </a:rPr>
+              <a:t>Jain, N., Dahlin, M., and </a:t>
+            </a:r>
+            <a:r>
+              <a:rPr lang="en-US" sz="1600" dirty="0" err="1">
+                <a:latin typeface="Segoe UI" panose="020B0502040204020203" pitchFamily="34" charset="0"/>
+              </a:rPr>
+              <a:t>Tewar</a:t>
+            </a:r>
+            <a:r>
+              <a:rPr lang="en-US" sz="1600" dirty="0">
+                <a:latin typeface="Segoe UI" panose="020B0502040204020203" pitchFamily="34" charset="0"/>
+              </a:rPr>
+              <a:t>, R. 2005. Using Bloom Filters to Refine Web Search Results. In </a:t>
+            </a:r>
+            <a:r>
+              <a:rPr lang="en-US" sz="1600" i="1" dirty="0">
+                <a:latin typeface="Segoe UI" panose="020B0502040204020203" pitchFamily="34" charset="0"/>
+              </a:rPr>
+              <a:t>Eighth International Workshop on the Web and Databases (</a:t>
+            </a:r>
+            <a:r>
+              <a:rPr lang="en-US" sz="1600" i="1" dirty="0" err="1">
+                <a:latin typeface="Segoe UI" panose="020B0502040204020203" pitchFamily="34" charset="0"/>
+              </a:rPr>
+              <a:t>WebDB</a:t>
+            </a:r>
+            <a:r>
+              <a:rPr lang="en-US" sz="1600" i="1" dirty="0">
+                <a:latin typeface="Segoe UI" panose="020B0502040204020203" pitchFamily="34" charset="0"/>
+              </a:rPr>
+              <a:t> ’05)</a:t>
+            </a:r>
+            <a:r>
+              <a:rPr lang="en-US" sz="1600" i="0" dirty="0">
+                <a:latin typeface="Segoe UI" panose="020B0502040204020203" pitchFamily="34" charset="0"/>
+              </a:rPr>
+              <a:t>.</a:t>
+            </a:r>
+            <a:r>
+              <a:rPr lang="de-DE" sz="1600" dirty="0">
+                <a:latin typeface="Segoe UI" panose="020B0502040204020203" pitchFamily="34" charset="0"/>
+              </a:rPr>
+              <a:t> https://www.microsoft.com/en-us/research/wp-content/uploads/2017/01/webdb-167.pdf</a:t>
+            </a:r>
+          </a:p>
+          <a:p>
+            <a:pPr marL="285750" indent="-285750">
+              <a:buFont typeface="Arial" panose="020B0604020202020204" pitchFamily="34" charset="0"/>
+              <a:buChar char="•"/>
+            </a:pPr>
+            <a:endParaRPr kumimoji="0" lang="de-DE" altLang="de-DE" sz="1600" b="0" i="0" u="none" strike="noStrike" cap="none" normalizeH="0" baseline="0" dirty="0">
+              <a:ln>
+                <a:noFill/>
+              </a:ln>
+              <a:solidFill>
+                <a:schemeClr val="tx1"/>
+              </a:solidFill>
+              <a:effectLst/>
+              <a:latin typeface="Segoe UI" panose="020B0502040204020203" pitchFamily="34" charset="0"/>
+              <a:cs typeface="Segoe UI" panose="020B0502040204020203" pitchFamily="34" charset="0"/>
+            </a:endParaRPr>
+          </a:p>
+          <a:p>
+            <a:pPr marL="285750" indent="-285750">
+              <a:buFont typeface="Arial" panose="020B0604020202020204" pitchFamily="34" charset="0"/>
+              <a:buChar char="•"/>
+            </a:pPr>
+            <a:endParaRPr lang="de-DE" altLang="de-DE" sz="1600" dirty="0">
+              <a:latin typeface="Segoe UI" panose="020B0502040204020203" pitchFamily="34" charset="0"/>
+              <a:cs typeface="Segoe UI" panose="020B0502040204020203" pitchFamily="34" charset="0"/>
+            </a:endParaRPr>
+          </a:p>
+          <a:p>
+            <a:pPr marL="285750" indent="-285750">
+              <a:buFont typeface="Arial" panose="020B0604020202020204" pitchFamily="34" charset="0"/>
+              <a:buChar char="•"/>
+            </a:pPr>
+            <a:endParaRPr kumimoji="0" lang="de-DE" altLang="de-DE" sz="3600" b="0" i="0" u="none" strike="noStrike" cap="none" normalizeH="0" baseline="0" dirty="0">
+              <a:ln>
+                <a:noFill/>
+              </a:ln>
+              <a:solidFill>
+                <a:schemeClr val="tx1"/>
+              </a:solidFill>
+              <a:effectLst/>
+              <a:latin typeface="Arial" panose="020B0604020202020204" pitchFamily="34" charset="0"/>
+            </a:endParaRPr>
+          </a:p>
+          <a:p>
+            <a:pPr marL="285750" indent="-285750">
+              <a:buFont typeface="Arial" panose="020B0604020202020204" pitchFamily="34" charset="0"/>
+              <a:buChar char="•"/>
+            </a:pPr>
+            <a:endParaRPr lang="de-DE" altLang="de-DE" sz="1600" dirty="0">
+              <a:latin typeface="Segoe UI" panose="020B0502040204020203" pitchFamily="34" charset="0"/>
+              <a:cs typeface="Segoe UI" panose="020B0502040204020203" pitchFamily="34" charset="0"/>
+            </a:endParaRPr>
+          </a:p>
+          <a:p>
+            <a:pPr marL="285750" indent="-285750">
+              <a:buFont typeface="Arial" panose="020B0604020202020204" pitchFamily="34" charset="0"/>
+              <a:buChar char="•"/>
+            </a:pPr>
+            <a:endParaRPr kumimoji="0" lang="de-DE" altLang="de-DE" sz="3600" b="0" i="0" u="none" strike="noStrike" cap="none" normalizeH="0" baseline="0" dirty="0">
+              <a:ln>
+                <a:noFill/>
+              </a:ln>
+              <a:solidFill>
+                <a:schemeClr val="tx1"/>
+              </a:solidFill>
+              <a:effectLst/>
+              <a:latin typeface="Arial" panose="020B0604020202020204" pitchFamily="34" charset="0"/>
+            </a:endParaRPr>
+          </a:p>
+          <a:p>
+            <a:pPr marL="285750" indent="-285750">
+              <a:buFont typeface="Arial" panose="020B0604020202020204" pitchFamily="34" charset="0"/>
+              <a:buChar char="•"/>
+            </a:pPr>
+            <a:endParaRPr lang="en-US" sz="1600" i="0" dirty="0">
+              <a:latin typeface="Segoe UI" panose="020B0502040204020203" pitchFamily="34" charset="0"/>
+            </a:endParaRPr>
+          </a:p>
+          <a:p>
+            <a:pPr marL="285750" indent="-285750">
+              <a:buFont typeface="Arial" panose="020B0604020202020204" pitchFamily="34" charset="0"/>
+              <a:buChar char="•"/>
+            </a:pPr>
+            <a:endParaRPr lang="en-US" sz="1600" i="0" dirty="0">
+              <a:latin typeface="Segoe UI" panose="020B0502040204020203" pitchFamily="34" charset="0"/>
+            </a:endParaRPr>
+          </a:p>
+        </p:txBody>
+      </p:sp>
+    </p:spTree>
+    <p:extLst>
+      <p:ext uri="{BB962C8B-B14F-4D97-AF65-F5344CB8AC3E}">
+        <p14:creationId xmlns:p14="http://schemas.microsoft.com/office/powerpoint/2010/main" val="3408374900"/>
+      </p:ext>
+    </p:extLst>
+  </p:cSld>
+  <p:clrMapOvr>
+    <a:masterClrMapping/>
+  </p:clrMapOvr>
+</p:sld>
+</file>
+
+<file path=ppt/slides/slide32.xml><?xml version="1.0" encoding="utf-8"?>
+<p:sld xmlns:a="http://schemas.openxmlformats.org/drawingml/2006/main" xmlns:r="http://schemas.openxmlformats.org/officeDocument/2006/relationships" xmlns:p="http://schemas.openxmlformats.org/presentationml/2006/main">
+  <p:cSld>
+    <p:spTree>
+      <p:nvGrpSpPr>
+        <p:cNvPr id="1" name=""/>
+        <p:cNvGrpSpPr/>
+        <p:nvPr/>
+      </p:nvGrpSpPr>
+      <p:grpSpPr>
+        <a:xfrm>
+          <a:off x="0" y="0"/>
+          <a:ext cx="0" cy="0"/>
+          <a:chOff x="0" y="0"/>
+          <a:chExt cx="0" cy="0"/>
+        </a:xfrm>
+      </p:grpSpPr>
+      <p:sp>
+        <p:nvSpPr>
+          <p:cNvPr id="6" name="Foliennummernplatzhalter 5"/>
+          <p:cNvSpPr>
+            <a:spLocks noGrp="1"/>
+          </p:cNvSpPr>
+          <p:nvPr>
+            <p:ph type="sldNum" sz="quarter" idx="4"/>
+          </p:nvPr>
+        </p:nvSpPr>
+        <p:spPr/>
+        <p:txBody>
+          <a:bodyPr/>
+          <a:lstStyle/>
+          <a:p>
+            <a:fld id="{F9CA7F02-FF28-4D8F-AF3B-6C950C783A54}" type="slidenum">
+              <a:rPr lang="de-DE" smtClean="0"/>
+              <a:pPr/>
+              <a:t>32</a:t>
+            </a:fld>
+            <a:endParaRPr lang="de-DE"/>
+          </a:p>
+        </p:txBody>
+      </p:sp>
+      <p:sp>
+        <p:nvSpPr>
+          <p:cNvPr id="3" name="Titel 2"/>
+          <p:cNvSpPr>
+            <a:spLocks noGrp="1"/>
+          </p:cNvSpPr>
+          <p:nvPr>
+            <p:ph type="title"/>
+          </p:nvPr>
+        </p:nvSpPr>
+        <p:spPr/>
+        <p:txBody>
+          <a:bodyPr/>
+          <a:lstStyle/>
+          <a:p>
+            <a:r>
+              <a:rPr lang="de-DE" dirty="0"/>
+              <a:t>BLOOM-FILTER</a:t>
+            </a:r>
+          </a:p>
+        </p:txBody>
+      </p:sp>
+      <p:sp>
+        <p:nvSpPr>
+          <p:cNvPr id="4" name="Inhaltsplatzhalter 3"/>
+          <p:cNvSpPr>
+            <a:spLocks noGrp="1"/>
+          </p:cNvSpPr>
+          <p:nvPr>
+            <p:ph sz="quarter" idx="13"/>
+          </p:nvPr>
+        </p:nvSpPr>
+        <p:spPr>
+          <a:xfrm>
+            <a:off x="936000" y="699542"/>
+            <a:ext cx="7308000" cy="429622"/>
+          </a:xfrm>
+        </p:spPr>
+        <p:txBody>
+          <a:bodyPr/>
+          <a:lstStyle/>
+          <a:p>
+            <a:r>
+              <a:rPr lang="de-DE" dirty="0"/>
+              <a:t>Quellen</a:t>
+            </a:r>
+          </a:p>
+        </p:txBody>
+      </p:sp>
+      <p:sp>
+        <p:nvSpPr>
+          <p:cNvPr id="7" name="Fußzeilenplatzhalter 6"/>
+          <p:cNvSpPr>
+            <a:spLocks noGrp="1"/>
+          </p:cNvSpPr>
+          <p:nvPr>
+            <p:ph type="ftr" sz="quarter" idx="3"/>
+          </p:nvPr>
+        </p:nvSpPr>
+        <p:spPr/>
+        <p:txBody>
+          <a:bodyPr/>
+          <a:lstStyle/>
+          <a:p>
+            <a:r>
+              <a:rPr lang="de-DE" dirty="0"/>
+              <a:t>TU Bergakademie Freiberg | Vortragender: Florian Schierz | 2022</a:t>
+            </a:r>
+          </a:p>
+        </p:txBody>
+      </p:sp>
+      <p:sp>
+        <p:nvSpPr>
+          <p:cNvPr id="11" name="Textfeld 10">
+            <a:extLst>
+              <a:ext uri="{FF2B5EF4-FFF2-40B4-BE49-F238E27FC236}">
+                <a16:creationId xmlns:a16="http://schemas.microsoft.com/office/drawing/2014/main" id="{AED7FCD8-3C56-4B11-ADA2-B181B3B96684}"/>
+              </a:ext>
+            </a:extLst>
+          </p:cNvPr>
+          <p:cNvSpPr txBox="1"/>
+          <p:nvPr/>
+        </p:nvSpPr>
+        <p:spPr>
+          <a:xfrm>
+            <a:off x="611560" y="1419622"/>
             <a:ext cx="8064896" cy="1323439"/>
           </a:xfrm>
           <a:prstGeom prst="rect">
@@ -12891,7 +14689,7 @@
 </p:sld>
 </file>
 
-<file path=ppt/slides/slide29.xml><?xml version="1.0" encoding="utf-8"?>
+<file path=ppt/slides/slide33.xml><?xml version="1.0" encoding="utf-8"?>
 <p:sld xmlns:a="http://schemas.openxmlformats.org/drawingml/2006/main" xmlns:r="http://schemas.openxmlformats.org/officeDocument/2006/relationships" xmlns:p="http://schemas.openxmlformats.org/presentationml/2006/main">
   <p:cSld>
     <p:spTree>
@@ -13394,7 +15192,7 @@
             <a:fld id="{F9CA7F02-FF28-4D8F-AF3B-6C950C783A54}" type="slidenum">
               <a:rPr lang="de-DE" smtClean="0"/>
               <a:pPr/>
-              <a:t>29</a:t>
+              <a:t>33</a:t>
             </a:fld>
             <a:endParaRPr lang="de-DE"/>
           </a:p>
@@ -14156,258 +15954,6 @@
 </p:sld>
 </file>
 
-<file path=ppt/slides/slide3.xml><?xml version="1.0" encoding="utf-8"?>
-<p:sld xmlns:a="http://schemas.openxmlformats.org/drawingml/2006/main" xmlns:r="http://schemas.openxmlformats.org/officeDocument/2006/relationships" xmlns:p="http://schemas.openxmlformats.org/presentationml/2006/main">
-  <p:cSld>
-    <p:spTree>
-      <p:nvGrpSpPr>
-        <p:cNvPr id="1" name=""/>
-        <p:cNvGrpSpPr/>
-        <p:nvPr/>
-      </p:nvGrpSpPr>
-      <p:grpSpPr>
-        <a:xfrm>
-          <a:off x="0" y="0"/>
-          <a:ext cx="0" cy="0"/>
-          <a:chOff x="0" y="0"/>
-          <a:chExt cx="0" cy="0"/>
-        </a:xfrm>
-      </p:grpSpPr>
-      <p:sp>
-        <p:nvSpPr>
-          <p:cNvPr id="6" name="Foliennummernplatzhalter 5"/>
-          <p:cNvSpPr>
-            <a:spLocks noGrp="1"/>
-          </p:cNvSpPr>
-          <p:nvPr>
-            <p:ph type="sldNum" sz="quarter" idx="4"/>
-          </p:nvPr>
-        </p:nvSpPr>
-        <p:spPr/>
-        <p:txBody>
-          <a:bodyPr/>
-          <a:lstStyle/>
-          <a:p>
-            <a:fld id="{F9CA7F02-FF28-4D8F-AF3B-6C950C783A54}" type="slidenum">
-              <a:rPr lang="de-DE" smtClean="0"/>
-              <a:pPr/>
-              <a:t>3</a:t>
-            </a:fld>
-            <a:endParaRPr lang="de-DE" dirty="0"/>
-          </a:p>
-        </p:txBody>
-      </p:sp>
-      <p:sp>
-        <p:nvSpPr>
-          <p:cNvPr id="3" name="Titel 2"/>
-          <p:cNvSpPr>
-            <a:spLocks noGrp="1"/>
-          </p:cNvSpPr>
-          <p:nvPr>
-            <p:ph type="title"/>
-          </p:nvPr>
-        </p:nvSpPr>
-        <p:spPr/>
-        <p:txBody>
-          <a:bodyPr/>
-          <a:lstStyle/>
-          <a:p>
-            <a:r>
-              <a:rPr lang="de-DE" dirty="0"/>
-              <a:t>BLOOM-FILTER</a:t>
-            </a:r>
-          </a:p>
-        </p:txBody>
-      </p:sp>
-      <p:sp>
-        <p:nvSpPr>
-          <p:cNvPr id="4" name="Inhaltsplatzhalter 3"/>
-          <p:cNvSpPr>
-            <a:spLocks noGrp="1"/>
-          </p:cNvSpPr>
-          <p:nvPr>
-            <p:ph sz="quarter" idx="13"/>
-          </p:nvPr>
-        </p:nvSpPr>
-        <p:spPr>
-          <a:xfrm>
-            <a:off x="936000" y="699542"/>
-            <a:ext cx="7308000" cy="429622"/>
-          </a:xfrm>
-        </p:spPr>
-        <p:txBody>
-          <a:bodyPr/>
-          <a:lstStyle/>
-          <a:p>
-            <a:r>
-              <a:rPr lang="de-DE" dirty="0"/>
-              <a:t>Gliederung</a:t>
-            </a:r>
-          </a:p>
-        </p:txBody>
-      </p:sp>
-      <p:sp>
-        <p:nvSpPr>
-          <p:cNvPr id="7" name="Fußzeilenplatzhalter 6"/>
-          <p:cNvSpPr>
-            <a:spLocks noGrp="1"/>
-          </p:cNvSpPr>
-          <p:nvPr>
-            <p:ph type="ftr" sz="quarter" idx="3"/>
-          </p:nvPr>
-        </p:nvSpPr>
-        <p:spPr/>
-        <p:txBody>
-          <a:bodyPr/>
-          <a:lstStyle/>
-          <a:p>
-            <a:r>
-              <a:rPr lang="de-DE" dirty="0"/>
-              <a:t>TU Bergakademie Freiberg | Vortragender: Florian Schierz | 2022</a:t>
-            </a:r>
-          </a:p>
-        </p:txBody>
-      </p:sp>
-      <p:sp>
-        <p:nvSpPr>
-          <p:cNvPr id="11" name="Textfeld 10">
-            <a:extLst>
-              <a:ext uri="{FF2B5EF4-FFF2-40B4-BE49-F238E27FC236}">
-                <a16:creationId xmlns:a16="http://schemas.microsoft.com/office/drawing/2014/main" id="{AED7FCD8-3C56-4B11-ADA2-B181B3B96684}"/>
-              </a:ext>
-            </a:extLst>
-          </p:cNvPr>
-          <p:cNvSpPr txBox="1"/>
-          <p:nvPr/>
-        </p:nvSpPr>
-        <p:spPr>
-          <a:xfrm>
-            <a:off x="611560" y="1203598"/>
-            <a:ext cx="4968552" cy="1754326"/>
-          </a:xfrm>
-          <a:prstGeom prst="rect">
-            <a:avLst/>
-          </a:prstGeom>
-          <a:noFill/>
-        </p:spPr>
-        <p:txBody>
-          <a:bodyPr wrap="square" rtlCol="0">
-            <a:spAutoFit/>
-          </a:bodyPr>
-          <a:lstStyle/>
-          <a:p>
-            <a:pPr marL="285750" indent="-285750">
-              <a:buFont typeface="Arial" panose="020B0604020202020204" pitchFamily="34" charset="0"/>
-              <a:buChar char="•"/>
-            </a:pPr>
-            <a:r>
-              <a:rPr lang="de-DE" dirty="0"/>
-              <a:t>Prinzipielle Idee</a:t>
-            </a:r>
-          </a:p>
-          <a:p>
-            <a:pPr marL="285750" indent="-285750">
-              <a:buFont typeface="Arial" panose="020B0604020202020204" pitchFamily="34" charset="0"/>
-              <a:buChar char="•"/>
-            </a:pPr>
-            <a:r>
-              <a:rPr lang="de-DE" dirty="0"/>
-              <a:t>Anwendungen</a:t>
-            </a:r>
-          </a:p>
-          <a:p>
-            <a:pPr marL="285750" indent="-285750">
-              <a:buFont typeface="Arial" panose="020B0604020202020204" pitchFamily="34" charset="0"/>
-              <a:buChar char="•"/>
-            </a:pPr>
-            <a:r>
-              <a:rPr lang="de-DE" dirty="0"/>
-              <a:t>Funktionsweise und Operationen</a:t>
-            </a:r>
-          </a:p>
-          <a:p>
-            <a:pPr marL="285750" indent="-285750">
-              <a:buFont typeface="Arial" panose="020B0604020202020204" pitchFamily="34" charset="0"/>
-              <a:buChar char="•"/>
-            </a:pPr>
-            <a:r>
-              <a:rPr lang="de-DE" dirty="0"/>
-              <a:t>Varianten</a:t>
-            </a:r>
-          </a:p>
-          <a:p>
-            <a:pPr marL="285750" indent="-285750">
-              <a:buFont typeface="Arial" panose="020B0604020202020204" pitchFamily="34" charset="0"/>
-              <a:buChar char="•"/>
-            </a:pPr>
-            <a:r>
-              <a:rPr lang="de-DE" dirty="0"/>
-              <a:t>Zusammenfassung</a:t>
-            </a:r>
-          </a:p>
-          <a:p>
-            <a:pPr marL="285750" indent="-285750">
-              <a:buFont typeface="Arial" panose="020B0604020202020204" pitchFamily="34" charset="0"/>
-              <a:buChar char="•"/>
-            </a:pPr>
-            <a:r>
-              <a:rPr lang="de-DE" dirty="0"/>
-              <a:t>Quellen</a:t>
-            </a:r>
-          </a:p>
-        </p:txBody>
-      </p:sp>
-      <p:pic>
-        <p:nvPicPr>
-          <p:cNvPr id="10" name="Grafik 9">
-            <a:extLst>
-              <a:ext uri="{FF2B5EF4-FFF2-40B4-BE49-F238E27FC236}">
-                <a16:creationId xmlns:a16="http://schemas.microsoft.com/office/drawing/2014/main" id="{EC1DAC08-CA9E-2ED3-E998-C145F7B70B15}"/>
-              </a:ext>
-            </a:extLst>
-          </p:cNvPr>
-          <p:cNvPicPr>
-            <a:picLocks noChangeAspect="1"/>
-          </p:cNvPicPr>
-          <p:nvPr/>
-        </p:nvPicPr>
-        <p:blipFill rotWithShape="1">
-          <a:blip r:embed="rId2">
-            <a:extLst>
-              <a:ext uri="{28A0092B-C50C-407E-A947-70E740481C1C}">
-                <a14:useLocalDpi xmlns:a14="http://schemas.microsoft.com/office/drawing/2010/main" val="0"/>
-              </a:ext>
-              <a:ext uri="{96DAC541-7B7A-43D3-8B79-37D633B846F1}">
-                <asvg:svgBlip xmlns:asvg="http://schemas.microsoft.com/office/drawing/2016/SVG/main" r:embed="rId3"/>
-              </a:ext>
-            </a:extLst>
-          </a:blip>
-          <a:srcRect l="20298" r="10399" b="66800"/>
-          <a:stretch/>
-        </p:blipFill>
-        <p:spPr>
-          <a:xfrm>
-            <a:off x="4788024" y="713343"/>
-            <a:ext cx="4040227" cy="2737517"/>
-          </a:xfrm>
-          <a:prstGeom prst="rect">
-            <a:avLst/>
-          </a:prstGeom>
-        </p:spPr>
-      </p:pic>
-    </p:spTree>
-    <p:extLst>
-      <p:ext uri="{BB962C8B-B14F-4D97-AF65-F5344CB8AC3E}">
-        <p14:creationId xmlns:p14="http://schemas.microsoft.com/office/powerpoint/2010/main" val="1119290176"/>
-      </p:ext>
-    </p:extLst>
-  </p:cSld>
-  <p:clrMapOvr>
-    <a:masterClrMapping/>
-  </p:clrMapOvr>
-</p:sld>
-</file>
-
 <file path=ppt/slides/slide4.xml><?xml version="1.0" encoding="utf-8"?>
 <p:sld xmlns:a="http://schemas.openxmlformats.org/drawingml/2006/main" xmlns:r="http://schemas.openxmlformats.org/officeDocument/2006/relationships" xmlns:p="http://schemas.openxmlformats.org/presentationml/2006/main">
   <p:cSld>
@@ -15311,7 +16857,7 @@
         </p:blipFill>
         <p:spPr>
           <a:xfrm>
-            <a:off x="467544" y="1522761"/>
+            <a:off x="1439652" y="1517153"/>
             <a:ext cx="6264696" cy="3137157"/>
           </a:xfrm>
           <a:prstGeom prst="rect">
@@ -15333,6 +16879,206 @@
 </file>
 
 <file path=ppt/slides/slide7.xml><?xml version="1.0" encoding="utf-8"?>
+<p:sld xmlns:a="http://schemas.openxmlformats.org/drawingml/2006/main" xmlns:r="http://schemas.openxmlformats.org/officeDocument/2006/relationships" xmlns:p="http://schemas.openxmlformats.org/presentationml/2006/main">
+  <p:cSld>
+    <p:spTree>
+      <p:nvGrpSpPr>
+        <p:cNvPr id="1" name=""/>
+        <p:cNvGrpSpPr/>
+        <p:nvPr/>
+      </p:nvGrpSpPr>
+      <p:grpSpPr>
+        <a:xfrm>
+          <a:off x="0" y="0"/>
+          <a:ext cx="0" cy="0"/>
+          <a:chOff x="0" y="0"/>
+          <a:chExt cx="0" cy="0"/>
+        </a:xfrm>
+      </p:grpSpPr>
+      <p:sp>
+        <p:nvSpPr>
+          <p:cNvPr id="6" name="Foliennummernplatzhalter 5"/>
+          <p:cNvSpPr>
+            <a:spLocks noGrp="1"/>
+          </p:cNvSpPr>
+          <p:nvPr>
+            <p:ph type="sldNum" sz="quarter" idx="4"/>
+          </p:nvPr>
+        </p:nvSpPr>
+        <p:spPr/>
+        <p:txBody>
+          <a:bodyPr/>
+          <a:lstStyle/>
+          <a:p>
+            <a:fld id="{F9CA7F02-FF28-4D8F-AF3B-6C950C783A54}" type="slidenum">
+              <a:rPr lang="de-DE" smtClean="0"/>
+              <a:pPr/>
+              <a:t>7</a:t>
+            </a:fld>
+            <a:endParaRPr lang="de-DE"/>
+          </a:p>
+        </p:txBody>
+      </p:sp>
+      <p:sp>
+        <p:nvSpPr>
+          <p:cNvPr id="3" name="Titel 2"/>
+          <p:cNvSpPr>
+            <a:spLocks noGrp="1"/>
+          </p:cNvSpPr>
+          <p:nvPr>
+            <p:ph type="title"/>
+          </p:nvPr>
+        </p:nvSpPr>
+        <p:spPr/>
+        <p:txBody>
+          <a:bodyPr/>
+          <a:lstStyle/>
+          <a:p>
+            <a:r>
+              <a:rPr lang="de-DE" dirty="0"/>
+              <a:t>BLOOM-FILTER</a:t>
+            </a:r>
+          </a:p>
+        </p:txBody>
+      </p:sp>
+      <p:sp>
+        <p:nvSpPr>
+          <p:cNvPr id="4" name="Inhaltsplatzhalter 3"/>
+          <p:cNvSpPr>
+            <a:spLocks noGrp="1"/>
+          </p:cNvSpPr>
+          <p:nvPr>
+            <p:ph sz="quarter" idx="13"/>
+          </p:nvPr>
+        </p:nvSpPr>
+        <p:spPr>
+          <a:xfrm>
+            <a:off x="936000" y="699542"/>
+            <a:ext cx="7308000" cy="429622"/>
+          </a:xfrm>
+        </p:spPr>
+        <p:txBody>
+          <a:bodyPr/>
+          <a:lstStyle/>
+          <a:p>
+            <a:r>
+              <a:rPr lang="de-DE" dirty="0"/>
+              <a:t>Funktionsweise und Operationen</a:t>
+            </a:r>
+          </a:p>
+        </p:txBody>
+      </p:sp>
+      <p:sp>
+        <p:nvSpPr>
+          <p:cNvPr id="7" name="Fußzeilenplatzhalter 6"/>
+          <p:cNvSpPr>
+            <a:spLocks noGrp="1"/>
+          </p:cNvSpPr>
+          <p:nvPr>
+            <p:ph type="ftr" sz="quarter" idx="3"/>
+          </p:nvPr>
+        </p:nvSpPr>
+        <p:spPr/>
+        <p:txBody>
+          <a:bodyPr/>
+          <a:lstStyle/>
+          <a:p>
+            <a:r>
+              <a:rPr lang="de-DE" dirty="0"/>
+              <a:t>TU Bergakademie Freiberg | Vortragender: Florian Schierz | 2022</a:t>
+            </a:r>
+          </a:p>
+        </p:txBody>
+      </p:sp>
+      <p:sp>
+        <p:nvSpPr>
+          <p:cNvPr id="8" name="Textfeld 7">
+            <a:extLst>
+              <a:ext uri="{FF2B5EF4-FFF2-40B4-BE49-F238E27FC236}">
+                <a16:creationId xmlns:a16="http://schemas.microsoft.com/office/drawing/2014/main" id="{7162C9EA-9725-333A-21C5-65FC349B92B6}"/>
+              </a:ext>
+            </a:extLst>
+          </p:cNvPr>
+          <p:cNvSpPr txBox="1"/>
+          <p:nvPr/>
+        </p:nvSpPr>
+        <p:spPr>
+          <a:xfrm>
+            <a:off x="611560" y="1203598"/>
+            <a:ext cx="7776864" cy="369332"/>
+          </a:xfrm>
+          <a:prstGeom prst="rect">
+            <a:avLst/>
+          </a:prstGeom>
+          <a:noFill/>
+        </p:spPr>
+        <p:txBody>
+          <a:bodyPr wrap="square" rtlCol="0">
+            <a:spAutoFit/>
+          </a:bodyPr>
+          <a:lstStyle/>
+          <a:p>
+            <a:r>
+              <a:rPr lang="de-DE" dirty="0">
+                <a:solidFill>
+                  <a:srgbClr val="000000"/>
+                </a:solidFill>
+              </a:rPr>
+              <a:t>Zeit pro Einfügen (in s) in Abhängigkeit der Anzahl Hashfunktionen</a:t>
+            </a:r>
+          </a:p>
+        </p:txBody>
+      </p:sp>
+      <p:pic>
+        <p:nvPicPr>
+          <p:cNvPr id="11" name="Grafik 10">
+            <a:extLst>
+              <a:ext uri="{FF2B5EF4-FFF2-40B4-BE49-F238E27FC236}">
+                <a16:creationId xmlns:a16="http://schemas.microsoft.com/office/drawing/2014/main" id="{AC053308-FAE9-61CF-6247-02157C27B068}"/>
+              </a:ext>
+            </a:extLst>
+          </p:cNvPr>
+          <p:cNvPicPr>
+            <a:picLocks noChangeAspect="1"/>
+          </p:cNvPicPr>
+          <p:nvPr/>
+        </p:nvPicPr>
+        <p:blipFill>
+          <a:blip r:embed="rId2" cstate="print">
+            <a:extLst>
+              <a:ext uri="{28A0092B-C50C-407E-A947-70E740481C1C}">
+                <a14:useLocalDpi xmlns:a14="http://schemas.microsoft.com/office/drawing/2010/main" val="0"/>
+              </a:ext>
+            </a:extLst>
+          </a:blip>
+          <a:stretch>
+            <a:fillRect/>
+          </a:stretch>
+        </p:blipFill>
+        <p:spPr>
+          <a:xfrm>
+            <a:off x="1187624" y="1518458"/>
+            <a:ext cx="6624736" cy="3136399"/>
+          </a:xfrm>
+          <a:prstGeom prst="rect">
+            <a:avLst/>
+          </a:prstGeom>
+        </p:spPr>
+      </p:pic>
+    </p:spTree>
+    <p:extLst>
+      <p:ext uri="{BB962C8B-B14F-4D97-AF65-F5344CB8AC3E}">
+        <p14:creationId xmlns:p14="http://schemas.microsoft.com/office/powerpoint/2010/main" val="1232394128"/>
+      </p:ext>
+    </p:extLst>
+  </p:cSld>
+  <p:clrMapOvr>
+    <a:masterClrMapping/>
+  </p:clrMapOvr>
+</p:sld>
+</file>
+
+<file path=ppt/slides/slide8.xml><?xml version="1.0" encoding="utf-8"?>
 <p:sld xmlns:a="http://schemas.openxmlformats.org/drawingml/2006/main" xmlns:r="http://schemas.openxmlformats.org/officeDocument/2006/relationships" xmlns:p="http://schemas.openxmlformats.org/presentationml/2006/main">
   <p:cSld>
     <p:spTree>
@@ -15405,7 +17151,7 @@
             <a:fld id="{F9CA7F02-FF28-4D8F-AF3B-6C950C783A54}" type="slidenum">
               <a:rPr lang="de-DE" smtClean="0"/>
               <a:pPr/>
-              <a:t>7</a:t>
+              <a:t>8</a:t>
             </a:fld>
             <a:endParaRPr lang="de-DE"/>
           </a:p>
@@ -15909,339 +17655,6 @@
 </p:sld>
 </file>
 
-<file path=ppt/slides/slide8.xml><?xml version="1.0" encoding="utf-8"?>
-<p:sld xmlns:a="http://schemas.openxmlformats.org/drawingml/2006/main" xmlns:r="http://schemas.openxmlformats.org/officeDocument/2006/relationships" xmlns:p="http://schemas.openxmlformats.org/presentationml/2006/main">
-  <p:cSld>
-    <p:spTree>
-      <p:nvGrpSpPr>
-        <p:cNvPr id="1" name=""/>
-        <p:cNvGrpSpPr/>
-        <p:nvPr/>
-      </p:nvGrpSpPr>
-      <p:grpSpPr>
-        <a:xfrm>
-          <a:off x="0" y="0"/>
-          <a:ext cx="0" cy="0"/>
-          <a:chOff x="0" y="0"/>
-          <a:chExt cx="0" cy="0"/>
-        </a:xfrm>
-      </p:grpSpPr>
-      <p:sp>
-        <p:nvSpPr>
-          <p:cNvPr id="6" name="Foliennummernplatzhalter 5"/>
-          <p:cNvSpPr>
-            <a:spLocks noGrp="1"/>
-          </p:cNvSpPr>
-          <p:nvPr>
-            <p:ph type="sldNum" sz="quarter" idx="4"/>
-          </p:nvPr>
-        </p:nvSpPr>
-        <p:spPr/>
-        <p:txBody>
-          <a:bodyPr/>
-          <a:lstStyle/>
-          <a:p>
-            <a:fld id="{F9CA7F02-FF28-4D8F-AF3B-6C950C783A54}" type="slidenum">
-              <a:rPr lang="de-DE" smtClean="0"/>
-              <a:pPr/>
-              <a:t>8</a:t>
-            </a:fld>
-            <a:endParaRPr lang="de-DE"/>
-          </a:p>
-        </p:txBody>
-      </p:sp>
-      <p:sp>
-        <p:nvSpPr>
-          <p:cNvPr id="3" name="Titel 2"/>
-          <p:cNvSpPr>
-            <a:spLocks noGrp="1"/>
-          </p:cNvSpPr>
-          <p:nvPr>
-            <p:ph type="title"/>
-          </p:nvPr>
-        </p:nvSpPr>
-        <p:spPr/>
-        <p:txBody>
-          <a:bodyPr/>
-          <a:lstStyle/>
-          <a:p>
-            <a:r>
-              <a:rPr lang="de-DE" dirty="0"/>
-              <a:t>BLOOM-FILTER</a:t>
-            </a:r>
-          </a:p>
-        </p:txBody>
-      </p:sp>
-      <p:sp>
-        <p:nvSpPr>
-          <p:cNvPr id="4" name="Inhaltsplatzhalter 3"/>
-          <p:cNvSpPr>
-            <a:spLocks noGrp="1"/>
-          </p:cNvSpPr>
-          <p:nvPr>
-            <p:ph sz="quarter" idx="13"/>
-          </p:nvPr>
-        </p:nvSpPr>
-        <p:spPr>
-          <a:xfrm>
-            <a:off x="936000" y="699542"/>
-            <a:ext cx="7308000" cy="429622"/>
-          </a:xfrm>
-        </p:spPr>
-        <p:txBody>
-          <a:bodyPr/>
-          <a:lstStyle/>
-          <a:p>
-            <a:r>
-              <a:rPr lang="de-DE" dirty="0"/>
-              <a:t>Funktionsweise und Operationen</a:t>
-            </a:r>
-          </a:p>
-        </p:txBody>
-      </p:sp>
-      <p:sp>
-        <p:nvSpPr>
-          <p:cNvPr id="7" name="Fußzeilenplatzhalter 6"/>
-          <p:cNvSpPr>
-            <a:spLocks noGrp="1"/>
-          </p:cNvSpPr>
-          <p:nvPr>
-            <p:ph type="ftr" sz="quarter" idx="3"/>
-          </p:nvPr>
-        </p:nvSpPr>
-        <p:spPr/>
-        <p:txBody>
-          <a:bodyPr/>
-          <a:lstStyle/>
-          <a:p>
-            <a:r>
-              <a:rPr lang="de-DE" dirty="0"/>
-              <a:t>TU Bergakademie Freiberg | Vortragender: Florian Schierz | 2022</a:t>
-            </a:r>
-          </a:p>
-        </p:txBody>
-      </p:sp>
-      <p:sp>
-        <p:nvSpPr>
-          <p:cNvPr id="8" name="Textfeld 7">
-            <a:extLst>
-              <a:ext uri="{FF2B5EF4-FFF2-40B4-BE49-F238E27FC236}">
-                <a16:creationId xmlns:a16="http://schemas.microsoft.com/office/drawing/2014/main" id="{7162C9EA-9725-333A-21C5-65FC349B92B6}"/>
-              </a:ext>
-            </a:extLst>
-          </p:cNvPr>
-          <p:cNvSpPr txBox="1"/>
-          <p:nvPr/>
-        </p:nvSpPr>
-        <p:spPr>
-          <a:xfrm>
-            <a:off x="611560" y="1203598"/>
-            <a:ext cx="4968552" cy="1200329"/>
-          </a:xfrm>
-          <a:prstGeom prst="rect">
-            <a:avLst/>
-          </a:prstGeom>
-          <a:noFill/>
-        </p:spPr>
-        <p:txBody>
-          <a:bodyPr wrap="square" rtlCol="0">
-            <a:spAutoFit/>
-          </a:bodyPr>
-          <a:lstStyle/>
-          <a:p>
-            <a:pPr marL="285750" indent="-285750">
-              <a:buFont typeface="Arial" panose="020B0604020202020204" pitchFamily="34" charset="0"/>
-              <a:buChar char="•"/>
-            </a:pPr>
-            <a:r>
-              <a:rPr lang="de-DE" b="1" u="sng" dirty="0"/>
-              <a:t>Optimale Wahl der Parameter:</a:t>
-            </a:r>
-            <a:endParaRPr lang="de-DE" dirty="0"/>
-          </a:p>
-          <a:p>
-            <a:pPr marL="742950" lvl="1" indent="-285750">
-              <a:buFont typeface="Arial" panose="020B0604020202020204" pitchFamily="34" charset="0"/>
-              <a:buChar char="•"/>
-            </a:pPr>
-            <a:r>
-              <a:rPr lang="de-DE" b="1" dirty="0">
-                <a:solidFill>
-                  <a:srgbClr val="000000"/>
-                </a:solidFill>
-              </a:rPr>
-              <a:t>m </a:t>
-            </a:r>
-            <a:r>
-              <a:rPr lang="de-DE" dirty="0">
-                <a:solidFill>
-                  <a:srgbClr val="000000"/>
-                </a:solidFill>
-              </a:rPr>
-              <a:t>Bit Länge</a:t>
-            </a:r>
-          </a:p>
-          <a:p>
-            <a:pPr marL="742950" lvl="1" indent="-285750">
-              <a:buFont typeface="Arial" panose="020B0604020202020204" pitchFamily="34" charset="0"/>
-              <a:buChar char="•"/>
-            </a:pPr>
-            <a:r>
-              <a:rPr lang="de-DE" b="1" dirty="0">
-                <a:solidFill>
-                  <a:srgbClr val="000000"/>
-                </a:solidFill>
-              </a:rPr>
-              <a:t>n</a:t>
-            </a:r>
-            <a:r>
-              <a:rPr lang="de-DE" dirty="0">
-                <a:solidFill>
-                  <a:srgbClr val="000000"/>
-                </a:solidFill>
-              </a:rPr>
-              <a:t> einzufügende Elemente</a:t>
-            </a:r>
-          </a:p>
-          <a:p>
-            <a:endParaRPr lang="de-DE" dirty="0"/>
-          </a:p>
-        </p:txBody>
-      </p:sp>
-      <p:sp>
-        <p:nvSpPr>
-          <p:cNvPr id="9" name="Textfeld 8">
-            <a:extLst>
-              <a:ext uri="{FF2B5EF4-FFF2-40B4-BE49-F238E27FC236}">
-                <a16:creationId xmlns:a16="http://schemas.microsoft.com/office/drawing/2014/main" id="{67A2B410-6F02-6467-D0F2-FC98B4BF0279}"/>
-              </a:ext>
-            </a:extLst>
-          </p:cNvPr>
-          <p:cNvSpPr txBox="1"/>
-          <p:nvPr/>
-        </p:nvSpPr>
-        <p:spPr>
-          <a:xfrm>
-            <a:off x="3491880" y="1203598"/>
-            <a:ext cx="4968552" cy="1200329"/>
-          </a:xfrm>
-          <a:prstGeom prst="rect">
-            <a:avLst/>
-          </a:prstGeom>
-          <a:noFill/>
-        </p:spPr>
-        <p:txBody>
-          <a:bodyPr wrap="square" rtlCol="0">
-            <a:spAutoFit/>
-          </a:bodyPr>
-          <a:lstStyle/>
-          <a:p>
-            <a:pPr marL="742950" lvl="1" indent="-285750">
-              <a:buFont typeface="Arial" panose="020B0604020202020204" pitchFamily="34" charset="0"/>
-              <a:buChar char="•"/>
-            </a:pPr>
-            <a:endParaRPr lang="de-DE" b="1" dirty="0"/>
-          </a:p>
-          <a:p>
-            <a:pPr marL="742950" lvl="1" indent="-285750">
-              <a:buFont typeface="Arial" panose="020B0604020202020204" pitchFamily="34" charset="0"/>
-              <a:buChar char="•"/>
-            </a:pPr>
-            <a:r>
-              <a:rPr lang="de-DE" b="1" dirty="0">
-                <a:solidFill>
-                  <a:srgbClr val="000000"/>
-                </a:solidFill>
-              </a:rPr>
-              <a:t>k</a:t>
-            </a:r>
-            <a:r>
-              <a:rPr lang="de-DE" dirty="0">
-                <a:solidFill>
-                  <a:srgbClr val="000000"/>
-                </a:solidFill>
-              </a:rPr>
-              <a:t> unabhängige Hash-Funktionen</a:t>
-            </a:r>
-          </a:p>
-          <a:p>
-            <a:pPr marL="742950" lvl="1" indent="-285750">
-              <a:buFont typeface="Arial" panose="020B0604020202020204" pitchFamily="34" charset="0"/>
-              <a:buChar char="•"/>
-            </a:pPr>
-            <a:r>
-              <a:rPr lang="de-DE" b="1" dirty="0">
-                <a:solidFill>
-                  <a:srgbClr val="000000"/>
-                </a:solidFill>
-              </a:rPr>
-              <a:t>FPP</a:t>
-            </a:r>
-            <a:r>
-              <a:rPr lang="de-DE" dirty="0">
-                <a:solidFill>
-                  <a:srgbClr val="000000"/>
-                </a:solidFill>
-              </a:rPr>
-              <a:t> Falsch-Positiv-Rate</a:t>
-            </a:r>
-          </a:p>
-          <a:p>
-            <a:endParaRPr lang="de-DE" dirty="0"/>
-          </a:p>
-        </p:txBody>
-      </p:sp>
-      <p:pic>
-        <p:nvPicPr>
-          <p:cNvPr id="5" name="Grafik 4">
-            <a:extLst>
-              <a:ext uri="{FF2B5EF4-FFF2-40B4-BE49-F238E27FC236}">
-                <a16:creationId xmlns:a16="http://schemas.microsoft.com/office/drawing/2014/main" id="{5F5E1ED9-596F-4228-4B29-EC7B4B603A1B}"/>
-              </a:ext>
-            </a:extLst>
-          </p:cNvPr>
-          <p:cNvPicPr>
-            <a:picLocks noChangeAspect="1"/>
-          </p:cNvPicPr>
-          <p:nvPr/>
-        </p:nvPicPr>
-        <p:blipFill rotWithShape="1">
-          <a:blip r:embed="rId2">
-            <a:extLst>
-              <a:ext uri="{28A0092B-C50C-407E-A947-70E740481C1C}">
-                <a14:useLocalDpi xmlns:a14="http://schemas.microsoft.com/office/drawing/2010/main" val="0"/>
-              </a:ext>
-              <a:ext uri="{96DAC541-7B7A-43D3-8B79-37D633B846F1}">
-                <asvg:svgBlip xmlns:asvg="http://schemas.microsoft.com/office/drawing/2016/SVG/main" r:embed="rId3"/>
-              </a:ext>
-            </a:extLst>
-          </a:blip>
-          <a:srcRect b="65400"/>
-          <a:stretch/>
-        </p:blipFill>
-        <p:spPr>
-          <a:xfrm>
-            <a:off x="1979712" y="2028532"/>
-            <a:ext cx="5544616" cy="2713373"/>
-          </a:xfrm>
-          <a:prstGeom prst="rect">
-            <a:avLst/>
-          </a:prstGeom>
-        </p:spPr>
-      </p:pic>
-    </p:spTree>
-    <p:extLst>
-      <p:ext uri="{BB962C8B-B14F-4D97-AF65-F5344CB8AC3E}">
-        <p14:creationId xmlns:p14="http://schemas.microsoft.com/office/powerpoint/2010/main" val="2763595447"/>
-      </p:ext>
-    </p:extLst>
-  </p:cSld>
-  <p:clrMapOvr>
-    <a:masterClrMapping/>
-  </p:clrMapOvr>
-</p:sld>
-</file>
-
 <file path=ppt/slides/slide9.xml><?xml version="1.0" encoding="utf-8"?>
 <p:sld xmlns:a="http://schemas.openxmlformats.org/drawingml/2006/main" xmlns:r="http://schemas.openxmlformats.org/officeDocument/2006/relationships" xmlns:p="http://schemas.openxmlformats.org/presentationml/2006/main">
   <p:cSld>
@@ -16369,7 +17782,7 @@
         <p:spPr>
           <a:xfrm>
             <a:off x="611560" y="1203598"/>
-            <a:ext cx="4968552" cy="1200329"/>
+            <a:ext cx="7776864" cy="369332"/>
           </a:xfrm>
           <a:prstGeom prst="rect">
             <a:avLst/>
@@ -16382,662 +17795,57 @@
           </a:bodyPr>
           <a:lstStyle/>
           <a:p>
-            <a:pPr marL="285750" indent="-285750">
-              <a:buFont typeface="Arial" panose="020B0604020202020204" pitchFamily="34" charset="0"/>
-              <a:buChar char="•"/>
-            </a:pPr>
-            <a:r>
-              <a:rPr lang="de-DE" b="1" u="sng" dirty="0"/>
-              <a:t>Optimale Wahl der Parameter:</a:t>
-            </a:r>
-          </a:p>
-          <a:p>
-            <a:pPr marL="742950" lvl="1" indent="-285750">
-              <a:buFont typeface="Arial" panose="020B0604020202020204" pitchFamily="34" charset="0"/>
-              <a:buChar char="•"/>
-            </a:pPr>
-            <a:r>
-              <a:rPr lang="de-DE" b="1" dirty="0">
+            <a:r>
+              <a:rPr lang="de-DE" dirty="0">
                 <a:solidFill>
                   <a:srgbClr val="000000"/>
                 </a:solidFill>
               </a:rPr>
-              <a:t>m </a:t>
-            </a:r>
-            <a:r>
-              <a:rPr lang="de-DE" dirty="0">
-                <a:solidFill>
-                  <a:srgbClr val="000000"/>
-                </a:solidFill>
-              </a:rPr>
-              <a:t>Bit Länge</a:t>
-            </a:r>
-          </a:p>
-          <a:p>
-            <a:pPr marL="742950" lvl="1" indent="-285750">
-              <a:buFont typeface="Arial" panose="020B0604020202020204" pitchFamily="34" charset="0"/>
-              <a:buChar char="•"/>
-            </a:pPr>
-            <a:r>
-              <a:rPr lang="de-DE" b="1" dirty="0">
-                <a:solidFill>
-                  <a:srgbClr val="000000"/>
-                </a:solidFill>
-              </a:rPr>
-              <a:t>n</a:t>
-            </a:r>
-            <a:r>
-              <a:rPr lang="de-DE" dirty="0">
-                <a:solidFill>
-                  <a:srgbClr val="000000"/>
-                </a:solidFill>
-              </a:rPr>
-              <a:t> einzufügende Elemente</a:t>
-            </a:r>
-          </a:p>
-          <a:p>
-            <a:endParaRPr lang="de-DE" dirty="0"/>
-          </a:p>
-        </p:txBody>
-      </p:sp>
-      <p:sp>
-        <p:nvSpPr>
-          <p:cNvPr id="9" name="Textfeld 8">
+              <a:t>Zeit pro Prüfen (in s) in Abhängigkeit der Anzahl Hashfunktionen k (nur positiv)</a:t>
+            </a:r>
+          </a:p>
+        </p:txBody>
+      </p:sp>
+      <p:pic>
+        <p:nvPicPr>
+          <p:cNvPr id="5" name="Grafik 4">
             <a:extLst>
               <a:ext uri="{FF2B5EF4-FFF2-40B4-BE49-F238E27FC236}">
-                <a16:creationId xmlns:a16="http://schemas.microsoft.com/office/drawing/2014/main" id="{67A2B410-6F02-6467-D0F2-FC98B4BF0279}"/>
+                <a16:creationId xmlns:a16="http://schemas.microsoft.com/office/drawing/2014/main" id="{F59E373E-1D20-5213-941B-22A018782E67}"/>
               </a:ext>
             </a:extLst>
           </p:cNvPr>
-          <p:cNvSpPr txBox="1"/>
+          <p:cNvPicPr>
+            <a:picLocks noChangeAspect="1"/>
+          </p:cNvPicPr>
           <p:nvPr/>
-        </p:nvSpPr>
+        </p:nvPicPr>
+        <p:blipFill>
+          <a:blip r:embed="rId2" cstate="print">
+            <a:extLst>
+              <a:ext uri="{28A0092B-C50C-407E-A947-70E740481C1C}">
+                <a14:useLocalDpi xmlns:a14="http://schemas.microsoft.com/office/drawing/2010/main" val="0"/>
+              </a:ext>
+            </a:extLst>
+          </a:blip>
+          <a:stretch>
+            <a:fillRect/>
+          </a:stretch>
+        </p:blipFill>
         <p:spPr>
           <a:xfrm>
-            <a:off x="3491880" y="1203598"/>
-            <a:ext cx="4968552" cy="1200329"/>
+            <a:off x="1259632" y="1522762"/>
+            <a:ext cx="6474377" cy="3065212"/>
           </a:xfrm>
           <a:prstGeom prst="rect">
             <a:avLst/>
           </a:prstGeom>
-          <a:noFill/>
         </p:spPr>
-        <p:txBody>
-          <a:bodyPr wrap="square" rtlCol="0">
-            <a:spAutoFit/>
-          </a:bodyPr>
-          <a:lstStyle/>
-          <a:p>
-            <a:pPr marL="742950" lvl="1" indent="-285750">
-              <a:buFont typeface="Arial" panose="020B0604020202020204" pitchFamily="34" charset="0"/>
-              <a:buChar char="•"/>
-            </a:pPr>
-            <a:endParaRPr lang="de-DE" b="1" dirty="0"/>
-          </a:p>
-          <a:p>
-            <a:pPr marL="742950" lvl="1" indent="-285750">
-              <a:buFont typeface="Arial" panose="020B0604020202020204" pitchFamily="34" charset="0"/>
-              <a:buChar char="•"/>
-            </a:pPr>
-            <a:r>
-              <a:rPr lang="de-DE" b="1" dirty="0">
-                <a:solidFill>
-                  <a:srgbClr val="000000"/>
-                </a:solidFill>
-              </a:rPr>
-              <a:t>k</a:t>
-            </a:r>
-            <a:r>
-              <a:rPr lang="de-DE" dirty="0">
-                <a:solidFill>
-                  <a:srgbClr val="000000"/>
-                </a:solidFill>
-              </a:rPr>
-              <a:t> unabhängige Hash-Funktionen</a:t>
-            </a:r>
-          </a:p>
-          <a:p>
-            <a:pPr marL="742950" lvl="1" indent="-285750">
-              <a:buFont typeface="Arial" panose="020B0604020202020204" pitchFamily="34" charset="0"/>
-              <a:buChar char="•"/>
-            </a:pPr>
-            <a:r>
-              <a:rPr lang="de-DE" b="1" dirty="0">
-                <a:solidFill>
-                  <a:srgbClr val="000000"/>
-                </a:solidFill>
-              </a:rPr>
-              <a:t>FPP</a:t>
-            </a:r>
-            <a:r>
-              <a:rPr lang="de-DE" dirty="0">
-                <a:solidFill>
-                  <a:srgbClr val="000000"/>
-                </a:solidFill>
-              </a:rPr>
-              <a:t> Falsch-Positiv-Rate</a:t>
-            </a:r>
-          </a:p>
-          <a:p>
-            <a:endParaRPr lang="de-DE" dirty="0"/>
-          </a:p>
-        </p:txBody>
-      </p:sp>
-      <mc:AlternateContent xmlns:mc="http://schemas.openxmlformats.org/markup-compatibility/2006" xmlns:a14="http://schemas.microsoft.com/office/drawing/2010/main">
-        <mc:Choice Requires="a14">
-          <p:sp>
-            <p:nvSpPr>
-              <p:cNvPr id="11" name="Textfeld 10">
-                <a:extLst>
-                  <a:ext uri="{FF2B5EF4-FFF2-40B4-BE49-F238E27FC236}">
-                    <a16:creationId xmlns:a16="http://schemas.microsoft.com/office/drawing/2014/main" id="{57246031-85FF-B68C-2B65-72CEF1D1848F}"/>
-                  </a:ext>
-                </a:extLst>
-              </p:cNvPr>
-              <p:cNvSpPr txBox="1"/>
-              <p:nvPr/>
-            </p:nvSpPr>
-            <p:spPr>
-              <a:xfrm>
-                <a:off x="611560" y="2307525"/>
-                <a:ext cx="7920880" cy="2950167"/>
-              </a:xfrm>
-              <a:prstGeom prst="rect">
-                <a:avLst/>
-              </a:prstGeom>
-              <a:noFill/>
-            </p:spPr>
-            <p:txBody>
-              <a:bodyPr wrap="square" rtlCol="0">
-                <a:spAutoFit/>
-              </a:bodyPr>
-              <a:lstStyle/>
-              <a:p>
-                <a:r>
-                  <a:rPr lang="de-DE" dirty="0">
-                    <a:solidFill>
-                      <a:srgbClr val="000000"/>
-                    </a:solidFill>
-                  </a:rPr>
-                  <a:t>Wahrscheinlichkeit für ein Bit, noch Null zu sein: [5]</a:t>
-                </a:r>
-              </a:p>
-              <a:p>
-                <a:pPr/>
-                <a14:m>
-                  <m:oMathPara xmlns:m="http://schemas.openxmlformats.org/officeDocument/2006/math">
-                    <m:oMathParaPr>
-                      <m:jc m:val="centerGroup"/>
-                    </m:oMathParaPr>
-                    <m:oMath xmlns:m="http://schemas.openxmlformats.org/officeDocument/2006/math">
-                      <m:sSup>
-                        <m:sSupPr>
-                          <m:ctrlPr>
-                            <a:rPr lang="de-DE" b="0" i="1" smtClean="0">
-                              <a:solidFill>
-                                <a:srgbClr val="000000"/>
-                              </a:solidFill>
-                              <a:latin typeface="Cambria Math" panose="02040503050406030204" pitchFamily="18" charset="0"/>
-                            </a:rPr>
-                          </m:ctrlPr>
-                        </m:sSupPr>
-                        <m:e>
-                          <m:d>
-                            <m:dPr>
-                              <m:ctrlPr>
-                                <a:rPr lang="de-DE" b="0" i="1" smtClean="0">
-                                  <a:solidFill>
-                                    <a:srgbClr val="000000"/>
-                                  </a:solidFill>
-                                  <a:latin typeface="Cambria Math" panose="02040503050406030204" pitchFamily="18" charset="0"/>
-                                </a:rPr>
-                              </m:ctrlPr>
-                            </m:dPr>
-                            <m:e>
-                              <m:r>
-                                <a:rPr lang="de-DE" b="0" i="1" smtClean="0">
-                                  <a:solidFill>
-                                    <a:srgbClr val="000000"/>
-                                  </a:solidFill>
-                                  <a:latin typeface="Cambria Math" panose="02040503050406030204" pitchFamily="18" charset="0"/>
-                                </a:rPr>
-                                <m:t>1−</m:t>
-                              </m:r>
-                              <m:f>
-                                <m:fPr>
-                                  <m:ctrlPr>
-                                    <a:rPr lang="de-DE" b="0" i="1" smtClean="0">
-                                      <a:solidFill>
-                                        <a:srgbClr val="000000"/>
-                                      </a:solidFill>
-                                      <a:latin typeface="Cambria Math" panose="02040503050406030204" pitchFamily="18" charset="0"/>
-                                    </a:rPr>
-                                  </m:ctrlPr>
-                                </m:fPr>
-                                <m:num>
-                                  <m:r>
-                                    <a:rPr lang="de-DE" b="0" i="1" smtClean="0">
-                                      <a:solidFill>
-                                        <a:srgbClr val="000000"/>
-                                      </a:solidFill>
-                                      <a:latin typeface="Cambria Math" panose="02040503050406030204" pitchFamily="18" charset="0"/>
-                                    </a:rPr>
-                                    <m:t>1</m:t>
-                                  </m:r>
-                                </m:num>
-                                <m:den>
-                                  <m:r>
-                                    <a:rPr lang="de-DE" b="0" i="1" smtClean="0">
-                                      <a:solidFill>
-                                        <a:srgbClr val="000000"/>
-                                      </a:solidFill>
-                                      <a:latin typeface="Cambria Math" panose="02040503050406030204" pitchFamily="18" charset="0"/>
-                                    </a:rPr>
-                                    <m:t>𝑚</m:t>
-                                  </m:r>
-                                </m:den>
-                              </m:f>
-                            </m:e>
-                          </m:d>
-                        </m:e>
-                        <m:sup>
-                          <m:r>
-                            <a:rPr lang="de-DE" b="0" i="1" smtClean="0">
-                              <a:solidFill>
-                                <a:srgbClr val="000000"/>
-                              </a:solidFill>
-                              <a:latin typeface="Cambria Math" panose="02040503050406030204" pitchFamily="18" charset="0"/>
-                            </a:rPr>
-                            <m:t>𝑘𝑛</m:t>
-                          </m:r>
-                        </m:sup>
-                      </m:sSup>
-                    </m:oMath>
-                  </m:oMathPara>
-                </a14:m>
-                <a:endParaRPr lang="de-DE" b="0" dirty="0">
-                  <a:solidFill>
-                    <a:srgbClr val="000000"/>
-                  </a:solidFill>
-                </a:endParaRPr>
-              </a:p>
-              <a:p>
-                <a:r>
-                  <a:rPr lang="de-DE" dirty="0">
-                    <a:solidFill>
-                      <a:srgbClr val="000000"/>
-                    </a:solidFill>
-                  </a:rPr>
-                  <a:t>Somit ist die Wahrscheinlichkeit für k Einsen (FPP): [5]</a:t>
-                </a:r>
-              </a:p>
-              <a:p>
-                <a:pPr/>
-                <a14:m>
-                  <m:oMathPara xmlns:m="http://schemas.openxmlformats.org/officeDocument/2006/math">
-                    <m:oMathParaPr>
-                      <m:jc m:val="centerGroup"/>
-                    </m:oMathParaPr>
-                    <m:oMath xmlns:m="http://schemas.openxmlformats.org/officeDocument/2006/math">
-                      <m:r>
-                        <a:rPr lang="de-DE" b="0" i="1" smtClean="0">
-                          <a:solidFill>
-                            <a:srgbClr val="000000"/>
-                          </a:solidFill>
-                          <a:latin typeface="Cambria Math" panose="02040503050406030204" pitchFamily="18" charset="0"/>
-                        </a:rPr>
-                        <m:t>𝐹𝑃𝑃</m:t>
-                      </m:r>
-                      <m:r>
-                        <a:rPr lang="de-DE" b="0" i="1" smtClean="0">
-                          <a:solidFill>
-                            <a:srgbClr val="000000"/>
-                          </a:solidFill>
-                          <a:latin typeface="Cambria Math" panose="02040503050406030204" pitchFamily="18" charset="0"/>
-                        </a:rPr>
-                        <m:t>=</m:t>
-                      </m:r>
-                      <m:sSup>
-                        <m:sSupPr>
-                          <m:ctrlPr>
-                            <a:rPr lang="de-DE" b="0" i="1" smtClean="0">
-                              <a:solidFill>
-                                <a:srgbClr val="000000"/>
-                              </a:solidFill>
-                              <a:latin typeface="Cambria Math" panose="02040503050406030204" pitchFamily="18" charset="0"/>
-                            </a:rPr>
-                          </m:ctrlPr>
-                        </m:sSupPr>
-                        <m:e>
-                          <m:d>
-                            <m:dPr>
-                              <m:ctrlPr>
-                                <a:rPr lang="de-DE" i="1">
-                                  <a:solidFill>
-                                    <a:srgbClr val="000000"/>
-                                  </a:solidFill>
-                                  <a:latin typeface="Cambria Math" panose="02040503050406030204" pitchFamily="18" charset="0"/>
-                                </a:rPr>
-                              </m:ctrlPr>
-                            </m:dPr>
-                            <m:e>
-                              <m:r>
-                                <a:rPr lang="de-DE" i="1">
-                                  <a:solidFill>
-                                    <a:srgbClr val="000000"/>
-                                  </a:solidFill>
-                                  <a:latin typeface="Cambria Math" panose="02040503050406030204" pitchFamily="18" charset="0"/>
-                                </a:rPr>
-                                <m:t>1−</m:t>
-                              </m:r>
-                              <m:sSup>
-                                <m:sSupPr>
-                                  <m:ctrlPr>
-                                    <a:rPr lang="de-DE" i="1">
-                                      <a:solidFill>
-                                        <a:srgbClr val="000000"/>
-                                      </a:solidFill>
-                                      <a:latin typeface="Cambria Math" panose="02040503050406030204" pitchFamily="18" charset="0"/>
-                                    </a:rPr>
-                                  </m:ctrlPr>
-                                </m:sSupPr>
-                                <m:e>
-                                  <m:d>
-                                    <m:dPr>
-                                      <m:ctrlPr>
-                                        <a:rPr lang="de-DE" i="1">
-                                          <a:solidFill>
-                                            <a:srgbClr val="000000"/>
-                                          </a:solidFill>
-                                          <a:latin typeface="Cambria Math" panose="02040503050406030204" pitchFamily="18" charset="0"/>
-                                        </a:rPr>
-                                      </m:ctrlPr>
-                                    </m:dPr>
-                                    <m:e>
-                                      <m:r>
-                                        <a:rPr lang="de-DE" i="1">
-                                          <a:solidFill>
-                                            <a:srgbClr val="000000"/>
-                                          </a:solidFill>
-                                          <a:latin typeface="Cambria Math" panose="02040503050406030204" pitchFamily="18" charset="0"/>
-                                        </a:rPr>
-                                        <m:t>1−</m:t>
-                                      </m:r>
-                                      <m:f>
-                                        <m:fPr>
-                                          <m:ctrlPr>
-                                            <a:rPr lang="de-DE" i="1">
-                                              <a:solidFill>
-                                                <a:srgbClr val="000000"/>
-                                              </a:solidFill>
-                                              <a:latin typeface="Cambria Math" panose="02040503050406030204" pitchFamily="18" charset="0"/>
-                                            </a:rPr>
-                                          </m:ctrlPr>
-                                        </m:fPr>
-                                        <m:num>
-                                          <m:r>
-                                            <a:rPr lang="de-DE" i="1">
-                                              <a:solidFill>
-                                                <a:srgbClr val="000000"/>
-                                              </a:solidFill>
-                                              <a:latin typeface="Cambria Math" panose="02040503050406030204" pitchFamily="18" charset="0"/>
-                                            </a:rPr>
-                                            <m:t>1</m:t>
-                                          </m:r>
-                                        </m:num>
-                                        <m:den>
-                                          <m:r>
-                                            <a:rPr lang="de-DE" i="1">
-                                              <a:solidFill>
-                                                <a:srgbClr val="000000"/>
-                                              </a:solidFill>
-                                              <a:latin typeface="Cambria Math" panose="02040503050406030204" pitchFamily="18" charset="0"/>
-                                            </a:rPr>
-                                            <m:t>𝑚</m:t>
-                                          </m:r>
-                                        </m:den>
-                                      </m:f>
-                                    </m:e>
-                                  </m:d>
-                                </m:e>
-                                <m:sup>
-                                  <m:r>
-                                    <a:rPr lang="de-DE" i="1">
-                                      <a:solidFill>
-                                        <a:srgbClr val="000000"/>
-                                      </a:solidFill>
-                                      <a:latin typeface="Cambria Math" panose="02040503050406030204" pitchFamily="18" charset="0"/>
-                                    </a:rPr>
-                                    <m:t>𝑛𝑘</m:t>
-                                  </m:r>
-                                </m:sup>
-                              </m:sSup>
-                            </m:e>
-                          </m:d>
-                        </m:e>
-                        <m:sup>
-                          <m:r>
-                            <a:rPr lang="de-DE" b="0" i="1" smtClean="0">
-                              <a:solidFill>
-                                <a:srgbClr val="000000"/>
-                              </a:solidFill>
-                              <a:latin typeface="Cambria Math" panose="02040503050406030204" pitchFamily="18" charset="0"/>
-                            </a:rPr>
-                            <m:t>𝑘</m:t>
-                          </m:r>
-                        </m:sup>
-                      </m:sSup>
-                      <m:r>
-                        <a:rPr lang="de-DE" b="0" i="1" smtClean="0">
-                          <a:solidFill>
-                            <a:srgbClr val="000000"/>
-                          </a:solidFill>
-                          <a:latin typeface="Cambria Math" panose="02040503050406030204" pitchFamily="18" charset="0"/>
-                          <a:ea typeface="Cambria Math" panose="02040503050406030204" pitchFamily="18" charset="0"/>
-                        </a:rPr>
-                        <m:t>≈ </m:t>
-                      </m:r>
-                      <m:sSup>
-                        <m:sSupPr>
-                          <m:ctrlPr>
-                            <a:rPr lang="de-DE" b="0" i="1" smtClean="0">
-                              <a:solidFill>
-                                <a:srgbClr val="000000"/>
-                              </a:solidFill>
-                              <a:latin typeface="Cambria Math" panose="02040503050406030204" pitchFamily="18" charset="0"/>
-                              <a:ea typeface="Cambria Math" panose="02040503050406030204" pitchFamily="18" charset="0"/>
-                            </a:rPr>
-                          </m:ctrlPr>
-                        </m:sSupPr>
-                        <m:e>
-                          <m:d>
-                            <m:dPr>
-                              <m:ctrlPr>
-                                <a:rPr lang="de-DE" b="0" i="1" smtClean="0">
-                                  <a:solidFill>
-                                    <a:srgbClr val="000000"/>
-                                  </a:solidFill>
-                                  <a:latin typeface="Cambria Math" panose="02040503050406030204" pitchFamily="18" charset="0"/>
-                                  <a:ea typeface="Cambria Math" panose="02040503050406030204" pitchFamily="18" charset="0"/>
-                                </a:rPr>
-                              </m:ctrlPr>
-                            </m:dPr>
-                            <m:e>
-                              <m:r>
-                                <a:rPr lang="de-DE" b="0" i="1" smtClean="0">
-                                  <a:solidFill>
-                                    <a:srgbClr val="000000"/>
-                                  </a:solidFill>
-                                  <a:latin typeface="Cambria Math" panose="02040503050406030204" pitchFamily="18" charset="0"/>
-                                  <a:ea typeface="Cambria Math" panose="02040503050406030204" pitchFamily="18" charset="0"/>
-                                </a:rPr>
-                                <m:t>1−</m:t>
-                              </m:r>
-                              <m:sSup>
-                                <m:sSupPr>
-                                  <m:ctrlPr>
-                                    <a:rPr lang="de-DE" b="0" i="1" smtClean="0">
-                                      <a:solidFill>
-                                        <a:srgbClr val="000000"/>
-                                      </a:solidFill>
-                                      <a:latin typeface="Cambria Math" panose="02040503050406030204" pitchFamily="18" charset="0"/>
-                                      <a:ea typeface="Cambria Math" panose="02040503050406030204" pitchFamily="18" charset="0"/>
-                                    </a:rPr>
-                                  </m:ctrlPr>
-                                </m:sSupPr>
-                                <m:e>
-                                  <m:r>
-                                    <a:rPr lang="de-DE" b="0" i="1" smtClean="0">
-                                      <a:solidFill>
-                                        <a:srgbClr val="000000"/>
-                                      </a:solidFill>
-                                      <a:latin typeface="Cambria Math" panose="02040503050406030204" pitchFamily="18" charset="0"/>
-                                      <a:ea typeface="Cambria Math" panose="02040503050406030204" pitchFamily="18" charset="0"/>
-                                    </a:rPr>
-                                    <m:t>𝑒</m:t>
-                                  </m:r>
-                                </m:e>
-                                <m:sup>
-                                  <m:r>
-                                    <a:rPr lang="de-DE" b="0" i="1" smtClean="0">
-                                      <a:solidFill>
-                                        <a:srgbClr val="000000"/>
-                                      </a:solidFill>
-                                      <a:latin typeface="Cambria Math" panose="02040503050406030204" pitchFamily="18" charset="0"/>
-                                      <a:ea typeface="Cambria Math" panose="02040503050406030204" pitchFamily="18" charset="0"/>
-                                    </a:rPr>
-                                    <m:t>−</m:t>
-                                  </m:r>
-                                  <m:r>
-                                    <a:rPr lang="de-DE" b="0" i="1" smtClean="0">
-                                      <a:solidFill>
-                                        <a:srgbClr val="000000"/>
-                                      </a:solidFill>
-                                      <a:latin typeface="Cambria Math" panose="02040503050406030204" pitchFamily="18" charset="0"/>
-                                      <a:ea typeface="Cambria Math" panose="02040503050406030204" pitchFamily="18" charset="0"/>
-                                    </a:rPr>
-                                    <m:t>𝑘𝑛</m:t>
-                                  </m:r>
-                                  <m:r>
-                                    <a:rPr lang="de-DE" b="0" i="1" smtClean="0">
-                                      <a:solidFill>
-                                        <a:srgbClr val="000000"/>
-                                      </a:solidFill>
-                                      <a:latin typeface="Cambria Math" panose="02040503050406030204" pitchFamily="18" charset="0"/>
-                                      <a:ea typeface="Cambria Math" panose="02040503050406030204" pitchFamily="18" charset="0"/>
-                                    </a:rPr>
-                                    <m:t>/</m:t>
-                                  </m:r>
-                                  <m:r>
-                                    <a:rPr lang="de-DE" b="0" i="1" smtClean="0">
-                                      <a:solidFill>
-                                        <a:srgbClr val="000000"/>
-                                      </a:solidFill>
-                                      <a:latin typeface="Cambria Math" panose="02040503050406030204" pitchFamily="18" charset="0"/>
-                                      <a:ea typeface="Cambria Math" panose="02040503050406030204" pitchFamily="18" charset="0"/>
-                                    </a:rPr>
-                                    <m:t>𝑚</m:t>
-                                  </m:r>
-                                </m:sup>
-                              </m:sSup>
-                            </m:e>
-                          </m:d>
-                        </m:e>
-                        <m:sup>
-                          <m:r>
-                            <a:rPr lang="de-DE" b="0" i="1" smtClean="0">
-                              <a:solidFill>
-                                <a:srgbClr val="000000"/>
-                              </a:solidFill>
-                              <a:latin typeface="Cambria Math" panose="02040503050406030204" pitchFamily="18" charset="0"/>
-                              <a:ea typeface="Cambria Math" panose="02040503050406030204" pitchFamily="18" charset="0"/>
-                            </a:rPr>
-                            <m:t>𝑘</m:t>
-                          </m:r>
-                        </m:sup>
-                      </m:sSup>
-                    </m:oMath>
-                  </m:oMathPara>
-                </a14:m>
-                <a:endParaRPr lang="de-DE" dirty="0">
-                  <a:solidFill>
-                    <a:srgbClr val="000000"/>
-                  </a:solidFill>
-                </a:endParaRPr>
-              </a:p>
-              <a:p>
-                <a:endParaRPr lang="de-DE" dirty="0">
-                  <a:solidFill>
-                    <a:srgbClr val="000000"/>
-                  </a:solidFill>
-                </a:endParaRPr>
-              </a:p>
-              <a:p>
-                <a:endParaRPr lang="de-DE" dirty="0">
-                  <a:solidFill>
-                    <a:srgbClr val="000000"/>
-                  </a:solidFill>
-                </a:endParaRPr>
-              </a:p>
-              <a:p>
-                <a:endParaRPr lang="de-DE" dirty="0">
-                  <a:solidFill>
-                    <a:srgbClr val="000000"/>
-                  </a:solidFill>
-                </a:endParaRPr>
-              </a:p>
-            </p:txBody>
-          </p:sp>
-        </mc:Choice>
-        <mc:Fallback xmlns="">
-          <p:sp>
-            <p:nvSpPr>
-              <p:cNvPr id="11" name="Textfeld 10">
-                <a:extLst>
-                  <a:ext uri="{FF2B5EF4-FFF2-40B4-BE49-F238E27FC236}">
-                    <a16:creationId xmlns:a16="http://schemas.microsoft.com/office/drawing/2014/main" id="{57246031-85FF-B68C-2B65-72CEF1D1848F}"/>
-                  </a:ext>
-                </a:extLst>
-              </p:cNvPr>
-              <p:cNvSpPr txBox="1">
-                <a:spLocks noRot="1" noChangeAspect="1" noMove="1" noResize="1" noEditPoints="1" noAdjustHandles="1" noChangeArrowheads="1" noChangeShapeType="1" noTextEdit="1"/>
-              </p:cNvSpPr>
-              <p:nvPr/>
-            </p:nvSpPr>
-            <p:spPr>
-              <a:xfrm>
-                <a:off x="611560" y="2307525"/>
-                <a:ext cx="7920880" cy="2950167"/>
-              </a:xfrm>
-              <a:prstGeom prst="rect">
-                <a:avLst/>
-              </a:prstGeom>
-              <a:blipFill>
-                <a:blip r:embed="rId2"/>
-                <a:stretch>
-                  <a:fillRect l="-615" t="-1242"/>
-                </a:stretch>
-              </a:blipFill>
-            </p:spPr>
-            <p:txBody>
-              <a:bodyPr/>
-              <a:lstStyle/>
-              <a:p>
-                <a:r>
-                  <a:rPr lang="de-DE">
-                    <a:noFill/>
-                  </a:rPr>
-                  <a:t> </a:t>
-                </a:r>
-              </a:p>
-            </p:txBody>
-          </p:sp>
-        </mc:Fallback>
-      </mc:AlternateContent>
+      </p:pic>
     </p:spTree>
     <p:extLst>
       <p:ext uri="{BB962C8B-B14F-4D97-AF65-F5344CB8AC3E}">
-        <p14:creationId xmlns:p14="http://schemas.microsoft.com/office/powerpoint/2010/main" val="892721914"/>
+        <p14:creationId xmlns:p14="http://schemas.microsoft.com/office/powerpoint/2010/main" val="2866574215"/>
       </p:ext>
     </p:extLst>
   </p:cSld>

--- a/Vorträge/VortragFlorianSchierzBloomfilterKurz.pptx
+++ b/Vorträge/VortragFlorianSchierzBloomfilterKurz.pptx
@@ -5,7 +5,7 @@
     <p:sldMasterId id="2147483648" r:id="rId1"/>
   </p:sldMasterIdLst>
   <p:notesMasterIdLst>
-    <p:notesMasterId r:id="rId35"/>
+    <p:notesMasterId r:id="rId36"/>
   </p:notesMasterIdLst>
   <p:sldIdLst>
     <p:sldId id="260" r:id="rId2"/>
@@ -22,25 +22,26 @@
     <p:sldId id="269" r:id="rId13"/>
     <p:sldId id="271" r:id="rId14"/>
     <p:sldId id="272" r:id="rId15"/>
-    <p:sldId id="278" r:id="rId16"/>
-    <p:sldId id="281" r:id="rId17"/>
-    <p:sldId id="282" r:id="rId18"/>
-    <p:sldId id="283" r:id="rId19"/>
-    <p:sldId id="265" r:id="rId20"/>
-    <p:sldId id="267" r:id="rId21"/>
-    <p:sldId id="264" r:id="rId22"/>
-    <p:sldId id="274" r:id="rId23"/>
-    <p:sldId id="275" r:id="rId24"/>
-    <p:sldId id="276" r:id="rId25"/>
-    <p:sldId id="262" r:id="rId26"/>
-    <p:sldId id="266" r:id="rId27"/>
-    <p:sldId id="259" r:id="rId28"/>
-    <p:sldId id="270" r:id="rId29"/>
-    <p:sldId id="273" r:id="rId30"/>
-    <p:sldId id="285" r:id="rId31"/>
-    <p:sldId id="286" r:id="rId32"/>
-    <p:sldId id="284" r:id="rId33"/>
-    <p:sldId id="258" r:id="rId34"/>
+    <p:sldId id="291" r:id="rId16"/>
+    <p:sldId id="278" r:id="rId17"/>
+    <p:sldId id="281" r:id="rId18"/>
+    <p:sldId id="282" r:id="rId19"/>
+    <p:sldId id="283" r:id="rId20"/>
+    <p:sldId id="265" r:id="rId21"/>
+    <p:sldId id="267" r:id="rId22"/>
+    <p:sldId id="264" r:id="rId23"/>
+    <p:sldId id="274" r:id="rId24"/>
+    <p:sldId id="275" r:id="rId25"/>
+    <p:sldId id="276" r:id="rId26"/>
+    <p:sldId id="262" r:id="rId27"/>
+    <p:sldId id="266" r:id="rId28"/>
+    <p:sldId id="259" r:id="rId29"/>
+    <p:sldId id="270" r:id="rId30"/>
+    <p:sldId id="273" r:id="rId31"/>
+    <p:sldId id="285" r:id="rId32"/>
+    <p:sldId id="286" r:id="rId33"/>
+    <p:sldId id="284" r:id="rId34"/>
+    <p:sldId id="258" r:id="rId35"/>
   </p:sldIdLst>
   <p:sldSz cx="9144000" cy="5143500" type="screen16x9"/>
   <p:notesSz cx="6858000" cy="9144000"/>
@@ -166,6 +167,7 @@
             <p14:sldId id="269"/>
             <p14:sldId id="271"/>
             <p14:sldId id="272"/>
+            <p14:sldId id="291"/>
             <p14:sldId id="278"/>
             <p14:sldId id="281"/>
             <p14:sldId id="282"/>
@@ -318,7 +320,7 @@
           <a:p>
             <a:fld id="{6DB929B3-EDC4-4292-BA5A-2119A16C91BC}" type="datetimeFigureOut">
               <a:rPr lang="de-DE" smtClean="0"/>
-              <a:t>11.06.2022</a:t>
+              <a:t>15.06.2022</a:t>
             </a:fld>
             <a:endParaRPr lang="de-DE"/>
           </a:p>
@@ -899,7 +901,7 @@
           <a:p>
             <a:fld id="{6C0E0915-CD52-4968-84CC-DCADF0878D91}" type="slidenum">
               <a:rPr lang="de-DE" smtClean="0"/>
-              <a:t>15</a:t>
+              <a:t>16</a:t>
             </a:fld>
             <a:endParaRPr lang="de-DE"/>
           </a:p>
@@ -1010,7 +1012,7 @@
           <a:p>
             <a:fld id="{6C0E0915-CD52-4968-84CC-DCADF0878D91}" type="slidenum">
               <a:rPr lang="de-DE" smtClean="0"/>
-              <a:t>16</a:t>
+              <a:t>17</a:t>
             </a:fld>
             <a:endParaRPr lang="de-DE"/>
           </a:p>
@@ -1121,7 +1123,7 @@
           <a:p>
             <a:fld id="{6C0E0915-CD52-4968-84CC-DCADF0878D91}" type="slidenum">
               <a:rPr lang="de-DE" smtClean="0"/>
-              <a:t>17</a:t>
+              <a:t>18</a:t>
             </a:fld>
             <a:endParaRPr lang="de-DE"/>
           </a:p>
@@ -1232,7 +1234,7 @@
           <a:p>
             <a:fld id="{6C0E0915-CD52-4968-84CC-DCADF0878D91}" type="slidenum">
               <a:rPr lang="de-DE" smtClean="0"/>
-              <a:t>18</a:t>
+              <a:t>19</a:t>
             </a:fld>
             <a:endParaRPr lang="de-DE"/>
           </a:p>
@@ -7590,6 +7592,98 @@
       </p:grpSpPr>
       <p:sp>
         <p:nvSpPr>
+          <p:cNvPr id="10" name="Textfeld 9">
+            <a:extLst>
+              <a:ext uri="{FF2B5EF4-FFF2-40B4-BE49-F238E27FC236}">
+                <a16:creationId xmlns:a16="http://schemas.microsoft.com/office/drawing/2014/main" id="{2B5821B0-0D52-D73F-4008-837469160C34}"/>
+              </a:ext>
+            </a:extLst>
+          </p:cNvPr>
+          <p:cNvSpPr txBox="1"/>
+          <p:nvPr/>
+        </p:nvSpPr>
+        <p:spPr>
+          <a:xfrm>
+            <a:off x="611560" y="1203598"/>
+            <a:ext cx="4968552" cy="923330"/>
+          </a:xfrm>
+          <a:prstGeom prst="rect">
+            <a:avLst/>
+          </a:prstGeom>
+          <a:noFill/>
+        </p:spPr>
+        <p:txBody>
+          <a:bodyPr wrap="square" rtlCol="0">
+            <a:spAutoFit/>
+          </a:bodyPr>
+          <a:lstStyle/>
+          <a:p>
+            <a:pPr marL="285750" indent="-285750">
+              <a:buFont typeface="Arial" panose="020B0604020202020204" pitchFamily="34" charset="0"/>
+              <a:buChar char="•"/>
+            </a:pPr>
+            <a:r>
+              <a:rPr lang="de-DE" b="1" u="sng" dirty="0" err="1">
+                <a:solidFill>
+                  <a:srgbClr val="000000"/>
+                </a:solidFill>
+              </a:rPr>
+              <a:t>Floomfilter</a:t>
+            </a:r>
+            <a:r>
+              <a:rPr lang="de-DE" dirty="0">
+                <a:solidFill>
+                  <a:srgbClr val="000000"/>
+                </a:solidFill>
+              </a:rPr>
+              <a:t>:</a:t>
+            </a:r>
+            <a:endParaRPr lang="de-DE" b="1" u="sng" dirty="0">
+              <a:solidFill>
+                <a:srgbClr val="000000"/>
+              </a:solidFill>
+            </a:endParaRPr>
+          </a:p>
+          <a:p>
+            <a:pPr marL="742950" lvl="1" indent="-285750">
+              <a:buFont typeface="Arial" panose="020B0604020202020204" pitchFamily="34" charset="0"/>
+              <a:buChar char="•"/>
+            </a:pPr>
+            <a:r>
+              <a:rPr lang="de-DE" b="1" dirty="0">
+                <a:solidFill>
+                  <a:srgbClr val="000000"/>
+                </a:solidFill>
+              </a:rPr>
+              <a:t>b </a:t>
+            </a:r>
+            <a:r>
+              <a:rPr lang="de-DE" dirty="0">
+                <a:solidFill>
+                  <a:srgbClr val="000000"/>
+                </a:solidFill>
+              </a:rPr>
+              <a:t>Bereiche</a:t>
+            </a:r>
+          </a:p>
+          <a:p>
+            <a:pPr marL="742950" lvl="1" indent="-285750">
+              <a:buFont typeface="Arial" panose="020B0604020202020204" pitchFamily="34" charset="0"/>
+              <a:buChar char="•"/>
+            </a:pPr>
+            <a:r>
+              <a:rPr lang="de-DE" dirty="0">
+                <a:solidFill>
+                  <a:srgbClr val="000000"/>
+                </a:solidFill>
+              </a:rPr>
+              <a:t>Hashwertverteilung in Zusatzspeicher</a:t>
+            </a:r>
+          </a:p>
+        </p:txBody>
+      </p:sp>
+      <p:sp>
+        <p:nvSpPr>
           <p:cNvPr id="6" name="Foliennummernplatzhalter 5"/>
           <p:cNvSpPr>
             <a:spLocks noGrp="1"/>
@@ -7607,6 +7701,257 @@
               <a:rPr lang="de-DE" smtClean="0"/>
               <a:pPr/>
               <a:t>15</a:t>
+            </a:fld>
+            <a:endParaRPr lang="de-DE"/>
+          </a:p>
+        </p:txBody>
+      </p:sp>
+      <p:sp>
+        <p:nvSpPr>
+          <p:cNvPr id="3" name="Titel 2"/>
+          <p:cNvSpPr>
+            <a:spLocks noGrp="1"/>
+          </p:cNvSpPr>
+          <p:nvPr>
+            <p:ph type="title"/>
+          </p:nvPr>
+        </p:nvSpPr>
+        <p:spPr/>
+        <p:txBody>
+          <a:bodyPr/>
+          <a:lstStyle/>
+          <a:p>
+            <a:r>
+              <a:rPr lang="de-DE" dirty="0"/>
+              <a:t>BLOOM-FILTER</a:t>
+            </a:r>
+          </a:p>
+        </p:txBody>
+      </p:sp>
+      <p:sp>
+        <p:nvSpPr>
+          <p:cNvPr id="4" name="Inhaltsplatzhalter 3"/>
+          <p:cNvSpPr>
+            <a:spLocks noGrp="1"/>
+          </p:cNvSpPr>
+          <p:nvPr>
+            <p:ph sz="quarter" idx="13"/>
+          </p:nvPr>
+        </p:nvSpPr>
+        <p:spPr>
+          <a:xfrm>
+            <a:off x="936000" y="699542"/>
+            <a:ext cx="7308000" cy="429622"/>
+          </a:xfrm>
+        </p:spPr>
+        <p:txBody>
+          <a:bodyPr/>
+          <a:lstStyle/>
+          <a:p>
+            <a:r>
+              <a:rPr lang="de-DE" dirty="0"/>
+              <a:t>Varianten</a:t>
+            </a:r>
+          </a:p>
+          <a:p>
+            <a:endParaRPr lang="de-DE" dirty="0"/>
+          </a:p>
+        </p:txBody>
+      </p:sp>
+      <p:sp>
+        <p:nvSpPr>
+          <p:cNvPr id="7" name="Fußzeilenplatzhalter 6"/>
+          <p:cNvSpPr>
+            <a:spLocks noGrp="1"/>
+          </p:cNvSpPr>
+          <p:nvPr>
+            <p:ph type="ftr" sz="quarter" idx="3"/>
+          </p:nvPr>
+        </p:nvSpPr>
+        <p:spPr/>
+        <p:txBody>
+          <a:bodyPr/>
+          <a:lstStyle/>
+          <a:p>
+            <a:r>
+              <a:rPr lang="de-DE" dirty="0"/>
+              <a:t>TU Bergakademie Freiberg | Vortragender: Florian Schierz | 2022</a:t>
+            </a:r>
+          </a:p>
+        </p:txBody>
+      </p:sp>
+      <p:pic>
+        <p:nvPicPr>
+          <p:cNvPr id="9" name="Grafik 8">
+            <a:extLst>
+              <a:ext uri="{FF2B5EF4-FFF2-40B4-BE49-F238E27FC236}">
+                <a16:creationId xmlns:a16="http://schemas.microsoft.com/office/drawing/2014/main" id="{E50EBD86-0D44-2C9C-1F98-99F252C2F76A}"/>
+              </a:ext>
+            </a:extLst>
+          </p:cNvPr>
+          <p:cNvPicPr>
+            <a:picLocks noChangeAspect="1"/>
+          </p:cNvPicPr>
+          <p:nvPr/>
+        </p:nvPicPr>
+        <p:blipFill rotWithShape="1">
+          <a:blip r:embed="rId2">
+            <a:extLst>
+              <a:ext uri="{28A0092B-C50C-407E-A947-70E740481C1C}">
+                <a14:useLocalDpi xmlns:a14="http://schemas.microsoft.com/office/drawing/2010/main" val="0"/>
+              </a:ext>
+              <a:ext uri="{96DAC541-7B7A-43D3-8B79-37D633B846F1}">
+                <asvg:svgBlip xmlns:asvg="http://schemas.microsoft.com/office/drawing/2016/SVG/main" r:embed="rId3"/>
+              </a:ext>
+            </a:extLst>
+          </a:blip>
+          <a:srcRect b="59800"/>
+          <a:stretch/>
+        </p:blipFill>
+        <p:spPr>
+          <a:xfrm>
+            <a:off x="1311103" y="1558438"/>
+            <a:ext cx="6521793" cy="3708120"/>
+          </a:xfrm>
+          <a:prstGeom prst="rect">
+            <a:avLst/>
+          </a:prstGeom>
+        </p:spPr>
+      </p:pic>
+      <p:sp>
+        <p:nvSpPr>
+          <p:cNvPr id="11" name="Textfeld 10">
+            <a:extLst>
+              <a:ext uri="{FF2B5EF4-FFF2-40B4-BE49-F238E27FC236}">
+                <a16:creationId xmlns:a16="http://schemas.microsoft.com/office/drawing/2014/main" id="{388F31B0-CEC7-C24E-8158-3C0FD265C36C}"/>
+              </a:ext>
+            </a:extLst>
+          </p:cNvPr>
+          <p:cNvSpPr txBox="1"/>
+          <p:nvPr/>
+        </p:nvSpPr>
+        <p:spPr>
+          <a:xfrm>
+            <a:off x="4572000" y="1203598"/>
+            <a:ext cx="3888432" cy="1200329"/>
+          </a:xfrm>
+          <a:prstGeom prst="rect">
+            <a:avLst/>
+          </a:prstGeom>
+          <a:noFill/>
+        </p:spPr>
+        <p:txBody>
+          <a:bodyPr wrap="square" rtlCol="0">
+            <a:spAutoFit/>
+          </a:bodyPr>
+          <a:lstStyle/>
+          <a:p>
+            <a:pPr marL="742950" lvl="1" indent="-285750">
+              <a:buFont typeface="Arial" panose="020B0604020202020204" pitchFamily="34" charset="0"/>
+              <a:buChar char="•"/>
+            </a:pPr>
+            <a:endParaRPr lang="de-DE" b="1" dirty="0"/>
+          </a:p>
+          <a:p>
+            <a:pPr marL="742950" lvl="1" indent="-285750">
+              <a:buFont typeface="Arial" panose="020B0604020202020204" pitchFamily="34" charset="0"/>
+              <a:buChar char="•"/>
+            </a:pPr>
+            <a:r>
+              <a:rPr lang="de-DE" dirty="0">
+                <a:solidFill>
+                  <a:srgbClr val="000000"/>
+                </a:solidFill>
+              </a:rPr>
+              <a:t>Weiteres </a:t>
+            </a:r>
+            <a:r>
+              <a:rPr lang="de-DE" b="1" dirty="0">
+                <a:solidFill>
+                  <a:srgbClr val="000000"/>
+                </a:solidFill>
+              </a:rPr>
+              <a:t>Prüfkriterium</a:t>
+            </a:r>
+            <a:r>
+              <a:rPr lang="de-DE" dirty="0">
+                <a:solidFill>
+                  <a:srgbClr val="000000"/>
+                </a:solidFill>
+              </a:rPr>
+              <a:t>, um </a:t>
+            </a:r>
+            <a:r>
+              <a:rPr lang="de-DE" b="1" dirty="0">
+                <a:solidFill>
+                  <a:srgbClr val="000000"/>
+                </a:solidFill>
+              </a:rPr>
+              <a:t>FPP</a:t>
+            </a:r>
+            <a:r>
+              <a:rPr lang="de-DE" dirty="0">
+                <a:solidFill>
+                  <a:srgbClr val="000000"/>
+                </a:solidFill>
+              </a:rPr>
+              <a:t> zu senken</a:t>
+            </a:r>
+          </a:p>
+          <a:p>
+            <a:endParaRPr lang="de-DE" dirty="0"/>
+          </a:p>
+        </p:txBody>
+      </p:sp>
+    </p:spTree>
+    <p:extLst>
+      <p:ext uri="{BB962C8B-B14F-4D97-AF65-F5344CB8AC3E}">
+        <p14:creationId xmlns:p14="http://schemas.microsoft.com/office/powerpoint/2010/main" val="31620171"/>
+      </p:ext>
+    </p:extLst>
+  </p:cSld>
+  <p:clrMapOvr>
+    <a:masterClrMapping/>
+  </p:clrMapOvr>
+</p:sld>
+</file>
+
+<file path=ppt/slides/slide16.xml><?xml version="1.0" encoding="utf-8"?>
+<p:sld xmlns:a="http://schemas.openxmlformats.org/drawingml/2006/main" xmlns:r="http://schemas.openxmlformats.org/officeDocument/2006/relationships" xmlns:p="http://schemas.openxmlformats.org/presentationml/2006/main">
+  <p:cSld>
+    <p:spTree>
+      <p:nvGrpSpPr>
+        <p:cNvPr id="1" name=""/>
+        <p:cNvGrpSpPr/>
+        <p:nvPr/>
+      </p:nvGrpSpPr>
+      <p:grpSpPr>
+        <a:xfrm>
+          <a:off x="0" y="0"/>
+          <a:ext cx="0" cy="0"/>
+          <a:chOff x="0" y="0"/>
+          <a:chExt cx="0" cy="0"/>
+        </a:xfrm>
+      </p:grpSpPr>
+      <p:sp>
+        <p:nvSpPr>
+          <p:cNvPr id="6" name="Foliennummernplatzhalter 5"/>
+          <p:cNvSpPr>
+            <a:spLocks noGrp="1"/>
+          </p:cNvSpPr>
+          <p:nvPr>
+            <p:ph type="sldNum" sz="quarter" idx="4"/>
+          </p:nvPr>
+        </p:nvSpPr>
+        <p:spPr/>
+        <p:txBody>
+          <a:bodyPr/>
+          <a:lstStyle/>
+          <a:p>
+            <a:fld id="{F9CA7F02-FF28-4D8F-AF3B-6C950C783A54}" type="slidenum">
+              <a:rPr lang="de-DE" smtClean="0"/>
+              <a:pPr/>
+              <a:t>16</a:t>
             </a:fld>
             <a:endParaRPr lang="de-DE"/>
           </a:p>
@@ -7788,7 +8133,7 @@
 </p:sld>
 </file>
 
-<file path=ppt/slides/slide16.xml><?xml version="1.0" encoding="utf-8"?>
+<file path=ppt/slides/slide17.xml><?xml version="1.0" encoding="utf-8"?>
 <p:sld xmlns:a="http://schemas.openxmlformats.org/drawingml/2006/main" xmlns:r="http://schemas.openxmlformats.org/officeDocument/2006/relationships" xmlns:p="http://schemas.openxmlformats.org/presentationml/2006/main">
   <p:cSld>
     <p:spTree>
@@ -7823,7 +8168,7 @@
             <a:fld id="{F9CA7F02-FF28-4D8F-AF3B-6C950C783A54}" type="slidenum">
               <a:rPr lang="de-DE" smtClean="0"/>
               <a:pPr/>
-              <a:t>16</a:t>
+              <a:t>17</a:t>
             </a:fld>
             <a:endParaRPr lang="de-DE"/>
           </a:p>
@@ -8005,7 +8350,7 @@
 </p:sld>
 </file>
 
-<file path=ppt/slides/slide17.xml><?xml version="1.0" encoding="utf-8"?>
+<file path=ppt/slides/slide18.xml><?xml version="1.0" encoding="utf-8"?>
 <p:sld xmlns:a="http://schemas.openxmlformats.org/drawingml/2006/main" xmlns:r="http://schemas.openxmlformats.org/officeDocument/2006/relationships" xmlns:p="http://schemas.openxmlformats.org/presentationml/2006/main">
   <p:cSld>
     <p:spTree>
@@ -8040,7 +8385,7 @@
             <a:fld id="{F9CA7F02-FF28-4D8F-AF3B-6C950C783A54}" type="slidenum">
               <a:rPr lang="de-DE" smtClean="0"/>
               <a:pPr/>
-              <a:t>17</a:t>
+              <a:t>18</a:t>
             </a:fld>
             <a:endParaRPr lang="de-DE"/>
           </a:p>
@@ -8222,7 +8567,7 @@
 </p:sld>
 </file>
 
-<file path=ppt/slides/slide18.xml><?xml version="1.0" encoding="utf-8"?>
+<file path=ppt/slides/slide19.xml><?xml version="1.0" encoding="utf-8"?>
 <p:sld xmlns:a="http://schemas.openxmlformats.org/drawingml/2006/main" xmlns:r="http://schemas.openxmlformats.org/officeDocument/2006/relationships" xmlns:p="http://schemas.openxmlformats.org/presentationml/2006/main">
   <p:cSld>
     <p:spTree>
@@ -8257,7 +8602,7 @@
             <a:fld id="{F9CA7F02-FF28-4D8F-AF3B-6C950C783A54}" type="slidenum">
               <a:rPr lang="de-DE" smtClean="0"/>
               <a:pPr/>
-              <a:t>18</a:t>
+              <a:t>19</a:t>
             </a:fld>
             <a:endParaRPr lang="de-DE"/>
           </a:p>
@@ -8430,347 +8775,6 @@
     <p:extLst>
       <p:ext uri="{BB962C8B-B14F-4D97-AF65-F5344CB8AC3E}">
         <p14:creationId xmlns:p14="http://schemas.microsoft.com/office/powerpoint/2010/main" val="2575325771"/>
-      </p:ext>
-    </p:extLst>
-  </p:cSld>
-  <p:clrMapOvr>
-    <a:masterClrMapping/>
-  </p:clrMapOvr>
-</p:sld>
-</file>
-
-<file path=ppt/slides/slide19.xml><?xml version="1.0" encoding="utf-8"?>
-<p:sld xmlns:a="http://schemas.openxmlformats.org/drawingml/2006/main" xmlns:r="http://schemas.openxmlformats.org/officeDocument/2006/relationships" xmlns:p="http://schemas.openxmlformats.org/presentationml/2006/main">
-  <p:cSld>
-    <p:spTree>
-      <p:nvGrpSpPr>
-        <p:cNvPr id="1" name=""/>
-        <p:cNvGrpSpPr/>
-        <p:nvPr/>
-      </p:nvGrpSpPr>
-      <p:grpSpPr>
-        <a:xfrm>
-          <a:off x="0" y="0"/>
-          <a:ext cx="0" cy="0"/>
-          <a:chOff x="0" y="0"/>
-          <a:chExt cx="0" cy="0"/>
-        </a:xfrm>
-      </p:grpSpPr>
-      <p:sp>
-        <p:nvSpPr>
-          <p:cNvPr id="6" name="Foliennummernplatzhalter 5"/>
-          <p:cNvSpPr>
-            <a:spLocks noGrp="1"/>
-          </p:cNvSpPr>
-          <p:nvPr>
-            <p:ph type="sldNum" sz="quarter" idx="4"/>
-          </p:nvPr>
-        </p:nvSpPr>
-        <p:spPr/>
-        <p:txBody>
-          <a:bodyPr/>
-          <a:lstStyle/>
-          <a:p>
-            <a:fld id="{F9CA7F02-FF28-4D8F-AF3B-6C950C783A54}" type="slidenum">
-              <a:rPr lang="de-DE" smtClean="0"/>
-              <a:pPr/>
-              <a:t>19</a:t>
-            </a:fld>
-            <a:endParaRPr lang="de-DE" dirty="0"/>
-          </a:p>
-        </p:txBody>
-      </p:sp>
-      <p:sp>
-        <p:nvSpPr>
-          <p:cNvPr id="3" name="Titel 2"/>
-          <p:cNvSpPr>
-            <a:spLocks noGrp="1"/>
-          </p:cNvSpPr>
-          <p:nvPr>
-            <p:ph type="title"/>
-          </p:nvPr>
-        </p:nvSpPr>
-        <p:spPr/>
-        <p:txBody>
-          <a:bodyPr/>
-          <a:lstStyle/>
-          <a:p>
-            <a:r>
-              <a:rPr lang="de-DE" dirty="0"/>
-              <a:t>BLOOM-FILTER</a:t>
-            </a:r>
-          </a:p>
-        </p:txBody>
-      </p:sp>
-      <p:sp>
-        <p:nvSpPr>
-          <p:cNvPr id="4" name="Inhaltsplatzhalter 3"/>
-          <p:cNvSpPr>
-            <a:spLocks noGrp="1"/>
-          </p:cNvSpPr>
-          <p:nvPr>
-            <p:ph sz="quarter" idx="13"/>
-          </p:nvPr>
-        </p:nvSpPr>
-        <p:spPr>
-          <a:xfrm>
-            <a:off x="936000" y="699542"/>
-            <a:ext cx="7308000" cy="429622"/>
-          </a:xfrm>
-        </p:spPr>
-        <p:txBody>
-          <a:bodyPr/>
-          <a:lstStyle/>
-          <a:p>
-            <a:r>
-              <a:rPr lang="de-DE" dirty="0"/>
-              <a:t>Anwendungen</a:t>
-            </a:r>
-          </a:p>
-        </p:txBody>
-      </p:sp>
-      <p:sp>
-        <p:nvSpPr>
-          <p:cNvPr id="7" name="Fußzeilenplatzhalter 6"/>
-          <p:cNvSpPr>
-            <a:spLocks noGrp="1"/>
-          </p:cNvSpPr>
-          <p:nvPr>
-            <p:ph type="ftr" sz="quarter" idx="3"/>
-          </p:nvPr>
-        </p:nvSpPr>
-        <p:spPr/>
-        <p:txBody>
-          <a:bodyPr/>
-          <a:lstStyle/>
-          <a:p>
-            <a:r>
-              <a:rPr lang="de-DE" dirty="0"/>
-              <a:t>TU Bergakademie Freiberg | Vortragender: Florian Schierz | 2022</a:t>
-            </a:r>
-          </a:p>
-        </p:txBody>
-      </p:sp>
-      <p:sp>
-        <p:nvSpPr>
-          <p:cNvPr id="8" name="Textfeld 7">
-            <a:extLst>
-              <a:ext uri="{FF2B5EF4-FFF2-40B4-BE49-F238E27FC236}">
-                <a16:creationId xmlns:a16="http://schemas.microsoft.com/office/drawing/2014/main" id="{FFAF0D22-364A-FFB6-C212-9497C974D5B8}"/>
-              </a:ext>
-            </a:extLst>
-          </p:cNvPr>
-          <p:cNvSpPr txBox="1"/>
-          <p:nvPr/>
-        </p:nvSpPr>
-        <p:spPr>
-          <a:xfrm>
-            <a:off x="611560" y="1203598"/>
-            <a:ext cx="7632440" cy="2862322"/>
-          </a:xfrm>
-          <a:prstGeom prst="rect">
-            <a:avLst/>
-          </a:prstGeom>
-          <a:noFill/>
-        </p:spPr>
-        <p:txBody>
-          <a:bodyPr wrap="square" rtlCol="0">
-            <a:spAutoFit/>
-          </a:bodyPr>
-          <a:lstStyle/>
-          <a:p>
-            <a:pPr marL="285750" indent="-285750">
-              <a:buFont typeface="Arial" panose="020B0604020202020204" pitchFamily="34" charset="0"/>
-              <a:buChar char="•"/>
-            </a:pPr>
-            <a:r>
-              <a:rPr lang="de-DE" b="1" dirty="0"/>
-              <a:t>Allgemein:</a:t>
-            </a:r>
-            <a:r>
-              <a:rPr lang="de-DE" dirty="0"/>
-              <a:t> </a:t>
-            </a:r>
-            <a:r>
-              <a:rPr lang="de-DE" dirty="0">
-                <a:solidFill>
-                  <a:srgbClr val="000000"/>
-                </a:solidFill>
-              </a:rPr>
-              <a:t>Überall, wo in </a:t>
-            </a:r>
-            <a:r>
-              <a:rPr lang="de-DE" b="1" dirty="0">
-                <a:solidFill>
-                  <a:srgbClr val="000000"/>
-                </a:solidFill>
-              </a:rPr>
-              <a:t>kurzer Zeit </a:t>
-            </a:r>
-            <a:r>
-              <a:rPr lang="de-DE" dirty="0">
-                <a:solidFill>
-                  <a:srgbClr val="000000"/>
-                </a:solidFill>
-              </a:rPr>
-              <a:t>eine Aussage über </a:t>
-            </a:r>
-            <a:r>
-              <a:rPr lang="de-DE" b="1" dirty="0">
-                <a:solidFill>
-                  <a:srgbClr val="000000"/>
-                </a:solidFill>
-              </a:rPr>
-              <a:t>Mitgliedschaft</a:t>
-            </a:r>
-            <a:r>
-              <a:rPr lang="de-DE" dirty="0">
-                <a:solidFill>
-                  <a:srgbClr val="000000"/>
-                </a:solidFill>
-              </a:rPr>
-              <a:t> eines Elements in einer vorhandenen Menge Elementen gefragt ist [2]</a:t>
-            </a:r>
-          </a:p>
-          <a:p>
-            <a:pPr marL="285750" indent="-285750">
-              <a:buFont typeface="Arial" panose="020B0604020202020204" pitchFamily="34" charset="0"/>
-              <a:buChar char="•"/>
-            </a:pPr>
-            <a:endParaRPr lang="de-DE" dirty="0"/>
-          </a:p>
-          <a:p>
-            <a:pPr marL="285750" indent="-285750">
-              <a:buFont typeface="Arial" panose="020B0604020202020204" pitchFamily="34" charset="0"/>
-              <a:buChar char="•"/>
-            </a:pPr>
-            <a:r>
-              <a:rPr lang="de-DE" b="1" dirty="0"/>
-              <a:t>Netzwerkanwendungen:</a:t>
-            </a:r>
-            <a:endParaRPr lang="de-DE" dirty="0"/>
-          </a:p>
-          <a:p>
-            <a:pPr marL="742950" lvl="1" indent="-285750">
-              <a:buFont typeface="Arial" panose="020B0604020202020204" pitchFamily="34" charset="0"/>
-              <a:buChar char="•"/>
-            </a:pPr>
-            <a:r>
-              <a:rPr lang="de-DE" dirty="0">
-                <a:solidFill>
-                  <a:srgbClr val="000000"/>
-                </a:solidFill>
-              </a:rPr>
-              <a:t>Routing [10]</a:t>
-            </a:r>
-          </a:p>
-          <a:p>
-            <a:pPr marL="742950" lvl="1" indent="-285750">
-              <a:buFont typeface="Arial" panose="020B0604020202020204" pitchFamily="34" charset="0"/>
-              <a:buChar char="•"/>
-            </a:pPr>
-            <a:r>
-              <a:rPr lang="de-DE" dirty="0">
-                <a:solidFill>
-                  <a:srgbClr val="000000"/>
-                </a:solidFill>
-              </a:rPr>
-              <a:t>Verhinderung von Loops [11]</a:t>
-            </a:r>
-          </a:p>
-          <a:p>
-            <a:pPr marL="742950" lvl="1" indent="-285750">
-              <a:buFont typeface="Arial" panose="020B0604020202020204" pitchFamily="34" charset="0"/>
-              <a:buChar char="•"/>
-            </a:pPr>
-            <a:r>
-              <a:rPr lang="de-DE" dirty="0">
-                <a:solidFill>
-                  <a:srgbClr val="000000"/>
-                </a:solidFill>
-              </a:rPr>
-              <a:t>IP-Routenverfolgung [12]</a:t>
-            </a:r>
-          </a:p>
-          <a:p>
-            <a:pPr marL="742950" lvl="1" indent="-285750">
-              <a:buFont typeface="Arial" panose="020B0604020202020204" pitchFamily="34" charset="0"/>
-              <a:buChar char="•"/>
-            </a:pPr>
-            <a:r>
-              <a:rPr lang="de-DE" dirty="0">
-                <a:solidFill>
-                  <a:srgbClr val="000000"/>
-                </a:solidFill>
-              </a:rPr>
-              <a:t>Verhindern von DDoS-Angriffen [3], [12]</a:t>
-            </a:r>
-          </a:p>
-          <a:p>
-            <a:pPr marL="742950" lvl="1" indent="-285750">
-              <a:buFont typeface="Arial" panose="020B0604020202020204" pitchFamily="34" charset="0"/>
-              <a:buChar char="•"/>
-            </a:pPr>
-            <a:r>
-              <a:rPr lang="de-DE" dirty="0">
-                <a:solidFill>
-                  <a:srgbClr val="000000"/>
-                </a:solidFill>
-              </a:rPr>
-              <a:t>Web-Caches [13]</a:t>
-            </a:r>
-          </a:p>
-          <a:p>
-            <a:pPr marL="742950" lvl="1" indent="-285750">
-              <a:buFont typeface="Arial" panose="020B0604020202020204" pitchFamily="34" charset="0"/>
-              <a:buChar char="•"/>
-            </a:pPr>
-            <a:endParaRPr lang="de-DE" dirty="0"/>
-          </a:p>
-        </p:txBody>
-      </p:sp>
-      <p:pic>
-        <p:nvPicPr>
-          <p:cNvPr id="9" name="Grafik 8">
-            <a:extLst>
-              <a:ext uri="{FF2B5EF4-FFF2-40B4-BE49-F238E27FC236}">
-                <a16:creationId xmlns:a16="http://schemas.microsoft.com/office/drawing/2014/main" id="{770E8199-D9EB-DDFE-B306-18878E8EC9A6}"/>
-              </a:ext>
-            </a:extLst>
-          </p:cNvPr>
-          <p:cNvPicPr>
-            <a:picLocks noChangeAspect="1"/>
-          </p:cNvPicPr>
-          <p:nvPr/>
-        </p:nvPicPr>
-        <p:blipFill rotWithShape="1">
-          <a:blip r:embed="rId2">
-            <a:extLst>
-              <a:ext uri="{28A0092B-C50C-407E-A947-70E740481C1C}">
-                <a14:useLocalDpi xmlns:a14="http://schemas.microsoft.com/office/drawing/2010/main" val="0"/>
-              </a:ext>
-              <a:ext uri="{96DAC541-7B7A-43D3-8B79-37D633B846F1}">
-                <asvg:svgBlip xmlns:asvg="http://schemas.microsoft.com/office/drawing/2016/SVG/main" r:embed="rId3"/>
-              </a:ext>
-            </a:extLst>
-          </a:blip>
-          <a:srcRect l="6438" b="44350"/>
-          <a:stretch/>
-        </p:blipFill>
-        <p:spPr>
-          <a:xfrm>
-            <a:off x="4716015" y="1404062"/>
-            <a:ext cx="4051804" cy="3408551"/>
-          </a:xfrm>
-          <a:prstGeom prst="rect">
-            <a:avLst/>
-          </a:prstGeom>
-        </p:spPr>
-      </p:pic>
-    </p:spTree>
-    <p:extLst>
-      <p:ext uri="{BB962C8B-B14F-4D97-AF65-F5344CB8AC3E}">
-        <p14:creationId xmlns:p14="http://schemas.microsoft.com/office/powerpoint/2010/main" val="4003297358"/>
       </p:ext>
     </p:extLst>
   </p:cSld>
@@ -9072,6 +9076,347 @@
         <p:spPr>
           <a:xfrm>
             <a:off x="611560" y="1203598"/>
+            <a:ext cx="7632440" cy="2862322"/>
+          </a:xfrm>
+          <a:prstGeom prst="rect">
+            <a:avLst/>
+          </a:prstGeom>
+          <a:noFill/>
+        </p:spPr>
+        <p:txBody>
+          <a:bodyPr wrap="square" rtlCol="0">
+            <a:spAutoFit/>
+          </a:bodyPr>
+          <a:lstStyle/>
+          <a:p>
+            <a:pPr marL="285750" indent="-285750">
+              <a:buFont typeface="Arial" panose="020B0604020202020204" pitchFamily="34" charset="0"/>
+              <a:buChar char="•"/>
+            </a:pPr>
+            <a:r>
+              <a:rPr lang="de-DE" b="1" dirty="0"/>
+              <a:t>Allgemein:</a:t>
+            </a:r>
+            <a:r>
+              <a:rPr lang="de-DE" dirty="0"/>
+              <a:t> </a:t>
+            </a:r>
+            <a:r>
+              <a:rPr lang="de-DE" dirty="0">
+                <a:solidFill>
+                  <a:srgbClr val="000000"/>
+                </a:solidFill>
+              </a:rPr>
+              <a:t>Überall, wo in </a:t>
+            </a:r>
+            <a:r>
+              <a:rPr lang="de-DE" b="1" dirty="0">
+                <a:solidFill>
+                  <a:srgbClr val="000000"/>
+                </a:solidFill>
+              </a:rPr>
+              <a:t>kurzer Zeit </a:t>
+            </a:r>
+            <a:r>
+              <a:rPr lang="de-DE" dirty="0">
+                <a:solidFill>
+                  <a:srgbClr val="000000"/>
+                </a:solidFill>
+              </a:rPr>
+              <a:t>eine Aussage über </a:t>
+            </a:r>
+            <a:r>
+              <a:rPr lang="de-DE" b="1" dirty="0">
+                <a:solidFill>
+                  <a:srgbClr val="000000"/>
+                </a:solidFill>
+              </a:rPr>
+              <a:t>Mitgliedschaft</a:t>
+            </a:r>
+            <a:r>
+              <a:rPr lang="de-DE" dirty="0">
+                <a:solidFill>
+                  <a:srgbClr val="000000"/>
+                </a:solidFill>
+              </a:rPr>
+              <a:t> eines Elements in einer vorhandenen Menge Elementen gefragt ist [2]</a:t>
+            </a:r>
+          </a:p>
+          <a:p>
+            <a:pPr marL="285750" indent="-285750">
+              <a:buFont typeface="Arial" panose="020B0604020202020204" pitchFamily="34" charset="0"/>
+              <a:buChar char="•"/>
+            </a:pPr>
+            <a:endParaRPr lang="de-DE" dirty="0"/>
+          </a:p>
+          <a:p>
+            <a:pPr marL="285750" indent="-285750">
+              <a:buFont typeface="Arial" panose="020B0604020202020204" pitchFamily="34" charset="0"/>
+              <a:buChar char="•"/>
+            </a:pPr>
+            <a:r>
+              <a:rPr lang="de-DE" b="1" dirty="0"/>
+              <a:t>Netzwerkanwendungen:</a:t>
+            </a:r>
+            <a:endParaRPr lang="de-DE" dirty="0"/>
+          </a:p>
+          <a:p>
+            <a:pPr marL="742950" lvl="1" indent="-285750">
+              <a:buFont typeface="Arial" panose="020B0604020202020204" pitchFamily="34" charset="0"/>
+              <a:buChar char="•"/>
+            </a:pPr>
+            <a:r>
+              <a:rPr lang="de-DE" dirty="0">
+                <a:solidFill>
+                  <a:srgbClr val="000000"/>
+                </a:solidFill>
+              </a:rPr>
+              <a:t>Routing [10]</a:t>
+            </a:r>
+          </a:p>
+          <a:p>
+            <a:pPr marL="742950" lvl="1" indent="-285750">
+              <a:buFont typeface="Arial" panose="020B0604020202020204" pitchFamily="34" charset="0"/>
+              <a:buChar char="•"/>
+            </a:pPr>
+            <a:r>
+              <a:rPr lang="de-DE" dirty="0">
+                <a:solidFill>
+                  <a:srgbClr val="000000"/>
+                </a:solidFill>
+              </a:rPr>
+              <a:t>Verhinderung von Loops [11]</a:t>
+            </a:r>
+          </a:p>
+          <a:p>
+            <a:pPr marL="742950" lvl="1" indent="-285750">
+              <a:buFont typeface="Arial" panose="020B0604020202020204" pitchFamily="34" charset="0"/>
+              <a:buChar char="•"/>
+            </a:pPr>
+            <a:r>
+              <a:rPr lang="de-DE" dirty="0">
+                <a:solidFill>
+                  <a:srgbClr val="000000"/>
+                </a:solidFill>
+              </a:rPr>
+              <a:t>IP-Routenverfolgung [12]</a:t>
+            </a:r>
+          </a:p>
+          <a:p>
+            <a:pPr marL="742950" lvl="1" indent="-285750">
+              <a:buFont typeface="Arial" panose="020B0604020202020204" pitchFamily="34" charset="0"/>
+              <a:buChar char="•"/>
+            </a:pPr>
+            <a:r>
+              <a:rPr lang="de-DE" dirty="0">
+                <a:solidFill>
+                  <a:srgbClr val="000000"/>
+                </a:solidFill>
+              </a:rPr>
+              <a:t>Verhindern von DDoS-Angriffen [3], [12]</a:t>
+            </a:r>
+          </a:p>
+          <a:p>
+            <a:pPr marL="742950" lvl="1" indent="-285750">
+              <a:buFont typeface="Arial" panose="020B0604020202020204" pitchFamily="34" charset="0"/>
+              <a:buChar char="•"/>
+            </a:pPr>
+            <a:r>
+              <a:rPr lang="de-DE" dirty="0">
+                <a:solidFill>
+                  <a:srgbClr val="000000"/>
+                </a:solidFill>
+              </a:rPr>
+              <a:t>Web-Caches [13]</a:t>
+            </a:r>
+          </a:p>
+          <a:p>
+            <a:pPr marL="742950" lvl="1" indent="-285750">
+              <a:buFont typeface="Arial" panose="020B0604020202020204" pitchFamily="34" charset="0"/>
+              <a:buChar char="•"/>
+            </a:pPr>
+            <a:endParaRPr lang="de-DE" dirty="0"/>
+          </a:p>
+        </p:txBody>
+      </p:sp>
+      <p:pic>
+        <p:nvPicPr>
+          <p:cNvPr id="9" name="Grafik 8">
+            <a:extLst>
+              <a:ext uri="{FF2B5EF4-FFF2-40B4-BE49-F238E27FC236}">
+                <a16:creationId xmlns:a16="http://schemas.microsoft.com/office/drawing/2014/main" id="{770E8199-D9EB-DDFE-B306-18878E8EC9A6}"/>
+              </a:ext>
+            </a:extLst>
+          </p:cNvPr>
+          <p:cNvPicPr>
+            <a:picLocks noChangeAspect="1"/>
+          </p:cNvPicPr>
+          <p:nvPr/>
+        </p:nvPicPr>
+        <p:blipFill rotWithShape="1">
+          <a:blip r:embed="rId2">
+            <a:extLst>
+              <a:ext uri="{28A0092B-C50C-407E-A947-70E740481C1C}">
+                <a14:useLocalDpi xmlns:a14="http://schemas.microsoft.com/office/drawing/2010/main" val="0"/>
+              </a:ext>
+              <a:ext uri="{96DAC541-7B7A-43D3-8B79-37D633B846F1}">
+                <asvg:svgBlip xmlns:asvg="http://schemas.microsoft.com/office/drawing/2016/SVG/main" r:embed="rId3"/>
+              </a:ext>
+            </a:extLst>
+          </a:blip>
+          <a:srcRect l="6438" b="44350"/>
+          <a:stretch/>
+        </p:blipFill>
+        <p:spPr>
+          <a:xfrm>
+            <a:off x="4716015" y="1404062"/>
+            <a:ext cx="4051804" cy="3408551"/>
+          </a:xfrm>
+          <a:prstGeom prst="rect">
+            <a:avLst/>
+          </a:prstGeom>
+        </p:spPr>
+      </p:pic>
+    </p:spTree>
+    <p:extLst>
+      <p:ext uri="{BB962C8B-B14F-4D97-AF65-F5344CB8AC3E}">
+        <p14:creationId xmlns:p14="http://schemas.microsoft.com/office/powerpoint/2010/main" val="4003297358"/>
+      </p:ext>
+    </p:extLst>
+  </p:cSld>
+  <p:clrMapOvr>
+    <a:masterClrMapping/>
+  </p:clrMapOvr>
+</p:sld>
+</file>
+
+<file path=ppt/slides/slide21.xml><?xml version="1.0" encoding="utf-8"?>
+<p:sld xmlns:a="http://schemas.openxmlformats.org/drawingml/2006/main" xmlns:r="http://schemas.openxmlformats.org/officeDocument/2006/relationships" xmlns:p="http://schemas.openxmlformats.org/presentationml/2006/main">
+  <p:cSld>
+    <p:spTree>
+      <p:nvGrpSpPr>
+        <p:cNvPr id="1" name=""/>
+        <p:cNvGrpSpPr/>
+        <p:nvPr/>
+      </p:nvGrpSpPr>
+      <p:grpSpPr>
+        <a:xfrm>
+          <a:off x="0" y="0"/>
+          <a:ext cx="0" cy="0"/>
+          <a:chOff x="0" y="0"/>
+          <a:chExt cx="0" cy="0"/>
+        </a:xfrm>
+      </p:grpSpPr>
+      <p:sp>
+        <p:nvSpPr>
+          <p:cNvPr id="6" name="Foliennummernplatzhalter 5"/>
+          <p:cNvSpPr>
+            <a:spLocks noGrp="1"/>
+          </p:cNvSpPr>
+          <p:nvPr>
+            <p:ph type="sldNum" sz="quarter" idx="4"/>
+          </p:nvPr>
+        </p:nvSpPr>
+        <p:spPr/>
+        <p:txBody>
+          <a:bodyPr/>
+          <a:lstStyle/>
+          <a:p>
+            <a:fld id="{F9CA7F02-FF28-4D8F-AF3B-6C950C783A54}" type="slidenum">
+              <a:rPr lang="de-DE" smtClean="0"/>
+              <a:pPr/>
+              <a:t>21</a:t>
+            </a:fld>
+            <a:endParaRPr lang="de-DE" dirty="0"/>
+          </a:p>
+        </p:txBody>
+      </p:sp>
+      <p:sp>
+        <p:nvSpPr>
+          <p:cNvPr id="3" name="Titel 2"/>
+          <p:cNvSpPr>
+            <a:spLocks noGrp="1"/>
+          </p:cNvSpPr>
+          <p:nvPr>
+            <p:ph type="title"/>
+          </p:nvPr>
+        </p:nvSpPr>
+        <p:spPr/>
+        <p:txBody>
+          <a:bodyPr/>
+          <a:lstStyle/>
+          <a:p>
+            <a:r>
+              <a:rPr lang="de-DE" dirty="0"/>
+              <a:t>BLOOM-FILTER</a:t>
+            </a:r>
+          </a:p>
+        </p:txBody>
+      </p:sp>
+      <p:sp>
+        <p:nvSpPr>
+          <p:cNvPr id="4" name="Inhaltsplatzhalter 3"/>
+          <p:cNvSpPr>
+            <a:spLocks noGrp="1"/>
+          </p:cNvSpPr>
+          <p:nvPr>
+            <p:ph sz="quarter" idx="13"/>
+          </p:nvPr>
+        </p:nvSpPr>
+        <p:spPr>
+          <a:xfrm>
+            <a:off x="936000" y="699542"/>
+            <a:ext cx="7308000" cy="429622"/>
+          </a:xfrm>
+        </p:spPr>
+        <p:txBody>
+          <a:bodyPr/>
+          <a:lstStyle/>
+          <a:p>
+            <a:r>
+              <a:rPr lang="de-DE" dirty="0"/>
+              <a:t>Anwendungen</a:t>
+            </a:r>
+          </a:p>
+        </p:txBody>
+      </p:sp>
+      <p:sp>
+        <p:nvSpPr>
+          <p:cNvPr id="7" name="Fußzeilenplatzhalter 6"/>
+          <p:cNvSpPr>
+            <a:spLocks noGrp="1"/>
+          </p:cNvSpPr>
+          <p:nvPr>
+            <p:ph type="ftr" sz="quarter" idx="3"/>
+          </p:nvPr>
+        </p:nvSpPr>
+        <p:spPr/>
+        <p:txBody>
+          <a:bodyPr/>
+          <a:lstStyle/>
+          <a:p>
+            <a:r>
+              <a:rPr lang="de-DE" dirty="0"/>
+              <a:t>TU Bergakademie Freiberg | Vortragender: Florian Schierz | 2022</a:t>
+            </a:r>
+          </a:p>
+        </p:txBody>
+      </p:sp>
+      <p:sp>
+        <p:nvSpPr>
+          <p:cNvPr id="8" name="Textfeld 7">
+            <a:extLst>
+              <a:ext uri="{FF2B5EF4-FFF2-40B4-BE49-F238E27FC236}">
+                <a16:creationId xmlns:a16="http://schemas.microsoft.com/office/drawing/2014/main" id="{FFAF0D22-364A-FFB6-C212-9497C974D5B8}"/>
+              </a:ext>
+            </a:extLst>
+          </p:cNvPr>
+          <p:cNvSpPr txBox="1"/>
+          <p:nvPr/>
+        </p:nvSpPr>
+        <p:spPr>
+          <a:xfrm>
+            <a:off x="611560" y="1203598"/>
             <a:ext cx="3960440" cy="1200329"/>
           </a:xfrm>
           <a:prstGeom prst="rect">
@@ -9366,7 +9711,7 @@
 </p:sld>
 </file>
 
-<file path=ppt/slides/slide21.xml><?xml version="1.0" encoding="utf-8"?>
+<file path=ppt/slides/slide22.xml><?xml version="1.0" encoding="utf-8"?>
 <p:sld xmlns:a="http://schemas.openxmlformats.org/drawingml/2006/main" xmlns:r="http://schemas.openxmlformats.org/officeDocument/2006/relationships" xmlns:p="http://schemas.openxmlformats.org/presentationml/2006/main">
   <p:cSld>
     <p:spTree>
@@ -9401,7 +9746,7 @@
             <a:fld id="{F9CA7F02-FF28-4D8F-AF3B-6C950C783A54}" type="slidenum">
               <a:rPr lang="de-DE" smtClean="0"/>
               <a:pPr/>
-              <a:t>21</a:t>
+              <a:t>22</a:t>
             </a:fld>
             <a:endParaRPr lang="de-DE"/>
           </a:p>
@@ -9823,7 +10168,7 @@
 </p:sld>
 </file>
 
-<file path=ppt/slides/slide22.xml><?xml version="1.0" encoding="utf-8"?>
+<file path=ppt/slides/slide23.xml><?xml version="1.0" encoding="utf-8"?>
 <p:sld xmlns:a="http://schemas.openxmlformats.org/drawingml/2006/main" xmlns:r="http://schemas.openxmlformats.org/officeDocument/2006/relationships" xmlns:p="http://schemas.openxmlformats.org/presentationml/2006/main">
   <p:cSld>
     <p:spTree>
@@ -9858,7 +10203,7 @@
             <a:fld id="{F9CA7F02-FF28-4D8F-AF3B-6C950C783A54}" type="slidenum">
               <a:rPr lang="de-DE" smtClean="0"/>
               <a:pPr/>
-              <a:t>22</a:t>
+              <a:t>23</a:t>
             </a:fld>
             <a:endParaRPr lang="de-DE"/>
           </a:p>
@@ -10167,7 +10512,7 @@
 </p:sld>
 </file>
 
-<file path=ppt/slides/slide23.xml><?xml version="1.0" encoding="utf-8"?>
+<file path=ppt/slides/slide24.xml><?xml version="1.0" encoding="utf-8"?>
 <p:sld xmlns:a="http://schemas.openxmlformats.org/drawingml/2006/main" xmlns:r="http://schemas.openxmlformats.org/officeDocument/2006/relationships" xmlns:p="http://schemas.openxmlformats.org/presentationml/2006/main">
   <p:cSld>
     <p:spTree>
@@ -10202,7 +10547,7 @@
             <a:fld id="{F9CA7F02-FF28-4D8F-AF3B-6C950C783A54}" type="slidenum">
               <a:rPr lang="de-DE" smtClean="0"/>
               <a:pPr/>
-              <a:t>23</a:t>
+              <a:t>24</a:t>
             </a:fld>
             <a:endParaRPr lang="de-DE"/>
           </a:p>
@@ -10595,7 +10940,7 @@
 </p:sld>
 </file>
 
-<file path=ppt/slides/slide24.xml><?xml version="1.0" encoding="utf-8"?>
+<file path=ppt/slides/slide25.xml><?xml version="1.0" encoding="utf-8"?>
 <p:sld xmlns:a="http://schemas.openxmlformats.org/drawingml/2006/main" xmlns:r="http://schemas.openxmlformats.org/officeDocument/2006/relationships" xmlns:p="http://schemas.openxmlformats.org/presentationml/2006/main">
   <p:cSld>
     <p:spTree>
@@ -10630,7 +10975,7 @@
             <a:fld id="{F9CA7F02-FF28-4D8F-AF3B-6C950C783A54}" type="slidenum">
               <a:rPr lang="de-DE" smtClean="0"/>
               <a:pPr/>
-              <a:t>24</a:t>
+              <a:t>25</a:t>
             </a:fld>
             <a:endParaRPr lang="de-DE"/>
           </a:p>
@@ -10962,387 +11307,6 @@
 </p:sld>
 </file>
 
-<file path=ppt/slides/slide25.xml><?xml version="1.0" encoding="utf-8"?>
-<p:sld xmlns:a="http://schemas.openxmlformats.org/drawingml/2006/main" xmlns:r="http://schemas.openxmlformats.org/officeDocument/2006/relationships" xmlns:p="http://schemas.openxmlformats.org/presentationml/2006/main">
-  <p:cSld>
-    <p:spTree>
-      <p:nvGrpSpPr>
-        <p:cNvPr id="1" name=""/>
-        <p:cNvGrpSpPr/>
-        <p:nvPr/>
-      </p:nvGrpSpPr>
-      <p:grpSpPr>
-        <a:xfrm>
-          <a:off x="0" y="0"/>
-          <a:ext cx="0" cy="0"/>
-          <a:chOff x="0" y="0"/>
-          <a:chExt cx="0" cy="0"/>
-        </a:xfrm>
-      </p:grpSpPr>
-      <p:sp>
-        <p:nvSpPr>
-          <p:cNvPr id="6" name="Foliennummernplatzhalter 5"/>
-          <p:cNvSpPr>
-            <a:spLocks noGrp="1"/>
-          </p:cNvSpPr>
-          <p:nvPr>
-            <p:ph type="sldNum" sz="quarter" idx="4"/>
-          </p:nvPr>
-        </p:nvSpPr>
-        <p:spPr/>
-        <p:txBody>
-          <a:bodyPr/>
-          <a:lstStyle/>
-          <a:p>
-            <a:fld id="{F9CA7F02-FF28-4D8F-AF3B-6C950C783A54}" type="slidenum">
-              <a:rPr lang="de-DE" smtClean="0"/>
-              <a:pPr/>
-              <a:t>25</a:t>
-            </a:fld>
-            <a:endParaRPr lang="de-DE"/>
-          </a:p>
-        </p:txBody>
-      </p:sp>
-      <p:sp>
-        <p:nvSpPr>
-          <p:cNvPr id="3" name="Titel 2"/>
-          <p:cNvSpPr>
-            <a:spLocks noGrp="1"/>
-          </p:cNvSpPr>
-          <p:nvPr>
-            <p:ph type="title"/>
-          </p:nvPr>
-        </p:nvSpPr>
-        <p:spPr/>
-        <p:txBody>
-          <a:bodyPr/>
-          <a:lstStyle/>
-          <a:p>
-            <a:r>
-              <a:rPr lang="de-DE" dirty="0"/>
-              <a:t>BLOOM-FILTER</a:t>
-            </a:r>
-          </a:p>
-        </p:txBody>
-      </p:sp>
-      <p:sp>
-        <p:nvSpPr>
-          <p:cNvPr id="4" name="Inhaltsplatzhalter 3"/>
-          <p:cNvSpPr>
-            <a:spLocks noGrp="1"/>
-          </p:cNvSpPr>
-          <p:nvPr>
-            <p:ph sz="quarter" idx="13"/>
-          </p:nvPr>
-        </p:nvSpPr>
-        <p:spPr>
-          <a:xfrm>
-            <a:off x="936000" y="699542"/>
-            <a:ext cx="7308000" cy="429622"/>
-          </a:xfrm>
-        </p:spPr>
-        <p:txBody>
-          <a:bodyPr/>
-          <a:lstStyle/>
-          <a:p>
-            <a:r>
-              <a:rPr lang="de-DE" dirty="0"/>
-              <a:t>Zusammenfassung</a:t>
-            </a:r>
-          </a:p>
-        </p:txBody>
-      </p:sp>
-      <p:sp>
-        <p:nvSpPr>
-          <p:cNvPr id="7" name="Fußzeilenplatzhalter 6"/>
-          <p:cNvSpPr>
-            <a:spLocks noGrp="1"/>
-          </p:cNvSpPr>
-          <p:nvPr>
-            <p:ph type="ftr" sz="quarter" idx="3"/>
-          </p:nvPr>
-        </p:nvSpPr>
-        <p:spPr/>
-        <p:txBody>
-          <a:bodyPr/>
-          <a:lstStyle/>
-          <a:p>
-            <a:r>
-              <a:rPr lang="de-DE" dirty="0"/>
-              <a:t>TU Bergakademie Freiberg | Vortragender: Florian Schierz | 2022</a:t>
-            </a:r>
-          </a:p>
-        </p:txBody>
-      </p:sp>
-      <p:sp>
-        <p:nvSpPr>
-          <p:cNvPr id="8" name="Textfeld 7">
-            <a:extLst>
-              <a:ext uri="{FF2B5EF4-FFF2-40B4-BE49-F238E27FC236}">
-                <a16:creationId xmlns:a16="http://schemas.microsoft.com/office/drawing/2014/main" id="{093EC415-536A-DF25-47D2-0D0A17C6051B}"/>
-              </a:ext>
-            </a:extLst>
-          </p:cNvPr>
-          <p:cNvSpPr txBox="1"/>
-          <p:nvPr/>
-        </p:nvSpPr>
-        <p:spPr>
-          <a:xfrm>
-            <a:off x="611560" y="1203598"/>
-            <a:ext cx="6768752" cy="2585323"/>
-          </a:xfrm>
-          <a:prstGeom prst="rect">
-            <a:avLst/>
-          </a:prstGeom>
-          <a:noFill/>
-        </p:spPr>
-        <p:txBody>
-          <a:bodyPr wrap="square" rtlCol="0">
-            <a:spAutoFit/>
-          </a:bodyPr>
-          <a:lstStyle/>
-          <a:p>
-            <a:pPr marL="285750" indent="-285750">
-              <a:buFont typeface="Arial" panose="020B0604020202020204" pitchFamily="34" charset="0"/>
-              <a:buChar char="•"/>
-            </a:pPr>
-            <a:r>
-              <a:rPr lang="de-DE" dirty="0">
-                <a:solidFill>
-                  <a:srgbClr val="000000"/>
-                </a:solidFill>
-              </a:rPr>
-              <a:t>In </a:t>
-            </a:r>
-            <a:r>
-              <a:rPr lang="de-DE" b="1" dirty="0">
-                <a:solidFill>
-                  <a:srgbClr val="000000"/>
-                </a:solidFill>
-              </a:rPr>
-              <a:t>Praxis</a:t>
-            </a:r>
-            <a:r>
-              <a:rPr lang="de-DE" dirty="0">
-                <a:solidFill>
-                  <a:srgbClr val="000000"/>
-                </a:solidFill>
-              </a:rPr>
-              <a:t> und </a:t>
-            </a:r>
-            <a:r>
-              <a:rPr lang="de-DE" b="1" dirty="0">
-                <a:solidFill>
-                  <a:srgbClr val="000000"/>
-                </a:solidFill>
-              </a:rPr>
-              <a:t>Literatur</a:t>
-            </a:r>
-            <a:r>
-              <a:rPr lang="de-DE" dirty="0">
-                <a:solidFill>
-                  <a:srgbClr val="000000"/>
-                </a:solidFill>
-              </a:rPr>
-              <a:t> seit Erfindung (1970) oft thematisiert</a:t>
-            </a:r>
-          </a:p>
-          <a:p>
-            <a:pPr marL="285750" indent="-285750">
-              <a:buFont typeface="Arial" panose="020B0604020202020204" pitchFamily="34" charset="0"/>
-              <a:buChar char="•"/>
-            </a:pPr>
-            <a:r>
-              <a:rPr lang="de-DE" dirty="0">
-                <a:solidFill>
-                  <a:srgbClr val="000000"/>
-                </a:solidFill>
-              </a:rPr>
-              <a:t>Beliebt aufgrund der </a:t>
-            </a:r>
-            <a:r>
-              <a:rPr lang="de-DE" b="1" dirty="0">
-                <a:solidFill>
-                  <a:srgbClr val="000000"/>
-                </a:solidFill>
-              </a:rPr>
-              <a:t>Effizienz</a:t>
-            </a:r>
-            <a:r>
-              <a:rPr lang="de-DE" dirty="0">
-                <a:solidFill>
-                  <a:srgbClr val="000000"/>
-                </a:solidFill>
-              </a:rPr>
-              <a:t> und </a:t>
-            </a:r>
-            <a:r>
-              <a:rPr lang="de-DE" b="1" dirty="0">
-                <a:solidFill>
-                  <a:srgbClr val="000000"/>
-                </a:solidFill>
-              </a:rPr>
-              <a:t>Vielseitigkeit</a:t>
-            </a:r>
-          </a:p>
-          <a:p>
-            <a:pPr marL="285750" indent="-285750">
-              <a:buFont typeface="Arial" panose="020B0604020202020204" pitchFamily="34" charset="0"/>
-              <a:buChar char="•"/>
-            </a:pPr>
-            <a:r>
-              <a:rPr lang="de-DE" dirty="0">
-                <a:solidFill>
-                  <a:srgbClr val="000000"/>
-                </a:solidFill>
-              </a:rPr>
-              <a:t>Ständige </a:t>
-            </a:r>
-            <a:r>
-              <a:rPr lang="de-DE" b="1" dirty="0">
-                <a:solidFill>
-                  <a:srgbClr val="000000"/>
-                </a:solidFill>
-              </a:rPr>
-              <a:t>Weiterentwicklung</a:t>
-            </a:r>
-            <a:r>
-              <a:rPr lang="de-DE" dirty="0">
-                <a:solidFill>
-                  <a:srgbClr val="000000"/>
-                </a:solidFill>
-              </a:rPr>
-              <a:t>, neue </a:t>
-            </a:r>
-            <a:r>
-              <a:rPr lang="de-DE" b="1" dirty="0">
-                <a:solidFill>
-                  <a:srgbClr val="000000"/>
-                </a:solidFill>
-              </a:rPr>
-              <a:t>Varianten</a:t>
-            </a:r>
-            <a:r>
-              <a:rPr lang="de-DE" dirty="0">
-                <a:solidFill>
-                  <a:srgbClr val="000000"/>
-                </a:solidFill>
-              </a:rPr>
-              <a:t> </a:t>
-            </a:r>
-          </a:p>
-          <a:p>
-            <a:r>
-              <a:rPr lang="de-DE" dirty="0">
-                <a:solidFill>
-                  <a:srgbClr val="000000"/>
-                </a:solidFill>
-                <a:sym typeface="Wingdings" panose="05000000000000000000" pitchFamily="2" charset="2"/>
-              </a:rPr>
-              <a:t>	</a:t>
-            </a:r>
-            <a:r>
-              <a:rPr lang="de-DE" dirty="0">
-                <a:solidFill>
-                  <a:srgbClr val="000000"/>
-                </a:solidFill>
-              </a:rPr>
-              <a:t>Welche Variante ist am </a:t>
-            </a:r>
-            <a:r>
-              <a:rPr lang="de-DE" b="1" dirty="0">
-                <a:solidFill>
-                  <a:srgbClr val="000000"/>
-                </a:solidFill>
-              </a:rPr>
-              <a:t>besten</a:t>
-            </a:r>
-            <a:r>
-              <a:rPr lang="de-DE" dirty="0">
-                <a:solidFill>
-                  <a:srgbClr val="000000"/>
-                </a:solidFill>
-              </a:rPr>
-              <a:t>?</a:t>
-            </a:r>
-          </a:p>
-          <a:p>
-            <a:pPr marL="285750" indent="-285750">
-              <a:buFont typeface="Arial" panose="020B0604020202020204" pitchFamily="34" charset="0"/>
-              <a:buChar char="•"/>
-            </a:pPr>
-            <a:r>
-              <a:rPr lang="de-DE" dirty="0">
-                <a:solidFill>
-                  <a:srgbClr val="000000"/>
-                </a:solidFill>
-              </a:rPr>
-              <a:t>Benötigt meist </a:t>
-            </a:r>
-            <a:r>
-              <a:rPr lang="de-DE" b="1" dirty="0">
-                <a:solidFill>
-                  <a:srgbClr val="000000"/>
-                </a:solidFill>
-              </a:rPr>
-              <a:t>weitere Datenstruktur</a:t>
-            </a:r>
-            <a:r>
-              <a:rPr lang="de-DE" dirty="0">
-                <a:solidFill>
-                  <a:srgbClr val="000000"/>
-                </a:solidFill>
-              </a:rPr>
-              <a:t>, die Daten wirklich speichert</a:t>
-            </a:r>
-          </a:p>
-          <a:p>
-            <a:pPr marL="285750" indent="-285750">
-              <a:buFont typeface="Arial" panose="020B0604020202020204" pitchFamily="34" charset="0"/>
-              <a:buChar char="•"/>
-            </a:pPr>
-            <a:endParaRPr lang="de-DE" dirty="0">
-              <a:solidFill>
-                <a:srgbClr val="000000"/>
-              </a:solidFill>
-            </a:endParaRPr>
-          </a:p>
-          <a:p>
-            <a:pPr marL="285750" indent="-285750">
-              <a:buFont typeface="Arial" panose="020B0604020202020204" pitchFamily="34" charset="0"/>
-              <a:buChar char="•"/>
-            </a:pPr>
-            <a:r>
-              <a:rPr lang="de-DE" b="1" dirty="0">
-                <a:solidFill>
-                  <a:srgbClr val="0064A8"/>
-                </a:solidFill>
-              </a:rPr>
-              <a:t>Ist eine Datenstruktur mit den Eigenschaften des Bloom-Filters möglich, die zudem die Elemente selbst speichert?</a:t>
-            </a:r>
-          </a:p>
-          <a:p>
-            <a:pPr marL="285750" indent="-285750">
-              <a:buFont typeface="Arial" panose="020B0604020202020204" pitchFamily="34" charset="0"/>
-              <a:buChar char="•"/>
-            </a:pPr>
-            <a:endParaRPr lang="de-DE" dirty="0"/>
-          </a:p>
-        </p:txBody>
-      </p:sp>
-    </p:spTree>
-    <p:extLst>
-      <p:ext uri="{BB962C8B-B14F-4D97-AF65-F5344CB8AC3E}">
-        <p14:creationId xmlns:p14="http://schemas.microsoft.com/office/powerpoint/2010/main" val="2716102838"/>
-      </p:ext>
-    </p:extLst>
-  </p:cSld>
-  <p:clrMapOvr>
-    <a:masterClrMapping/>
-  </p:clrMapOvr>
-</p:sld>
-</file>
-
 <file path=ppt/slides/slide26.xml><?xml version="1.0" encoding="utf-8"?>
 <p:sld xmlns:a="http://schemas.openxmlformats.org/drawingml/2006/main" xmlns:r="http://schemas.openxmlformats.org/officeDocument/2006/relationships" xmlns:p="http://schemas.openxmlformats.org/presentationml/2006/main">
   <p:cSld>
@@ -11428,7 +11392,7 @@
           <a:p>
             <a:r>
               <a:rPr lang="de-DE" dirty="0"/>
-              <a:t>Diskussion</a:t>
+              <a:t>Zusammenfassung</a:t>
             </a:r>
           </a:p>
         </p:txBody>
@@ -11460,7 +11424,7 @@
           <p:cNvPr id="8" name="Textfeld 7">
             <a:extLst>
               <a:ext uri="{FF2B5EF4-FFF2-40B4-BE49-F238E27FC236}">
-                <a16:creationId xmlns:a16="http://schemas.microsoft.com/office/drawing/2014/main" id="{A04075D0-33B8-9F09-E1F9-193D4F6D6A8C}"/>
+                <a16:creationId xmlns:a16="http://schemas.microsoft.com/office/drawing/2014/main" id="{093EC415-536A-DF25-47D2-0D0A17C6051B}"/>
               </a:ext>
             </a:extLst>
           </p:cNvPr>
@@ -11470,7 +11434,7 @@
         <p:spPr>
           <a:xfrm>
             <a:off x="611560" y="1203598"/>
-            <a:ext cx="4968552" cy="1754326"/>
+            <a:ext cx="6768752" cy="2585323"/>
           </a:xfrm>
           <a:prstGeom prst="rect">
             <a:avLst/>
@@ -11488,8 +11452,44 @@
               <a:buChar char="•"/>
             </a:pPr>
             <a:r>
-              <a:rPr lang="de-DE" dirty="0"/>
-              <a:t>Prinzipielle Idee</a:t>
+              <a:rPr lang="de-DE" dirty="0">
+                <a:solidFill>
+                  <a:srgbClr val="000000"/>
+                </a:solidFill>
+              </a:rPr>
+              <a:t>In </a:t>
+            </a:r>
+            <a:r>
+              <a:rPr lang="de-DE" b="1" dirty="0">
+                <a:solidFill>
+                  <a:srgbClr val="000000"/>
+                </a:solidFill>
+              </a:rPr>
+              <a:t>Praxis</a:t>
+            </a:r>
+            <a:r>
+              <a:rPr lang="de-DE" dirty="0">
+                <a:solidFill>
+                  <a:srgbClr val="000000"/>
+                </a:solidFill>
+              </a:rPr>
+              <a:t> und </a:t>
+            </a:r>
+            <a:r>
+              <a:rPr lang="de-DE" b="1" dirty="0">
+                <a:solidFill>
+                  <a:srgbClr val="000000"/>
+                </a:solidFill>
+              </a:rPr>
+              <a:t>Literatur</a:t>
+            </a:r>
+            <a:r>
+              <a:rPr lang="de-DE" dirty="0">
+                <a:solidFill>
+                  <a:srgbClr val="000000"/>
+                </a:solidFill>
+              </a:rPr>
+              <a:t> seit Erfindung (1970) oft thematisiert</a:t>
             </a:r>
           </a:p>
           <a:p>
@@ -11498,8 +11498,36 @@
               <a:buChar char="•"/>
             </a:pPr>
             <a:r>
-              <a:rPr lang="de-DE" dirty="0"/>
-              <a:t>Anwendungen</a:t>
+              <a:rPr lang="de-DE" dirty="0">
+                <a:solidFill>
+                  <a:srgbClr val="000000"/>
+                </a:solidFill>
+              </a:rPr>
+              <a:t>Beliebt aufgrund der </a:t>
+            </a:r>
+            <a:r>
+              <a:rPr lang="de-DE" b="1" dirty="0">
+                <a:solidFill>
+                  <a:srgbClr val="000000"/>
+                </a:solidFill>
+              </a:rPr>
+              <a:t>Effizienz</a:t>
+            </a:r>
+            <a:r>
+              <a:rPr lang="de-DE" dirty="0">
+                <a:solidFill>
+                  <a:srgbClr val="000000"/>
+                </a:solidFill>
+              </a:rPr>
+              <a:t> und </a:t>
+            </a:r>
+            <a:r>
+              <a:rPr lang="de-DE" b="1" dirty="0">
+                <a:solidFill>
+                  <a:srgbClr val="000000"/>
+                </a:solidFill>
+              </a:rPr>
+              <a:t>Vielseitigkeit</a:t>
             </a:r>
           </a:p>
           <a:p>
@@ -11508,8 +11536,79 @@
               <a:buChar char="•"/>
             </a:pPr>
             <a:r>
-              <a:rPr lang="de-DE" dirty="0"/>
-              <a:t>Funktionsweise und Operationen</a:t>
+              <a:rPr lang="de-DE" dirty="0">
+                <a:solidFill>
+                  <a:srgbClr val="000000"/>
+                </a:solidFill>
+              </a:rPr>
+              <a:t>Ständige </a:t>
+            </a:r>
+            <a:r>
+              <a:rPr lang="de-DE" b="1" dirty="0">
+                <a:solidFill>
+                  <a:srgbClr val="000000"/>
+                </a:solidFill>
+              </a:rPr>
+              <a:t>Weiterentwicklung</a:t>
+            </a:r>
+            <a:r>
+              <a:rPr lang="de-DE" dirty="0">
+                <a:solidFill>
+                  <a:srgbClr val="000000"/>
+                </a:solidFill>
+              </a:rPr>
+              <a:t>, neue </a:t>
+            </a:r>
+            <a:r>
+              <a:rPr lang="de-DE" b="1" dirty="0">
+                <a:solidFill>
+                  <a:srgbClr val="000000"/>
+                </a:solidFill>
+              </a:rPr>
+              <a:t>Varianten</a:t>
+            </a:r>
+            <a:r>
+              <a:rPr lang="de-DE" dirty="0">
+                <a:solidFill>
+                  <a:srgbClr val="000000"/>
+                </a:solidFill>
+              </a:rPr>
+              <a:t> </a:t>
+            </a:r>
+          </a:p>
+          <a:p>
+            <a:r>
+              <a:rPr lang="de-DE" dirty="0">
+                <a:solidFill>
+                  <a:srgbClr val="000000"/>
+                </a:solidFill>
+                <a:sym typeface="Wingdings" panose="05000000000000000000" pitchFamily="2" charset="2"/>
+              </a:rPr>
+              <a:t>	</a:t>
+            </a:r>
+            <a:r>
+              <a:rPr lang="de-DE" dirty="0">
+                <a:solidFill>
+                  <a:srgbClr val="000000"/>
+                </a:solidFill>
+              </a:rPr>
+              <a:t>Welche Variante ist am </a:t>
+            </a:r>
+            <a:r>
+              <a:rPr lang="de-DE" b="1" dirty="0">
+                <a:solidFill>
+                  <a:srgbClr val="000000"/>
+                </a:solidFill>
+              </a:rPr>
+              <a:t>besten</a:t>
+            </a:r>
+            <a:r>
+              <a:rPr lang="de-DE" dirty="0">
+                <a:solidFill>
+                  <a:srgbClr val="000000"/>
+                </a:solidFill>
+              </a:rPr>
+              <a:t>?</a:t>
             </a:r>
           </a:p>
           <a:p>
@@ -11518,8 +11617,28 @@
               <a:buChar char="•"/>
             </a:pPr>
             <a:r>
-              <a:rPr lang="de-DE" dirty="0"/>
-              <a:t>Varianten</a:t>
+              <a:rPr lang="de-DE" dirty="0">
+                <a:solidFill>
+                  <a:srgbClr val="000000"/>
+                </a:solidFill>
+              </a:rPr>
+              <a:t>Benötigt meist </a:t>
+            </a:r>
+            <a:r>
+              <a:rPr lang="de-DE" b="1" dirty="0">
+                <a:solidFill>
+                  <a:srgbClr val="000000"/>
+                </a:solidFill>
+              </a:rPr>
+              <a:t>weitere Datenstruktur</a:t>
+            </a:r>
+            <a:r>
+              <a:rPr lang="de-DE" dirty="0">
+                <a:solidFill>
+                  <a:srgbClr val="000000"/>
+                </a:solidFill>
+              </a:rPr>
+              <a:t>, die Daten wirklich speichert</a:t>
             </a:r>
           </a:p>
           <a:p>
@@ -11527,10 +11646,11 @@
               <a:buFont typeface="Arial" panose="020B0604020202020204" pitchFamily="34" charset="0"/>
               <a:buChar char="•"/>
             </a:pPr>
-            <a:r>
-              <a:rPr lang="de-DE" dirty="0"/>
-              <a:t>Zusammenfassung</a:t>
-            </a:r>
+            <a:endParaRPr lang="de-DE" dirty="0">
+              <a:solidFill>
+                <a:srgbClr val="000000"/>
+              </a:solidFill>
+            </a:endParaRPr>
           </a:p>
           <a:p>
             <a:pPr marL="285750" indent="-285750">
@@ -11538,16 +11658,27 @@
               <a:buChar char="•"/>
             </a:pPr>
             <a:r>
-              <a:rPr lang="de-DE" dirty="0"/>
-              <a:t>Quellen</a:t>
-            </a:r>
+              <a:rPr lang="de-DE" b="1" dirty="0">
+                <a:solidFill>
+                  <a:srgbClr val="0064A8"/>
+                </a:solidFill>
+              </a:rPr>
+              <a:t>Ist eine Datenstruktur mit den Eigenschaften des Bloom-Filters möglich, die zudem die Elemente selbst speichert?</a:t>
+            </a:r>
+          </a:p>
+          <a:p>
+            <a:pPr marL="285750" indent="-285750">
+              <a:buFont typeface="Arial" panose="020B0604020202020204" pitchFamily="34" charset="0"/>
+              <a:buChar char="•"/>
+            </a:pPr>
+            <a:endParaRPr lang="de-DE" dirty="0"/>
           </a:p>
         </p:txBody>
       </p:sp>
     </p:spTree>
     <p:extLst>
       <p:ext uri="{BB962C8B-B14F-4D97-AF65-F5344CB8AC3E}">
-        <p14:creationId xmlns:p14="http://schemas.microsoft.com/office/powerpoint/2010/main" val="2003097720"/>
+        <p14:creationId xmlns:p14="http://schemas.microsoft.com/office/powerpoint/2010/main" val="2716102838"/>
       </p:ext>
     </p:extLst>
   </p:cSld>
@@ -11642,7 +11773,7 @@
           <a:p>
             <a:r>
               <a:rPr lang="de-DE" dirty="0"/>
-              <a:t>Quellen</a:t>
+              <a:t>Diskussion</a:t>
             </a:r>
           </a:p>
         </p:txBody>
@@ -11671,10 +11802,10 @@
       </p:sp>
       <p:sp>
         <p:nvSpPr>
-          <p:cNvPr id="11" name="Textfeld 10">
+          <p:cNvPr id="8" name="Textfeld 7">
             <a:extLst>
               <a:ext uri="{FF2B5EF4-FFF2-40B4-BE49-F238E27FC236}">
-                <a16:creationId xmlns:a16="http://schemas.microsoft.com/office/drawing/2014/main" id="{AED7FCD8-3C56-4B11-ADA2-B181B3B96684}"/>
+                <a16:creationId xmlns:a16="http://schemas.microsoft.com/office/drawing/2014/main" id="{A04075D0-33B8-9F09-E1F9-193D4F6D6A8C}"/>
               </a:ext>
             </a:extLst>
           </p:cNvPr>
@@ -11683,8 +11814,8 @@
         </p:nvSpPr>
         <p:spPr>
           <a:xfrm>
-            <a:off x="611560" y="1419622"/>
-            <a:ext cx="8064896" cy="2800767"/>
+            <a:off x="611560" y="1203598"/>
+            <a:ext cx="4968552" cy="1754326"/>
           </a:xfrm>
           <a:prstGeom prst="rect">
             <a:avLst/>
@@ -11702,22 +11833,8 @@
               <a:buChar char="•"/>
             </a:pPr>
             <a:r>
-              <a:rPr lang="en-US" sz="1600" dirty="0">
-                <a:latin typeface="Segoe UI" panose="020B0502040204020203" pitchFamily="34" charset="0"/>
-              </a:rPr>
-              <a:t>[1] Burton H. Bloom, 1970, Space/time trade-offs in hash coding with allowable errors, </a:t>
-            </a:r>
-            <a:r>
-              <a:rPr lang="en-US" sz="1600" i="1" dirty="0">
-                <a:latin typeface="Segoe UI" panose="020B0502040204020203" pitchFamily="34" charset="0"/>
-              </a:rPr>
-              <a:t>Communications of the ACM</a:t>
-            </a:r>
-            <a:r>
-              <a:rPr lang="en-US" sz="1600" i="0" dirty="0">
-                <a:latin typeface="Segoe UI" panose="020B0502040204020203" pitchFamily="34" charset="0"/>
-              </a:rPr>
-              <a:t> 13, Issue 7, 422–426. DOI: https://doi.org/10.1145/362686.362692.</a:t>
+              <a:rPr lang="de-DE" dirty="0"/>
+              <a:t>Prinzipielle Idee</a:t>
             </a:r>
           </a:p>
           <a:p>
@@ -11726,58 +11843,8 @@
               <a:buChar char="•"/>
             </a:pPr>
             <a:r>
-              <a:rPr lang="en-US" sz="1600" dirty="0">
-                <a:latin typeface="Segoe UI" panose="020B0502040204020203" pitchFamily="34" charset="0"/>
-              </a:rPr>
-              <a:t>[2] </a:t>
-            </a:r>
-            <a:r>
-              <a:rPr lang="en-US" sz="1600" dirty="0" err="1">
-                <a:latin typeface="Segoe UI" panose="020B0502040204020203" pitchFamily="34" charset="0"/>
-              </a:rPr>
-              <a:t>Saibal</a:t>
-            </a:r>
-            <a:r>
-              <a:rPr lang="en-US" sz="1600" dirty="0">
-                <a:latin typeface="Segoe UI" panose="020B0502040204020203" pitchFamily="34" charset="0"/>
-              </a:rPr>
-              <a:t> Kumar Pal and Puneet Sardana, 2012, BLOOM FILTERS &amp; THEIR APPLICATIONS, </a:t>
-            </a:r>
-            <a:r>
-              <a:rPr lang="en-US" sz="1600" i="1" dirty="0">
-                <a:latin typeface="Segoe UI" panose="020B0502040204020203" pitchFamily="34" charset="0"/>
-              </a:rPr>
-              <a:t>International Journal of Computer Applications Technology and Research</a:t>
-            </a:r>
-            <a:r>
-              <a:rPr lang="en-US" sz="1600" i="0" dirty="0">
-                <a:latin typeface="Segoe UI" panose="020B0502040204020203" pitchFamily="34" charset="0"/>
-              </a:rPr>
-              <a:t> 1, 25–29. </a:t>
-            </a:r>
-            <a:r>
-              <a:rPr lang="en-US" sz="1600" dirty="0">
-                <a:latin typeface="Segoe UI" panose="020B0502040204020203" pitchFamily="34" charset="0"/>
-              </a:rPr>
-              <a:t>DOI: https://doi.org/10.7753/2012.1006</a:t>
-            </a:r>
-            <a:r>
-              <a:rPr lang="en-US" sz="1600" i="0" dirty="0">
-                <a:latin typeface="Segoe UI" panose="020B0502040204020203" pitchFamily="34" charset="0"/>
-              </a:rPr>
-              <a:t> https://ui.adsabs.harvard.edu/</a:t>
-            </a:r>
-            <a:r>
-              <a:rPr lang="en-US" sz="1600" i="0" dirty="0" err="1">
-                <a:latin typeface="Segoe UI" panose="020B0502040204020203" pitchFamily="34" charset="0"/>
-              </a:rPr>
-              <a:t>link_gateway</a:t>
-            </a:r>
-            <a:r>
-              <a:rPr lang="en-US" sz="1600" i="0" dirty="0">
-                <a:latin typeface="Segoe UI" panose="020B0502040204020203" pitchFamily="34" charset="0"/>
-              </a:rPr>
-              <a:t>/2012IJCAT...1...25P/doi:10.7753/2012.1006</a:t>
+              <a:rPr lang="de-DE" dirty="0"/>
+              <a:t>Anwendungen</a:t>
             </a:r>
           </a:p>
           <a:p>
@@ -11786,136 +11853,46 @@
               <a:buChar char="•"/>
             </a:pPr>
             <a:r>
-              <a:rPr lang="de-DE" sz="1600" dirty="0">
-                <a:latin typeface="Segoe UI" panose="020B0502040204020203" pitchFamily="34" charset="0"/>
-              </a:rPr>
-              <a:t>[3] </a:t>
-            </a:r>
-            <a:r>
-              <a:rPr lang="de-DE" sz="1600" dirty="0" err="1">
-                <a:latin typeface="Segoe UI" panose="020B0502040204020203" pitchFamily="34" charset="0"/>
-              </a:rPr>
-              <a:t>Ripon</a:t>
-            </a:r>
-            <a:r>
-              <a:rPr lang="de-DE" sz="1600" dirty="0">
-                <a:latin typeface="Segoe UI" panose="020B0502040204020203" pitchFamily="34" charset="0"/>
-              </a:rPr>
-              <a:t> </a:t>
-            </a:r>
-            <a:r>
-              <a:rPr lang="de-DE" sz="1600" dirty="0" err="1">
-                <a:latin typeface="Segoe UI" panose="020B0502040204020203" pitchFamily="34" charset="0"/>
-              </a:rPr>
-              <a:t>Patgiri</a:t>
-            </a:r>
-            <a:r>
-              <a:rPr lang="de-DE" sz="1600" dirty="0">
-                <a:latin typeface="Segoe UI" panose="020B0502040204020203" pitchFamily="34" charset="0"/>
-              </a:rPr>
-              <a:t>, </a:t>
-            </a:r>
-            <a:r>
-              <a:rPr lang="de-DE" sz="1600" dirty="0" err="1">
-                <a:latin typeface="Segoe UI" panose="020B0502040204020203" pitchFamily="34" charset="0"/>
-              </a:rPr>
-              <a:t>Sabuzima</a:t>
-            </a:r>
-            <a:r>
-              <a:rPr lang="de-DE" sz="1600" dirty="0">
-                <a:latin typeface="Segoe UI" panose="020B0502040204020203" pitchFamily="34" charset="0"/>
-              </a:rPr>
-              <a:t> </a:t>
-            </a:r>
-            <a:r>
-              <a:rPr lang="de-DE" sz="1600" dirty="0" err="1">
-                <a:latin typeface="Segoe UI" panose="020B0502040204020203" pitchFamily="34" charset="0"/>
-              </a:rPr>
-              <a:t>Nayak</a:t>
-            </a:r>
-            <a:r>
-              <a:rPr lang="de-DE" sz="1600" dirty="0">
-                <a:latin typeface="Segoe UI" panose="020B0502040204020203" pitchFamily="34" charset="0"/>
-              </a:rPr>
-              <a:t>, and Samir </a:t>
-            </a:r>
-            <a:r>
-              <a:rPr lang="de-DE" sz="1600" dirty="0" err="1">
-                <a:latin typeface="Segoe UI" panose="020B0502040204020203" pitchFamily="34" charset="0"/>
-              </a:rPr>
-              <a:t>Borgohain</a:t>
-            </a:r>
-            <a:r>
-              <a:rPr lang="de-DE" sz="1600" dirty="0">
-                <a:latin typeface="Segoe UI" panose="020B0502040204020203" pitchFamily="34" charset="0"/>
-              </a:rPr>
-              <a:t>. 2018. </a:t>
-            </a:r>
-            <a:r>
-              <a:rPr lang="de-DE" sz="1600" dirty="0" err="1">
-                <a:latin typeface="Segoe UI" panose="020B0502040204020203" pitchFamily="34" charset="0"/>
-              </a:rPr>
-              <a:t>Preventing</a:t>
-            </a:r>
-            <a:r>
-              <a:rPr lang="de-DE" sz="1600" dirty="0">
-                <a:latin typeface="Segoe UI" panose="020B0502040204020203" pitchFamily="34" charset="0"/>
-              </a:rPr>
-              <a:t> DDoS </a:t>
-            </a:r>
-            <a:r>
-              <a:rPr lang="de-DE" sz="1600" dirty="0" err="1">
-                <a:latin typeface="Segoe UI" panose="020B0502040204020203" pitchFamily="34" charset="0"/>
-              </a:rPr>
-              <a:t>using</a:t>
-            </a:r>
-            <a:r>
-              <a:rPr lang="de-DE" sz="1600" dirty="0">
-                <a:latin typeface="Segoe UI" panose="020B0502040204020203" pitchFamily="34" charset="0"/>
-              </a:rPr>
-              <a:t> Bloom Filter: A Survey. </a:t>
-            </a:r>
-            <a:r>
-              <a:rPr lang="de-DE" sz="1600" i="1" dirty="0">
-                <a:latin typeface="Segoe UI" panose="020B0502040204020203" pitchFamily="34" charset="0"/>
-              </a:rPr>
-              <a:t>ICST Transactions on </a:t>
-            </a:r>
-            <a:r>
-              <a:rPr lang="de-DE" sz="1600" i="1" dirty="0" err="1">
-                <a:latin typeface="Segoe UI" panose="020B0502040204020203" pitchFamily="34" charset="0"/>
-              </a:rPr>
-              <a:t>Scalable</a:t>
-            </a:r>
-            <a:r>
-              <a:rPr lang="de-DE" sz="1600" i="1" dirty="0">
-                <a:latin typeface="Segoe UI" panose="020B0502040204020203" pitchFamily="34" charset="0"/>
-              </a:rPr>
-              <a:t> Information Systems</a:t>
-            </a:r>
-            <a:r>
-              <a:rPr lang="de-DE" sz="1600" i="0" dirty="0">
-                <a:latin typeface="Segoe UI" panose="020B0502040204020203" pitchFamily="34" charset="0"/>
-              </a:rPr>
-              <a:t> 5, 19, 155865. DOI: </a:t>
-            </a:r>
-            <a:r>
-              <a:rPr lang="de-DE" sz="1600" i="0" dirty="0">
-                <a:latin typeface="Segoe UI" panose="020B0502040204020203" pitchFamily="34" charset="0"/>
-                <a:hlinkClick r:id="rId2"/>
-              </a:rPr>
-              <a:t>https://doi.org/10.4108%2Feai.19-6-2018.155865</a:t>
-            </a:r>
-            <a:endParaRPr lang="de-DE" sz="1600" i="0" dirty="0">
-              <a:latin typeface="Segoe UI" panose="020B0502040204020203" pitchFamily="34" charset="0"/>
-            </a:endParaRPr>
+              <a:rPr lang="de-DE" dirty="0"/>
+              <a:t>Funktionsweise und Operationen</a:t>
+            </a:r>
+          </a:p>
+          <a:p>
+            <a:pPr marL="285750" indent="-285750">
+              <a:buFont typeface="Arial" panose="020B0604020202020204" pitchFamily="34" charset="0"/>
+              <a:buChar char="•"/>
+            </a:pPr>
+            <a:r>
+              <a:rPr lang="de-DE" dirty="0"/>
+              <a:t>Varianten</a:t>
+            </a:r>
+          </a:p>
+          <a:p>
+            <a:pPr marL="285750" indent="-285750">
+              <a:buFont typeface="Arial" panose="020B0604020202020204" pitchFamily="34" charset="0"/>
+              <a:buChar char="•"/>
+            </a:pPr>
+            <a:r>
+              <a:rPr lang="de-DE" dirty="0"/>
+              <a:t>Zusammenfassung</a:t>
+            </a:r>
+          </a:p>
+          <a:p>
+            <a:pPr marL="285750" indent="-285750">
+              <a:buFont typeface="Arial" panose="020B0604020202020204" pitchFamily="34" charset="0"/>
+              <a:buChar char="•"/>
+            </a:pPr>
+            <a:r>
+              <a:rPr lang="de-DE" dirty="0"/>
+              <a:t>Quellen</a:t>
+            </a:r>
           </a:p>
         </p:txBody>
       </p:sp>
     </p:spTree>
     <p:extLst>
       <p:ext uri="{BB962C8B-B14F-4D97-AF65-F5344CB8AC3E}">
-        <p14:creationId xmlns:p14="http://schemas.microsoft.com/office/powerpoint/2010/main" val="2718584080"/>
+        <p14:creationId xmlns:p14="http://schemas.microsoft.com/office/powerpoint/2010/main" val="2003097720"/>
       </p:ext>
     </p:extLst>
   </p:cSld>
@@ -12070,30 +12047,23 @@
               <a:buChar char="•"/>
             </a:pPr>
             <a:r>
-              <a:rPr lang="de-DE" sz="1600" dirty="0">
-                <a:latin typeface="Segoe UI" panose="020B0502040204020203" pitchFamily="34" charset="0"/>
-              </a:rPr>
-              <a:t>[4] </a:t>
-            </a:r>
-            <a:r>
-              <a:rPr lang="en-US" sz="1600" dirty="0"/>
-              <a:t>Bloom Filter. </a:t>
-            </a:r>
-            <a:r>
-              <a:rPr lang="en-US" sz="1600" i="1" dirty="0"/>
-              <a:t>Brilliant.org</a:t>
-            </a:r>
-            <a:r>
-              <a:rPr lang="en-US" sz="1600" dirty="0"/>
-              <a:t>. Retrieved 18:02, May 12, 2022, from </a:t>
-            </a:r>
-            <a:r>
               <a:rPr lang="en-US" sz="1600" dirty="0">
-                <a:hlinkClick r:id="rId2"/>
-              </a:rPr>
-              <a:t>https://brilliant.org/wiki/bloom-filter/</a:t>
-            </a:r>
-            <a:endParaRPr lang="en-US" sz="1600" dirty="0"/>
+                <a:latin typeface="Segoe UI" panose="020B0502040204020203" pitchFamily="34" charset="0"/>
+              </a:rPr>
+              <a:t>[1] Burton H. Bloom, 1970, Space/time trade-offs in hash coding with allowable errors, </a:t>
+            </a:r>
+            <a:r>
+              <a:rPr lang="en-US" sz="1600" i="1" dirty="0">
+                <a:latin typeface="Segoe UI" panose="020B0502040204020203" pitchFamily="34" charset="0"/>
+              </a:rPr>
+              <a:t>Communications of the ACM</a:t>
+            </a:r>
+            <a:r>
+              <a:rPr lang="en-US" sz="1600" i="0" dirty="0">
+                <a:latin typeface="Segoe UI" panose="020B0502040204020203" pitchFamily="34" charset="0"/>
+              </a:rPr>
+              <a:t> 13, Issue 7, 422–426. DOI: https://doi.org/10.1145/362686.362692.</a:t>
+            </a:r>
           </a:p>
           <a:p>
             <a:pPr marL="285750" indent="-285750">
@@ -12101,51 +12071,59 @@
               <a:buChar char="•"/>
             </a:pPr>
             <a:r>
+              <a:rPr lang="en-US" sz="1600" dirty="0">
+                <a:latin typeface="Segoe UI" panose="020B0502040204020203" pitchFamily="34" charset="0"/>
+              </a:rPr>
+              <a:t>[2] </a:t>
+            </a:r>
+            <a:r>
+              <a:rPr lang="en-US" sz="1600" dirty="0" err="1">
+                <a:latin typeface="Segoe UI" panose="020B0502040204020203" pitchFamily="34" charset="0"/>
+              </a:rPr>
+              <a:t>Saibal</a:t>
+            </a:r>
+            <a:r>
+              <a:rPr lang="en-US" sz="1600" dirty="0">
+                <a:latin typeface="Segoe UI" panose="020B0502040204020203" pitchFamily="34" charset="0"/>
+              </a:rPr>
+              <a:t> Kumar Pal and Puneet Sardana, 2012, BLOOM FILTERS &amp; THEIR APPLICATIONS, </a:t>
+            </a:r>
+            <a:r>
+              <a:rPr lang="en-US" sz="1600" i="1" dirty="0">
+                <a:latin typeface="Segoe UI" panose="020B0502040204020203" pitchFamily="34" charset="0"/>
+              </a:rPr>
+              <a:t>International Journal of Computer Applications Technology and Research</a:t>
+            </a:r>
+            <a:r>
               <a:rPr lang="en-US" sz="1600" i="0" dirty="0">
                 <a:latin typeface="Segoe UI" panose="020B0502040204020203" pitchFamily="34" charset="0"/>
               </a:rPr>
-              <a:t>[5] </a:t>
+              <a:t> 1, 25–29. </a:t>
             </a:r>
             <a:r>
               <a:rPr lang="en-US" sz="1600" dirty="0">
                 <a:latin typeface="Segoe UI" panose="020B0502040204020203" pitchFamily="34" charset="0"/>
               </a:rPr>
-              <a:t>Fabio </a:t>
-            </a:r>
-            <a:r>
-              <a:rPr lang="en-US" sz="1600" dirty="0" err="1">
-                <a:latin typeface="Segoe UI" panose="020B0502040204020203" pitchFamily="34" charset="0"/>
-              </a:rPr>
-              <a:t>Grandi</a:t>
-            </a:r>
-            <a:r>
-              <a:rPr lang="en-US" sz="1600" dirty="0">
-                <a:latin typeface="Segoe UI" panose="020B0502040204020203" pitchFamily="34" charset="0"/>
-              </a:rPr>
-              <a:t>. 2018. On the analysis of Bloom filters. </a:t>
-            </a:r>
-            <a:r>
-              <a:rPr lang="en-US" sz="1600" i="1" dirty="0">
-                <a:latin typeface="Segoe UI" panose="020B0502040204020203" pitchFamily="34" charset="0"/>
-              </a:rPr>
-              <a:t>Information Processing Letters</a:t>
+              <a:t>DOI: https://doi.org/10.7753/2012.1006</a:t>
             </a:r>
             <a:r>
               <a:rPr lang="en-US" sz="1600" i="0" dirty="0">
                 <a:latin typeface="Segoe UI" panose="020B0502040204020203" pitchFamily="34" charset="0"/>
               </a:rPr>
-              <a:t> 129, 35–39. DOI: </a:t>
+              <a:t> https://ui.adsabs.harvard.edu/</a:t>
+            </a:r>
+            <a:r>
+              <a:rPr lang="en-US" sz="1600" i="0" dirty="0" err="1">
+                <a:latin typeface="Segoe UI" panose="020B0502040204020203" pitchFamily="34" charset="0"/>
+              </a:rPr>
+              <a:t>link_gateway</a:t>
             </a:r>
             <a:r>
               <a:rPr lang="en-US" sz="1600" i="0" dirty="0">
                 <a:latin typeface="Segoe UI" panose="020B0502040204020203" pitchFamily="34" charset="0"/>
-                <a:hlinkClick r:id="rId3"/>
-              </a:rPr>
-              <a:t>https://doi.org/10.1016/j.ipl.2017.09.004</a:t>
-            </a:r>
-            <a:endParaRPr lang="en-US" sz="1600" i="0" dirty="0">
-              <a:latin typeface="Segoe UI" panose="020B0502040204020203" pitchFamily="34" charset="0"/>
-            </a:endParaRPr>
+              </a:rPr>
+              <a:t>/2012IJCAT...1...25P/doi:10.7753/2012.1006</a:t>
+            </a:r>
           </a:p>
           <a:p>
             <a:pPr marL="285750" indent="-285750">
@@ -12153,198 +12131,136 @@
               <a:buChar char="•"/>
             </a:pPr>
             <a:r>
-              <a:rPr lang="en-US" sz="1600" dirty="0">
-                <a:latin typeface="Segoe UI" panose="020B0502040204020203" pitchFamily="34" charset="0"/>
-              </a:rPr>
-              <a:t>[6] Nayak, S. and </a:t>
-            </a:r>
-            <a:r>
-              <a:rPr lang="en-US" sz="1600" dirty="0" err="1">
+              <a:rPr lang="de-DE" sz="1600" dirty="0">
+                <a:latin typeface="Segoe UI" panose="020B0502040204020203" pitchFamily="34" charset="0"/>
+              </a:rPr>
+              <a:t>[3] </a:t>
+            </a:r>
+            <a:r>
+              <a:rPr lang="de-DE" sz="1600" dirty="0" err="1">
+                <a:latin typeface="Segoe UI" panose="020B0502040204020203" pitchFamily="34" charset="0"/>
+              </a:rPr>
+              <a:t>Ripon</a:t>
+            </a:r>
+            <a:r>
+              <a:rPr lang="de-DE" sz="1600" dirty="0">
+                <a:latin typeface="Segoe UI" panose="020B0502040204020203" pitchFamily="34" charset="0"/>
+              </a:rPr>
+              <a:t> </a:t>
+            </a:r>
+            <a:r>
+              <a:rPr lang="de-DE" sz="1600" dirty="0" err="1">
                 <a:latin typeface="Segoe UI" panose="020B0502040204020203" pitchFamily="34" charset="0"/>
               </a:rPr>
               <a:t>Patgiri</a:t>
             </a:r>
             <a:r>
-              <a:rPr lang="en-US" sz="1600" dirty="0">
-                <a:latin typeface="Segoe UI" panose="020B0502040204020203" pitchFamily="34" charset="0"/>
-              </a:rPr>
-              <a:t>, R. 2021. </a:t>
-            </a:r>
-            <a:r>
-              <a:rPr lang="en-US" sz="1600" i="1" dirty="0" err="1">
-                <a:latin typeface="Segoe UI" panose="020B0502040204020203" pitchFamily="34" charset="0"/>
-              </a:rPr>
-              <a:t>RobustBF</a:t>
-            </a:r>
-            <a:r>
-              <a:rPr lang="en-US" sz="1600" i="1" dirty="0">
-                <a:latin typeface="Segoe UI" panose="020B0502040204020203" pitchFamily="34" charset="0"/>
-              </a:rPr>
-              <a:t>: A High Accuracy and Memory Efficient 2D Bloom Filter</a:t>
-            </a:r>
-            <a:r>
-              <a:rPr lang="en-US" sz="1600" i="0" dirty="0">
-                <a:latin typeface="Segoe UI" panose="020B0502040204020203" pitchFamily="34" charset="0"/>
-              </a:rPr>
-              <a:t>. DOI: https://doi.org/10.48550/arxiv.2106.04365</a:t>
-            </a:r>
-          </a:p>
-          <a:p>
-            <a:pPr marL="285750" indent="-285750">
-              <a:buFont typeface="Arial" panose="020B0604020202020204" pitchFamily="34" charset="0"/>
-              <a:buChar char="•"/>
-            </a:pPr>
-            <a:r>
-              <a:rPr lang="en-US" sz="1600" dirty="0">
-                <a:latin typeface="Segoe UI" panose="020B0502040204020203" pitchFamily="34" charset="0"/>
-              </a:rPr>
-              <a:t>[7] </a:t>
-            </a:r>
-            <a:r>
               <a:rPr lang="de-DE" sz="1600" dirty="0">
                 <a:latin typeface="Segoe UI" panose="020B0502040204020203" pitchFamily="34" charset="0"/>
               </a:rPr>
-              <a:t>Fan, L., Cao, P., Almeida, J., and Broder, A. Z. 1998. Summary Cache: A </a:t>
+              <a:t>, </a:t>
             </a:r>
             <a:r>
               <a:rPr lang="de-DE" sz="1600" dirty="0" err="1">
                 <a:latin typeface="Segoe UI" panose="020B0502040204020203" pitchFamily="34" charset="0"/>
               </a:rPr>
+              <a:t>Sabuzima</a:t>
+            </a:r>
+            <a:r>
+              <a:rPr lang="de-DE" sz="1600" dirty="0">
+                <a:latin typeface="Segoe UI" panose="020B0502040204020203" pitchFamily="34" charset="0"/>
+              </a:rPr>
+              <a:t> </a:t>
+            </a:r>
+            <a:r>
+              <a:rPr lang="de-DE" sz="1600" dirty="0" err="1">
+                <a:latin typeface="Segoe UI" panose="020B0502040204020203" pitchFamily="34" charset="0"/>
+              </a:rPr>
+              <a:t>Nayak</a:t>
+            </a:r>
+            <a:r>
+              <a:rPr lang="de-DE" sz="1600" dirty="0">
+                <a:latin typeface="Segoe UI" panose="020B0502040204020203" pitchFamily="34" charset="0"/>
+              </a:rPr>
+              <a:t>, and Samir </a:t>
+            </a:r>
+            <a:r>
+              <a:rPr lang="de-DE" sz="1600" dirty="0" err="1">
+                <a:latin typeface="Segoe UI" panose="020B0502040204020203" pitchFamily="34" charset="0"/>
+              </a:rPr>
+              <a:t>Borgohain</a:t>
+            </a:r>
+            <a:r>
+              <a:rPr lang="de-DE" sz="1600" dirty="0">
+                <a:latin typeface="Segoe UI" panose="020B0502040204020203" pitchFamily="34" charset="0"/>
+              </a:rPr>
+              <a:t>. 2018. </a:t>
+            </a:r>
+            <a:r>
+              <a:rPr lang="de-DE" sz="1600" dirty="0" err="1">
+                <a:latin typeface="Segoe UI" panose="020B0502040204020203" pitchFamily="34" charset="0"/>
+              </a:rPr>
+              <a:t>Preventing</a:t>
+            </a:r>
+            <a:r>
+              <a:rPr lang="de-DE" sz="1600" dirty="0">
+                <a:latin typeface="Segoe UI" panose="020B0502040204020203" pitchFamily="34" charset="0"/>
+              </a:rPr>
+              <a:t> DDoS </a:t>
+            </a:r>
+            <a:r>
+              <a:rPr lang="de-DE" sz="1600" dirty="0" err="1">
+                <a:latin typeface="Segoe UI" panose="020B0502040204020203" pitchFamily="34" charset="0"/>
+              </a:rPr>
+              <a:t>using</a:t>
+            </a:r>
+            <a:r>
+              <a:rPr lang="de-DE" sz="1600" dirty="0">
+                <a:latin typeface="Segoe UI" panose="020B0502040204020203" pitchFamily="34" charset="0"/>
+              </a:rPr>
+              <a:t> Bloom Filter: A Survey. </a:t>
+            </a:r>
+            <a:r>
+              <a:rPr lang="de-DE" sz="1600" i="1" dirty="0">
+                <a:latin typeface="Segoe UI" panose="020B0502040204020203" pitchFamily="34" charset="0"/>
+              </a:rPr>
+              <a:t>ICST Transactions on </a:t>
+            </a:r>
+            <a:r>
+              <a:rPr lang="de-DE" sz="1600" i="1" dirty="0" err="1">
+                <a:latin typeface="Segoe UI" panose="020B0502040204020203" pitchFamily="34" charset="0"/>
+              </a:rPr>
               <a:t>Scalable</a:t>
             </a:r>
             <a:r>
-              <a:rPr lang="de-DE" sz="1600" dirty="0">
-                <a:latin typeface="Segoe UI" panose="020B0502040204020203" pitchFamily="34" charset="0"/>
-              </a:rPr>
-              <a:t> Wide-Area Web Cache Sharing Protocol. In </a:t>
-            </a:r>
-            <a:r>
               <a:rPr lang="de-DE" sz="1600" i="1" dirty="0">
                 <a:latin typeface="Segoe UI" panose="020B0502040204020203" pitchFamily="34" charset="0"/>
               </a:rPr>
-              <a:t>Proceedings </a:t>
-            </a:r>
-            <a:r>
-              <a:rPr lang="de-DE" sz="1600" i="1" dirty="0" err="1">
-                <a:latin typeface="Segoe UI" panose="020B0502040204020203" pitchFamily="34" charset="0"/>
-              </a:rPr>
-              <a:t>of</a:t>
-            </a:r>
-            <a:r>
-              <a:rPr lang="de-DE" sz="1600" i="1" dirty="0">
-                <a:latin typeface="Segoe UI" panose="020B0502040204020203" pitchFamily="34" charset="0"/>
-              </a:rPr>
-              <a:t> </a:t>
-            </a:r>
-            <a:r>
-              <a:rPr lang="de-DE" sz="1600" i="1" dirty="0" err="1">
-                <a:latin typeface="Segoe UI" panose="020B0502040204020203" pitchFamily="34" charset="0"/>
-              </a:rPr>
-              <a:t>the</a:t>
-            </a:r>
-            <a:r>
-              <a:rPr lang="de-DE" sz="1600" i="1" dirty="0">
-                <a:latin typeface="Segoe UI" panose="020B0502040204020203" pitchFamily="34" charset="0"/>
-              </a:rPr>
-              <a:t> ACM SIGCOMM ’98 Conference on </a:t>
-            </a:r>
-            <a:r>
-              <a:rPr lang="de-DE" sz="1600" i="1" dirty="0" err="1">
-                <a:latin typeface="Segoe UI" panose="020B0502040204020203" pitchFamily="34" charset="0"/>
-              </a:rPr>
-              <a:t>Applications</a:t>
-            </a:r>
-            <a:r>
-              <a:rPr lang="de-DE" sz="1600" i="1" dirty="0">
-                <a:latin typeface="Segoe UI" panose="020B0502040204020203" pitchFamily="34" charset="0"/>
-              </a:rPr>
-              <a:t>, Technologies, </a:t>
-            </a:r>
-            <a:r>
-              <a:rPr lang="de-DE" sz="1600" i="1" dirty="0" err="1">
-                <a:latin typeface="Segoe UI" panose="020B0502040204020203" pitchFamily="34" charset="0"/>
-              </a:rPr>
-              <a:t>Architectures</a:t>
-            </a:r>
-            <a:r>
-              <a:rPr lang="de-DE" sz="1600" i="1" dirty="0">
-                <a:latin typeface="Segoe UI" panose="020B0502040204020203" pitchFamily="34" charset="0"/>
-              </a:rPr>
-              <a:t>, and </a:t>
-            </a:r>
-            <a:r>
-              <a:rPr lang="de-DE" sz="1600" i="1" dirty="0" err="1">
-                <a:latin typeface="Segoe UI" panose="020B0502040204020203" pitchFamily="34" charset="0"/>
-              </a:rPr>
-              <a:t>Protocols</a:t>
-            </a:r>
-            <a:r>
-              <a:rPr lang="de-DE" sz="1600" i="1" dirty="0">
-                <a:latin typeface="Segoe UI" panose="020B0502040204020203" pitchFamily="34" charset="0"/>
-              </a:rPr>
-              <a:t> </a:t>
-            </a:r>
-            <a:r>
-              <a:rPr lang="de-DE" sz="1600" i="1" dirty="0" err="1">
-                <a:latin typeface="Segoe UI" panose="020B0502040204020203" pitchFamily="34" charset="0"/>
-              </a:rPr>
-              <a:t>for</a:t>
-            </a:r>
-            <a:r>
-              <a:rPr lang="de-DE" sz="1600" i="1" dirty="0">
-                <a:latin typeface="Segoe UI" panose="020B0502040204020203" pitchFamily="34" charset="0"/>
-              </a:rPr>
-              <a:t> Computer Communication</a:t>
+              <a:t> Information Systems</a:t>
             </a:r>
             <a:r>
               <a:rPr lang="de-DE" sz="1600" i="0" dirty="0">
                 <a:latin typeface="Segoe UI" panose="020B0502040204020203" pitchFamily="34" charset="0"/>
               </a:rPr>
-              <a:t>. SIGCOMM ’98. </a:t>
-            </a:r>
-            <a:r>
-              <a:rPr lang="de-DE" sz="1600" i="0" dirty="0" err="1">
-                <a:latin typeface="Segoe UI" panose="020B0502040204020203" pitchFamily="34" charset="0"/>
-              </a:rPr>
-              <a:t>Association</a:t>
+              <a:t> 5, 19, 155865. DOI: </a:t>
             </a:r>
             <a:r>
               <a:rPr lang="de-DE" sz="1600" i="0" dirty="0">
                 <a:latin typeface="Segoe UI" panose="020B0502040204020203" pitchFamily="34" charset="0"/>
-              </a:rPr>
-              <a:t> </a:t>
-            </a:r>
-            <a:r>
-              <a:rPr lang="de-DE" sz="1600" i="0" dirty="0" err="1">
-                <a:latin typeface="Segoe UI" panose="020B0502040204020203" pitchFamily="34" charset="0"/>
-              </a:rPr>
-              <a:t>for</a:t>
-            </a:r>
-            <a:r>
-              <a:rPr lang="de-DE" sz="1600" i="0" dirty="0">
-                <a:latin typeface="Segoe UI" panose="020B0502040204020203" pitchFamily="34" charset="0"/>
-              </a:rPr>
-              <a:t> Computing Machinery, New York, NY, USA, 254–265. DOI:</a:t>
-            </a:r>
-            <a:r>
-              <a:rPr lang="en-US" sz="1600" i="0" dirty="0">
-                <a:latin typeface="Segoe UI" panose="020B0502040204020203" pitchFamily="34" charset="0"/>
-              </a:rPr>
-              <a:t> https://doi.org/</a:t>
-            </a:r>
-            <a:r>
-              <a:rPr lang="de-DE" sz="1600" i="0" dirty="0">
-                <a:latin typeface="Segoe UI" panose="020B0502040204020203" pitchFamily="34" charset="0"/>
-              </a:rPr>
-              <a:t>10.1145/285237.285287</a:t>
-            </a:r>
+                <a:hlinkClick r:id="rId2"/>
+              </a:rPr>
+              <a:t>https://doi.org/10.4108%2Feai.19-6-2018.155865</a:t>
+            </a:r>
+            <a:endParaRPr lang="de-DE" sz="1600" i="0" dirty="0">
+              <a:latin typeface="Segoe UI" panose="020B0502040204020203" pitchFamily="34" charset="0"/>
+            </a:endParaRPr>
           </a:p>
         </p:txBody>
       </p:sp>
     </p:spTree>
     <p:extLst>
       <p:ext uri="{BB962C8B-B14F-4D97-AF65-F5344CB8AC3E}">
-        <p14:creationId xmlns:p14="http://schemas.microsoft.com/office/powerpoint/2010/main" val="1092689422"/>
+        <p14:creationId xmlns:p14="http://schemas.microsoft.com/office/powerpoint/2010/main" val="2718584080"/>
       </p:ext>
     </p:extLst>
   </p:cSld>
@@ -12481,7 +12397,7 @@
         <p:spPr>
           <a:xfrm>
             <a:off x="611560" y="1419622"/>
-            <a:ext cx="8064896" cy="2554545"/>
+            <a:ext cx="8064896" cy="2800767"/>
           </a:xfrm>
           <a:prstGeom prst="rect">
             <a:avLst/>
@@ -12499,91 +12415,30 @@
               <a:buChar char="•"/>
             </a:pPr>
             <a:r>
+              <a:rPr lang="de-DE" sz="1600" dirty="0">
+                <a:latin typeface="Segoe UI" panose="020B0502040204020203" pitchFamily="34" charset="0"/>
+              </a:rPr>
+              <a:t>[4] </a:t>
+            </a:r>
+            <a:r>
+              <a:rPr lang="en-US" sz="1600" dirty="0"/>
+              <a:t>Bloom Filter. </a:t>
+            </a:r>
+            <a:r>
+              <a:rPr lang="en-US" sz="1600" i="1" dirty="0"/>
+              <a:t>Brilliant.org</a:t>
+            </a:r>
+            <a:r>
+              <a:rPr lang="en-US" sz="1600" dirty="0"/>
+              <a:t>. Retrieved 18:02, May 12, 2022, from </a:t>
+            </a:r>
+            <a:r>
               <a:rPr lang="en-US" sz="1600" dirty="0">
-                <a:latin typeface="Segoe UI" panose="020B0502040204020203" pitchFamily="34" charset="0"/>
-              </a:rPr>
-              <a:t>[8] </a:t>
-            </a:r>
-            <a:r>
-              <a:rPr lang="de-DE" sz="1600" dirty="0">
-                <a:latin typeface="Segoe UI" panose="020B0502040204020203" pitchFamily="34" charset="0"/>
-              </a:rPr>
-              <a:t>Rottenstreich Ori, </a:t>
-            </a:r>
-            <a:r>
-              <a:rPr lang="de-DE" sz="1600" dirty="0" err="1">
-                <a:latin typeface="Segoe UI" panose="020B0502040204020203" pitchFamily="34" charset="0"/>
-              </a:rPr>
-              <a:t>Kanizo</a:t>
-            </a:r>
-            <a:r>
-              <a:rPr lang="de-DE" sz="1600" dirty="0">
-                <a:latin typeface="Segoe UI" panose="020B0502040204020203" pitchFamily="34" charset="0"/>
-              </a:rPr>
-              <a:t> Yossi, and </a:t>
-            </a:r>
-            <a:r>
-              <a:rPr lang="de-DE" sz="1600" dirty="0" err="1">
-                <a:latin typeface="Segoe UI" panose="020B0502040204020203" pitchFamily="34" charset="0"/>
-              </a:rPr>
-              <a:t>Keslassy</a:t>
-            </a:r>
-            <a:r>
-              <a:rPr lang="de-DE" sz="1600" dirty="0">
-                <a:latin typeface="Segoe UI" panose="020B0502040204020203" pitchFamily="34" charset="0"/>
-              </a:rPr>
-              <a:t> Isaac. 2014. The Variable-</a:t>
-            </a:r>
-            <a:r>
-              <a:rPr lang="de-DE" sz="1600" dirty="0" err="1">
-                <a:latin typeface="Segoe UI" panose="020B0502040204020203" pitchFamily="34" charset="0"/>
-              </a:rPr>
-              <a:t>Increment</a:t>
-            </a:r>
-            <a:r>
-              <a:rPr lang="de-DE" sz="1600" dirty="0">
-                <a:latin typeface="Segoe UI" panose="020B0502040204020203" pitchFamily="34" charset="0"/>
-              </a:rPr>
-              <a:t> </a:t>
-            </a:r>
-            <a:r>
-              <a:rPr lang="de-DE" sz="1600" dirty="0" err="1">
-                <a:latin typeface="Segoe UI" panose="020B0502040204020203" pitchFamily="34" charset="0"/>
-              </a:rPr>
-              <a:t>Counting</a:t>
-            </a:r>
-            <a:r>
-              <a:rPr lang="de-DE" sz="1600" dirty="0">
-                <a:latin typeface="Segoe UI" panose="020B0502040204020203" pitchFamily="34" charset="0"/>
-              </a:rPr>
-              <a:t> Bloom Filter. </a:t>
-            </a:r>
-            <a:r>
-              <a:rPr lang="de-DE" sz="1600" i="1" dirty="0">
-                <a:latin typeface="Segoe UI" panose="020B0502040204020203" pitchFamily="34" charset="0"/>
-              </a:rPr>
-              <a:t>IEEE/ACM Trans. Networking</a:t>
-            </a:r>
-            <a:r>
-              <a:rPr lang="de-DE" sz="1600" i="0" dirty="0">
-                <a:latin typeface="Segoe UI" panose="020B0502040204020203" pitchFamily="34" charset="0"/>
-              </a:rPr>
-              <a:t> 22, 4, 1092–1105. DOI: </a:t>
-            </a:r>
-            <a:r>
-              <a:rPr lang="de-DE" sz="1600" i="0" dirty="0">
-                <a:latin typeface="Segoe UI" panose="020B0502040204020203" pitchFamily="34" charset="0"/>
                 <a:hlinkClick r:id="rId2"/>
               </a:rPr>
-              <a:t>https://doi.org/</a:t>
-            </a:r>
-            <a:r>
-              <a:rPr lang="de-DE" sz="1600" dirty="0">
-                <a:hlinkClick r:id="rId2"/>
-              </a:rPr>
-              <a:t>10.1109/TNET.2013.2272604</a:t>
-            </a:r>
-            <a:endParaRPr lang="de-DE" sz="1600" dirty="0"/>
+              <a:t>https://brilliant.org/wiki/bloom-filter/</a:t>
+            </a:r>
+            <a:endParaRPr lang="en-US" sz="1600" dirty="0"/>
           </a:p>
           <a:p>
             <a:pPr marL="285750" indent="-285750">
@@ -12591,92 +12446,51 @@
               <a:buChar char="•"/>
             </a:pPr>
             <a:r>
+              <a:rPr lang="en-US" sz="1600" i="0" dirty="0">
+                <a:latin typeface="Segoe UI" panose="020B0502040204020203" pitchFamily="34" charset="0"/>
+              </a:rPr>
+              <a:t>[5] </a:t>
+            </a:r>
+            <a:r>
               <a:rPr lang="en-US" sz="1600" dirty="0">
                 <a:latin typeface="Segoe UI" panose="020B0502040204020203" pitchFamily="34" charset="0"/>
               </a:rPr>
-              <a:t>[9] Rothenberg, C., </a:t>
+              <a:t>Fabio </a:t>
             </a:r>
             <a:r>
               <a:rPr lang="en-US" sz="1600" dirty="0" err="1">
                 <a:latin typeface="Segoe UI" panose="020B0502040204020203" pitchFamily="34" charset="0"/>
               </a:rPr>
-              <a:t>Macapuna</a:t>
+              <a:t>Grandi</a:t>
             </a:r>
             <a:r>
               <a:rPr lang="en-US" sz="1600" dirty="0">
                 <a:latin typeface="Segoe UI" panose="020B0502040204020203" pitchFamily="34" charset="0"/>
               </a:rPr>
-              <a:t>, C., Verdi, F., and </a:t>
-            </a:r>
-            <a:r>
-              <a:rPr lang="en-US" sz="1600" dirty="0" err="1">
-                <a:latin typeface="Segoe UI" panose="020B0502040204020203" pitchFamily="34" charset="0"/>
-              </a:rPr>
-              <a:t>Magalhaes</a:t>
-            </a:r>
-            <a:r>
-              <a:rPr lang="en-US" sz="1600" dirty="0">
-                <a:latin typeface="Segoe UI" panose="020B0502040204020203" pitchFamily="34" charset="0"/>
-              </a:rPr>
-              <a:t>, M. 2010. The </a:t>
-            </a:r>
-            <a:r>
-              <a:rPr lang="en-US" sz="1600" dirty="0" err="1">
-                <a:latin typeface="Segoe UI" panose="020B0502040204020203" pitchFamily="34" charset="0"/>
-              </a:rPr>
-              <a:t>deletable</a:t>
-            </a:r>
-            <a:r>
-              <a:rPr lang="en-US" sz="1600" dirty="0">
-                <a:latin typeface="Segoe UI" panose="020B0502040204020203" pitchFamily="34" charset="0"/>
-              </a:rPr>
-              <a:t> Bloom filter: a new member of the Bloom family. </a:t>
+              <a:t>. 2018. On the analysis of Bloom filters. </a:t>
             </a:r>
             <a:r>
               <a:rPr lang="en-US" sz="1600" i="1" dirty="0">
                 <a:latin typeface="Segoe UI" panose="020B0502040204020203" pitchFamily="34" charset="0"/>
               </a:rPr>
-              <a:t>IEEE </a:t>
-            </a:r>
-            <a:r>
-              <a:rPr lang="en-US" sz="1600" i="1" dirty="0" err="1">
-                <a:latin typeface="Segoe UI" panose="020B0502040204020203" pitchFamily="34" charset="0"/>
-              </a:rPr>
-              <a:t>Commun</a:t>
-            </a:r>
-            <a:r>
-              <a:rPr lang="en-US" sz="1600" i="1" dirty="0">
-                <a:latin typeface="Segoe UI" panose="020B0502040204020203" pitchFamily="34" charset="0"/>
-              </a:rPr>
-              <a:t>. Lett.</a:t>
+              <a:t>Information Processing Letters</a:t>
             </a:r>
             <a:r>
               <a:rPr lang="en-US" sz="1600" i="0" dirty="0">
                 <a:latin typeface="Segoe UI" panose="020B0502040204020203" pitchFamily="34" charset="0"/>
               </a:rPr>
-              <a:t> 14, 6, 557–559. DOI: </a:t>
+              <a:t> 129, 35–39. DOI: </a:t>
             </a:r>
             <a:r>
               <a:rPr lang="en-US" sz="1600" i="0" dirty="0">
                 <a:latin typeface="Segoe UI" panose="020B0502040204020203" pitchFamily="34" charset="0"/>
                 <a:hlinkClick r:id="rId3"/>
               </a:rPr>
-              <a:t>https://</a:t>
-            </a:r>
-            <a:r>
-              <a:rPr lang="de-DE" sz="1600" i="0" dirty="0">
-                <a:latin typeface="Segoe UI" panose="020B0502040204020203" pitchFamily="34" charset="0"/>
-                <a:hlinkClick r:id="rId3"/>
-              </a:rPr>
-              <a:t>doi.org/</a:t>
-            </a:r>
-            <a:r>
-              <a:rPr lang="de-DE" sz="1600" dirty="0">
-                <a:hlinkClick r:id="rId3"/>
-              </a:rPr>
-              <a:t>10.1109/LCOMM.2010.06.100344</a:t>
-            </a:r>
-            <a:endParaRPr lang="de-DE" sz="1600" dirty="0"/>
+              <a:t>https://doi.org/10.1016/j.ipl.2017.09.004</a:t>
+            </a:r>
+            <a:endParaRPr lang="en-US" sz="1600" i="0" dirty="0">
+              <a:latin typeface="Segoe UI" panose="020B0502040204020203" pitchFamily="34" charset="0"/>
+            </a:endParaRPr>
           </a:p>
           <a:p>
             <a:pPr marL="285750" indent="-285750">
@@ -12684,78 +12498,198 @@
               <a:buChar char="•"/>
             </a:pPr>
             <a:r>
+              <a:rPr lang="en-US" sz="1600" dirty="0">
+                <a:latin typeface="Segoe UI" panose="020B0502040204020203" pitchFamily="34" charset="0"/>
+              </a:rPr>
+              <a:t>[6] Nayak, S. and </a:t>
+            </a:r>
+            <a:r>
+              <a:rPr lang="en-US" sz="1600" dirty="0" err="1">
+                <a:latin typeface="Segoe UI" panose="020B0502040204020203" pitchFamily="34" charset="0"/>
+              </a:rPr>
+              <a:t>Patgiri</a:t>
+            </a:r>
+            <a:r>
+              <a:rPr lang="en-US" sz="1600" dirty="0">
+                <a:latin typeface="Segoe UI" panose="020B0502040204020203" pitchFamily="34" charset="0"/>
+              </a:rPr>
+              <a:t>, R. 2021. </a:t>
+            </a:r>
+            <a:r>
+              <a:rPr lang="en-US" sz="1600" i="1" dirty="0" err="1">
+                <a:latin typeface="Segoe UI" panose="020B0502040204020203" pitchFamily="34" charset="0"/>
+              </a:rPr>
+              <a:t>RobustBF</a:t>
+            </a:r>
+            <a:r>
+              <a:rPr lang="en-US" sz="1600" i="1" dirty="0">
+                <a:latin typeface="Segoe UI" panose="020B0502040204020203" pitchFamily="34" charset="0"/>
+              </a:rPr>
+              <a:t>: A High Accuracy and Memory Efficient 2D Bloom Filter</a:t>
+            </a:r>
+            <a:r>
+              <a:rPr lang="en-US" sz="1600" i="0" dirty="0">
+                <a:latin typeface="Segoe UI" panose="020B0502040204020203" pitchFamily="34" charset="0"/>
+              </a:rPr>
+              <a:t>. DOI: https://doi.org/10.48550/arxiv.2106.04365</a:t>
+            </a:r>
+          </a:p>
+          <a:p>
+            <a:pPr marL="285750" indent="-285750">
+              <a:buFont typeface="Arial" panose="020B0604020202020204" pitchFamily="34" charset="0"/>
+              <a:buChar char="•"/>
+            </a:pPr>
+            <a:r>
+              <a:rPr lang="en-US" sz="1600" dirty="0">
+                <a:latin typeface="Segoe UI" panose="020B0502040204020203" pitchFamily="34" charset="0"/>
+              </a:rPr>
+              <a:t>[7] </a:t>
+            </a:r>
+            <a:r>
               <a:rPr lang="de-DE" sz="1600" dirty="0">
                 <a:latin typeface="Segoe UI" panose="020B0502040204020203" pitchFamily="34" charset="0"/>
               </a:rPr>
-              <a:t>[10] </a:t>
-            </a:r>
-            <a:r>
-              <a:rPr lang="en-US" sz="1600" dirty="0">
-                <a:latin typeface="Segoe UI" panose="020B0502040204020203" pitchFamily="34" charset="0"/>
-              </a:rPr>
-              <a:t>Rhea S.C. and </a:t>
-            </a:r>
-            <a:r>
-              <a:rPr lang="en-US" sz="1600" dirty="0" err="1">
-                <a:latin typeface="Segoe UI" panose="020B0502040204020203" pitchFamily="34" charset="0"/>
-              </a:rPr>
-              <a:t>Kubiatowicz</a:t>
-            </a:r>
-            <a:r>
-              <a:rPr lang="en-US" sz="1600" dirty="0">
-                <a:latin typeface="Segoe UI" panose="020B0502040204020203" pitchFamily="34" charset="0"/>
-              </a:rPr>
-              <a:t> J. 2002. Probabilistic location and routing. In </a:t>
-            </a:r>
-            <a:r>
-              <a:rPr lang="en-US" sz="1600" i="1" dirty="0" err="1">
-                <a:latin typeface="Segoe UI" panose="020B0502040204020203" pitchFamily="34" charset="0"/>
-              </a:rPr>
-              <a:t>Proceedings.Twenty</a:t>
-            </a:r>
-            <a:r>
-              <a:rPr lang="en-US" sz="1600" i="1" dirty="0">
-                <a:latin typeface="Segoe UI" panose="020B0502040204020203" pitchFamily="34" charset="0"/>
-              </a:rPr>
-              <a:t>-First Annual Joint Conference of the IEEE Computer and Communications Societies</a:t>
+              <a:t>Fan, L., Cao, P., Almeida, J., and Broder, A. Z. 1998. Summary Cache: A </a:t>
+            </a:r>
+            <a:r>
+              <a:rPr lang="de-DE" sz="1600" dirty="0" err="1">
+                <a:latin typeface="Segoe UI" panose="020B0502040204020203" pitchFamily="34" charset="0"/>
+              </a:rPr>
+              <a:t>Scalable</a:t>
+            </a:r>
+            <a:r>
+              <a:rPr lang="de-DE" sz="1600" dirty="0">
+                <a:latin typeface="Segoe UI" panose="020B0502040204020203" pitchFamily="34" charset="0"/>
+              </a:rPr>
+              <a:t> Wide-Area Web Cache Sharing Protocol. In </a:t>
+            </a:r>
+            <a:r>
+              <a:rPr lang="de-DE" sz="1600" i="1" dirty="0">
+                <a:latin typeface="Segoe UI" panose="020B0502040204020203" pitchFamily="34" charset="0"/>
+              </a:rPr>
+              <a:t>Proceedings </a:t>
+            </a:r>
+            <a:r>
+              <a:rPr lang="de-DE" sz="1600" i="1" dirty="0" err="1">
+                <a:latin typeface="Segoe UI" panose="020B0502040204020203" pitchFamily="34" charset="0"/>
+              </a:rPr>
+              <a:t>of</a:t>
+            </a:r>
+            <a:r>
+              <a:rPr lang="de-DE" sz="1600" i="1" dirty="0">
+                <a:latin typeface="Segoe UI" panose="020B0502040204020203" pitchFamily="34" charset="0"/>
+              </a:rPr>
+              <a:t> </a:t>
+            </a:r>
+            <a:r>
+              <a:rPr lang="de-DE" sz="1600" i="1" dirty="0" err="1">
+                <a:latin typeface="Segoe UI" panose="020B0502040204020203" pitchFamily="34" charset="0"/>
+              </a:rPr>
+              <a:t>the</a:t>
+            </a:r>
+            <a:r>
+              <a:rPr lang="de-DE" sz="1600" i="1" dirty="0">
+                <a:latin typeface="Segoe UI" panose="020B0502040204020203" pitchFamily="34" charset="0"/>
+              </a:rPr>
+              <a:t> ACM SIGCOMM ’98 Conference on </a:t>
+            </a:r>
+            <a:r>
+              <a:rPr lang="de-DE" sz="1600" i="1" dirty="0" err="1">
+                <a:latin typeface="Segoe UI" panose="020B0502040204020203" pitchFamily="34" charset="0"/>
+              </a:rPr>
+              <a:t>Applications</a:t>
+            </a:r>
+            <a:r>
+              <a:rPr lang="de-DE" sz="1600" i="1" dirty="0">
+                <a:latin typeface="Segoe UI" panose="020B0502040204020203" pitchFamily="34" charset="0"/>
+              </a:rPr>
+              <a:t>, Technologies, </a:t>
+            </a:r>
+            <a:r>
+              <a:rPr lang="de-DE" sz="1600" i="1" dirty="0" err="1">
+                <a:latin typeface="Segoe UI" panose="020B0502040204020203" pitchFamily="34" charset="0"/>
+              </a:rPr>
+              <a:t>Architectures</a:t>
+            </a:r>
+            <a:r>
+              <a:rPr lang="de-DE" sz="1600" i="1" dirty="0">
+                <a:latin typeface="Segoe UI" panose="020B0502040204020203" pitchFamily="34" charset="0"/>
+              </a:rPr>
+              <a:t>, and </a:t>
+            </a:r>
+            <a:r>
+              <a:rPr lang="de-DE" sz="1600" i="1" dirty="0" err="1">
+                <a:latin typeface="Segoe UI" panose="020B0502040204020203" pitchFamily="34" charset="0"/>
+              </a:rPr>
+              <a:t>Protocols</a:t>
+            </a:r>
+            <a:r>
+              <a:rPr lang="de-DE" sz="1600" i="1" dirty="0">
+                <a:latin typeface="Segoe UI" panose="020B0502040204020203" pitchFamily="34" charset="0"/>
+              </a:rPr>
+              <a:t> </a:t>
+            </a:r>
+            <a:r>
+              <a:rPr lang="de-DE" sz="1600" i="1" dirty="0" err="1">
+                <a:latin typeface="Segoe UI" panose="020B0502040204020203" pitchFamily="34" charset="0"/>
+              </a:rPr>
+              <a:t>for</a:t>
+            </a:r>
+            <a:r>
+              <a:rPr lang="de-DE" sz="1600" i="1" dirty="0">
+                <a:latin typeface="Segoe UI" panose="020B0502040204020203" pitchFamily="34" charset="0"/>
+              </a:rPr>
+              <a:t> Computer Communication</a:t>
+            </a:r>
+            <a:r>
+              <a:rPr lang="de-DE" sz="1600" i="0" dirty="0">
+                <a:latin typeface="Segoe UI" panose="020B0502040204020203" pitchFamily="34" charset="0"/>
+              </a:rPr>
+              <a:t>. SIGCOMM ’98. </a:t>
+            </a:r>
+            <a:r>
+              <a:rPr lang="de-DE" sz="1600" i="0" dirty="0" err="1">
+                <a:latin typeface="Segoe UI" panose="020B0502040204020203" pitchFamily="34" charset="0"/>
+              </a:rPr>
+              <a:t>Association</a:t>
+            </a:r>
+            <a:r>
+              <a:rPr lang="de-DE" sz="1600" i="0" dirty="0">
+                <a:latin typeface="Segoe UI" panose="020B0502040204020203" pitchFamily="34" charset="0"/>
+              </a:rPr>
+              <a:t> </a:t>
+            </a:r>
+            <a:r>
+              <a:rPr lang="de-DE" sz="1600" i="0" dirty="0" err="1">
+                <a:latin typeface="Segoe UI" panose="020B0502040204020203" pitchFamily="34" charset="0"/>
+              </a:rPr>
+              <a:t>for</a:t>
+            </a:r>
+            <a:r>
+              <a:rPr lang="de-DE" sz="1600" i="0" dirty="0">
+                <a:latin typeface="Segoe UI" panose="020B0502040204020203" pitchFamily="34" charset="0"/>
+              </a:rPr>
+              <a:t> Computing Machinery, New York, NY, USA, 254–265. DOI:</a:t>
             </a:r>
             <a:r>
               <a:rPr lang="en-US" sz="1600" i="0" dirty="0">
                 <a:latin typeface="Segoe UI" panose="020B0502040204020203" pitchFamily="34" charset="0"/>
               </a:rPr>
-              <a:t>, 1248-1257 vol.3. DOI: </a:t>
-            </a:r>
-            <a:r>
-              <a:rPr lang="en-US" sz="1600" dirty="0">
-                <a:latin typeface="Segoe UI" panose="020B0502040204020203" pitchFamily="34" charset="0"/>
-                <a:hlinkClick r:id="rId4"/>
-              </a:rPr>
-              <a:t>https://</a:t>
-            </a:r>
-            <a:r>
-              <a:rPr lang="de-DE" sz="1600" dirty="0">
-                <a:latin typeface="Segoe UI" panose="020B0502040204020203" pitchFamily="34" charset="0"/>
-                <a:hlinkClick r:id="rId4"/>
-              </a:rPr>
-              <a:t>doi.org/</a:t>
-            </a:r>
-            <a:r>
-              <a:rPr lang="en-US" sz="1600" i="0" dirty="0">
-                <a:latin typeface="Segoe UI" panose="020B0502040204020203" pitchFamily="34" charset="0"/>
-                <a:hlinkClick r:id="rId4"/>
-              </a:rPr>
-              <a:t>10.1109/INFCOM.2002.1019375</a:t>
-            </a:r>
-            <a:endParaRPr lang="en-US" sz="1600" i="0" dirty="0">
-              <a:latin typeface="Segoe UI" panose="020B0502040204020203" pitchFamily="34" charset="0"/>
-            </a:endParaRPr>
+              <a:t> https://doi.org/</a:t>
+            </a:r>
+            <a:r>
+              <a:rPr lang="de-DE" sz="1600" i="0" dirty="0">
+                <a:latin typeface="Segoe UI" panose="020B0502040204020203" pitchFamily="34" charset="0"/>
+              </a:rPr>
+              <a:t>10.1145/285237.285287</a:t>
+            </a:r>
           </a:p>
         </p:txBody>
       </p:sp>
     </p:spTree>
     <p:extLst>
       <p:ext uri="{BB962C8B-B14F-4D97-AF65-F5344CB8AC3E}">
-        <p14:creationId xmlns:p14="http://schemas.microsoft.com/office/powerpoint/2010/main" val="2790701121"/>
+        <p14:creationId xmlns:p14="http://schemas.microsoft.com/office/powerpoint/2010/main" val="1092689422"/>
       </p:ext>
     </p:extLst>
   </p:cSld>
@@ -13144,7 +13078,7 @@
         <p:spPr>
           <a:xfrm>
             <a:off x="611560" y="1419622"/>
-            <a:ext cx="8064896" cy="4339650"/>
+            <a:ext cx="8064896" cy="2554545"/>
           </a:xfrm>
           <a:prstGeom prst="rect">
             <a:avLst/>
@@ -13165,56 +13099,88 @@
               <a:rPr lang="en-US" sz="1600" dirty="0">
                 <a:latin typeface="Segoe UI" panose="020B0502040204020203" pitchFamily="34" charset="0"/>
               </a:rPr>
-              <a:t>[11] Whitaker A. and </a:t>
-            </a:r>
-            <a:r>
-              <a:rPr lang="en-US" sz="1600" dirty="0" err="1">
-                <a:latin typeface="Segoe UI" panose="020B0502040204020203" pitchFamily="34" charset="0"/>
-              </a:rPr>
-              <a:t>Wetherall</a:t>
-            </a:r>
-            <a:r>
-              <a:rPr lang="en-US" sz="1600" dirty="0">
-                <a:latin typeface="Segoe UI" panose="020B0502040204020203" pitchFamily="34" charset="0"/>
-              </a:rPr>
-              <a:t> D. 2002. Forwarding without loops in Icarus. In </a:t>
-            </a:r>
-            <a:r>
-              <a:rPr lang="en-US" sz="1600" i="1" dirty="0">
-                <a:latin typeface="Segoe UI" panose="020B0502040204020203" pitchFamily="34" charset="0"/>
-              </a:rPr>
-              <a:t>2002 IEEE Open Architectures and Network Programming Proceedings. OPENARCH 2002 (Cat. No.02EX571)</a:t>
-            </a:r>
-            <a:r>
-              <a:rPr lang="en-US" sz="1600" i="0" dirty="0">
-                <a:latin typeface="Segoe UI" panose="020B0502040204020203" pitchFamily="34" charset="0"/>
-              </a:rPr>
-              <a:t>, 63–75. DOI: </a:t>
-            </a:r>
-            <a:r>
-              <a:rPr lang="en-US" sz="1600" dirty="0">
+              <a:t>[8] </a:t>
+            </a:r>
+            <a:r>
+              <a:rPr lang="de-DE" sz="1600" dirty="0">
+                <a:latin typeface="Segoe UI" panose="020B0502040204020203" pitchFamily="34" charset="0"/>
+              </a:rPr>
+              <a:t>Rottenstreich Ori, </a:t>
+            </a:r>
+            <a:r>
+              <a:rPr lang="de-DE" sz="1600" dirty="0" err="1">
+                <a:latin typeface="Segoe UI" panose="020B0502040204020203" pitchFamily="34" charset="0"/>
+              </a:rPr>
+              <a:t>Kanizo</a:t>
+            </a:r>
+            <a:r>
+              <a:rPr lang="de-DE" sz="1600" dirty="0">
+                <a:latin typeface="Segoe UI" panose="020B0502040204020203" pitchFamily="34" charset="0"/>
+              </a:rPr>
+              <a:t> Yossi, and </a:t>
+            </a:r>
+            <a:r>
+              <a:rPr lang="de-DE" sz="1600" dirty="0" err="1">
+                <a:latin typeface="Segoe UI" panose="020B0502040204020203" pitchFamily="34" charset="0"/>
+              </a:rPr>
+              <a:t>Keslassy</a:t>
+            </a:r>
+            <a:r>
+              <a:rPr lang="de-DE" sz="1600" dirty="0">
+                <a:latin typeface="Segoe UI" panose="020B0502040204020203" pitchFamily="34" charset="0"/>
+              </a:rPr>
+              <a:t> Isaac. 2014. The Variable-</a:t>
+            </a:r>
+            <a:r>
+              <a:rPr lang="de-DE" sz="1600" dirty="0" err="1">
+                <a:latin typeface="Segoe UI" panose="020B0502040204020203" pitchFamily="34" charset="0"/>
+              </a:rPr>
+              <a:t>Increment</a:t>
+            </a:r>
+            <a:r>
+              <a:rPr lang="de-DE" sz="1600" dirty="0">
+                <a:latin typeface="Segoe UI" panose="020B0502040204020203" pitchFamily="34" charset="0"/>
+              </a:rPr>
+              <a:t> </a:t>
+            </a:r>
+            <a:r>
+              <a:rPr lang="de-DE" sz="1600" dirty="0" err="1">
+                <a:latin typeface="Segoe UI" panose="020B0502040204020203" pitchFamily="34" charset="0"/>
+              </a:rPr>
+              <a:t>Counting</a:t>
+            </a:r>
+            <a:r>
+              <a:rPr lang="de-DE" sz="1600" dirty="0">
+                <a:latin typeface="Segoe UI" panose="020B0502040204020203" pitchFamily="34" charset="0"/>
+              </a:rPr>
+              <a:t> Bloom Filter. </a:t>
+            </a:r>
+            <a:r>
+              <a:rPr lang="de-DE" sz="1600" i="1" dirty="0">
+                <a:latin typeface="Segoe UI" panose="020B0502040204020203" pitchFamily="34" charset="0"/>
+              </a:rPr>
+              <a:t>IEEE/ACM Trans. Networking</a:t>
+            </a:r>
+            <a:r>
+              <a:rPr lang="de-DE" sz="1600" i="0" dirty="0">
+                <a:latin typeface="Segoe UI" panose="020B0502040204020203" pitchFamily="34" charset="0"/>
+              </a:rPr>
+              <a:t> 22, 4, 1092–1105. DOI: </a:t>
+            </a:r>
+            <a:r>
+              <a:rPr lang="de-DE" sz="1600" i="0" dirty="0">
                 <a:latin typeface="Segoe UI" panose="020B0502040204020203" pitchFamily="34" charset="0"/>
                 <a:hlinkClick r:id="rId2"/>
               </a:rPr>
-              <a:t>https://</a:t>
+              <a:t>https://doi.org/</a:t>
             </a:r>
             <a:r>
               <a:rPr lang="de-DE" sz="1600" dirty="0">
-                <a:latin typeface="Segoe UI" panose="020B0502040204020203" pitchFamily="34" charset="0"/>
                 <a:hlinkClick r:id="rId2"/>
               </a:rPr>
-              <a:t>doi.org/</a:t>
-            </a:r>
-            <a:r>
-              <a:rPr lang="en-US" sz="1600" i="0" dirty="0">
-                <a:latin typeface="Segoe UI" panose="020B0502040204020203" pitchFamily="34" charset="0"/>
-                <a:hlinkClick r:id="rId2"/>
-              </a:rPr>
-              <a:t>10.1109/OPNARC.2002.1019229</a:t>
-            </a:r>
-            <a:endParaRPr lang="en-US" sz="1600" i="0" dirty="0">
-              <a:latin typeface="Segoe UI" panose="020B0502040204020203" pitchFamily="34" charset="0"/>
-            </a:endParaRPr>
+              <a:t>10.1109/TNET.2013.2272604</a:t>
+            </a:r>
+            <a:endParaRPr lang="de-DE" sz="1600" dirty="0"/>
           </a:p>
           <a:p>
             <a:pPr marL="285750" indent="-285750">
@@ -13222,131 +13188,92 @@
               <a:buChar char="•"/>
             </a:pPr>
             <a:r>
+              <a:rPr lang="en-US" sz="1600" dirty="0">
+                <a:latin typeface="Segoe UI" panose="020B0502040204020203" pitchFamily="34" charset="0"/>
+              </a:rPr>
+              <a:t>[9] Rothenberg, C., </a:t>
+            </a:r>
+            <a:r>
+              <a:rPr lang="en-US" sz="1600" dirty="0" err="1">
+                <a:latin typeface="Segoe UI" panose="020B0502040204020203" pitchFamily="34" charset="0"/>
+              </a:rPr>
+              <a:t>Macapuna</a:t>
+            </a:r>
+            <a:r>
+              <a:rPr lang="en-US" sz="1600" dirty="0">
+                <a:latin typeface="Segoe UI" panose="020B0502040204020203" pitchFamily="34" charset="0"/>
+              </a:rPr>
+              <a:t>, C., Verdi, F., and </a:t>
+            </a:r>
+            <a:r>
+              <a:rPr lang="en-US" sz="1600" dirty="0" err="1">
+                <a:latin typeface="Segoe UI" panose="020B0502040204020203" pitchFamily="34" charset="0"/>
+              </a:rPr>
+              <a:t>Magalhaes</a:t>
+            </a:r>
+            <a:r>
+              <a:rPr lang="en-US" sz="1600" dirty="0">
+                <a:latin typeface="Segoe UI" panose="020B0502040204020203" pitchFamily="34" charset="0"/>
+              </a:rPr>
+              <a:t>, M. 2010. The </a:t>
+            </a:r>
+            <a:r>
+              <a:rPr lang="en-US" sz="1600" dirty="0" err="1">
+                <a:latin typeface="Segoe UI" panose="020B0502040204020203" pitchFamily="34" charset="0"/>
+              </a:rPr>
+              <a:t>deletable</a:t>
+            </a:r>
+            <a:r>
+              <a:rPr lang="en-US" sz="1600" dirty="0">
+                <a:latin typeface="Segoe UI" panose="020B0502040204020203" pitchFamily="34" charset="0"/>
+              </a:rPr>
+              <a:t> Bloom filter: a new member of the Bloom family. </a:t>
+            </a:r>
+            <a:r>
+              <a:rPr lang="en-US" sz="1600" i="1" dirty="0">
+                <a:latin typeface="Segoe UI" panose="020B0502040204020203" pitchFamily="34" charset="0"/>
+              </a:rPr>
+              <a:t>IEEE </a:t>
+            </a:r>
+            <a:r>
+              <a:rPr lang="en-US" sz="1600" i="1" dirty="0" err="1">
+                <a:latin typeface="Segoe UI" panose="020B0502040204020203" pitchFamily="34" charset="0"/>
+              </a:rPr>
+              <a:t>Commun</a:t>
+            </a:r>
+            <a:r>
+              <a:rPr lang="en-US" sz="1600" i="1" dirty="0">
+                <a:latin typeface="Segoe UI" panose="020B0502040204020203" pitchFamily="34" charset="0"/>
+              </a:rPr>
+              <a:t>. Lett.</a:t>
+            </a:r>
+            <a:r>
+              <a:rPr lang="en-US" sz="1600" i="0" dirty="0">
+                <a:latin typeface="Segoe UI" panose="020B0502040204020203" pitchFamily="34" charset="0"/>
+              </a:rPr>
+              <a:t> 14, 6, 557–559. DOI: </a:t>
+            </a:r>
+            <a:r>
+              <a:rPr lang="en-US" sz="1600" i="0" dirty="0">
+                <a:latin typeface="Segoe UI" panose="020B0502040204020203" pitchFamily="34" charset="0"/>
+                <a:hlinkClick r:id="rId3"/>
+              </a:rPr>
+              <a:t>https://</a:t>
+            </a:r>
+            <a:r>
+              <a:rPr lang="de-DE" sz="1600" i="0" dirty="0">
+                <a:latin typeface="Segoe UI" panose="020B0502040204020203" pitchFamily="34" charset="0"/>
+                <a:hlinkClick r:id="rId3"/>
+              </a:rPr>
+              <a:t>doi.org/</a:t>
+            </a:r>
+            <a:r>
               <a:rPr lang="de-DE" sz="1600" dirty="0">
-                <a:latin typeface="Segoe UI" panose="020B0502040204020203" pitchFamily="34" charset="0"/>
-              </a:rPr>
-              <a:t>[12] Laufer Rafael P., </a:t>
-            </a:r>
-            <a:r>
-              <a:rPr lang="de-DE" sz="1600" dirty="0" err="1">
-                <a:latin typeface="Segoe UI" panose="020B0502040204020203" pitchFamily="34" charset="0"/>
-              </a:rPr>
-              <a:t>Velloso</a:t>
-            </a:r>
-            <a:r>
-              <a:rPr lang="de-DE" sz="1600" dirty="0">
-                <a:latin typeface="Segoe UI" panose="020B0502040204020203" pitchFamily="34" charset="0"/>
-              </a:rPr>
-              <a:t> Pedro B., Cunha Daniel de O., </a:t>
-            </a:r>
-            <a:r>
-              <a:rPr lang="de-DE" sz="1600" dirty="0" err="1">
-                <a:latin typeface="Segoe UI" panose="020B0502040204020203" pitchFamily="34" charset="0"/>
-              </a:rPr>
-              <a:t>Moraes</a:t>
-            </a:r>
-            <a:r>
-              <a:rPr lang="de-DE" sz="1600" dirty="0">
-                <a:latin typeface="Segoe UI" panose="020B0502040204020203" pitchFamily="34" charset="0"/>
-              </a:rPr>
-              <a:t> Igor M., </a:t>
-            </a:r>
-            <a:r>
-              <a:rPr lang="de-DE" sz="1600" dirty="0" err="1">
-                <a:latin typeface="Segoe UI" panose="020B0502040204020203" pitchFamily="34" charset="0"/>
-              </a:rPr>
-              <a:t>Bicudo</a:t>
-            </a:r>
-            <a:r>
-              <a:rPr lang="de-DE" sz="1600" dirty="0">
-                <a:latin typeface="Segoe UI" panose="020B0502040204020203" pitchFamily="34" charset="0"/>
-              </a:rPr>
-              <a:t> Marco D.D., Moreira Marcelo D.D., and Duarte Otto Carlos M.B. 2007. </a:t>
-            </a:r>
-            <a:r>
-              <a:rPr lang="de-DE" sz="1600" dirty="0" err="1">
-                <a:latin typeface="Segoe UI" panose="020B0502040204020203" pitchFamily="34" charset="0"/>
-              </a:rPr>
-              <a:t>Towards</a:t>
-            </a:r>
-            <a:r>
-              <a:rPr lang="de-DE" sz="1600" dirty="0">
-                <a:latin typeface="Segoe UI" panose="020B0502040204020203" pitchFamily="34" charset="0"/>
-              </a:rPr>
-              <a:t> </a:t>
-            </a:r>
-            <a:r>
-              <a:rPr lang="de-DE" sz="1600" dirty="0" err="1">
-                <a:latin typeface="Segoe UI" panose="020B0502040204020203" pitchFamily="34" charset="0"/>
-              </a:rPr>
-              <a:t>Stateless</a:t>
-            </a:r>
-            <a:r>
-              <a:rPr lang="de-DE" sz="1600" dirty="0">
-                <a:latin typeface="Segoe UI" panose="020B0502040204020203" pitchFamily="34" charset="0"/>
-              </a:rPr>
-              <a:t> Single-Packet IP </a:t>
-            </a:r>
-            <a:r>
-              <a:rPr lang="de-DE" sz="1600" dirty="0" err="1">
-                <a:latin typeface="Segoe UI" panose="020B0502040204020203" pitchFamily="34" charset="0"/>
-              </a:rPr>
-              <a:t>Traceback</a:t>
-            </a:r>
-            <a:r>
-              <a:rPr lang="de-DE" sz="1600" dirty="0">
-                <a:latin typeface="Segoe UI" panose="020B0502040204020203" pitchFamily="34" charset="0"/>
-              </a:rPr>
-              <a:t>. In </a:t>
-            </a:r>
-            <a:r>
-              <a:rPr lang="de-DE" sz="1600" i="1" dirty="0">
-                <a:latin typeface="Segoe UI" panose="020B0502040204020203" pitchFamily="34" charset="0"/>
-              </a:rPr>
-              <a:t>32nd IEEE Conference on </a:t>
-            </a:r>
-            <a:r>
-              <a:rPr lang="de-DE" sz="1600" i="1" dirty="0" err="1">
-                <a:latin typeface="Segoe UI" panose="020B0502040204020203" pitchFamily="34" charset="0"/>
-              </a:rPr>
-              <a:t>Local</a:t>
-            </a:r>
-            <a:r>
-              <a:rPr lang="de-DE" sz="1600" i="1" dirty="0">
-                <a:latin typeface="Segoe UI" panose="020B0502040204020203" pitchFamily="34" charset="0"/>
-              </a:rPr>
-              <a:t> Computer Networks (LCN 2007)</a:t>
-            </a:r>
-            <a:r>
-              <a:rPr lang="de-DE" sz="1600" i="0" dirty="0">
-                <a:latin typeface="Segoe UI" panose="020B0502040204020203" pitchFamily="34" charset="0"/>
-              </a:rPr>
-              <a:t>, 548–555. DOI: </a:t>
-            </a:r>
-            <a:r>
-              <a:rPr lang="en-US" sz="1600" dirty="0">
-                <a:latin typeface="Segoe UI" panose="020B0502040204020203" pitchFamily="34" charset="0"/>
                 <a:hlinkClick r:id="rId3"/>
               </a:rPr>
-              <a:t>https://</a:t>
-            </a:r>
-            <a:r>
-              <a:rPr lang="de-DE" sz="1600" dirty="0">
-                <a:latin typeface="Segoe UI" panose="020B0502040204020203" pitchFamily="34" charset="0"/>
-                <a:hlinkClick r:id="rId3"/>
-              </a:rPr>
-              <a:t>doi.org/</a:t>
-            </a:r>
-            <a:r>
-              <a:rPr lang="de-DE" sz="1600" i="0" dirty="0">
-                <a:latin typeface="Segoe UI" panose="020B0502040204020203" pitchFamily="34" charset="0"/>
-                <a:hlinkClick r:id="rId3"/>
-              </a:rPr>
-              <a:t>10.1109/LCN.2007.15</a:t>
-            </a:r>
-            <a:endParaRPr lang="de-DE" sz="1600" i="0" dirty="0">
-              <a:latin typeface="Segoe UI" panose="020B0502040204020203" pitchFamily="34" charset="0"/>
-            </a:endParaRPr>
+              <a:t>10.1109/LCOMM.2010.06.100344</a:t>
+            </a:r>
+            <a:endParaRPr lang="de-DE" sz="1600" dirty="0"/>
           </a:p>
           <a:p>
             <a:pPr marL="285750" indent="-285750">
@@ -13356,259 +13283,76 @@
             <a:r>
               <a:rPr lang="de-DE" sz="1600" dirty="0">
                 <a:latin typeface="Segoe UI" panose="020B0502040204020203" pitchFamily="34" charset="0"/>
-                <a:cs typeface="Segoe UI" panose="020B0502040204020203" pitchFamily="34" charset="0"/>
-              </a:rPr>
-              <a:t>[13] </a:t>
+              </a:rPr>
+              <a:t>[10] </a:t>
             </a:r>
             <a:r>
               <a:rPr lang="en-US" sz="1600" dirty="0">
                 <a:latin typeface="Segoe UI" panose="020B0502040204020203" pitchFamily="34" charset="0"/>
-                <a:cs typeface="Segoe UI" panose="020B0502040204020203" pitchFamily="34" charset="0"/>
-              </a:rPr>
-              <a:t>Wang, J. 1999. A Survey of Web Caching Schemes for the Internet. </a:t>
+              </a:rPr>
+              <a:t>Rhea S.C. and </a:t>
+            </a:r>
+            <a:r>
+              <a:rPr lang="en-US" sz="1600" dirty="0" err="1">
+                <a:latin typeface="Segoe UI" panose="020B0502040204020203" pitchFamily="34" charset="0"/>
+              </a:rPr>
+              <a:t>Kubiatowicz</a:t>
+            </a:r>
+            <a:r>
+              <a:rPr lang="en-US" sz="1600" dirty="0">
+                <a:latin typeface="Segoe UI" panose="020B0502040204020203" pitchFamily="34" charset="0"/>
+              </a:rPr>
+              <a:t> J. 2002. Probabilistic location and routing. In </a:t>
+            </a:r>
+            <a:r>
+              <a:rPr lang="en-US" sz="1600" i="1" dirty="0" err="1">
+                <a:latin typeface="Segoe UI" panose="020B0502040204020203" pitchFamily="34" charset="0"/>
+              </a:rPr>
+              <a:t>Proceedings.Twenty</a:t>
             </a:r>
             <a:r>
               <a:rPr lang="en-US" sz="1600" i="1" dirty="0">
                 <a:latin typeface="Segoe UI" panose="020B0502040204020203" pitchFamily="34" charset="0"/>
-                <a:cs typeface="Segoe UI" panose="020B0502040204020203" pitchFamily="34" charset="0"/>
-              </a:rPr>
-              <a:t>SIGCOMM </a:t>
-            </a:r>
-            <a:r>
-              <a:rPr lang="en-US" sz="1600" i="1" dirty="0" err="1">
-                <a:latin typeface="Segoe UI" panose="020B0502040204020203" pitchFamily="34" charset="0"/>
-                <a:cs typeface="Segoe UI" panose="020B0502040204020203" pitchFamily="34" charset="0"/>
-              </a:rPr>
-              <a:t>Comput</a:t>
-            </a:r>
-            <a:r>
-              <a:rPr lang="en-US" sz="1600" i="1" dirty="0">
-                <a:latin typeface="Segoe UI" panose="020B0502040204020203" pitchFamily="34" charset="0"/>
-                <a:cs typeface="Segoe UI" panose="020B0502040204020203" pitchFamily="34" charset="0"/>
-              </a:rPr>
-              <a:t>. </a:t>
-            </a:r>
-            <a:r>
-              <a:rPr lang="en-US" sz="1600" i="1" dirty="0" err="1">
-                <a:latin typeface="Segoe UI" panose="020B0502040204020203" pitchFamily="34" charset="0"/>
-                <a:cs typeface="Segoe UI" panose="020B0502040204020203" pitchFamily="34" charset="0"/>
-              </a:rPr>
-              <a:t>Commun</a:t>
-            </a:r>
-            <a:r>
-              <a:rPr lang="en-US" sz="1600" i="1" dirty="0">
-                <a:latin typeface="Segoe UI" panose="020B0502040204020203" pitchFamily="34" charset="0"/>
-                <a:cs typeface="Segoe UI" panose="020B0502040204020203" pitchFamily="34" charset="0"/>
-              </a:rPr>
-              <a:t>. Rev.</a:t>
+              </a:rPr>
+              <a:t>-First Annual Joint Conference of the IEEE Computer and Communications Societies</a:t>
             </a:r>
             <a:r>
               <a:rPr lang="en-US" sz="1600" i="0" dirty="0">
                 <a:latin typeface="Segoe UI" panose="020B0502040204020203" pitchFamily="34" charset="0"/>
-                <a:cs typeface="Segoe UI" panose="020B0502040204020203" pitchFamily="34" charset="0"/>
-              </a:rPr>
-              <a:t> 29, 5, 36–46. DOI: </a:t>
-            </a:r>
-            <a:r>
-              <a:rPr kumimoji="0" lang="de-DE" altLang="de-DE" sz="1600" b="0" i="0" u="none" strike="noStrike" cap="none" normalizeH="0" baseline="0" dirty="0">
-                <a:ln>
-                  <a:noFill/>
-                </a:ln>
-                <a:solidFill>
-                  <a:schemeClr val="tx1"/>
-                </a:solidFill>
-                <a:effectLst/>
-                <a:latin typeface="Segoe UI" panose="020B0502040204020203" pitchFamily="34" charset="0"/>
-                <a:cs typeface="Segoe UI" panose="020B0502040204020203" pitchFamily="34" charset="0"/>
+              </a:rPr>
+              <a:t>, 1248-1257 vol.3. DOI: </a:t>
+            </a:r>
+            <a:r>
+              <a:rPr lang="en-US" sz="1600" dirty="0">
+                <a:latin typeface="Segoe UI" panose="020B0502040204020203" pitchFamily="34" charset="0"/>
                 <a:hlinkClick r:id="rId4"/>
               </a:rPr>
-              <a:t>https://doi.org/10.1145/505696.505701</a:t>
-            </a:r>
-            <a:endParaRPr kumimoji="0" lang="de-DE" altLang="de-DE" sz="1600" b="0" i="0" u="none" strike="noStrike" cap="none" normalizeH="0" baseline="0" dirty="0">
-              <a:ln>
-                <a:noFill/>
-              </a:ln>
-              <a:solidFill>
-                <a:schemeClr val="tx1"/>
-              </a:solidFill>
-              <a:effectLst/>
-              <a:latin typeface="Segoe UI" panose="020B0502040204020203" pitchFamily="34" charset="0"/>
-              <a:cs typeface="Segoe UI" panose="020B0502040204020203" pitchFamily="34" charset="0"/>
-            </a:endParaRPr>
-          </a:p>
-          <a:p>
-            <a:pPr marL="285750" indent="-285750">
-              <a:buFont typeface="Arial" panose="020B0604020202020204" pitchFamily="34" charset="0"/>
-              <a:buChar char="•"/>
-            </a:pPr>
+              <a:t>https://</a:t>
+            </a:r>
             <a:r>
               <a:rPr lang="de-DE" sz="1600" dirty="0">
                 <a:latin typeface="Segoe UI" panose="020B0502040204020203" pitchFamily="34" charset="0"/>
-              </a:rPr>
-              <a:t>[14] </a:t>
-            </a:r>
-            <a:r>
-              <a:rPr lang="de-DE" sz="1600" dirty="0" err="1">
-                <a:latin typeface="Segoe UI" panose="020B0502040204020203" pitchFamily="34" charset="0"/>
-              </a:rPr>
-              <a:t>Dharmapurikar</a:t>
-            </a:r>
-            <a:r>
-              <a:rPr lang="de-DE" sz="1600" dirty="0">
-                <a:latin typeface="Segoe UI" panose="020B0502040204020203" pitchFamily="34" charset="0"/>
-              </a:rPr>
-              <a:t> S., </a:t>
-            </a:r>
-            <a:r>
-              <a:rPr lang="de-DE" sz="1600" dirty="0" err="1">
-                <a:latin typeface="Segoe UI" panose="020B0502040204020203" pitchFamily="34" charset="0"/>
-              </a:rPr>
-              <a:t>Krishnamurthy</a:t>
-            </a:r>
-            <a:r>
-              <a:rPr lang="de-DE" sz="1600" dirty="0">
-                <a:latin typeface="Segoe UI" panose="020B0502040204020203" pitchFamily="34" charset="0"/>
-              </a:rPr>
-              <a:t> P., </a:t>
-            </a:r>
-            <a:r>
-              <a:rPr lang="de-DE" sz="1600" dirty="0" err="1">
-                <a:latin typeface="Segoe UI" panose="020B0502040204020203" pitchFamily="34" charset="0"/>
-              </a:rPr>
-              <a:t>Sproull</a:t>
-            </a:r>
-            <a:r>
-              <a:rPr lang="de-DE" sz="1600" dirty="0">
-                <a:latin typeface="Segoe UI" panose="020B0502040204020203" pitchFamily="34" charset="0"/>
-              </a:rPr>
-              <a:t> T., and Lockwood J. 2003. Deep packet </a:t>
-            </a:r>
-            <a:r>
-              <a:rPr lang="de-DE" sz="1600" dirty="0" err="1">
-                <a:latin typeface="Segoe UI" panose="020B0502040204020203" pitchFamily="34" charset="0"/>
-              </a:rPr>
-              <a:t>inspection</a:t>
-            </a:r>
-            <a:r>
-              <a:rPr lang="de-DE" sz="1600" dirty="0">
-                <a:latin typeface="Segoe UI" panose="020B0502040204020203" pitchFamily="34" charset="0"/>
-              </a:rPr>
-              <a:t> </a:t>
-            </a:r>
-            <a:r>
-              <a:rPr lang="de-DE" sz="1600" dirty="0" err="1">
-                <a:latin typeface="Segoe UI" panose="020B0502040204020203" pitchFamily="34" charset="0"/>
-              </a:rPr>
-              <a:t>using</a:t>
-            </a:r>
-            <a:r>
-              <a:rPr lang="de-DE" sz="1600" dirty="0">
-                <a:latin typeface="Segoe UI" panose="020B0502040204020203" pitchFamily="34" charset="0"/>
-              </a:rPr>
-              <a:t> parallel Bloom </a:t>
-            </a:r>
-            <a:r>
-              <a:rPr lang="de-DE" sz="1600" dirty="0" err="1">
-                <a:latin typeface="Segoe UI" panose="020B0502040204020203" pitchFamily="34" charset="0"/>
-              </a:rPr>
-              <a:t>filters</a:t>
-            </a:r>
-            <a:r>
-              <a:rPr lang="de-DE" sz="1600" dirty="0">
-                <a:latin typeface="Segoe UI" panose="020B0502040204020203" pitchFamily="34" charset="0"/>
-              </a:rPr>
-              <a:t>. In </a:t>
-            </a:r>
-            <a:r>
-              <a:rPr lang="de-DE" sz="1600" i="1" dirty="0">
-                <a:latin typeface="Segoe UI" panose="020B0502040204020203" pitchFamily="34" charset="0"/>
-              </a:rPr>
-              <a:t>11th Symposium on High Performance </a:t>
-            </a:r>
-            <a:r>
-              <a:rPr lang="de-DE" sz="1600" i="1" dirty="0" err="1">
-                <a:latin typeface="Segoe UI" panose="020B0502040204020203" pitchFamily="34" charset="0"/>
-              </a:rPr>
-              <a:t>Interconnects</a:t>
-            </a:r>
-            <a:r>
-              <a:rPr lang="de-DE" sz="1600" i="1" dirty="0">
-                <a:latin typeface="Segoe UI" panose="020B0502040204020203" pitchFamily="34" charset="0"/>
-              </a:rPr>
-              <a:t>, 2003. Proceedings</a:t>
-            </a:r>
-            <a:r>
-              <a:rPr lang="de-DE" sz="1600" i="0" dirty="0">
-                <a:latin typeface="Segoe UI" panose="020B0502040204020203" pitchFamily="34" charset="0"/>
-              </a:rPr>
-              <a:t>, 44–51. DOI: </a:t>
-            </a:r>
-            <a:r>
-              <a:rPr lang="en-US" sz="1600" dirty="0">
-                <a:latin typeface="Segoe UI" panose="020B0502040204020203" pitchFamily="34" charset="0"/>
-                <a:hlinkClick r:id="rId5"/>
-              </a:rPr>
-              <a:t>https://</a:t>
-            </a:r>
-            <a:r>
-              <a:rPr lang="de-DE" sz="1600" dirty="0">
-                <a:latin typeface="Segoe UI" panose="020B0502040204020203" pitchFamily="34" charset="0"/>
-                <a:hlinkClick r:id="rId5"/>
+                <a:hlinkClick r:id="rId4"/>
               </a:rPr>
               <a:t>doi.org/</a:t>
             </a:r>
             <a:r>
-              <a:rPr lang="de-DE" sz="1600" i="0" dirty="0">
-                <a:latin typeface="Segoe UI" panose="020B0502040204020203" pitchFamily="34" charset="0"/>
-                <a:hlinkClick r:id="rId5"/>
-              </a:rPr>
-              <a:t>10.1109/CONECT.2003.1231477</a:t>
-            </a:r>
-            <a:endParaRPr lang="de-DE" altLang="de-DE" sz="1600" dirty="0">
-              <a:latin typeface="Segoe UI" panose="020B0502040204020203" pitchFamily="34" charset="0"/>
-              <a:cs typeface="Segoe UI" panose="020B0502040204020203" pitchFamily="34" charset="0"/>
-            </a:endParaRPr>
-          </a:p>
-          <a:p>
-            <a:pPr marL="285750" indent="-285750">
-              <a:buFont typeface="Arial" panose="020B0604020202020204" pitchFamily="34" charset="0"/>
-              <a:buChar char="•"/>
-            </a:pPr>
-            <a:endParaRPr kumimoji="0" lang="de-DE" altLang="de-DE" sz="3600" b="0" i="0" u="none" strike="noStrike" cap="none" normalizeH="0" baseline="0" dirty="0">
-              <a:ln>
-                <a:noFill/>
-              </a:ln>
-              <a:solidFill>
-                <a:schemeClr val="tx1"/>
-              </a:solidFill>
-              <a:effectLst/>
-              <a:latin typeface="Arial" panose="020B0604020202020204" pitchFamily="34" charset="0"/>
-            </a:endParaRPr>
-          </a:p>
-          <a:p>
-            <a:pPr marL="285750" indent="-285750">
-              <a:buFont typeface="Arial" panose="020B0604020202020204" pitchFamily="34" charset="0"/>
-              <a:buChar char="•"/>
-            </a:pPr>
+              <a:rPr lang="en-US" sz="1600" i="0" dirty="0">
+                <a:latin typeface="Segoe UI" panose="020B0502040204020203" pitchFamily="34" charset="0"/>
+                <a:hlinkClick r:id="rId4"/>
+              </a:rPr>
+              <a:t>10.1109/INFCOM.2002.1019375</a:t>
+            </a:r>
             <a:endParaRPr lang="en-US" sz="1600" i="0" dirty="0">
               <a:latin typeface="Segoe UI" panose="020B0502040204020203" pitchFamily="34" charset="0"/>
             </a:endParaRPr>
           </a:p>
-          <a:p>
-            <a:pPr marL="285750" indent="-285750">
-              <a:buFont typeface="Arial" panose="020B0604020202020204" pitchFamily="34" charset="0"/>
-              <a:buChar char="•"/>
-            </a:pPr>
-            <a:endParaRPr lang="en-US" sz="1600" i="0" dirty="0">
-              <a:latin typeface="Segoe UI" panose="020B0502040204020203" pitchFamily="34" charset="0"/>
-            </a:endParaRPr>
-          </a:p>
         </p:txBody>
       </p:sp>
     </p:spTree>
     <p:extLst>
       <p:ext uri="{BB962C8B-B14F-4D97-AF65-F5344CB8AC3E}">
-        <p14:creationId xmlns:p14="http://schemas.microsoft.com/office/powerpoint/2010/main" val="3916588754"/>
+        <p14:creationId xmlns:p14="http://schemas.microsoft.com/office/powerpoint/2010/main" val="2790701121"/>
       </p:ext>
     </p:extLst>
   </p:cSld>
@@ -13745,7 +13489,7 @@
         <p:spPr>
           <a:xfrm>
             <a:off x="611560" y="1419622"/>
-            <a:ext cx="8064896" cy="5724644"/>
+            <a:ext cx="8064896" cy="4339650"/>
           </a:xfrm>
           <a:prstGeom prst="rect">
             <a:avLst/>
@@ -13766,44 +13510,249 @@
               <a:rPr lang="en-US" sz="1600" dirty="0">
                 <a:latin typeface="Segoe UI" panose="020B0502040204020203" pitchFamily="34" charset="0"/>
               </a:rPr>
-              <a:t>[15] </a:t>
+              <a:t>[11] Whitaker A. and </a:t>
             </a:r>
             <a:r>
               <a:rPr lang="en-US" sz="1600" dirty="0" err="1">
                 <a:latin typeface="Segoe UI" panose="020B0502040204020203" pitchFamily="34" charset="0"/>
               </a:rPr>
-              <a:t>Gremillion</a:t>
+              <a:t>Wetherall</a:t>
             </a:r>
             <a:r>
               <a:rPr lang="en-US" sz="1600" dirty="0">
                 <a:latin typeface="Segoe UI" panose="020B0502040204020203" pitchFamily="34" charset="0"/>
               </a:rPr>
-              <a:t>, L. L. 1982. Designing a Bloom Filter for Differential File Access. </a:t>
+              <a:t> D. 2002. Forwarding without loops in Icarus. In </a:t>
+            </a:r>
+            <a:r>
+              <a:rPr lang="en-US" sz="1600" i="1" dirty="0">
+                <a:latin typeface="Segoe UI" panose="020B0502040204020203" pitchFamily="34" charset="0"/>
+              </a:rPr>
+              <a:t>2002 IEEE Open Architectures and Network Programming Proceedings. OPENARCH 2002 (Cat. No.02EX571)</a:t>
+            </a:r>
+            <a:r>
+              <a:rPr lang="en-US" sz="1600" i="0" dirty="0">
+                <a:latin typeface="Segoe UI" panose="020B0502040204020203" pitchFamily="34" charset="0"/>
+              </a:rPr>
+              <a:t>, 63–75. DOI: </a:t>
+            </a:r>
+            <a:r>
+              <a:rPr lang="en-US" sz="1600" dirty="0">
+                <a:latin typeface="Segoe UI" panose="020B0502040204020203" pitchFamily="34" charset="0"/>
+                <a:hlinkClick r:id="rId2"/>
+              </a:rPr>
+              <a:t>https://</a:t>
+            </a:r>
+            <a:r>
+              <a:rPr lang="de-DE" sz="1600" dirty="0">
+                <a:latin typeface="Segoe UI" panose="020B0502040204020203" pitchFamily="34" charset="0"/>
+                <a:hlinkClick r:id="rId2"/>
+              </a:rPr>
+              <a:t>doi.org/</a:t>
+            </a:r>
+            <a:r>
+              <a:rPr lang="en-US" sz="1600" i="0" dirty="0">
+                <a:latin typeface="Segoe UI" panose="020B0502040204020203" pitchFamily="34" charset="0"/>
+                <a:hlinkClick r:id="rId2"/>
+              </a:rPr>
+              <a:t>10.1109/OPNARC.2002.1019229</a:t>
+            </a:r>
+            <a:endParaRPr lang="en-US" sz="1600" i="0" dirty="0">
+              <a:latin typeface="Segoe UI" panose="020B0502040204020203" pitchFamily="34" charset="0"/>
+            </a:endParaRPr>
+          </a:p>
+          <a:p>
+            <a:pPr marL="285750" indent="-285750">
+              <a:buFont typeface="Arial" panose="020B0604020202020204" pitchFamily="34" charset="0"/>
+              <a:buChar char="•"/>
+            </a:pPr>
+            <a:r>
+              <a:rPr lang="de-DE" sz="1600" dirty="0">
+                <a:latin typeface="Segoe UI" panose="020B0502040204020203" pitchFamily="34" charset="0"/>
+              </a:rPr>
+              <a:t>[12] Laufer Rafael P., </a:t>
+            </a:r>
+            <a:r>
+              <a:rPr lang="de-DE" sz="1600" dirty="0" err="1">
+                <a:latin typeface="Segoe UI" panose="020B0502040204020203" pitchFamily="34" charset="0"/>
+              </a:rPr>
+              <a:t>Velloso</a:t>
+            </a:r>
+            <a:r>
+              <a:rPr lang="de-DE" sz="1600" dirty="0">
+                <a:latin typeface="Segoe UI" panose="020B0502040204020203" pitchFamily="34" charset="0"/>
+              </a:rPr>
+              <a:t> Pedro B., Cunha Daniel de O., </a:t>
+            </a:r>
+            <a:r>
+              <a:rPr lang="de-DE" sz="1600" dirty="0" err="1">
+                <a:latin typeface="Segoe UI" panose="020B0502040204020203" pitchFamily="34" charset="0"/>
+              </a:rPr>
+              <a:t>Moraes</a:t>
+            </a:r>
+            <a:r>
+              <a:rPr lang="de-DE" sz="1600" dirty="0">
+                <a:latin typeface="Segoe UI" panose="020B0502040204020203" pitchFamily="34" charset="0"/>
+              </a:rPr>
+              <a:t> Igor M., </a:t>
+            </a:r>
+            <a:r>
+              <a:rPr lang="de-DE" sz="1600" dirty="0" err="1">
+                <a:latin typeface="Segoe UI" panose="020B0502040204020203" pitchFamily="34" charset="0"/>
+              </a:rPr>
+              <a:t>Bicudo</a:t>
+            </a:r>
+            <a:r>
+              <a:rPr lang="de-DE" sz="1600" dirty="0">
+                <a:latin typeface="Segoe UI" panose="020B0502040204020203" pitchFamily="34" charset="0"/>
+              </a:rPr>
+              <a:t> Marco D.D., Moreira Marcelo D.D., and Duarte Otto Carlos M.B. 2007. </a:t>
+            </a:r>
+            <a:r>
+              <a:rPr lang="de-DE" sz="1600" dirty="0" err="1">
+                <a:latin typeface="Segoe UI" panose="020B0502040204020203" pitchFamily="34" charset="0"/>
+              </a:rPr>
+              <a:t>Towards</a:t>
+            </a:r>
+            <a:r>
+              <a:rPr lang="de-DE" sz="1600" dirty="0">
+                <a:latin typeface="Segoe UI" panose="020B0502040204020203" pitchFamily="34" charset="0"/>
+              </a:rPr>
+              <a:t> </a:t>
+            </a:r>
+            <a:r>
+              <a:rPr lang="de-DE" sz="1600" dirty="0" err="1">
+                <a:latin typeface="Segoe UI" panose="020B0502040204020203" pitchFamily="34" charset="0"/>
+              </a:rPr>
+              <a:t>Stateless</a:t>
+            </a:r>
+            <a:r>
+              <a:rPr lang="de-DE" sz="1600" dirty="0">
+                <a:latin typeface="Segoe UI" panose="020B0502040204020203" pitchFamily="34" charset="0"/>
+              </a:rPr>
+              <a:t> Single-Packet IP </a:t>
+            </a:r>
+            <a:r>
+              <a:rPr lang="de-DE" sz="1600" dirty="0" err="1">
+                <a:latin typeface="Segoe UI" panose="020B0502040204020203" pitchFamily="34" charset="0"/>
+              </a:rPr>
+              <a:t>Traceback</a:t>
+            </a:r>
+            <a:r>
+              <a:rPr lang="de-DE" sz="1600" dirty="0">
+                <a:latin typeface="Segoe UI" panose="020B0502040204020203" pitchFamily="34" charset="0"/>
+              </a:rPr>
+              <a:t>. In </a:t>
+            </a:r>
+            <a:r>
+              <a:rPr lang="de-DE" sz="1600" i="1" dirty="0">
+                <a:latin typeface="Segoe UI" panose="020B0502040204020203" pitchFamily="34" charset="0"/>
+              </a:rPr>
+              <a:t>32nd IEEE Conference on </a:t>
+            </a:r>
+            <a:r>
+              <a:rPr lang="de-DE" sz="1600" i="1" dirty="0" err="1">
+                <a:latin typeface="Segoe UI" panose="020B0502040204020203" pitchFamily="34" charset="0"/>
+              </a:rPr>
+              <a:t>Local</a:t>
+            </a:r>
+            <a:r>
+              <a:rPr lang="de-DE" sz="1600" i="1" dirty="0">
+                <a:latin typeface="Segoe UI" panose="020B0502040204020203" pitchFamily="34" charset="0"/>
+              </a:rPr>
+              <a:t> Computer Networks (LCN 2007)</a:t>
+            </a:r>
+            <a:r>
+              <a:rPr lang="de-DE" sz="1600" i="0" dirty="0">
+                <a:latin typeface="Segoe UI" panose="020B0502040204020203" pitchFamily="34" charset="0"/>
+              </a:rPr>
+              <a:t>, 548–555. DOI: </a:t>
+            </a:r>
+            <a:r>
+              <a:rPr lang="en-US" sz="1600" dirty="0">
+                <a:latin typeface="Segoe UI" panose="020B0502040204020203" pitchFamily="34" charset="0"/>
+                <a:hlinkClick r:id="rId3"/>
+              </a:rPr>
+              <a:t>https://</a:t>
+            </a:r>
+            <a:r>
+              <a:rPr lang="de-DE" sz="1600" dirty="0">
+                <a:latin typeface="Segoe UI" panose="020B0502040204020203" pitchFamily="34" charset="0"/>
+                <a:hlinkClick r:id="rId3"/>
+              </a:rPr>
+              <a:t>doi.org/</a:t>
+            </a:r>
+            <a:r>
+              <a:rPr lang="de-DE" sz="1600" i="0" dirty="0">
+                <a:latin typeface="Segoe UI" panose="020B0502040204020203" pitchFamily="34" charset="0"/>
+                <a:hlinkClick r:id="rId3"/>
+              </a:rPr>
+              <a:t>10.1109/LCN.2007.15</a:t>
+            </a:r>
+            <a:endParaRPr lang="de-DE" sz="1600" i="0" dirty="0">
+              <a:latin typeface="Segoe UI" panose="020B0502040204020203" pitchFamily="34" charset="0"/>
+            </a:endParaRPr>
+          </a:p>
+          <a:p>
+            <a:pPr marL="285750" indent="-285750">
+              <a:buFont typeface="Arial" panose="020B0604020202020204" pitchFamily="34" charset="0"/>
+              <a:buChar char="•"/>
+            </a:pPr>
+            <a:r>
+              <a:rPr lang="de-DE" sz="1600" dirty="0">
+                <a:latin typeface="Segoe UI" panose="020B0502040204020203" pitchFamily="34" charset="0"/>
+                <a:cs typeface="Segoe UI" panose="020B0502040204020203" pitchFamily="34" charset="0"/>
+              </a:rPr>
+              <a:t>[13] </a:t>
+            </a:r>
+            <a:r>
+              <a:rPr lang="en-US" sz="1600" dirty="0">
+                <a:latin typeface="Segoe UI" panose="020B0502040204020203" pitchFamily="34" charset="0"/>
+                <a:cs typeface="Segoe UI" panose="020B0502040204020203" pitchFamily="34" charset="0"/>
+              </a:rPr>
+              <a:t>Wang, J. 1999. A Survey of Web Caching Schemes for the Internet. </a:t>
+            </a:r>
+            <a:r>
+              <a:rPr lang="en-US" sz="1600" i="1" dirty="0">
+                <a:latin typeface="Segoe UI" panose="020B0502040204020203" pitchFamily="34" charset="0"/>
+                <a:cs typeface="Segoe UI" panose="020B0502040204020203" pitchFamily="34" charset="0"/>
+              </a:rPr>
+              <a:t>SIGCOMM </a:t>
             </a:r>
             <a:r>
               <a:rPr lang="en-US" sz="1600" i="1" dirty="0" err="1">
                 <a:latin typeface="Segoe UI" panose="020B0502040204020203" pitchFamily="34" charset="0"/>
+                <a:cs typeface="Segoe UI" panose="020B0502040204020203" pitchFamily="34" charset="0"/>
+              </a:rPr>
+              <a:t>Comput</a:t>
+            </a:r>
+            <a:r>
+              <a:rPr lang="en-US" sz="1600" i="1" dirty="0">
+                <a:latin typeface="Segoe UI" panose="020B0502040204020203" pitchFamily="34" charset="0"/>
+                <a:cs typeface="Segoe UI" panose="020B0502040204020203" pitchFamily="34" charset="0"/>
+              </a:rPr>
+              <a:t>. </a:t>
+            </a:r>
+            <a:r>
+              <a:rPr lang="en-US" sz="1600" i="1" dirty="0" err="1">
+                <a:latin typeface="Segoe UI" panose="020B0502040204020203" pitchFamily="34" charset="0"/>
+                <a:cs typeface="Segoe UI" panose="020B0502040204020203" pitchFamily="34" charset="0"/>
               </a:rPr>
               <a:t>Commun</a:t>
             </a:r>
             <a:r>
               <a:rPr lang="en-US" sz="1600" i="1" dirty="0">
                 <a:latin typeface="Segoe UI" panose="020B0502040204020203" pitchFamily="34" charset="0"/>
-              </a:rPr>
-              <a:t>. ACM</a:t>
+                <a:cs typeface="Segoe UI" panose="020B0502040204020203" pitchFamily="34" charset="0"/>
+              </a:rPr>
+              <a:t>. Rev.</a:t>
             </a:r>
             <a:r>
               <a:rPr lang="en-US" sz="1600" i="0" dirty="0">
                 <a:latin typeface="Segoe UI" panose="020B0502040204020203" pitchFamily="34" charset="0"/>
-              </a:rPr>
-              <a:t> 25, 9, 600–604. </a:t>
-            </a:r>
-            <a:r>
-              <a:rPr lang="en-US" sz="1600" i="0" dirty="0">
-                <a:latin typeface="Segoe UI" panose="020B0502040204020203" pitchFamily="34" charset="0"/>
                 <a:cs typeface="Segoe UI" panose="020B0502040204020203" pitchFamily="34" charset="0"/>
               </a:rPr>
-              <a:t>DOI: </a:t>
+              <a:t> 29, 5, 36–46. DOI: </a:t>
             </a:r>
             <a:r>
               <a:rPr kumimoji="0" lang="de-DE" altLang="de-DE" sz="1600" b="0" i="0" u="none" strike="noStrike" cap="none" normalizeH="0" baseline="0" dirty="0">
@@ -13816,9 +13765,9 @@
                 <a:effectLst/>
                 <a:latin typeface="Segoe UI" panose="020B0502040204020203" pitchFamily="34" charset="0"/>
                 <a:cs typeface="Segoe UI" panose="020B0502040204020203" pitchFamily="34" charset="0"/>
-                <a:hlinkClick r:id="rId2"/>
-              </a:rPr>
-              <a:t>https://doi.org/10.1145/358628.358632</a:t>
+                <a:hlinkClick r:id="rId4"/>
+              </a:rPr>
+              <a:t>https://doi.org/10.1145/505696.505701</a:t>
             </a:r>
             <a:endParaRPr kumimoji="0" lang="de-DE" altLang="de-DE" sz="1600" b="0" i="0" u="none" strike="noStrike" cap="none" normalizeH="0" baseline="0" dirty="0">
               <a:ln>
@@ -13838,416 +13787,128 @@
               <a:buChar char="•"/>
             </a:pPr>
             <a:r>
-              <a:rPr lang="de-DE" altLang="de-DE" sz="1600" dirty="0">
-                <a:latin typeface="Segoe UI" panose="020B0502040204020203" pitchFamily="34" charset="0"/>
-                <a:cs typeface="Segoe UI" panose="020B0502040204020203" pitchFamily="34" charset="0"/>
-              </a:rPr>
-              <a:t>[16] </a:t>
+              <a:rPr lang="de-DE" sz="1600" dirty="0">
+                <a:latin typeface="Segoe UI" panose="020B0502040204020203" pitchFamily="34" charset="0"/>
+              </a:rPr>
+              <a:t>[14] </a:t>
             </a:r>
             <a:r>
               <a:rPr lang="de-DE" sz="1600" dirty="0" err="1">
                 <a:latin typeface="Segoe UI" panose="020B0502040204020203" pitchFamily="34" charset="0"/>
               </a:rPr>
-              <a:t>Murugan</a:t>
+              <a:t>Dharmapurikar</a:t>
             </a:r>
             <a:r>
               <a:rPr lang="de-DE" sz="1600" dirty="0">
                 <a:latin typeface="Segoe UI" panose="020B0502040204020203" pitchFamily="34" charset="0"/>
               </a:rPr>
-              <a:t>, S., </a:t>
+              <a:t> S., </a:t>
             </a:r>
             <a:r>
               <a:rPr lang="de-DE" sz="1600" dirty="0" err="1">
                 <a:latin typeface="Segoe UI" panose="020B0502040204020203" pitchFamily="34" charset="0"/>
               </a:rPr>
-              <a:t>Bakthavatchalam</a:t>
+              <a:t>Krishnamurthy</a:t>
             </a:r>
             <a:r>
               <a:rPr lang="de-DE" sz="1600" dirty="0">
                 <a:latin typeface="Segoe UI" panose="020B0502040204020203" pitchFamily="34" charset="0"/>
               </a:rPr>
-              <a:t>, T. A., and </a:t>
+              <a:t> P., </a:t>
             </a:r>
             <a:r>
               <a:rPr lang="de-DE" sz="1600" dirty="0" err="1">
                 <a:latin typeface="Segoe UI" panose="020B0502040204020203" pitchFamily="34" charset="0"/>
               </a:rPr>
-              <a:t>Sankarasubbu</a:t>
+              <a:t>Sproull</a:t>
             </a:r>
             <a:r>
               <a:rPr lang="de-DE" sz="1600" dirty="0">
                 <a:latin typeface="Segoe UI" panose="020B0502040204020203" pitchFamily="34" charset="0"/>
               </a:rPr>
-              <a:t>, M. 2020. </a:t>
+              <a:t> T., and Lockwood J. 2003. Deep packet </a:t>
             </a:r>
             <a:r>
               <a:rPr lang="de-DE" sz="1600" dirty="0" err="1">
                 <a:latin typeface="Segoe UI" panose="020B0502040204020203" pitchFamily="34" charset="0"/>
               </a:rPr>
-              <a:t>SymSpell</a:t>
+              <a:t>inspection</a:t>
             </a:r>
             <a:r>
               <a:rPr lang="de-DE" sz="1600" dirty="0">
                 <a:latin typeface="Segoe UI" panose="020B0502040204020203" pitchFamily="34" charset="0"/>
               </a:rPr>
-              <a:t> and LSTM </a:t>
+              <a:t> </a:t>
             </a:r>
             <a:r>
               <a:rPr lang="de-DE" sz="1600" dirty="0" err="1">
                 <a:latin typeface="Segoe UI" panose="020B0502040204020203" pitchFamily="34" charset="0"/>
               </a:rPr>
-              <a:t>based</a:t>
+              <a:t>using</a:t>
             </a:r>
             <a:r>
               <a:rPr lang="de-DE" sz="1600" dirty="0">
                 <a:latin typeface="Segoe UI" panose="020B0502040204020203" pitchFamily="34" charset="0"/>
               </a:rPr>
-              <a:t> </a:t>
+              <a:t> parallel Bloom </a:t>
             </a:r>
             <a:r>
               <a:rPr lang="de-DE" sz="1600" dirty="0" err="1">
                 <a:latin typeface="Segoe UI" panose="020B0502040204020203" pitchFamily="34" charset="0"/>
               </a:rPr>
-              <a:t>Spell</a:t>
+              <a:t>filters</a:t>
             </a:r>
             <a:r>
               <a:rPr lang="de-DE" sz="1600" dirty="0">
                 <a:latin typeface="Segoe UI" panose="020B0502040204020203" pitchFamily="34" charset="0"/>
               </a:rPr>
-              <a:t>-Checkers </a:t>
-            </a:r>
-            <a:r>
-              <a:rPr lang="de-DE" sz="1600" dirty="0" err="1">
-                <a:latin typeface="Segoe UI" panose="020B0502040204020203" pitchFamily="34" charset="0"/>
-              </a:rPr>
-              <a:t>for</a:t>
+              <a:t>. In </a:t>
+            </a:r>
+            <a:r>
+              <a:rPr lang="de-DE" sz="1600" i="1" dirty="0">
+                <a:latin typeface="Segoe UI" panose="020B0502040204020203" pitchFamily="34" charset="0"/>
+              </a:rPr>
+              <a:t>11th Symposium on High Performance </a:t>
+            </a:r>
+            <a:r>
+              <a:rPr lang="de-DE" sz="1600" i="1" dirty="0" err="1">
+                <a:latin typeface="Segoe UI" panose="020B0502040204020203" pitchFamily="34" charset="0"/>
+              </a:rPr>
+              <a:t>Interconnects</a:t>
+            </a:r>
+            <a:r>
+              <a:rPr lang="de-DE" sz="1600" i="1" dirty="0">
+                <a:latin typeface="Segoe UI" panose="020B0502040204020203" pitchFamily="34" charset="0"/>
+              </a:rPr>
+              <a:t>, 2003. Proceedings</a:t>
+            </a:r>
+            <a:r>
+              <a:rPr lang="de-DE" sz="1600" i="0" dirty="0">
+                <a:latin typeface="Segoe UI" panose="020B0502040204020203" pitchFamily="34" charset="0"/>
+              </a:rPr>
+              <a:t>, 44–51. DOI: </a:t>
+            </a:r>
+            <a:r>
+              <a:rPr lang="en-US" sz="1600" dirty="0">
+                <a:latin typeface="Segoe UI" panose="020B0502040204020203" pitchFamily="34" charset="0"/>
+                <a:hlinkClick r:id="rId5"/>
+              </a:rPr>
+              <a:t>https://</a:t>
             </a:r>
             <a:r>
               <a:rPr lang="de-DE" sz="1600" dirty="0">
                 <a:latin typeface="Segoe UI" panose="020B0502040204020203" pitchFamily="34" charset="0"/>
-              </a:rPr>
-              <a:t> Tamil.</a:t>
-            </a:r>
-            <a:r>
-              <a:rPr lang="de-DE" sz="1600" dirty="0">
-                <a:latin typeface="Segoe UI" panose="020B0502040204020203" pitchFamily="34" charset="0"/>
-                <a:cs typeface="Segoe UI" panose="020B0502040204020203" pitchFamily="34" charset="0"/>
-              </a:rPr>
-              <a:t> </a:t>
-            </a:r>
-            <a:r>
-              <a:rPr lang="de-DE" sz="1600" dirty="0">
-                <a:latin typeface="Segoe UI" panose="020B0502040204020203" pitchFamily="34" charset="0"/>
-                <a:cs typeface="Segoe UI" panose="020B0502040204020203" pitchFamily="34" charset="0"/>
-                <a:hlinkClick r:id="rId3"/>
-              </a:rPr>
-              <a:t>http://uttamam.org/papers/20_17.pdf</a:t>
-            </a:r>
-            <a:endParaRPr lang="de-DE" sz="1600" dirty="0">
-              <a:latin typeface="Segoe UI" panose="020B0502040204020203" pitchFamily="34" charset="0"/>
-              <a:cs typeface="Segoe UI" panose="020B0502040204020203" pitchFamily="34" charset="0"/>
-            </a:endParaRPr>
-          </a:p>
-          <a:p>
-            <a:pPr marL="285750" indent="-285750">
-              <a:buFont typeface="Arial" panose="020B0604020202020204" pitchFamily="34" charset="0"/>
-              <a:buChar char="•"/>
-            </a:pPr>
-            <a:r>
-              <a:rPr kumimoji="0" lang="de-DE" altLang="de-DE" sz="1600" b="0" i="0" u="none" strike="noStrike" cap="none" normalizeH="0" baseline="0" dirty="0">
-                <a:ln>
-                  <a:noFill/>
-                </a:ln>
-                <a:solidFill>
-                  <a:schemeClr val="tx1"/>
-                </a:solidFill>
-                <a:effectLst/>
-                <a:latin typeface="Segoe UI" panose="020B0502040204020203" pitchFamily="34" charset="0"/>
-                <a:cs typeface="Segoe UI" panose="020B0502040204020203" pitchFamily="34" charset="0"/>
-              </a:rPr>
-              <a:t>[17] </a:t>
-            </a:r>
-            <a:r>
-              <a:rPr lang="de-DE" sz="1600" dirty="0" err="1">
-                <a:latin typeface="Segoe UI" panose="020B0502040204020203" pitchFamily="34" charset="0"/>
-              </a:rPr>
-              <a:t>Dharmapurikar</a:t>
-            </a:r>
-            <a:r>
-              <a:rPr lang="de-DE" sz="1600" dirty="0">
-                <a:latin typeface="Segoe UI" panose="020B0502040204020203" pitchFamily="34" charset="0"/>
-              </a:rPr>
-              <a:t>, S., </a:t>
-            </a:r>
-            <a:r>
-              <a:rPr lang="de-DE" sz="1600" dirty="0" err="1">
-                <a:latin typeface="Segoe UI" panose="020B0502040204020203" pitchFamily="34" charset="0"/>
-              </a:rPr>
-              <a:t>Krishnamurthy</a:t>
-            </a:r>
-            <a:r>
-              <a:rPr lang="de-DE" sz="1600" dirty="0">
-                <a:latin typeface="Segoe UI" panose="020B0502040204020203" pitchFamily="34" charset="0"/>
-              </a:rPr>
-              <a:t>, P., and Taylor, D. E. 2003. </a:t>
-            </a:r>
-            <a:r>
-              <a:rPr lang="de-DE" sz="1600" dirty="0" err="1">
-                <a:latin typeface="Segoe UI" panose="020B0502040204020203" pitchFamily="34" charset="0"/>
-              </a:rPr>
-              <a:t>Longest</a:t>
-            </a:r>
-            <a:r>
-              <a:rPr lang="de-DE" sz="1600" dirty="0">
-                <a:latin typeface="Segoe UI" panose="020B0502040204020203" pitchFamily="34" charset="0"/>
-              </a:rPr>
-              <a:t> </a:t>
-            </a:r>
-            <a:r>
-              <a:rPr lang="de-DE" sz="1600" dirty="0" err="1">
-                <a:latin typeface="Segoe UI" panose="020B0502040204020203" pitchFamily="34" charset="0"/>
-              </a:rPr>
-              <a:t>Prefix</a:t>
-            </a:r>
-            <a:r>
-              <a:rPr lang="de-DE" sz="1600" dirty="0">
-                <a:latin typeface="Segoe UI" panose="020B0502040204020203" pitchFamily="34" charset="0"/>
-              </a:rPr>
-              <a:t> </a:t>
-            </a:r>
-            <a:r>
-              <a:rPr lang="de-DE" sz="1600" dirty="0" err="1">
-                <a:latin typeface="Segoe UI" panose="020B0502040204020203" pitchFamily="34" charset="0"/>
-              </a:rPr>
-              <a:t>Matching</a:t>
-            </a:r>
-            <a:r>
-              <a:rPr lang="de-DE" sz="1600" dirty="0">
-                <a:latin typeface="Segoe UI" panose="020B0502040204020203" pitchFamily="34" charset="0"/>
-              </a:rPr>
-              <a:t> </a:t>
-            </a:r>
-            <a:r>
-              <a:rPr lang="de-DE" sz="1600" dirty="0" err="1">
-                <a:latin typeface="Segoe UI" panose="020B0502040204020203" pitchFamily="34" charset="0"/>
-              </a:rPr>
-              <a:t>Using</a:t>
-            </a:r>
-            <a:r>
-              <a:rPr lang="de-DE" sz="1600" dirty="0">
-                <a:latin typeface="Segoe UI" panose="020B0502040204020203" pitchFamily="34" charset="0"/>
-              </a:rPr>
-              <a:t> Bloom Filters. In </a:t>
-            </a:r>
-            <a:r>
-              <a:rPr lang="de-DE" sz="1600" i="1" dirty="0">
-                <a:latin typeface="Segoe UI" panose="020B0502040204020203" pitchFamily="34" charset="0"/>
-              </a:rPr>
-              <a:t>Proceedings </a:t>
-            </a:r>
-            <a:r>
-              <a:rPr lang="de-DE" sz="1600" i="1" dirty="0" err="1">
-                <a:latin typeface="Segoe UI" panose="020B0502040204020203" pitchFamily="34" charset="0"/>
-              </a:rPr>
-              <a:t>of</a:t>
-            </a:r>
-            <a:r>
-              <a:rPr lang="de-DE" sz="1600" i="1" dirty="0">
-                <a:latin typeface="Segoe UI" panose="020B0502040204020203" pitchFamily="34" charset="0"/>
-              </a:rPr>
-              <a:t> </a:t>
-            </a:r>
-            <a:r>
-              <a:rPr lang="de-DE" sz="1600" i="1" dirty="0" err="1">
-                <a:latin typeface="Segoe UI" panose="020B0502040204020203" pitchFamily="34" charset="0"/>
-              </a:rPr>
-              <a:t>the</a:t>
-            </a:r>
-            <a:r>
-              <a:rPr lang="de-DE" sz="1600" i="1" dirty="0">
-                <a:latin typeface="Segoe UI" panose="020B0502040204020203" pitchFamily="34" charset="0"/>
-              </a:rPr>
-              <a:t> 2003 Conference on </a:t>
-            </a:r>
-            <a:r>
-              <a:rPr lang="de-DE" sz="1600" i="1" dirty="0" err="1">
-                <a:latin typeface="Segoe UI" panose="020B0502040204020203" pitchFamily="34" charset="0"/>
-              </a:rPr>
-              <a:t>Applications</a:t>
-            </a:r>
-            <a:r>
-              <a:rPr lang="de-DE" sz="1600" i="1" dirty="0">
-                <a:latin typeface="Segoe UI" panose="020B0502040204020203" pitchFamily="34" charset="0"/>
-              </a:rPr>
-              <a:t>, Technologies, </a:t>
-            </a:r>
-            <a:r>
-              <a:rPr lang="de-DE" sz="1600" i="1" dirty="0" err="1">
-                <a:latin typeface="Segoe UI" panose="020B0502040204020203" pitchFamily="34" charset="0"/>
-              </a:rPr>
-              <a:t>Architectures</a:t>
-            </a:r>
-            <a:r>
-              <a:rPr lang="de-DE" sz="1600" i="1" dirty="0">
-                <a:latin typeface="Segoe UI" panose="020B0502040204020203" pitchFamily="34" charset="0"/>
-              </a:rPr>
-              <a:t>, and </a:t>
-            </a:r>
-            <a:r>
-              <a:rPr lang="de-DE" sz="1600" i="1" dirty="0" err="1">
-                <a:latin typeface="Segoe UI" panose="020B0502040204020203" pitchFamily="34" charset="0"/>
-              </a:rPr>
-              <a:t>Protocols</a:t>
-            </a:r>
-            <a:r>
-              <a:rPr lang="de-DE" sz="1600" i="1" dirty="0">
-                <a:latin typeface="Segoe UI" panose="020B0502040204020203" pitchFamily="34" charset="0"/>
-              </a:rPr>
-              <a:t> </a:t>
-            </a:r>
-            <a:r>
-              <a:rPr lang="de-DE" sz="1600" i="1" dirty="0" err="1">
-                <a:latin typeface="Segoe UI" panose="020B0502040204020203" pitchFamily="34" charset="0"/>
-              </a:rPr>
-              <a:t>for</a:t>
-            </a:r>
-            <a:r>
-              <a:rPr lang="de-DE" sz="1600" i="1" dirty="0">
-                <a:latin typeface="Segoe UI" panose="020B0502040204020203" pitchFamily="34" charset="0"/>
-              </a:rPr>
-              <a:t> Computer Communications</a:t>
+                <a:hlinkClick r:id="rId5"/>
+              </a:rPr>
+              <a:t>doi.org/</a:t>
             </a:r>
             <a:r>
               <a:rPr lang="de-DE" sz="1600" i="0" dirty="0">
                 <a:latin typeface="Segoe UI" panose="020B0502040204020203" pitchFamily="34" charset="0"/>
-              </a:rPr>
-              <a:t>. SIGCOMM ’03. </a:t>
-            </a:r>
-            <a:r>
-              <a:rPr lang="de-DE" sz="1600" i="0" dirty="0" err="1">
-                <a:latin typeface="Segoe UI" panose="020B0502040204020203" pitchFamily="34" charset="0"/>
-              </a:rPr>
-              <a:t>Association</a:t>
-            </a:r>
-            <a:r>
-              <a:rPr lang="de-DE" sz="1600" i="0" dirty="0">
-                <a:latin typeface="Segoe UI" panose="020B0502040204020203" pitchFamily="34" charset="0"/>
-              </a:rPr>
-              <a:t> </a:t>
-            </a:r>
-            <a:r>
-              <a:rPr lang="de-DE" sz="1600" i="0" dirty="0" err="1">
-                <a:latin typeface="Segoe UI" panose="020B0502040204020203" pitchFamily="34" charset="0"/>
-              </a:rPr>
-              <a:t>for</a:t>
-            </a:r>
-            <a:r>
-              <a:rPr lang="de-DE" sz="1600" i="0" dirty="0">
-                <a:latin typeface="Segoe UI" panose="020B0502040204020203" pitchFamily="34" charset="0"/>
-              </a:rPr>
-              <a:t> Computing Machinery, New York, NY, USA, 201–212. DOI: </a:t>
-            </a:r>
-            <a:r>
-              <a:rPr lang="de-DE" altLang="de-DE" sz="1600" dirty="0">
-                <a:latin typeface="Segoe UI" panose="020B0502040204020203" pitchFamily="34" charset="0"/>
-                <a:cs typeface="Segoe UI" panose="020B0502040204020203" pitchFamily="34" charset="0"/>
-                <a:hlinkClick r:id="rId4"/>
-              </a:rPr>
-              <a:t>https://doi.org/</a:t>
-            </a:r>
-            <a:r>
-              <a:rPr lang="de-DE" sz="1600" i="0" dirty="0">
-                <a:latin typeface="Segoe UI" panose="020B0502040204020203" pitchFamily="34" charset="0"/>
-                <a:hlinkClick r:id="rId4"/>
-              </a:rPr>
-              <a:t>10.1145/863955.863979</a:t>
-            </a:r>
-            <a:endParaRPr lang="de-DE" sz="1600" i="0" dirty="0">
-              <a:latin typeface="Segoe UI" panose="020B0502040204020203" pitchFamily="34" charset="0"/>
-            </a:endParaRPr>
-          </a:p>
-          <a:p>
-            <a:pPr marL="285750" indent="-285750">
-              <a:buFont typeface="Arial" panose="020B0604020202020204" pitchFamily="34" charset="0"/>
-              <a:buChar char="•"/>
-            </a:pPr>
-            <a:r>
-              <a:rPr lang="de-DE" sz="1600" dirty="0">
-                <a:latin typeface="Segoe UI" panose="020B0502040204020203" pitchFamily="34" charset="0"/>
-              </a:rPr>
-              <a:t>[18] </a:t>
-            </a:r>
-            <a:r>
-              <a:rPr lang="en-US" sz="1600" dirty="0">
-                <a:latin typeface="Segoe UI" panose="020B0502040204020203" pitchFamily="34" charset="0"/>
-              </a:rPr>
-              <a:t>Jain, N., Dahlin, M., and </a:t>
-            </a:r>
-            <a:r>
-              <a:rPr lang="en-US" sz="1600" dirty="0" err="1">
-                <a:latin typeface="Segoe UI" panose="020B0502040204020203" pitchFamily="34" charset="0"/>
-              </a:rPr>
-              <a:t>Tewar</a:t>
-            </a:r>
-            <a:r>
-              <a:rPr lang="en-US" sz="1600" dirty="0">
-                <a:latin typeface="Segoe UI" panose="020B0502040204020203" pitchFamily="34" charset="0"/>
-              </a:rPr>
-              <a:t>, R. 2005. Using Bloom Filters to Refine Web Search Results. In </a:t>
-            </a:r>
-            <a:r>
-              <a:rPr lang="en-US" sz="1600" i="1" dirty="0">
-                <a:latin typeface="Segoe UI" panose="020B0502040204020203" pitchFamily="34" charset="0"/>
-              </a:rPr>
-              <a:t>Eighth International Workshop on the Web and Databases (</a:t>
-            </a:r>
-            <a:r>
-              <a:rPr lang="en-US" sz="1600" i="1" dirty="0" err="1">
-                <a:latin typeface="Segoe UI" panose="020B0502040204020203" pitchFamily="34" charset="0"/>
-              </a:rPr>
-              <a:t>WebDB</a:t>
-            </a:r>
-            <a:r>
-              <a:rPr lang="en-US" sz="1600" i="1" dirty="0">
-                <a:latin typeface="Segoe UI" panose="020B0502040204020203" pitchFamily="34" charset="0"/>
-              </a:rPr>
-              <a:t> ’05)</a:t>
-            </a:r>
-            <a:r>
-              <a:rPr lang="en-US" sz="1600" i="0" dirty="0">
-                <a:latin typeface="Segoe UI" panose="020B0502040204020203" pitchFamily="34" charset="0"/>
-              </a:rPr>
-              <a:t>.</a:t>
-            </a:r>
-            <a:r>
-              <a:rPr lang="de-DE" sz="1600" dirty="0">
-                <a:latin typeface="Segoe UI" panose="020B0502040204020203" pitchFamily="34" charset="0"/>
-              </a:rPr>
-              <a:t> https://www.microsoft.com/en-us/research/wp-content/uploads/2017/01/webdb-167.pdf</a:t>
-            </a:r>
-          </a:p>
-          <a:p>
-            <a:pPr marL="285750" indent="-285750">
-              <a:buFont typeface="Arial" panose="020B0604020202020204" pitchFamily="34" charset="0"/>
-              <a:buChar char="•"/>
-            </a:pPr>
-            <a:endParaRPr kumimoji="0" lang="de-DE" altLang="de-DE" sz="1600" b="0" i="0" u="none" strike="noStrike" cap="none" normalizeH="0" baseline="0" dirty="0">
-              <a:ln>
-                <a:noFill/>
-              </a:ln>
-              <a:solidFill>
-                <a:schemeClr val="tx1"/>
-              </a:solidFill>
-              <a:effectLst/>
-              <a:latin typeface="Segoe UI" panose="020B0502040204020203" pitchFamily="34" charset="0"/>
-              <a:cs typeface="Segoe UI" panose="020B0502040204020203" pitchFamily="34" charset="0"/>
-            </a:endParaRPr>
-          </a:p>
-          <a:p>
-            <a:pPr marL="285750" indent="-285750">
-              <a:buFont typeface="Arial" panose="020B0604020202020204" pitchFamily="34" charset="0"/>
-              <a:buChar char="•"/>
-            </a:pPr>
+                <a:hlinkClick r:id="rId5"/>
+              </a:rPr>
+              <a:t>10.1109/CONECT.2003.1231477</a:t>
+            </a:r>
             <a:endParaRPr lang="de-DE" altLang="de-DE" sz="1600" dirty="0">
               <a:latin typeface="Segoe UI" panose="020B0502040204020203" pitchFamily="34" charset="0"/>
               <a:cs typeface="Segoe UI" panose="020B0502040204020203" pitchFamily="34" charset="0"/>
@@ -14274,25 +13935,8 @@
               <a:buFont typeface="Arial" panose="020B0604020202020204" pitchFamily="34" charset="0"/>
               <a:buChar char="•"/>
             </a:pPr>
-            <a:endParaRPr lang="de-DE" altLang="de-DE" sz="1600" dirty="0">
+            <a:endParaRPr lang="en-US" sz="1600" i="0" dirty="0">
               <a:latin typeface="Segoe UI" panose="020B0502040204020203" pitchFamily="34" charset="0"/>
-              <a:cs typeface="Segoe UI" panose="020B0502040204020203" pitchFamily="34" charset="0"/>
-            </a:endParaRPr>
-          </a:p>
-          <a:p>
-            <a:pPr marL="285750" indent="-285750">
-              <a:buFont typeface="Arial" panose="020B0604020202020204" pitchFamily="34" charset="0"/>
-              <a:buChar char="•"/>
-            </a:pPr>
-            <a:endParaRPr kumimoji="0" lang="de-DE" altLang="de-DE" sz="3600" b="0" i="0" u="none" strike="noStrike" cap="none" normalizeH="0" baseline="0" dirty="0">
-              <a:ln>
-                <a:noFill/>
-              </a:ln>
-              <a:solidFill>
-                <a:schemeClr val="tx1"/>
-              </a:solidFill>
-              <a:effectLst/>
-              <a:latin typeface="Arial" panose="020B0604020202020204" pitchFamily="34" charset="0"/>
             </a:endParaRPr>
           </a:p>
           <a:p>
@@ -14304,21 +13948,12 @@
               <a:latin typeface="Segoe UI" panose="020B0502040204020203" pitchFamily="34" charset="0"/>
             </a:endParaRPr>
           </a:p>
-          <a:p>
-            <a:pPr marL="285750" indent="-285750">
-              <a:buFont typeface="Arial" panose="020B0604020202020204" pitchFamily="34" charset="0"/>
-              <a:buChar char="•"/>
-            </a:pPr>
-            <a:endParaRPr lang="en-US" sz="1600" i="0" dirty="0">
-              <a:latin typeface="Segoe UI" panose="020B0502040204020203" pitchFamily="34" charset="0"/>
-            </a:endParaRPr>
-          </a:p>
         </p:txBody>
       </p:sp>
     </p:spTree>
     <p:extLst>
       <p:ext uri="{BB962C8B-B14F-4D97-AF65-F5344CB8AC3E}">
-        <p14:creationId xmlns:p14="http://schemas.microsoft.com/office/powerpoint/2010/main" val="3408374900"/>
+        <p14:creationId xmlns:p14="http://schemas.microsoft.com/office/powerpoint/2010/main" val="3916588754"/>
       </p:ext>
     </p:extLst>
   </p:cSld>
@@ -14455,6 +14090,716 @@
         <p:spPr>
           <a:xfrm>
             <a:off x="611560" y="1419622"/>
+            <a:ext cx="8064896" cy="5724644"/>
+          </a:xfrm>
+          <a:prstGeom prst="rect">
+            <a:avLst/>
+          </a:prstGeom>
+          <a:noFill/>
+        </p:spPr>
+        <p:txBody>
+          <a:bodyPr wrap="square" rtlCol="0">
+            <a:spAutoFit/>
+          </a:bodyPr>
+          <a:lstStyle/>
+          <a:p>
+            <a:pPr marL="285750" indent="-285750">
+              <a:buFont typeface="Arial" panose="020B0604020202020204" pitchFamily="34" charset="0"/>
+              <a:buChar char="•"/>
+            </a:pPr>
+            <a:r>
+              <a:rPr lang="en-US" sz="1600" dirty="0">
+                <a:latin typeface="Segoe UI" panose="020B0502040204020203" pitchFamily="34" charset="0"/>
+              </a:rPr>
+              <a:t>[15] </a:t>
+            </a:r>
+            <a:r>
+              <a:rPr lang="en-US" sz="1600" dirty="0" err="1">
+                <a:latin typeface="Segoe UI" panose="020B0502040204020203" pitchFamily="34" charset="0"/>
+              </a:rPr>
+              <a:t>Gremillion</a:t>
+            </a:r>
+            <a:r>
+              <a:rPr lang="en-US" sz="1600" dirty="0">
+                <a:latin typeface="Segoe UI" panose="020B0502040204020203" pitchFamily="34" charset="0"/>
+              </a:rPr>
+              <a:t>, L. L. 1982. Designing a Bloom Filter for Differential File Access. </a:t>
+            </a:r>
+            <a:r>
+              <a:rPr lang="en-US" sz="1600" i="1" dirty="0" err="1">
+                <a:latin typeface="Segoe UI" panose="020B0502040204020203" pitchFamily="34" charset="0"/>
+              </a:rPr>
+              <a:t>Commun</a:t>
+            </a:r>
+            <a:r>
+              <a:rPr lang="en-US" sz="1600" i="1" dirty="0">
+                <a:latin typeface="Segoe UI" panose="020B0502040204020203" pitchFamily="34" charset="0"/>
+              </a:rPr>
+              <a:t>. ACM</a:t>
+            </a:r>
+            <a:r>
+              <a:rPr lang="en-US" sz="1600" i="0" dirty="0">
+                <a:latin typeface="Segoe UI" panose="020B0502040204020203" pitchFamily="34" charset="0"/>
+              </a:rPr>
+              <a:t> 25, 9, 600–604. </a:t>
+            </a:r>
+            <a:r>
+              <a:rPr lang="en-US" sz="1600" i="0" dirty="0">
+                <a:latin typeface="Segoe UI" panose="020B0502040204020203" pitchFamily="34" charset="0"/>
+                <a:cs typeface="Segoe UI" panose="020B0502040204020203" pitchFamily="34" charset="0"/>
+              </a:rPr>
+              <a:t>DOI: </a:t>
+            </a:r>
+            <a:r>
+              <a:rPr kumimoji="0" lang="de-DE" altLang="de-DE" sz="1600" b="0" i="0" u="none" strike="noStrike" cap="none" normalizeH="0" baseline="0" dirty="0">
+                <a:ln>
+                  <a:noFill/>
+                </a:ln>
+                <a:solidFill>
+                  <a:schemeClr val="tx1"/>
+                </a:solidFill>
+                <a:effectLst/>
+                <a:latin typeface="Segoe UI" panose="020B0502040204020203" pitchFamily="34" charset="0"/>
+                <a:cs typeface="Segoe UI" panose="020B0502040204020203" pitchFamily="34" charset="0"/>
+                <a:hlinkClick r:id="rId2"/>
+              </a:rPr>
+              <a:t>https://doi.org/10.1145/358628.358632</a:t>
+            </a:r>
+            <a:endParaRPr kumimoji="0" lang="de-DE" altLang="de-DE" sz="1600" b="0" i="0" u="none" strike="noStrike" cap="none" normalizeH="0" baseline="0" dirty="0">
+              <a:ln>
+                <a:noFill/>
+              </a:ln>
+              <a:solidFill>
+                <a:schemeClr val="tx1"/>
+              </a:solidFill>
+              <a:effectLst/>
+              <a:latin typeface="Segoe UI" panose="020B0502040204020203" pitchFamily="34" charset="0"/>
+              <a:cs typeface="Segoe UI" panose="020B0502040204020203" pitchFamily="34" charset="0"/>
+            </a:endParaRPr>
+          </a:p>
+          <a:p>
+            <a:pPr marL="285750" indent="-285750">
+              <a:buFont typeface="Arial" panose="020B0604020202020204" pitchFamily="34" charset="0"/>
+              <a:buChar char="•"/>
+            </a:pPr>
+            <a:r>
+              <a:rPr lang="de-DE" altLang="de-DE" sz="1600" dirty="0">
+                <a:latin typeface="Segoe UI" panose="020B0502040204020203" pitchFamily="34" charset="0"/>
+                <a:cs typeface="Segoe UI" panose="020B0502040204020203" pitchFamily="34" charset="0"/>
+              </a:rPr>
+              <a:t>[16] </a:t>
+            </a:r>
+            <a:r>
+              <a:rPr lang="de-DE" sz="1600" dirty="0" err="1">
+                <a:latin typeface="Segoe UI" panose="020B0502040204020203" pitchFamily="34" charset="0"/>
+              </a:rPr>
+              <a:t>Murugan</a:t>
+            </a:r>
+            <a:r>
+              <a:rPr lang="de-DE" sz="1600" dirty="0">
+                <a:latin typeface="Segoe UI" panose="020B0502040204020203" pitchFamily="34" charset="0"/>
+              </a:rPr>
+              <a:t>, S., </a:t>
+            </a:r>
+            <a:r>
+              <a:rPr lang="de-DE" sz="1600" dirty="0" err="1">
+                <a:latin typeface="Segoe UI" panose="020B0502040204020203" pitchFamily="34" charset="0"/>
+              </a:rPr>
+              <a:t>Bakthavatchalam</a:t>
+            </a:r>
+            <a:r>
+              <a:rPr lang="de-DE" sz="1600" dirty="0">
+                <a:latin typeface="Segoe UI" panose="020B0502040204020203" pitchFamily="34" charset="0"/>
+              </a:rPr>
+              <a:t>, T. A., and </a:t>
+            </a:r>
+            <a:r>
+              <a:rPr lang="de-DE" sz="1600" dirty="0" err="1">
+                <a:latin typeface="Segoe UI" panose="020B0502040204020203" pitchFamily="34" charset="0"/>
+              </a:rPr>
+              <a:t>Sankarasubbu</a:t>
+            </a:r>
+            <a:r>
+              <a:rPr lang="de-DE" sz="1600" dirty="0">
+                <a:latin typeface="Segoe UI" panose="020B0502040204020203" pitchFamily="34" charset="0"/>
+              </a:rPr>
+              <a:t>, M. 2020. </a:t>
+            </a:r>
+            <a:r>
+              <a:rPr lang="de-DE" sz="1600" dirty="0" err="1">
+                <a:latin typeface="Segoe UI" panose="020B0502040204020203" pitchFamily="34" charset="0"/>
+              </a:rPr>
+              <a:t>SymSpell</a:t>
+            </a:r>
+            <a:r>
+              <a:rPr lang="de-DE" sz="1600" dirty="0">
+                <a:latin typeface="Segoe UI" panose="020B0502040204020203" pitchFamily="34" charset="0"/>
+              </a:rPr>
+              <a:t> and LSTM </a:t>
+            </a:r>
+            <a:r>
+              <a:rPr lang="de-DE" sz="1600" dirty="0" err="1">
+                <a:latin typeface="Segoe UI" panose="020B0502040204020203" pitchFamily="34" charset="0"/>
+              </a:rPr>
+              <a:t>based</a:t>
+            </a:r>
+            <a:r>
+              <a:rPr lang="de-DE" sz="1600" dirty="0">
+                <a:latin typeface="Segoe UI" panose="020B0502040204020203" pitchFamily="34" charset="0"/>
+              </a:rPr>
+              <a:t> </a:t>
+            </a:r>
+            <a:r>
+              <a:rPr lang="de-DE" sz="1600" dirty="0" err="1">
+                <a:latin typeface="Segoe UI" panose="020B0502040204020203" pitchFamily="34" charset="0"/>
+              </a:rPr>
+              <a:t>Spell</a:t>
+            </a:r>
+            <a:r>
+              <a:rPr lang="de-DE" sz="1600" dirty="0">
+                <a:latin typeface="Segoe UI" panose="020B0502040204020203" pitchFamily="34" charset="0"/>
+              </a:rPr>
+              <a:t>-Checkers </a:t>
+            </a:r>
+            <a:r>
+              <a:rPr lang="de-DE" sz="1600" dirty="0" err="1">
+                <a:latin typeface="Segoe UI" panose="020B0502040204020203" pitchFamily="34" charset="0"/>
+              </a:rPr>
+              <a:t>for</a:t>
+            </a:r>
+            <a:r>
+              <a:rPr lang="de-DE" sz="1600" dirty="0">
+                <a:latin typeface="Segoe UI" panose="020B0502040204020203" pitchFamily="34" charset="0"/>
+              </a:rPr>
+              <a:t> Tamil.</a:t>
+            </a:r>
+            <a:r>
+              <a:rPr lang="de-DE" sz="1600" dirty="0">
+                <a:latin typeface="Segoe UI" panose="020B0502040204020203" pitchFamily="34" charset="0"/>
+                <a:cs typeface="Segoe UI" panose="020B0502040204020203" pitchFamily="34" charset="0"/>
+              </a:rPr>
+              <a:t> </a:t>
+            </a:r>
+            <a:r>
+              <a:rPr lang="de-DE" sz="1600" dirty="0">
+                <a:latin typeface="Segoe UI" panose="020B0502040204020203" pitchFamily="34" charset="0"/>
+                <a:cs typeface="Segoe UI" panose="020B0502040204020203" pitchFamily="34" charset="0"/>
+                <a:hlinkClick r:id="rId3"/>
+              </a:rPr>
+              <a:t>http://uttamam.org/papers/20_17.pdf</a:t>
+            </a:r>
+            <a:endParaRPr lang="de-DE" sz="1600" dirty="0">
+              <a:latin typeface="Segoe UI" panose="020B0502040204020203" pitchFamily="34" charset="0"/>
+              <a:cs typeface="Segoe UI" panose="020B0502040204020203" pitchFamily="34" charset="0"/>
+            </a:endParaRPr>
+          </a:p>
+          <a:p>
+            <a:pPr marL="285750" indent="-285750">
+              <a:buFont typeface="Arial" panose="020B0604020202020204" pitchFamily="34" charset="0"/>
+              <a:buChar char="•"/>
+            </a:pPr>
+            <a:r>
+              <a:rPr kumimoji="0" lang="de-DE" altLang="de-DE" sz="1600" b="0" i="0" u="none" strike="noStrike" cap="none" normalizeH="0" baseline="0" dirty="0">
+                <a:ln>
+                  <a:noFill/>
+                </a:ln>
+                <a:solidFill>
+                  <a:schemeClr val="tx1"/>
+                </a:solidFill>
+                <a:effectLst/>
+                <a:latin typeface="Segoe UI" panose="020B0502040204020203" pitchFamily="34" charset="0"/>
+                <a:cs typeface="Segoe UI" panose="020B0502040204020203" pitchFamily="34" charset="0"/>
+              </a:rPr>
+              <a:t>[17] </a:t>
+            </a:r>
+            <a:r>
+              <a:rPr lang="de-DE" sz="1600" dirty="0" err="1">
+                <a:latin typeface="Segoe UI" panose="020B0502040204020203" pitchFamily="34" charset="0"/>
+              </a:rPr>
+              <a:t>Dharmapurikar</a:t>
+            </a:r>
+            <a:r>
+              <a:rPr lang="de-DE" sz="1600" dirty="0">
+                <a:latin typeface="Segoe UI" panose="020B0502040204020203" pitchFamily="34" charset="0"/>
+              </a:rPr>
+              <a:t>, S., </a:t>
+            </a:r>
+            <a:r>
+              <a:rPr lang="de-DE" sz="1600" dirty="0" err="1">
+                <a:latin typeface="Segoe UI" panose="020B0502040204020203" pitchFamily="34" charset="0"/>
+              </a:rPr>
+              <a:t>Krishnamurthy</a:t>
+            </a:r>
+            <a:r>
+              <a:rPr lang="de-DE" sz="1600" dirty="0">
+                <a:latin typeface="Segoe UI" panose="020B0502040204020203" pitchFamily="34" charset="0"/>
+              </a:rPr>
+              <a:t>, P., and Taylor, D. E. 2003. </a:t>
+            </a:r>
+            <a:r>
+              <a:rPr lang="de-DE" sz="1600" dirty="0" err="1">
+                <a:latin typeface="Segoe UI" panose="020B0502040204020203" pitchFamily="34" charset="0"/>
+              </a:rPr>
+              <a:t>Longest</a:t>
+            </a:r>
+            <a:r>
+              <a:rPr lang="de-DE" sz="1600" dirty="0">
+                <a:latin typeface="Segoe UI" panose="020B0502040204020203" pitchFamily="34" charset="0"/>
+              </a:rPr>
+              <a:t> </a:t>
+            </a:r>
+            <a:r>
+              <a:rPr lang="de-DE" sz="1600" dirty="0" err="1">
+                <a:latin typeface="Segoe UI" panose="020B0502040204020203" pitchFamily="34" charset="0"/>
+              </a:rPr>
+              <a:t>Prefix</a:t>
+            </a:r>
+            <a:r>
+              <a:rPr lang="de-DE" sz="1600" dirty="0">
+                <a:latin typeface="Segoe UI" panose="020B0502040204020203" pitchFamily="34" charset="0"/>
+              </a:rPr>
+              <a:t> </a:t>
+            </a:r>
+            <a:r>
+              <a:rPr lang="de-DE" sz="1600" dirty="0" err="1">
+                <a:latin typeface="Segoe UI" panose="020B0502040204020203" pitchFamily="34" charset="0"/>
+              </a:rPr>
+              <a:t>Matching</a:t>
+            </a:r>
+            <a:r>
+              <a:rPr lang="de-DE" sz="1600" dirty="0">
+                <a:latin typeface="Segoe UI" panose="020B0502040204020203" pitchFamily="34" charset="0"/>
+              </a:rPr>
+              <a:t> </a:t>
+            </a:r>
+            <a:r>
+              <a:rPr lang="de-DE" sz="1600" dirty="0" err="1">
+                <a:latin typeface="Segoe UI" panose="020B0502040204020203" pitchFamily="34" charset="0"/>
+              </a:rPr>
+              <a:t>Using</a:t>
+            </a:r>
+            <a:r>
+              <a:rPr lang="de-DE" sz="1600" dirty="0">
+                <a:latin typeface="Segoe UI" panose="020B0502040204020203" pitchFamily="34" charset="0"/>
+              </a:rPr>
+              <a:t> Bloom Filters. In </a:t>
+            </a:r>
+            <a:r>
+              <a:rPr lang="de-DE" sz="1600" i="1" dirty="0">
+                <a:latin typeface="Segoe UI" panose="020B0502040204020203" pitchFamily="34" charset="0"/>
+              </a:rPr>
+              <a:t>Proceedings </a:t>
+            </a:r>
+            <a:r>
+              <a:rPr lang="de-DE" sz="1600" i="1" dirty="0" err="1">
+                <a:latin typeface="Segoe UI" panose="020B0502040204020203" pitchFamily="34" charset="0"/>
+              </a:rPr>
+              <a:t>of</a:t>
+            </a:r>
+            <a:r>
+              <a:rPr lang="de-DE" sz="1600" i="1" dirty="0">
+                <a:latin typeface="Segoe UI" panose="020B0502040204020203" pitchFamily="34" charset="0"/>
+              </a:rPr>
+              <a:t> </a:t>
+            </a:r>
+            <a:r>
+              <a:rPr lang="de-DE" sz="1600" i="1" dirty="0" err="1">
+                <a:latin typeface="Segoe UI" panose="020B0502040204020203" pitchFamily="34" charset="0"/>
+              </a:rPr>
+              <a:t>the</a:t>
+            </a:r>
+            <a:r>
+              <a:rPr lang="de-DE" sz="1600" i="1" dirty="0">
+                <a:latin typeface="Segoe UI" panose="020B0502040204020203" pitchFamily="34" charset="0"/>
+              </a:rPr>
+              <a:t> 2003 Conference on </a:t>
+            </a:r>
+            <a:r>
+              <a:rPr lang="de-DE" sz="1600" i="1" dirty="0" err="1">
+                <a:latin typeface="Segoe UI" panose="020B0502040204020203" pitchFamily="34" charset="0"/>
+              </a:rPr>
+              <a:t>Applications</a:t>
+            </a:r>
+            <a:r>
+              <a:rPr lang="de-DE" sz="1600" i="1" dirty="0">
+                <a:latin typeface="Segoe UI" panose="020B0502040204020203" pitchFamily="34" charset="0"/>
+              </a:rPr>
+              <a:t>, Technologies, </a:t>
+            </a:r>
+            <a:r>
+              <a:rPr lang="de-DE" sz="1600" i="1" dirty="0" err="1">
+                <a:latin typeface="Segoe UI" panose="020B0502040204020203" pitchFamily="34" charset="0"/>
+              </a:rPr>
+              <a:t>Architectures</a:t>
+            </a:r>
+            <a:r>
+              <a:rPr lang="de-DE" sz="1600" i="1" dirty="0">
+                <a:latin typeface="Segoe UI" panose="020B0502040204020203" pitchFamily="34" charset="0"/>
+              </a:rPr>
+              <a:t>, and </a:t>
+            </a:r>
+            <a:r>
+              <a:rPr lang="de-DE" sz="1600" i="1" dirty="0" err="1">
+                <a:latin typeface="Segoe UI" panose="020B0502040204020203" pitchFamily="34" charset="0"/>
+              </a:rPr>
+              <a:t>Protocols</a:t>
+            </a:r>
+            <a:r>
+              <a:rPr lang="de-DE" sz="1600" i="1" dirty="0">
+                <a:latin typeface="Segoe UI" panose="020B0502040204020203" pitchFamily="34" charset="0"/>
+              </a:rPr>
+              <a:t> </a:t>
+            </a:r>
+            <a:r>
+              <a:rPr lang="de-DE" sz="1600" i="1" dirty="0" err="1">
+                <a:latin typeface="Segoe UI" panose="020B0502040204020203" pitchFamily="34" charset="0"/>
+              </a:rPr>
+              <a:t>for</a:t>
+            </a:r>
+            <a:r>
+              <a:rPr lang="de-DE" sz="1600" i="1" dirty="0">
+                <a:latin typeface="Segoe UI" panose="020B0502040204020203" pitchFamily="34" charset="0"/>
+              </a:rPr>
+              <a:t> Computer Communications</a:t>
+            </a:r>
+            <a:r>
+              <a:rPr lang="de-DE" sz="1600" i="0" dirty="0">
+                <a:latin typeface="Segoe UI" panose="020B0502040204020203" pitchFamily="34" charset="0"/>
+              </a:rPr>
+              <a:t>. SIGCOMM ’03. </a:t>
+            </a:r>
+            <a:r>
+              <a:rPr lang="de-DE" sz="1600" i="0" dirty="0" err="1">
+                <a:latin typeface="Segoe UI" panose="020B0502040204020203" pitchFamily="34" charset="0"/>
+              </a:rPr>
+              <a:t>Association</a:t>
+            </a:r>
+            <a:r>
+              <a:rPr lang="de-DE" sz="1600" i="0" dirty="0">
+                <a:latin typeface="Segoe UI" panose="020B0502040204020203" pitchFamily="34" charset="0"/>
+              </a:rPr>
+              <a:t> </a:t>
+            </a:r>
+            <a:r>
+              <a:rPr lang="de-DE" sz="1600" i="0" dirty="0" err="1">
+                <a:latin typeface="Segoe UI" panose="020B0502040204020203" pitchFamily="34" charset="0"/>
+              </a:rPr>
+              <a:t>for</a:t>
+            </a:r>
+            <a:r>
+              <a:rPr lang="de-DE" sz="1600" i="0" dirty="0">
+                <a:latin typeface="Segoe UI" panose="020B0502040204020203" pitchFamily="34" charset="0"/>
+              </a:rPr>
+              <a:t> Computing Machinery, New York, NY, USA, 201–212. DOI: </a:t>
+            </a:r>
+            <a:r>
+              <a:rPr lang="de-DE" altLang="de-DE" sz="1600" dirty="0">
+                <a:latin typeface="Segoe UI" panose="020B0502040204020203" pitchFamily="34" charset="0"/>
+                <a:cs typeface="Segoe UI" panose="020B0502040204020203" pitchFamily="34" charset="0"/>
+                <a:hlinkClick r:id="rId4"/>
+              </a:rPr>
+              <a:t>https://doi.org/</a:t>
+            </a:r>
+            <a:r>
+              <a:rPr lang="de-DE" sz="1600" i="0" dirty="0">
+                <a:latin typeface="Segoe UI" panose="020B0502040204020203" pitchFamily="34" charset="0"/>
+                <a:hlinkClick r:id="rId4"/>
+              </a:rPr>
+              <a:t>10.1145/863955.863979</a:t>
+            </a:r>
+            <a:endParaRPr lang="de-DE" sz="1600" i="0" dirty="0">
+              <a:latin typeface="Segoe UI" panose="020B0502040204020203" pitchFamily="34" charset="0"/>
+            </a:endParaRPr>
+          </a:p>
+          <a:p>
+            <a:pPr marL="285750" indent="-285750">
+              <a:buFont typeface="Arial" panose="020B0604020202020204" pitchFamily="34" charset="0"/>
+              <a:buChar char="•"/>
+            </a:pPr>
+            <a:r>
+              <a:rPr lang="de-DE" sz="1600" dirty="0">
+                <a:latin typeface="Segoe UI" panose="020B0502040204020203" pitchFamily="34" charset="0"/>
+              </a:rPr>
+              <a:t>[18] </a:t>
+            </a:r>
+            <a:r>
+              <a:rPr lang="en-US" sz="1600" dirty="0">
+                <a:latin typeface="Segoe UI" panose="020B0502040204020203" pitchFamily="34" charset="0"/>
+              </a:rPr>
+              <a:t>Jain, N., Dahlin, M., and </a:t>
+            </a:r>
+            <a:r>
+              <a:rPr lang="en-US" sz="1600" dirty="0" err="1">
+                <a:latin typeface="Segoe UI" panose="020B0502040204020203" pitchFamily="34" charset="0"/>
+              </a:rPr>
+              <a:t>Tewar</a:t>
+            </a:r>
+            <a:r>
+              <a:rPr lang="en-US" sz="1600" dirty="0">
+                <a:latin typeface="Segoe UI" panose="020B0502040204020203" pitchFamily="34" charset="0"/>
+              </a:rPr>
+              <a:t>, R. 2005. Using Bloom Filters to Refine Web Search Results. In </a:t>
+            </a:r>
+            <a:r>
+              <a:rPr lang="en-US" sz="1600" i="1" dirty="0">
+                <a:latin typeface="Segoe UI" panose="020B0502040204020203" pitchFamily="34" charset="0"/>
+              </a:rPr>
+              <a:t>Eighth International Workshop on the Web and Databases (</a:t>
+            </a:r>
+            <a:r>
+              <a:rPr lang="en-US" sz="1600" i="1" dirty="0" err="1">
+                <a:latin typeface="Segoe UI" panose="020B0502040204020203" pitchFamily="34" charset="0"/>
+              </a:rPr>
+              <a:t>WebDB</a:t>
+            </a:r>
+            <a:r>
+              <a:rPr lang="en-US" sz="1600" i="1" dirty="0">
+                <a:latin typeface="Segoe UI" panose="020B0502040204020203" pitchFamily="34" charset="0"/>
+              </a:rPr>
+              <a:t> ’05)</a:t>
+            </a:r>
+            <a:r>
+              <a:rPr lang="en-US" sz="1600" i="0" dirty="0">
+                <a:latin typeface="Segoe UI" panose="020B0502040204020203" pitchFamily="34" charset="0"/>
+              </a:rPr>
+              <a:t>.</a:t>
+            </a:r>
+            <a:r>
+              <a:rPr lang="de-DE" sz="1600" dirty="0">
+                <a:latin typeface="Segoe UI" panose="020B0502040204020203" pitchFamily="34" charset="0"/>
+              </a:rPr>
+              <a:t> https://www.microsoft.com/en-us/research/wp-content/uploads/2017/01/webdb-167.pdf</a:t>
+            </a:r>
+          </a:p>
+          <a:p>
+            <a:pPr marL="285750" indent="-285750">
+              <a:buFont typeface="Arial" panose="020B0604020202020204" pitchFamily="34" charset="0"/>
+              <a:buChar char="•"/>
+            </a:pPr>
+            <a:endParaRPr kumimoji="0" lang="de-DE" altLang="de-DE" sz="1600" b="0" i="0" u="none" strike="noStrike" cap="none" normalizeH="0" baseline="0" dirty="0">
+              <a:ln>
+                <a:noFill/>
+              </a:ln>
+              <a:solidFill>
+                <a:schemeClr val="tx1"/>
+              </a:solidFill>
+              <a:effectLst/>
+              <a:latin typeface="Segoe UI" panose="020B0502040204020203" pitchFamily="34" charset="0"/>
+              <a:cs typeface="Segoe UI" panose="020B0502040204020203" pitchFamily="34" charset="0"/>
+            </a:endParaRPr>
+          </a:p>
+          <a:p>
+            <a:pPr marL="285750" indent="-285750">
+              <a:buFont typeface="Arial" panose="020B0604020202020204" pitchFamily="34" charset="0"/>
+              <a:buChar char="•"/>
+            </a:pPr>
+            <a:endParaRPr lang="de-DE" altLang="de-DE" sz="1600" dirty="0">
+              <a:latin typeface="Segoe UI" panose="020B0502040204020203" pitchFamily="34" charset="0"/>
+              <a:cs typeface="Segoe UI" panose="020B0502040204020203" pitchFamily="34" charset="0"/>
+            </a:endParaRPr>
+          </a:p>
+          <a:p>
+            <a:pPr marL="285750" indent="-285750">
+              <a:buFont typeface="Arial" panose="020B0604020202020204" pitchFamily="34" charset="0"/>
+              <a:buChar char="•"/>
+            </a:pPr>
+            <a:endParaRPr kumimoji="0" lang="de-DE" altLang="de-DE" sz="3600" b="0" i="0" u="none" strike="noStrike" cap="none" normalizeH="0" baseline="0" dirty="0">
+              <a:ln>
+                <a:noFill/>
+              </a:ln>
+              <a:solidFill>
+                <a:schemeClr val="tx1"/>
+              </a:solidFill>
+              <a:effectLst/>
+              <a:latin typeface="Arial" panose="020B0604020202020204" pitchFamily="34" charset="0"/>
+            </a:endParaRPr>
+          </a:p>
+          <a:p>
+            <a:pPr marL="285750" indent="-285750">
+              <a:buFont typeface="Arial" panose="020B0604020202020204" pitchFamily="34" charset="0"/>
+              <a:buChar char="•"/>
+            </a:pPr>
+            <a:endParaRPr lang="de-DE" altLang="de-DE" sz="1600" dirty="0">
+              <a:latin typeface="Segoe UI" panose="020B0502040204020203" pitchFamily="34" charset="0"/>
+              <a:cs typeface="Segoe UI" panose="020B0502040204020203" pitchFamily="34" charset="0"/>
+            </a:endParaRPr>
+          </a:p>
+          <a:p>
+            <a:pPr marL="285750" indent="-285750">
+              <a:buFont typeface="Arial" panose="020B0604020202020204" pitchFamily="34" charset="0"/>
+              <a:buChar char="•"/>
+            </a:pPr>
+            <a:endParaRPr kumimoji="0" lang="de-DE" altLang="de-DE" sz="3600" b="0" i="0" u="none" strike="noStrike" cap="none" normalizeH="0" baseline="0" dirty="0">
+              <a:ln>
+                <a:noFill/>
+              </a:ln>
+              <a:solidFill>
+                <a:schemeClr val="tx1"/>
+              </a:solidFill>
+              <a:effectLst/>
+              <a:latin typeface="Arial" panose="020B0604020202020204" pitchFamily="34" charset="0"/>
+            </a:endParaRPr>
+          </a:p>
+          <a:p>
+            <a:pPr marL="285750" indent="-285750">
+              <a:buFont typeface="Arial" panose="020B0604020202020204" pitchFamily="34" charset="0"/>
+              <a:buChar char="•"/>
+            </a:pPr>
+            <a:endParaRPr lang="en-US" sz="1600" i="0" dirty="0">
+              <a:latin typeface="Segoe UI" panose="020B0502040204020203" pitchFamily="34" charset="0"/>
+            </a:endParaRPr>
+          </a:p>
+          <a:p>
+            <a:pPr marL="285750" indent="-285750">
+              <a:buFont typeface="Arial" panose="020B0604020202020204" pitchFamily="34" charset="0"/>
+              <a:buChar char="•"/>
+            </a:pPr>
+            <a:endParaRPr lang="en-US" sz="1600" i="0" dirty="0">
+              <a:latin typeface="Segoe UI" panose="020B0502040204020203" pitchFamily="34" charset="0"/>
+            </a:endParaRPr>
+          </a:p>
+        </p:txBody>
+      </p:sp>
+    </p:spTree>
+    <p:extLst>
+      <p:ext uri="{BB962C8B-B14F-4D97-AF65-F5344CB8AC3E}">
+        <p14:creationId xmlns:p14="http://schemas.microsoft.com/office/powerpoint/2010/main" val="3408374900"/>
+      </p:ext>
+    </p:extLst>
+  </p:cSld>
+  <p:clrMapOvr>
+    <a:masterClrMapping/>
+  </p:clrMapOvr>
+</p:sld>
+</file>
+
+<file path=ppt/slides/slide33.xml><?xml version="1.0" encoding="utf-8"?>
+<p:sld xmlns:a="http://schemas.openxmlformats.org/drawingml/2006/main" xmlns:r="http://schemas.openxmlformats.org/officeDocument/2006/relationships" xmlns:p="http://schemas.openxmlformats.org/presentationml/2006/main">
+  <p:cSld>
+    <p:spTree>
+      <p:nvGrpSpPr>
+        <p:cNvPr id="1" name=""/>
+        <p:cNvGrpSpPr/>
+        <p:nvPr/>
+      </p:nvGrpSpPr>
+      <p:grpSpPr>
+        <a:xfrm>
+          <a:off x="0" y="0"/>
+          <a:ext cx="0" cy="0"/>
+          <a:chOff x="0" y="0"/>
+          <a:chExt cx="0" cy="0"/>
+        </a:xfrm>
+      </p:grpSpPr>
+      <p:sp>
+        <p:nvSpPr>
+          <p:cNvPr id="6" name="Foliennummernplatzhalter 5"/>
+          <p:cNvSpPr>
+            <a:spLocks noGrp="1"/>
+          </p:cNvSpPr>
+          <p:nvPr>
+            <p:ph type="sldNum" sz="quarter" idx="4"/>
+          </p:nvPr>
+        </p:nvSpPr>
+        <p:spPr/>
+        <p:txBody>
+          <a:bodyPr/>
+          <a:lstStyle/>
+          <a:p>
+            <a:fld id="{F9CA7F02-FF28-4D8F-AF3B-6C950C783A54}" type="slidenum">
+              <a:rPr lang="de-DE" smtClean="0"/>
+              <a:pPr/>
+              <a:t>33</a:t>
+            </a:fld>
+            <a:endParaRPr lang="de-DE"/>
+          </a:p>
+        </p:txBody>
+      </p:sp>
+      <p:sp>
+        <p:nvSpPr>
+          <p:cNvPr id="3" name="Titel 2"/>
+          <p:cNvSpPr>
+            <a:spLocks noGrp="1"/>
+          </p:cNvSpPr>
+          <p:nvPr>
+            <p:ph type="title"/>
+          </p:nvPr>
+        </p:nvSpPr>
+        <p:spPr/>
+        <p:txBody>
+          <a:bodyPr/>
+          <a:lstStyle/>
+          <a:p>
+            <a:r>
+              <a:rPr lang="de-DE" dirty="0"/>
+              <a:t>BLOOM-FILTER</a:t>
+            </a:r>
+          </a:p>
+        </p:txBody>
+      </p:sp>
+      <p:sp>
+        <p:nvSpPr>
+          <p:cNvPr id="4" name="Inhaltsplatzhalter 3"/>
+          <p:cNvSpPr>
+            <a:spLocks noGrp="1"/>
+          </p:cNvSpPr>
+          <p:nvPr>
+            <p:ph sz="quarter" idx="13"/>
+          </p:nvPr>
+        </p:nvSpPr>
+        <p:spPr>
+          <a:xfrm>
+            <a:off x="936000" y="699542"/>
+            <a:ext cx="7308000" cy="429622"/>
+          </a:xfrm>
+        </p:spPr>
+        <p:txBody>
+          <a:bodyPr/>
+          <a:lstStyle/>
+          <a:p>
+            <a:r>
+              <a:rPr lang="de-DE" dirty="0"/>
+              <a:t>Quellen</a:t>
+            </a:r>
+          </a:p>
+        </p:txBody>
+      </p:sp>
+      <p:sp>
+        <p:nvSpPr>
+          <p:cNvPr id="7" name="Fußzeilenplatzhalter 6"/>
+          <p:cNvSpPr>
+            <a:spLocks noGrp="1"/>
+          </p:cNvSpPr>
+          <p:nvPr>
+            <p:ph type="ftr" sz="quarter" idx="3"/>
+          </p:nvPr>
+        </p:nvSpPr>
+        <p:spPr/>
+        <p:txBody>
+          <a:bodyPr/>
+          <a:lstStyle/>
+          <a:p>
+            <a:r>
+              <a:rPr lang="de-DE" dirty="0"/>
+              <a:t>TU Bergakademie Freiberg | Vortragender: Florian Schierz | 2022</a:t>
+            </a:r>
+          </a:p>
+        </p:txBody>
+      </p:sp>
+      <p:sp>
+        <p:nvSpPr>
+          <p:cNvPr id="11" name="Textfeld 10">
+            <a:extLst>
+              <a:ext uri="{FF2B5EF4-FFF2-40B4-BE49-F238E27FC236}">
+                <a16:creationId xmlns:a16="http://schemas.microsoft.com/office/drawing/2014/main" id="{AED7FCD8-3C56-4B11-ADA2-B181B3B96684}"/>
+              </a:ext>
+            </a:extLst>
+          </p:cNvPr>
+          <p:cNvSpPr txBox="1"/>
+          <p:nvPr/>
+        </p:nvSpPr>
+        <p:spPr>
+          <a:xfrm>
+            <a:off x="611560" y="1419622"/>
             <a:ext cx="8064896" cy="1323439"/>
           </a:xfrm>
           <a:prstGeom prst="rect">
@@ -14689,7 +15034,7 @@
 </p:sld>
 </file>
 
-<file path=ppt/slides/slide33.xml><?xml version="1.0" encoding="utf-8"?>
+<file path=ppt/slides/slide34.xml><?xml version="1.0" encoding="utf-8"?>
 <p:sld xmlns:a="http://schemas.openxmlformats.org/drawingml/2006/main" xmlns:r="http://schemas.openxmlformats.org/officeDocument/2006/relationships" xmlns:p="http://schemas.openxmlformats.org/presentationml/2006/main">
   <p:cSld>
     <p:spTree>
@@ -15192,7 +15537,7 @@
             <a:fld id="{F9CA7F02-FF28-4D8F-AF3B-6C950C783A54}" type="slidenum">
               <a:rPr lang="de-DE" smtClean="0"/>
               <a:pPr/>
-              <a:t>33</a:t>
+              <a:t>34</a:t>
             </a:fld>
             <a:endParaRPr lang="de-DE"/>
           </a:p>

--- a/Vorträge/VortragFlorianSchierzBloomfilterKurz.pptx
+++ b/Vorträge/VortragFlorianSchierzBloomfilterKurz.pptx
@@ -5,7 +5,7 @@
     <p:sldMasterId id="2147483648" r:id="rId1"/>
   </p:sldMasterIdLst>
   <p:notesMasterIdLst>
-    <p:notesMasterId r:id="rId36"/>
+    <p:notesMasterId r:id="rId40"/>
   </p:notesMasterIdLst>
   <p:sldIdLst>
     <p:sldId id="260" r:id="rId2"/>
@@ -35,13 +35,17 @@
     <p:sldId id="276" r:id="rId26"/>
     <p:sldId id="262" r:id="rId27"/>
     <p:sldId id="266" r:id="rId28"/>
-    <p:sldId id="259" r:id="rId29"/>
-    <p:sldId id="270" r:id="rId30"/>
-    <p:sldId id="273" r:id="rId31"/>
-    <p:sldId id="285" r:id="rId32"/>
-    <p:sldId id="286" r:id="rId33"/>
-    <p:sldId id="284" r:id="rId34"/>
-    <p:sldId id="258" r:id="rId35"/>
+    <p:sldId id="295" r:id="rId29"/>
+    <p:sldId id="292" r:id="rId30"/>
+    <p:sldId id="293" r:id="rId31"/>
+    <p:sldId id="294" r:id="rId32"/>
+    <p:sldId id="259" r:id="rId33"/>
+    <p:sldId id="270" r:id="rId34"/>
+    <p:sldId id="273" r:id="rId35"/>
+    <p:sldId id="285" r:id="rId36"/>
+    <p:sldId id="286" r:id="rId37"/>
+    <p:sldId id="284" r:id="rId38"/>
+    <p:sldId id="258" r:id="rId39"/>
   </p:sldIdLst>
   <p:sldSz cx="9144000" cy="5143500" type="screen16x9"/>
   <p:notesSz cx="6858000" cy="9144000"/>
@@ -196,6 +200,10 @@
         <p14:section name="Diskussion" id="{468B6378-F3C8-4D40-86A8-5D9C228CEDD4}">
           <p14:sldIdLst>
             <p14:sldId id="266"/>
+            <p14:sldId id="295"/>
+            <p14:sldId id="292"/>
+            <p14:sldId id="293"/>
+            <p14:sldId id="294"/>
           </p14:sldIdLst>
         </p14:section>
         <p14:section name="Quellen" id="{B75A67BE-6CAD-4DEB-B20F-95E5188708BC}">
@@ -320,7 +328,7 @@
           <a:p>
             <a:fld id="{6DB929B3-EDC4-4292-BA5A-2119A16C91BC}" type="datetimeFigureOut">
               <a:rPr lang="de-DE" smtClean="0"/>
-              <a:t>15.06.2022</a:t>
+              <a:t>21.06.2022</a:t>
             </a:fld>
             <a:endParaRPr lang="de-DE"/>
           </a:p>
@@ -10627,8 +10635,8 @@
           </a:p>
         </p:txBody>
       </p:sp>
-      <mc:AlternateContent xmlns:mc="http://schemas.openxmlformats.org/markup-compatibility/2006" xmlns:a14="http://schemas.microsoft.com/office/drawing/2010/main">
-        <mc:Choice Requires="a14">
+      <mc:AlternateContent xmlns:mc="http://schemas.openxmlformats.org/markup-compatibility/2006">
+        <mc:Choice xmlns:a14="http://schemas.microsoft.com/office/drawing/2010/main" Requires="a14">
           <p:sp>
             <p:nvSpPr>
               <p:cNvPr id="8" name="Textfeld 7">
@@ -10644,7 +10652,7 @@
             <p:spPr>
               <a:xfrm>
                 <a:off x="611560" y="1203598"/>
-                <a:ext cx="3672408" cy="2585323"/>
+                <a:ext cx="3672408" cy="2862322"/>
               </a:xfrm>
               <a:prstGeom prst="rect">
                 <a:avLst/>
@@ -10676,6 +10684,21 @@
                     </a:solidFill>
                   </a:rPr>
                   <a:t>Increment</a:t>
+                </a:r>
+                <a:br>
+                  <a:rPr lang="de-DE" b="1" u="sng" dirty="0">
+                    <a:solidFill>
+                      <a:srgbClr val="000000"/>
+                    </a:solidFill>
+                  </a:rPr>
+                </a:br>
+                <a:r>
+                  <a:rPr lang="de-DE" b="1" u="sng" dirty="0" err="1">
+                    <a:solidFill>
+                      <a:srgbClr val="000000"/>
+                    </a:solidFill>
+                  </a:rPr>
+                  <a:t>Counting</a:t>
                 </a:r>
                 <a:r>
                   <a:rPr lang="de-DE" b="1" u="sng" dirty="0">
@@ -10844,7 +10867,7 @@
             </p:txBody>
           </p:sp>
         </mc:Choice>
-        <mc:Fallback xmlns="">
+        <mc:Fallback>
           <p:sp>
             <p:nvSpPr>
               <p:cNvPr id="8" name="Textfeld 7">
@@ -10862,7 +10885,7 @@
             <p:spPr>
               <a:xfrm>
                 <a:off x="611560" y="1203598"/>
-                <a:ext cx="3672408" cy="2585323"/>
+                <a:ext cx="3672408" cy="2862322"/>
               </a:xfrm>
               <a:prstGeom prst="rect">
                 <a:avLst/>
@@ -10870,7 +10893,7 @@
               <a:blipFill>
                 <a:blip r:embed="rId2"/>
                 <a:stretch>
-                  <a:fillRect l="-995" t="-1176" b="-2588"/>
+                  <a:fillRect l="-995" t="-1064" b="-2340"/>
                 </a:stretch>
               </a:blipFill>
             </p:spPr>
@@ -11663,7 +11686,23 @@
                   <a:srgbClr val="0064A8"/>
                 </a:solidFill>
               </a:rPr>
-              <a:t>Ist eine Datenstruktur mit den Eigenschaften des Bloom-Filters möglich, die zudem die Elemente selbst speichert?</a:t>
+              <a:t>Weiterforschen für Anwendungen in Security und </a:t>
+            </a:r>
+            <a:r>
+              <a:rPr lang="de-DE" b="1" dirty="0" err="1">
+                <a:solidFill>
+                  <a:srgbClr val="0064A8"/>
+                </a:solidFill>
+              </a:rPr>
+              <a:t>Ubiquitous</a:t>
+            </a:r>
+            <a:r>
+              <a:rPr lang="de-DE" b="1" dirty="0">
+                <a:solidFill>
+                  <a:srgbClr val="0064A8"/>
+                </a:solidFill>
+              </a:rPr>
+              <a:t> Computing</a:t>
             </a:r>
           </a:p>
           <a:p>
@@ -11815,7 +11854,7 @@
         <p:spPr>
           <a:xfrm>
             <a:off x="611560" y="1203598"/>
-            <a:ext cx="4968552" cy="1754326"/>
+            <a:ext cx="7056784" cy="1477328"/>
           </a:xfrm>
           <a:prstGeom prst="rect">
             <a:avLst/>
@@ -11833,8 +11872,12 @@
               <a:buChar char="•"/>
             </a:pPr>
             <a:r>
-              <a:rPr lang="de-DE" dirty="0"/>
-              <a:t>Prinzipielle Idee</a:t>
+              <a:rPr lang="de-DE" dirty="0">
+                <a:solidFill>
+                  <a:srgbClr val="000000"/>
+                </a:solidFill>
+              </a:rPr>
+              <a:t>Wo sind weitere Einsatzmöglichkeiten?</a:t>
             </a:r>
           </a:p>
           <a:p>
@@ -11842,10 +11885,11 @@
               <a:buFont typeface="Arial" panose="020B0604020202020204" pitchFamily="34" charset="0"/>
               <a:buChar char="•"/>
             </a:pPr>
-            <a:r>
-              <a:rPr lang="de-DE" dirty="0"/>
-              <a:t>Anwendungen</a:t>
-            </a:r>
+            <a:endParaRPr lang="de-DE" dirty="0">
+              <a:solidFill>
+                <a:srgbClr val="000000"/>
+              </a:solidFill>
+            </a:endParaRPr>
           </a:p>
           <a:p>
             <a:pPr marL="285750" indent="-285750">
@@ -11853,8 +11897,12 @@
               <a:buChar char="•"/>
             </a:pPr>
             <a:r>
-              <a:rPr lang="de-DE" dirty="0"/>
-              <a:t>Funktionsweise und Operationen</a:t>
+              <a:rPr lang="de-DE" dirty="0">
+                <a:solidFill>
+                  <a:srgbClr val="000000"/>
+                </a:solidFill>
+              </a:rPr>
+              <a:t>Welche Anpassungen dafür notwendig?</a:t>
             </a:r>
           </a:p>
           <a:p>
@@ -11862,10 +11910,11 @@
               <a:buFont typeface="Arial" panose="020B0604020202020204" pitchFamily="34" charset="0"/>
               <a:buChar char="•"/>
             </a:pPr>
-            <a:r>
-              <a:rPr lang="de-DE" dirty="0"/>
-              <a:t>Varianten</a:t>
-            </a:r>
+            <a:endParaRPr lang="de-DE" dirty="0">
+              <a:solidFill>
+                <a:srgbClr val="000000"/>
+              </a:solidFill>
+            </a:endParaRPr>
           </a:p>
           <a:p>
             <a:pPr marL="285750" indent="-285750">
@@ -11873,22 +11922,130 @@
               <a:buChar char="•"/>
             </a:pPr>
             <a:r>
-              <a:rPr lang="de-DE" dirty="0"/>
-              <a:t>Zusammenfassung</a:t>
-            </a:r>
-          </a:p>
-          <a:p>
-            <a:pPr marL="285750" indent="-285750">
-              <a:buFont typeface="Arial" panose="020B0604020202020204" pitchFamily="34" charset="0"/>
-              <a:buChar char="•"/>
-            </a:pPr>
-            <a:r>
-              <a:rPr lang="de-DE" dirty="0"/>
-              <a:t>Quellen</a:t>
-            </a:r>
-          </a:p>
-        </p:txBody>
-      </p:sp>
+              <a:rPr lang="de-DE" dirty="0">
+                <a:solidFill>
+                  <a:srgbClr val="000000"/>
+                </a:solidFill>
+              </a:rPr>
+              <a:t>Welche Datenstruktur eignet sich in Kombination als Speicher?</a:t>
+            </a:r>
+          </a:p>
+        </p:txBody>
+      </p:sp>
+      <p:pic>
+        <p:nvPicPr>
+          <p:cNvPr id="9" name="Grafik 8">
+            <a:extLst>
+              <a:ext uri="{FF2B5EF4-FFF2-40B4-BE49-F238E27FC236}">
+                <a16:creationId xmlns:a16="http://schemas.microsoft.com/office/drawing/2014/main" id="{BD05548D-8331-7BDF-539D-A0DEDA4BAFFF}"/>
+              </a:ext>
+            </a:extLst>
+          </p:cNvPr>
+          <p:cNvPicPr>
+            <a:picLocks noChangeAspect="1"/>
+          </p:cNvPicPr>
+          <p:nvPr/>
+        </p:nvPicPr>
+        <p:blipFill rotWithShape="1">
+          <a:blip r:embed="rId2">
+            <a:extLst>
+              <a:ext uri="{28A0092B-C50C-407E-A947-70E740481C1C}">
+                <a14:useLocalDpi xmlns:a14="http://schemas.microsoft.com/office/drawing/2010/main" val="0"/>
+              </a:ext>
+              <a:ext uri="{96DAC541-7B7A-43D3-8B79-37D633B846F1}">
+                <asvg:svgBlip xmlns:asvg="http://schemas.microsoft.com/office/drawing/2016/SVG/main" r:embed="rId3"/>
+              </a:ext>
+            </a:extLst>
+          </a:blip>
+          <a:srcRect l="20298" r="10399" b="66800"/>
+          <a:stretch/>
+        </p:blipFill>
+        <p:spPr>
+          <a:xfrm>
+            <a:off x="517863" y="2680926"/>
+            <a:ext cx="2672075" cy="1810505"/>
+          </a:xfrm>
+          <a:prstGeom prst="rect">
+            <a:avLst/>
+          </a:prstGeom>
+        </p:spPr>
+      </p:pic>
+      <p:pic>
+        <p:nvPicPr>
+          <p:cNvPr id="10" name="Grafik 9">
+            <a:extLst>
+              <a:ext uri="{FF2B5EF4-FFF2-40B4-BE49-F238E27FC236}">
+                <a16:creationId xmlns:a16="http://schemas.microsoft.com/office/drawing/2014/main" id="{77AB5CB0-B45E-0E24-2429-2BA816348D0E}"/>
+              </a:ext>
+            </a:extLst>
+          </p:cNvPr>
+          <p:cNvPicPr>
+            <a:picLocks noChangeAspect="1"/>
+          </p:cNvPicPr>
+          <p:nvPr/>
+        </p:nvPicPr>
+        <p:blipFill rotWithShape="1">
+          <a:blip r:embed="rId4">
+            <a:extLst>
+              <a:ext uri="{28A0092B-C50C-407E-A947-70E740481C1C}">
+                <a14:useLocalDpi xmlns:a14="http://schemas.microsoft.com/office/drawing/2010/main" val="0"/>
+              </a:ext>
+              <a:ext uri="{96DAC541-7B7A-43D3-8B79-37D633B846F1}">
+                <asvg:svgBlip xmlns:asvg="http://schemas.microsoft.com/office/drawing/2016/SVG/main" r:embed="rId5"/>
+              </a:ext>
+            </a:extLst>
+          </a:blip>
+          <a:srcRect b="59800"/>
+          <a:stretch/>
+        </p:blipFill>
+        <p:spPr>
+          <a:xfrm>
+            <a:off x="2771800" y="2755360"/>
+            <a:ext cx="3404913" cy="1935944"/>
+          </a:xfrm>
+          <a:prstGeom prst="rect">
+            <a:avLst/>
+          </a:prstGeom>
+        </p:spPr>
+      </p:pic>
+      <p:pic>
+        <p:nvPicPr>
+          <p:cNvPr id="12" name="Grafik 11">
+            <a:extLst>
+              <a:ext uri="{FF2B5EF4-FFF2-40B4-BE49-F238E27FC236}">
+                <a16:creationId xmlns:a16="http://schemas.microsoft.com/office/drawing/2014/main" id="{A90E3BED-37A8-A732-BEB7-D0DC50DDF73D}"/>
+              </a:ext>
+            </a:extLst>
+          </p:cNvPr>
+          <p:cNvPicPr>
+            <a:picLocks noChangeAspect="1"/>
+          </p:cNvPicPr>
+          <p:nvPr/>
+        </p:nvPicPr>
+        <p:blipFill rotWithShape="1">
+          <a:blip r:embed="rId6">
+            <a:extLst>
+              <a:ext uri="{28A0092B-C50C-407E-A947-70E740481C1C}">
+                <a14:useLocalDpi xmlns:a14="http://schemas.microsoft.com/office/drawing/2010/main" val="0"/>
+              </a:ext>
+              <a:ext uri="{96DAC541-7B7A-43D3-8B79-37D633B846F1}">
+                <asvg:svgBlip xmlns:asvg="http://schemas.microsoft.com/office/drawing/2016/SVG/main" r:embed="rId7"/>
+              </a:ext>
+            </a:extLst>
+          </a:blip>
+          <a:srcRect l="22279" t="3499" r="20298" b="71000"/>
+          <a:stretch/>
+        </p:blipFill>
+        <p:spPr>
+          <a:xfrm>
+            <a:off x="5956662" y="2819949"/>
+            <a:ext cx="2642696" cy="1659892"/>
+          </a:xfrm>
+          <a:prstGeom prst="rect">
+            <a:avLst/>
+          </a:prstGeom>
+        </p:spPr>
+      </p:pic>
     </p:spTree>
     <p:extLst>
       <p:ext uri="{BB962C8B-B14F-4D97-AF65-F5344CB8AC3E}">
@@ -11986,9 +12143,13 @@
           <a:lstStyle/>
           <a:p>
             <a:r>
-              <a:rPr lang="de-DE" dirty="0"/>
-              <a:t>Quellen</a:t>
-            </a:r>
+              <a:rPr lang="de-DE" dirty="0" err="1"/>
+              <a:t>Floomfilter</a:t>
+            </a:r>
+            <a:endParaRPr lang="de-DE" dirty="0"/>
+          </a:p>
+          <a:p>
+            <a:endParaRPr lang="de-DE" dirty="0"/>
           </a:p>
         </p:txBody>
       </p:sp>
@@ -12014,253 +12175,48 @@
           </a:p>
         </p:txBody>
       </p:sp>
-      <p:sp>
-        <p:nvSpPr>
-          <p:cNvPr id="11" name="Textfeld 10">
+      <p:pic>
+        <p:nvPicPr>
+          <p:cNvPr id="9" name="Grafik 8">
             <a:extLst>
               <a:ext uri="{FF2B5EF4-FFF2-40B4-BE49-F238E27FC236}">
-                <a16:creationId xmlns:a16="http://schemas.microsoft.com/office/drawing/2014/main" id="{AED7FCD8-3C56-4B11-ADA2-B181B3B96684}"/>
+                <a16:creationId xmlns:a16="http://schemas.microsoft.com/office/drawing/2014/main" id="{E50EBD86-0D44-2C9C-1F98-99F252C2F76A}"/>
               </a:ext>
             </a:extLst>
           </p:cNvPr>
-          <p:cNvSpPr txBox="1"/>
+          <p:cNvPicPr>
+            <a:picLocks noChangeAspect="1"/>
+          </p:cNvPicPr>
           <p:nvPr/>
-        </p:nvSpPr>
+        </p:nvPicPr>
+        <p:blipFill rotWithShape="1">
+          <a:blip r:embed="rId2">
+            <a:extLst>
+              <a:ext uri="{28A0092B-C50C-407E-A947-70E740481C1C}">
+                <a14:useLocalDpi xmlns:a14="http://schemas.microsoft.com/office/drawing/2010/main" val="0"/>
+              </a:ext>
+              <a:ext uri="{96DAC541-7B7A-43D3-8B79-37D633B846F1}">
+                <asvg:svgBlip xmlns:asvg="http://schemas.microsoft.com/office/drawing/2016/SVG/main" r:embed="rId3"/>
+              </a:ext>
+            </a:extLst>
+          </a:blip>
+          <a:srcRect b="59800"/>
+          <a:stretch/>
+        </p:blipFill>
         <p:spPr>
           <a:xfrm>
-            <a:off x="611560" y="1419622"/>
-            <a:ext cx="8064896" cy="2800767"/>
+            <a:off x="816159" y="381876"/>
+            <a:ext cx="8157441" cy="4638106"/>
           </a:xfrm>
           <a:prstGeom prst="rect">
             <a:avLst/>
           </a:prstGeom>
-          <a:noFill/>
         </p:spPr>
-        <p:txBody>
-          <a:bodyPr wrap="square" rtlCol="0">
-            <a:spAutoFit/>
-          </a:bodyPr>
-          <a:lstStyle/>
-          <a:p>
-            <a:pPr marL="285750" indent="-285750">
-              <a:buFont typeface="Arial" panose="020B0604020202020204" pitchFamily="34" charset="0"/>
-              <a:buChar char="•"/>
-            </a:pPr>
-            <a:r>
-              <a:rPr lang="en-US" sz="1600" dirty="0">
-                <a:latin typeface="Segoe UI" panose="020B0502040204020203" pitchFamily="34" charset="0"/>
-              </a:rPr>
-              <a:t>[1] Burton H. Bloom, 1970, Space/time trade-offs in hash coding with allowable errors, </a:t>
-            </a:r>
-            <a:r>
-              <a:rPr lang="en-US" sz="1600" i="1" dirty="0">
-                <a:latin typeface="Segoe UI" panose="020B0502040204020203" pitchFamily="34" charset="0"/>
-              </a:rPr>
-              <a:t>Communications of the ACM</a:t>
-            </a:r>
-            <a:r>
-              <a:rPr lang="en-US" sz="1600" i="0" dirty="0">
-                <a:latin typeface="Segoe UI" panose="020B0502040204020203" pitchFamily="34" charset="0"/>
-              </a:rPr>
-              <a:t> 13, Issue 7, 422–426. DOI: https://doi.org/10.1145/362686.362692.</a:t>
-            </a:r>
-          </a:p>
-          <a:p>
-            <a:pPr marL="285750" indent="-285750">
-              <a:buFont typeface="Arial" panose="020B0604020202020204" pitchFamily="34" charset="0"/>
-              <a:buChar char="•"/>
-            </a:pPr>
-            <a:r>
-              <a:rPr lang="en-US" sz="1600" dirty="0">
-                <a:latin typeface="Segoe UI" panose="020B0502040204020203" pitchFamily="34" charset="0"/>
-              </a:rPr>
-              <a:t>[2] </a:t>
-            </a:r>
-            <a:r>
-              <a:rPr lang="en-US" sz="1600" dirty="0" err="1">
-                <a:latin typeface="Segoe UI" panose="020B0502040204020203" pitchFamily="34" charset="0"/>
-              </a:rPr>
-              <a:t>Saibal</a:t>
-            </a:r>
-            <a:r>
-              <a:rPr lang="en-US" sz="1600" dirty="0">
-                <a:latin typeface="Segoe UI" panose="020B0502040204020203" pitchFamily="34" charset="0"/>
-              </a:rPr>
-              <a:t> Kumar Pal and Puneet Sardana, 2012, BLOOM FILTERS &amp; THEIR APPLICATIONS, </a:t>
-            </a:r>
-            <a:r>
-              <a:rPr lang="en-US" sz="1600" i="1" dirty="0">
-                <a:latin typeface="Segoe UI" panose="020B0502040204020203" pitchFamily="34" charset="0"/>
-              </a:rPr>
-              <a:t>International Journal of Computer Applications Technology and Research</a:t>
-            </a:r>
-            <a:r>
-              <a:rPr lang="en-US" sz="1600" i="0" dirty="0">
-                <a:latin typeface="Segoe UI" panose="020B0502040204020203" pitchFamily="34" charset="0"/>
-              </a:rPr>
-              <a:t> 1, 25–29. </a:t>
-            </a:r>
-            <a:r>
-              <a:rPr lang="en-US" sz="1600" dirty="0">
-                <a:latin typeface="Segoe UI" panose="020B0502040204020203" pitchFamily="34" charset="0"/>
-              </a:rPr>
-              <a:t>DOI: https://doi.org/10.7753/2012.1006</a:t>
-            </a:r>
-            <a:r>
-              <a:rPr lang="en-US" sz="1600" i="0" dirty="0">
-                <a:latin typeface="Segoe UI" panose="020B0502040204020203" pitchFamily="34" charset="0"/>
-              </a:rPr>
-              <a:t> https://ui.adsabs.harvard.edu/</a:t>
-            </a:r>
-            <a:r>
-              <a:rPr lang="en-US" sz="1600" i="0" dirty="0" err="1">
-                <a:latin typeface="Segoe UI" panose="020B0502040204020203" pitchFamily="34" charset="0"/>
-              </a:rPr>
-              <a:t>link_gateway</a:t>
-            </a:r>
-            <a:r>
-              <a:rPr lang="en-US" sz="1600" i="0" dirty="0">
-                <a:latin typeface="Segoe UI" panose="020B0502040204020203" pitchFamily="34" charset="0"/>
-              </a:rPr>
-              <a:t>/2012IJCAT...1...25P/doi:10.7753/2012.1006</a:t>
-            </a:r>
-          </a:p>
-          <a:p>
-            <a:pPr marL="285750" indent="-285750">
-              <a:buFont typeface="Arial" panose="020B0604020202020204" pitchFamily="34" charset="0"/>
-              <a:buChar char="•"/>
-            </a:pPr>
-            <a:r>
-              <a:rPr lang="de-DE" sz="1600" dirty="0">
-                <a:latin typeface="Segoe UI" panose="020B0502040204020203" pitchFamily="34" charset="0"/>
-              </a:rPr>
-              <a:t>[3] </a:t>
-            </a:r>
-            <a:r>
-              <a:rPr lang="de-DE" sz="1600" dirty="0" err="1">
-                <a:latin typeface="Segoe UI" panose="020B0502040204020203" pitchFamily="34" charset="0"/>
-              </a:rPr>
-              <a:t>Ripon</a:t>
-            </a:r>
-            <a:r>
-              <a:rPr lang="de-DE" sz="1600" dirty="0">
-                <a:latin typeface="Segoe UI" panose="020B0502040204020203" pitchFamily="34" charset="0"/>
-              </a:rPr>
-              <a:t> </a:t>
-            </a:r>
-            <a:r>
-              <a:rPr lang="de-DE" sz="1600" dirty="0" err="1">
-                <a:latin typeface="Segoe UI" panose="020B0502040204020203" pitchFamily="34" charset="0"/>
-              </a:rPr>
-              <a:t>Patgiri</a:t>
-            </a:r>
-            <a:r>
-              <a:rPr lang="de-DE" sz="1600" dirty="0">
-                <a:latin typeface="Segoe UI" panose="020B0502040204020203" pitchFamily="34" charset="0"/>
-              </a:rPr>
-              <a:t>, </a:t>
-            </a:r>
-            <a:r>
-              <a:rPr lang="de-DE" sz="1600" dirty="0" err="1">
-                <a:latin typeface="Segoe UI" panose="020B0502040204020203" pitchFamily="34" charset="0"/>
-              </a:rPr>
-              <a:t>Sabuzima</a:t>
-            </a:r>
-            <a:r>
-              <a:rPr lang="de-DE" sz="1600" dirty="0">
-                <a:latin typeface="Segoe UI" panose="020B0502040204020203" pitchFamily="34" charset="0"/>
-              </a:rPr>
-              <a:t> </a:t>
-            </a:r>
-            <a:r>
-              <a:rPr lang="de-DE" sz="1600" dirty="0" err="1">
-                <a:latin typeface="Segoe UI" panose="020B0502040204020203" pitchFamily="34" charset="0"/>
-              </a:rPr>
-              <a:t>Nayak</a:t>
-            </a:r>
-            <a:r>
-              <a:rPr lang="de-DE" sz="1600" dirty="0">
-                <a:latin typeface="Segoe UI" panose="020B0502040204020203" pitchFamily="34" charset="0"/>
-              </a:rPr>
-              <a:t>, and Samir </a:t>
-            </a:r>
-            <a:r>
-              <a:rPr lang="de-DE" sz="1600" dirty="0" err="1">
-                <a:latin typeface="Segoe UI" panose="020B0502040204020203" pitchFamily="34" charset="0"/>
-              </a:rPr>
-              <a:t>Borgohain</a:t>
-            </a:r>
-            <a:r>
-              <a:rPr lang="de-DE" sz="1600" dirty="0">
-                <a:latin typeface="Segoe UI" panose="020B0502040204020203" pitchFamily="34" charset="0"/>
-              </a:rPr>
-              <a:t>. 2018. </a:t>
-            </a:r>
-            <a:r>
-              <a:rPr lang="de-DE" sz="1600" dirty="0" err="1">
-                <a:latin typeface="Segoe UI" panose="020B0502040204020203" pitchFamily="34" charset="0"/>
-              </a:rPr>
-              <a:t>Preventing</a:t>
-            </a:r>
-            <a:r>
-              <a:rPr lang="de-DE" sz="1600" dirty="0">
-                <a:latin typeface="Segoe UI" panose="020B0502040204020203" pitchFamily="34" charset="0"/>
-              </a:rPr>
-              <a:t> DDoS </a:t>
-            </a:r>
-            <a:r>
-              <a:rPr lang="de-DE" sz="1600" dirty="0" err="1">
-                <a:latin typeface="Segoe UI" panose="020B0502040204020203" pitchFamily="34" charset="0"/>
-              </a:rPr>
-              <a:t>using</a:t>
-            </a:r>
-            <a:r>
-              <a:rPr lang="de-DE" sz="1600" dirty="0">
-                <a:latin typeface="Segoe UI" panose="020B0502040204020203" pitchFamily="34" charset="0"/>
-              </a:rPr>
-              <a:t> Bloom Filter: A Survey. </a:t>
-            </a:r>
-            <a:r>
-              <a:rPr lang="de-DE" sz="1600" i="1" dirty="0">
-                <a:latin typeface="Segoe UI" panose="020B0502040204020203" pitchFamily="34" charset="0"/>
-              </a:rPr>
-              <a:t>ICST Transactions on </a:t>
-            </a:r>
-            <a:r>
-              <a:rPr lang="de-DE" sz="1600" i="1" dirty="0" err="1">
-                <a:latin typeface="Segoe UI" panose="020B0502040204020203" pitchFamily="34" charset="0"/>
-              </a:rPr>
-              <a:t>Scalable</a:t>
-            </a:r>
-            <a:r>
-              <a:rPr lang="de-DE" sz="1600" i="1" dirty="0">
-                <a:latin typeface="Segoe UI" panose="020B0502040204020203" pitchFamily="34" charset="0"/>
-              </a:rPr>
-              <a:t> Information Systems</a:t>
-            </a:r>
-            <a:r>
-              <a:rPr lang="de-DE" sz="1600" i="0" dirty="0">
-                <a:latin typeface="Segoe UI" panose="020B0502040204020203" pitchFamily="34" charset="0"/>
-              </a:rPr>
-              <a:t> 5, 19, 155865. DOI: </a:t>
-            </a:r>
-            <a:r>
-              <a:rPr lang="de-DE" sz="1600" i="0" dirty="0">
-                <a:latin typeface="Segoe UI" panose="020B0502040204020203" pitchFamily="34" charset="0"/>
-                <a:hlinkClick r:id="rId2"/>
-              </a:rPr>
-              <a:t>https://doi.org/10.4108%2Feai.19-6-2018.155865</a:t>
-            </a:r>
-            <a:endParaRPr lang="de-DE" sz="1600" i="0" dirty="0">
-              <a:latin typeface="Segoe UI" panose="020B0502040204020203" pitchFamily="34" charset="0"/>
-            </a:endParaRPr>
-          </a:p>
-        </p:txBody>
-      </p:sp>
+      </p:pic>
     </p:spTree>
     <p:extLst>
       <p:ext uri="{BB962C8B-B14F-4D97-AF65-F5344CB8AC3E}">
-        <p14:creationId xmlns:p14="http://schemas.microsoft.com/office/powerpoint/2010/main" val="2718584080"/>
+        <p14:creationId xmlns:p14="http://schemas.microsoft.com/office/powerpoint/2010/main" val="1272520820"/>
       </p:ext>
     </p:extLst>
   </p:cSld>
@@ -12354,9 +12310,16 @@
           <a:lstStyle/>
           <a:p>
             <a:r>
+              <a:rPr lang="de-DE" dirty="0" err="1"/>
+              <a:t>Counting</a:t>
+            </a:r>
+            <a:r>
               <a:rPr lang="de-DE" dirty="0"/>
-              <a:t>Quellen</a:t>
-            </a:r>
+              <a:t> BF</a:t>
+            </a:r>
+          </a:p>
+          <a:p>
+            <a:endParaRPr lang="de-DE" dirty="0"/>
           </a:p>
         </p:txBody>
       </p:sp>
@@ -12382,314 +12345,48 @@
           </a:p>
         </p:txBody>
       </p:sp>
-      <p:sp>
-        <p:nvSpPr>
-          <p:cNvPr id="11" name="Textfeld 10">
+      <p:pic>
+        <p:nvPicPr>
+          <p:cNvPr id="5" name="Grafik 4">
             <a:extLst>
               <a:ext uri="{FF2B5EF4-FFF2-40B4-BE49-F238E27FC236}">
-                <a16:creationId xmlns:a16="http://schemas.microsoft.com/office/drawing/2014/main" id="{AED7FCD8-3C56-4B11-ADA2-B181B3B96684}"/>
+                <a16:creationId xmlns:a16="http://schemas.microsoft.com/office/drawing/2014/main" id="{A3C3CBBE-E493-5801-EDE4-58B188005AEF}"/>
               </a:ext>
             </a:extLst>
           </p:cNvPr>
-          <p:cNvSpPr txBox="1"/>
+          <p:cNvPicPr>
+            <a:picLocks noChangeAspect="1"/>
+          </p:cNvPicPr>
           <p:nvPr/>
-        </p:nvSpPr>
+        </p:nvPicPr>
+        <p:blipFill rotWithShape="1">
+          <a:blip r:embed="rId2">
+            <a:extLst>
+              <a:ext uri="{28A0092B-C50C-407E-A947-70E740481C1C}">
+                <a14:useLocalDpi xmlns:a14="http://schemas.microsoft.com/office/drawing/2010/main" val="0"/>
+              </a:ext>
+              <a:ext uri="{96DAC541-7B7A-43D3-8B79-37D633B846F1}">
+                <asvg:svgBlip xmlns:asvg="http://schemas.microsoft.com/office/drawing/2016/SVG/main" r:embed="rId3"/>
+              </a:ext>
+            </a:extLst>
+          </a:blip>
+          <a:srcRect l="24925" b="66800"/>
+          <a:stretch/>
+        </p:blipFill>
         <p:spPr>
           <a:xfrm>
-            <a:off x="611560" y="1419622"/>
-            <a:ext cx="8064896" cy="2800767"/>
+            <a:off x="1835696" y="149133"/>
+            <a:ext cx="8064896" cy="5044363"/>
           </a:xfrm>
           <a:prstGeom prst="rect">
             <a:avLst/>
           </a:prstGeom>
-          <a:noFill/>
         </p:spPr>
-        <p:txBody>
-          <a:bodyPr wrap="square" rtlCol="0">
-            <a:spAutoFit/>
-          </a:bodyPr>
-          <a:lstStyle/>
-          <a:p>
-            <a:pPr marL="285750" indent="-285750">
-              <a:buFont typeface="Arial" panose="020B0604020202020204" pitchFamily="34" charset="0"/>
-              <a:buChar char="•"/>
-            </a:pPr>
-            <a:r>
-              <a:rPr lang="de-DE" sz="1600" dirty="0">
-                <a:latin typeface="Segoe UI" panose="020B0502040204020203" pitchFamily="34" charset="0"/>
-              </a:rPr>
-              <a:t>[4] </a:t>
-            </a:r>
-            <a:r>
-              <a:rPr lang="en-US" sz="1600" dirty="0"/>
-              <a:t>Bloom Filter. </a:t>
-            </a:r>
-            <a:r>
-              <a:rPr lang="en-US" sz="1600" i="1" dirty="0"/>
-              <a:t>Brilliant.org</a:t>
-            </a:r>
-            <a:r>
-              <a:rPr lang="en-US" sz="1600" dirty="0"/>
-              <a:t>. Retrieved 18:02, May 12, 2022, from </a:t>
-            </a:r>
-            <a:r>
-              <a:rPr lang="en-US" sz="1600" dirty="0">
-                <a:hlinkClick r:id="rId2"/>
-              </a:rPr>
-              <a:t>https://brilliant.org/wiki/bloom-filter/</a:t>
-            </a:r>
-            <a:endParaRPr lang="en-US" sz="1600" dirty="0"/>
-          </a:p>
-          <a:p>
-            <a:pPr marL="285750" indent="-285750">
-              <a:buFont typeface="Arial" panose="020B0604020202020204" pitchFamily="34" charset="0"/>
-              <a:buChar char="•"/>
-            </a:pPr>
-            <a:r>
-              <a:rPr lang="en-US" sz="1600" i="0" dirty="0">
-                <a:latin typeface="Segoe UI" panose="020B0502040204020203" pitchFamily="34" charset="0"/>
-              </a:rPr>
-              <a:t>[5] </a:t>
-            </a:r>
-            <a:r>
-              <a:rPr lang="en-US" sz="1600" dirty="0">
-                <a:latin typeface="Segoe UI" panose="020B0502040204020203" pitchFamily="34" charset="0"/>
-              </a:rPr>
-              <a:t>Fabio </a:t>
-            </a:r>
-            <a:r>
-              <a:rPr lang="en-US" sz="1600" dirty="0" err="1">
-                <a:latin typeface="Segoe UI" panose="020B0502040204020203" pitchFamily="34" charset="0"/>
-              </a:rPr>
-              <a:t>Grandi</a:t>
-            </a:r>
-            <a:r>
-              <a:rPr lang="en-US" sz="1600" dirty="0">
-                <a:latin typeface="Segoe UI" panose="020B0502040204020203" pitchFamily="34" charset="0"/>
-              </a:rPr>
-              <a:t>. 2018. On the analysis of Bloom filters. </a:t>
-            </a:r>
-            <a:r>
-              <a:rPr lang="en-US" sz="1600" i="1" dirty="0">
-                <a:latin typeface="Segoe UI" panose="020B0502040204020203" pitchFamily="34" charset="0"/>
-              </a:rPr>
-              <a:t>Information Processing Letters</a:t>
-            </a:r>
-            <a:r>
-              <a:rPr lang="en-US" sz="1600" i="0" dirty="0">
-                <a:latin typeface="Segoe UI" panose="020B0502040204020203" pitchFamily="34" charset="0"/>
-              </a:rPr>
-              <a:t> 129, 35–39. DOI: </a:t>
-            </a:r>
-            <a:r>
-              <a:rPr lang="en-US" sz="1600" i="0" dirty="0">
-                <a:latin typeface="Segoe UI" panose="020B0502040204020203" pitchFamily="34" charset="0"/>
-                <a:hlinkClick r:id="rId3"/>
-              </a:rPr>
-              <a:t>https://doi.org/10.1016/j.ipl.2017.09.004</a:t>
-            </a:r>
-            <a:endParaRPr lang="en-US" sz="1600" i="0" dirty="0">
-              <a:latin typeface="Segoe UI" panose="020B0502040204020203" pitchFamily="34" charset="0"/>
-            </a:endParaRPr>
-          </a:p>
-          <a:p>
-            <a:pPr marL="285750" indent="-285750">
-              <a:buFont typeface="Arial" panose="020B0604020202020204" pitchFamily="34" charset="0"/>
-              <a:buChar char="•"/>
-            </a:pPr>
-            <a:r>
-              <a:rPr lang="en-US" sz="1600" dirty="0">
-                <a:latin typeface="Segoe UI" panose="020B0502040204020203" pitchFamily="34" charset="0"/>
-              </a:rPr>
-              <a:t>[6] Nayak, S. and </a:t>
-            </a:r>
-            <a:r>
-              <a:rPr lang="en-US" sz="1600" dirty="0" err="1">
-                <a:latin typeface="Segoe UI" panose="020B0502040204020203" pitchFamily="34" charset="0"/>
-              </a:rPr>
-              <a:t>Patgiri</a:t>
-            </a:r>
-            <a:r>
-              <a:rPr lang="en-US" sz="1600" dirty="0">
-                <a:latin typeface="Segoe UI" panose="020B0502040204020203" pitchFamily="34" charset="0"/>
-              </a:rPr>
-              <a:t>, R. 2021. </a:t>
-            </a:r>
-            <a:r>
-              <a:rPr lang="en-US" sz="1600" i="1" dirty="0" err="1">
-                <a:latin typeface="Segoe UI" panose="020B0502040204020203" pitchFamily="34" charset="0"/>
-              </a:rPr>
-              <a:t>RobustBF</a:t>
-            </a:r>
-            <a:r>
-              <a:rPr lang="en-US" sz="1600" i="1" dirty="0">
-                <a:latin typeface="Segoe UI" panose="020B0502040204020203" pitchFamily="34" charset="0"/>
-              </a:rPr>
-              <a:t>: A High Accuracy and Memory Efficient 2D Bloom Filter</a:t>
-            </a:r>
-            <a:r>
-              <a:rPr lang="en-US" sz="1600" i="0" dirty="0">
-                <a:latin typeface="Segoe UI" panose="020B0502040204020203" pitchFamily="34" charset="0"/>
-              </a:rPr>
-              <a:t>. DOI: https://doi.org/10.48550/arxiv.2106.04365</a:t>
-            </a:r>
-          </a:p>
-          <a:p>
-            <a:pPr marL="285750" indent="-285750">
-              <a:buFont typeface="Arial" panose="020B0604020202020204" pitchFamily="34" charset="0"/>
-              <a:buChar char="•"/>
-            </a:pPr>
-            <a:r>
-              <a:rPr lang="en-US" sz="1600" dirty="0">
-                <a:latin typeface="Segoe UI" panose="020B0502040204020203" pitchFamily="34" charset="0"/>
-              </a:rPr>
-              <a:t>[7] </a:t>
-            </a:r>
-            <a:r>
-              <a:rPr lang="de-DE" sz="1600" dirty="0">
-                <a:latin typeface="Segoe UI" panose="020B0502040204020203" pitchFamily="34" charset="0"/>
-              </a:rPr>
-              <a:t>Fan, L., Cao, P., Almeida, J., and Broder, A. Z. 1998. Summary Cache: A </a:t>
-            </a:r>
-            <a:r>
-              <a:rPr lang="de-DE" sz="1600" dirty="0" err="1">
-                <a:latin typeface="Segoe UI" panose="020B0502040204020203" pitchFamily="34" charset="0"/>
-              </a:rPr>
-              <a:t>Scalable</a:t>
-            </a:r>
-            <a:r>
-              <a:rPr lang="de-DE" sz="1600" dirty="0">
-                <a:latin typeface="Segoe UI" panose="020B0502040204020203" pitchFamily="34" charset="0"/>
-              </a:rPr>
-              <a:t> Wide-Area Web Cache Sharing Protocol. In </a:t>
-            </a:r>
-            <a:r>
-              <a:rPr lang="de-DE" sz="1600" i="1" dirty="0">
-                <a:latin typeface="Segoe UI" panose="020B0502040204020203" pitchFamily="34" charset="0"/>
-              </a:rPr>
-              <a:t>Proceedings </a:t>
-            </a:r>
-            <a:r>
-              <a:rPr lang="de-DE" sz="1600" i="1" dirty="0" err="1">
-                <a:latin typeface="Segoe UI" panose="020B0502040204020203" pitchFamily="34" charset="0"/>
-              </a:rPr>
-              <a:t>of</a:t>
-            </a:r>
-            <a:r>
-              <a:rPr lang="de-DE" sz="1600" i="1" dirty="0">
-                <a:latin typeface="Segoe UI" panose="020B0502040204020203" pitchFamily="34" charset="0"/>
-              </a:rPr>
-              <a:t> </a:t>
-            </a:r>
-            <a:r>
-              <a:rPr lang="de-DE" sz="1600" i="1" dirty="0" err="1">
-                <a:latin typeface="Segoe UI" panose="020B0502040204020203" pitchFamily="34" charset="0"/>
-              </a:rPr>
-              <a:t>the</a:t>
-            </a:r>
-            <a:r>
-              <a:rPr lang="de-DE" sz="1600" i="1" dirty="0">
-                <a:latin typeface="Segoe UI" panose="020B0502040204020203" pitchFamily="34" charset="0"/>
-              </a:rPr>
-              <a:t> ACM SIGCOMM ’98 Conference on </a:t>
-            </a:r>
-            <a:r>
-              <a:rPr lang="de-DE" sz="1600" i="1" dirty="0" err="1">
-                <a:latin typeface="Segoe UI" panose="020B0502040204020203" pitchFamily="34" charset="0"/>
-              </a:rPr>
-              <a:t>Applications</a:t>
-            </a:r>
-            <a:r>
-              <a:rPr lang="de-DE" sz="1600" i="1" dirty="0">
-                <a:latin typeface="Segoe UI" panose="020B0502040204020203" pitchFamily="34" charset="0"/>
-              </a:rPr>
-              <a:t>, Technologies, </a:t>
-            </a:r>
-            <a:r>
-              <a:rPr lang="de-DE" sz="1600" i="1" dirty="0" err="1">
-                <a:latin typeface="Segoe UI" panose="020B0502040204020203" pitchFamily="34" charset="0"/>
-              </a:rPr>
-              <a:t>Architectures</a:t>
-            </a:r>
-            <a:r>
-              <a:rPr lang="de-DE" sz="1600" i="1" dirty="0">
-                <a:latin typeface="Segoe UI" panose="020B0502040204020203" pitchFamily="34" charset="0"/>
-              </a:rPr>
-              <a:t>, and </a:t>
-            </a:r>
-            <a:r>
-              <a:rPr lang="de-DE" sz="1600" i="1" dirty="0" err="1">
-                <a:latin typeface="Segoe UI" panose="020B0502040204020203" pitchFamily="34" charset="0"/>
-              </a:rPr>
-              <a:t>Protocols</a:t>
-            </a:r>
-            <a:r>
-              <a:rPr lang="de-DE" sz="1600" i="1" dirty="0">
-                <a:latin typeface="Segoe UI" panose="020B0502040204020203" pitchFamily="34" charset="0"/>
-              </a:rPr>
-              <a:t> </a:t>
-            </a:r>
-            <a:r>
-              <a:rPr lang="de-DE" sz="1600" i="1" dirty="0" err="1">
-                <a:latin typeface="Segoe UI" panose="020B0502040204020203" pitchFamily="34" charset="0"/>
-              </a:rPr>
-              <a:t>for</a:t>
-            </a:r>
-            <a:r>
-              <a:rPr lang="de-DE" sz="1600" i="1" dirty="0">
-                <a:latin typeface="Segoe UI" panose="020B0502040204020203" pitchFamily="34" charset="0"/>
-              </a:rPr>
-              <a:t> Computer Communication</a:t>
-            </a:r>
-            <a:r>
-              <a:rPr lang="de-DE" sz="1600" i="0" dirty="0">
-                <a:latin typeface="Segoe UI" panose="020B0502040204020203" pitchFamily="34" charset="0"/>
-              </a:rPr>
-              <a:t>. SIGCOMM ’98. </a:t>
-            </a:r>
-            <a:r>
-              <a:rPr lang="de-DE" sz="1600" i="0" dirty="0" err="1">
-                <a:latin typeface="Segoe UI" panose="020B0502040204020203" pitchFamily="34" charset="0"/>
-              </a:rPr>
-              <a:t>Association</a:t>
-            </a:r>
-            <a:r>
-              <a:rPr lang="de-DE" sz="1600" i="0" dirty="0">
-                <a:latin typeface="Segoe UI" panose="020B0502040204020203" pitchFamily="34" charset="0"/>
-              </a:rPr>
-              <a:t> </a:t>
-            </a:r>
-            <a:r>
-              <a:rPr lang="de-DE" sz="1600" i="0" dirty="0" err="1">
-                <a:latin typeface="Segoe UI" panose="020B0502040204020203" pitchFamily="34" charset="0"/>
-              </a:rPr>
-              <a:t>for</a:t>
-            </a:r>
-            <a:r>
-              <a:rPr lang="de-DE" sz="1600" i="0" dirty="0">
-                <a:latin typeface="Segoe UI" panose="020B0502040204020203" pitchFamily="34" charset="0"/>
-              </a:rPr>
-              <a:t> Computing Machinery, New York, NY, USA, 254–265. DOI:</a:t>
-            </a:r>
-            <a:r>
-              <a:rPr lang="en-US" sz="1600" i="0" dirty="0">
-                <a:latin typeface="Segoe UI" panose="020B0502040204020203" pitchFamily="34" charset="0"/>
-              </a:rPr>
-              <a:t> https://doi.org/</a:t>
-            </a:r>
-            <a:r>
-              <a:rPr lang="de-DE" sz="1600" i="0" dirty="0">
-                <a:latin typeface="Segoe UI" panose="020B0502040204020203" pitchFamily="34" charset="0"/>
-              </a:rPr>
-              <a:t>10.1145/285237.285287</a:t>
-            </a:r>
-          </a:p>
-        </p:txBody>
-      </p:sp>
+      </p:pic>
     </p:spTree>
     <p:extLst>
       <p:ext uri="{BB962C8B-B14F-4D97-AF65-F5344CB8AC3E}">
-        <p14:creationId xmlns:p14="http://schemas.microsoft.com/office/powerpoint/2010/main" val="1092689422"/>
+        <p14:creationId xmlns:p14="http://schemas.microsoft.com/office/powerpoint/2010/main" val="744574050"/>
       </p:ext>
     </p:extLst>
   </p:cSld>
@@ -13036,8 +12733,11 @@
           <a:p>
             <a:r>
               <a:rPr lang="de-DE" dirty="0"/>
-              <a:t>Quellen</a:t>
-            </a:r>
+              <a:t>VIC BF</a:t>
+            </a:r>
+          </a:p>
+          <a:p>
+            <a:endParaRPr lang="de-DE" dirty="0"/>
           </a:p>
         </p:txBody>
       </p:sp>
@@ -13063,296 +12763,48 @@
           </a:p>
         </p:txBody>
       </p:sp>
-      <p:sp>
-        <p:nvSpPr>
-          <p:cNvPr id="11" name="Textfeld 10">
+      <p:pic>
+        <p:nvPicPr>
+          <p:cNvPr id="10" name="Grafik 9">
             <a:extLst>
               <a:ext uri="{FF2B5EF4-FFF2-40B4-BE49-F238E27FC236}">
-                <a16:creationId xmlns:a16="http://schemas.microsoft.com/office/drawing/2014/main" id="{AED7FCD8-3C56-4B11-ADA2-B181B3B96684}"/>
+                <a16:creationId xmlns:a16="http://schemas.microsoft.com/office/drawing/2014/main" id="{FCE469E1-4657-6866-856C-EDDDEEF7D097}"/>
               </a:ext>
             </a:extLst>
           </p:cNvPr>
-          <p:cNvSpPr txBox="1"/>
+          <p:cNvPicPr>
+            <a:picLocks noChangeAspect="1"/>
+          </p:cNvPicPr>
           <p:nvPr/>
-        </p:nvSpPr>
+        </p:nvPicPr>
+        <p:blipFill rotWithShape="1">
+          <a:blip r:embed="rId2">
+            <a:extLst>
+              <a:ext uri="{28A0092B-C50C-407E-A947-70E740481C1C}">
+                <a14:useLocalDpi xmlns:a14="http://schemas.microsoft.com/office/drawing/2010/main" val="0"/>
+              </a:ext>
+              <a:ext uri="{96DAC541-7B7A-43D3-8B79-37D633B846F1}">
+                <asvg:svgBlip xmlns:asvg="http://schemas.microsoft.com/office/drawing/2016/SVG/main" r:embed="rId3"/>
+              </a:ext>
+            </a:extLst>
+          </a:blip>
+          <a:srcRect l="22279" t="3499" r="20298" b="71000"/>
+          <a:stretch/>
+        </p:blipFill>
         <p:spPr>
           <a:xfrm>
-            <a:off x="611560" y="1419622"/>
-            <a:ext cx="8064896" cy="2554545"/>
+            <a:off x="1331640" y="627534"/>
+            <a:ext cx="6569200" cy="4126151"/>
           </a:xfrm>
           <a:prstGeom prst="rect">
             <a:avLst/>
           </a:prstGeom>
-          <a:noFill/>
         </p:spPr>
-        <p:txBody>
-          <a:bodyPr wrap="square" rtlCol="0">
-            <a:spAutoFit/>
-          </a:bodyPr>
-          <a:lstStyle/>
-          <a:p>
-            <a:pPr marL="285750" indent="-285750">
-              <a:buFont typeface="Arial" panose="020B0604020202020204" pitchFamily="34" charset="0"/>
-              <a:buChar char="•"/>
-            </a:pPr>
-            <a:r>
-              <a:rPr lang="en-US" sz="1600" dirty="0">
-                <a:latin typeface="Segoe UI" panose="020B0502040204020203" pitchFamily="34" charset="0"/>
-              </a:rPr>
-              <a:t>[8] </a:t>
-            </a:r>
-            <a:r>
-              <a:rPr lang="de-DE" sz="1600" dirty="0">
-                <a:latin typeface="Segoe UI" panose="020B0502040204020203" pitchFamily="34" charset="0"/>
-              </a:rPr>
-              <a:t>Rottenstreich Ori, </a:t>
-            </a:r>
-            <a:r>
-              <a:rPr lang="de-DE" sz="1600" dirty="0" err="1">
-                <a:latin typeface="Segoe UI" panose="020B0502040204020203" pitchFamily="34" charset="0"/>
-              </a:rPr>
-              <a:t>Kanizo</a:t>
-            </a:r>
-            <a:r>
-              <a:rPr lang="de-DE" sz="1600" dirty="0">
-                <a:latin typeface="Segoe UI" panose="020B0502040204020203" pitchFamily="34" charset="0"/>
-              </a:rPr>
-              <a:t> Yossi, and </a:t>
-            </a:r>
-            <a:r>
-              <a:rPr lang="de-DE" sz="1600" dirty="0" err="1">
-                <a:latin typeface="Segoe UI" panose="020B0502040204020203" pitchFamily="34" charset="0"/>
-              </a:rPr>
-              <a:t>Keslassy</a:t>
-            </a:r>
-            <a:r>
-              <a:rPr lang="de-DE" sz="1600" dirty="0">
-                <a:latin typeface="Segoe UI" panose="020B0502040204020203" pitchFamily="34" charset="0"/>
-              </a:rPr>
-              <a:t> Isaac. 2014. The Variable-</a:t>
-            </a:r>
-            <a:r>
-              <a:rPr lang="de-DE" sz="1600" dirty="0" err="1">
-                <a:latin typeface="Segoe UI" panose="020B0502040204020203" pitchFamily="34" charset="0"/>
-              </a:rPr>
-              <a:t>Increment</a:t>
-            </a:r>
-            <a:r>
-              <a:rPr lang="de-DE" sz="1600" dirty="0">
-                <a:latin typeface="Segoe UI" panose="020B0502040204020203" pitchFamily="34" charset="0"/>
-              </a:rPr>
-              <a:t> </a:t>
-            </a:r>
-            <a:r>
-              <a:rPr lang="de-DE" sz="1600" dirty="0" err="1">
-                <a:latin typeface="Segoe UI" panose="020B0502040204020203" pitchFamily="34" charset="0"/>
-              </a:rPr>
-              <a:t>Counting</a:t>
-            </a:r>
-            <a:r>
-              <a:rPr lang="de-DE" sz="1600" dirty="0">
-                <a:latin typeface="Segoe UI" panose="020B0502040204020203" pitchFamily="34" charset="0"/>
-              </a:rPr>
-              <a:t> Bloom Filter. </a:t>
-            </a:r>
-            <a:r>
-              <a:rPr lang="de-DE" sz="1600" i="1" dirty="0">
-                <a:latin typeface="Segoe UI" panose="020B0502040204020203" pitchFamily="34" charset="0"/>
-              </a:rPr>
-              <a:t>IEEE/ACM Trans. Networking</a:t>
-            </a:r>
-            <a:r>
-              <a:rPr lang="de-DE" sz="1600" i="0" dirty="0">
-                <a:latin typeface="Segoe UI" panose="020B0502040204020203" pitchFamily="34" charset="0"/>
-              </a:rPr>
-              <a:t> 22, 4, 1092–1105. DOI: </a:t>
-            </a:r>
-            <a:r>
-              <a:rPr lang="de-DE" sz="1600" i="0" dirty="0">
-                <a:latin typeface="Segoe UI" panose="020B0502040204020203" pitchFamily="34" charset="0"/>
-                <a:hlinkClick r:id="rId2"/>
-              </a:rPr>
-              <a:t>https://doi.org/</a:t>
-            </a:r>
-            <a:r>
-              <a:rPr lang="de-DE" sz="1600" dirty="0">
-                <a:hlinkClick r:id="rId2"/>
-              </a:rPr>
-              <a:t>10.1109/TNET.2013.2272604</a:t>
-            </a:r>
-            <a:endParaRPr lang="de-DE" sz="1600" dirty="0"/>
-          </a:p>
-          <a:p>
-            <a:pPr marL="285750" indent="-285750">
-              <a:buFont typeface="Arial" panose="020B0604020202020204" pitchFamily="34" charset="0"/>
-              <a:buChar char="•"/>
-            </a:pPr>
-            <a:r>
-              <a:rPr lang="en-US" sz="1600" dirty="0">
-                <a:latin typeface="Segoe UI" panose="020B0502040204020203" pitchFamily="34" charset="0"/>
-              </a:rPr>
-              <a:t>[9] Rothenberg, C., </a:t>
-            </a:r>
-            <a:r>
-              <a:rPr lang="en-US" sz="1600" dirty="0" err="1">
-                <a:latin typeface="Segoe UI" panose="020B0502040204020203" pitchFamily="34" charset="0"/>
-              </a:rPr>
-              <a:t>Macapuna</a:t>
-            </a:r>
-            <a:r>
-              <a:rPr lang="en-US" sz="1600" dirty="0">
-                <a:latin typeface="Segoe UI" panose="020B0502040204020203" pitchFamily="34" charset="0"/>
-              </a:rPr>
-              <a:t>, C., Verdi, F., and </a:t>
-            </a:r>
-            <a:r>
-              <a:rPr lang="en-US" sz="1600" dirty="0" err="1">
-                <a:latin typeface="Segoe UI" panose="020B0502040204020203" pitchFamily="34" charset="0"/>
-              </a:rPr>
-              <a:t>Magalhaes</a:t>
-            </a:r>
-            <a:r>
-              <a:rPr lang="en-US" sz="1600" dirty="0">
-                <a:latin typeface="Segoe UI" panose="020B0502040204020203" pitchFamily="34" charset="0"/>
-              </a:rPr>
-              <a:t>, M. 2010. The </a:t>
-            </a:r>
-            <a:r>
-              <a:rPr lang="en-US" sz="1600" dirty="0" err="1">
-                <a:latin typeface="Segoe UI" panose="020B0502040204020203" pitchFamily="34" charset="0"/>
-              </a:rPr>
-              <a:t>deletable</a:t>
-            </a:r>
-            <a:r>
-              <a:rPr lang="en-US" sz="1600" dirty="0">
-                <a:latin typeface="Segoe UI" panose="020B0502040204020203" pitchFamily="34" charset="0"/>
-              </a:rPr>
-              <a:t> Bloom filter: a new member of the Bloom family. </a:t>
-            </a:r>
-            <a:r>
-              <a:rPr lang="en-US" sz="1600" i="1" dirty="0">
-                <a:latin typeface="Segoe UI" panose="020B0502040204020203" pitchFamily="34" charset="0"/>
-              </a:rPr>
-              <a:t>IEEE </a:t>
-            </a:r>
-            <a:r>
-              <a:rPr lang="en-US" sz="1600" i="1" dirty="0" err="1">
-                <a:latin typeface="Segoe UI" panose="020B0502040204020203" pitchFamily="34" charset="0"/>
-              </a:rPr>
-              <a:t>Commun</a:t>
-            </a:r>
-            <a:r>
-              <a:rPr lang="en-US" sz="1600" i="1" dirty="0">
-                <a:latin typeface="Segoe UI" panose="020B0502040204020203" pitchFamily="34" charset="0"/>
-              </a:rPr>
-              <a:t>. Lett.</a:t>
-            </a:r>
-            <a:r>
-              <a:rPr lang="en-US" sz="1600" i="0" dirty="0">
-                <a:latin typeface="Segoe UI" panose="020B0502040204020203" pitchFamily="34" charset="0"/>
-              </a:rPr>
-              <a:t> 14, 6, 557–559. DOI: </a:t>
-            </a:r>
-            <a:r>
-              <a:rPr lang="en-US" sz="1600" i="0" dirty="0">
-                <a:latin typeface="Segoe UI" panose="020B0502040204020203" pitchFamily="34" charset="0"/>
-                <a:hlinkClick r:id="rId3"/>
-              </a:rPr>
-              <a:t>https://</a:t>
-            </a:r>
-            <a:r>
-              <a:rPr lang="de-DE" sz="1600" i="0" dirty="0">
-                <a:latin typeface="Segoe UI" panose="020B0502040204020203" pitchFamily="34" charset="0"/>
-                <a:hlinkClick r:id="rId3"/>
-              </a:rPr>
-              <a:t>doi.org/</a:t>
-            </a:r>
-            <a:r>
-              <a:rPr lang="de-DE" sz="1600" dirty="0">
-                <a:hlinkClick r:id="rId3"/>
-              </a:rPr>
-              <a:t>10.1109/LCOMM.2010.06.100344</a:t>
-            </a:r>
-            <a:endParaRPr lang="de-DE" sz="1600" dirty="0"/>
-          </a:p>
-          <a:p>
-            <a:pPr marL="285750" indent="-285750">
-              <a:buFont typeface="Arial" panose="020B0604020202020204" pitchFamily="34" charset="0"/>
-              <a:buChar char="•"/>
-            </a:pPr>
-            <a:r>
-              <a:rPr lang="de-DE" sz="1600" dirty="0">
-                <a:latin typeface="Segoe UI" panose="020B0502040204020203" pitchFamily="34" charset="0"/>
-              </a:rPr>
-              <a:t>[10] </a:t>
-            </a:r>
-            <a:r>
-              <a:rPr lang="en-US" sz="1600" dirty="0">
-                <a:latin typeface="Segoe UI" panose="020B0502040204020203" pitchFamily="34" charset="0"/>
-              </a:rPr>
-              <a:t>Rhea S.C. and </a:t>
-            </a:r>
-            <a:r>
-              <a:rPr lang="en-US" sz="1600" dirty="0" err="1">
-                <a:latin typeface="Segoe UI" panose="020B0502040204020203" pitchFamily="34" charset="0"/>
-              </a:rPr>
-              <a:t>Kubiatowicz</a:t>
-            </a:r>
-            <a:r>
-              <a:rPr lang="en-US" sz="1600" dirty="0">
-                <a:latin typeface="Segoe UI" panose="020B0502040204020203" pitchFamily="34" charset="0"/>
-              </a:rPr>
-              <a:t> J. 2002. Probabilistic location and routing. In </a:t>
-            </a:r>
-            <a:r>
-              <a:rPr lang="en-US" sz="1600" i="1" dirty="0" err="1">
-                <a:latin typeface="Segoe UI" panose="020B0502040204020203" pitchFamily="34" charset="0"/>
-              </a:rPr>
-              <a:t>Proceedings.Twenty</a:t>
-            </a:r>
-            <a:r>
-              <a:rPr lang="en-US" sz="1600" i="1" dirty="0">
-                <a:latin typeface="Segoe UI" panose="020B0502040204020203" pitchFamily="34" charset="0"/>
-              </a:rPr>
-              <a:t>-First Annual Joint Conference of the IEEE Computer and Communications Societies</a:t>
-            </a:r>
-            <a:r>
-              <a:rPr lang="en-US" sz="1600" i="0" dirty="0">
-                <a:latin typeface="Segoe UI" panose="020B0502040204020203" pitchFamily="34" charset="0"/>
-              </a:rPr>
-              <a:t>, 1248-1257 vol.3. DOI: </a:t>
-            </a:r>
-            <a:r>
-              <a:rPr lang="en-US" sz="1600" dirty="0">
-                <a:latin typeface="Segoe UI" panose="020B0502040204020203" pitchFamily="34" charset="0"/>
-                <a:hlinkClick r:id="rId4"/>
-              </a:rPr>
-              <a:t>https://</a:t>
-            </a:r>
-            <a:r>
-              <a:rPr lang="de-DE" sz="1600" dirty="0">
-                <a:latin typeface="Segoe UI" panose="020B0502040204020203" pitchFamily="34" charset="0"/>
-                <a:hlinkClick r:id="rId4"/>
-              </a:rPr>
-              <a:t>doi.org/</a:t>
-            </a:r>
-            <a:r>
-              <a:rPr lang="en-US" sz="1600" i="0" dirty="0">
-                <a:latin typeface="Segoe UI" panose="020B0502040204020203" pitchFamily="34" charset="0"/>
-                <a:hlinkClick r:id="rId4"/>
-              </a:rPr>
-              <a:t>10.1109/INFCOM.2002.1019375</a:t>
-            </a:r>
-            <a:endParaRPr lang="en-US" sz="1600" i="0" dirty="0">
-              <a:latin typeface="Segoe UI" panose="020B0502040204020203" pitchFamily="34" charset="0"/>
-            </a:endParaRPr>
-          </a:p>
-        </p:txBody>
-      </p:sp>
+      </p:pic>
     </p:spTree>
     <p:extLst>
       <p:ext uri="{BB962C8B-B14F-4D97-AF65-F5344CB8AC3E}">
-        <p14:creationId xmlns:p14="http://schemas.microsoft.com/office/powerpoint/2010/main" val="2790701121"/>
+        <p14:creationId xmlns:p14="http://schemas.microsoft.com/office/powerpoint/2010/main" val="2405430898"/>
       </p:ext>
     </p:extLst>
   </p:cSld>
@@ -13446,9 +12898,16 @@
           <a:lstStyle/>
           <a:p>
             <a:r>
+              <a:rPr lang="de-DE" dirty="0" err="1"/>
+              <a:t>Deletable</a:t>
+            </a:r>
+            <a:r>
               <a:rPr lang="de-DE" dirty="0"/>
-              <a:t>Quellen</a:t>
-            </a:r>
+              <a:t> BF</a:t>
+            </a:r>
+          </a:p>
+          <a:p>
+            <a:endParaRPr lang="de-DE" dirty="0"/>
           </a:p>
         </p:txBody>
       </p:sp>
@@ -13474,486 +12933,48 @@
           </a:p>
         </p:txBody>
       </p:sp>
-      <p:sp>
-        <p:nvSpPr>
-          <p:cNvPr id="11" name="Textfeld 10">
+      <p:pic>
+        <p:nvPicPr>
+          <p:cNvPr id="5" name="Grafik 4">
             <a:extLst>
               <a:ext uri="{FF2B5EF4-FFF2-40B4-BE49-F238E27FC236}">
-                <a16:creationId xmlns:a16="http://schemas.microsoft.com/office/drawing/2014/main" id="{AED7FCD8-3C56-4B11-ADA2-B181B3B96684}"/>
+                <a16:creationId xmlns:a16="http://schemas.microsoft.com/office/drawing/2014/main" id="{1537EFDE-8C63-B2C2-1F5B-084C2E2E46E2}"/>
               </a:ext>
             </a:extLst>
           </p:cNvPr>
-          <p:cNvSpPr txBox="1"/>
+          <p:cNvPicPr>
+            <a:picLocks noChangeAspect="1"/>
+          </p:cNvPicPr>
           <p:nvPr/>
-        </p:nvSpPr>
+        </p:nvPicPr>
+        <p:blipFill rotWithShape="1">
+          <a:blip r:embed="rId2">
+            <a:extLst>
+              <a:ext uri="{28A0092B-C50C-407E-A947-70E740481C1C}">
+                <a14:useLocalDpi xmlns:a14="http://schemas.microsoft.com/office/drawing/2010/main" val="0"/>
+              </a:ext>
+              <a:ext uri="{96DAC541-7B7A-43D3-8B79-37D633B846F1}">
+                <asvg:svgBlip xmlns:asvg="http://schemas.microsoft.com/office/drawing/2016/SVG/main" r:embed="rId3"/>
+              </a:ext>
+            </a:extLst>
+          </a:blip>
+          <a:srcRect l="18319" r="16338" b="62600"/>
+          <a:stretch/>
+        </p:blipFill>
         <p:spPr>
           <a:xfrm>
-            <a:off x="611560" y="1419622"/>
-            <a:ext cx="8064896" cy="4339650"/>
+            <a:off x="1172902" y="-308570"/>
+            <a:ext cx="6834196" cy="5532547"/>
           </a:xfrm>
           <a:prstGeom prst="rect">
             <a:avLst/>
           </a:prstGeom>
-          <a:noFill/>
         </p:spPr>
-        <p:txBody>
-          <a:bodyPr wrap="square" rtlCol="0">
-            <a:spAutoFit/>
-          </a:bodyPr>
-          <a:lstStyle/>
-          <a:p>
-            <a:pPr marL="285750" indent="-285750">
-              <a:buFont typeface="Arial" panose="020B0604020202020204" pitchFamily="34" charset="0"/>
-              <a:buChar char="•"/>
-            </a:pPr>
-            <a:r>
-              <a:rPr lang="en-US" sz="1600" dirty="0">
-                <a:latin typeface="Segoe UI" panose="020B0502040204020203" pitchFamily="34" charset="0"/>
-              </a:rPr>
-              <a:t>[11] Whitaker A. and </a:t>
-            </a:r>
-            <a:r>
-              <a:rPr lang="en-US" sz="1600" dirty="0" err="1">
-                <a:latin typeface="Segoe UI" panose="020B0502040204020203" pitchFamily="34" charset="0"/>
-              </a:rPr>
-              <a:t>Wetherall</a:t>
-            </a:r>
-            <a:r>
-              <a:rPr lang="en-US" sz="1600" dirty="0">
-                <a:latin typeface="Segoe UI" panose="020B0502040204020203" pitchFamily="34" charset="0"/>
-              </a:rPr>
-              <a:t> D. 2002. Forwarding without loops in Icarus. In </a:t>
-            </a:r>
-            <a:r>
-              <a:rPr lang="en-US" sz="1600" i="1" dirty="0">
-                <a:latin typeface="Segoe UI" panose="020B0502040204020203" pitchFamily="34" charset="0"/>
-              </a:rPr>
-              <a:t>2002 IEEE Open Architectures and Network Programming Proceedings. OPENARCH 2002 (Cat. No.02EX571)</a:t>
-            </a:r>
-            <a:r>
-              <a:rPr lang="en-US" sz="1600" i="0" dirty="0">
-                <a:latin typeface="Segoe UI" panose="020B0502040204020203" pitchFamily="34" charset="0"/>
-              </a:rPr>
-              <a:t>, 63–75. DOI: </a:t>
-            </a:r>
-            <a:r>
-              <a:rPr lang="en-US" sz="1600" dirty="0">
-                <a:latin typeface="Segoe UI" panose="020B0502040204020203" pitchFamily="34" charset="0"/>
-                <a:hlinkClick r:id="rId2"/>
-              </a:rPr>
-              <a:t>https://</a:t>
-            </a:r>
-            <a:r>
-              <a:rPr lang="de-DE" sz="1600" dirty="0">
-                <a:latin typeface="Segoe UI" panose="020B0502040204020203" pitchFamily="34" charset="0"/>
-                <a:hlinkClick r:id="rId2"/>
-              </a:rPr>
-              <a:t>doi.org/</a:t>
-            </a:r>
-            <a:r>
-              <a:rPr lang="en-US" sz="1600" i="0" dirty="0">
-                <a:latin typeface="Segoe UI" panose="020B0502040204020203" pitchFamily="34" charset="0"/>
-                <a:hlinkClick r:id="rId2"/>
-              </a:rPr>
-              <a:t>10.1109/OPNARC.2002.1019229</a:t>
-            </a:r>
-            <a:endParaRPr lang="en-US" sz="1600" i="0" dirty="0">
-              <a:latin typeface="Segoe UI" panose="020B0502040204020203" pitchFamily="34" charset="0"/>
-            </a:endParaRPr>
-          </a:p>
-          <a:p>
-            <a:pPr marL="285750" indent="-285750">
-              <a:buFont typeface="Arial" panose="020B0604020202020204" pitchFamily="34" charset="0"/>
-              <a:buChar char="•"/>
-            </a:pPr>
-            <a:r>
-              <a:rPr lang="de-DE" sz="1600" dirty="0">
-                <a:latin typeface="Segoe UI" panose="020B0502040204020203" pitchFamily="34" charset="0"/>
-              </a:rPr>
-              <a:t>[12] Laufer Rafael P., </a:t>
-            </a:r>
-            <a:r>
-              <a:rPr lang="de-DE" sz="1600" dirty="0" err="1">
-                <a:latin typeface="Segoe UI" panose="020B0502040204020203" pitchFamily="34" charset="0"/>
-              </a:rPr>
-              <a:t>Velloso</a:t>
-            </a:r>
-            <a:r>
-              <a:rPr lang="de-DE" sz="1600" dirty="0">
-                <a:latin typeface="Segoe UI" panose="020B0502040204020203" pitchFamily="34" charset="0"/>
-              </a:rPr>
-              <a:t> Pedro B., Cunha Daniel de O., </a:t>
-            </a:r>
-            <a:r>
-              <a:rPr lang="de-DE" sz="1600" dirty="0" err="1">
-                <a:latin typeface="Segoe UI" panose="020B0502040204020203" pitchFamily="34" charset="0"/>
-              </a:rPr>
-              <a:t>Moraes</a:t>
-            </a:r>
-            <a:r>
-              <a:rPr lang="de-DE" sz="1600" dirty="0">
-                <a:latin typeface="Segoe UI" panose="020B0502040204020203" pitchFamily="34" charset="0"/>
-              </a:rPr>
-              <a:t> Igor M., </a:t>
-            </a:r>
-            <a:r>
-              <a:rPr lang="de-DE" sz="1600" dirty="0" err="1">
-                <a:latin typeface="Segoe UI" panose="020B0502040204020203" pitchFamily="34" charset="0"/>
-              </a:rPr>
-              <a:t>Bicudo</a:t>
-            </a:r>
-            <a:r>
-              <a:rPr lang="de-DE" sz="1600" dirty="0">
-                <a:latin typeface="Segoe UI" panose="020B0502040204020203" pitchFamily="34" charset="0"/>
-              </a:rPr>
-              <a:t> Marco D.D., Moreira Marcelo D.D., and Duarte Otto Carlos M.B. 2007. </a:t>
-            </a:r>
-            <a:r>
-              <a:rPr lang="de-DE" sz="1600" dirty="0" err="1">
-                <a:latin typeface="Segoe UI" panose="020B0502040204020203" pitchFamily="34" charset="0"/>
-              </a:rPr>
-              <a:t>Towards</a:t>
-            </a:r>
-            <a:r>
-              <a:rPr lang="de-DE" sz="1600" dirty="0">
-                <a:latin typeface="Segoe UI" panose="020B0502040204020203" pitchFamily="34" charset="0"/>
-              </a:rPr>
-              <a:t> </a:t>
-            </a:r>
-            <a:r>
-              <a:rPr lang="de-DE" sz="1600" dirty="0" err="1">
-                <a:latin typeface="Segoe UI" panose="020B0502040204020203" pitchFamily="34" charset="0"/>
-              </a:rPr>
-              <a:t>Stateless</a:t>
-            </a:r>
-            <a:r>
-              <a:rPr lang="de-DE" sz="1600" dirty="0">
-                <a:latin typeface="Segoe UI" panose="020B0502040204020203" pitchFamily="34" charset="0"/>
-              </a:rPr>
-              <a:t> Single-Packet IP </a:t>
-            </a:r>
-            <a:r>
-              <a:rPr lang="de-DE" sz="1600" dirty="0" err="1">
-                <a:latin typeface="Segoe UI" panose="020B0502040204020203" pitchFamily="34" charset="0"/>
-              </a:rPr>
-              <a:t>Traceback</a:t>
-            </a:r>
-            <a:r>
-              <a:rPr lang="de-DE" sz="1600" dirty="0">
-                <a:latin typeface="Segoe UI" panose="020B0502040204020203" pitchFamily="34" charset="0"/>
-              </a:rPr>
-              <a:t>. In </a:t>
-            </a:r>
-            <a:r>
-              <a:rPr lang="de-DE" sz="1600" i="1" dirty="0">
-                <a:latin typeface="Segoe UI" panose="020B0502040204020203" pitchFamily="34" charset="0"/>
-              </a:rPr>
-              <a:t>32nd IEEE Conference on </a:t>
-            </a:r>
-            <a:r>
-              <a:rPr lang="de-DE" sz="1600" i="1" dirty="0" err="1">
-                <a:latin typeface="Segoe UI" panose="020B0502040204020203" pitchFamily="34" charset="0"/>
-              </a:rPr>
-              <a:t>Local</a:t>
-            </a:r>
-            <a:r>
-              <a:rPr lang="de-DE" sz="1600" i="1" dirty="0">
-                <a:latin typeface="Segoe UI" panose="020B0502040204020203" pitchFamily="34" charset="0"/>
-              </a:rPr>
-              <a:t> Computer Networks (LCN 2007)</a:t>
-            </a:r>
-            <a:r>
-              <a:rPr lang="de-DE" sz="1600" i="0" dirty="0">
-                <a:latin typeface="Segoe UI" panose="020B0502040204020203" pitchFamily="34" charset="0"/>
-              </a:rPr>
-              <a:t>, 548–555. DOI: </a:t>
-            </a:r>
-            <a:r>
-              <a:rPr lang="en-US" sz="1600" dirty="0">
-                <a:latin typeface="Segoe UI" panose="020B0502040204020203" pitchFamily="34" charset="0"/>
-                <a:hlinkClick r:id="rId3"/>
-              </a:rPr>
-              <a:t>https://</a:t>
-            </a:r>
-            <a:r>
-              <a:rPr lang="de-DE" sz="1600" dirty="0">
-                <a:latin typeface="Segoe UI" panose="020B0502040204020203" pitchFamily="34" charset="0"/>
-                <a:hlinkClick r:id="rId3"/>
-              </a:rPr>
-              <a:t>doi.org/</a:t>
-            </a:r>
-            <a:r>
-              <a:rPr lang="de-DE" sz="1600" i="0" dirty="0">
-                <a:latin typeface="Segoe UI" panose="020B0502040204020203" pitchFamily="34" charset="0"/>
-                <a:hlinkClick r:id="rId3"/>
-              </a:rPr>
-              <a:t>10.1109/LCN.2007.15</a:t>
-            </a:r>
-            <a:endParaRPr lang="de-DE" sz="1600" i="0" dirty="0">
-              <a:latin typeface="Segoe UI" panose="020B0502040204020203" pitchFamily="34" charset="0"/>
-            </a:endParaRPr>
-          </a:p>
-          <a:p>
-            <a:pPr marL="285750" indent="-285750">
-              <a:buFont typeface="Arial" panose="020B0604020202020204" pitchFamily="34" charset="0"/>
-              <a:buChar char="•"/>
-            </a:pPr>
-            <a:r>
-              <a:rPr lang="de-DE" sz="1600" dirty="0">
-                <a:latin typeface="Segoe UI" panose="020B0502040204020203" pitchFamily="34" charset="0"/>
-                <a:cs typeface="Segoe UI" panose="020B0502040204020203" pitchFamily="34" charset="0"/>
-              </a:rPr>
-              <a:t>[13] </a:t>
-            </a:r>
-            <a:r>
-              <a:rPr lang="en-US" sz="1600" dirty="0">
-                <a:latin typeface="Segoe UI" panose="020B0502040204020203" pitchFamily="34" charset="0"/>
-                <a:cs typeface="Segoe UI" panose="020B0502040204020203" pitchFamily="34" charset="0"/>
-              </a:rPr>
-              <a:t>Wang, J. 1999. A Survey of Web Caching Schemes for the Internet. </a:t>
-            </a:r>
-            <a:r>
-              <a:rPr lang="en-US" sz="1600" i="1" dirty="0">
-                <a:latin typeface="Segoe UI" panose="020B0502040204020203" pitchFamily="34" charset="0"/>
-                <a:cs typeface="Segoe UI" panose="020B0502040204020203" pitchFamily="34" charset="0"/>
-              </a:rPr>
-              <a:t>SIGCOMM </a:t>
-            </a:r>
-            <a:r>
-              <a:rPr lang="en-US" sz="1600" i="1" dirty="0" err="1">
-                <a:latin typeface="Segoe UI" panose="020B0502040204020203" pitchFamily="34" charset="0"/>
-                <a:cs typeface="Segoe UI" panose="020B0502040204020203" pitchFamily="34" charset="0"/>
-              </a:rPr>
-              <a:t>Comput</a:t>
-            </a:r>
-            <a:r>
-              <a:rPr lang="en-US" sz="1600" i="1" dirty="0">
-                <a:latin typeface="Segoe UI" panose="020B0502040204020203" pitchFamily="34" charset="0"/>
-                <a:cs typeface="Segoe UI" panose="020B0502040204020203" pitchFamily="34" charset="0"/>
-              </a:rPr>
-              <a:t>. </a:t>
-            </a:r>
-            <a:r>
-              <a:rPr lang="en-US" sz="1600" i="1" dirty="0" err="1">
-                <a:latin typeface="Segoe UI" panose="020B0502040204020203" pitchFamily="34" charset="0"/>
-                <a:cs typeface="Segoe UI" panose="020B0502040204020203" pitchFamily="34" charset="0"/>
-              </a:rPr>
-              <a:t>Commun</a:t>
-            </a:r>
-            <a:r>
-              <a:rPr lang="en-US" sz="1600" i="1" dirty="0">
-                <a:latin typeface="Segoe UI" panose="020B0502040204020203" pitchFamily="34" charset="0"/>
-                <a:cs typeface="Segoe UI" panose="020B0502040204020203" pitchFamily="34" charset="0"/>
-              </a:rPr>
-              <a:t>. Rev.</a:t>
-            </a:r>
-            <a:r>
-              <a:rPr lang="en-US" sz="1600" i="0" dirty="0">
-                <a:latin typeface="Segoe UI" panose="020B0502040204020203" pitchFamily="34" charset="0"/>
-                <a:cs typeface="Segoe UI" panose="020B0502040204020203" pitchFamily="34" charset="0"/>
-              </a:rPr>
-              <a:t> 29, 5, 36–46. DOI: </a:t>
-            </a:r>
-            <a:r>
-              <a:rPr kumimoji="0" lang="de-DE" altLang="de-DE" sz="1600" b="0" i="0" u="none" strike="noStrike" cap="none" normalizeH="0" baseline="0" dirty="0">
-                <a:ln>
-                  <a:noFill/>
-                </a:ln>
-                <a:solidFill>
-                  <a:schemeClr val="tx1"/>
-                </a:solidFill>
-                <a:effectLst/>
-                <a:latin typeface="Segoe UI" panose="020B0502040204020203" pitchFamily="34" charset="0"/>
-                <a:cs typeface="Segoe UI" panose="020B0502040204020203" pitchFamily="34" charset="0"/>
-                <a:hlinkClick r:id="rId4"/>
-              </a:rPr>
-              <a:t>https://doi.org/10.1145/505696.505701</a:t>
-            </a:r>
-            <a:endParaRPr kumimoji="0" lang="de-DE" altLang="de-DE" sz="1600" b="0" i="0" u="none" strike="noStrike" cap="none" normalizeH="0" baseline="0" dirty="0">
-              <a:ln>
-                <a:noFill/>
-              </a:ln>
-              <a:solidFill>
-                <a:schemeClr val="tx1"/>
-              </a:solidFill>
-              <a:effectLst/>
-              <a:latin typeface="Segoe UI" panose="020B0502040204020203" pitchFamily="34" charset="0"/>
-              <a:cs typeface="Segoe UI" panose="020B0502040204020203" pitchFamily="34" charset="0"/>
-            </a:endParaRPr>
-          </a:p>
-          <a:p>
-            <a:pPr marL="285750" indent="-285750">
-              <a:buFont typeface="Arial" panose="020B0604020202020204" pitchFamily="34" charset="0"/>
-              <a:buChar char="•"/>
-            </a:pPr>
-            <a:r>
-              <a:rPr lang="de-DE" sz="1600" dirty="0">
-                <a:latin typeface="Segoe UI" panose="020B0502040204020203" pitchFamily="34" charset="0"/>
-              </a:rPr>
-              <a:t>[14] </a:t>
-            </a:r>
-            <a:r>
-              <a:rPr lang="de-DE" sz="1600" dirty="0" err="1">
-                <a:latin typeface="Segoe UI" panose="020B0502040204020203" pitchFamily="34" charset="0"/>
-              </a:rPr>
-              <a:t>Dharmapurikar</a:t>
-            </a:r>
-            <a:r>
-              <a:rPr lang="de-DE" sz="1600" dirty="0">
-                <a:latin typeface="Segoe UI" panose="020B0502040204020203" pitchFamily="34" charset="0"/>
-              </a:rPr>
-              <a:t> S., </a:t>
-            </a:r>
-            <a:r>
-              <a:rPr lang="de-DE" sz="1600" dirty="0" err="1">
-                <a:latin typeface="Segoe UI" panose="020B0502040204020203" pitchFamily="34" charset="0"/>
-              </a:rPr>
-              <a:t>Krishnamurthy</a:t>
-            </a:r>
-            <a:r>
-              <a:rPr lang="de-DE" sz="1600" dirty="0">
-                <a:latin typeface="Segoe UI" panose="020B0502040204020203" pitchFamily="34" charset="0"/>
-              </a:rPr>
-              <a:t> P., </a:t>
-            </a:r>
-            <a:r>
-              <a:rPr lang="de-DE" sz="1600" dirty="0" err="1">
-                <a:latin typeface="Segoe UI" panose="020B0502040204020203" pitchFamily="34" charset="0"/>
-              </a:rPr>
-              <a:t>Sproull</a:t>
-            </a:r>
-            <a:r>
-              <a:rPr lang="de-DE" sz="1600" dirty="0">
-                <a:latin typeface="Segoe UI" panose="020B0502040204020203" pitchFamily="34" charset="0"/>
-              </a:rPr>
-              <a:t> T., and Lockwood J. 2003. Deep packet </a:t>
-            </a:r>
-            <a:r>
-              <a:rPr lang="de-DE" sz="1600" dirty="0" err="1">
-                <a:latin typeface="Segoe UI" panose="020B0502040204020203" pitchFamily="34" charset="0"/>
-              </a:rPr>
-              <a:t>inspection</a:t>
-            </a:r>
-            <a:r>
-              <a:rPr lang="de-DE" sz="1600" dirty="0">
-                <a:latin typeface="Segoe UI" panose="020B0502040204020203" pitchFamily="34" charset="0"/>
-              </a:rPr>
-              <a:t> </a:t>
-            </a:r>
-            <a:r>
-              <a:rPr lang="de-DE" sz="1600" dirty="0" err="1">
-                <a:latin typeface="Segoe UI" panose="020B0502040204020203" pitchFamily="34" charset="0"/>
-              </a:rPr>
-              <a:t>using</a:t>
-            </a:r>
-            <a:r>
-              <a:rPr lang="de-DE" sz="1600" dirty="0">
-                <a:latin typeface="Segoe UI" panose="020B0502040204020203" pitchFamily="34" charset="0"/>
-              </a:rPr>
-              <a:t> parallel Bloom </a:t>
-            </a:r>
-            <a:r>
-              <a:rPr lang="de-DE" sz="1600" dirty="0" err="1">
-                <a:latin typeface="Segoe UI" panose="020B0502040204020203" pitchFamily="34" charset="0"/>
-              </a:rPr>
-              <a:t>filters</a:t>
-            </a:r>
-            <a:r>
-              <a:rPr lang="de-DE" sz="1600" dirty="0">
-                <a:latin typeface="Segoe UI" panose="020B0502040204020203" pitchFamily="34" charset="0"/>
-              </a:rPr>
-              <a:t>. In </a:t>
-            </a:r>
-            <a:r>
-              <a:rPr lang="de-DE" sz="1600" i="1" dirty="0">
-                <a:latin typeface="Segoe UI" panose="020B0502040204020203" pitchFamily="34" charset="0"/>
-              </a:rPr>
-              <a:t>11th Symposium on High Performance </a:t>
-            </a:r>
-            <a:r>
-              <a:rPr lang="de-DE" sz="1600" i="1" dirty="0" err="1">
-                <a:latin typeface="Segoe UI" panose="020B0502040204020203" pitchFamily="34" charset="0"/>
-              </a:rPr>
-              <a:t>Interconnects</a:t>
-            </a:r>
-            <a:r>
-              <a:rPr lang="de-DE" sz="1600" i="1" dirty="0">
-                <a:latin typeface="Segoe UI" panose="020B0502040204020203" pitchFamily="34" charset="0"/>
-              </a:rPr>
-              <a:t>, 2003. Proceedings</a:t>
-            </a:r>
-            <a:r>
-              <a:rPr lang="de-DE" sz="1600" i="0" dirty="0">
-                <a:latin typeface="Segoe UI" panose="020B0502040204020203" pitchFamily="34" charset="0"/>
-              </a:rPr>
-              <a:t>, 44–51. DOI: </a:t>
-            </a:r>
-            <a:r>
-              <a:rPr lang="en-US" sz="1600" dirty="0">
-                <a:latin typeface="Segoe UI" panose="020B0502040204020203" pitchFamily="34" charset="0"/>
-                <a:hlinkClick r:id="rId5"/>
-              </a:rPr>
-              <a:t>https://</a:t>
-            </a:r>
-            <a:r>
-              <a:rPr lang="de-DE" sz="1600" dirty="0">
-                <a:latin typeface="Segoe UI" panose="020B0502040204020203" pitchFamily="34" charset="0"/>
-                <a:hlinkClick r:id="rId5"/>
-              </a:rPr>
-              <a:t>doi.org/</a:t>
-            </a:r>
-            <a:r>
-              <a:rPr lang="de-DE" sz="1600" i="0" dirty="0">
-                <a:latin typeface="Segoe UI" panose="020B0502040204020203" pitchFamily="34" charset="0"/>
-                <a:hlinkClick r:id="rId5"/>
-              </a:rPr>
-              <a:t>10.1109/CONECT.2003.1231477</a:t>
-            </a:r>
-            <a:endParaRPr lang="de-DE" altLang="de-DE" sz="1600" dirty="0">
-              <a:latin typeface="Segoe UI" panose="020B0502040204020203" pitchFamily="34" charset="0"/>
-              <a:cs typeface="Segoe UI" panose="020B0502040204020203" pitchFamily="34" charset="0"/>
-            </a:endParaRPr>
-          </a:p>
-          <a:p>
-            <a:pPr marL="285750" indent="-285750">
-              <a:buFont typeface="Arial" panose="020B0604020202020204" pitchFamily="34" charset="0"/>
-              <a:buChar char="•"/>
-            </a:pPr>
-            <a:endParaRPr kumimoji="0" lang="de-DE" altLang="de-DE" sz="3600" b="0" i="0" u="none" strike="noStrike" cap="none" normalizeH="0" baseline="0" dirty="0">
-              <a:ln>
-                <a:noFill/>
-              </a:ln>
-              <a:solidFill>
-                <a:schemeClr val="tx1"/>
-              </a:solidFill>
-              <a:effectLst/>
-              <a:latin typeface="Arial" panose="020B0604020202020204" pitchFamily="34" charset="0"/>
-            </a:endParaRPr>
-          </a:p>
-          <a:p>
-            <a:pPr marL="285750" indent="-285750">
-              <a:buFont typeface="Arial" panose="020B0604020202020204" pitchFamily="34" charset="0"/>
-              <a:buChar char="•"/>
-            </a:pPr>
-            <a:endParaRPr lang="en-US" sz="1600" i="0" dirty="0">
-              <a:latin typeface="Segoe UI" panose="020B0502040204020203" pitchFamily="34" charset="0"/>
-            </a:endParaRPr>
-          </a:p>
-          <a:p>
-            <a:pPr marL="285750" indent="-285750">
-              <a:buFont typeface="Arial" panose="020B0604020202020204" pitchFamily="34" charset="0"/>
-              <a:buChar char="•"/>
-            </a:pPr>
-            <a:endParaRPr lang="en-US" sz="1600" i="0" dirty="0">
-              <a:latin typeface="Segoe UI" panose="020B0502040204020203" pitchFamily="34" charset="0"/>
-            </a:endParaRPr>
-          </a:p>
-        </p:txBody>
-      </p:sp>
+      </p:pic>
     </p:spTree>
     <p:extLst>
       <p:ext uri="{BB962C8B-B14F-4D97-AF65-F5344CB8AC3E}">
-        <p14:creationId xmlns:p14="http://schemas.microsoft.com/office/powerpoint/2010/main" val="3916588754"/>
+        <p14:creationId xmlns:p14="http://schemas.microsoft.com/office/powerpoint/2010/main" val="3942968119"/>
       </p:ext>
     </p:extLst>
   </p:cSld>
@@ -14090,7 +13111,7 @@
         <p:spPr>
           <a:xfrm>
             <a:off x="611560" y="1419622"/>
-            <a:ext cx="8064896" cy="5724644"/>
+            <a:ext cx="8064896" cy="2800767"/>
           </a:xfrm>
           <a:prstGeom prst="rect">
             <a:avLst/>
@@ -14111,71 +13132,20 @@
               <a:rPr lang="en-US" sz="1600" dirty="0">
                 <a:latin typeface="Segoe UI" panose="020B0502040204020203" pitchFamily="34" charset="0"/>
               </a:rPr>
-              <a:t>[15] </a:t>
-            </a:r>
-            <a:r>
-              <a:rPr lang="en-US" sz="1600" dirty="0" err="1">
-                <a:latin typeface="Segoe UI" panose="020B0502040204020203" pitchFamily="34" charset="0"/>
-              </a:rPr>
-              <a:t>Gremillion</a:t>
-            </a:r>
-            <a:r>
-              <a:rPr lang="en-US" sz="1600" dirty="0">
-                <a:latin typeface="Segoe UI" panose="020B0502040204020203" pitchFamily="34" charset="0"/>
-              </a:rPr>
-              <a:t>, L. L. 1982. Designing a Bloom Filter for Differential File Access. </a:t>
-            </a:r>
-            <a:r>
-              <a:rPr lang="en-US" sz="1600" i="1" dirty="0" err="1">
-                <a:latin typeface="Segoe UI" panose="020B0502040204020203" pitchFamily="34" charset="0"/>
-              </a:rPr>
-              <a:t>Commun</a:t>
+              <a:t>[1] Burton H. Bloom, 1970, Space/time trade-offs in hash coding with allowable errors, </a:t>
             </a:r>
             <a:r>
               <a:rPr lang="en-US" sz="1600" i="1" dirty="0">
                 <a:latin typeface="Segoe UI" panose="020B0502040204020203" pitchFamily="34" charset="0"/>
               </a:rPr>
-              <a:t>. ACM</a:t>
+              <a:t>Communications of the ACM</a:t>
             </a:r>
             <a:r>
               <a:rPr lang="en-US" sz="1600" i="0" dirty="0">
                 <a:latin typeface="Segoe UI" panose="020B0502040204020203" pitchFamily="34" charset="0"/>
               </a:rPr>
-              <a:t> 25, 9, 600–604. </a:t>
-            </a:r>
-            <a:r>
-              <a:rPr lang="en-US" sz="1600" i="0" dirty="0">
-                <a:latin typeface="Segoe UI" panose="020B0502040204020203" pitchFamily="34" charset="0"/>
-                <a:cs typeface="Segoe UI" panose="020B0502040204020203" pitchFamily="34" charset="0"/>
-              </a:rPr>
-              <a:t>DOI: </a:t>
-            </a:r>
-            <a:r>
-              <a:rPr kumimoji="0" lang="de-DE" altLang="de-DE" sz="1600" b="0" i="0" u="none" strike="noStrike" cap="none" normalizeH="0" baseline="0" dirty="0">
-                <a:ln>
-                  <a:noFill/>
-                </a:ln>
-                <a:solidFill>
-                  <a:schemeClr val="tx1"/>
-                </a:solidFill>
-                <a:effectLst/>
-                <a:latin typeface="Segoe UI" panose="020B0502040204020203" pitchFamily="34" charset="0"/>
-                <a:cs typeface="Segoe UI" panose="020B0502040204020203" pitchFamily="34" charset="0"/>
-                <a:hlinkClick r:id="rId2"/>
-              </a:rPr>
-              <a:t>https://doi.org/10.1145/358628.358632</a:t>
-            </a:r>
-            <a:endParaRPr kumimoji="0" lang="de-DE" altLang="de-DE" sz="1600" b="0" i="0" u="none" strike="noStrike" cap="none" normalizeH="0" baseline="0" dirty="0">
-              <a:ln>
-                <a:noFill/>
-              </a:ln>
-              <a:solidFill>
-                <a:schemeClr val="tx1"/>
-              </a:solidFill>
-              <a:effectLst/>
-              <a:latin typeface="Segoe UI" panose="020B0502040204020203" pitchFamily="34" charset="0"/>
-              <a:cs typeface="Segoe UI" panose="020B0502040204020203" pitchFamily="34" charset="0"/>
-            </a:endParaRPr>
+              <a:t> 13, Issue 7, 422–426. DOI: https://doi.org/10.1145/362686.362692.</a:t>
+            </a:r>
           </a:p>
           <a:p>
             <a:pPr marL="285750" indent="-285750">
@@ -14183,115 +13153,59 @@
               <a:buChar char="•"/>
             </a:pPr>
             <a:r>
-              <a:rPr lang="de-DE" altLang="de-DE" sz="1600" dirty="0">
-                <a:latin typeface="Segoe UI" panose="020B0502040204020203" pitchFamily="34" charset="0"/>
-                <a:cs typeface="Segoe UI" panose="020B0502040204020203" pitchFamily="34" charset="0"/>
-              </a:rPr>
-              <a:t>[16] </a:t>
-            </a:r>
-            <a:r>
-              <a:rPr lang="de-DE" sz="1600" dirty="0" err="1">
-                <a:latin typeface="Segoe UI" panose="020B0502040204020203" pitchFamily="34" charset="0"/>
-              </a:rPr>
-              <a:t>Murugan</a:t>
-            </a:r>
-            <a:r>
-              <a:rPr lang="de-DE" sz="1600" dirty="0">
-                <a:latin typeface="Segoe UI" panose="020B0502040204020203" pitchFamily="34" charset="0"/>
-              </a:rPr>
-              <a:t>, S., </a:t>
-            </a:r>
-            <a:r>
-              <a:rPr lang="de-DE" sz="1600" dirty="0" err="1">
-                <a:latin typeface="Segoe UI" panose="020B0502040204020203" pitchFamily="34" charset="0"/>
-              </a:rPr>
-              <a:t>Bakthavatchalam</a:t>
-            </a:r>
-            <a:r>
-              <a:rPr lang="de-DE" sz="1600" dirty="0">
-                <a:latin typeface="Segoe UI" panose="020B0502040204020203" pitchFamily="34" charset="0"/>
-              </a:rPr>
-              <a:t>, T. A., and </a:t>
-            </a:r>
-            <a:r>
-              <a:rPr lang="de-DE" sz="1600" dirty="0" err="1">
-                <a:latin typeface="Segoe UI" panose="020B0502040204020203" pitchFamily="34" charset="0"/>
-              </a:rPr>
-              <a:t>Sankarasubbu</a:t>
-            </a:r>
-            <a:r>
-              <a:rPr lang="de-DE" sz="1600" dirty="0">
-                <a:latin typeface="Segoe UI" panose="020B0502040204020203" pitchFamily="34" charset="0"/>
-              </a:rPr>
-              <a:t>, M. 2020. </a:t>
-            </a:r>
-            <a:r>
-              <a:rPr lang="de-DE" sz="1600" dirty="0" err="1">
-                <a:latin typeface="Segoe UI" panose="020B0502040204020203" pitchFamily="34" charset="0"/>
-              </a:rPr>
-              <a:t>SymSpell</a:t>
-            </a:r>
-            <a:r>
-              <a:rPr lang="de-DE" sz="1600" dirty="0">
-                <a:latin typeface="Segoe UI" panose="020B0502040204020203" pitchFamily="34" charset="0"/>
-              </a:rPr>
-              <a:t> and LSTM </a:t>
-            </a:r>
-            <a:r>
-              <a:rPr lang="de-DE" sz="1600" dirty="0" err="1">
-                <a:latin typeface="Segoe UI" panose="020B0502040204020203" pitchFamily="34" charset="0"/>
-              </a:rPr>
-              <a:t>based</a:t>
-            </a:r>
-            <a:r>
-              <a:rPr lang="de-DE" sz="1600" dirty="0">
-                <a:latin typeface="Segoe UI" panose="020B0502040204020203" pitchFamily="34" charset="0"/>
-              </a:rPr>
-              <a:t> </a:t>
-            </a:r>
-            <a:r>
-              <a:rPr lang="de-DE" sz="1600" dirty="0" err="1">
-                <a:latin typeface="Segoe UI" panose="020B0502040204020203" pitchFamily="34" charset="0"/>
-              </a:rPr>
-              <a:t>Spell</a:t>
-            </a:r>
-            <a:r>
-              <a:rPr lang="de-DE" sz="1600" dirty="0">
-                <a:latin typeface="Segoe UI" panose="020B0502040204020203" pitchFamily="34" charset="0"/>
-              </a:rPr>
-              <a:t>-Checkers </a:t>
-            </a:r>
-            <a:r>
-              <a:rPr lang="de-DE" sz="1600" dirty="0" err="1">
-                <a:latin typeface="Segoe UI" panose="020B0502040204020203" pitchFamily="34" charset="0"/>
-              </a:rPr>
-              <a:t>for</a:t>
-            </a:r>
-            <a:r>
-              <a:rPr lang="de-DE" sz="1600" dirty="0">
-                <a:latin typeface="Segoe UI" panose="020B0502040204020203" pitchFamily="34" charset="0"/>
-              </a:rPr>
-              <a:t> Tamil.</a:t>
-            </a:r>
-            <a:r>
-              <a:rPr lang="de-DE" sz="1600" dirty="0">
-                <a:latin typeface="Segoe UI" panose="020B0502040204020203" pitchFamily="34" charset="0"/>
-                <a:cs typeface="Segoe UI" panose="020B0502040204020203" pitchFamily="34" charset="0"/>
-              </a:rPr>
-              <a:t> </a:t>
-            </a:r>
-            <a:r>
-              <a:rPr lang="de-DE" sz="1600" dirty="0">
-                <a:latin typeface="Segoe UI" panose="020B0502040204020203" pitchFamily="34" charset="0"/>
-                <a:cs typeface="Segoe UI" panose="020B0502040204020203" pitchFamily="34" charset="0"/>
-                <a:hlinkClick r:id="rId3"/>
-              </a:rPr>
-              <a:t>http://uttamam.org/papers/20_17.pdf</a:t>
-            </a:r>
-            <a:endParaRPr lang="de-DE" sz="1600" dirty="0">
-              <a:latin typeface="Segoe UI" panose="020B0502040204020203" pitchFamily="34" charset="0"/>
-              <a:cs typeface="Segoe UI" panose="020B0502040204020203" pitchFamily="34" charset="0"/>
-            </a:endParaRPr>
+              <a:rPr lang="en-US" sz="1600" dirty="0">
+                <a:latin typeface="Segoe UI" panose="020B0502040204020203" pitchFamily="34" charset="0"/>
+              </a:rPr>
+              <a:t>[2] </a:t>
+            </a:r>
+            <a:r>
+              <a:rPr lang="en-US" sz="1600" dirty="0" err="1">
+                <a:latin typeface="Segoe UI" panose="020B0502040204020203" pitchFamily="34" charset="0"/>
+              </a:rPr>
+              <a:t>Saibal</a:t>
+            </a:r>
+            <a:r>
+              <a:rPr lang="en-US" sz="1600" dirty="0">
+                <a:latin typeface="Segoe UI" panose="020B0502040204020203" pitchFamily="34" charset="0"/>
+              </a:rPr>
+              <a:t> Kumar Pal and Puneet Sardana, 2012, BLOOM FILTERS &amp; THEIR APPLICATIONS, </a:t>
+            </a:r>
+            <a:r>
+              <a:rPr lang="en-US" sz="1600" i="1" dirty="0">
+                <a:latin typeface="Segoe UI" panose="020B0502040204020203" pitchFamily="34" charset="0"/>
+              </a:rPr>
+              <a:t>International Journal of Computer Applications Technology and Research</a:t>
+            </a:r>
+            <a:r>
+              <a:rPr lang="en-US" sz="1600" i="0" dirty="0">
+                <a:latin typeface="Segoe UI" panose="020B0502040204020203" pitchFamily="34" charset="0"/>
+              </a:rPr>
+              <a:t> 1, 25–29. </a:t>
+            </a:r>
+            <a:r>
+              <a:rPr lang="en-US" sz="1600" dirty="0">
+                <a:latin typeface="Segoe UI" panose="020B0502040204020203" pitchFamily="34" charset="0"/>
+              </a:rPr>
+              <a:t>DOI: https://doi.org/10.7753/2012.1006</a:t>
+            </a:r>
+            <a:r>
+              <a:rPr lang="en-US" sz="1600" i="0" dirty="0">
+                <a:latin typeface="Segoe UI" panose="020B0502040204020203" pitchFamily="34" charset="0"/>
+              </a:rPr>
+              <a:t> https://ui.adsabs.harvard.edu/</a:t>
+            </a:r>
+            <a:r>
+              <a:rPr lang="en-US" sz="1600" i="0" dirty="0" err="1">
+                <a:latin typeface="Segoe UI" panose="020B0502040204020203" pitchFamily="34" charset="0"/>
+              </a:rPr>
+              <a:t>link_gateway</a:t>
+            </a:r>
+            <a:r>
+              <a:rPr lang="en-US" sz="1600" i="0" dirty="0">
+                <a:latin typeface="Segoe UI" panose="020B0502040204020203" pitchFamily="34" charset="0"/>
+              </a:rPr>
+              <a:t>/2012IJCAT...1...25P/doi:10.7753/2012.1006</a:t>
+            </a:r>
           </a:p>
           <a:p>
             <a:pPr marL="285750" indent="-285750">
@@ -14299,48 +13213,40 @@
               <a:buChar char="•"/>
             </a:pPr>
             <a:r>
-              <a:rPr kumimoji="0" lang="de-DE" altLang="de-DE" sz="1600" b="0" i="0" u="none" strike="noStrike" cap="none" normalizeH="0" baseline="0" dirty="0">
-                <a:ln>
-                  <a:noFill/>
-                </a:ln>
-                <a:solidFill>
-                  <a:schemeClr val="tx1"/>
-                </a:solidFill>
-                <a:effectLst/>
-                <a:latin typeface="Segoe UI" panose="020B0502040204020203" pitchFamily="34" charset="0"/>
-                <a:cs typeface="Segoe UI" panose="020B0502040204020203" pitchFamily="34" charset="0"/>
-              </a:rPr>
-              <a:t>[17] </a:t>
+              <a:rPr lang="de-DE" sz="1600" dirty="0">
+                <a:latin typeface="Segoe UI" panose="020B0502040204020203" pitchFamily="34" charset="0"/>
+              </a:rPr>
+              <a:t>[3] </a:t>
             </a:r>
             <a:r>
               <a:rPr lang="de-DE" sz="1600" dirty="0" err="1">
                 <a:latin typeface="Segoe UI" panose="020B0502040204020203" pitchFamily="34" charset="0"/>
               </a:rPr>
-              <a:t>Dharmapurikar</a:t>
+              <a:t>Ripon</a:t>
             </a:r>
             <a:r>
               <a:rPr lang="de-DE" sz="1600" dirty="0">
                 <a:latin typeface="Segoe UI" panose="020B0502040204020203" pitchFamily="34" charset="0"/>
               </a:rPr>
-              <a:t>, S., </a:t>
+              <a:t> </a:t>
             </a:r>
             <a:r>
               <a:rPr lang="de-DE" sz="1600" dirty="0" err="1">
                 <a:latin typeface="Segoe UI" panose="020B0502040204020203" pitchFamily="34" charset="0"/>
               </a:rPr>
-              <a:t>Krishnamurthy</a:t>
+              <a:t>Patgiri</a:t>
             </a:r>
             <a:r>
               <a:rPr lang="de-DE" sz="1600" dirty="0">
                 <a:latin typeface="Segoe UI" panose="020B0502040204020203" pitchFamily="34" charset="0"/>
               </a:rPr>
-              <a:t>, P., and Taylor, D. E. 2003. </a:t>
+              <a:t>, </a:t>
             </a:r>
             <a:r>
               <a:rPr lang="de-DE" sz="1600" dirty="0" err="1">
                 <a:latin typeface="Segoe UI" panose="020B0502040204020203" pitchFamily="34" charset="0"/>
               </a:rPr>
-              <a:t>Longest</a:t>
+              <a:t>Sabuzima</a:t>
             </a:r>
             <a:r>
               <a:rPr lang="de-DE" sz="1600" dirty="0">
@@ -14352,318 +13258,91 @@
               <a:rPr lang="de-DE" sz="1600" dirty="0" err="1">
                 <a:latin typeface="Segoe UI" panose="020B0502040204020203" pitchFamily="34" charset="0"/>
               </a:rPr>
-              <a:t>Prefix</a:t>
+              <a:t>Nayak</a:t>
             </a:r>
             <a:r>
               <a:rPr lang="de-DE" sz="1600" dirty="0">
                 <a:latin typeface="Segoe UI" panose="020B0502040204020203" pitchFamily="34" charset="0"/>
               </a:rPr>
-              <a:t> </a:t>
+              <a:t>, and Samir </a:t>
             </a:r>
             <a:r>
               <a:rPr lang="de-DE" sz="1600" dirty="0" err="1">
                 <a:latin typeface="Segoe UI" panose="020B0502040204020203" pitchFamily="34" charset="0"/>
               </a:rPr>
-              <a:t>Matching</a:t>
+              <a:t>Borgohain</a:t>
             </a:r>
             <a:r>
               <a:rPr lang="de-DE" sz="1600" dirty="0">
                 <a:latin typeface="Segoe UI" panose="020B0502040204020203" pitchFamily="34" charset="0"/>
               </a:rPr>
-              <a:t> </a:t>
+              <a:t>. 2018. </a:t>
             </a:r>
             <a:r>
               <a:rPr lang="de-DE" sz="1600" dirty="0" err="1">
                 <a:latin typeface="Segoe UI" panose="020B0502040204020203" pitchFamily="34" charset="0"/>
               </a:rPr>
-              <a:t>Using</a:t>
+              <a:t>Preventing</a:t>
             </a:r>
             <a:r>
               <a:rPr lang="de-DE" sz="1600" dirty="0">
                 <a:latin typeface="Segoe UI" panose="020B0502040204020203" pitchFamily="34" charset="0"/>
               </a:rPr>
-              <a:t> Bloom Filters. In </a:t>
+              <a:t> DDoS </a:t>
+            </a:r>
+            <a:r>
+              <a:rPr lang="de-DE" sz="1600" dirty="0" err="1">
+                <a:latin typeface="Segoe UI" panose="020B0502040204020203" pitchFamily="34" charset="0"/>
+              </a:rPr>
+              <a:t>using</a:t>
+            </a:r>
+            <a:r>
+              <a:rPr lang="de-DE" sz="1600" dirty="0">
+                <a:latin typeface="Segoe UI" panose="020B0502040204020203" pitchFamily="34" charset="0"/>
+              </a:rPr>
+              <a:t> Bloom Filter: A Survey. </a:t>
             </a:r>
             <a:r>
               <a:rPr lang="de-DE" sz="1600" i="1" dirty="0">
                 <a:latin typeface="Segoe UI" panose="020B0502040204020203" pitchFamily="34" charset="0"/>
               </a:rPr>
-              <a:t>Proceedings </a:t>
+              <a:t>ICST Transactions on </a:t>
             </a:r>
             <a:r>
               <a:rPr lang="de-DE" sz="1600" i="1" dirty="0" err="1">
                 <a:latin typeface="Segoe UI" panose="020B0502040204020203" pitchFamily="34" charset="0"/>
               </a:rPr>
-              <a:t>of</a:t>
+              <a:t>Scalable</a:t>
             </a:r>
             <a:r>
               <a:rPr lang="de-DE" sz="1600" i="1" dirty="0">
                 <a:latin typeface="Segoe UI" panose="020B0502040204020203" pitchFamily="34" charset="0"/>
               </a:rPr>
-              <a:t> </a:t>
-            </a:r>
-            <a:r>
-              <a:rPr lang="de-DE" sz="1600" i="1" dirty="0" err="1">
-                <a:latin typeface="Segoe UI" panose="020B0502040204020203" pitchFamily="34" charset="0"/>
-              </a:rPr>
-              <a:t>the</a:t>
-            </a:r>
-            <a:r>
-              <a:rPr lang="de-DE" sz="1600" i="1" dirty="0">
-                <a:latin typeface="Segoe UI" panose="020B0502040204020203" pitchFamily="34" charset="0"/>
-              </a:rPr>
-              <a:t> 2003 Conference on </a:t>
-            </a:r>
-            <a:r>
-              <a:rPr lang="de-DE" sz="1600" i="1" dirty="0" err="1">
-                <a:latin typeface="Segoe UI" panose="020B0502040204020203" pitchFamily="34" charset="0"/>
-              </a:rPr>
-              <a:t>Applications</a:t>
-            </a:r>
-            <a:r>
-              <a:rPr lang="de-DE" sz="1600" i="1" dirty="0">
-                <a:latin typeface="Segoe UI" panose="020B0502040204020203" pitchFamily="34" charset="0"/>
-              </a:rPr>
-              <a:t>, Technologies, </a:t>
-            </a:r>
-            <a:r>
-              <a:rPr lang="de-DE" sz="1600" i="1" dirty="0" err="1">
-                <a:latin typeface="Segoe UI" panose="020B0502040204020203" pitchFamily="34" charset="0"/>
-              </a:rPr>
-              <a:t>Architectures</a:t>
-            </a:r>
-            <a:r>
-              <a:rPr lang="de-DE" sz="1600" i="1" dirty="0">
-                <a:latin typeface="Segoe UI" panose="020B0502040204020203" pitchFamily="34" charset="0"/>
-              </a:rPr>
-              <a:t>, and </a:t>
-            </a:r>
-            <a:r>
-              <a:rPr lang="de-DE" sz="1600" i="1" dirty="0" err="1">
-                <a:latin typeface="Segoe UI" panose="020B0502040204020203" pitchFamily="34" charset="0"/>
-              </a:rPr>
-              <a:t>Protocols</a:t>
-            </a:r>
-            <a:r>
-              <a:rPr lang="de-DE" sz="1600" i="1" dirty="0">
-                <a:latin typeface="Segoe UI" panose="020B0502040204020203" pitchFamily="34" charset="0"/>
-              </a:rPr>
-              <a:t> </a:t>
-            </a:r>
-            <a:r>
-              <a:rPr lang="de-DE" sz="1600" i="1" dirty="0" err="1">
-                <a:latin typeface="Segoe UI" panose="020B0502040204020203" pitchFamily="34" charset="0"/>
-              </a:rPr>
-              <a:t>for</a:t>
-            </a:r>
-            <a:r>
-              <a:rPr lang="de-DE" sz="1600" i="1" dirty="0">
-                <a:latin typeface="Segoe UI" panose="020B0502040204020203" pitchFamily="34" charset="0"/>
-              </a:rPr>
-              <a:t> Computer Communications</a:t>
+              <a:t> Information Systems</a:t>
             </a:r>
             <a:r>
               <a:rPr lang="de-DE" sz="1600" i="0" dirty="0">
                 <a:latin typeface="Segoe UI" panose="020B0502040204020203" pitchFamily="34" charset="0"/>
               </a:rPr>
-              <a:t>. SIGCOMM ’03. </a:t>
-            </a:r>
-            <a:r>
-              <a:rPr lang="de-DE" sz="1600" i="0" dirty="0" err="1">
-                <a:latin typeface="Segoe UI" panose="020B0502040204020203" pitchFamily="34" charset="0"/>
-              </a:rPr>
-              <a:t>Association</a:t>
+              <a:t> 5, 19, 155865. DOI: </a:t>
             </a:r>
             <a:r>
               <a:rPr lang="de-DE" sz="1600" i="0" dirty="0">
                 <a:latin typeface="Segoe UI" panose="020B0502040204020203" pitchFamily="34" charset="0"/>
-              </a:rPr>
-              <a:t> </a:t>
-            </a:r>
-            <a:r>
-              <a:rPr lang="de-DE" sz="1600" i="0" dirty="0" err="1">
-                <a:latin typeface="Segoe UI" panose="020B0502040204020203" pitchFamily="34" charset="0"/>
-              </a:rPr>
-              <a:t>for</a:t>
-            </a:r>
-            <a:r>
-              <a:rPr lang="de-DE" sz="1600" i="0" dirty="0">
-                <a:latin typeface="Segoe UI" panose="020B0502040204020203" pitchFamily="34" charset="0"/>
-              </a:rPr>
-              <a:t> Computing Machinery, New York, NY, USA, 201–212. DOI: </a:t>
-            </a:r>
-            <a:r>
-              <a:rPr lang="de-DE" altLang="de-DE" sz="1600" dirty="0">
-                <a:latin typeface="Segoe UI" panose="020B0502040204020203" pitchFamily="34" charset="0"/>
-                <a:cs typeface="Segoe UI" panose="020B0502040204020203" pitchFamily="34" charset="0"/>
-                <a:hlinkClick r:id="rId4"/>
-              </a:rPr>
-              <a:t>https://doi.org/</a:t>
-            </a:r>
-            <a:r>
-              <a:rPr lang="de-DE" sz="1600" i="0" dirty="0">
-                <a:latin typeface="Segoe UI" panose="020B0502040204020203" pitchFamily="34" charset="0"/>
-                <a:hlinkClick r:id="rId4"/>
-              </a:rPr>
-              <a:t>10.1145/863955.863979</a:t>
+                <a:hlinkClick r:id="rId2"/>
+              </a:rPr>
+              <a:t>https://doi.org/10.4108%2Feai.19-6-2018.155865</a:t>
             </a:r>
             <a:endParaRPr lang="de-DE" sz="1600" i="0" dirty="0">
               <a:latin typeface="Segoe UI" panose="020B0502040204020203" pitchFamily="34" charset="0"/>
             </a:endParaRPr>
           </a:p>
-          <a:p>
-            <a:pPr marL="285750" indent="-285750">
-              <a:buFont typeface="Arial" panose="020B0604020202020204" pitchFamily="34" charset="0"/>
-              <a:buChar char="•"/>
-            </a:pPr>
-            <a:r>
-              <a:rPr lang="de-DE" sz="1600" dirty="0">
-                <a:latin typeface="Segoe UI" panose="020B0502040204020203" pitchFamily="34" charset="0"/>
-              </a:rPr>
-              <a:t>[18] </a:t>
-            </a:r>
-            <a:r>
-              <a:rPr lang="en-US" sz="1600" dirty="0">
-                <a:latin typeface="Segoe UI" panose="020B0502040204020203" pitchFamily="34" charset="0"/>
-              </a:rPr>
-              <a:t>Jain, N., Dahlin, M., and </a:t>
-            </a:r>
-            <a:r>
-              <a:rPr lang="en-US" sz="1600" dirty="0" err="1">
-                <a:latin typeface="Segoe UI" panose="020B0502040204020203" pitchFamily="34" charset="0"/>
-              </a:rPr>
-              <a:t>Tewar</a:t>
-            </a:r>
-            <a:r>
-              <a:rPr lang="en-US" sz="1600" dirty="0">
-                <a:latin typeface="Segoe UI" panose="020B0502040204020203" pitchFamily="34" charset="0"/>
-              </a:rPr>
-              <a:t>, R. 2005. Using Bloom Filters to Refine Web Search Results. In </a:t>
-            </a:r>
-            <a:r>
-              <a:rPr lang="en-US" sz="1600" i="1" dirty="0">
-                <a:latin typeface="Segoe UI" panose="020B0502040204020203" pitchFamily="34" charset="0"/>
-              </a:rPr>
-              <a:t>Eighth International Workshop on the Web and Databases (</a:t>
-            </a:r>
-            <a:r>
-              <a:rPr lang="en-US" sz="1600" i="1" dirty="0" err="1">
-                <a:latin typeface="Segoe UI" panose="020B0502040204020203" pitchFamily="34" charset="0"/>
-              </a:rPr>
-              <a:t>WebDB</a:t>
-            </a:r>
-            <a:r>
-              <a:rPr lang="en-US" sz="1600" i="1" dirty="0">
-                <a:latin typeface="Segoe UI" panose="020B0502040204020203" pitchFamily="34" charset="0"/>
-              </a:rPr>
-              <a:t> ’05)</a:t>
-            </a:r>
-            <a:r>
-              <a:rPr lang="en-US" sz="1600" i="0" dirty="0">
-                <a:latin typeface="Segoe UI" panose="020B0502040204020203" pitchFamily="34" charset="0"/>
-              </a:rPr>
-              <a:t>.</a:t>
-            </a:r>
-            <a:r>
-              <a:rPr lang="de-DE" sz="1600" dirty="0">
-                <a:latin typeface="Segoe UI" panose="020B0502040204020203" pitchFamily="34" charset="0"/>
-              </a:rPr>
-              <a:t> https://www.microsoft.com/en-us/research/wp-content/uploads/2017/01/webdb-167.pdf</a:t>
-            </a:r>
-          </a:p>
-          <a:p>
-            <a:pPr marL="285750" indent="-285750">
-              <a:buFont typeface="Arial" panose="020B0604020202020204" pitchFamily="34" charset="0"/>
-              <a:buChar char="•"/>
-            </a:pPr>
-            <a:endParaRPr kumimoji="0" lang="de-DE" altLang="de-DE" sz="1600" b="0" i="0" u="none" strike="noStrike" cap="none" normalizeH="0" baseline="0" dirty="0">
-              <a:ln>
-                <a:noFill/>
-              </a:ln>
-              <a:solidFill>
-                <a:schemeClr val="tx1"/>
-              </a:solidFill>
-              <a:effectLst/>
-              <a:latin typeface="Segoe UI" panose="020B0502040204020203" pitchFamily="34" charset="0"/>
-              <a:cs typeface="Segoe UI" panose="020B0502040204020203" pitchFamily="34" charset="0"/>
-            </a:endParaRPr>
-          </a:p>
-          <a:p>
-            <a:pPr marL="285750" indent="-285750">
-              <a:buFont typeface="Arial" panose="020B0604020202020204" pitchFamily="34" charset="0"/>
-              <a:buChar char="•"/>
-            </a:pPr>
-            <a:endParaRPr lang="de-DE" altLang="de-DE" sz="1600" dirty="0">
-              <a:latin typeface="Segoe UI" panose="020B0502040204020203" pitchFamily="34" charset="0"/>
-              <a:cs typeface="Segoe UI" panose="020B0502040204020203" pitchFamily="34" charset="0"/>
-            </a:endParaRPr>
-          </a:p>
-          <a:p>
-            <a:pPr marL="285750" indent="-285750">
-              <a:buFont typeface="Arial" panose="020B0604020202020204" pitchFamily="34" charset="0"/>
-              <a:buChar char="•"/>
-            </a:pPr>
-            <a:endParaRPr kumimoji="0" lang="de-DE" altLang="de-DE" sz="3600" b="0" i="0" u="none" strike="noStrike" cap="none" normalizeH="0" baseline="0" dirty="0">
-              <a:ln>
-                <a:noFill/>
-              </a:ln>
-              <a:solidFill>
-                <a:schemeClr val="tx1"/>
-              </a:solidFill>
-              <a:effectLst/>
-              <a:latin typeface="Arial" panose="020B0604020202020204" pitchFamily="34" charset="0"/>
-            </a:endParaRPr>
-          </a:p>
-          <a:p>
-            <a:pPr marL="285750" indent="-285750">
-              <a:buFont typeface="Arial" panose="020B0604020202020204" pitchFamily="34" charset="0"/>
-              <a:buChar char="•"/>
-            </a:pPr>
-            <a:endParaRPr lang="de-DE" altLang="de-DE" sz="1600" dirty="0">
-              <a:latin typeface="Segoe UI" panose="020B0502040204020203" pitchFamily="34" charset="0"/>
-              <a:cs typeface="Segoe UI" panose="020B0502040204020203" pitchFamily="34" charset="0"/>
-            </a:endParaRPr>
-          </a:p>
-          <a:p>
-            <a:pPr marL="285750" indent="-285750">
-              <a:buFont typeface="Arial" panose="020B0604020202020204" pitchFamily="34" charset="0"/>
-              <a:buChar char="•"/>
-            </a:pPr>
-            <a:endParaRPr kumimoji="0" lang="de-DE" altLang="de-DE" sz="3600" b="0" i="0" u="none" strike="noStrike" cap="none" normalizeH="0" baseline="0" dirty="0">
-              <a:ln>
-                <a:noFill/>
-              </a:ln>
-              <a:solidFill>
-                <a:schemeClr val="tx1"/>
-              </a:solidFill>
-              <a:effectLst/>
-              <a:latin typeface="Arial" panose="020B0604020202020204" pitchFamily="34" charset="0"/>
-            </a:endParaRPr>
-          </a:p>
-          <a:p>
-            <a:pPr marL="285750" indent="-285750">
-              <a:buFont typeface="Arial" panose="020B0604020202020204" pitchFamily="34" charset="0"/>
-              <a:buChar char="•"/>
-            </a:pPr>
-            <a:endParaRPr lang="en-US" sz="1600" i="0" dirty="0">
-              <a:latin typeface="Segoe UI" panose="020B0502040204020203" pitchFamily="34" charset="0"/>
-            </a:endParaRPr>
-          </a:p>
-          <a:p>
-            <a:pPr marL="285750" indent="-285750">
-              <a:buFont typeface="Arial" panose="020B0604020202020204" pitchFamily="34" charset="0"/>
-              <a:buChar char="•"/>
-            </a:pPr>
-            <a:endParaRPr lang="en-US" sz="1600" i="0" dirty="0">
-              <a:latin typeface="Segoe UI" panose="020B0502040204020203" pitchFamily="34" charset="0"/>
-            </a:endParaRPr>
-          </a:p>
         </p:txBody>
       </p:sp>
     </p:spTree>
     <p:extLst>
       <p:ext uri="{BB962C8B-B14F-4D97-AF65-F5344CB8AC3E}">
-        <p14:creationId xmlns:p14="http://schemas.microsoft.com/office/powerpoint/2010/main" val="3408374900"/>
+        <p14:creationId xmlns:p14="http://schemas.microsoft.com/office/powerpoint/2010/main" val="2718584080"/>
       </p:ext>
     </p:extLst>
   </p:cSld>
@@ -14800,6 +13479,2157 @@
         <p:spPr>
           <a:xfrm>
             <a:off x="611560" y="1419622"/>
+            <a:ext cx="8064896" cy="2800767"/>
+          </a:xfrm>
+          <a:prstGeom prst="rect">
+            <a:avLst/>
+          </a:prstGeom>
+          <a:noFill/>
+        </p:spPr>
+        <p:txBody>
+          <a:bodyPr wrap="square" rtlCol="0">
+            <a:spAutoFit/>
+          </a:bodyPr>
+          <a:lstStyle/>
+          <a:p>
+            <a:pPr marL="285750" indent="-285750">
+              <a:buFont typeface="Arial" panose="020B0604020202020204" pitchFamily="34" charset="0"/>
+              <a:buChar char="•"/>
+            </a:pPr>
+            <a:r>
+              <a:rPr lang="de-DE" sz="1600" dirty="0">
+                <a:latin typeface="Segoe UI" panose="020B0502040204020203" pitchFamily="34" charset="0"/>
+              </a:rPr>
+              <a:t>[4] </a:t>
+            </a:r>
+            <a:r>
+              <a:rPr lang="en-US" sz="1600" dirty="0"/>
+              <a:t>Bloom Filter. </a:t>
+            </a:r>
+            <a:r>
+              <a:rPr lang="en-US" sz="1600" i="1" dirty="0"/>
+              <a:t>Brilliant.org</a:t>
+            </a:r>
+            <a:r>
+              <a:rPr lang="en-US" sz="1600" dirty="0"/>
+              <a:t>. Retrieved 18:02, May 12, 2022, from </a:t>
+            </a:r>
+            <a:r>
+              <a:rPr lang="en-US" sz="1600" dirty="0">
+                <a:hlinkClick r:id="rId2"/>
+              </a:rPr>
+              <a:t>https://brilliant.org/wiki/bloom-filter/</a:t>
+            </a:r>
+            <a:endParaRPr lang="en-US" sz="1600" dirty="0"/>
+          </a:p>
+          <a:p>
+            <a:pPr marL="285750" indent="-285750">
+              <a:buFont typeface="Arial" panose="020B0604020202020204" pitchFamily="34" charset="0"/>
+              <a:buChar char="•"/>
+            </a:pPr>
+            <a:r>
+              <a:rPr lang="en-US" sz="1600" i="0" dirty="0">
+                <a:latin typeface="Segoe UI" panose="020B0502040204020203" pitchFamily="34" charset="0"/>
+              </a:rPr>
+              <a:t>[5] </a:t>
+            </a:r>
+            <a:r>
+              <a:rPr lang="en-US" sz="1600" dirty="0">
+                <a:latin typeface="Segoe UI" panose="020B0502040204020203" pitchFamily="34" charset="0"/>
+              </a:rPr>
+              <a:t>Fabio </a:t>
+            </a:r>
+            <a:r>
+              <a:rPr lang="en-US" sz="1600" dirty="0" err="1">
+                <a:latin typeface="Segoe UI" panose="020B0502040204020203" pitchFamily="34" charset="0"/>
+              </a:rPr>
+              <a:t>Grandi</a:t>
+            </a:r>
+            <a:r>
+              <a:rPr lang="en-US" sz="1600" dirty="0">
+                <a:latin typeface="Segoe UI" panose="020B0502040204020203" pitchFamily="34" charset="0"/>
+              </a:rPr>
+              <a:t>. 2018. On the analysis of Bloom filters. </a:t>
+            </a:r>
+            <a:r>
+              <a:rPr lang="en-US" sz="1600" i="1" dirty="0">
+                <a:latin typeface="Segoe UI" panose="020B0502040204020203" pitchFamily="34" charset="0"/>
+              </a:rPr>
+              <a:t>Information Processing Letters</a:t>
+            </a:r>
+            <a:r>
+              <a:rPr lang="en-US" sz="1600" i="0" dirty="0">
+                <a:latin typeface="Segoe UI" panose="020B0502040204020203" pitchFamily="34" charset="0"/>
+              </a:rPr>
+              <a:t> 129, 35–39. DOI: </a:t>
+            </a:r>
+            <a:r>
+              <a:rPr lang="en-US" sz="1600" i="0" dirty="0">
+                <a:latin typeface="Segoe UI" panose="020B0502040204020203" pitchFamily="34" charset="0"/>
+                <a:hlinkClick r:id="rId3"/>
+              </a:rPr>
+              <a:t>https://doi.org/10.1016/j.ipl.2017.09.004</a:t>
+            </a:r>
+            <a:endParaRPr lang="en-US" sz="1600" i="0" dirty="0">
+              <a:latin typeface="Segoe UI" panose="020B0502040204020203" pitchFamily="34" charset="0"/>
+            </a:endParaRPr>
+          </a:p>
+          <a:p>
+            <a:pPr marL="285750" indent="-285750">
+              <a:buFont typeface="Arial" panose="020B0604020202020204" pitchFamily="34" charset="0"/>
+              <a:buChar char="•"/>
+            </a:pPr>
+            <a:r>
+              <a:rPr lang="en-US" sz="1600" dirty="0">
+                <a:latin typeface="Segoe UI" panose="020B0502040204020203" pitchFamily="34" charset="0"/>
+              </a:rPr>
+              <a:t>[6] Nayak, S. and </a:t>
+            </a:r>
+            <a:r>
+              <a:rPr lang="en-US" sz="1600" dirty="0" err="1">
+                <a:latin typeface="Segoe UI" panose="020B0502040204020203" pitchFamily="34" charset="0"/>
+              </a:rPr>
+              <a:t>Patgiri</a:t>
+            </a:r>
+            <a:r>
+              <a:rPr lang="en-US" sz="1600" dirty="0">
+                <a:latin typeface="Segoe UI" panose="020B0502040204020203" pitchFamily="34" charset="0"/>
+              </a:rPr>
+              <a:t>, R. 2021. </a:t>
+            </a:r>
+            <a:r>
+              <a:rPr lang="en-US" sz="1600" i="1" dirty="0" err="1">
+                <a:latin typeface="Segoe UI" panose="020B0502040204020203" pitchFamily="34" charset="0"/>
+              </a:rPr>
+              <a:t>RobustBF</a:t>
+            </a:r>
+            <a:r>
+              <a:rPr lang="en-US" sz="1600" i="1" dirty="0">
+                <a:latin typeface="Segoe UI" panose="020B0502040204020203" pitchFamily="34" charset="0"/>
+              </a:rPr>
+              <a:t>: A High Accuracy and Memory Efficient 2D Bloom Filter</a:t>
+            </a:r>
+            <a:r>
+              <a:rPr lang="en-US" sz="1600" i="0" dirty="0">
+                <a:latin typeface="Segoe UI" panose="020B0502040204020203" pitchFamily="34" charset="0"/>
+              </a:rPr>
+              <a:t>. DOI: https://doi.org/10.48550/arxiv.2106.04365</a:t>
+            </a:r>
+          </a:p>
+          <a:p>
+            <a:pPr marL="285750" indent="-285750">
+              <a:buFont typeface="Arial" panose="020B0604020202020204" pitchFamily="34" charset="0"/>
+              <a:buChar char="•"/>
+            </a:pPr>
+            <a:r>
+              <a:rPr lang="en-US" sz="1600" dirty="0">
+                <a:latin typeface="Segoe UI" panose="020B0502040204020203" pitchFamily="34" charset="0"/>
+              </a:rPr>
+              <a:t>[7] </a:t>
+            </a:r>
+            <a:r>
+              <a:rPr lang="de-DE" sz="1600" dirty="0">
+                <a:latin typeface="Segoe UI" panose="020B0502040204020203" pitchFamily="34" charset="0"/>
+              </a:rPr>
+              <a:t>Fan, L., Cao, P., Almeida, J., and Broder, A. Z. 1998. Summary Cache: A </a:t>
+            </a:r>
+            <a:r>
+              <a:rPr lang="de-DE" sz="1600" dirty="0" err="1">
+                <a:latin typeface="Segoe UI" panose="020B0502040204020203" pitchFamily="34" charset="0"/>
+              </a:rPr>
+              <a:t>Scalable</a:t>
+            </a:r>
+            <a:r>
+              <a:rPr lang="de-DE" sz="1600" dirty="0">
+                <a:latin typeface="Segoe UI" panose="020B0502040204020203" pitchFamily="34" charset="0"/>
+              </a:rPr>
+              <a:t> Wide-Area Web Cache Sharing Protocol. In </a:t>
+            </a:r>
+            <a:r>
+              <a:rPr lang="de-DE" sz="1600" i="1" dirty="0">
+                <a:latin typeface="Segoe UI" panose="020B0502040204020203" pitchFamily="34" charset="0"/>
+              </a:rPr>
+              <a:t>Proceedings </a:t>
+            </a:r>
+            <a:r>
+              <a:rPr lang="de-DE" sz="1600" i="1" dirty="0" err="1">
+                <a:latin typeface="Segoe UI" panose="020B0502040204020203" pitchFamily="34" charset="0"/>
+              </a:rPr>
+              <a:t>of</a:t>
+            </a:r>
+            <a:r>
+              <a:rPr lang="de-DE" sz="1600" i="1" dirty="0">
+                <a:latin typeface="Segoe UI" panose="020B0502040204020203" pitchFamily="34" charset="0"/>
+              </a:rPr>
+              <a:t> </a:t>
+            </a:r>
+            <a:r>
+              <a:rPr lang="de-DE" sz="1600" i="1" dirty="0" err="1">
+                <a:latin typeface="Segoe UI" panose="020B0502040204020203" pitchFamily="34" charset="0"/>
+              </a:rPr>
+              <a:t>the</a:t>
+            </a:r>
+            <a:r>
+              <a:rPr lang="de-DE" sz="1600" i="1" dirty="0">
+                <a:latin typeface="Segoe UI" panose="020B0502040204020203" pitchFamily="34" charset="0"/>
+              </a:rPr>
+              <a:t> ACM SIGCOMM ’98 Conference on </a:t>
+            </a:r>
+            <a:r>
+              <a:rPr lang="de-DE" sz="1600" i="1" dirty="0" err="1">
+                <a:latin typeface="Segoe UI" panose="020B0502040204020203" pitchFamily="34" charset="0"/>
+              </a:rPr>
+              <a:t>Applications</a:t>
+            </a:r>
+            <a:r>
+              <a:rPr lang="de-DE" sz="1600" i="1" dirty="0">
+                <a:latin typeface="Segoe UI" panose="020B0502040204020203" pitchFamily="34" charset="0"/>
+              </a:rPr>
+              <a:t>, Technologies, </a:t>
+            </a:r>
+            <a:r>
+              <a:rPr lang="de-DE" sz="1600" i="1" dirty="0" err="1">
+                <a:latin typeface="Segoe UI" panose="020B0502040204020203" pitchFamily="34" charset="0"/>
+              </a:rPr>
+              <a:t>Architectures</a:t>
+            </a:r>
+            <a:r>
+              <a:rPr lang="de-DE" sz="1600" i="1" dirty="0">
+                <a:latin typeface="Segoe UI" panose="020B0502040204020203" pitchFamily="34" charset="0"/>
+              </a:rPr>
+              <a:t>, and </a:t>
+            </a:r>
+            <a:r>
+              <a:rPr lang="de-DE" sz="1600" i="1" dirty="0" err="1">
+                <a:latin typeface="Segoe UI" panose="020B0502040204020203" pitchFamily="34" charset="0"/>
+              </a:rPr>
+              <a:t>Protocols</a:t>
+            </a:r>
+            <a:r>
+              <a:rPr lang="de-DE" sz="1600" i="1" dirty="0">
+                <a:latin typeface="Segoe UI" panose="020B0502040204020203" pitchFamily="34" charset="0"/>
+              </a:rPr>
+              <a:t> </a:t>
+            </a:r>
+            <a:r>
+              <a:rPr lang="de-DE" sz="1600" i="1" dirty="0" err="1">
+                <a:latin typeface="Segoe UI" panose="020B0502040204020203" pitchFamily="34" charset="0"/>
+              </a:rPr>
+              <a:t>for</a:t>
+            </a:r>
+            <a:r>
+              <a:rPr lang="de-DE" sz="1600" i="1" dirty="0">
+                <a:latin typeface="Segoe UI" panose="020B0502040204020203" pitchFamily="34" charset="0"/>
+              </a:rPr>
+              <a:t> Computer Communication</a:t>
+            </a:r>
+            <a:r>
+              <a:rPr lang="de-DE" sz="1600" i="0" dirty="0">
+                <a:latin typeface="Segoe UI" panose="020B0502040204020203" pitchFamily="34" charset="0"/>
+              </a:rPr>
+              <a:t>. SIGCOMM ’98. </a:t>
+            </a:r>
+            <a:r>
+              <a:rPr lang="de-DE" sz="1600" i="0" dirty="0" err="1">
+                <a:latin typeface="Segoe UI" panose="020B0502040204020203" pitchFamily="34" charset="0"/>
+              </a:rPr>
+              <a:t>Association</a:t>
+            </a:r>
+            <a:r>
+              <a:rPr lang="de-DE" sz="1600" i="0" dirty="0">
+                <a:latin typeface="Segoe UI" panose="020B0502040204020203" pitchFamily="34" charset="0"/>
+              </a:rPr>
+              <a:t> </a:t>
+            </a:r>
+            <a:r>
+              <a:rPr lang="de-DE" sz="1600" i="0" dirty="0" err="1">
+                <a:latin typeface="Segoe UI" panose="020B0502040204020203" pitchFamily="34" charset="0"/>
+              </a:rPr>
+              <a:t>for</a:t>
+            </a:r>
+            <a:r>
+              <a:rPr lang="de-DE" sz="1600" i="0" dirty="0">
+                <a:latin typeface="Segoe UI" panose="020B0502040204020203" pitchFamily="34" charset="0"/>
+              </a:rPr>
+              <a:t> Computing Machinery, New York, NY, USA, 254–265. DOI:</a:t>
+            </a:r>
+            <a:r>
+              <a:rPr lang="en-US" sz="1600" i="0" dirty="0">
+                <a:latin typeface="Segoe UI" panose="020B0502040204020203" pitchFamily="34" charset="0"/>
+              </a:rPr>
+              <a:t> https://doi.org/</a:t>
+            </a:r>
+            <a:r>
+              <a:rPr lang="de-DE" sz="1600" i="0" dirty="0">
+                <a:latin typeface="Segoe UI" panose="020B0502040204020203" pitchFamily="34" charset="0"/>
+              </a:rPr>
+              <a:t>10.1145/285237.285287</a:t>
+            </a:r>
+          </a:p>
+        </p:txBody>
+      </p:sp>
+    </p:spTree>
+    <p:extLst>
+      <p:ext uri="{BB962C8B-B14F-4D97-AF65-F5344CB8AC3E}">
+        <p14:creationId xmlns:p14="http://schemas.microsoft.com/office/powerpoint/2010/main" val="1092689422"/>
+      </p:ext>
+    </p:extLst>
+  </p:cSld>
+  <p:clrMapOvr>
+    <a:masterClrMapping/>
+  </p:clrMapOvr>
+</p:sld>
+</file>
+
+<file path=ppt/slides/slide34.xml><?xml version="1.0" encoding="utf-8"?>
+<p:sld xmlns:a="http://schemas.openxmlformats.org/drawingml/2006/main" xmlns:r="http://schemas.openxmlformats.org/officeDocument/2006/relationships" xmlns:p="http://schemas.openxmlformats.org/presentationml/2006/main">
+  <p:cSld>
+    <p:spTree>
+      <p:nvGrpSpPr>
+        <p:cNvPr id="1" name=""/>
+        <p:cNvGrpSpPr/>
+        <p:nvPr/>
+      </p:nvGrpSpPr>
+      <p:grpSpPr>
+        <a:xfrm>
+          <a:off x="0" y="0"/>
+          <a:ext cx="0" cy="0"/>
+          <a:chOff x="0" y="0"/>
+          <a:chExt cx="0" cy="0"/>
+        </a:xfrm>
+      </p:grpSpPr>
+      <p:sp>
+        <p:nvSpPr>
+          <p:cNvPr id="6" name="Foliennummernplatzhalter 5"/>
+          <p:cNvSpPr>
+            <a:spLocks noGrp="1"/>
+          </p:cNvSpPr>
+          <p:nvPr>
+            <p:ph type="sldNum" sz="quarter" idx="4"/>
+          </p:nvPr>
+        </p:nvSpPr>
+        <p:spPr/>
+        <p:txBody>
+          <a:bodyPr/>
+          <a:lstStyle/>
+          <a:p>
+            <a:fld id="{F9CA7F02-FF28-4D8F-AF3B-6C950C783A54}" type="slidenum">
+              <a:rPr lang="de-DE" smtClean="0"/>
+              <a:pPr/>
+              <a:t>34</a:t>
+            </a:fld>
+            <a:endParaRPr lang="de-DE"/>
+          </a:p>
+        </p:txBody>
+      </p:sp>
+      <p:sp>
+        <p:nvSpPr>
+          <p:cNvPr id="3" name="Titel 2"/>
+          <p:cNvSpPr>
+            <a:spLocks noGrp="1"/>
+          </p:cNvSpPr>
+          <p:nvPr>
+            <p:ph type="title"/>
+          </p:nvPr>
+        </p:nvSpPr>
+        <p:spPr/>
+        <p:txBody>
+          <a:bodyPr/>
+          <a:lstStyle/>
+          <a:p>
+            <a:r>
+              <a:rPr lang="de-DE" dirty="0"/>
+              <a:t>BLOOM-FILTER</a:t>
+            </a:r>
+          </a:p>
+        </p:txBody>
+      </p:sp>
+      <p:sp>
+        <p:nvSpPr>
+          <p:cNvPr id="4" name="Inhaltsplatzhalter 3"/>
+          <p:cNvSpPr>
+            <a:spLocks noGrp="1"/>
+          </p:cNvSpPr>
+          <p:nvPr>
+            <p:ph sz="quarter" idx="13"/>
+          </p:nvPr>
+        </p:nvSpPr>
+        <p:spPr>
+          <a:xfrm>
+            <a:off x="936000" y="699542"/>
+            <a:ext cx="7308000" cy="429622"/>
+          </a:xfrm>
+        </p:spPr>
+        <p:txBody>
+          <a:bodyPr/>
+          <a:lstStyle/>
+          <a:p>
+            <a:r>
+              <a:rPr lang="de-DE" dirty="0"/>
+              <a:t>Quellen</a:t>
+            </a:r>
+          </a:p>
+        </p:txBody>
+      </p:sp>
+      <p:sp>
+        <p:nvSpPr>
+          <p:cNvPr id="7" name="Fußzeilenplatzhalter 6"/>
+          <p:cNvSpPr>
+            <a:spLocks noGrp="1"/>
+          </p:cNvSpPr>
+          <p:nvPr>
+            <p:ph type="ftr" sz="quarter" idx="3"/>
+          </p:nvPr>
+        </p:nvSpPr>
+        <p:spPr/>
+        <p:txBody>
+          <a:bodyPr/>
+          <a:lstStyle/>
+          <a:p>
+            <a:r>
+              <a:rPr lang="de-DE" dirty="0"/>
+              <a:t>TU Bergakademie Freiberg | Vortragender: Florian Schierz | 2022</a:t>
+            </a:r>
+          </a:p>
+        </p:txBody>
+      </p:sp>
+      <p:sp>
+        <p:nvSpPr>
+          <p:cNvPr id="11" name="Textfeld 10">
+            <a:extLst>
+              <a:ext uri="{FF2B5EF4-FFF2-40B4-BE49-F238E27FC236}">
+                <a16:creationId xmlns:a16="http://schemas.microsoft.com/office/drawing/2014/main" id="{AED7FCD8-3C56-4B11-ADA2-B181B3B96684}"/>
+              </a:ext>
+            </a:extLst>
+          </p:cNvPr>
+          <p:cNvSpPr txBox="1"/>
+          <p:nvPr/>
+        </p:nvSpPr>
+        <p:spPr>
+          <a:xfrm>
+            <a:off x="611560" y="1419622"/>
+            <a:ext cx="8064896" cy="2554545"/>
+          </a:xfrm>
+          <a:prstGeom prst="rect">
+            <a:avLst/>
+          </a:prstGeom>
+          <a:noFill/>
+        </p:spPr>
+        <p:txBody>
+          <a:bodyPr wrap="square" rtlCol="0">
+            <a:spAutoFit/>
+          </a:bodyPr>
+          <a:lstStyle/>
+          <a:p>
+            <a:pPr marL="285750" indent="-285750">
+              <a:buFont typeface="Arial" panose="020B0604020202020204" pitchFamily="34" charset="0"/>
+              <a:buChar char="•"/>
+            </a:pPr>
+            <a:r>
+              <a:rPr lang="en-US" sz="1600" dirty="0">
+                <a:latin typeface="Segoe UI" panose="020B0502040204020203" pitchFamily="34" charset="0"/>
+              </a:rPr>
+              <a:t>[8] </a:t>
+            </a:r>
+            <a:r>
+              <a:rPr lang="de-DE" sz="1600" dirty="0">
+                <a:latin typeface="Segoe UI" panose="020B0502040204020203" pitchFamily="34" charset="0"/>
+              </a:rPr>
+              <a:t>Rottenstreich Ori, </a:t>
+            </a:r>
+            <a:r>
+              <a:rPr lang="de-DE" sz="1600" dirty="0" err="1">
+                <a:latin typeface="Segoe UI" panose="020B0502040204020203" pitchFamily="34" charset="0"/>
+              </a:rPr>
+              <a:t>Kanizo</a:t>
+            </a:r>
+            <a:r>
+              <a:rPr lang="de-DE" sz="1600" dirty="0">
+                <a:latin typeface="Segoe UI" panose="020B0502040204020203" pitchFamily="34" charset="0"/>
+              </a:rPr>
+              <a:t> Yossi, and </a:t>
+            </a:r>
+            <a:r>
+              <a:rPr lang="de-DE" sz="1600" dirty="0" err="1">
+                <a:latin typeface="Segoe UI" panose="020B0502040204020203" pitchFamily="34" charset="0"/>
+              </a:rPr>
+              <a:t>Keslassy</a:t>
+            </a:r>
+            <a:r>
+              <a:rPr lang="de-DE" sz="1600" dirty="0">
+                <a:latin typeface="Segoe UI" panose="020B0502040204020203" pitchFamily="34" charset="0"/>
+              </a:rPr>
+              <a:t> Isaac. 2014. The Variable-</a:t>
+            </a:r>
+            <a:r>
+              <a:rPr lang="de-DE" sz="1600" dirty="0" err="1">
+                <a:latin typeface="Segoe UI" panose="020B0502040204020203" pitchFamily="34" charset="0"/>
+              </a:rPr>
+              <a:t>Increment</a:t>
+            </a:r>
+            <a:r>
+              <a:rPr lang="de-DE" sz="1600" dirty="0">
+                <a:latin typeface="Segoe UI" panose="020B0502040204020203" pitchFamily="34" charset="0"/>
+              </a:rPr>
+              <a:t> </a:t>
+            </a:r>
+            <a:r>
+              <a:rPr lang="de-DE" sz="1600" dirty="0" err="1">
+                <a:latin typeface="Segoe UI" panose="020B0502040204020203" pitchFamily="34" charset="0"/>
+              </a:rPr>
+              <a:t>Counting</a:t>
+            </a:r>
+            <a:r>
+              <a:rPr lang="de-DE" sz="1600" dirty="0">
+                <a:latin typeface="Segoe UI" panose="020B0502040204020203" pitchFamily="34" charset="0"/>
+              </a:rPr>
+              <a:t> Bloom Filter. </a:t>
+            </a:r>
+            <a:r>
+              <a:rPr lang="de-DE" sz="1600" i="1" dirty="0">
+                <a:latin typeface="Segoe UI" panose="020B0502040204020203" pitchFamily="34" charset="0"/>
+              </a:rPr>
+              <a:t>IEEE/ACM Trans. Networking</a:t>
+            </a:r>
+            <a:r>
+              <a:rPr lang="de-DE" sz="1600" i="0" dirty="0">
+                <a:latin typeface="Segoe UI" panose="020B0502040204020203" pitchFamily="34" charset="0"/>
+              </a:rPr>
+              <a:t> 22, 4, 1092–1105. DOI: </a:t>
+            </a:r>
+            <a:r>
+              <a:rPr lang="de-DE" sz="1600" i="0" dirty="0">
+                <a:latin typeface="Segoe UI" panose="020B0502040204020203" pitchFamily="34" charset="0"/>
+                <a:hlinkClick r:id="rId2"/>
+              </a:rPr>
+              <a:t>https://doi.org/</a:t>
+            </a:r>
+            <a:r>
+              <a:rPr lang="de-DE" sz="1600" dirty="0">
+                <a:hlinkClick r:id="rId2"/>
+              </a:rPr>
+              <a:t>10.1109/TNET.2013.2272604</a:t>
+            </a:r>
+            <a:endParaRPr lang="de-DE" sz="1600" dirty="0"/>
+          </a:p>
+          <a:p>
+            <a:pPr marL="285750" indent="-285750">
+              <a:buFont typeface="Arial" panose="020B0604020202020204" pitchFamily="34" charset="0"/>
+              <a:buChar char="•"/>
+            </a:pPr>
+            <a:r>
+              <a:rPr lang="en-US" sz="1600" dirty="0">
+                <a:latin typeface="Segoe UI" panose="020B0502040204020203" pitchFamily="34" charset="0"/>
+              </a:rPr>
+              <a:t>[9] Rothenberg, C., </a:t>
+            </a:r>
+            <a:r>
+              <a:rPr lang="en-US" sz="1600" dirty="0" err="1">
+                <a:latin typeface="Segoe UI" panose="020B0502040204020203" pitchFamily="34" charset="0"/>
+              </a:rPr>
+              <a:t>Macapuna</a:t>
+            </a:r>
+            <a:r>
+              <a:rPr lang="en-US" sz="1600" dirty="0">
+                <a:latin typeface="Segoe UI" panose="020B0502040204020203" pitchFamily="34" charset="0"/>
+              </a:rPr>
+              <a:t>, C., Verdi, F., and </a:t>
+            </a:r>
+            <a:r>
+              <a:rPr lang="en-US" sz="1600" dirty="0" err="1">
+                <a:latin typeface="Segoe UI" panose="020B0502040204020203" pitchFamily="34" charset="0"/>
+              </a:rPr>
+              <a:t>Magalhaes</a:t>
+            </a:r>
+            <a:r>
+              <a:rPr lang="en-US" sz="1600" dirty="0">
+                <a:latin typeface="Segoe UI" panose="020B0502040204020203" pitchFamily="34" charset="0"/>
+              </a:rPr>
+              <a:t>, M. 2010. The </a:t>
+            </a:r>
+            <a:r>
+              <a:rPr lang="en-US" sz="1600" dirty="0" err="1">
+                <a:latin typeface="Segoe UI" panose="020B0502040204020203" pitchFamily="34" charset="0"/>
+              </a:rPr>
+              <a:t>deletable</a:t>
+            </a:r>
+            <a:r>
+              <a:rPr lang="en-US" sz="1600" dirty="0">
+                <a:latin typeface="Segoe UI" panose="020B0502040204020203" pitchFamily="34" charset="0"/>
+              </a:rPr>
+              <a:t> Bloom filter: a new member of the Bloom family. </a:t>
+            </a:r>
+            <a:r>
+              <a:rPr lang="en-US" sz="1600" i="1" dirty="0">
+                <a:latin typeface="Segoe UI" panose="020B0502040204020203" pitchFamily="34" charset="0"/>
+              </a:rPr>
+              <a:t>IEEE </a:t>
+            </a:r>
+            <a:r>
+              <a:rPr lang="en-US" sz="1600" i="1" dirty="0" err="1">
+                <a:latin typeface="Segoe UI" panose="020B0502040204020203" pitchFamily="34" charset="0"/>
+              </a:rPr>
+              <a:t>Commun</a:t>
+            </a:r>
+            <a:r>
+              <a:rPr lang="en-US" sz="1600" i="1" dirty="0">
+                <a:latin typeface="Segoe UI" panose="020B0502040204020203" pitchFamily="34" charset="0"/>
+              </a:rPr>
+              <a:t>. Lett.</a:t>
+            </a:r>
+            <a:r>
+              <a:rPr lang="en-US" sz="1600" i="0" dirty="0">
+                <a:latin typeface="Segoe UI" panose="020B0502040204020203" pitchFamily="34" charset="0"/>
+              </a:rPr>
+              <a:t> 14, 6, 557–559. DOI: </a:t>
+            </a:r>
+            <a:r>
+              <a:rPr lang="en-US" sz="1600" i="0" dirty="0">
+                <a:latin typeface="Segoe UI" panose="020B0502040204020203" pitchFamily="34" charset="0"/>
+                <a:hlinkClick r:id="rId3"/>
+              </a:rPr>
+              <a:t>https://</a:t>
+            </a:r>
+            <a:r>
+              <a:rPr lang="de-DE" sz="1600" i="0" dirty="0">
+                <a:latin typeface="Segoe UI" panose="020B0502040204020203" pitchFamily="34" charset="0"/>
+                <a:hlinkClick r:id="rId3"/>
+              </a:rPr>
+              <a:t>doi.org/</a:t>
+            </a:r>
+            <a:r>
+              <a:rPr lang="de-DE" sz="1600" dirty="0">
+                <a:hlinkClick r:id="rId3"/>
+              </a:rPr>
+              <a:t>10.1109/LCOMM.2010.06.100344</a:t>
+            </a:r>
+            <a:endParaRPr lang="de-DE" sz="1600" dirty="0"/>
+          </a:p>
+          <a:p>
+            <a:pPr marL="285750" indent="-285750">
+              <a:buFont typeface="Arial" panose="020B0604020202020204" pitchFamily="34" charset="0"/>
+              <a:buChar char="•"/>
+            </a:pPr>
+            <a:r>
+              <a:rPr lang="de-DE" sz="1600" dirty="0">
+                <a:latin typeface="Segoe UI" panose="020B0502040204020203" pitchFamily="34" charset="0"/>
+              </a:rPr>
+              <a:t>[10] </a:t>
+            </a:r>
+            <a:r>
+              <a:rPr lang="en-US" sz="1600" dirty="0">
+                <a:latin typeface="Segoe UI" panose="020B0502040204020203" pitchFamily="34" charset="0"/>
+              </a:rPr>
+              <a:t>Rhea S.C. and </a:t>
+            </a:r>
+            <a:r>
+              <a:rPr lang="en-US" sz="1600" dirty="0" err="1">
+                <a:latin typeface="Segoe UI" panose="020B0502040204020203" pitchFamily="34" charset="0"/>
+              </a:rPr>
+              <a:t>Kubiatowicz</a:t>
+            </a:r>
+            <a:r>
+              <a:rPr lang="en-US" sz="1600" dirty="0">
+                <a:latin typeface="Segoe UI" panose="020B0502040204020203" pitchFamily="34" charset="0"/>
+              </a:rPr>
+              <a:t> J. 2002. Probabilistic location and routing. In </a:t>
+            </a:r>
+            <a:r>
+              <a:rPr lang="en-US" sz="1600" i="1" dirty="0" err="1">
+                <a:latin typeface="Segoe UI" panose="020B0502040204020203" pitchFamily="34" charset="0"/>
+              </a:rPr>
+              <a:t>Proceedings.Twenty</a:t>
+            </a:r>
+            <a:r>
+              <a:rPr lang="en-US" sz="1600" i="1" dirty="0">
+                <a:latin typeface="Segoe UI" panose="020B0502040204020203" pitchFamily="34" charset="0"/>
+              </a:rPr>
+              <a:t>-First Annual Joint Conference of the IEEE Computer and Communications Societies</a:t>
+            </a:r>
+            <a:r>
+              <a:rPr lang="en-US" sz="1600" i="0" dirty="0">
+                <a:latin typeface="Segoe UI" panose="020B0502040204020203" pitchFamily="34" charset="0"/>
+              </a:rPr>
+              <a:t>, 1248-1257 vol.3. DOI: </a:t>
+            </a:r>
+            <a:r>
+              <a:rPr lang="en-US" sz="1600" dirty="0">
+                <a:latin typeface="Segoe UI" panose="020B0502040204020203" pitchFamily="34" charset="0"/>
+                <a:hlinkClick r:id="rId4"/>
+              </a:rPr>
+              <a:t>https://</a:t>
+            </a:r>
+            <a:r>
+              <a:rPr lang="de-DE" sz="1600" dirty="0">
+                <a:latin typeface="Segoe UI" panose="020B0502040204020203" pitchFamily="34" charset="0"/>
+                <a:hlinkClick r:id="rId4"/>
+              </a:rPr>
+              <a:t>doi.org/</a:t>
+            </a:r>
+            <a:r>
+              <a:rPr lang="en-US" sz="1600" i="0" dirty="0">
+                <a:latin typeface="Segoe UI" panose="020B0502040204020203" pitchFamily="34" charset="0"/>
+                <a:hlinkClick r:id="rId4"/>
+              </a:rPr>
+              <a:t>10.1109/INFCOM.2002.1019375</a:t>
+            </a:r>
+            <a:endParaRPr lang="en-US" sz="1600" i="0" dirty="0">
+              <a:latin typeface="Segoe UI" panose="020B0502040204020203" pitchFamily="34" charset="0"/>
+            </a:endParaRPr>
+          </a:p>
+        </p:txBody>
+      </p:sp>
+    </p:spTree>
+    <p:extLst>
+      <p:ext uri="{BB962C8B-B14F-4D97-AF65-F5344CB8AC3E}">
+        <p14:creationId xmlns:p14="http://schemas.microsoft.com/office/powerpoint/2010/main" val="2790701121"/>
+      </p:ext>
+    </p:extLst>
+  </p:cSld>
+  <p:clrMapOvr>
+    <a:masterClrMapping/>
+  </p:clrMapOvr>
+</p:sld>
+</file>
+
+<file path=ppt/slides/slide35.xml><?xml version="1.0" encoding="utf-8"?>
+<p:sld xmlns:a="http://schemas.openxmlformats.org/drawingml/2006/main" xmlns:r="http://schemas.openxmlformats.org/officeDocument/2006/relationships" xmlns:p="http://schemas.openxmlformats.org/presentationml/2006/main">
+  <p:cSld>
+    <p:spTree>
+      <p:nvGrpSpPr>
+        <p:cNvPr id="1" name=""/>
+        <p:cNvGrpSpPr/>
+        <p:nvPr/>
+      </p:nvGrpSpPr>
+      <p:grpSpPr>
+        <a:xfrm>
+          <a:off x="0" y="0"/>
+          <a:ext cx="0" cy="0"/>
+          <a:chOff x="0" y="0"/>
+          <a:chExt cx="0" cy="0"/>
+        </a:xfrm>
+      </p:grpSpPr>
+      <p:sp>
+        <p:nvSpPr>
+          <p:cNvPr id="6" name="Foliennummernplatzhalter 5"/>
+          <p:cNvSpPr>
+            <a:spLocks noGrp="1"/>
+          </p:cNvSpPr>
+          <p:nvPr>
+            <p:ph type="sldNum" sz="quarter" idx="4"/>
+          </p:nvPr>
+        </p:nvSpPr>
+        <p:spPr/>
+        <p:txBody>
+          <a:bodyPr/>
+          <a:lstStyle/>
+          <a:p>
+            <a:fld id="{F9CA7F02-FF28-4D8F-AF3B-6C950C783A54}" type="slidenum">
+              <a:rPr lang="de-DE" smtClean="0"/>
+              <a:pPr/>
+              <a:t>35</a:t>
+            </a:fld>
+            <a:endParaRPr lang="de-DE"/>
+          </a:p>
+        </p:txBody>
+      </p:sp>
+      <p:sp>
+        <p:nvSpPr>
+          <p:cNvPr id="3" name="Titel 2"/>
+          <p:cNvSpPr>
+            <a:spLocks noGrp="1"/>
+          </p:cNvSpPr>
+          <p:nvPr>
+            <p:ph type="title"/>
+          </p:nvPr>
+        </p:nvSpPr>
+        <p:spPr/>
+        <p:txBody>
+          <a:bodyPr/>
+          <a:lstStyle/>
+          <a:p>
+            <a:r>
+              <a:rPr lang="de-DE" dirty="0"/>
+              <a:t>BLOOM-FILTER</a:t>
+            </a:r>
+          </a:p>
+        </p:txBody>
+      </p:sp>
+      <p:sp>
+        <p:nvSpPr>
+          <p:cNvPr id="4" name="Inhaltsplatzhalter 3"/>
+          <p:cNvSpPr>
+            <a:spLocks noGrp="1"/>
+          </p:cNvSpPr>
+          <p:nvPr>
+            <p:ph sz="quarter" idx="13"/>
+          </p:nvPr>
+        </p:nvSpPr>
+        <p:spPr>
+          <a:xfrm>
+            <a:off x="936000" y="699542"/>
+            <a:ext cx="7308000" cy="429622"/>
+          </a:xfrm>
+        </p:spPr>
+        <p:txBody>
+          <a:bodyPr/>
+          <a:lstStyle/>
+          <a:p>
+            <a:r>
+              <a:rPr lang="de-DE" dirty="0"/>
+              <a:t>Quellen</a:t>
+            </a:r>
+          </a:p>
+        </p:txBody>
+      </p:sp>
+      <p:sp>
+        <p:nvSpPr>
+          <p:cNvPr id="7" name="Fußzeilenplatzhalter 6"/>
+          <p:cNvSpPr>
+            <a:spLocks noGrp="1"/>
+          </p:cNvSpPr>
+          <p:nvPr>
+            <p:ph type="ftr" sz="quarter" idx="3"/>
+          </p:nvPr>
+        </p:nvSpPr>
+        <p:spPr/>
+        <p:txBody>
+          <a:bodyPr/>
+          <a:lstStyle/>
+          <a:p>
+            <a:r>
+              <a:rPr lang="de-DE" dirty="0"/>
+              <a:t>TU Bergakademie Freiberg | Vortragender: Florian Schierz | 2022</a:t>
+            </a:r>
+          </a:p>
+        </p:txBody>
+      </p:sp>
+      <p:sp>
+        <p:nvSpPr>
+          <p:cNvPr id="11" name="Textfeld 10">
+            <a:extLst>
+              <a:ext uri="{FF2B5EF4-FFF2-40B4-BE49-F238E27FC236}">
+                <a16:creationId xmlns:a16="http://schemas.microsoft.com/office/drawing/2014/main" id="{AED7FCD8-3C56-4B11-ADA2-B181B3B96684}"/>
+              </a:ext>
+            </a:extLst>
+          </p:cNvPr>
+          <p:cNvSpPr txBox="1"/>
+          <p:nvPr/>
+        </p:nvSpPr>
+        <p:spPr>
+          <a:xfrm>
+            <a:off x="611560" y="1419622"/>
+            <a:ext cx="8064896" cy="4339650"/>
+          </a:xfrm>
+          <a:prstGeom prst="rect">
+            <a:avLst/>
+          </a:prstGeom>
+          <a:noFill/>
+        </p:spPr>
+        <p:txBody>
+          <a:bodyPr wrap="square" rtlCol="0">
+            <a:spAutoFit/>
+          </a:bodyPr>
+          <a:lstStyle/>
+          <a:p>
+            <a:pPr marL="285750" indent="-285750">
+              <a:buFont typeface="Arial" panose="020B0604020202020204" pitchFamily="34" charset="0"/>
+              <a:buChar char="•"/>
+            </a:pPr>
+            <a:r>
+              <a:rPr lang="en-US" sz="1600" dirty="0">
+                <a:latin typeface="Segoe UI" panose="020B0502040204020203" pitchFamily="34" charset="0"/>
+              </a:rPr>
+              <a:t>[11] Whitaker A. and </a:t>
+            </a:r>
+            <a:r>
+              <a:rPr lang="en-US" sz="1600" dirty="0" err="1">
+                <a:latin typeface="Segoe UI" panose="020B0502040204020203" pitchFamily="34" charset="0"/>
+              </a:rPr>
+              <a:t>Wetherall</a:t>
+            </a:r>
+            <a:r>
+              <a:rPr lang="en-US" sz="1600" dirty="0">
+                <a:latin typeface="Segoe UI" panose="020B0502040204020203" pitchFamily="34" charset="0"/>
+              </a:rPr>
+              <a:t> D. 2002. Forwarding without loops in Icarus. In </a:t>
+            </a:r>
+            <a:r>
+              <a:rPr lang="en-US" sz="1600" i="1" dirty="0">
+                <a:latin typeface="Segoe UI" panose="020B0502040204020203" pitchFamily="34" charset="0"/>
+              </a:rPr>
+              <a:t>2002 IEEE Open Architectures and Network Programming Proceedings. OPENARCH 2002 (Cat. No.02EX571)</a:t>
+            </a:r>
+            <a:r>
+              <a:rPr lang="en-US" sz="1600" i="0" dirty="0">
+                <a:latin typeface="Segoe UI" panose="020B0502040204020203" pitchFamily="34" charset="0"/>
+              </a:rPr>
+              <a:t>, 63–75. DOI: </a:t>
+            </a:r>
+            <a:r>
+              <a:rPr lang="en-US" sz="1600" dirty="0">
+                <a:latin typeface="Segoe UI" panose="020B0502040204020203" pitchFamily="34" charset="0"/>
+                <a:hlinkClick r:id="rId2"/>
+              </a:rPr>
+              <a:t>https://</a:t>
+            </a:r>
+            <a:r>
+              <a:rPr lang="de-DE" sz="1600" dirty="0">
+                <a:latin typeface="Segoe UI" panose="020B0502040204020203" pitchFamily="34" charset="0"/>
+                <a:hlinkClick r:id="rId2"/>
+              </a:rPr>
+              <a:t>doi.org/</a:t>
+            </a:r>
+            <a:r>
+              <a:rPr lang="en-US" sz="1600" i="0" dirty="0">
+                <a:latin typeface="Segoe UI" panose="020B0502040204020203" pitchFamily="34" charset="0"/>
+                <a:hlinkClick r:id="rId2"/>
+              </a:rPr>
+              <a:t>10.1109/OPNARC.2002.1019229</a:t>
+            </a:r>
+            <a:endParaRPr lang="en-US" sz="1600" i="0" dirty="0">
+              <a:latin typeface="Segoe UI" panose="020B0502040204020203" pitchFamily="34" charset="0"/>
+            </a:endParaRPr>
+          </a:p>
+          <a:p>
+            <a:pPr marL="285750" indent="-285750">
+              <a:buFont typeface="Arial" panose="020B0604020202020204" pitchFamily="34" charset="0"/>
+              <a:buChar char="•"/>
+            </a:pPr>
+            <a:r>
+              <a:rPr lang="de-DE" sz="1600" dirty="0">
+                <a:latin typeface="Segoe UI" panose="020B0502040204020203" pitchFamily="34" charset="0"/>
+              </a:rPr>
+              <a:t>[12] Laufer Rafael P., </a:t>
+            </a:r>
+            <a:r>
+              <a:rPr lang="de-DE" sz="1600" dirty="0" err="1">
+                <a:latin typeface="Segoe UI" panose="020B0502040204020203" pitchFamily="34" charset="0"/>
+              </a:rPr>
+              <a:t>Velloso</a:t>
+            </a:r>
+            <a:r>
+              <a:rPr lang="de-DE" sz="1600" dirty="0">
+                <a:latin typeface="Segoe UI" panose="020B0502040204020203" pitchFamily="34" charset="0"/>
+              </a:rPr>
+              <a:t> Pedro B., Cunha Daniel de O., </a:t>
+            </a:r>
+            <a:r>
+              <a:rPr lang="de-DE" sz="1600" dirty="0" err="1">
+                <a:latin typeface="Segoe UI" panose="020B0502040204020203" pitchFamily="34" charset="0"/>
+              </a:rPr>
+              <a:t>Moraes</a:t>
+            </a:r>
+            <a:r>
+              <a:rPr lang="de-DE" sz="1600" dirty="0">
+                <a:latin typeface="Segoe UI" panose="020B0502040204020203" pitchFamily="34" charset="0"/>
+              </a:rPr>
+              <a:t> Igor M., </a:t>
+            </a:r>
+            <a:r>
+              <a:rPr lang="de-DE" sz="1600" dirty="0" err="1">
+                <a:latin typeface="Segoe UI" panose="020B0502040204020203" pitchFamily="34" charset="0"/>
+              </a:rPr>
+              <a:t>Bicudo</a:t>
+            </a:r>
+            <a:r>
+              <a:rPr lang="de-DE" sz="1600" dirty="0">
+                <a:latin typeface="Segoe UI" panose="020B0502040204020203" pitchFamily="34" charset="0"/>
+              </a:rPr>
+              <a:t> Marco D.D., Moreira Marcelo D.D., and Duarte Otto Carlos M.B. 2007. </a:t>
+            </a:r>
+            <a:r>
+              <a:rPr lang="de-DE" sz="1600" dirty="0" err="1">
+                <a:latin typeface="Segoe UI" panose="020B0502040204020203" pitchFamily="34" charset="0"/>
+              </a:rPr>
+              <a:t>Towards</a:t>
+            </a:r>
+            <a:r>
+              <a:rPr lang="de-DE" sz="1600" dirty="0">
+                <a:latin typeface="Segoe UI" panose="020B0502040204020203" pitchFamily="34" charset="0"/>
+              </a:rPr>
+              <a:t> </a:t>
+            </a:r>
+            <a:r>
+              <a:rPr lang="de-DE" sz="1600" dirty="0" err="1">
+                <a:latin typeface="Segoe UI" panose="020B0502040204020203" pitchFamily="34" charset="0"/>
+              </a:rPr>
+              <a:t>Stateless</a:t>
+            </a:r>
+            <a:r>
+              <a:rPr lang="de-DE" sz="1600" dirty="0">
+                <a:latin typeface="Segoe UI" panose="020B0502040204020203" pitchFamily="34" charset="0"/>
+              </a:rPr>
+              <a:t> Single-Packet IP </a:t>
+            </a:r>
+            <a:r>
+              <a:rPr lang="de-DE" sz="1600" dirty="0" err="1">
+                <a:latin typeface="Segoe UI" panose="020B0502040204020203" pitchFamily="34" charset="0"/>
+              </a:rPr>
+              <a:t>Traceback</a:t>
+            </a:r>
+            <a:r>
+              <a:rPr lang="de-DE" sz="1600" dirty="0">
+                <a:latin typeface="Segoe UI" panose="020B0502040204020203" pitchFamily="34" charset="0"/>
+              </a:rPr>
+              <a:t>. In </a:t>
+            </a:r>
+            <a:r>
+              <a:rPr lang="de-DE" sz="1600" i="1" dirty="0">
+                <a:latin typeface="Segoe UI" panose="020B0502040204020203" pitchFamily="34" charset="0"/>
+              </a:rPr>
+              <a:t>32nd IEEE Conference on </a:t>
+            </a:r>
+            <a:r>
+              <a:rPr lang="de-DE" sz="1600" i="1" dirty="0" err="1">
+                <a:latin typeface="Segoe UI" panose="020B0502040204020203" pitchFamily="34" charset="0"/>
+              </a:rPr>
+              <a:t>Local</a:t>
+            </a:r>
+            <a:r>
+              <a:rPr lang="de-DE" sz="1600" i="1" dirty="0">
+                <a:latin typeface="Segoe UI" panose="020B0502040204020203" pitchFamily="34" charset="0"/>
+              </a:rPr>
+              <a:t> Computer Networks (LCN 2007)</a:t>
+            </a:r>
+            <a:r>
+              <a:rPr lang="de-DE" sz="1600" i="0" dirty="0">
+                <a:latin typeface="Segoe UI" panose="020B0502040204020203" pitchFamily="34" charset="0"/>
+              </a:rPr>
+              <a:t>, 548–555. DOI: </a:t>
+            </a:r>
+            <a:r>
+              <a:rPr lang="en-US" sz="1600" dirty="0">
+                <a:latin typeface="Segoe UI" panose="020B0502040204020203" pitchFamily="34" charset="0"/>
+                <a:hlinkClick r:id="rId3"/>
+              </a:rPr>
+              <a:t>https://</a:t>
+            </a:r>
+            <a:r>
+              <a:rPr lang="de-DE" sz="1600" dirty="0">
+                <a:latin typeface="Segoe UI" panose="020B0502040204020203" pitchFamily="34" charset="0"/>
+                <a:hlinkClick r:id="rId3"/>
+              </a:rPr>
+              <a:t>doi.org/</a:t>
+            </a:r>
+            <a:r>
+              <a:rPr lang="de-DE" sz="1600" i="0" dirty="0">
+                <a:latin typeface="Segoe UI" panose="020B0502040204020203" pitchFamily="34" charset="0"/>
+                <a:hlinkClick r:id="rId3"/>
+              </a:rPr>
+              <a:t>10.1109/LCN.2007.15</a:t>
+            </a:r>
+            <a:endParaRPr lang="de-DE" sz="1600" i="0" dirty="0">
+              <a:latin typeface="Segoe UI" panose="020B0502040204020203" pitchFamily="34" charset="0"/>
+            </a:endParaRPr>
+          </a:p>
+          <a:p>
+            <a:pPr marL="285750" indent="-285750">
+              <a:buFont typeface="Arial" panose="020B0604020202020204" pitchFamily="34" charset="0"/>
+              <a:buChar char="•"/>
+            </a:pPr>
+            <a:r>
+              <a:rPr lang="de-DE" sz="1600" dirty="0">
+                <a:latin typeface="Segoe UI" panose="020B0502040204020203" pitchFamily="34" charset="0"/>
+                <a:cs typeface="Segoe UI" panose="020B0502040204020203" pitchFamily="34" charset="0"/>
+              </a:rPr>
+              <a:t>[13] </a:t>
+            </a:r>
+            <a:r>
+              <a:rPr lang="en-US" sz="1600" dirty="0">
+                <a:latin typeface="Segoe UI" panose="020B0502040204020203" pitchFamily="34" charset="0"/>
+                <a:cs typeface="Segoe UI" panose="020B0502040204020203" pitchFamily="34" charset="0"/>
+              </a:rPr>
+              <a:t>Wang, J. 1999. A Survey of Web Caching Schemes for the Internet. </a:t>
+            </a:r>
+            <a:r>
+              <a:rPr lang="en-US" sz="1600" i="1" dirty="0">
+                <a:latin typeface="Segoe UI" panose="020B0502040204020203" pitchFamily="34" charset="0"/>
+                <a:cs typeface="Segoe UI" panose="020B0502040204020203" pitchFamily="34" charset="0"/>
+              </a:rPr>
+              <a:t>SIGCOMM </a:t>
+            </a:r>
+            <a:r>
+              <a:rPr lang="en-US" sz="1600" i="1" dirty="0" err="1">
+                <a:latin typeface="Segoe UI" panose="020B0502040204020203" pitchFamily="34" charset="0"/>
+                <a:cs typeface="Segoe UI" panose="020B0502040204020203" pitchFamily="34" charset="0"/>
+              </a:rPr>
+              <a:t>Comput</a:t>
+            </a:r>
+            <a:r>
+              <a:rPr lang="en-US" sz="1600" i="1" dirty="0">
+                <a:latin typeface="Segoe UI" panose="020B0502040204020203" pitchFamily="34" charset="0"/>
+                <a:cs typeface="Segoe UI" panose="020B0502040204020203" pitchFamily="34" charset="0"/>
+              </a:rPr>
+              <a:t>. </a:t>
+            </a:r>
+            <a:r>
+              <a:rPr lang="en-US" sz="1600" i="1" dirty="0" err="1">
+                <a:latin typeface="Segoe UI" panose="020B0502040204020203" pitchFamily="34" charset="0"/>
+                <a:cs typeface="Segoe UI" panose="020B0502040204020203" pitchFamily="34" charset="0"/>
+              </a:rPr>
+              <a:t>Commun</a:t>
+            </a:r>
+            <a:r>
+              <a:rPr lang="en-US" sz="1600" i="1" dirty="0">
+                <a:latin typeface="Segoe UI" panose="020B0502040204020203" pitchFamily="34" charset="0"/>
+                <a:cs typeface="Segoe UI" panose="020B0502040204020203" pitchFamily="34" charset="0"/>
+              </a:rPr>
+              <a:t>. Rev.</a:t>
+            </a:r>
+            <a:r>
+              <a:rPr lang="en-US" sz="1600" i="0" dirty="0">
+                <a:latin typeface="Segoe UI" panose="020B0502040204020203" pitchFamily="34" charset="0"/>
+                <a:cs typeface="Segoe UI" panose="020B0502040204020203" pitchFamily="34" charset="0"/>
+              </a:rPr>
+              <a:t> 29, 5, 36–46. DOI: </a:t>
+            </a:r>
+            <a:r>
+              <a:rPr kumimoji="0" lang="de-DE" altLang="de-DE" sz="1600" b="0" i="0" u="none" strike="noStrike" cap="none" normalizeH="0" baseline="0" dirty="0">
+                <a:ln>
+                  <a:noFill/>
+                </a:ln>
+                <a:solidFill>
+                  <a:schemeClr val="tx1"/>
+                </a:solidFill>
+                <a:effectLst/>
+                <a:latin typeface="Segoe UI" panose="020B0502040204020203" pitchFamily="34" charset="0"/>
+                <a:cs typeface="Segoe UI" panose="020B0502040204020203" pitchFamily="34" charset="0"/>
+                <a:hlinkClick r:id="rId4"/>
+              </a:rPr>
+              <a:t>https://doi.org/10.1145/505696.505701</a:t>
+            </a:r>
+            <a:endParaRPr kumimoji="0" lang="de-DE" altLang="de-DE" sz="1600" b="0" i="0" u="none" strike="noStrike" cap="none" normalizeH="0" baseline="0" dirty="0">
+              <a:ln>
+                <a:noFill/>
+              </a:ln>
+              <a:solidFill>
+                <a:schemeClr val="tx1"/>
+              </a:solidFill>
+              <a:effectLst/>
+              <a:latin typeface="Segoe UI" panose="020B0502040204020203" pitchFamily="34" charset="0"/>
+              <a:cs typeface="Segoe UI" panose="020B0502040204020203" pitchFamily="34" charset="0"/>
+            </a:endParaRPr>
+          </a:p>
+          <a:p>
+            <a:pPr marL="285750" indent="-285750">
+              <a:buFont typeface="Arial" panose="020B0604020202020204" pitchFamily="34" charset="0"/>
+              <a:buChar char="•"/>
+            </a:pPr>
+            <a:r>
+              <a:rPr lang="de-DE" sz="1600" dirty="0">
+                <a:latin typeface="Segoe UI" panose="020B0502040204020203" pitchFamily="34" charset="0"/>
+              </a:rPr>
+              <a:t>[14] </a:t>
+            </a:r>
+            <a:r>
+              <a:rPr lang="de-DE" sz="1600" dirty="0" err="1">
+                <a:latin typeface="Segoe UI" panose="020B0502040204020203" pitchFamily="34" charset="0"/>
+              </a:rPr>
+              <a:t>Dharmapurikar</a:t>
+            </a:r>
+            <a:r>
+              <a:rPr lang="de-DE" sz="1600" dirty="0">
+                <a:latin typeface="Segoe UI" panose="020B0502040204020203" pitchFamily="34" charset="0"/>
+              </a:rPr>
+              <a:t> S., </a:t>
+            </a:r>
+            <a:r>
+              <a:rPr lang="de-DE" sz="1600" dirty="0" err="1">
+                <a:latin typeface="Segoe UI" panose="020B0502040204020203" pitchFamily="34" charset="0"/>
+              </a:rPr>
+              <a:t>Krishnamurthy</a:t>
+            </a:r>
+            <a:r>
+              <a:rPr lang="de-DE" sz="1600" dirty="0">
+                <a:latin typeface="Segoe UI" panose="020B0502040204020203" pitchFamily="34" charset="0"/>
+              </a:rPr>
+              <a:t> P., </a:t>
+            </a:r>
+            <a:r>
+              <a:rPr lang="de-DE" sz="1600" dirty="0" err="1">
+                <a:latin typeface="Segoe UI" panose="020B0502040204020203" pitchFamily="34" charset="0"/>
+              </a:rPr>
+              <a:t>Sproull</a:t>
+            </a:r>
+            <a:r>
+              <a:rPr lang="de-DE" sz="1600" dirty="0">
+                <a:latin typeface="Segoe UI" panose="020B0502040204020203" pitchFamily="34" charset="0"/>
+              </a:rPr>
+              <a:t> T., and Lockwood J. 2003. Deep packet </a:t>
+            </a:r>
+            <a:r>
+              <a:rPr lang="de-DE" sz="1600" dirty="0" err="1">
+                <a:latin typeface="Segoe UI" panose="020B0502040204020203" pitchFamily="34" charset="0"/>
+              </a:rPr>
+              <a:t>inspection</a:t>
+            </a:r>
+            <a:r>
+              <a:rPr lang="de-DE" sz="1600" dirty="0">
+                <a:latin typeface="Segoe UI" panose="020B0502040204020203" pitchFamily="34" charset="0"/>
+              </a:rPr>
+              <a:t> </a:t>
+            </a:r>
+            <a:r>
+              <a:rPr lang="de-DE" sz="1600" dirty="0" err="1">
+                <a:latin typeface="Segoe UI" panose="020B0502040204020203" pitchFamily="34" charset="0"/>
+              </a:rPr>
+              <a:t>using</a:t>
+            </a:r>
+            <a:r>
+              <a:rPr lang="de-DE" sz="1600" dirty="0">
+                <a:latin typeface="Segoe UI" panose="020B0502040204020203" pitchFamily="34" charset="0"/>
+              </a:rPr>
+              <a:t> parallel Bloom </a:t>
+            </a:r>
+            <a:r>
+              <a:rPr lang="de-DE" sz="1600" dirty="0" err="1">
+                <a:latin typeface="Segoe UI" panose="020B0502040204020203" pitchFamily="34" charset="0"/>
+              </a:rPr>
+              <a:t>filters</a:t>
+            </a:r>
+            <a:r>
+              <a:rPr lang="de-DE" sz="1600" dirty="0">
+                <a:latin typeface="Segoe UI" panose="020B0502040204020203" pitchFamily="34" charset="0"/>
+              </a:rPr>
+              <a:t>. In </a:t>
+            </a:r>
+            <a:r>
+              <a:rPr lang="de-DE" sz="1600" i="1" dirty="0">
+                <a:latin typeface="Segoe UI" panose="020B0502040204020203" pitchFamily="34" charset="0"/>
+              </a:rPr>
+              <a:t>11th Symposium on High Performance </a:t>
+            </a:r>
+            <a:r>
+              <a:rPr lang="de-DE" sz="1600" i="1" dirty="0" err="1">
+                <a:latin typeface="Segoe UI" panose="020B0502040204020203" pitchFamily="34" charset="0"/>
+              </a:rPr>
+              <a:t>Interconnects</a:t>
+            </a:r>
+            <a:r>
+              <a:rPr lang="de-DE" sz="1600" i="1" dirty="0">
+                <a:latin typeface="Segoe UI" panose="020B0502040204020203" pitchFamily="34" charset="0"/>
+              </a:rPr>
+              <a:t>, 2003. Proceedings</a:t>
+            </a:r>
+            <a:r>
+              <a:rPr lang="de-DE" sz="1600" i="0" dirty="0">
+                <a:latin typeface="Segoe UI" panose="020B0502040204020203" pitchFamily="34" charset="0"/>
+              </a:rPr>
+              <a:t>, 44–51. DOI: </a:t>
+            </a:r>
+            <a:r>
+              <a:rPr lang="en-US" sz="1600" dirty="0">
+                <a:latin typeface="Segoe UI" panose="020B0502040204020203" pitchFamily="34" charset="0"/>
+                <a:hlinkClick r:id="rId5"/>
+              </a:rPr>
+              <a:t>https://</a:t>
+            </a:r>
+            <a:r>
+              <a:rPr lang="de-DE" sz="1600" dirty="0">
+                <a:latin typeface="Segoe UI" panose="020B0502040204020203" pitchFamily="34" charset="0"/>
+                <a:hlinkClick r:id="rId5"/>
+              </a:rPr>
+              <a:t>doi.org/</a:t>
+            </a:r>
+            <a:r>
+              <a:rPr lang="de-DE" sz="1600" i="0" dirty="0">
+                <a:latin typeface="Segoe UI" panose="020B0502040204020203" pitchFamily="34" charset="0"/>
+                <a:hlinkClick r:id="rId5"/>
+              </a:rPr>
+              <a:t>10.1109/CONECT.2003.1231477</a:t>
+            </a:r>
+            <a:endParaRPr lang="de-DE" altLang="de-DE" sz="1600" dirty="0">
+              <a:latin typeface="Segoe UI" panose="020B0502040204020203" pitchFamily="34" charset="0"/>
+              <a:cs typeface="Segoe UI" panose="020B0502040204020203" pitchFamily="34" charset="0"/>
+            </a:endParaRPr>
+          </a:p>
+          <a:p>
+            <a:pPr marL="285750" indent="-285750">
+              <a:buFont typeface="Arial" panose="020B0604020202020204" pitchFamily="34" charset="0"/>
+              <a:buChar char="•"/>
+            </a:pPr>
+            <a:endParaRPr kumimoji="0" lang="de-DE" altLang="de-DE" sz="3600" b="0" i="0" u="none" strike="noStrike" cap="none" normalizeH="0" baseline="0" dirty="0">
+              <a:ln>
+                <a:noFill/>
+              </a:ln>
+              <a:solidFill>
+                <a:schemeClr val="tx1"/>
+              </a:solidFill>
+              <a:effectLst/>
+              <a:latin typeface="Arial" panose="020B0604020202020204" pitchFamily="34" charset="0"/>
+            </a:endParaRPr>
+          </a:p>
+          <a:p>
+            <a:pPr marL="285750" indent="-285750">
+              <a:buFont typeface="Arial" panose="020B0604020202020204" pitchFamily="34" charset="0"/>
+              <a:buChar char="•"/>
+            </a:pPr>
+            <a:endParaRPr lang="en-US" sz="1600" i="0" dirty="0">
+              <a:latin typeface="Segoe UI" panose="020B0502040204020203" pitchFamily="34" charset="0"/>
+            </a:endParaRPr>
+          </a:p>
+          <a:p>
+            <a:pPr marL="285750" indent="-285750">
+              <a:buFont typeface="Arial" panose="020B0604020202020204" pitchFamily="34" charset="0"/>
+              <a:buChar char="•"/>
+            </a:pPr>
+            <a:endParaRPr lang="en-US" sz="1600" i="0" dirty="0">
+              <a:latin typeface="Segoe UI" panose="020B0502040204020203" pitchFamily="34" charset="0"/>
+            </a:endParaRPr>
+          </a:p>
+        </p:txBody>
+      </p:sp>
+    </p:spTree>
+    <p:extLst>
+      <p:ext uri="{BB962C8B-B14F-4D97-AF65-F5344CB8AC3E}">
+        <p14:creationId xmlns:p14="http://schemas.microsoft.com/office/powerpoint/2010/main" val="3916588754"/>
+      </p:ext>
+    </p:extLst>
+  </p:cSld>
+  <p:clrMapOvr>
+    <a:masterClrMapping/>
+  </p:clrMapOvr>
+</p:sld>
+</file>
+
+<file path=ppt/slides/slide36.xml><?xml version="1.0" encoding="utf-8"?>
+<p:sld xmlns:a="http://schemas.openxmlformats.org/drawingml/2006/main" xmlns:r="http://schemas.openxmlformats.org/officeDocument/2006/relationships" xmlns:p="http://schemas.openxmlformats.org/presentationml/2006/main">
+  <p:cSld>
+    <p:spTree>
+      <p:nvGrpSpPr>
+        <p:cNvPr id="1" name=""/>
+        <p:cNvGrpSpPr/>
+        <p:nvPr/>
+      </p:nvGrpSpPr>
+      <p:grpSpPr>
+        <a:xfrm>
+          <a:off x="0" y="0"/>
+          <a:ext cx="0" cy="0"/>
+          <a:chOff x="0" y="0"/>
+          <a:chExt cx="0" cy="0"/>
+        </a:xfrm>
+      </p:grpSpPr>
+      <p:sp>
+        <p:nvSpPr>
+          <p:cNvPr id="6" name="Foliennummernplatzhalter 5"/>
+          <p:cNvSpPr>
+            <a:spLocks noGrp="1"/>
+          </p:cNvSpPr>
+          <p:nvPr>
+            <p:ph type="sldNum" sz="quarter" idx="4"/>
+          </p:nvPr>
+        </p:nvSpPr>
+        <p:spPr/>
+        <p:txBody>
+          <a:bodyPr/>
+          <a:lstStyle/>
+          <a:p>
+            <a:fld id="{F9CA7F02-FF28-4D8F-AF3B-6C950C783A54}" type="slidenum">
+              <a:rPr lang="de-DE" smtClean="0"/>
+              <a:pPr/>
+              <a:t>36</a:t>
+            </a:fld>
+            <a:endParaRPr lang="de-DE"/>
+          </a:p>
+        </p:txBody>
+      </p:sp>
+      <p:sp>
+        <p:nvSpPr>
+          <p:cNvPr id="3" name="Titel 2"/>
+          <p:cNvSpPr>
+            <a:spLocks noGrp="1"/>
+          </p:cNvSpPr>
+          <p:nvPr>
+            <p:ph type="title"/>
+          </p:nvPr>
+        </p:nvSpPr>
+        <p:spPr/>
+        <p:txBody>
+          <a:bodyPr/>
+          <a:lstStyle/>
+          <a:p>
+            <a:r>
+              <a:rPr lang="de-DE" dirty="0"/>
+              <a:t>BLOOM-FILTER</a:t>
+            </a:r>
+          </a:p>
+        </p:txBody>
+      </p:sp>
+      <p:sp>
+        <p:nvSpPr>
+          <p:cNvPr id="4" name="Inhaltsplatzhalter 3"/>
+          <p:cNvSpPr>
+            <a:spLocks noGrp="1"/>
+          </p:cNvSpPr>
+          <p:nvPr>
+            <p:ph sz="quarter" idx="13"/>
+          </p:nvPr>
+        </p:nvSpPr>
+        <p:spPr>
+          <a:xfrm>
+            <a:off x="936000" y="699542"/>
+            <a:ext cx="7308000" cy="429622"/>
+          </a:xfrm>
+        </p:spPr>
+        <p:txBody>
+          <a:bodyPr/>
+          <a:lstStyle/>
+          <a:p>
+            <a:r>
+              <a:rPr lang="de-DE" dirty="0"/>
+              <a:t>Quellen</a:t>
+            </a:r>
+          </a:p>
+        </p:txBody>
+      </p:sp>
+      <p:sp>
+        <p:nvSpPr>
+          <p:cNvPr id="7" name="Fußzeilenplatzhalter 6"/>
+          <p:cNvSpPr>
+            <a:spLocks noGrp="1"/>
+          </p:cNvSpPr>
+          <p:nvPr>
+            <p:ph type="ftr" sz="quarter" idx="3"/>
+          </p:nvPr>
+        </p:nvSpPr>
+        <p:spPr/>
+        <p:txBody>
+          <a:bodyPr/>
+          <a:lstStyle/>
+          <a:p>
+            <a:r>
+              <a:rPr lang="de-DE" dirty="0"/>
+              <a:t>TU Bergakademie Freiberg | Vortragender: Florian Schierz | 2022</a:t>
+            </a:r>
+          </a:p>
+        </p:txBody>
+      </p:sp>
+      <p:sp>
+        <p:nvSpPr>
+          <p:cNvPr id="11" name="Textfeld 10">
+            <a:extLst>
+              <a:ext uri="{FF2B5EF4-FFF2-40B4-BE49-F238E27FC236}">
+                <a16:creationId xmlns:a16="http://schemas.microsoft.com/office/drawing/2014/main" id="{AED7FCD8-3C56-4B11-ADA2-B181B3B96684}"/>
+              </a:ext>
+            </a:extLst>
+          </p:cNvPr>
+          <p:cNvSpPr txBox="1"/>
+          <p:nvPr/>
+        </p:nvSpPr>
+        <p:spPr>
+          <a:xfrm>
+            <a:off x="611560" y="1419622"/>
+            <a:ext cx="8064896" cy="5724644"/>
+          </a:xfrm>
+          <a:prstGeom prst="rect">
+            <a:avLst/>
+          </a:prstGeom>
+          <a:noFill/>
+        </p:spPr>
+        <p:txBody>
+          <a:bodyPr wrap="square" rtlCol="0">
+            <a:spAutoFit/>
+          </a:bodyPr>
+          <a:lstStyle/>
+          <a:p>
+            <a:pPr marL="285750" indent="-285750">
+              <a:buFont typeface="Arial" panose="020B0604020202020204" pitchFamily="34" charset="0"/>
+              <a:buChar char="•"/>
+            </a:pPr>
+            <a:r>
+              <a:rPr lang="en-US" sz="1600" dirty="0">
+                <a:latin typeface="Segoe UI" panose="020B0502040204020203" pitchFamily="34" charset="0"/>
+              </a:rPr>
+              <a:t>[15] </a:t>
+            </a:r>
+            <a:r>
+              <a:rPr lang="en-US" sz="1600" dirty="0" err="1">
+                <a:latin typeface="Segoe UI" panose="020B0502040204020203" pitchFamily="34" charset="0"/>
+              </a:rPr>
+              <a:t>Gremillion</a:t>
+            </a:r>
+            <a:r>
+              <a:rPr lang="en-US" sz="1600" dirty="0">
+                <a:latin typeface="Segoe UI" panose="020B0502040204020203" pitchFamily="34" charset="0"/>
+              </a:rPr>
+              <a:t>, L. L. 1982. Designing a Bloom Filter for Differential File Access. </a:t>
+            </a:r>
+            <a:r>
+              <a:rPr lang="en-US" sz="1600" i="1" dirty="0" err="1">
+                <a:latin typeface="Segoe UI" panose="020B0502040204020203" pitchFamily="34" charset="0"/>
+              </a:rPr>
+              <a:t>Commun</a:t>
+            </a:r>
+            <a:r>
+              <a:rPr lang="en-US" sz="1600" i="1" dirty="0">
+                <a:latin typeface="Segoe UI" panose="020B0502040204020203" pitchFamily="34" charset="0"/>
+              </a:rPr>
+              <a:t>. ACM</a:t>
+            </a:r>
+            <a:r>
+              <a:rPr lang="en-US" sz="1600" i="0" dirty="0">
+                <a:latin typeface="Segoe UI" panose="020B0502040204020203" pitchFamily="34" charset="0"/>
+              </a:rPr>
+              <a:t> 25, 9, 600–604. </a:t>
+            </a:r>
+            <a:r>
+              <a:rPr lang="en-US" sz="1600" i="0" dirty="0">
+                <a:latin typeface="Segoe UI" panose="020B0502040204020203" pitchFamily="34" charset="0"/>
+                <a:cs typeface="Segoe UI" panose="020B0502040204020203" pitchFamily="34" charset="0"/>
+              </a:rPr>
+              <a:t>DOI: </a:t>
+            </a:r>
+            <a:r>
+              <a:rPr kumimoji="0" lang="de-DE" altLang="de-DE" sz="1600" b="0" i="0" u="none" strike="noStrike" cap="none" normalizeH="0" baseline="0" dirty="0">
+                <a:ln>
+                  <a:noFill/>
+                </a:ln>
+                <a:solidFill>
+                  <a:schemeClr val="tx1"/>
+                </a:solidFill>
+                <a:effectLst/>
+                <a:latin typeface="Segoe UI" panose="020B0502040204020203" pitchFamily="34" charset="0"/>
+                <a:cs typeface="Segoe UI" panose="020B0502040204020203" pitchFamily="34" charset="0"/>
+                <a:hlinkClick r:id="rId2"/>
+              </a:rPr>
+              <a:t>https://doi.org/10.1145/358628.358632</a:t>
+            </a:r>
+            <a:endParaRPr kumimoji="0" lang="de-DE" altLang="de-DE" sz="1600" b="0" i="0" u="none" strike="noStrike" cap="none" normalizeH="0" baseline="0" dirty="0">
+              <a:ln>
+                <a:noFill/>
+              </a:ln>
+              <a:solidFill>
+                <a:schemeClr val="tx1"/>
+              </a:solidFill>
+              <a:effectLst/>
+              <a:latin typeface="Segoe UI" panose="020B0502040204020203" pitchFamily="34" charset="0"/>
+              <a:cs typeface="Segoe UI" panose="020B0502040204020203" pitchFamily="34" charset="0"/>
+            </a:endParaRPr>
+          </a:p>
+          <a:p>
+            <a:pPr marL="285750" indent="-285750">
+              <a:buFont typeface="Arial" panose="020B0604020202020204" pitchFamily="34" charset="0"/>
+              <a:buChar char="•"/>
+            </a:pPr>
+            <a:r>
+              <a:rPr lang="de-DE" altLang="de-DE" sz="1600" dirty="0">
+                <a:latin typeface="Segoe UI" panose="020B0502040204020203" pitchFamily="34" charset="0"/>
+                <a:cs typeface="Segoe UI" panose="020B0502040204020203" pitchFamily="34" charset="0"/>
+              </a:rPr>
+              <a:t>[16] </a:t>
+            </a:r>
+            <a:r>
+              <a:rPr lang="de-DE" sz="1600" dirty="0" err="1">
+                <a:latin typeface="Segoe UI" panose="020B0502040204020203" pitchFamily="34" charset="0"/>
+              </a:rPr>
+              <a:t>Murugan</a:t>
+            </a:r>
+            <a:r>
+              <a:rPr lang="de-DE" sz="1600" dirty="0">
+                <a:latin typeface="Segoe UI" panose="020B0502040204020203" pitchFamily="34" charset="0"/>
+              </a:rPr>
+              <a:t>, S., </a:t>
+            </a:r>
+            <a:r>
+              <a:rPr lang="de-DE" sz="1600" dirty="0" err="1">
+                <a:latin typeface="Segoe UI" panose="020B0502040204020203" pitchFamily="34" charset="0"/>
+              </a:rPr>
+              <a:t>Bakthavatchalam</a:t>
+            </a:r>
+            <a:r>
+              <a:rPr lang="de-DE" sz="1600" dirty="0">
+                <a:latin typeface="Segoe UI" panose="020B0502040204020203" pitchFamily="34" charset="0"/>
+              </a:rPr>
+              <a:t>, T. A., and </a:t>
+            </a:r>
+            <a:r>
+              <a:rPr lang="de-DE" sz="1600" dirty="0" err="1">
+                <a:latin typeface="Segoe UI" panose="020B0502040204020203" pitchFamily="34" charset="0"/>
+              </a:rPr>
+              <a:t>Sankarasubbu</a:t>
+            </a:r>
+            <a:r>
+              <a:rPr lang="de-DE" sz="1600" dirty="0">
+                <a:latin typeface="Segoe UI" panose="020B0502040204020203" pitchFamily="34" charset="0"/>
+              </a:rPr>
+              <a:t>, M. 2020. </a:t>
+            </a:r>
+            <a:r>
+              <a:rPr lang="de-DE" sz="1600" dirty="0" err="1">
+                <a:latin typeface="Segoe UI" panose="020B0502040204020203" pitchFamily="34" charset="0"/>
+              </a:rPr>
+              <a:t>SymSpell</a:t>
+            </a:r>
+            <a:r>
+              <a:rPr lang="de-DE" sz="1600" dirty="0">
+                <a:latin typeface="Segoe UI" panose="020B0502040204020203" pitchFamily="34" charset="0"/>
+              </a:rPr>
+              <a:t> and LSTM </a:t>
+            </a:r>
+            <a:r>
+              <a:rPr lang="de-DE" sz="1600" dirty="0" err="1">
+                <a:latin typeface="Segoe UI" panose="020B0502040204020203" pitchFamily="34" charset="0"/>
+              </a:rPr>
+              <a:t>based</a:t>
+            </a:r>
+            <a:r>
+              <a:rPr lang="de-DE" sz="1600" dirty="0">
+                <a:latin typeface="Segoe UI" panose="020B0502040204020203" pitchFamily="34" charset="0"/>
+              </a:rPr>
+              <a:t> </a:t>
+            </a:r>
+            <a:r>
+              <a:rPr lang="de-DE" sz="1600" dirty="0" err="1">
+                <a:latin typeface="Segoe UI" panose="020B0502040204020203" pitchFamily="34" charset="0"/>
+              </a:rPr>
+              <a:t>Spell</a:t>
+            </a:r>
+            <a:r>
+              <a:rPr lang="de-DE" sz="1600" dirty="0">
+                <a:latin typeface="Segoe UI" panose="020B0502040204020203" pitchFamily="34" charset="0"/>
+              </a:rPr>
+              <a:t>-Checkers </a:t>
+            </a:r>
+            <a:r>
+              <a:rPr lang="de-DE" sz="1600" dirty="0" err="1">
+                <a:latin typeface="Segoe UI" panose="020B0502040204020203" pitchFamily="34" charset="0"/>
+              </a:rPr>
+              <a:t>for</a:t>
+            </a:r>
+            <a:r>
+              <a:rPr lang="de-DE" sz="1600" dirty="0">
+                <a:latin typeface="Segoe UI" panose="020B0502040204020203" pitchFamily="34" charset="0"/>
+              </a:rPr>
+              <a:t> Tamil.</a:t>
+            </a:r>
+            <a:r>
+              <a:rPr lang="de-DE" sz="1600" dirty="0">
+                <a:latin typeface="Segoe UI" panose="020B0502040204020203" pitchFamily="34" charset="0"/>
+                <a:cs typeface="Segoe UI" panose="020B0502040204020203" pitchFamily="34" charset="0"/>
+              </a:rPr>
+              <a:t> </a:t>
+            </a:r>
+            <a:r>
+              <a:rPr lang="de-DE" sz="1600" dirty="0">
+                <a:latin typeface="Segoe UI" panose="020B0502040204020203" pitchFamily="34" charset="0"/>
+                <a:cs typeface="Segoe UI" panose="020B0502040204020203" pitchFamily="34" charset="0"/>
+                <a:hlinkClick r:id="rId3"/>
+              </a:rPr>
+              <a:t>http://uttamam.org/papers/20_17.pdf</a:t>
+            </a:r>
+            <a:endParaRPr lang="de-DE" sz="1600" dirty="0">
+              <a:latin typeface="Segoe UI" panose="020B0502040204020203" pitchFamily="34" charset="0"/>
+              <a:cs typeface="Segoe UI" panose="020B0502040204020203" pitchFamily="34" charset="0"/>
+            </a:endParaRPr>
+          </a:p>
+          <a:p>
+            <a:pPr marL="285750" indent="-285750">
+              <a:buFont typeface="Arial" panose="020B0604020202020204" pitchFamily="34" charset="0"/>
+              <a:buChar char="•"/>
+            </a:pPr>
+            <a:r>
+              <a:rPr kumimoji="0" lang="de-DE" altLang="de-DE" sz="1600" b="0" i="0" u="none" strike="noStrike" cap="none" normalizeH="0" baseline="0" dirty="0">
+                <a:ln>
+                  <a:noFill/>
+                </a:ln>
+                <a:solidFill>
+                  <a:schemeClr val="tx1"/>
+                </a:solidFill>
+                <a:effectLst/>
+                <a:latin typeface="Segoe UI" panose="020B0502040204020203" pitchFamily="34" charset="0"/>
+                <a:cs typeface="Segoe UI" panose="020B0502040204020203" pitchFamily="34" charset="0"/>
+              </a:rPr>
+              <a:t>[17] </a:t>
+            </a:r>
+            <a:r>
+              <a:rPr lang="de-DE" sz="1600" dirty="0" err="1">
+                <a:latin typeface="Segoe UI" panose="020B0502040204020203" pitchFamily="34" charset="0"/>
+              </a:rPr>
+              <a:t>Dharmapurikar</a:t>
+            </a:r>
+            <a:r>
+              <a:rPr lang="de-DE" sz="1600" dirty="0">
+                <a:latin typeface="Segoe UI" panose="020B0502040204020203" pitchFamily="34" charset="0"/>
+              </a:rPr>
+              <a:t>, S., </a:t>
+            </a:r>
+            <a:r>
+              <a:rPr lang="de-DE" sz="1600" dirty="0" err="1">
+                <a:latin typeface="Segoe UI" panose="020B0502040204020203" pitchFamily="34" charset="0"/>
+              </a:rPr>
+              <a:t>Krishnamurthy</a:t>
+            </a:r>
+            <a:r>
+              <a:rPr lang="de-DE" sz="1600" dirty="0">
+                <a:latin typeface="Segoe UI" panose="020B0502040204020203" pitchFamily="34" charset="0"/>
+              </a:rPr>
+              <a:t>, P., and Taylor, D. E. 2003. </a:t>
+            </a:r>
+            <a:r>
+              <a:rPr lang="de-DE" sz="1600" dirty="0" err="1">
+                <a:latin typeface="Segoe UI" panose="020B0502040204020203" pitchFamily="34" charset="0"/>
+              </a:rPr>
+              <a:t>Longest</a:t>
+            </a:r>
+            <a:r>
+              <a:rPr lang="de-DE" sz="1600" dirty="0">
+                <a:latin typeface="Segoe UI" panose="020B0502040204020203" pitchFamily="34" charset="0"/>
+              </a:rPr>
+              <a:t> </a:t>
+            </a:r>
+            <a:r>
+              <a:rPr lang="de-DE" sz="1600" dirty="0" err="1">
+                <a:latin typeface="Segoe UI" panose="020B0502040204020203" pitchFamily="34" charset="0"/>
+              </a:rPr>
+              <a:t>Prefix</a:t>
+            </a:r>
+            <a:r>
+              <a:rPr lang="de-DE" sz="1600" dirty="0">
+                <a:latin typeface="Segoe UI" panose="020B0502040204020203" pitchFamily="34" charset="0"/>
+              </a:rPr>
+              <a:t> </a:t>
+            </a:r>
+            <a:r>
+              <a:rPr lang="de-DE" sz="1600" dirty="0" err="1">
+                <a:latin typeface="Segoe UI" panose="020B0502040204020203" pitchFamily="34" charset="0"/>
+              </a:rPr>
+              <a:t>Matching</a:t>
+            </a:r>
+            <a:r>
+              <a:rPr lang="de-DE" sz="1600" dirty="0">
+                <a:latin typeface="Segoe UI" panose="020B0502040204020203" pitchFamily="34" charset="0"/>
+              </a:rPr>
+              <a:t> </a:t>
+            </a:r>
+            <a:r>
+              <a:rPr lang="de-DE" sz="1600" dirty="0" err="1">
+                <a:latin typeface="Segoe UI" panose="020B0502040204020203" pitchFamily="34" charset="0"/>
+              </a:rPr>
+              <a:t>Using</a:t>
+            </a:r>
+            <a:r>
+              <a:rPr lang="de-DE" sz="1600" dirty="0">
+                <a:latin typeface="Segoe UI" panose="020B0502040204020203" pitchFamily="34" charset="0"/>
+              </a:rPr>
+              <a:t> Bloom Filters. In </a:t>
+            </a:r>
+            <a:r>
+              <a:rPr lang="de-DE" sz="1600" i="1" dirty="0">
+                <a:latin typeface="Segoe UI" panose="020B0502040204020203" pitchFamily="34" charset="0"/>
+              </a:rPr>
+              <a:t>Proceedings </a:t>
+            </a:r>
+            <a:r>
+              <a:rPr lang="de-DE" sz="1600" i="1" dirty="0" err="1">
+                <a:latin typeface="Segoe UI" panose="020B0502040204020203" pitchFamily="34" charset="0"/>
+              </a:rPr>
+              <a:t>of</a:t>
+            </a:r>
+            <a:r>
+              <a:rPr lang="de-DE" sz="1600" i="1" dirty="0">
+                <a:latin typeface="Segoe UI" panose="020B0502040204020203" pitchFamily="34" charset="0"/>
+              </a:rPr>
+              <a:t> </a:t>
+            </a:r>
+            <a:r>
+              <a:rPr lang="de-DE" sz="1600" i="1" dirty="0" err="1">
+                <a:latin typeface="Segoe UI" panose="020B0502040204020203" pitchFamily="34" charset="0"/>
+              </a:rPr>
+              <a:t>the</a:t>
+            </a:r>
+            <a:r>
+              <a:rPr lang="de-DE" sz="1600" i="1" dirty="0">
+                <a:latin typeface="Segoe UI" panose="020B0502040204020203" pitchFamily="34" charset="0"/>
+              </a:rPr>
+              <a:t> 2003 Conference on </a:t>
+            </a:r>
+            <a:r>
+              <a:rPr lang="de-DE" sz="1600" i="1" dirty="0" err="1">
+                <a:latin typeface="Segoe UI" panose="020B0502040204020203" pitchFamily="34" charset="0"/>
+              </a:rPr>
+              <a:t>Applications</a:t>
+            </a:r>
+            <a:r>
+              <a:rPr lang="de-DE" sz="1600" i="1" dirty="0">
+                <a:latin typeface="Segoe UI" panose="020B0502040204020203" pitchFamily="34" charset="0"/>
+              </a:rPr>
+              <a:t>, Technologies, </a:t>
+            </a:r>
+            <a:r>
+              <a:rPr lang="de-DE" sz="1600" i="1" dirty="0" err="1">
+                <a:latin typeface="Segoe UI" panose="020B0502040204020203" pitchFamily="34" charset="0"/>
+              </a:rPr>
+              <a:t>Architectures</a:t>
+            </a:r>
+            <a:r>
+              <a:rPr lang="de-DE" sz="1600" i="1" dirty="0">
+                <a:latin typeface="Segoe UI" panose="020B0502040204020203" pitchFamily="34" charset="0"/>
+              </a:rPr>
+              <a:t>, and </a:t>
+            </a:r>
+            <a:r>
+              <a:rPr lang="de-DE" sz="1600" i="1" dirty="0" err="1">
+                <a:latin typeface="Segoe UI" panose="020B0502040204020203" pitchFamily="34" charset="0"/>
+              </a:rPr>
+              <a:t>Protocols</a:t>
+            </a:r>
+            <a:r>
+              <a:rPr lang="de-DE" sz="1600" i="1" dirty="0">
+                <a:latin typeface="Segoe UI" panose="020B0502040204020203" pitchFamily="34" charset="0"/>
+              </a:rPr>
+              <a:t> </a:t>
+            </a:r>
+            <a:r>
+              <a:rPr lang="de-DE" sz="1600" i="1" dirty="0" err="1">
+                <a:latin typeface="Segoe UI" panose="020B0502040204020203" pitchFamily="34" charset="0"/>
+              </a:rPr>
+              <a:t>for</a:t>
+            </a:r>
+            <a:r>
+              <a:rPr lang="de-DE" sz="1600" i="1" dirty="0">
+                <a:latin typeface="Segoe UI" panose="020B0502040204020203" pitchFamily="34" charset="0"/>
+              </a:rPr>
+              <a:t> Computer Communications</a:t>
+            </a:r>
+            <a:r>
+              <a:rPr lang="de-DE" sz="1600" i="0" dirty="0">
+                <a:latin typeface="Segoe UI" panose="020B0502040204020203" pitchFamily="34" charset="0"/>
+              </a:rPr>
+              <a:t>. SIGCOMM ’03. </a:t>
+            </a:r>
+            <a:r>
+              <a:rPr lang="de-DE" sz="1600" i="0" dirty="0" err="1">
+                <a:latin typeface="Segoe UI" panose="020B0502040204020203" pitchFamily="34" charset="0"/>
+              </a:rPr>
+              <a:t>Association</a:t>
+            </a:r>
+            <a:r>
+              <a:rPr lang="de-DE" sz="1600" i="0" dirty="0">
+                <a:latin typeface="Segoe UI" panose="020B0502040204020203" pitchFamily="34" charset="0"/>
+              </a:rPr>
+              <a:t> </a:t>
+            </a:r>
+            <a:r>
+              <a:rPr lang="de-DE" sz="1600" i="0" dirty="0" err="1">
+                <a:latin typeface="Segoe UI" panose="020B0502040204020203" pitchFamily="34" charset="0"/>
+              </a:rPr>
+              <a:t>for</a:t>
+            </a:r>
+            <a:r>
+              <a:rPr lang="de-DE" sz="1600" i="0" dirty="0">
+                <a:latin typeface="Segoe UI" panose="020B0502040204020203" pitchFamily="34" charset="0"/>
+              </a:rPr>
+              <a:t> Computing Machinery, New York, NY, USA, 201–212. DOI: </a:t>
+            </a:r>
+            <a:r>
+              <a:rPr lang="de-DE" altLang="de-DE" sz="1600" dirty="0">
+                <a:latin typeface="Segoe UI" panose="020B0502040204020203" pitchFamily="34" charset="0"/>
+                <a:cs typeface="Segoe UI" panose="020B0502040204020203" pitchFamily="34" charset="0"/>
+                <a:hlinkClick r:id="rId4"/>
+              </a:rPr>
+              <a:t>https://doi.org/</a:t>
+            </a:r>
+            <a:r>
+              <a:rPr lang="de-DE" sz="1600" i="0" dirty="0">
+                <a:latin typeface="Segoe UI" panose="020B0502040204020203" pitchFamily="34" charset="0"/>
+                <a:hlinkClick r:id="rId4"/>
+              </a:rPr>
+              <a:t>10.1145/863955.863979</a:t>
+            </a:r>
+            <a:endParaRPr lang="de-DE" sz="1600" i="0" dirty="0">
+              <a:latin typeface="Segoe UI" panose="020B0502040204020203" pitchFamily="34" charset="0"/>
+            </a:endParaRPr>
+          </a:p>
+          <a:p>
+            <a:pPr marL="285750" indent="-285750">
+              <a:buFont typeface="Arial" panose="020B0604020202020204" pitchFamily="34" charset="0"/>
+              <a:buChar char="•"/>
+            </a:pPr>
+            <a:r>
+              <a:rPr lang="de-DE" sz="1600" dirty="0">
+                <a:latin typeface="Segoe UI" panose="020B0502040204020203" pitchFamily="34" charset="0"/>
+              </a:rPr>
+              <a:t>[18] </a:t>
+            </a:r>
+            <a:r>
+              <a:rPr lang="en-US" sz="1600" dirty="0">
+                <a:latin typeface="Segoe UI" panose="020B0502040204020203" pitchFamily="34" charset="0"/>
+              </a:rPr>
+              <a:t>Jain, N., Dahlin, M., and </a:t>
+            </a:r>
+            <a:r>
+              <a:rPr lang="en-US" sz="1600" dirty="0" err="1">
+                <a:latin typeface="Segoe UI" panose="020B0502040204020203" pitchFamily="34" charset="0"/>
+              </a:rPr>
+              <a:t>Tewar</a:t>
+            </a:r>
+            <a:r>
+              <a:rPr lang="en-US" sz="1600" dirty="0">
+                <a:latin typeface="Segoe UI" panose="020B0502040204020203" pitchFamily="34" charset="0"/>
+              </a:rPr>
+              <a:t>, R. 2005. Using Bloom Filters to Refine Web Search Results. In </a:t>
+            </a:r>
+            <a:r>
+              <a:rPr lang="en-US" sz="1600" i="1" dirty="0">
+                <a:latin typeface="Segoe UI" panose="020B0502040204020203" pitchFamily="34" charset="0"/>
+              </a:rPr>
+              <a:t>Eighth International Workshop on the Web and Databases (</a:t>
+            </a:r>
+            <a:r>
+              <a:rPr lang="en-US" sz="1600" i="1" dirty="0" err="1">
+                <a:latin typeface="Segoe UI" panose="020B0502040204020203" pitchFamily="34" charset="0"/>
+              </a:rPr>
+              <a:t>WebDB</a:t>
+            </a:r>
+            <a:r>
+              <a:rPr lang="en-US" sz="1600" i="1" dirty="0">
+                <a:latin typeface="Segoe UI" panose="020B0502040204020203" pitchFamily="34" charset="0"/>
+              </a:rPr>
+              <a:t> ’05)</a:t>
+            </a:r>
+            <a:r>
+              <a:rPr lang="en-US" sz="1600" i="0" dirty="0">
+                <a:latin typeface="Segoe UI" panose="020B0502040204020203" pitchFamily="34" charset="0"/>
+              </a:rPr>
+              <a:t>.</a:t>
+            </a:r>
+            <a:r>
+              <a:rPr lang="de-DE" sz="1600" dirty="0">
+                <a:latin typeface="Segoe UI" panose="020B0502040204020203" pitchFamily="34" charset="0"/>
+              </a:rPr>
+              <a:t> https://www.microsoft.com/en-us/research/wp-content/uploads/2017/01/webdb-167.pdf</a:t>
+            </a:r>
+          </a:p>
+          <a:p>
+            <a:pPr marL="285750" indent="-285750">
+              <a:buFont typeface="Arial" panose="020B0604020202020204" pitchFamily="34" charset="0"/>
+              <a:buChar char="•"/>
+            </a:pPr>
+            <a:endParaRPr kumimoji="0" lang="de-DE" altLang="de-DE" sz="1600" b="0" i="0" u="none" strike="noStrike" cap="none" normalizeH="0" baseline="0" dirty="0">
+              <a:ln>
+                <a:noFill/>
+              </a:ln>
+              <a:solidFill>
+                <a:schemeClr val="tx1"/>
+              </a:solidFill>
+              <a:effectLst/>
+              <a:latin typeface="Segoe UI" panose="020B0502040204020203" pitchFamily="34" charset="0"/>
+              <a:cs typeface="Segoe UI" panose="020B0502040204020203" pitchFamily="34" charset="0"/>
+            </a:endParaRPr>
+          </a:p>
+          <a:p>
+            <a:pPr marL="285750" indent="-285750">
+              <a:buFont typeface="Arial" panose="020B0604020202020204" pitchFamily="34" charset="0"/>
+              <a:buChar char="•"/>
+            </a:pPr>
+            <a:endParaRPr lang="de-DE" altLang="de-DE" sz="1600" dirty="0">
+              <a:latin typeface="Segoe UI" panose="020B0502040204020203" pitchFamily="34" charset="0"/>
+              <a:cs typeface="Segoe UI" panose="020B0502040204020203" pitchFamily="34" charset="0"/>
+            </a:endParaRPr>
+          </a:p>
+          <a:p>
+            <a:pPr marL="285750" indent="-285750">
+              <a:buFont typeface="Arial" panose="020B0604020202020204" pitchFamily="34" charset="0"/>
+              <a:buChar char="•"/>
+            </a:pPr>
+            <a:endParaRPr kumimoji="0" lang="de-DE" altLang="de-DE" sz="3600" b="0" i="0" u="none" strike="noStrike" cap="none" normalizeH="0" baseline="0" dirty="0">
+              <a:ln>
+                <a:noFill/>
+              </a:ln>
+              <a:solidFill>
+                <a:schemeClr val="tx1"/>
+              </a:solidFill>
+              <a:effectLst/>
+              <a:latin typeface="Arial" panose="020B0604020202020204" pitchFamily="34" charset="0"/>
+            </a:endParaRPr>
+          </a:p>
+          <a:p>
+            <a:pPr marL="285750" indent="-285750">
+              <a:buFont typeface="Arial" panose="020B0604020202020204" pitchFamily="34" charset="0"/>
+              <a:buChar char="•"/>
+            </a:pPr>
+            <a:endParaRPr lang="de-DE" altLang="de-DE" sz="1600" dirty="0">
+              <a:latin typeface="Segoe UI" panose="020B0502040204020203" pitchFamily="34" charset="0"/>
+              <a:cs typeface="Segoe UI" panose="020B0502040204020203" pitchFamily="34" charset="0"/>
+            </a:endParaRPr>
+          </a:p>
+          <a:p>
+            <a:pPr marL="285750" indent="-285750">
+              <a:buFont typeface="Arial" panose="020B0604020202020204" pitchFamily="34" charset="0"/>
+              <a:buChar char="•"/>
+            </a:pPr>
+            <a:endParaRPr kumimoji="0" lang="de-DE" altLang="de-DE" sz="3600" b="0" i="0" u="none" strike="noStrike" cap="none" normalizeH="0" baseline="0" dirty="0">
+              <a:ln>
+                <a:noFill/>
+              </a:ln>
+              <a:solidFill>
+                <a:schemeClr val="tx1"/>
+              </a:solidFill>
+              <a:effectLst/>
+              <a:latin typeface="Arial" panose="020B0604020202020204" pitchFamily="34" charset="0"/>
+            </a:endParaRPr>
+          </a:p>
+          <a:p>
+            <a:pPr marL="285750" indent="-285750">
+              <a:buFont typeface="Arial" panose="020B0604020202020204" pitchFamily="34" charset="0"/>
+              <a:buChar char="•"/>
+            </a:pPr>
+            <a:endParaRPr lang="en-US" sz="1600" i="0" dirty="0">
+              <a:latin typeface="Segoe UI" panose="020B0502040204020203" pitchFamily="34" charset="0"/>
+            </a:endParaRPr>
+          </a:p>
+          <a:p>
+            <a:pPr marL="285750" indent="-285750">
+              <a:buFont typeface="Arial" panose="020B0604020202020204" pitchFamily="34" charset="0"/>
+              <a:buChar char="•"/>
+            </a:pPr>
+            <a:endParaRPr lang="en-US" sz="1600" i="0" dirty="0">
+              <a:latin typeface="Segoe UI" panose="020B0502040204020203" pitchFamily="34" charset="0"/>
+            </a:endParaRPr>
+          </a:p>
+        </p:txBody>
+      </p:sp>
+    </p:spTree>
+    <p:extLst>
+      <p:ext uri="{BB962C8B-B14F-4D97-AF65-F5344CB8AC3E}">
+        <p14:creationId xmlns:p14="http://schemas.microsoft.com/office/powerpoint/2010/main" val="3408374900"/>
+      </p:ext>
+    </p:extLst>
+  </p:cSld>
+  <p:clrMapOvr>
+    <a:masterClrMapping/>
+  </p:clrMapOvr>
+</p:sld>
+</file>
+
+<file path=ppt/slides/slide37.xml><?xml version="1.0" encoding="utf-8"?>
+<p:sld xmlns:a="http://schemas.openxmlformats.org/drawingml/2006/main" xmlns:r="http://schemas.openxmlformats.org/officeDocument/2006/relationships" xmlns:p="http://schemas.openxmlformats.org/presentationml/2006/main">
+  <p:cSld>
+    <p:spTree>
+      <p:nvGrpSpPr>
+        <p:cNvPr id="1" name=""/>
+        <p:cNvGrpSpPr/>
+        <p:nvPr/>
+      </p:nvGrpSpPr>
+      <p:grpSpPr>
+        <a:xfrm>
+          <a:off x="0" y="0"/>
+          <a:ext cx="0" cy="0"/>
+          <a:chOff x="0" y="0"/>
+          <a:chExt cx="0" cy="0"/>
+        </a:xfrm>
+      </p:grpSpPr>
+      <p:sp>
+        <p:nvSpPr>
+          <p:cNvPr id="6" name="Foliennummernplatzhalter 5"/>
+          <p:cNvSpPr>
+            <a:spLocks noGrp="1"/>
+          </p:cNvSpPr>
+          <p:nvPr>
+            <p:ph type="sldNum" sz="quarter" idx="4"/>
+          </p:nvPr>
+        </p:nvSpPr>
+        <p:spPr/>
+        <p:txBody>
+          <a:bodyPr/>
+          <a:lstStyle/>
+          <a:p>
+            <a:fld id="{F9CA7F02-FF28-4D8F-AF3B-6C950C783A54}" type="slidenum">
+              <a:rPr lang="de-DE" smtClean="0"/>
+              <a:pPr/>
+              <a:t>37</a:t>
+            </a:fld>
+            <a:endParaRPr lang="de-DE"/>
+          </a:p>
+        </p:txBody>
+      </p:sp>
+      <p:sp>
+        <p:nvSpPr>
+          <p:cNvPr id="3" name="Titel 2"/>
+          <p:cNvSpPr>
+            <a:spLocks noGrp="1"/>
+          </p:cNvSpPr>
+          <p:nvPr>
+            <p:ph type="title"/>
+          </p:nvPr>
+        </p:nvSpPr>
+        <p:spPr/>
+        <p:txBody>
+          <a:bodyPr/>
+          <a:lstStyle/>
+          <a:p>
+            <a:r>
+              <a:rPr lang="de-DE" dirty="0"/>
+              <a:t>BLOOM-FILTER</a:t>
+            </a:r>
+          </a:p>
+        </p:txBody>
+      </p:sp>
+      <p:sp>
+        <p:nvSpPr>
+          <p:cNvPr id="4" name="Inhaltsplatzhalter 3"/>
+          <p:cNvSpPr>
+            <a:spLocks noGrp="1"/>
+          </p:cNvSpPr>
+          <p:nvPr>
+            <p:ph sz="quarter" idx="13"/>
+          </p:nvPr>
+        </p:nvSpPr>
+        <p:spPr>
+          <a:xfrm>
+            <a:off x="936000" y="699542"/>
+            <a:ext cx="7308000" cy="429622"/>
+          </a:xfrm>
+        </p:spPr>
+        <p:txBody>
+          <a:bodyPr/>
+          <a:lstStyle/>
+          <a:p>
+            <a:r>
+              <a:rPr lang="de-DE" dirty="0"/>
+              <a:t>Quellen</a:t>
+            </a:r>
+          </a:p>
+        </p:txBody>
+      </p:sp>
+      <p:sp>
+        <p:nvSpPr>
+          <p:cNvPr id="7" name="Fußzeilenplatzhalter 6"/>
+          <p:cNvSpPr>
+            <a:spLocks noGrp="1"/>
+          </p:cNvSpPr>
+          <p:nvPr>
+            <p:ph type="ftr" sz="quarter" idx="3"/>
+          </p:nvPr>
+        </p:nvSpPr>
+        <p:spPr/>
+        <p:txBody>
+          <a:bodyPr/>
+          <a:lstStyle/>
+          <a:p>
+            <a:r>
+              <a:rPr lang="de-DE" dirty="0"/>
+              <a:t>TU Bergakademie Freiberg | Vortragender: Florian Schierz | 2022</a:t>
+            </a:r>
+          </a:p>
+        </p:txBody>
+      </p:sp>
+      <p:sp>
+        <p:nvSpPr>
+          <p:cNvPr id="11" name="Textfeld 10">
+            <a:extLst>
+              <a:ext uri="{FF2B5EF4-FFF2-40B4-BE49-F238E27FC236}">
+                <a16:creationId xmlns:a16="http://schemas.microsoft.com/office/drawing/2014/main" id="{AED7FCD8-3C56-4B11-ADA2-B181B3B96684}"/>
+              </a:ext>
+            </a:extLst>
+          </p:cNvPr>
+          <p:cNvSpPr txBox="1"/>
+          <p:nvPr/>
+        </p:nvSpPr>
+        <p:spPr>
+          <a:xfrm>
+            <a:off x="611560" y="1419622"/>
             <a:ext cx="8064896" cy="1323439"/>
           </a:xfrm>
           <a:prstGeom prst="rect">
@@ -15034,7 +15864,7 @@
 </p:sld>
 </file>
 
-<file path=ppt/slides/slide34.xml><?xml version="1.0" encoding="utf-8"?>
+<file path=ppt/slides/slide38.xml><?xml version="1.0" encoding="utf-8"?>
 <p:sld xmlns:a="http://schemas.openxmlformats.org/drawingml/2006/main" xmlns:r="http://schemas.openxmlformats.org/officeDocument/2006/relationships" xmlns:p="http://schemas.openxmlformats.org/presentationml/2006/main">
   <p:cSld>
     <p:spTree>
@@ -15537,7 +16367,7 @@
             <a:fld id="{F9CA7F02-FF28-4D8F-AF3B-6C950C783A54}" type="slidenum">
               <a:rPr lang="de-DE" smtClean="0"/>
               <a:pPr/>
-              <a:t>34</a:t>
+              <a:t>38</a:t>
             </a:fld>
             <a:endParaRPr lang="de-DE"/>
           </a:p>

--- a/Vorträge/VortragFlorianSchierzBloomfilterKurz.pptx
+++ b/Vorträge/VortragFlorianSchierzBloomfilterKurz.pptx
@@ -13,26 +13,26 @@
     <p:sldId id="257" r:id="rId4"/>
     <p:sldId id="261" r:id="rId5"/>
     <p:sldId id="263" r:id="rId6"/>
-    <p:sldId id="277" r:id="rId7"/>
-    <p:sldId id="287" r:id="rId8"/>
-    <p:sldId id="268" r:id="rId9"/>
-    <p:sldId id="288" r:id="rId10"/>
-    <p:sldId id="289" r:id="rId11"/>
-    <p:sldId id="290" r:id="rId12"/>
-    <p:sldId id="269" r:id="rId13"/>
-    <p:sldId id="271" r:id="rId14"/>
-    <p:sldId id="272" r:id="rId15"/>
-    <p:sldId id="291" r:id="rId16"/>
-    <p:sldId id="278" r:id="rId17"/>
-    <p:sldId id="281" r:id="rId18"/>
-    <p:sldId id="282" r:id="rId19"/>
-    <p:sldId id="283" r:id="rId20"/>
-    <p:sldId id="265" r:id="rId21"/>
-    <p:sldId id="267" r:id="rId22"/>
-    <p:sldId id="264" r:id="rId23"/>
-    <p:sldId id="274" r:id="rId24"/>
-    <p:sldId id="275" r:id="rId25"/>
-    <p:sldId id="276" r:id="rId26"/>
+    <p:sldId id="287" r:id="rId7"/>
+    <p:sldId id="268" r:id="rId8"/>
+    <p:sldId id="288" r:id="rId9"/>
+    <p:sldId id="289" r:id="rId10"/>
+    <p:sldId id="290" r:id="rId11"/>
+    <p:sldId id="269" r:id="rId12"/>
+    <p:sldId id="271" r:id="rId13"/>
+    <p:sldId id="272" r:id="rId14"/>
+    <p:sldId id="291" r:id="rId15"/>
+    <p:sldId id="296" r:id="rId16"/>
+    <p:sldId id="281" r:id="rId17"/>
+    <p:sldId id="282" r:id="rId18"/>
+    <p:sldId id="283" r:id="rId19"/>
+    <p:sldId id="278" r:id="rId20"/>
+    <p:sldId id="264" r:id="rId21"/>
+    <p:sldId id="274" r:id="rId22"/>
+    <p:sldId id="275" r:id="rId23"/>
+    <p:sldId id="276" r:id="rId24"/>
+    <p:sldId id="265" r:id="rId25"/>
+    <p:sldId id="267" r:id="rId26"/>
     <p:sldId id="262" r:id="rId27"/>
     <p:sldId id="266" r:id="rId28"/>
     <p:sldId id="295" r:id="rId29"/>
@@ -162,7 +162,6 @@
         <p14:section name="Funktionsweise und Operationen" id="{C099AB53-7197-43CC-9D36-F6BD8B6F2EDB}">
           <p14:sldIdLst>
             <p14:sldId id="263"/>
-            <p14:sldId id="277"/>
             <p14:sldId id="287"/>
             <p14:sldId id="268"/>
             <p14:sldId id="288"/>
@@ -172,16 +171,11 @@
             <p14:sldId id="271"/>
             <p14:sldId id="272"/>
             <p14:sldId id="291"/>
-            <p14:sldId id="278"/>
+            <p14:sldId id="296"/>
             <p14:sldId id="281"/>
             <p14:sldId id="282"/>
             <p14:sldId id="283"/>
-          </p14:sldIdLst>
-        </p14:section>
-        <p14:section name="Anwendungen" id="{9B4C0831-E72E-4731-8B99-FAFC77322547}">
-          <p14:sldIdLst>
-            <p14:sldId id="265"/>
-            <p14:sldId id="267"/>
+            <p14:sldId id="278"/>
           </p14:sldIdLst>
         </p14:section>
         <p14:section name="Varianten" id="{886A15AC-7548-430F-88FB-15BCFAA0F7A2}">
@@ -190,6 +184,12 @@
             <p14:sldId id="274"/>
             <p14:sldId id="275"/>
             <p14:sldId id="276"/>
+          </p14:sldIdLst>
+        </p14:section>
+        <p14:section name="Anwendungen" id="{9B4C0831-E72E-4731-8B99-FAFC77322547}">
+          <p14:sldIdLst>
+            <p14:sldId id="265"/>
+            <p14:sldId id="267"/>
           </p14:sldIdLst>
         </p14:section>
         <p14:section name="Zusammenfassung" id="{5C06ACE1-6D68-4A36-A0BB-1135C256A137}">
@@ -328,7 +328,7 @@
           <a:p>
             <a:fld id="{6DB929B3-EDC4-4292-BA5A-2119A16C91BC}" type="datetimeFigureOut">
               <a:rPr lang="de-DE" smtClean="0"/>
-              <a:t>21.06.2022</a:t>
+              <a:t>28.06.2022</a:t>
             </a:fld>
             <a:endParaRPr lang="de-DE"/>
           </a:p>
@@ -798,7 +798,7 @@
           <a:p>
             <a:fld id="{6C0E0915-CD52-4968-84CC-DCADF0878D91}" type="slidenum">
               <a:rPr lang="de-DE" smtClean="0"/>
-              <a:t>14</a:t>
+              <a:t>13</a:t>
             </a:fld>
             <a:endParaRPr lang="de-DE"/>
           </a:p>
@@ -861,33 +861,9 @@
           <a:bodyPr/>
           <a:lstStyle/>
           <a:p>
-            <a:pPr marL="171450" indent="-171450">
-              <a:buFont typeface="Arial" panose="020B0604020202020204" pitchFamily="34" charset="0"/>
-              <a:buChar char="•"/>
-            </a:pPr>
             <a:r>
               <a:rPr lang="de-DE" dirty="0"/>
-              <a:t>Realistisch oft Anzahl Elemente zum Einfügen und maximale Fehlerrate gegeben</a:t>
-            </a:r>
-          </a:p>
-          <a:p>
-            <a:pPr marL="171450" indent="-171450">
-              <a:buFont typeface="Arial" panose="020B0604020202020204" pitchFamily="34" charset="0"/>
-              <a:buChar char="•"/>
-            </a:pPr>
-            <a:r>
-              <a:rPr lang="de-DE" dirty="0"/>
-              <a:t>Damit optimale Hash Anzahl und Größe berechnen</a:t>
-            </a:r>
-          </a:p>
-          <a:p>
-            <a:pPr marL="171450" indent="-171450">
-              <a:buFont typeface="Arial" panose="020B0604020202020204" pitchFamily="34" charset="0"/>
-              <a:buChar char="•"/>
-            </a:pPr>
-            <a:r>
-              <a:rPr lang="de-DE" dirty="0"/>
-              <a:t>In Implementierung zeigen</a:t>
+              <a:t>500 000, 0.01, 16</a:t>
             </a:r>
           </a:p>
         </p:txBody>
@@ -909,7 +885,7 @@
           <a:p>
             <a:fld id="{6C0E0915-CD52-4968-84CC-DCADF0878D91}" type="slidenum">
               <a:rPr lang="de-DE" smtClean="0"/>
-              <a:t>16</a:t>
+              <a:t>14</a:t>
             </a:fld>
             <a:endParaRPr lang="de-DE"/>
           </a:p>
@@ -918,7 +894,7 @@
     </p:spTree>
     <p:extLst>
       <p:ext uri="{BB962C8B-B14F-4D97-AF65-F5344CB8AC3E}">
-        <p14:creationId xmlns:p14="http://schemas.microsoft.com/office/powerpoint/2010/main" val="2162170189"/>
+        <p14:creationId xmlns:p14="http://schemas.microsoft.com/office/powerpoint/2010/main" val="1211987518"/>
       </p:ext>
     </p:extLst>
   </p:cSld>
@@ -1020,7 +996,7 @@
           <a:p>
             <a:fld id="{6C0E0915-CD52-4968-84CC-DCADF0878D91}" type="slidenum">
               <a:rPr lang="de-DE" smtClean="0"/>
-              <a:t>17</a:t>
+              <a:t>15</a:t>
             </a:fld>
             <a:endParaRPr lang="de-DE"/>
           </a:p>
@@ -1029,7 +1005,7 @@
     </p:spTree>
     <p:extLst>
       <p:ext uri="{BB962C8B-B14F-4D97-AF65-F5344CB8AC3E}">
-        <p14:creationId xmlns:p14="http://schemas.microsoft.com/office/powerpoint/2010/main" val="547152908"/>
+        <p14:creationId xmlns:p14="http://schemas.microsoft.com/office/powerpoint/2010/main" val="3747599464"/>
       </p:ext>
     </p:extLst>
   </p:cSld>
@@ -1131,7 +1107,7 @@
           <a:p>
             <a:fld id="{6C0E0915-CD52-4968-84CC-DCADF0878D91}" type="slidenum">
               <a:rPr lang="de-DE" smtClean="0"/>
-              <a:t>18</a:t>
+              <a:t>16</a:t>
             </a:fld>
             <a:endParaRPr lang="de-DE"/>
           </a:p>
@@ -1140,7 +1116,7 @@
     </p:spTree>
     <p:extLst>
       <p:ext uri="{BB962C8B-B14F-4D97-AF65-F5344CB8AC3E}">
-        <p14:creationId xmlns:p14="http://schemas.microsoft.com/office/powerpoint/2010/main" val="544126990"/>
+        <p14:creationId xmlns:p14="http://schemas.microsoft.com/office/powerpoint/2010/main" val="547152908"/>
       </p:ext>
     </p:extLst>
   </p:cSld>
@@ -1242,7 +1218,118 @@
           <a:p>
             <a:fld id="{6C0E0915-CD52-4968-84CC-DCADF0878D91}" type="slidenum">
               <a:rPr lang="de-DE" smtClean="0"/>
-              <a:t>19</a:t>
+              <a:t>17</a:t>
+            </a:fld>
+            <a:endParaRPr lang="de-DE"/>
+          </a:p>
+        </p:txBody>
+      </p:sp>
+    </p:spTree>
+    <p:extLst>
+      <p:ext uri="{BB962C8B-B14F-4D97-AF65-F5344CB8AC3E}">
+        <p14:creationId xmlns:p14="http://schemas.microsoft.com/office/powerpoint/2010/main" val="544126990"/>
+      </p:ext>
+    </p:extLst>
+  </p:cSld>
+  <p:clrMapOvr>
+    <a:masterClrMapping/>
+  </p:clrMapOvr>
+</p:notes>
+</file>
+
+<file path=ppt/notesSlides/notesSlide7.xml><?xml version="1.0" encoding="utf-8"?>
+<p:notes xmlns:a="http://schemas.openxmlformats.org/drawingml/2006/main" xmlns:r="http://schemas.openxmlformats.org/officeDocument/2006/relationships" xmlns:p="http://schemas.openxmlformats.org/presentationml/2006/main">
+  <p:cSld>
+    <p:spTree>
+      <p:nvGrpSpPr>
+        <p:cNvPr id="1" name=""/>
+        <p:cNvGrpSpPr/>
+        <p:nvPr/>
+      </p:nvGrpSpPr>
+      <p:grpSpPr>
+        <a:xfrm>
+          <a:off x="0" y="0"/>
+          <a:ext cx="0" cy="0"/>
+          <a:chOff x="0" y="0"/>
+          <a:chExt cx="0" cy="0"/>
+        </a:xfrm>
+      </p:grpSpPr>
+      <p:sp>
+        <p:nvSpPr>
+          <p:cNvPr id="2" name="Folienbildplatzhalter 1"/>
+          <p:cNvSpPr>
+            <a:spLocks noGrp="1" noRot="1" noChangeAspect="1"/>
+          </p:cNvSpPr>
+          <p:nvPr>
+            <p:ph type="sldImg"/>
+          </p:nvPr>
+        </p:nvSpPr>
+        <p:spPr/>
+      </p:sp>
+      <p:sp>
+        <p:nvSpPr>
+          <p:cNvPr id="3" name="Notizenplatzhalter 2"/>
+          <p:cNvSpPr>
+            <a:spLocks noGrp="1"/>
+          </p:cNvSpPr>
+          <p:nvPr>
+            <p:ph type="body" idx="1"/>
+          </p:nvPr>
+        </p:nvSpPr>
+        <p:spPr/>
+        <p:txBody>
+          <a:bodyPr/>
+          <a:lstStyle/>
+          <a:p>
+            <a:pPr marL="171450" indent="-171450">
+              <a:buFont typeface="Arial" panose="020B0604020202020204" pitchFamily="34" charset="0"/>
+              <a:buChar char="•"/>
+            </a:pPr>
+            <a:r>
+              <a:rPr lang="de-DE" dirty="0"/>
+              <a:t>Realistisch oft Anzahl Elemente zum Einfügen und maximale Fehlerrate gegeben</a:t>
+            </a:r>
+          </a:p>
+          <a:p>
+            <a:pPr marL="171450" indent="-171450">
+              <a:buFont typeface="Arial" panose="020B0604020202020204" pitchFamily="34" charset="0"/>
+              <a:buChar char="•"/>
+            </a:pPr>
+            <a:r>
+              <a:rPr lang="de-DE" dirty="0"/>
+              <a:t>Damit optimale Hash Anzahl und Größe berechnen</a:t>
+            </a:r>
+          </a:p>
+          <a:p>
+            <a:pPr marL="171450" indent="-171450">
+              <a:buFont typeface="Arial" panose="020B0604020202020204" pitchFamily="34" charset="0"/>
+              <a:buChar char="•"/>
+            </a:pPr>
+            <a:r>
+              <a:rPr lang="de-DE" dirty="0"/>
+              <a:t>In Implementierung zeigen</a:t>
+            </a:r>
+          </a:p>
+        </p:txBody>
+      </p:sp>
+      <p:sp>
+        <p:nvSpPr>
+          <p:cNvPr id="4" name="Foliennummernplatzhalter 3"/>
+          <p:cNvSpPr>
+            <a:spLocks noGrp="1"/>
+          </p:cNvSpPr>
+          <p:nvPr>
+            <p:ph type="sldNum" sz="quarter" idx="5"/>
+          </p:nvPr>
+        </p:nvSpPr>
+        <p:spPr/>
+        <p:txBody>
+          <a:bodyPr/>
+          <a:lstStyle/>
+          <a:p>
+            <a:fld id="{6C0E0915-CD52-4968-84CC-DCADF0878D91}" type="slidenum">
+              <a:rPr lang="de-DE" smtClean="0"/>
+              <a:t>18</a:t>
             </a:fld>
             <a:endParaRPr lang="de-DE"/>
           </a:p>
@@ -1252,6 +1339,117 @@
     <p:extLst>
       <p:ext uri="{BB962C8B-B14F-4D97-AF65-F5344CB8AC3E}">
         <p14:creationId xmlns:p14="http://schemas.microsoft.com/office/powerpoint/2010/main" val="1296603566"/>
+      </p:ext>
+    </p:extLst>
+  </p:cSld>
+  <p:clrMapOvr>
+    <a:masterClrMapping/>
+  </p:clrMapOvr>
+</p:notes>
+</file>
+
+<file path=ppt/notesSlides/notesSlide8.xml><?xml version="1.0" encoding="utf-8"?>
+<p:notes xmlns:a="http://schemas.openxmlformats.org/drawingml/2006/main" xmlns:r="http://schemas.openxmlformats.org/officeDocument/2006/relationships" xmlns:p="http://schemas.openxmlformats.org/presentationml/2006/main">
+  <p:cSld>
+    <p:spTree>
+      <p:nvGrpSpPr>
+        <p:cNvPr id="1" name=""/>
+        <p:cNvGrpSpPr/>
+        <p:nvPr/>
+      </p:nvGrpSpPr>
+      <p:grpSpPr>
+        <a:xfrm>
+          <a:off x="0" y="0"/>
+          <a:ext cx="0" cy="0"/>
+          <a:chOff x="0" y="0"/>
+          <a:chExt cx="0" cy="0"/>
+        </a:xfrm>
+      </p:grpSpPr>
+      <p:sp>
+        <p:nvSpPr>
+          <p:cNvPr id="2" name="Folienbildplatzhalter 1"/>
+          <p:cNvSpPr>
+            <a:spLocks noGrp="1" noRot="1" noChangeAspect="1"/>
+          </p:cNvSpPr>
+          <p:nvPr>
+            <p:ph type="sldImg"/>
+          </p:nvPr>
+        </p:nvSpPr>
+        <p:spPr/>
+      </p:sp>
+      <p:sp>
+        <p:nvSpPr>
+          <p:cNvPr id="3" name="Notizenplatzhalter 2"/>
+          <p:cNvSpPr>
+            <a:spLocks noGrp="1"/>
+          </p:cNvSpPr>
+          <p:nvPr>
+            <p:ph type="body" idx="1"/>
+          </p:nvPr>
+        </p:nvSpPr>
+        <p:spPr/>
+        <p:txBody>
+          <a:bodyPr/>
+          <a:lstStyle/>
+          <a:p>
+            <a:pPr marL="171450" indent="-171450">
+              <a:buFont typeface="Arial" panose="020B0604020202020204" pitchFamily="34" charset="0"/>
+              <a:buChar char="•"/>
+            </a:pPr>
+            <a:r>
+              <a:rPr lang="de-DE" dirty="0"/>
+              <a:t>Realistisch oft Anzahl Elemente zum Einfügen und maximale Fehlerrate gegeben</a:t>
+            </a:r>
+          </a:p>
+          <a:p>
+            <a:pPr marL="171450" indent="-171450">
+              <a:buFont typeface="Arial" panose="020B0604020202020204" pitchFamily="34" charset="0"/>
+              <a:buChar char="•"/>
+            </a:pPr>
+            <a:r>
+              <a:rPr lang="de-DE" dirty="0"/>
+              <a:t>Damit optimale Hash Anzahl und Größe berechnen</a:t>
+            </a:r>
+          </a:p>
+          <a:p>
+            <a:pPr marL="171450" indent="-171450">
+              <a:buFont typeface="Arial" panose="020B0604020202020204" pitchFamily="34" charset="0"/>
+              <a:buChar char="•"/>
+            </a:pPr>
+            <a:r>
+              <a:rPr lang="de-DE" dirty="0"/>
+              <a:t>In Implementierung zeigen</a:t>
+            </a:r>
+          </a:p>
+        </p:txBody>
+      </p:sp>
+      <p:sp>
+        <p:nvSpPr>
+          <p:cNvPr id="4" name="Foliennummernplatzhalter 3"/>
+          <p:cNvSpPr>
+            <a:spLocks noGrp="1"/>
+          </p:cNvSpPr>
+          <p:nvPr>
+            <p:ph type="sldNum" sz="quarter" idx="5"/>
+          </p:nvPr>
+        </p:nvSpPr>
+        <p:spPr/>
+        <p:txBody>
+          <a:bodyPr/>
+          <a:lstStyle/>
+          <a:p>
+            <a:fld id="{6C0E0915-CD52-4968-84CC-DCADF0878D91}" type="slidenum">
+              <a:rPr lang="de-DE" smtClean="0"/>
+              <a:t>19</a:t>
+            </a:fld>
+            <a:endParaRPr lang="de-DE"/>
+          </a:p>
+        </p:txBody>
+      </p:sp>
+    </p:spTree>
+    <p:extLst>
+      <p:ext uri="{BB962C8B-B14F-4D97-AF65-F5344CB8AC3E}">
+        <p14:creationId xmlns:p14="http://schemas.microsoft.com/office/powerpoint/2010/main" val="2162170189"/>
       </p:ext>
     </p:extLst>
   </p:cSld>
@@ -5487,206 +5685,6 @@
                   <a:srgbClr val="000000"/>
                 </a:solidFill>
               </a:rPr>
-              <a:t>Zeit pro Prüfen (in s) in Abhängigkeit der Anzahl Hashfunktionen k (nur negativ)</a:t>
-            </a:r>
-          </a:p>
-        </p:txBody>
-      </p:sp>
-      <p:pic>
-        <p:nvPicPr>
-          <p:cNvPr id="9" name="Grafik 8">
-            <a:extLst>
-              <a:ext uri="{FF2B5EF4-FFF2-40B4-BE49-F238E27FC236}">
-                <a16:creationId xmlns:a16="http://schemas.microsoft.com/office/drawing/2014/main" id="{10550223-9404-007C-7640-D4680EB87F4A}"/>
-              </a:ext>
-            </a:extLst>
-          </p:cNvPr>
-          <p:cNvPicPr>
-            <a:picLocks noChangeAspect="1"/>
-          </p:cNvPicPr>
-          <p:nvPr/>
-        </p:nvPicPr>
-        <p:blipFill>
-          <a:blip r:embed="rId2" cstate="print">
-            <a:extLst>
-              <a:ext uri="{28A0092B-C50C-407E-A947-70E740481C1C}">
-                <a14:useLocalDpi xmlns:a14="http://schemas.microsoft.com/office/drawing/2010/main" val="0"/>
-              </a:ext>
-            </a:extLst>
-          </a:blip>
-          <a:stretch>
-            <a:fillRect/>
-          </a:stretch>
-        </p:blipFill>
-        <p:spPr>
-          <a:xfrm>
-            <a:off x="1331636" y="1569594"/>
-            <a:ext cx="6516728" cy="3085263"/>
-          </a:xfrm>
-          <a:prstGeom prst="rect">
-            <a:avLst/>
-          </a:prstGeom>
-        </p:spPr>
-      </p:pic>
-    </p:spTree>
-    <p:extLst>
-      <p:ext uri="{BB962C8B-B14F-4D97-AF65-F5344CB8AC3E}">
-        <p14:creationId xmlns:p14="http://schemas.microsoft.com/office/powerpoint/2010/main" val="4076983733"/>
-      </p:ext>
-    </p:extLst>
-  </p:cSld>
-  <p:clrMapOvr>
-    <a:masterClrMapping/>
-  </p:clrMapOvr>
-</p:sld>
-</file>
-
-<file path=ppt/slides/slide11.xml><?xml version="1.0" encoding="utf-8"?>
-<p:sld xmlns:a="http://schemas.openxmlformats.org/drawingml/2006/main" xmlns:r="http://schemas.openxmlformats.org/officeDocument/2006/relationships" xmlns:p="http://schemas.openxmlformats.org/presentationml/2006/main">
-  <p:cSld>
-    <p:spTree>
-      <p:nvGrpSpPr>
-        <p:cNvPr id="1" name=""/>
-        <p:cNvGrpSpPr/>
-        <p:nvPr/>
-      </p:nvGrpSpPr>
-      <p:grpSpPr>
-        <a:xfrm>
-          <a:off x="0" y="0"/>
-          <a:ext cx="0" cy="0"/>
-          <a:chOff x="0" y="0"/>
-          <a:chExt cx="0" cy="0"/>
-        </a:xfrm>
-      </p:grpSpPr>
-      <p:sp>
-        <p:nvSpPr>
-          <p:cNvPr id="6" name="Foliennummernplatzhalter 5"/>
-          <p:cNvSpPr>
-            <a:spLocks noGrp="1"/>
-          </p:cNvSpPr>
-          <p:nvPr>
-            <p:ph type="sldNum" sz="quarter" idx="4"/>
-          </p:nvPr>
-        </p:nvSpPr>
-        <p:spPr/>
-        <p:txBody>
-          <a:bodyPr/>
-          <a:lstStyle/>
-          <a:p>
-            <a:fld id="{F9CA7F02-FF28-4D8F-AF3B-6C950C783A54}" type="slidenum">
-              <a:rPr lang="de-DE" smtClean="0"/>
-              <a:pPr/>
-              <a:t>11</a:t>
-            </a:fld>
-            <a:endParaRPr lang="de-DE"/>
-          </a:p>
-        </p:txBody>
-      </p:sp>
-      <p:sp>
-        <p:nvSpPr>
-          <p:cNvPr id="3" name="Titel 2"/>
-          <p:cNvSpPr>
-            <a:spLocks noGrp="1"/>
-          </p:cNvSpPr>
-          <p:nvPr>
-            <p:ph type="title"/>
-          </p:nvPr>
-        </p:nvSpPr>
-        <p:spPr/>
-        <p:txBody>
-          <a:bodyPr/>
-          <a:lstStyle/>
-          <a:p>
-            <a:r>
-              <a:rPr lang="de-DE" dirty="0"/>
-              <a:t>BLOOM-FILTER</a:t>
-            </a:r>
-          </a:p>
-        </p:txBody>
-      </p:sp>
-      <p:sp>
-        <p:nvSpPr>
-          <p:cNvPr id="4" name="Inhaltsplatzhalter 3"/>
-          <p:cNvSpPr>
-            <a:spLocks noGrp="1"/>
-          </p:cNvSpPr>
-          <p:nvPr>
-            <p:ph sz="quarter" idx="13"/>
-          </p:nvPr>
-        </p:nvSpPr>
-        <p:spPr>
-          <a:xfrm>
-            <a:off x="936000" y="699542"/>
-            <a:ext cx="7308000" cy="429622"/>
-          </a:xfrm>
-        </p:spPr>
-        <p:txBody>
-          <a:bodyPr/>
-          <a:lstStyle/>
-          <a:p>
-            <a:r>
-              <a:rPr lang="de-DE" dirty="0"/>
-              <a:t>Funktionsweise und Operationen</a:t>
-            </a:r>
-          </a:p>
-        </p:txBody>
-      </p:sp>
-      <p:sp>
-        <p:nvSpPr>
-          <p:cNvPr id="7" name="Fußzeilenplatzhalter 6"/>
-          <p:cNvSpPr>
-            <a:spLocks noGrp="1"/>
-          </p:cNvSpPr>
-          <p:nvPr>
-            <p:ph type="ftr" sz="quarter" idx="3"/>
-          </p:nvPr>
-        </p:nvSpPr>
-        <p:spPr/>
-        <p:txBody>
-          <a:bodyPr/>
-          <a:lstStyle/>
-          <a:p>
-            <a:r>
-              <a:rPr lang="de-DE" dirty="0"/>
-              <a:t>TU Bergakademie Freiberg | Vortragender: Florian Schierz | 2022</a:t>
-            </a:r>
-          </a:p>
-        </p:txBody>
-      </p:sp>
-      <p:sp>
-        <p:nvSpPr>
-          <p:cNvPr id="8" name="Textfeld 7">
-            <a:extLst>
-              <a:ext uri="{FF2B5EF4-FFF2-40B4-BE49-F238E27FC236}">
-                <a16:creationId xmlns:a16="http://schemas.microsoft.com/office/drawing/2014/main" id="{7162C9EA-9725-333A-21C5-65FC349B92B6}"/>
-              </a:ext>
-            </a:extLst>
-          </p:cNvPr>
-          <p:cNvSpPr txBox="1"/>
-          <p:nvPr/>
-        </p:nvSpPr>
-        <p:spPr>
-          <a:xfrm>
-            <a:off x="611560" y="1203598"/>
-            <a:ext cx="7776864" cy="369332"/>
-          </a:xfrm>
-          <a:prstGeom prst="rect">
-            <a:avLst/>
-          </a:prstGeom>
-          <a:noFill/>
-        </p:spPr>
-        <p:txBody>
-          <a:bodyPr wrap="square" rtlCol="0">
-            <a:spAutoFit/>
-          </a:bodyPr>
-          <a:lstStyle/>
-          <a:p>
-            <a:r>
-              <a:rPr lang="de-DE" dirty="0">
-                <a:solidFill>
-                  <a:srgbClr val="000000"/>
-                </a:solidFill>
-              </a:rPr>
               <a:t>Zeit pro Prüfen (in s) in Abhängigkeit der Anzahl Hashfunktionen k (gemischt)</a:t>
             </a:r>
           </a:p>
@@ -5741,7 +5739,7 @@
 </p:sld>
 </file>
 
-<file path=ppt/slides/slide12.xml><?xml version="1.0" encoding="utf-8"?>
+<file path=ppt/slides/slide11.xml><?xml version="1.0" encoding="utf-8"?>
 <p:sld xmlns:a="http://schemas.openxmlformats.org/drawingml/2006/main" xmlns:r="http://schemas.openxmlformats.org/officeDocument/2006/relationships" xmlns:p="http://schemas.openxmlformats.org/presentationml/2006/main">
   <p:cSld>
     <p:spTree>
@@ -5776,7 +5774,7 @@
             <a:fld id="{F9CA7F02-FF28-4D8F-AF3B-6C950C783A54}" type="slidenum">
               <a:rPr lang="de-DE" smtClean="0"/>
               <a:pPr/>
-              <a:t>12</a:t>
+              <a:t>11</a:t>
             </a:fld>
             <a:endParaRPr lang="de-DE"/>
           </a:p>
@@ -6007,7 +6005,7 @@
                   <a:srgbClr val="000000"/>
                 </a:solidFill>
               </a:rPr>
-              <a:t>FPP</a:t>
+              <a:t>FPR</a:t>
             </a:r>
             <a:r>
               <a:rPr lang="de-DE" dirty="0">
@@ -6074,7 +6072,7 @@
 </p:sld>
 </file>
 
-<file path=ppt/slides/slide13.xml><?xml version="1.0" encoding="utf-8"?>
+<file path=ppt/slides/slide12.xml><?xml version="1.0" encoding="utf-8"?>
 <p:sld xmlns:a="http://schemas.openxmlformats.org/drawingml/2006/main" xmlns:r="http://schemas.openxmlformats.org/officeDocument/2006/relationships" xmlns:p="http://schemas.openxmlformats.org/presentationml/2006/main">
   <p:cSld>
     <p:spTree>
@@ -6109,7 +6107,7 @@
             <a:fld id="{F9CA7F02-FF28-4D8F-AF3B-6C950C783A54}" type="slidenum">
               <a:rPr lang="de-DE" smtClean="0"/>
               <a:pPr/>
-              <a:t>13</a:t>
+              <a:t>12</a:t>
             </a:fld>
             <a:endParaRPr lang="de-DE"/>
           </a:p>
@@ -6339,7 +6337,7 @@
                   <a:srgbClr val="000000"/>
                 </a:solidFill>
               </a:rPr>
-              <a:t>FPP</a:t>
+              <a:t>FPR</a:t>
             </a:r>
             <a:r>
               <a:rPr lang="de-DE" dirty="0">
@@ -6500,7 +6498,7 @@
                       <a:srgbClr val="000000"/>
                     </a:solidFill>
                   </a:rPr>
-                  <a:t>Somit ist die Wahrscheinlichkeit für k Einsen (FPP): [5]</a:t>
+                  <a:t>Somit ist die Wahrscheinlichkeit für k Einsen (FPR): [5]</a:t>
                 </a:r>
               </a:p>
               <a:p>
@@ -6518,7 +6516,7 @@
                           </a:solidFill>
                           <a:latin typeface="Cambria Math" panose="02040503050406030204" pitchFamily="18" charset="0"/>
                         </a:rPr>
-                        <m:t>𝐹𝑃𝑃</m:t>
+                        <m:t>𝐹𝑃𝑅</m:t>
                       </m:r>
                       <m:r>
                         <a:rPr lang="de-DE" b="0" i="1" smtClean="0">
@@ -6879,7 +6877,7 @@
 </p:sld>
 </file>
 
-<file path=ppt/slides/slide14.xml><?xml version="1.0" encoding="utf-8"?>
+<file path=ppt/slides/slide13.xml><?xml version="1.0" encoding="utf-8"?>
 <p:sld xmlns:a="http://schemas.openxmlformats.org/drawingml/2006/main" xmlns:r="http://schemas.openxmlformats.org/officeDocument/2006/relationships" xmlns:p="http://schemas.openxmlformats.org/presentationml/2006/main">
   <p:cSld>
     <p:spTree>
@@ -6914,7 +6912,7 @@
             <a:fld id="{F9CA7F02-FF28-4D8F-AF3B-6C950C783A54}" type="slidenum">
               <a:rPr lang="de-DE" smtClean="0"/>
               <a:pPr/>
-              <a:t>14</a:t>
+              <a:t>13</a:t>
             </a:fld>
             <a:endParaRPr lang="de-DE"/>
           </a:p>
@@ -7144,7 +7142,7 @@
                   <a:srgbClr val="000000"/>
                 </a:solidFill>
               </a:rPr>
-              <a:t>FPP</a:t>
+              <a:t>FPR</a:t>
             </a:r>
             <a:r>
               <a:rPr lang="de-DE" dirty="0">
@@ -7196,7 +7194,7 @@
                       <a:srgbClr val="000000"/>
                     </a:solidFill>
                   </a:rPr>
-                  <a:t>Da FPP möglichst klein sein soll ergibt sich: [6]</a:t>
+                  <a:t>Da FPR möglichst klein sein soll ergibt sich: [6]</a:t>
                 </a:r>
               </a:p>
               <a:p>
@@ -7279,7 +7277,7 @@
                                   </a:solidFill>
                                   <a:latin typeface="Cambria Math" panose="02040503050406030204" pitchFamily="18" charset="0"/>
                                 </a:rPr>
-                                <m:t>𝐹𝑃𝑃</m:t>
+                                <m:t>𝐹𝑃𝑅</m:t>
                               </m:r>
                             </m:e>
                           </m:func>
@@ -7581,6 +7579,349 @@
 </p:sld>
 </file>
 
+<file path=ppt/slides/slide14.xml><?xml version="1.0" encoding="utf-8"?>
+<p:sld xmlns:a="http://schemas.openxmlformats.org/drawingml/2006/main" xmlns:r="http://schemas.openxmlformats.org/officeDocument/2006/relationships" xmlns:p="http://schemas.openxmlformats.org/presentationml/2006/main">
+  <p:cSld>
+    <p:spTree>
+      <p:nvGrpSpPr>
+        <p:cNvPr id="1" name=""/>
+        <p:cNvGrpSpPr/>
+        <p:nvPr/>
+      </p:nvGrpSpPr>
+      <p:grpSpPr>
+        <a:xfrm>
+          <a:off x="0" y="0"/>
+          <a:ext cx="0" cy="0"/>
+          <a:chOff x="0" y="0"/>
+          <a:chExt cx="0" cy="0"/>
+        </a:xfrm>
+      </p:grpSpPr>
+      <p:sp>
+        <p:nvSpPr>
+          <p:cNvPr id="10" name="Textfeld 9">
+            <a:extLst>
+              <a:ext uri="{FF2B5EF4-FFF2-40B4-BE49-F238E27FC236}">
+                <a16:creationId xmlns:a16="http://schemas.microsoft.com/office/drawing/2014/main" id="{2B5821B0-0D52-D73F-4008-837469160C34}"/>
+              </a:ext>
+            </a:extLst>
+          </p:cNvPr>
+          <p:cNvSpPr txBox="1"/>
+          <p:nvPr/>
+        </p:nvSpPr>
+        <p:spPr>
+          <a:xfrm>
+            <a:off x="611560" y="1203598"/>
+            <a:ext cx="4968552" cy="923330"/>
+          </a:xfrm>
+          <a:prstGeom prst="rect">
+            <a:avLst/>
+          </a:prstGeom>
+          <a:noFill/>
+        </p:spPr>
+        <p:txBody>
+          <a:bodyPr wrap="square" rtlCol="0">
+            <a:spAutoFit/>
+          </a:bodyPr>
+          <a:lstStyle/>
+          <a:p>
+            <a:pPr marL="285750" indent="-285750">
+              <a:buFont typeface="Arial" panose="020B0604020202020204" pitchFamily="34" charset="0"/>
+              <a:buChar char="•"/>
+            </a:pPr>
+            <a:r>
+              <a:rPr lang="de-DE" b="1" u="sng" dirty="0" err="1">
+                <a:solidFill>
+                  <a:srgbClr val="000000"/>
+                </a:solidFill>
+              </a:rPr>
+              <a:t>Floomfilter</a:t>
+            </a:r>
+            <a:r>
+              <a:rPr lang="de-DE" dirty="0">
+                <a:solidFill>
+                  <a:srgbClr val="000000"/>
+                </a:solidFill>
+              </a:rPr>
+              <a:t>:</a:t>
+            </a:r>
+            <a:endParaRPr lang="de-DE" b="1" u="sng" dirty="0">
+              <a:solidFill>
+                <a:srgbClr val="000000"/>
+              </a:solidFill>
+            </a:endParaRPr>
+          </a:p>
+          <a:p>
+            <a:pPr marL="742950" lvl="1" indent="-285750">
+              <a:buFont typeface="Arial" panose="020B0604020202020204" pitchFamily="34" charset="0"/>
+              <a:buChar char="•"/>
+            </a:pPr>
+            <a:r>
+              <a:rPr lang="de-DE" b="1" dirty="0">
+                <a:solidFill>
+                  <a:srgbClr val="000000"/>
+                </a:solidFill>
+              </a:rPr>
+              <a:t>b </a:t>
+            </a:r>
+            <a:r>
+              <a:rPr lang="de-DE" dirty="0">
+                <a:solidFill>
+                  <a:srgbClr val="000000"/>
+                </a:solidFill>
+              </a:rPr>
+              <a:t>Bereiche</a:t>
+            </a:r>
+          </a:p>
+          <a:p>
+            <a:pPr marL="742950" lvl="1" indent="-285750">
+              <a:buFont typeface="Arial" panose="020B0604020202020204" pitchFamily="34" charset="0"/>
+              <a:buChar char="•"/>
+            </a:pPr>
+            <a:r>
+              <a:rPr lang="de-DE" dirty="0">
+                <a:solidFill>
+                  <a:srgbClr val="000000"/>
+                </a:solidFill>
+              </a:rPr>
+              <a:t>Hashwertverteilung in Zusatzspeicher</a:t>
+            </a:r>
+          </a:p>
+        </p:txBody>
+      </p:sp>
+      <p:sp>
+        <p:nvSpPr>
+          <p:cNvPr id="6" name="Foliennummernplatzhalter 5"/>
+          <p:cNvSpPr>
+            <a:spLocks noGrp="1"/>
+          </p:cNvSpPr>
+          <p:nvPr>
+            <p:ph type="sldNum" sz="quarter" idx="4"/>
+          </p:nvPr>
+        </p:nvSpPr>
+        <p:spPr/>
+        <p:txBody>
+          <a:bodyPr/>
+          <a:lstStyle/>
+          <a:p>
+            <a:fld id="{F9CA7F02-FF28-4D8F-AF3B-6C950C783A54}" type="slidenum">
+              <a:rPr lang="de-DE" smtClean="0"/>
+              <a:pPr/>
+              <a:t>14</a:t>
+            </a:fld>
+            <a:endParaRPr lang="de-DE"/>
+          </a:p>
+        </p:txBody>
+      </p:sp>
+      <p:sp>
+        <p:nvSpPr>
+          <p:cNvPr id="3" name="Titel 2"/>
+          <p:cNvSpPr>
+            <a:spLocks noGrp="1"/>
+          </p:cNvSpPr>
+          <p:nvPr>
+            <p:ph type="title"/>
+          </p:nvPr>
+        </p:nvSpPr>
+        <p:spPr/>
+        <p:txBody>
+          <a:bodyPr/>
+          <a:lstStyle/>
+          <a:p>
+            <a:r>
+              <a:rPr lang="de-DE" dirty="0"/>
+              <a:t>BLOOM-FILTER</a:t>
+            </a:r>
+          </a:p>
+        </p:txBody>
+      </p:sp>
+      <p:sp>
+        <p:nvSpPr>
+          <p:cNvPr id="4" name="Inhaltsplatzhalter 3"/>
+          <p:cNvSpPr>
+            <a:spLocks noGrp="1"/>
+          </p:cNvSpPr>
+          <p:nvPr>
+            <p:ph sz="quarter" idx="13"/>
+          </p:nvPr>
+        </p:nvSpPr>
+        <p:spPr>
+          <a:xfrm>
+            <a:off x="936000" y="699542"/>
+            <a:ext cx="7308000" cy="429622"/>
+          </a:xfrm>
+        </p:spPr>
+        <p:txBody>
+          <a:bodyPr/>
+          <a:lstStyle/>
+          <a:p>
+            <a:r>
+              <a:rPr lang="de-DE" dirty="0"/>
+              <a:t>Varianten</a:t>
+            </a:r>
+          </a:p>
+          <a:p>
+            <a:endParaRPr lang="de-DE" dirty="0"/>
+          </a:p>
+        </p:txBody>
+      </p:sp>
+      <p:sp>
+        <p:nvSpPr>
+          <p:cNvPr id="7" name="Fußzeilenplatzhalter 6"/>
+          <p:cNvSpPr>
+            <a:spLocks noGrp="1"/>
+          </p:cNvSpPr>
+          <p:nvPr>
+            <p:ph type="ftr" sz="quarter" idx="3"/>
+          </p:nvPr>
+        </p:nvSpPr>
+        <p:spPr/>
+        <p:txBody>
+          <a:bodyPr/>
+          <a:lstStyle/>
+          <a:p>
+            <a:r>
+              <a:rPr lang="de-DE" dirty="0"/>
+              <a:t>TU Bergakademie Freiberg | Vortragender: Florian Schierz | 2022</a:t>
+            </a:r>
+          </a:p>
+        </p:txBody>
+      </p:sp>
+      <p:pic>
+        <p:nvPicPr>
+          <p:cNvPr id="9" name="Grafik 8">
+            <a:extLst>
+              <a:ext uri="{FF2B5EF4-FFF2-40B4-BE49-F238E27FC236}">
+                <a16:creationId xmlns:a16="http://schemas.microsoft.com/office/drawing/2014/main" id="{E50EBD86-0D44-2C9C-1F98-99F252C2F76A}"/>
+              </a:ext>
+            </a:extLst>
+          </p:cNvPr>
+          <p:cNvPicPr>
+            <a:picLocks noChangeAspect="1"/>
+          </p:cNvPicPr>
+          <p:nvPr/>
+        </p:nvPicPr>
+        <p:blipFill rotWithShape="1">
+          <a:blip r:embed="rId3">
+            <a:extLst>
+              <a:ext uri="{28A0092B-C50C-407E-A947-70E740481C1C}">
+                <a14:useLocalDpi xmlns:a14="http://schemas.microsoft.com/office/drawing/2010/main" val="0"/>
+              </a:ext>
+              <a:ext uri="{96DAC541-7B7A-43D3-8B79-37D633B846F1}">
+                <asvg:svgBlip xmlns:asvg="http://schemas.microsoft.com/office/drawing/2016/SVG/main" r:embed="rId4"/>
+              </a:ext>
+            </a:extLst>
+          </a:blip>
+          <a:srcRect b="59800"/>
+          <a:stretch/>
+        </p:blipFill>
+        <p:spPr>
+          <a:xfrm>
+            <a:off x="1311103" y="1558438"/>
+            <a:ext cx="6521793" cy="3708120"/>
+          </a:xfrm>
+          <a:prstGeom prst="rect">
+            <a:avLst/>
+          </a:prstGeom>
+        </p:spPr>
+      </p:pic>
+      <p:sp>
+        <p:nvSpPr>
+          <p:cNvPr id="11" name="Textfeld 10">
+            <a:extLst>
+              <a:ext uri="{FF2B5EF4-FFF2-40B4-BE49-F238E27FC236}">
+                <a16:creationId xmlns:a16="http://schemas.microsoft.com/office/drawing/2014/main" id="{388F31B0-CEC7-C24E-8158-3C0FD265C36C}"/>
+              </a:ext>
+            </a:extLst>
+          </p:cNvPr>
+          <p:cNvSpPr txBox="1"/>
+          <p:nvPr/>
+        </p:nvSpPr>
+        <p:spPr>
+          <a:xfrm>
+            <a:off x="4572000" y="1203598"/>
+            <a:ext cx="3888432" cy="1200329"/>
+          </a:xfrm>
+          <a:prstGeom prst="rect">
+            <a:avLst/>
+          </a:prstGeom>
+          <a:noFill/>
+        </p:spPr>
+        <p:txBody>
+          <a:bodyPr wrap="square" rtlCol="0">
+            <a:spAutoFit/>
+          </a:bodyPr>
+          <a:lstStyle/>
+          <a:p>
+            <a:pPr marL="742950" lvl="1" indent="-285750">
+              <a:buFont typeface="Arial" panose="020B0604020202020204" pitchFamily="34" charset="0"/>
+              <a:buChar char="•"/>
+            </a:pPr>
+            <a:endParaRPr lang="de-DE" b="1" dirty="0"/>
+          </a:p>
+          <a:p>
+            <a:pPr marL="742950" lvl="1" indent="-285750">
+              <a:buFont typeface="Arial" panose="020B0604020202020204" pitchFamily="34" charset="0"/>
+              <a:buChar char="•"/>
+            </a:pPr>
+            <a:r>
+              <a:rPr lang="de-DE" dirty="0">
+                <a:solidFill>
+                  <a:srgbClr val="000000"/>
+                </a:solidFill>
+              </a:rPr>
+              <a:t>Weiteres </a:t>
+            </a:r>
+            <a:r>
+              <a:rPr lang="de-DE" b="1" dirty="0">
+                <a:solidFill>
+                  <a:srgbClr val="000000"/>
+                </a:solidFill>
+              </a:rPr>
+              <a:t>Prüfkriterium</a:t>
+            </a:r>
+            <a:r>
+              <a:rPr lang="de-DE" dirty="0">
+                <a:solidFill>
+                  <a:srgbClr val="000000"/>
+                </a:solidFill>
+              </a:rPr>
+              <a:t>, um </a:t>
+            </a:r>
+            <a:r>
+              <a:rPr lang="de-DE" b="1" dirty="0">
+                <a:solidFill>
+                  <a:srgbClr val="000000"/>
+                </a:solidFill>
+              </a:rPr>
+              <a:t>FPR</a:t>
+            </a:r>
+            <a:r>
+              <a:rPr lang="de-DE" dirty="0">
+                <a:solidFill>
+                  <a:srgbClr val="000000"/>
+                </a:solidFill>
+              </a:rPr>
+              <a:t> zu senken</a:t>
+            </a:r>
+          </a:p>
+          <a:p>
+            <a:endParaRPr lang="de-DE" dirty="0"/>
+          </a:p>
+        </p:txBody>
+      </p:sp>
+    </p:spTree>
+    <p:extLst>
+      <p:ext uri="{BB962C8B-B14F-4D97-AF65-F5344CB8AC3E}">
+        <p14:creationId xmlns:p14="http://schemas.microsoft.com/office/powerpoint/2010/main" val="31620171"/>
+      </p:ext>
+    </p:extLst>
+  </p:cSld>
+  <p:clrMapOvr>
+    <a:masterClrMapping/>
+  </p:clrMapOvr>
+</p:sld>
+</file>
+
 <file path=ppt/slides/slide15.xml><?xml version="1.0" encoding="utf-8"?>
 <p:sld xmlns:a="http://schemas.openxmlformats.org/drawingml/2006/main" xmlns:r="http://schemas.openxmlformats.org/officeDocument/2006/relationships" xmlns:p="http://schemas.openxmlformats.org/presentationml/2006/main">
   <p:cSld>
@@ -7600,98 +7941,6 @@
       </p:grpSpPr>
       <p:sp>
         <p:nvSpPr>
-          <p:cNvPr id="10" name="Textfeld 9">
-            <a:extLst>
-              <a:ext uri="{FF2B5EF4-FFF2-40B4-BE49-F238E27FC236}">
-                <a16:creationId xmlns:a16="http://schemas.microsoft.com/office/drawing/2014/main" id="{2B5821B0-0D52-D73F-4008-837469160C34}"/>
-              </a:ext>
-            </a:extLst>
-          </p:cNvPr>
-          <p:cNvSpPr txBox="1"/>
-          <p:nvPr/>
-        </p:nvSpPr>
-        <p:spPr>
-          <a:xfrm>
-            <a:off x="611560" y="1203598"/>
-            <a:ext cx="4968552" cy="923330"/>
-          </a:xfrm>
-          <a:prstGeom prst="rect">
-            <a:avLst/>
-          </a:prstGeom>
-          <a:noFill/>
-        </p:spPr>
-        <p:txBody>
-          <a:bodyPr wrap="square" rtlCol="0">
-            <a:spAutoFit/>
-          </a:bodyPr>
-          <a:lstStyle/>
-          <a:p>
-            <a:pPr marL="285750" indent="-285750">
-              <a:buFont typeface="Arial" panose="020B0604020202020204" pitchFamily="34" charset="0"/>
-              <a:buChar char="•"/>
-            </a:pPr>
-            <a:r>
-              <a:rPr lang="de-DE" b="1" u="sng" dirty="0" err="1">
-                <a:solidFill>
-                  <a:srgbClr val="000000"/>
-                </a:solidFill>
-              </a:rPr>
-              <a:t>Floomfilter</a:t>
-            </a:r>
-            <a:r>
-              <a:rPr lang="de-DE" dirty="0">
-                <a:solidFill>
-                  <a:srgbClr val="000000"/>
-                </a:solidFill>
-              </a:rPr>
-              <a:t>:</a:t>
-            </a:r>
-            <a:endParaRPr lang="de-DE" b="1" u="sng" dirty="0">
-              <a:solidFill>
-                <a:srgbClr val="000000"/>
-              </a:solidFill>
-            </a:endParaRPr>
-          </a:p>
-          <a:p>
-            <a:pPr marL="742950" lvl="1" indent="-285750">
-              <a:buFont typeface="Arial" panose="020B0604020202020204" pitchFamily="34" charset="0"/>
-              <a:buChar char="•"/>
-            </a:pPr>
-            <a:r>
-              <a:rPr lang="de-DE" b="1" dirty="0">
-                <a:solidFill>
-                  <a:srgbClr val="000000"/>
-                </a:solidFill>
-              </a:rPr>
-              <a:t>b </a:t>
-            </a:r>
-            <a:r>
-              <a:rPr lang="de-DE" dirty="0">
-                <a:solidFill>
-                  <a:srgbClr val="000000"/>
-                </a:solidFill>
-              </a:rPr>
-              <a:t>Bereiche</a:t>
-            </a:r>
-          </a:p>
-          <a:p>
-            <a:pPr marL="742950" lvl="1" indent="-285750">
-              <a:buFont typeface="Arial" panose="020B0604020202020204" pitchFamily="34" charset="0"/>
-              <a:buChar char="•"/>
-            </a:pPr>
-            <a:r>
-              <a:rPr lang="de-DE" dirty="0">
-                <a:solidFill>
-                  <a:srgbClr val="000000"/>
-                </a:solidFill>
-              </a:rPr>
-              <a:t>Hashwertverteilung in Zusatzspeicher</a:t>
-            </a:r>
-          </a:p>
-        </p:txBody>
-      </p:sp>
-      <p:sp>
-        <p:nvSpPr>
           <p:cNvPr id="6" name="Foliennummernplatzhalter 5"/>
           <p:cNvSpPr>
             <a:spLocks noGrp="1"/>
@@ -7709,257 +7958,6 @@
               <a:rPr lang="de-DE" smtClean="0"/>
               <a:pPr/>
               <a:t>15</a:t>
-            </a:fld>
-            <a:endParaRPr lang="de-DE"/>
-          </a:p>
-        </p:txBody>
-      </p:sp>
-      <p:sp>
-        <p:nvSpPr>
-          <p:cNvPr id="3" name="Titel 2"/>
-          <p:cNvSpPr>
-            <a:spLocks noGrp="1"/>
-          </p:cNvSpPr>
-          <p:nvPr>
-            <p:ph type="title"/>
-          </p:nvPr>
-        </p:nvSpPr>
-        <p:spPr/>
-        <p:txBody>
-          <a:bodyPr/>
-          <a:lstStyle/>
-          <a:p>
-            <a:r>
-              <a:rPr lang="de-DE" dirty="0"/>
-              <a:t>BLOOM-FILTER</a:t>
-            </a:r>
-          </a:p>
-        </p:txBody>
-      </p:sp>
-      <p:sp>
-        <p:nvSpPr>
-          <p:cNvPr id="4" name="Inhaltsplatzhalter 3"/>
-          <p:cNvSpPr>
-            <a:spLocks noGrp="1"/>
-          </p:cNvSpPr>
-          <p:nvPr>
-            <p:ph sz="quarter" idx="13"/>
-          </p:nvPr>
-        </p:nvSpPr>
-        <p:spPr>
-          <a:xfrm>
-            <a:off x="936000" y="699542"/>
-            <a:ext cx="7308000" cy="429622"/>
-          </a:xfrm>
-        </p:spPr>
-        <p:txBody>
-          <a:bodyPr/>
-          <a:lstStyle/>
-          <a:p>
-            <a:r>
-              <a:rPr lang="de-DE" dirty="0"/>
-              <a:t>Varianten</a:t>
-            </a:r>
-          </a:p>
-          <a:p>
-            <a:endParaRPr lang="de-DE" dirty="0"/>
-          </a:p>
-        </p:txBody>
-      </p:sp>
-      <p:sp>
-        <p:nvSpPr>
-          <p:cNvPr id="7" name="Fußzeilenplatzhalter 6"/>
-          <p:cNvSpPr>
-            <a:spLocks noGrp="1"/>
-          </p:cNvSpPr>
-          <p:nvPr>
-            <p:ph type="ftr" sz="quarter" idx="3"/>
-          </p:nvPr>
-        </p:nvSpPr>
-        <p:spPr/>
-        <p:txBody>
-          <a:bodyPr/>
-          <a:lstStyle/>
-          <a:p>
-            <a:r>
-              <a:rPr lang="de-DE" dirty="0"/>
-              <a:t>TU Bergakademie Freiberg | Vortragender: Florian Schierz | 2022</a:t>
-            </a:r>
-          </a:p>
-        </p:txBody>
-      </p:sp>
-      <p:pic>
-        <p:nvPicPr>
-          <p:cNvPr id="9" name="Grafik 8">
-            <a:extLst>
-              <a:ext uri="{FF2B5EF4-FFF2-40B4-BE49-F238E27FC236}">
-                <a16:creationId xmlns:a16="http://schemas.microsoft.com/office/drawing/2014/main" id="{E50EBD86-0D44-2C9C-1F98-99F252C2F76A}"/>
-              </a:ext>
-            </a:extLst>
-          </p:cNvPr>
-          <p:cNvPicPr>
-            <a:picLocks noChangeAspect="1"/>
-          </p:cNvPicPr>
-          <p:nvPr/>
-        </p:nvPicPr>
-        <p:blipFill rotWithShape="1">
-          <a:blip r:embed="rId2">
-            <a:extLst>
-              <a:ext uri="{28A0092B-C50C-407E-A947-70E740481C1C}">
-                <a14:useLocalDpi xmlns:a14="http://schemas.microsoft.com/office/drawing/2010/main" val="0"/>
-              </a:ext>
-              <a:ext uri="{96DAC541-7B7A-43D3-8B79-37D633B846F1}">
-                <asvg:svgBlip xmlns:asvg="http://schemas.microsoft.com/office/drawing/2016/SVG/main" r:embed="rId3"/>
-              </a:ext>
-            </a:extLst>
-          </a:blip>
-          <a:srcRect b="59800"/>
-          <a:stretch/>
-        </p:blipFill>
-        <p:spPr>
-          <a:xfrm>
-            <a:off x="1311103" y="1558438"/>
-            <a:ext cx="6521793" cy="3708120"/>
-          </a:xfrm>
-          <a:prstGeom prst="rect">
-            <a:avLst/>
-          </a:prstGeom>
-        </p:spPr>
-      </p:pic>
-      <p:sp>
-        <p:nvSpPr>
-          <p:cNvPr id="11" name="Textfeld 10">
-            <a:extLst>
-              <a:ext uri="{FF2B5EF4-FFF2-40B4-BE49-F238E27FC236}">
-                <a16:creationId xmlns:a16="http://schemas.microsoft.com/office/drawing/2014/main" id="{388F31B0-CEC7-C24E-8158-3C0FD265C36C}"/>
-              </a:ext>
-            </a:extLst>
-          </p:cNvPr>
-          <p:cNvSpPr txBox="1"/>
-          <p:nvPr/>
-        </p:nvSpPr>
-        <p:spPr>
-          <a:xfrm>
-            <a:off x="4572000" y="1203598"/>
-            <a:ext cx="3888432" cy="1200329"/>
-          </a:xfrm>
-          <a:prstGeom prst="rect">
-            <a:avLst/>
-          </a:prstGeom>
-          <a:noFill/>
-        </p:spPr>
-        <p:txBody>
-          <a:bodyPr wrap="square" rtlCol="0">
-            <a:spAutoFit/>
-          </a:bodyPr>
-          <a:lstStyle/>
-          <a:p>
-            <a:pPr marL="742950" lvl="1" indent="-285750">
-              <a:buFont typeface="Arial" panose="020B0604020202020204" pitchFamily="34" charset="0"/>
-              <a:buChar char="•"/>
-            </a:pPr>
-            <a:endParaRPr lang="de-DE" b="1" dirty="0"/>
-          </a:p>
-          <a:p>
-            <a:pPr marL="742950" lvl="1" indent="-285750">
-              <a:buFont typeface="Arial" panose="020B0604020202020204" pitchFamily="34" charset="0"/>
-              <a:buChar char="•"/>
-            </a:pPr>
-            <a:r>
-              <a:rPr lang="de-DE" dirty="0">
-                <a:solidFill>
-                  <a:srgbClr val="000000"/>
-                </a:solidFill>
-              </a:rPr>
-              <a:t>Weiteres </a:t>
-            </a:r>
-            <a:r>
-              <a:rPr lang="de-DE" b="1" dirty="0">
-                <a:solidFill>
-                  <a:srgbClr val="000000"/>
-                </a:solidFill>
-              </a:rPr>
-              <a:t>Prüfkriterium</a:t>
-            </a:r>
-            <a:r>
-              <a:rPr lang="de-DE" dirty="0">
-                <a:solidFill>
-                  <a:srgbClr val="000000"/>
-                </a:solidFill>
-              </a:rPr>
-              <a:t>, um </a:t>
-            </a:r>
-            <a:r>
-              <a:rPr lang="de-DE" b="1" dirty="0">
-                <a:solidFill>
-                  <a:srgbClr val="000000"/>
-                </a:solidFill>
-              </a:rPr>
-              <a:t>FPP</a:t>
-            </a:r>
-            <a:r>
-              <a:rPr lang="de-DE" dirty="0">
-                <a:solidFill>
-                  <a:srgbClr val="000000"/>
-                </a:solidFill>
-              </a:rPr>
-              <a:t> zu senken</a:t>
-            </a:r>
-          </a:p>
-          <a:p>
-            <a:endParaRPr lang="de-DE" dirty="0"/>
-          </a:p>
-        </p:txBody>
-      </p:sp>
-    </p:spTree>
-    <p:extLst>
-      <p:ext uri="{BB962C8B-B14F-4D97-AF65-F5344CB8AC3E}">
-        <p14:creationId xmlns:p14="http://schemas.microsoft.com/office/powerpoint/2010/main" val="31620171"/>
-      </p:ext>
-    </p:extLst>
-  </p:cSld>
-  <p:clrMapOvr>
-    <a:masterClrMapping/>
-  </p:clrMapOvr>
-</p:sld>
-</file>
-
-<file path=ppt/slides/slide16.xml><?xml version="1.0" encoding="utf-8"?>
-<p:sld xmlns:a="http://schemas.openxmlformats.org/drawingml/2006/main" xmlns:r="http://schemas.openxmlformats.org/officeDocument/2006/relationships" xmlns:p="http://schemas.openxmlformats.org/presentationml/2006/main">
-  <p:cSld>
-    <p:spTree>
-      <p:nvGrpSpPr>
-        <p:cNvPr id="1" name=""/>
-        <p:cNvGrpSpPr/>
-        <p:nvPr/>
-      </p:nvGrpSpPr>
-      <p:grpSpPr>
-        <a:xfrm>
-          <a:off x="0" y="0"/>
-          <a:ext cx="0" cy="0"/>
-          <a:chOff x="0" y="0"/>
-          <a:chExt cx="0" cy="0"/>
-        </a:xfrm>
-      </p:grpSpPr>
-      <p:sp>
-        <p:nvSpPr>
-          <p:cNvPr id="6" name="Foliennummernplatzhalter 5"/>
-          <p:cNvSpPr>
-            <a:spLocks noGrp="1"/>
-          </p:cNvSpPr>
-          <p:nvPr>
-            <p:ph type="sldNum" sz="quarter" idx="4"/>
-          </p:nvPr>
-        </p:nvSpPr>
-        <p:spPr/>
-        <p:txBody>
-          <a:bodyPr/>
-          <a:lstStyle/>
-          <a:p>
-            <a:fld id="{F9CA7F02-FF28-4D8F-AF3B-6C950C783A54}" type="slidenum">
-              <a:rPr lang="de-DE" smtClean="0"/>
-              <a:pPr/>
-              <a:t>16</a:t>
             </a:fld>
             <a:endParaRPr lang="de-DE"/>
           </a:p>
@@ -8131,7 +8129,7 @@
     </p:spTree>
     <p:extLst>
       <p:ext uri="{BB962C8B-B14F-4D97-AF65-F5344CB8AC3E}">
-        <p14:creationId xmlns:p14="http://schemas.microsoft.com/office/powerpoint/2010/main" val="2634189153"/>
+        <p14:creationId xmlns:p14="http://schemas.microsoft.com/office/powerpoint/2010/main" val="853280691"/>
       </p:ext>
     </p:extLst>
   </p:cSld>
@@ -8141,7 +8139,7 @@
 </p:sld>
 </file>
 
-<file path=ppt/slides/slide17.xml><?xml version="1.0" encoding="utf-8"?>
+<file path=ppt/slides/slide16.xml><?xml version="1.0" encoding="utf-8"?>
 <p:sld xmlns:a="http://schemas.openxmlformats.org/drawingml/2006/main" xmlns:r="http://schemas.openxmlformats.org/officeDocument/2006/relationships" xmlns:p="http://schemas.openxmlformats.org/presentationml/2006/main">
   <p:cSld>
     <p:spTree>
@@ -8176,7 +8174,7 @@
             <a:fld id="{F9CA7F02-FF28-4D8F-AF3B-6C950C783A54}" type="slidenum">
               <a:rPr lang="de-DE" smtClean="0"/>
               <a:pPr/>
-              <a:t>17</a:t>
+              <a:t>16</a:t>
             </a:fld>
             <a:endParaRPr lang="de-DE"/>
           </a:p>
@@ -8358,7 +8356,7 @@
 </p:sld>
 </file>
 
-<file path=ppt/slides/slide18.xml><?xml version="1.0" encoding="utf-8"?>
+<file path=ppt/slides/slide17.xml><?xml version="1.0" encoding="utf-8"?>
 <p:sld xmlns:a="http://schemas.openxmlformats.org/drawingml/2006/main" xmlns:r="http://schemas.openxmlformats.org/officeDocument/2006/relationships" xmlns:p="http://schemas.openxmlformats.org/presentationml/2006/main">
   <p:cSld>
     <p:spTree>
@@ -8393,7 +8391,7 @@
             <a:fld id="{F9CA7F02-FF28-4D8F-AF3B-6C950C783A54}" type="slidenum">
               <a:rPr lang="de-DE" smtClean="0"/>
               <a:pPr/>
-              <a:t>18</a:t>
+              <a:t>17</a:t>
             </a:fld>
             <a:endParaRPr lang="de-DE"/>
           </a:p>
@@ -8575,7 +8573,7 @@
 </p:sld>
 </file>
 
-<file path=ppt/slides/slide19.xml><?xml version="1.0" encoding="utf-8"?>
+<file path=ppt/slides/slide18.xml><?xml version="1.0" encoding="utf-8"?>
 <p:sld xmlns:a="http://schemas.openxmlformats.org/drawingml/2006/main" xmlns:r="http://schemas.openxmlformats.org/officeDocument/2006/relationships" xmlns:p="http://schemas.openxmlformats.org/presentationml/2006/main">
   <p:cSld>
     <p:spTree>
@@ -8610,7 +8608,7 @@
             <a:fld id="{F9CA7F02-FF28-4D8F-AF3B-6C950C783A54}" type="slidenum">
               <a:rPr lang="de-DE" smtClean="0"/>
               <a:pPr/>
-              <a:t>19</a:t>
+              <a:t>18</a:t>
             </a:fld>
             <a:endParaRPr lang="de-DE"/>
           </a:p>
@@ -8783,6 +8781,381 @@
     <p:extLst>
       <p:ext uri="{BB962C8B-B14F-4D97-AF65-F5344CB8AC3E}">
         <p14:creationId xmlns:p14="http://schemas.microsoft.com/office/powerpoint/2010/main" val="2575325771"/>
+      </p:ext>
+    </p:extLst>
+  </p:cSld>
+  <p:clrMapOvr>
+    <a:masterClrMapping/>
+  </p:clrMapOvr>
+</p:sld>
+</file>
+
+<file path=ppt/slides/slide19.xml><?xml version="1.0" encoding="utf-8"?>
+<p:sld xmlns:a="http://schemas.openxmlformats.org/drawingml/2006/main" xmlns:r="http://schemas.openxmlformats.org/officeDocument/2006/relationships" xmlns:p="http://schemas.openxmlformats.org/presentationml/2006/main">
+  <p:cSld>
+    <p:spTree>
+      <p:nvGrpSpPr>
+        <p:cNvPr id="1" name=""/>
+        <p:cNvGrpSpPr/>
+        <p:nvPr/>
+      </p:nvGrpSpPr>
+      <p:grpSpPr>
+        <a:xfrm>
+          <a:off x="0" y="0"/>
+          <a:ext cx="0" cy="0"/>
+          <a:chOff x="0" y="0"/>
+          <a:chExt cx="0" cy="0"/>
+        </a:xfrm>
+      </p:grpSpPr>
+      <p:sp>
+        <p:nvSpPr>
+          <p:cNvPr id="6" name="Foliennummernplatzhalter 5"/>
+          <p:cNvSpPr>
+            <a:spLocks noGrp="1"/>
+          </p:cNvSpPr>
+          <p:nvPr>
+            <p:ph type="sldNum" sz="quarter" idx="4"/>
+          </p:nvPr>
+        </p:nvSpPr>
+        <p:spPr/>
+        <p:txBody>
+          <a:bodyPr/>
+          <a:lstStyle/>
+          <a:p>
+            <a:fld id="{F9CA7F02-FF28-4D8F-AF3B-6C950C783A54}" type="slidenum">
+              <a:rPr lang="de-DE" smtClean="0"/>
+              <a:pPr/>
+              <a:t>19</a:t>
+            </a:fld>
+            <a:endParaRPr lang="de-DE"/>
+          </a:p>
+        </p:txBody>
+      </p:sp>
+      <p:sp>
+        <p:nvSpPr>
+          <p:cNvPr id="3" name="Titel 2"/>
+          <p:cNvSpPr>
+            <a:spLocks noGrp="1"/>
+          </p:cNvSpPr>
+          <p:nvPr>
+            <p:ph type="title"/>
+          </p:nvPr>
+        </p:nvSpPr>
+        <p:spPr/>
+        <p:txBody>
+          <a:bodyPr/>
+          <a:lstStyle/>
+          <a:p>
+            <a:r>
+              <a:rPr lang="de-DE" dirty="0"/>
+              <a:t>BLOOM-FILTER</a:t>
+            </a:r>
+          </a:p>
+        </p:txBody>
+      </p:sp>
+      <p:sp>
+        <p:nvSpPr>
+          <p:cNvPr id="4" name="Inhaltsplatzhalter 3"/>
+          <p:cNvSpPr>
+            <a:spLocks noGrp="1"/>
+          </p:cNvSpPr>
+          <p:nvPr>
+            <p:ph sz="quarter" idx="13"/>
+          </p:nvPr>
+        </p:nvSpPr>
+        <p:spPr>
+          <a:xfrm>
+            <a:off x="936000" y="699542"/>
+            <a:ext cx="7308000" cy="429622"/>
+          </a:xfrm>
+        </p:spPr>
+        <p:txBody>
+          <a:bodyPr/>
+          <a:lstStyle/>
+          <a:p>
+            <a:r>
+              <a:rPr lang="de-DE" dirty="0"/>
+              <a:t>Vergleich der Varianten</a:t>
+            </a:r>
+          </a:p>
+        </p:txBody>
+      </p:sp>
+      <p:sp>
+        <p:nvSpPr>
+          <p:cNvPr id="7" name="Fußzeilenplatzhalter 6"/>
+          <p:cNvSpPr>
+            <a:spLocks noGrp="1"/>
+          </p:cNvSpPr>
+          <p:nvPr>
+            <p:ph type="ftr" sz="quarter" idx="3"/>
+          </p:nvPr>
+        </p:nvSpPr>
+        <p:spPr/>
+        <p:txBody>
+          <a:bodyPr/>
+          <a:lstStyle/>
+          <a:p>
+            <a:r>
+              <a:rPr lang="de-DE" dirty="0"/>
+              <a:t>TU Bergakademie Freiberg | Vortragender: Florian Schierz | 2022</a:t>
+            </a:r>
+          </a:p>
+        </p:txBody>
+      </p:sp>
+      <p:sp>
+        <p:nvSpPr>
+          <p:cNvPr id="8" name="Textfeld 7">
+            <a:extLst>
+              <a:ext uri="{FF2B5EF4-FFF2-40B4-BE49-F238E27FC236}">
+                <a16:creationId xmlns:a16="http://schemas.microsoft.com/office/drawing/2014/main" id="{7162C9EA-9725-333A-21C5-65FC349B92B6}"/>
+              </a:ext>
+            </a:extLst>
+          </p:cNvPr>
+          <p:cNvSpPr txBox="1"/>
+          <p:nvPr/>
+        </p:nvSpPr>
+        <p:spPr>
+          <a:xfrm>
+            <a:off x="611560" y="1203598"/>
+            <a:ext cx="8280920" cy="3139321"/>
+          </a:xfrm>
+          <a:prstGeom prst="rect">
+            <a:avLst/>
+          </a:prstGeom>
+          <a:noFill/>
+        </p:spPr>
+        <p:txBody>
+          <a:bodyPr wrap="square" rtlCol="0">
+            <a:spAutoFit/>
+          </a:bodyPr>
+          <a:lstStyle/>
+          <a:p>
+            <a:pPr marL="285750" indent="-285750">
+              <a:buFont typeface="Arial" panose="020B0604020202020204" pitchFamily="34" charset="0"/>
+              <a:buChar char="•"/>
+            </a:pPr>
+            <a:r>
+              <a:rPr lang="de-DE" dirty="0">
+                <a:solidFill>
+                  <a:srgbClr val="000000"/>
+                </a:solidFill>
+              </a:rPr>
+              <a:t>FPR zwischen 		0.005 und 0.05</a:t>
+            </a:r>
+          </a:p>
+          <a:p>
+            <a:pPr marL="285750" indent="-285750">
+              <a:buFont typeface="Arial" panose="020B0604020202020204" pitchFamily="34" charset="0"/>
+              <a:buChar char="•"/>
+            </a:pPr>
+            <a:r>
+              <a:rPr lang="de-DE" dirty="0">
+                <a:solidFill>
+                  <a:srgbClr val="000000"/>
+                </a:solidFill>
+              </a:rPr>
+              <a:t>N zwischen 		500 und 500 000</a:t>
+            </a:r>
+          </a:p>
+          <a:p>
+            <a:pPr marL="285750" indent="-285750">
+              <a:buFont typeface="Arial" panose="020B0604020202020204" pitchFamily="34" charset="0"/>
+              <a:buChar char="•"/>
+            </a:pPr>
+            <a:r>
+              <a:rPr lang="de-DE" dirty="0">
+                <a:solidFill>
+                  <a:srgbClr val="000000"/>
+                </a:solidFill>
+              </a:rPr>
+              <a:t>Bereiche zwischen 	8 und 20</a:t>
+            </a:r>
+          </a:p>
+          <a:p>
+            <a:pPr marL="285750" indent="-285750">
+              <a:buFont typeface="Arial" panose="020B0604020202020204" pitchFamily="34" charset="0"/>
+              <a:buChar char="•"/>
+            </a:pPr>
+            <a:endParaRPr lang="de-DE" dirty="0">
+              <a:solidFill>
+                <a:srgbClr val="000000"/>
+              </a:solidFill>
+            </a:endParaRPr>
+          </a:p>
+          <a:p>
+            <a:pPr marL="285750" indent="-285750">
+              <a:buFont typeface="Arial" panose="020B0604020202020204" pitchFamily="34" charset="0"/>
+              <a:buChar char="•"/>
+            </a:pPr>
+            <a:r>
+              <a:rPr lang="de-DE" dirty="0">
+                <a:solidFill>
+                  <a:srgbClr val="000000"/>
+                </a:solidFill>
+              </a:rPr>
+              <a:t>Verbesserung durch FF</a:t>
+            </a:r>
+            <a:br>
+              <a:rPr lang="de-DE" dirty="0">
+                <a:solidFill>
+                  <a:srgbClr val="000000"/>
+                </a:solidFill>
+              </a:rPr>
+            </a:br>
+            <a:r>
+              <a:rPr lang="de-DE" dirty="0">
+                <a:solidFill>
+                  <a:srgbClr val="000000"/>
+                </a:solidFill>
+              </a:rPr>
+              <a:t>im Vergleich zu BBF: 	29 von 300 Fälle</a:t>
+            </a:r>
+          </a:p>
+          <a:p>
+            <a:pPr marL="285750" indent="-285750">
+              <a:buFont typeface="Arial" panose="020B0604020202020204" pitchFamily="34" charset="0"/>
+              <a:buChar char="•"/>
+            </a:pPr>
+            <a:endParaRPr lang="de-DE" dirty="0">
+              <a:solidFill>
+                <a:srgbClr val="000000"/>
+              </a:solidFill>
+            </a:endParaRPr>
+          </a:p>
+          <a:p>
+            <a:pPr marL="285750" indent="-285750">
+              <a:buFont typeface="Arial" panose="020B0604020202020204" pitchFamily="34" charset="0"/>
+              <a:buChar char="•"/>
+            </a:pPr>
+            <a:endParaRPr lang="de-DE" dirty="0">
+              <a:solidFill>
+                <a:srgbClr val="000000"/>
+              </a:solidFill>
+            </a:endParaRPr>
+          </a:p>
+          <a:p>
+            <a:pPr marL="285750" indent="-285750">
+              <a:buFont typeface="Arial" panose="020B0604020202020204" pitchFamily="34" charset="0"/>
+              <a:buChar char="•"/>
+            </a:pPr>
+            <a:r>
+              <a:rPr lang="de-DE" dirty="0">
+                <a:solidFill>
+                  <a:srgbClr val="000000"/>
+                </a:solidFill>
+              </a:rPr>
+              <a:t>FF besser als BBF: 	</a:t>
+            </a:r>
+            <a:r>
+              <a:rPr lang="de-DE" sz="1800" b="0" i="0" u="none" strike="noStrike" dirty="0">
+                <a:solidFill>
+                  <a:srgbClr val="006100"/>
+                </a:solidFill>
+                <a:effectLst/>
+                <a:latin typeface="Calibri" panose="020F0502020204030204" pitchFamily="34" charset="0"/>
+              </a:rPr>
+              <a:t>maximal 3.23%</a:t>
+            </a:r>
+          </a:p>
+          <a:p>
+            <a:pPr marL="285750" indent="-285750">
+              <a:buFont typeface="Arial" panose="020B0604020202020204" pitchFamily="34" charset="0"/>
+              <a:buChar char="•"/>
+            </a:pPr>
+            <a:r>
+              <a:rPr lang="de-DE" dirty="0">
+                <a:solidFill>
+                  <a:srgbClr val="000000"/>
+                </a:solidFill>
+                <a:latin typeface="Calibri" panose="020F0502020204030204" pitchFamily="34" charset="0"/>
+              </a:rPr>
+              <a:t>FF schlechter als BBF: 	</a:t>
+            </a:r>
+            <a:r>
+              <a:rPr lang="de-DE" dirty="0">
+                <a:solidFill>
+                  <a:srgbClr val="9C0006"/>
+                </a:solidFill>
+                <a:latin typeface="Calibri" panose="020F0502020204030204" pitchFamily="34" charset="0"/>
+              </a:rPr>
+              <a:t>maximal</a:t>
+            </a:r>
+            <a:r>
+              <a:rPr lang="de-DE" dirty="0">
+                <a:solidFill>
+                  <a:srgbClr val="006100"/>
+                </a:solidFill>
+                <a:latin typeface="Calibri" panose="020F0502020204030204" pitchFamily="34" charset="0"/>
+              </a:rPr>
+              <a:t> </a:t>
+            </a:r>
+            <a:r>
+              <a:rPr lang="de-DE" sz="1800" b="0" i="0" u="none" strike="noStrike" dirty="0">
+                <a:solidFill>
+                  <a:srgbClr val="9C0006"/>
+                </a:solidFill>
+                <a:effectLst/>
+                <a:latin typeface="Calibri" panose="020F0502020204030204" pitchFamily="34" charset="0"/>
+              </a:rPr>
+              <a:t>-100.75%</a:t>
+            </a:r>
+            <a:r>
+              <a:rPr lang="de-DE" dirty="0"/>
+              <a:t> </a:t>
+            </a:r>
+            <a:endParaRPr lang="de-DE" dirty="0">
+              <a:solidFill>
+                <a:srgbClr val="000000"/>
+              </a:solidFill>
+            </a:endParaRPr>
+          </a:p>
+          <a:p>
+            <a:pPr marL="285750" indent="-285750">
+              <a:buFont typeface="Arial" panose="020B0604020202020204" pitchFamily="34" charset="0"/>
+              <a:buChar char="•"/>
+            </a:pPr>
+            <a:endParaRPr lang="de-DE" dirty="0">
+              <a:solidFill>
+                <a:srgbClr val="000000"/>
+              </a:solidFill>
+            </a:endParaRPr>
+          </a:p>
+        </p:txBody>
+      </p:sp>
+      <p:pic>
+        <p:nvPicPr>
+          <p:cNvPr id="5" name="Grafik 4">
+            <a:extLst>
+              <a:ext uri="{FF2B5EF4-FFF2-40B4-BE49-F238E27FC236}">
+                <a16:creationId xmlns:a16="http://schemas.microsoft.com/office/drawing/2014/main" id="{51578ADB-9C1C-23A0-B766-07A4133DE2CE}"/>
+              </a:ext>
+            </a:extLst>
+          </p:cNvPr>
+          <p:cNvPicPr>
+            <a:picLocks noChangeAspect="1"/>
+          </p:cNvPicPr>
+          <p:nvPr/>
+        </p:nvPicPr>
+        <p:blipFill>
+          <a:blip r:embed="rId3"/>
+          <a:stretch>
+            <a:fillRect/>
+          </a:stretch>
+        </p:blipFill>
+        <p:spPr>
+          <a:xfrm>
+            <a:off x="6948264" y="810000"/>
+            <a:ext cx="835368" cy="3738039"/>
+          </a:xfrm>
+          <a:prstGeom prst="rect">
+            <a:avLst/>
+          </a:prstGeom>
+        </p:spPr>
+      </p:pic>
+    </p:spTree>
+    <p:extLst>
+      <p:ext uri="{BB962C8B-B14F-4D97-AF65-F5344CB8AC3E}">
+        <p14:creationId xmlns:p14="http://schemas.microsoft.com/office/powerpoint/2010/main" val="2634189153"/>
       </p:ext>
     </p:extLst>
   </p:cSld>
@@ -8994,768 +9367,6 @@
               <a:pPr/>
               <a:t>20</a:t>
             </a:fld>
-            <a:endParaRPr lang="de-DE" dirty="0"/>
-          </a:p>
-        </p:txBody>
-      </p:sp>
-      <p:sp>
-        <p:nvSpPr>
-          <p:cNvPr id="3" name="Titel 2"/>
-          <p:cNvSpPr>
-            <a:spLocks noGrp="1"/>
-          </p:cNvSpPr>
-          <p:nvPr>
-            <p:ph type="title"/>
-          </p:nvPr>
-        </p:nvSpPr>
-        <p:spPr/>
-        <p:txBody>
-          <a:bodyPr/>
-          <a:lstStyle/>
-          <a:p>
-            <a:r>
-              <a:rPr lang="de-DE" dirty="0"/>
-              <a:t>BLOOM-FILTER</a:t>
-            </a:r>
-          </a:p>
-        </p:txBody>
-      </p:sp>
-      <p:sp>
-        <p:nvSpPr>
-          <p:cNvPr id="4" name="Inhaltsplatzhalter 3"/>
-          <p:cNvSpPr>
-            <a:spLocks noGrp="1"/>
-          </p:cNvSpPr>
-          <p:nvPr>
-            <p:ph sz="quarter" idx="13"/>
-          </p:nvPr>
-        </p:nvSpPr>
-        <p:spPr>
-          <a:xfrm>
-            <a:off x="936000" y="699542"/>
-            <a:ext cx="7308000" cy="429622"/>
-          </a:xfrm>
-        </p:spPr>
-        <p:txBody>
-          <a:bodyPr/>
-          <a:lstStyle/>
-          <a:p>
-            <a:r>
-              <a:rPr lang="de-DE" dirty="0"/>
-              <a:t>Anwendungen</a:t>
-            </a:r>
-          </a:p>
-        </p:txBody>
-      </p:sp>
-      <p:sp>
-        <p:nvSpPr>
-          <p:cNvPr id="7" name="Fußzeilenplatzhalter 6"/>
-          <p:cNvSpPr>
-            <a:spLocks noGrp="1"/>
-          </p:cNvSpPr>
-          <p:nvPr>
-            <p:ph type="ftr" sz="quarter" idx="3"/>
-          </p:nvPr>
-        </p:nvSpPr>
-        <p:spPr/>
-        <p:txBody>
-          <a:bodyPr/>
-          <a:lstStyle/>
-          <a:p>
-            <a:r>
-              <a:rPr lang="de-DE" dirty="0"/>
-              <a:t>TU Bergakademie Freiberg | Vortragender: Florian Schierz | 2022</a:t>
-            </a:r>
-          </a:p>
-        </p:txBody>
-      </p:sp>
-      <p:sp>
-        <p:nvSpPr>
-          <p:cNvPr id="8" name="Textfeld 7">
-            <a:extLst>
-              <a:ext uri="{FF2B5EF4-FFF2-40B4-BE49-F238E27FC236}">
-                <a16:creationId xmlns:a16="http://schemas.microsoft.com/office/drawing/2014/main" id="{FFAF0D22-364A-FFB6-C212-9497C974D5B8}"/>
-              </a:ext>
-            </a:extLst>
-          </p:cNvPr>
-          <p:cNvSpPr txBox="1"/>
-          <p:nvPr/>
-        </p:nvSpPr>
-        <p:spPr>
-          <a:xfrm>
-            <a:off x="611560" y="1203598"/>
-            <a:ext cx="7632440" cy="2862322"/>
-          </a:xfrm>
-          <a:prstGeom prst="rect">
-            <a:avLst/>
-          </a:prstGeom>
-          <a:noFill/>
-        </p:spPr>
-        <p:txBody>
-          <a:bodyPr wrap="square" rtlCol="0">
-            <a:spAutoFit/>
-          </a:bodyPr>
-          <a:lstStyle/>
-          <a:p>
-            <a:pPr marL="285750" indent="-285750">
-              <a:buFont typeface="Arial" panose="020B0604020202020204" pitchFamily="34" charset="0"/>
-              <a:buChar char="•"/>
-            </a:pPr>
-            <a:r>
-              <a:rPr lang="de-DE" b="1" dirty="0"/>
-              <a:t>Allgemein:</a:t>
-            </a:r>
-            <a:r>
-              <a:rPr lang="de-DE" dirty="0"/>
-              <a:t> </a:t>
-            </a:r>
-            <a:r>
-              <a:rPr lang="de-DE" dirty="0">
-                <a:solidFill>
-                  <a:srgbClr val="000000"/>
-                </a:solidFill>
-              </a:rPr>
-              <a:t>Überall, wo in </a:t>
-            </a:r>
-            <a:r>
-              <a:rPr lang="de-DE" b="1" dirty="0">
-                <a:solidFill>
-                  <a:srgbClr val="000000"/>
-                </a:solidFill>
-              </a:rPr>
-              <a:t>kurzer Zeit </a:t>
-            </a:r>
-            <a:r>
-              <a:rPr lang="de-DE" dirty="0">
-                <a:solidFill>
-                  <a:srgbClr val="000000"/>
-                </a:solidFill>
-              </a:rPr>
-              <a:t>eine Aussage über </a:t>
-            </a:r>
-            <a:r>
-              <a:rPr lang="de-DE" b="1" dirty="0">
-                <a:solidFill>
-                  <a:srgbClr val="000000"/>
-                </a:solidFill>
-              </a:rPr>
-              <a:t>Mitgliedschaft</a:t>
-            </a:r>
-            <a:r>
-              <a:rPr lang="de-DE" dirty="0">
-                <a:solidFill>
-                  <a:srgbClr val="000000"/>
-                </a:solidFill>
-              </a:rPr>
-              <a:t> eines Elements in einer vorhandenen Menge Elementen gefragt ist [2]</a:t>
-            </a:r>
-          </a:p>
-          <a:p>
-            <a:pPr marL="285750" indent="-285750">
-              <a:buFont typeface="Arial" panose="020B0604020202020204" pitchFamily="34" charset="0"/>
-              <a:buChar char="•"/>
-            </a:pPr>
-            <a:endParaRPr lang="de-DE" dirty="0"/>
-          </a:p>
-          <a:p>
-            <a:pPr marL="285750" indent="-285750">
-              <a:buFont typeface="Arial" panose="020B0604020202020204" pitchFamily="34" charset="0"/>
-              <a:buChar char="•"/>
-            </a:pPr>
-            <a:r>
-              <a:rPr lang="de-DE" b="1" dirty="0"/>
-              <a:t>Netzwerkanwendungen:</a:t>
-            </a:r>
-            <a:endParaRPr lang="de-DE" dirty="0"/>
-          </a:p>
-          <a:p>
-            <a:pPr marL="742950" lvl="1" indent="-285750">
-              <a:buFont typeface="Arial" panose="020B0604020202020204" pitchFamily="34" charset="0"/>
-              <a:buChar char="•"/>
-            </a:pPr>
-            <a:r>
-              <a:rPr lang="de-DE" dirty="0">
-                <a:solidFill>
-                  <a:srgbClr val="000000"/>
-                </a:solidFill>
-              </a:rPr>
-              <a:t>Routing [10]</a:t>
-            </a:r>
-          </a:p>
-          <a:p>
-            <a:pPr marL="742950" lvl="1" indent="-285750">
-              <a:buFont typeface="Arial" panose="020B0604020202020204" pitchFamily="34" charset="0"/>
-              <a:buChar char="•"/>
-            </a:pPr>
-            <a:r>
-              <a:rPr lang="de-DE" dirty="0">
-                <a:solidFill>
-                  <a:srgbClr val="000000"/>
-                </a:solidFill>
-              </a:rPr>
-              <a:t>Verhinderung von Loops [11]</a:t>
-            </a:r>
-          </a:p>
-          <a:p>
-            <a:pPr marL="742950" lvl="1" indent="-285750">
-              <a:buFont typeface="Arial" panose="020B0604020202020204" pitchFamily="34" charset="0"/>
-              <a:buChar char="•"/>
-            </a:pPr>
-            <a:r>
-              <a:rPr lang="de-DE" dirty="0">
-                <a:solidFill>
-                  <a:srgbClr val="000000"/>
-                </a:solidFill>
-              </a:rPr>
-              <a:t>IP-Routenverfolgung [12]</a:t>
-            </a:r>
-          </a:p>
-          <a:p>
-            <a:pPr marL="742950" lvl="1" indent="-285750">
-              <a:buFont typeface="Arial" panose="020B0604020202020204" pitchFamily="34" charset="0"/>
-              <a:buChar char="•"/>
-            </a:pPr>
-            <a:r>
-              <a:rPr lang="de-DE" dirty="0">
-                <a:solidFill>
-                  <a:srgbClr val="000000"/>
-                </a:solidFill>
-              </a:rPr>
-              <a:t>Verhindern von DDoS-Angriffen [3], [12]</a:t>
-            </a:r>
-          </a:p>
-          <a:p>
-            <a:pPr marL="742950" lvl="1" indent="-285750">
-              <a:buFont typeface="Arial" panose="020B0604020202020204" pitchFamily="34" charset="0"/>
-              <a:buChar char="•"/>
-            </a:pPr>
-            <a:r>
-              <a:rPr lang="de-DE" dirty="0">
-                <a:solidFill>
-                  <a:srgbClr val="000000"/>
-                </a:solidFill>
-              </a:rPr>
-              <a:t>Web-Caches [13]</a:t>
-            </a:r>
-          </a:p>
-          <a:p>
-            <a:pPr marL="742950" lvl="1" indent="-285750">
-              <a:buFont typeface="Arial" panose="020B0604020202020204" pitchFamily="34" charset="0"/>
-              <a:buChar char="•"/>
-            </a:pPr>
-            <a:endParaRPr lang="de-DE" dirty="0"/>
-          </a:p>
-        </p:txBody>
-      </p:sp>
-      <p:pic>
-        <p:nvPicPr>
-          <p:cNvPr id="9" name="Grafik 8">
-            <a:extLst>
-              <a:ext uri="{FF2B5EF4-FFF2-40B4-BE49-F238E27FC236}">
-                <a16:creationId xmlns:a16="http://schemas.microsoft.com/office/drawing/2014/main" id="{770E8199-D9EB-DDFE-B306-18878E8EC9A6}"/>
-              </a:ext>
-            </a:extLst>
-          </p:cNvPr>
-          <p:cNvPicPr>
-            <a:picLocks noChangeAspect="1"/>
-          </p:cNvPicPr>
-          <p:nvPr/>
-        </p:nvPicPr>
-        <p:blipFill rotWithShape="1">
-          <a:blip r:embed="rId2">
-            <a:extLst>
-              <a:ext uri="{28A0092B-C50C-407E-A947-70E740481C1C}">
-                <a14:useLocalDpi xmlns:a14="http://schemas.microsoft.com/office/drawing/2010/main" val="0"/>
-              </a:ext>
-              <a:ext uri="{96DAC541-7B7A-43D3-8B79-37D633B846F1}">
-                <asvg:svgBlip xmlns:asvg="http://schemas.microsoft.com/office/drawing/2016/SVG/main" r:embed="rId3"/>
-              </a:ext>
-            </a:extLst>
-          </a:blip>
-          <a:srcRect l="6438" b="44350"/>
-          <a:stretch/>
-        </p:blipFill>
-        <p:spPr>
-          <a:xfrm>
-            <a:off x="4716015" y="1404062"/>
-            <a:ext cx="4051804" cy="3408551"/>
-          </a:xfrm>
-          <a:prstGeom prst="rect">
-            <a:avLst/>
-          </a:prstGeom>
-        </p:spPr>
-      </p:pic>
-    </p:spTree>
-    <p:extLst>
-      <p:ext uri="{BB962C8B-B14F-4D97-AF65-F5344CB8AC3E}">
-        <p14:creationId xmlns:p14="http://schemas.microsoft.com/office/powerpoint/2010/main" val="4003297358"/>
-      </p:ext>
-    </p:extLst>
-  </p:cSld>
-  <p:clrMapOvr>
-    <a:masterClrMapping/>
-  </p:clrMapOvr>
-</p:sld>
-</file>
-
-<file path=ppt/slides/slide21.xml><?xml version="1.0" encoding="utf-8"?>
-<p:sld xmlns:a="http://schemas.openxmlformats.org/drawingml/2006/main" xmlns:r="http://schemas.openxmlformats.org/officeDocument/2006/relationships" xmlns:p="http://schemas.openxmlformats.org/presentationml/2006/main">
-  <p:cSld>
-    <p:spTree>
-      <p:nvGrpSpPr>
-        <p:cNvPr id="1" name=""/>
-        <p:cNvGrpSpPr/>
-        <p:nvPr/>
-      </p:nvGrpSpPr>
-      <p:grpSpPr>
-        <a:xfrm>
-          <a:off x="0" y="0"/>
-          <a:ext cx="0" cy="0"/>
-          <a:chOff x="0" y="0"/>
-          <a:chExt cx="0" cy="0"/>
-        </a:xfrm>
-      </p:grpSpPr>
-      <p:sp>
-        <p:nvSpPr>
-          <p:cNvPr id="6" name="Foliennummernplatzhalter 5"/>
-          <p:cNvSpPr>
-            <a:spLocks noGrp="1"/>
-          </p:cNvSpPr>
-          <p:nvPr>
-            <p:ph type="sldNum" sz="quarter" idx="4"/>
-          </p:nvPr>
-        </p:nvSpPr>
-        <p:spPr/>
-        <p:txBody>
-          <a:bodyPr/>
-          <a:lstStyle/>
-          <a:p>
-            <a:fld id="{F9CA7F02-FF28-4D8F-AF3B-6C950C783A54}" type="slidenum">
-              <a:rPr lang="de-DE" smtClean="0"/>
-              <a:pPr/>
-              <a:t>21</a:t>
-            </a:fld>
-            <a:endParaRPr lang="de-DE" dirty="0"/>
-          </a:p>
-        </p:txBody>
-      </p:sp>
-      <p:sp>
-        <p:nvSpPr>
-          <p:cNvPr id="3" name="Titel 2"/>
-          <p:cNvSpPr>
-            <a:spLocks noGrp="1"/>
-          </p:cNvSpPr>
-          <p:nvPr>
-            <p:ph type="title"/>
-          </p:nvPr>
-        </p:nvSpPr>
-        <p:spPr/>
-        <p:txBody>
-          <a:bodyPr/>
-          <a:lstStyle/>
-          <a:p>
-            <a:r>
-              <a:rPr lang="de-DE" dirty="0"/>
-              <a:t>BLOOM-FILTER</a:t>
-            </a:r>
-          </a:p>
-        </p:txBody>
-      </p:sp>
-      <p:sp>
-        <p:nvSpPr>
-          <p:cNvPr id="4" name="Inhaltsplatzhalter 3"/>
-          <p:cNvSpPr>
-            <a:spLocks noGrp="1"/>
-          </p:cNvSpPr>
-          <p:nvPr>
-            <p:ph sz="quarter" idx="13"/>
-          </p:nvPr>
-        </p:nvSpPr>
-        <p:spPr>
-          <a:xfrm>
-            <a:off x="936000" y="699542"/>
-            <a:ext cx="7308000" cy="429622"/>
-          </a:xfrm>
-        </p:spPr>
-        <p:txBody>
-          <a:bodyPr/>
-          <a:lstStyle/>
-          <a:p>
-            <a:r>
-              <a:rPr lang="de-DE" dirty="0"/>
-              <a:t>Anwendungen</a:t>
-            </a:r>
-          </a:p>
-        </p:txBody>
-      </p:sp>
-      <p:sp>
-        <p:nvSpPr>
-          <p:cNvPr id="7" name="Fußzeilenplatzhalter 6"/>
-          <p:cNvSpPr>
-            <a:spLocks noGrp="1"/>
-          </p:cNvSpPr>
-          <p:nvPr>
-            <p:ph type="ftr" sz="quarter" idx="3"/>
-          </p:nvPr>
-        </p:nvSpPr>
-        <p:spPr/>
-        <p:txBody>
-          <a:bodyPr/>
-          <a:lstStyle/>
-          <a:p>
-            <a:r>
-              <a:rPr lang="de-DE" dirty="0"/>
-              <a:t>TU Bergakademie Freiberg | Vortragender: Florian Schierz | 2022</a:t>
-            </a:r>
-          </a:p>
-        </p:txBody>
-      </p:sp>
-      <p:sp>
-        <p:nvSpPr>
-          <p:cNvPr id="8" name="Textfeld 7">
-            <a:extLst>
-              <a:ext uri="{FF2B5EF4-FFF2-40B4-BE49-F238E27FC236}">
-                <a16:creationId xmlns:a16="http://schemas.microsoft.com/office/drawing/2014/main" id="{FFAF0D22-364A-FFB6-C212-9497C974D5B8}"/>
-              </a:ext>
-            </a:extLst>
-          </p:cNvPr>
-          <p:cNvSpPr txBox="1"/>
-          <p:nvPr/>
-        </p:nvSpPr>
-        <p:spPr>
-          <a:xfrm>
-            <a:off x="611560" y="1203598"/>
-            <a:ext cx="3960440" cy="1200329"/>
-          </a:xfrm>
-          <a:prstGeom prst="rect">
-            <a:avLst/>
-          </a:prstGeom>
-          <a:noFill/>
-        </p:spPr>
-        <p:txBody>
-          <a:bodyPr wrap="square" rtlCol="0">
-            <a:spAutoFit/>
-          </a:bodyPr>
-          <a:lstStyle/>
-          <a:p>
-            <a:pPr marL="285750" indent="-285750">
-              <a:buFont typeface="Arial" panose="020B0604020202020204" pitchFamily="34" charset="0"/>
-              <a:buChar char="•"/>
-            </a:pPr>
-            <a:r>
-              <a:rPr lang="de-DE" b="1" dirty="0"/>
-              <a:t>Sicherheitsanwendungen:</a:t>
-            </a:r>
-            <a:endParaRPr lang="de-DE" dirty="0"/>
-          </a:p>
-          <a:p>
-            <a:pPr marL="742950" lvl="1" indent="-285750">
-              <a:buFont typeface="Arial" panose="020B0604020202020204" pitchFamily="34" charset="0"/>
-              <a:buChar char="•"/>
-            </a:pPr>
-            <a:r>
-              <a:rPr lang="de-DE" dirty="0">
-                <a:solidFill>
-                  <a:srgbClr val="000000"/>
-                </a:solidFill>
-              </a:rPr>
-              <a:t>Intrusion </a:t>
-            </a:r>
-            <a:r>
-              <a:rPr lang="de-DE" dirty="0" err="1">
-                <a:solidFill>
-                  <a:srgbClr val="000000"/>
-                </a:solidFill>
-              </a:rPr>
-              <a:t>Detection</a:t>
-            </a:r>
-            <a:r>
-              <a:rPr lang="de-DE" dirty="0">
-                <a:solidFill>
-                  <a:srgbClr val="000000"/>
-                </a:solidFill>
-              </a:rPr>
-              <a:t> Systems [14]</a:t>
-            </a:r>
-          </a:p>
-          <a:p>
-            <a:pPr marL="742950" lvl="1" indent="-285750">
-              <a:buFont typeface="Arial" panose="020B0604020202020204" pitchFamily="34" charset="0"/>
-              <a:buChar char="•"/>
-            </a:pPr>
-            <a:r>
-              <a:rPr lang="de-DE" dirty="0">
-                <a:solidFill>
-                  <a:srgbClr val="000000"/>
-                </a:solidFill>
-              </a:rPr>
-              <a:t>Verschlüsselte Suche [2]</a:t>
-            </a:r>
-          </a:p>
-          <a:p>
-            <a:pPr marL="742950" lvl="1" indent="-285750">
-              <a:buFont typeface="Arial" panose="020B0604020202020204" pitchFamily="34" charset="0"/>
-              <a:buChar char="•"/>
-            </a:pPr>
-            <a:r>
-              <a:rPr lang="de-DE" dirty="0">
-                <a:solidFill>
-                  <a:srgbClr val="000000"/>
-                </a:solidFill>
-              </a:rPr>
-              <a:t>Datenbanken [15]</a:t>
-            </a:r>
-          </a:p>
-        </p:txBody>
-      </p:sp>
-      <p:sp>
-        <p:nvSpPr>
-          <p:cNvPr id="10" name="Textfeld 9">
-            <a:extLst>
-              <a:ext uri="{FF2B5EF4-FFF2-40B4-BE49-F238E27FC236}">
-                <a16:creationId xmlns:a16="http://schemas.microsoft.com/office/drawing/2014/main" id="{7172F934-74D1-6B92-1BB1-C7F5679C8256}"/>
-              </a:ext>
-            </a:extLst>
-          </p:cNvPr>
-          <p:cNvSpPr txBox="1"/>
-          <p:nvPr/>
-        </p:nvSpPr>
-        <p:spPr>
-          <a:xfrm>
-            <a:off x="4648564" y="1203598"/>
-            <a:ext cx="3960440" cy="1200329"/>
-          </a:xfrm>
-          <a:prstGeom prst="rect">
-            <a:avLst/>
-          </a:prstGeom>
-          <a:noFill/>
-        </p:spPr>
-        <p:txBody>
-          <a:bodyPr wrap="square" rtlCol="0">
-            <a:spAutoFit/>
-          </a:bodyPr>
-          <a:lstStyle/>
-          <a:p>
-            <a:pPr marL="285750" indent="-285750">
-              <a:buFont typeface="Arial" panose="020B0604020202020204" pitchFamily="34" charset="0"/>
-              <a:buChar char="•"/>
-            </a:pPr>
-            <a:r>
-              <a:rPr lang="de-DE" b="1" dirty="0"/>
-              <a:t>Weitere Anwendungen:</a:t>
-            </a:r>
-            <a:endParaRPr lang="de-DE" dirty="0"/>
-          </a:p>
-          <a:p>
-            <a:pPr marL="742950" lvl="1" indent="-285750">
-              <a:buFont typeface="Arial" panose="020B0604020202020204" pitchFamily="34" charset="0"/>
-              <a:buChar char="•"/>
-            </a:pPr>
-            <a:r>
-              <a:rPr lang="de-DE" dirty="0">
-                <a:solidFill>
-                  <a:srgbClr val="000000"/>
-                </a:solidFill>
-              </a:rPr>
-              <a:t>Rechtschreibprüfung [16]</a:t>
-            </a:r>
-          </a:p>
-          <a:p>
-            <a:pPr marL="742950" lvl="1" indent="-285750">
-              <a:buFont typeface="Arial" panose="020B0604020202020204" pitchFamily="34" charset="0"/>
-              <a:buChar char="•"/>
-            </a:pPr>
-            <a:r>
-              <a:rPr lang="de-DE" dirty="0" err="1">
-                <a:solidFill>
-                  <a:srgbClr val="000000"/>
-                </a:solidFill>
-              </a:rPr>
-              <a:t>Longest</a:t>
-            </a:r>
-            <a:r>
-              <a:rPr lang="de-DE" dirty="0">
-                <a:solidFill>
-                  <a:srgbClr val="000000"/>
-                </a:solidFill>
-              </a:rPr>
-              <a:t> </a:t>
-            </a:r>
-            <a:r>
-              <a:rPr lang="de-DE" dirty="0" err="1">
-                <a:solidFill>
-                  <a:srgbClr val="000000"/>
-                </a:solidFill>
-              </a:rPr>
-              <a:t>Prefix</a:t>
-            </a:r>
-            <a:r>
-              <a:rPr lang="de-DE" dirty="0">
-                <a:solidFill>
-                  <a:srgbClr val="000000"/>
-                </a:solidFill>
-              </a:rPr>
-              <a:t> </a:t>
-            </a:r>
-            <a:r>
-              <a:rPr lang="de-DE" dirty="0" err="1">
-                <a:solidFill>
-                  <a:srgbClr val="000000"/>
-                </a:solidFill>
-              </a:rPr>
-              <a:t>Matching</a:t>
-            </a:r>
-            <a:r>
-              <a:rPr lang="de-DE" dirty="0">
-                <a:solidFill>
-                  <a:srgbClr val="000000"/>
-                </a:solidFill>
-              </a:rPr>
-              <a:t> [17]</a:t>
-            </a:r>
-          </a:p>
-          <a:p>
-            <a:pPr marL="742950" lvl="1" indent="-285750">
-              <a:buFont typeface="Arial" panose="020B0604020202020204" pitchFamily="34" charset="0"/>
-              <a:buChar char="•"/>
-            </a:pPr>
-            <a:r>
-              <a:rPr lang="de-DE" dirty="0">
-                <a:solidFill>
-                  <a:srgbClr val="000000"/>
-                </a:solidFill>
-              </a:rPr>
-              <a:t>Suchmaschinen [18]</a:t>
-            </a:r>
-          </a:p>
-        </p:txBody>
-      </p:sp>
-      <p:pic>
-        <p:nvPicPr>
-          <p:cNvPr id="5" name="Grafik 4">
-            <a:extLst>
-              <a:ext uri="{FF2B5EF4-FFF2-40B4-BE49-F238E27FC236}">
-                <a16:creationId xmlns:a16="http://schemas.microsoft.com/office/drawing/2014/main" id="{35CEEA72-57FF-750D-A4BB-2818B2517313}"/>
-              </a:ext>
-            </a:extLst>
-          </p:cNvPr>
-          <p:cNvPicPr>
-            <a:picLocks noChangeAspect="1"/>
-          </p:cNvPicPr>
-          <p:nvPr/>
-        </p:nvPicPr>
-        <p:blipFill rotWithShape="1">
-          <a:blip r:embed="rId2">
-            <a:extLst>
-              <a:ext uri="{28A0092B-C50C-407E-A947-70E740481C1C}">
-                <a14:useLocalDpi xmlns:a14="http://schemas.microsoft.com/office/drawing/2010/main" val="0"/>
-              </a:ext>
-              <a:ext uri="{96DAC541-7B7A-43D3-8B79-37D633B846F1}">
-                <asvg:svgBlip xmlns:asvg="http://schemas.microsoft.com/office/drawing/2016/SVG/main" r:embed="rId3"/>
-              </a:ext>
-            </a:extLst>
-          </a:blip>
-          <a:srcRect b="73800"/>
-          <a:stretch/>
-        </p:blipFill>
-        <p:spPr>
-          <a:xfrm>
-            <a:off x="267638" y="2489330"/>
-            <a:ext cx="4380926" cy="1623424"/>
-          </a:xfrm>
-          <a:prstGeom prst="rect">
-            <a:avLst/>
-          </a:prstGeom>
-        </p:spPr>
-      </p:pic>
-      <p:pic>
-        <p:nvPicPr>
-          <p:cNvPr id="13" name="Grafik 12">
-            <a:extLst>
-              <a:ext uri="{FF2B5EF4-FFF2-40B4-BE49-F238E27FC236}">
-                <a16:creationId xmlns:a16="http://schemas.microsoft.com/office/drawing/2014/main" id="{9349BD94-F644-5E57-63B7-E4A61990DF9B}"/>
-              </a:ext>
-            </a:extLst>
-          </p:cNvPr>
-          <p:cNvPicPr>
-            <a:picLocks noChangeAspect="1"/>
-          </p:cNvPicPr>
-          <p:nvPr/>
-        </p:nvPicPr>
-        <p:blipFill rotWithShape="1">
-          <a:blip r:embed="rId4">
-            <a:extLst>
-              <a:ext uri="{28A0092B-C50C-407E-A947-70E740481C1C}">
-                <a14:useLocalDpi xmlns:a14="http://schemas.microsoft.com/office/drawing/2010/main" val="0"/>
-              </a:ext>
-              <a:ext uri="{96DAC541-7B7A-43D3-8B79-37D633B846F1}">
-                <asvg:svgBlip xmlns:asvg="http://schemas.microsoft.com/office/drawing/2016/SVG/main" r:embed="rId5"/>
-              </a:ext>
-            </a:extLst>
-          </a:blip>
-          <a:srcRect b="62600"/>
-          <a:stretch/>
-        </p:blipFill>
-        <p:spPr>
-          <a:xfrm>
-            <a:off x="4403590" y="2393357"/>
-            <a:ext cx="4128850" cy="2184047"/>
-          </a:xfrm>
-          <a:prstGeom prst="rect">
-            <a:avLst/>
-          </a:prstGeom>
-        </p:spPr>
-      </p:pic>
-    </p:spTree>
-    <p:extLst>
-      <p:ext uri="{BB962C8B-B14F-4D97-AF65-F5344CB8AC3E}">
-        <p14:creationId xmlns:p14="http://schemas.microsoft.com/office/powerpoint/2010/main" val="2176080334"/>
-      </p:ext>
-    </p:extLst>
-  </p:cSld>
-  <p:clrMapOvr>
-    <a:masterClrMapping/>
-  </p:clrMapOvr>
-</p:sld>
-</file>
-
-<file path=ppt/slides/slide22.xml><?xml version="1.0" encoding="utf-8"?>
-<p:sld xmlns:a="http://schemas.openxmlformats.org/drawingml/2006/main" xmlns:r="http://schemas.openxmlformats.org/officeDocument/2006/relationships" xmlns:p="http://schemas.openxmlformats.org/presentationml/2006/main">
-  <p:cSld>
-    <p:spTree>
-      <p:nvGrpSpPr>
-        <p:cNvPr id="1" name=""/>
-        <p:cNvGrpSpPr/>
-        <p:nvPr/>
-      </p:nvGrpSpPr>
-      <p:grpSpPr>
-        <a:xfrm>
-          <a:off x="0" y="0"/>
-          <a:ext cx="0" cy="0"/>
-          <a:chOff x="0" y="0"/>
-          <a:chExt cx="0" cy="0"/>
-        </a:xfrm>
-      </p:grpSpPr>
-      <p:sp>
-        <p:nvSpPr>
-          <p:cNvPr id="6" name="Foliennummernplatzhalter 5"/>
-          <p:cNvSpPr>
-            <a:spLocks noGrp="1"/>
-          </p:cNvSpPr>
-          <p:nvPr>
-            <p:ph type="sldNum" sz="quarter" idx="4"/>
-          </p:nvPr>
-        </p:nvSpPr>
-        <p:spPr/>
-        <p:txBody>
-          <a:bodyPr/>
-          <a:lstStyle/>
-          <a:p>
-            <a:fld id="{F9CA7F02-FF28-4D8F-AF3B-6C950C783A54}" type="slidenum">
-              <a:rPr lang="de-DE" smtClean="0"/>
-              <a:pPr/>
-              <a:t>22</a:t>
-            </a:fld>
             <a:endParaRPr lang="de-DE"/>
           </a:p>
         </p:txBody>
@@ -10176,7 +9787,7 @@
 </p:sld>
 </file>
 
-<file path=ppt/slides/slide23.xml><?xml version="1.0" encoding="utf-8"?>
+<file path=ppt/slides/slide21.xml><?xml version="1.0" encoding="utf-8"?>
 <p:sld xmlns:a="http://schemas.openxmlformats.org/drawingml/2006/main" xmlns:r="http://schemas.openxmlformats.org/officeDocument/2006/relationships" xmlns:p="http://schemas.openxmlformats.org/presentationml/2006/main">
   <p:cSld>
     <p:spTree>
@@ -10211,7 +9822,7 @@
             <a:fld id="{F9CA7F02-FF28-4D8F-AF3B-6C950C783A54}" type="slidenum">
               <a:rPr lang="de-DE" smtClean="0"/>
               <a:pPr/>
-              <a:t>23</a:t>
+              <a:t>21</a:t>
             </a:fld>
             <a:endParaRPr lang="de-DE"/>
           </a:p>
@@ -10520,7 +10131,7 @@
 </p:sld>
 </file>
 
-<file path=ppt/slides/slide24.xml><?xml version="1.0" encoding="utf-8"?>
+<file path=ppt/slides/slide22.xml><?xml version="1.0" encoding="utf-8"?>
 <p:sld xmlns:a="http://schemas.openxmlformats.org/drawingml/2006/main" xmlns:r="http://schemas.openxmlformats.org/officeDocument/2006/relationships" xmlns:p="http://schemas.openxmlformats.org/presentationml/2006/main">
   <p:cSld>
     <p:spTree>
@@ -10555,7 +10166,7 @@
             <a:fld id="{F9CA7F02-FF28-4D8F-AF3B-6C950C783A54}" type="slidenum">
               <a:rPr lang="de-DE" smtClean="0"/>
               <a:pPr/>
-              <a:t>24</a:t>
+              <a:t>22</a:t>
             </a:fld>
             <a:endParaRPr lang="de-DE"/>
           </a:p>
@@ -10635,8 +10246,8 @@
           </a:p>
         </p:txBody>
       </p:sp>
-      <mc:AlternateContent xmlns:mc="http://schemas.openxmlformats.org/markup-compatibility/2006">
-        <mc:Choice xmlns:a14="http://schemas.microsoft.com/office/drawing/2010/main" Requires="a14">
+      <mc:AlternateContent xmlns:mc="http://schemas.openxmlformats.org/markup-compatibility/2006" xmlns:a14="http://schemas.microsoft.com/office/drawing/2010/main">
+        <mc:Choice Requires="a14">
           <p:sp>
             <p:nvSpPr>
               <p:cNvPr id="8" name="Textfeld 7">
@@ -10867,7 +10478,7 @@
             </p:txBody>
           </p:sp>
         </mc:Choice>
-        <mc:Fallback>
+        <mc:Fallback xmlns="">
           <p:sp>
             <p:nvSpPr>
               <p:cNvPr id="8" name="Textfeld 7">
@@ -10963,7 +10574,7 @@
 </p:sld>
 </file>
 
-<file path=ppt/slides/slide25.xml><?xml version="1.0" encoding="utf-8"?>
+<file path=ppt/slides/slide23.xml><?xml version="1.0" encoding="utf-8"?>
 <p:sld xmlns:a="http://schemas.openxmlformats.org/drawingml/2006/main" xmlns:r="http://schemas.openxmlformats.org/officeDocument/2006/relationships" xmlns:p="http://schemas.openxmlformats.org/presentationml/2006/main">
   <p:cSld>
     <p:spTree>
@@ -10998,7 +10609,7 @@
             <a:fld id="{F9CA7F02-FF28-4D8F-AF3B-6C950C783A54}" type="slidenum">
               <a:rPr lang="de-DE" smtClean="0"/>
               <a:pPr/>
-              <a:t>25</a:t>
+              <a:t>23</a:t>
             </a:fld>
             <a:endParaRPr lang="de-DE"/>
           </a:p>
@@ -11321,6 +10932,768 @@
     <p:extLst>
       <p:ext uri="{BB962C8B-B14F-4D97-AF65-F5344CB8AC3E}">
         <p14:creationId xmlns:p14="http://schemas.microsoft.com/office/powerpoint/2010/main" val="3495317879"/>
+      </p:ext>
+    </p:extLst>
+  </p:cSld>
+  <p:clrMapOvr>
+    <a:masterClrMapping/>
+  </p:clrMapOvr>
+</p:sld>
+</file>
+
+<file path=ppt/slides/slide24.xml><?xml version="1.0" encoding="utf-8"?>
+<p:sld xmlns:a="http://schemas.openxmlformats.org/drawingml/2006/main" xmlns:r="http://schemas.openxmlformats.org/officeDocument/2006/relationships" xmlns:p="http://schemas.openxmlformats.org/presentationml/2006/main">
+  <p:cSld>
+    <p:spTree>
+      <p:nvGrpSpPr>
+        <p:cNvPr id="1" name=""/>
+        <p:cNvGrpSpPr/>
+        <p:nvPr/>
+      </p:nvGrpSpPr>
+      <p:grpSpPr>
+        <a:xfrm>
+          <a:off x="0" y="0"/>
+          <a:ext cx="0" cy="0"/>
+          <a:chOff x="0" y="0"/>
+          <a:chExt cx="0" cy="0"/>
+        </a:xfrm>
+      </p:grpSpPr>
+      <p:sp>
+        <p:nvSpPr>
+          <p:cNvPr id="6" name="Foliennummernplatzhalter 5"/>
+          <p:cNvSpPr>
+            <a:spLocks noGrp="1"/>
+          </p:cNvSpPr>
+          <p:nvPr>
+            <p:ph type="sldNum" sz="quarter" idx="4"/>
+          </p:nvPr>
+        </p:nvSpPr>
+        <p:spPr/>
+        <p:txBody>
+          <a:bodyPr/>
+          <a:lstStyle/>
+          <a:p>
+            <a:fld id="{F9CA7F02-FF28-4D8F-AF3B-6C950C783A54}" type="slidenum">
+              <a:rPr lang="de-DE" smtClean="0"/>
+              <a:pPr/>
+              <a:t>24</a:t>
+            </a:fld>
+            <a:endParaRPr lang="de-DE" dirty="0"/>
+          </a:p>
+        </p:txBody>
+      </p:sp>
+      <p:sp>
+        <p:nvSpPr>
+          <p:cNvPr id="3" name="Titel 2"/>
+          <p:cNvSpPr>
+            <a:spLocks noGrp="1"/>
+          </p:cNvSpPr>
+          <p:nvPr>
+            <p:ph type="title"/>
+          </p:nvPr>
+        </p:nvSpPr>
+        <p:spPr/>
+        <p:txBody>
+          <a:bodyPr/>
+          <a:lstStyle/>
+          <a:p>
+            <a:r>
+              <a:rPr lang="de-DE" dirty="0"/>
+              <a:t>BLOOM-FILTER</a:t>
+            </a:r>
+          </a:p>
+        </p:txBody>
+      </p:sp>
+      <p:sp>
+        <p:nvSpPr>
+          <p:cNvPr id="4" name="Inhaltsplatzhalter 3"/>
+          <p:cNvSpPr>
+            <a:spLocks noGrp="1"/>
+          </p:cNvSpPr>
+          <p:nvPr>
+            <p:ph sz="quarter" idx="13"/>
+          </p:nvPr>
+        </p:nvSpPr>
+        <p:spPr>
+          <a:xfrm>
+            <a:off x="936000" y="699542"/>
+            <a:ext cx="7308000" cy="429622"/>
+          </a:xfrm>
+        </p:spPr>
+        <p:txBody>
+          <a:bodyPr/>
+          <a:lstStyle/>
+          <a:p>
+            <a:r>
+              <a:rPr lang="de-DE" dirty="0"/>
+              <a:t>Anwendungen</a:t>
+            </a:r>
+          </a:p>
+        </p:txBody>
+      </p:sp>
+      <p:sp>
+        <p:nvSpPr>
+          <p:cNvPr id="7" name="Fußzeilenplatzhalter 6"/>
+          <p:cNvSpPr>
+            <a:spLocks noGrp="1"/>
+          </p:cNvSpPr>
+          <p:nvPr>
+            <p:ph type="ftr" sz="quarter" idx="3"/>
+          </p:nvPr>
+        </p:nvSpPr>
+        <p:spPr/>
+        <p:txBody>
+          <a:bodyPr/>
+          <a:lstStyle/>
+          <a:p>
+            <a:r>
+              <a:rPr lang="de-DE" dirty="0"/>
+              <a:t>TU Bergakademie Freiberg | Vortragender: Florian Schierz | 2022</a:t>
+            </a:r>
+          </a:p>
+        </p:txBody>
+      </p:sp>
+      <p:sp>
+        <p:nvSpPr>
+          <p:cNvPr id="8" name="Textfeld 7">
+            <a:extLst>
+              <a:ext uri="{FF2B5EF4-FFF2-40B4-BE49-F238E27FC236}">
+                <a16:creationId xmlns:a16="http://schemas.microsoft.com/office/drawing/2014/main" id="{FFAF0D22-364A-FFB6-C212-9497C974D5B8}"/>
+              </a:ext>
+            </a:extLst>
+          </p:cNvPr>
+          <p:cNvSpPr txBox="1"/>
+          <p:nvPr/>
+        </p:nvSpPr>
+        <p:spPr>
+          <a:xfrm>
+            <a:off x="611560" y="1203598"/>
+            <a:ext cx="7632440" cy="2862322"/>
+          </a:xfrm>
+          <a:prstGeom prst="rect">
+            <a:avLst/>
+          </a:prstGeom>
+          <a:noFill/>
+        </p:spPr>
+        <p:txBody>
+          <a:bodyPr wrap="square" rtlCol="0">
+            <a:spAutoFit/>
+          </a:bodyPr>
+          <a:lstStyle/>
+          <a:p>
+            <a:pPr marL="285750" indent="-285750">
+              <a:buFont typeface="Arial" panose="020B0604020202020204" pitchFamily="34" charset="0"/>
+              <a:buChar char="•"/>
+            </a:pPr>
+            <a:r>
+              <a:rPr lang="de-DE" b="1" dirty="0"/>
+              <a:t>Allgemein:</a:t>
+            </a:r>
+            <a:r>
+              <a:rPr lang="de-DE" dirty="0"/>
+              <a:t> </a:t>
+            </a:r>
+            <a:r>
+              <a:rPr lang="de-DE" dirty="0">
+                <a:solidFill>
+                  <a:srgbClr val="000000"/>
+                </a:solidFill>
+              </a:rPr>
+              <a:t>Überall, wo in </a:t>
+            </a:r>
+            <a:r>
+              <a:rPr lang="de-DE" b="1" dirty="0">
+                <a:solidFill>
+                  <a:srgbClr val="000000"/>
+                </a:solidFill>
+              </a:rPr>
+              <a:t>kurzer Zeit </a:t>
+            </a:r>
+            <a:r>
+              <a:rPr lang="de-DE" dirty="0">
+                <a:solidFill>
+                  <a:srgbClr val="000000"/>
+                </a:solidFill>
+              </a:rPr>
+              <a:t>eine Aussage über </a:t>
+            </a:r>
+            <a:r>
+              <a:rPr lang="de-DE" b="1" dirty="0">
+                <a:solidFill>
+                  <a:srgbClr val="000000"/>
+                </a:solidFill>
+              </a:rPr>
+              <a:t>Mitgliedschaft</a:t>
+            </a:r>
+            <a:r>
+              <a:rPr lang="de-DE" dirty="0">
+                <a:solidFill>
+                  <a:srgbClr val="000000"/>
+                </a:solidFill>
+              </a:rPr>
+              <a:t> eines Elements in einer vorhandenen Menge Elementen gefragt ist [2]</a:t>
+            </a:r>
+          </a:p>
+          <a:p>
+            <a:pPr marL="285750" indent="-285750">
+              <a:buFont typeface="Arial" panose="020B0604020202020204" pitchFamily="34" charset="0"/>
+              <a:buChar char="•"/>
+            </a:pPr>
+            <a:endParaRPr lang="de-DE" dirty="0"/>
+          </a:p>
+          <a:p>
+            <a:pPr marL="285750" indent="-285750">
+              <a:buFont typeface="Arial" panose="020B0604020202020204" pitchFamily="34" charset="0"/>
+              <a:buChar char="•"/>
+            </a:pPr>
+            <a:r>
+              <a:rPr lang="de-DE" b="1" dirty="0"/>
+              <a:t>Netzwerkanwendungen:</a:t>
+            </a:r>
+            <a:endParaRPr lang="de-DE" dirty="0"/>
+          </a:p>
+          <a:p>
+            <a:pPr marL="742950" lvl="1" indent="-285750">
+              <a:buFont typeface="Arial" panose="020B0604020202020204" pitchFamily="34" charset="0"/>
+              <a:buChar char="•"/>
+            </a:pPr>
+            <a:r>
+              <a:rPr lang="de-DE" dirty="0">
+                <a:solidFill>
+                  <a:srgbClr val="000000"/>
+                </a:solidFill>
+              </a:rPr>
+              <a:t>Routing [10]</a:t>
+            </a:r>
+          </a:p>
+          <a:p>
+            <a:pPr marL="742950" lvl="1" indent="-285750">
+              <a:buFont typeface="Arial" panose="020B0604020202020204" pitchFamily="34" charset="0"/>
+              <a:buChar char="•"/>
+            </a:pPr>
+            <a:r>
+              <a:rPr lang="de-DE" dirty="0">
+                <a:solidFill>
+                  <a:srgbClr val="000000"/>
+                </a:solidFill>
+              </a:rPr>
+              <a:t>Verhinderung von Loops [11]</a:t>
+            </a:r>
+          </a:p>
+          <a:p>
+            <a:pPr marL="742950" lvl="1" indent="-285750">
+              <a:buFont typeface="Arial" panose="020B0604020202020204" pitchFamily="34" charset="0"/>
+              <a:buChar char="•"/>
+            </a:pPr>
+            <a:r>
+              <a:rPr lang="de-DE" dirty="0">
+                <a:solidFill>
+                  <a:srgbClr val="000000"/>
+                </a:solidFill>
+              </a:rPr>
+              <a:t>IP-Routenverfolgung [12]</a:t>
+            </a:r>
+          </a:p>
+          <a:p>
+            <a:pPr marL="742950" lvl="1" indent="-285750">
+              <a:buFont typeface="Arial" panose="020B0604020202020204" pitchFamily="34" charset="0"/>
+              <a:buChar char="•"/>
+            </a:pPr>
+            <a:r>
+              <a:rPr lang="de-DE" dirty="0">
+                <a:solidFill>
+                  <a:srgbClr val="000000"/>
+                </a:solidFill>
+              </a:rPr>
+              <a:t>Verhindern von DDoS-Angriffen [3], [12]</a:t>
+            </a:r>
+          </a:p>
+          <a:p>
+            <a:pPr marL="742950" lvl="1" indent="-285750">
+              <a:buFont typeface="Arial" panose="020B0604020202020204" pitchFamily="34" charset="0"/>
+              <a:buChar char="•"/>
+            </a:pPr>
+            <a:r>
+              <a:rPr lang="de-DE" dirty="0">
+                <a:solidFill>
+                  <a:srgbClr val="000000"/>
+                </a:solidFill>
+              </a:rPr>
+              <a:t>Web-Caches [13]</a:t>
+            </a:r>
+          </a:p>
+          <a:p>
+            <a:pPr marL="742950" lvl="1" indent="-285750">
+              <a:buFont typeface="Arial" panose="020B0604020202020204" pitchFamily="34" charset="0"/>
+              <a:buChar char="•"/>
+            </a:pPr>
+            <a:endParaRPr lang="de-DE" dirty="0"/>
+          </a:p>
+        </p:txBody>
+      </p:sp>
+      <p:pic>
+        <p:nvPicPr>
+          <p:cNvPr id="9" name="Grafik 8">
+            <a:extLst>
+              <a:ext uri="{FF2B5EF4-FFF2-40B4-BE49-F238E27FC236}">
+                <a16:creationId xmlns:a16="http://schemas.microsoft.com/office/drawing/2014/main" id="{770E8199-D9EB-DDFE-B306-18878E8EC9A6}"/>
+              </a:ext>
+            </a:extLst>
+          </p:cNvPr>
+          <p:cNvPicPr>
+            <a:picLocks noChangeAspect="1"/>
+          </p:cNvPicPr>
+          <p:nvPr/>
+        </p:nvPicPr>
+        <p:blipFill rotWithShape="1">
+          <a:blip r:embed="rId2">
+            <a:extLst>
+              <a:ext uri="{28A0092B-C50C-407E-A947-70E740481C1C}">
+                <a14:useLocalDpi xmlns:a14="http://schemas.microsoft.com/office/drawing/2010/main" val="0"/>
+              </a:ext>
+              <a:ext uri="{96DAC541-7B7A-43D3-8B79-37D633B846F1}">
+                <asvg:svgBlip xmlns:asvg="http://schemas.microsoft.com/office/drawing/2016/SVG/main" r:embed="rId3"/>
+              </a:ext>
+            </a:extLst>
+          </a:blip>
+          <a:srcRect l="6438" b="44350"/>
+          <a:stretch/>
+        </p:blipFill>
+        <p:spPr>
+          <a:xfrm>
+            <a:off x="4716015" y="1404062"/>
+            <a:ext cx="4051804" cy="3408551"/>
+          </a:xfrm>
+          <a:prstGeom prst="rect">
+            <a:avLst/>
+          </a:prstGeom>
+        </p:spPr>
+      </p:pic>
+    </p:spTree>
+    <p:extLst>
+      <p:ext uri="{BB962C8B-B14F-4D97-AF65-F5344CB8AC3E}">
+        <p14:creationId xmlns:p14="http://schemas.microsoft.com/office/powerpoint/2010/main" val="4003297358"/>
+      </p:ext>
+    </p:extLst>
+  </p:cSld>
+  <p:clrMapOvr>
+    <a:masterClrMapping/>
+  </p:clrMapOvr>
+</p:sld>
+</file>
+
+<file path=ppt/slides/slide25.xml><?xml version="1.0" encoding="utf-8"?>
+<p:sld xmlns:a="http://schemas.openxmlformats.org/drawingml/2006/main" xmlns:r="http://schemas.openxmlformats.org/officeDocument/2006/relationships" xmlns:p="http://schemas.openxmlformats.org/presentationml/2006/main">
+  <p:cSld>
+    <p:spTree>
+      <p:nvGrpSpPr>
+        <p:cNvPr id="1" name=""/>
+        <p:cNvGrpSpPr/>
+        <p:nvPr/>
+      </p:nvGrpSpPr>
+      <p:grpSpPr>
+        <a:xfrm>
+          <a:off x="0" y="0"/>
+          <a:ext cx="0" cy="0"/>
+          <a:chOff x="0" y="0"/>
+          <a:chExt cx="0" cy="0"/>
+        </a:xfrm>
+      </p:grpSpPr>
+      <p:sp>
+        <p:nvSpPr>
+          <p:cNvPr id="6" name="Foliennummernplatzhalter 5"/>
+          <p:cNvSpPr>
+            <a:spLocks noGrp="1"/>
+          </p:cNvSpPr>
+          <p:nvPr>
+            <p:ph type="sldNum" sz="quarter" idx="4"/>
+          </p:nvPr>
+        </p:nvSpPr>
+        <p:spPr/>
+        <p:txBody>
+          <a:bodyPr/>
+          <a:lstStyle/>
+          <a:p>
+            <a:fld id="{F9CA7F02-FF28-4D8F-AF3B-6C950C783A54}" type="slidenum">
+              <a:rPr lang="de-DE" smtClean="0"/>
+              <a:pPr/>
+              <a:t>25</a:t>
+            </a:fld>
+            <a:endParaRPr lang="de-DE" dirty="0"/>
+          </a:p>
+        </p:txBody>
+      </p:sp>
+      <p:sp>
+        <p:nvSpPr>
+          <p:cNvPr id="3" name="Titel 2"/>
+          <p:cNvSpPr>
+            <a:spLocks noGrp="1"/>
+          </p:cNvSpPr>
+          <p:nvPr>
+            <p:ph type="title"/>
+          </p:nvPr>
+        </p:nvSpPr>
+        <p:spPr/>
+        <p:txBody>
+          <a:bodyPr/>
+          <a:lstStyle/>
+          <a:p>
+            <a:r>
+              <a:rPr lang="de-DE" dirty="0"/>
+              <a:t>BLOOM-FILTER</a:t>
+            </a:r>
+          </a:p>
+        </p:txBody>
+      </p:sp>
+      <p:sp>
+        <p:nvSpPr>
+          <p:cNvPr id="4" name="Inhaltsplatzhalter 3"/>
+          <p:cNvSpPr>
+            <a:spLocks noGrp="1"/>
+          </p:cNvSpPr>
+          <p:nvPr>
+            <p:ph sz="quarter" idx="13"/>
+          </p:nvPr>
+        </p:nvSpPr>
+        <p:spPr>
+          <a:xfrm>
+            <a:off x="936000" y="699542"/>
+            <a:ext cx="7308000" cy="429622"/>
+          </a:xfrm>
+        </p:spPr>
+        <p:txBody>
+          <a:bodyPr/>
+          <a:lstStyle/>
+          <a:p>
+            <a:r>
+              <a:rPr lang="de-DE" dirty="0"/>
+              <a:t>Anwendungen</a:t>
+            </a:r>
+          </a:p>
+        </p:txBody>
+      </p:sp>
+      <p:sp>
+        <p:nvSpPr>
+          <p:cNvPr id="7" name="Fußzeilenplatzhalter 6"/>
+          <p:cNvSpPr>
+            <a:spLocks noGrp="1"/>
+          </p:cNvSpPr>
+          <p:nvPr>
+            <p:ph type="ftr" sz="quarter" idx="3"/>
+          </p:nvPr>
+        </p:nvSpPr>
+        <p:spPr/>
+        <p:txBody>
+          <a:bodyPr/>
+          <a:lstStyle/>
+          <a:p>
+            <a:r>
+              <a:rPr lang="de-DE" dirty="0"/>
+              <a:t>TU Bergakademie Freiberg | Vortragender: Florian Schierz | 2022</a:t>
+            </a:r>
+          </a:p>
+        </p:txBody>
+      </p:sp>
+      <p:sp>
+        <p:nvSpPr>
+          <p:cNvPr id="8" name="Textfeld 7">
+            <a:extLst>
+              <a:ext uri="{FF2B5EF4-FFF2-40B4-BE49-F238E27FC236}">
+                <a16:creationId xmlns:a16="http://schemas.microsoft.com/office/drawing/2014/main" id="{FFAF0D22-364A-FFB6-C212-9497C974D5B8}"/>
+              </a:ext>
+            </a:extLst>
+          </p:cNvPr>
+          <p:cNvSpPr txBox="1"/>
+          <p:nvPr/>
+        </p:nvSpPr>
+        <p:spPr>
+          <a:xfrm>
+            <a:off x="611560" y="1203598"/>
+            <a:ext cx="3960440" cy="1200329"/>
+          </a:xfrm>
+          <a:prstGeom prst="rect">
+            <a:avLst/>
+          </a:prstGeom>
+          <a:noFill/>
+        </p:spPr>
+        <p:txBody>
+          <a:bodyPr wrap="square" rtlCol="0">
+            <a:spAutoFit/>
+          </a:bodyPr>
+          <a:lstStyle/>
+          <a:p>
+            <a:pPr marL="285750" indent="-285750">
+              <a:buFont typeface="Arial" panose="020B0604020202020204" pitchFamily="34" charset="0"/>
+              <a:buChar char="•"/>
+            </a:pPr>
+            <a:r>
+              <a:rPr lang="de-DE" b="1" dirty="0"/>
+              <a:t>Sicherheitsanwendungen:</a:t>
+            </a:r>
+            <a:endParaRPr lang="de-DE" dirty="0"/>
+          </a:p>
+          <a:p>
+            <a:pPr marL="742950" lvl="1" indent="-285750">
+              <a:buFont typeface="Arial" panose="020B0604020202020204" pitchFamily="34" charset="0"/>
+              <a:buChar char="•"/>
+            </a:pPr>
+            <a:r>
+              <a:rPr lang="de-DE" dirty="0">
+                <a:solidFill>
+                  <a:srgbClr val="000000"/>
+                </a:solidFill>
+              </a:rPr>
+              <a:t>Intrusion </a:t>
+            </a:r>
+            <a:r>
+              <a:rPr lang="de-DE" dirty="0" err="1">
+                <a:solidFill>
+                  <a:srgbClr val="000000"/>
+                </a:solidFill>
+              </a:rPr>
+              <a:t>Detection</a:t>
+            </a:r>
+            <a:r>
+              <a:rPr lang="de-DE" dirty="0">
+                <a:solidFill>
+                  <a:srgbClr val="000000"/>
+                </a:solidFill>
+              </a:rPr>
+              <a:t> Systems [14]</a:t>
+            </a:r>
+          </a:p>
+          <a:p>
+            <a:pPr marL="742950" lvl="1" indent="-285750">
+              <a:buFont typeface="Arial" panose="020B0604020202020204" pitchFamily="34" charset="0"/>
+              <a:buChar char="•"/>
+            </a:pPr>
+            <a:r>
+              <a:rPr lang="de-DE" dirty="0">
+                <a:solidFill>
+                  <a:srgbClr val="000000"/>
+                </a:solidFill>
+              </a:rPr>
+              <a:t>Verschlüsselte Suche [2]</a:t>
+            </a:r>
+          </a:p>
+          <a:p>
+            <a:pPr marL="742950" lvl="1" indent="-285750">
+              <a:buFont typeface="Arial" panose="020B0604020202020204" pitchFamily="34" charset="0"/>
+              <a:buChar char="•"/>
+            </a:pPr>
+            <a:r>
+              <a:rPr lang="de-DE" dirty="0">
+                <a:solidFill>
+                  <a:srgbClr val="000000"/>
+                </a:solidFill>
+              </a:rPr>
+              <a:t>Datenbanken [15]</a:t>
+            </a:r>
+          </a:p>
+        </p:txBody>
+      </p:sp>
+      <p:sp>
+        <p:nvSpPr>
+          <p:cNvPr id="10" name="Textfeld 9">
+            <a:extLst>
+              <a:ext uri="{FF2B5EF4-FFF2-40B4-BE49-F238E27FC236}">
+                <a16:creationId xmlns:a16="http://schemas.microsoft.com/office/drawing/2014/main" id="{7172F934-74D1-6B92-1BB1-C7F5679C8256}"/>
+              </a:ext>
+            </a:extLst>
+          </p:cNvPr>
+          <p:cNvSpPr txBox="1"/>
+          <p:nvPr/>
+        </p:nvSpPr>
+        <p:spPr>
+          <a:xfrm>
+            <a:off x="4648564" y="1203598"/>
+            <a:ext cx="3960440" cy="1200329"/>
+          </a:xfrm>
+          <a:prstGeom prst="rect">
+            <a:avLst/>
+          </a:prstGeom>
+          <a:noFill/>
+        </p:spPr>
+        <p:txBody>
+          <a:bodyPr wrap="square" rtlCol="0">
+            <a:spAutoFit/>
+          </a:bodyPr>
+          <a:lstStyle/>
+          <a:p>
+            <a:pPr marL="285750" indent="-285750">
+              <a:buFont typeface="Arial" panose="020B0604020202020204" pitchFamily="34" charset="0"/>
+              <a:buChar char="•"/>
+            </a:pPr>
+            <a:r>
+              <a:rPr lang="de-DE" b="1" dirty="0"/>
+              <a:t>Weitere Anwendungen:</a:t>
+            </a:r>
+            <a:endParaRPr lang="de-DE" dirty="0"/>
+          </a:p>
+          <a:p>
+            <a:pPr marL="742950" lvl="1" indent="-285750">
+              <a:buFont typeface="Arial" panose="020B0604020202020204" pitchFamily="34" charset="0"/>
+              <a:buChar char="•"/>
+            </a:pPr>
+            <a:r>
+              <a:rPr lang="de-DE" dirty="0">
+                <a:solidFill>
+                  <a:srgbClr val="000000"/>
+                </a:solidFill>
+              </a:rPr>
+              <a:t>Rechtschreibprüfung [16]</a:t>
+            </a:r>
+          </a:p>
+          <a:p>
+            <a:pPr marL="742950" lvl="1" indent="-285750">
+              <a:buFont typeface="Arial" panose="020B0604020202020204" pitchFamily="34" charset="0"/>
+              <a:buChar char="•"/>
+            </a:pPr>
+            <a:r>
+              <a:rPr lang="de-DE" dirty="0" err="1">
+                <a:solidFill>
+                  <a:srgbClr val="000000"/>
+                </a:solidFill>
+              </a:rPr>
+              <a:t>Longest</a:t>
+            </a:r>
+            <a:r>
+              <a:rPr lang="de-DE" dirty="0">
+                <a:solidFill>
+                  <a:srgbClr val="000000"/>
+                </a:solidFill>
+              </a:rPr>
+              <a:t> </a:t>
+            </a:r>
+            <a:r>
+              <a:rPr lang="de-DE" dirty="0" err="1">
+                <a:solidFill>
+                  <a:srgbClr val="000000"/>
+                </a:solidFill>
+              </a:rPr>
+              <a:t>Prefix</a:t>
+            </a:r>
+            <a:r>
+              <a:rPr lang="de-DE" dirty="0">
+                <a:solidFill>
+                  <a:srgbClr val="000000"/>
+                </a:solidFill>
+              </a:rPr>
+              <a:t> </a:t>
+            </a:r>
+            <a:r>
+              <a:rPr lang="de-DE" dirty="0" err="1">
+                <a:solidFill>
+                  <a:srgbClr val="000000"/>
+                </a:solidFill>
+              </a:rPr>
+              <a:t>Matching</a:t>
+            </a:r>
+            <a:r>
+              <a:rPr lang="de-DE" dirty="0">
+                <a:solidFill>
+                  <a:srgbClr val="000000"/>
+                </a:solidFill>
+              </a:rPr>
+              <a:t> [17]</a:t>
+            </a:r>
+          </a:p>
+          <a:p>
+            <a:pPr marL="742950" lvl="1" indent="-285750">
+              <a:buFont typeface="Arial" panose="020B0604020202020204" pitchFamily="34" charset="0"/>
+              <a:buChar char="•"/>
+            </a:pPr>
+            <a:r>
+              <a:rPr lang="de-DE" dirty="0">
+                <a:solidFill>
+                  <a:srgbClr val="000000"/>
+                </a:solidFill>
+              </a:rPr>
+              <a:t>Suchmaschinen [18]</a:t>
+            </a:r>
+          </a:p>
+        </p:txBody>
+      </p:sp>
+      <p:pic>
+        <p:nvPicPr>
+          <p:cNvPr id="5" name="Grafik 4">
+            <a:extLst>
+              <a:ext uri="{FF2B5EF4-FFF2-40B4-BE49-F238E27FC236}">
+                <a16:creationId xmlns:a16="http://schemas.microsoft.com/office/drawing/2014/main" id="{35CEEA72-57FF-750D-A4BB-2818B2517313}"/>
+              </a:ext>
+            </a:extLst>
+          </p:cNvPr>
+          <p:cNvPicPr>
+            <a:picLocks noChangeAspect="1"/>
+          </p:cNvPicPr>
+          <p:nvPr/>
+        </p:nvPicPr>
+        <p:blipFill rotWithShape="1">
+          <a:blip r:embed="rId2">
+            <a:extLst>
+              <a:ext uri="{28A0092B-C50C-407E-A947-70E740481C1C}">
+                <a14:useLocalDpi xmlns:a14="http://schemas.microsoft.com/office/drawing/2010/main" val="0"/>
+              </a:ext>
+              <a:ext uri="{96DAC541-7B7A-43D3-8B79-37D633B846F1}">
+                <asvg:svgBlip xmlns:asvg="http://schemas.microsoft.com/office/drawing/2016/SVG/main" r:embed="rId3"/>
+              </a:ext>
+            </a:extLst>
+          </a:blip>
+          <a:srcRect b="73800"/>
+          <a:stretch/>
+        </p:blipFill>
+        <p:spPr>
+          <a:xfrm>
+            <a:off x="267638" y="2489330"/>
+            <a:ext cx="4380926" cy="1623424"/>
+          </a:xfrm>
+          <a:prstGeom prst="rect">
+            <a:avLst/>
+          </a:prstGeom>
+        </p:spPr>
+      </p:pic>
+      <p:pic>
+        <p:nvPicPr>
+          <p:cNvPr id="13" name="Grafik 12">
+            <a:extLst>
+              <a:ext uri="{FF2B5EF4-FFF2-40B4-BE49-F238E27FC236}">
+                <a16:creationId xmlns:a16="http://schemas.microsoft.com/office/drawing/2014/main" id="{9349BD94-F644-5E57-63B7-E4A61990DF9B}"/>
+              </a:ext>
+            </a:extLst>
+          </p:cNvPr>
+          <p:cNvPicPr>
+            <a:picLocks noChangeAspect="1"/>
+          </p:cNvPicPr>
+          <p:nvPr/>
+        </p:nvPicPr>
+        <p:blipFill rotWithShape="1">
+          <a:blip r:embed="rId4">
+            <a:extLst>
+              <a:ext uri="{28A0092B-C50C-407E-A947-70E740481C1C}">
+                <a14:useLocalDpi xmlns:a14="http://schemas.microsoft.com/office/drawing/2010/main" val="0"/>
+              </a:ext>
+              <a:ext uri="{96DAC541-7B7A-43D3-8B79-37D633B846F1}">
+                <asvg:svgBlip xmlns:asvg="http://schemas.microsoft.com/office/drawing/2016/SVG/main" r:embed="rId5"/>
+              </a:ext>
+            </a:extLst>
+          </a:blip>
+          <a:srcRect b="62600"/>
+          <a:stretch/>
+        </p:blipFill>
+        <p:spPr>
+          <a:xfrm>
+            <a:off x="4403590" y="2393357"/>
+            <a:ext cx="4128850" cy="2184047"/>
+          </a:xfrm>
+          <a:prstGeom prst="rect">
+            <a:avLst/>
+          </a:prstGeom>
+        </p:spPr>
+      </p:pic>
+    </p:spTree>
+    <p:extLst>
+      <p:ext uri="{BB962C8B-B14F-4D97-AF65-F5344CB8AC3E}">
+        <p14:creationId xmlns:p14="http://schemas.microsoft.com/office/powerpoint/2010/main" val="2176080334"/>
       </p:ext>
     </p:extLst>
   </p:cSld>
@@ -12523,7 +12896,7 @@
         <p:spPr>
           <a:xfrm>
             <a:off x="611560" y="1203598"/>
-            <a:ext cx="4968552" cy="1754326"/>
+            <a:ext cx="4968552" cy="2031325"/>
           </a:xfrm>
           <a:prstGeom prst="rect">
             <a:avLst/>
@@ -12552,7 +12925,7 @@
             </a:pPr>
             <a:r>
               <a:rPr lang="de-DE" dirty="0"/>
-              <a:t>Anwendungen</a:t>
+              <a:t>Funktionsweise und Operationen</a:t>
             </a:r>
           </a:p>
           <a:p>
@@ -12562,8 +12935,13 @@
             </a:pPr>
             <a:r>
               <a:rPr lang="de-DE" dirty="0"/>
-              <a:t>Funktionsweise und Operationen</a:t>
-            </a:r>
+              <a:t>Implementierung und </a:t>
+            </a:r>
+            <a:r>
+              <a:rPr lang="de-DE" dirty="0" err="1"/>
+              <a:t>Floomfilter</a:t>
+            </a:r>
+            <a:endParaRPr lang="de-DE" dirty="0"/>
           </a:p>
           <a:p>
             <a:pPr marL="285750" indent="-285750">
@@ -12573,6 +12951,16 @@
             <a:r>
               <a:rPr lang="de-DE" dirty="0"/>
               <a:t>Varianten</a:t>
+            </a:r>
+          </a:p>
+          <a:p>
+            <a:pPr marL="285750" indent="-285750">
+              <a:buFont typeface="Arial" panose="020B0604020202020204" pitchFamily="34" charset="0"/>
+              <a:buChar char="•"/>
+            </a:pPr>
+            <a:r>
+              <a:rPr lang="de-DE" dirty="0"/>
+              <a:t>Anwendungen </a:t>
             </a:r>
           </a:p>
           <a:p>
@@ -17550,8 +17938,8 @@
           </a:p>
         </p:txBody>
       </p:sp>
-      <mc:AlternateContent xmlns:mc="http://schemas.openxmlformats.org/markup-compatibility/2006" xmlns:a14="http://schemas.microsoft.com/office/drawing/2010/main">
-        <mc:Choice Requires="a14">
+      <mc:AlternateContent xmlns:mc="http://schemas.openxmlformats.org/markup-compatibility/2006">
+        <mc:Choice xmlns:a14="http://schemas.microsoft.com/office/drawing/2010/main" Requires="a14">
           <p:sp>
             <p:nvSpPr>
               <p:cNvPr id="8" name="Textfeld 7">
@@ -17567,7 +17955,7 @@
             <p:spPr>
               <a:xfrm>
                 <a:off x="611560" y="1203598"/>
-                <a:ext cx="3816424" cy="2862322"/>
+                <a:ext cx="3816424" cy="3139321"/>
               </a:xfrm>
               <a:prstGeom prst="rect">
                 <a:avLst/>
@@ -17678,7 +18066,15 @@
                   <a:t>Zeit-/Rechenaufwand pro Element nur von </a:t>
                 </a:r>
                 <a:r>
-                  <a:rPr lang="de-DE" b="1" dirty="0">
+                  <a:rPr lang="de-DE">
+                    <a:solidFill>
+                      <a:srgbClr val="000000"/>
+                    </a:solidFill>
+                  </a:rPr>
+                  <a:t>Anzahl Hashfunktionen </a:t>
+                </a:r>
+                <a:r>
+                  <a:rPr lang="de-DE" b="1">
                     <a:solidFill>
                       <a:srgbClr val="000000"/>
                     </a:solidFill>
@@ -17686,12 +18082,20 @@
                   <a:t>k</a:t>
                 </a:r>
                 <a:r>
+                  <a:rPr lang="de-DE">
+                    <a:solidFill>
+                      <a:srgbClr val="000000"/>
+                    </a:solidFill>
+                  </a:rPr>
+                  <a:t> </a:t>
+                </a:r>
+                <a:r>
                   <a:rPr lang="de-DE" dirty="0">
                     <a:solidFill>
                       <a:srgbClr val="000000"/>
                     </a:solidFill>
                   </a:rPr>
-                  <a:t> abhängig</a:t>
+                  <a:t>abhängig</a:t>
                 </a:r>
                 <a:br>
                   <a:rPr lang="de-DE" dirty="0">
@@ -17758,7 +18162,7 @@
             </p:txBody>
           </p:sp>
         </mc:Choice>
-        <mc:Fallback xmlns="">
+        <mc:Fallback>
           <p:sp>
             <p:nvSpPr>
               <p:cNvPr id="8" name="Textfeld 7">
@@ -17776,7 +18180,7 @@
             <p:spPr>
               <a:xfrm>
                 <a:off x="611560" y="1203598"/>
-                <a:ext cx="3816424" cy="2862322"/>
+                <a:ext cx="3816424" cy="3139321"/>
               </a:xfrm>
               <a:prstGeom prst="rect">
                 <a:avLst/>
@@ -17784,7 +18188,7 @@
               <a:blipFill>
                 <a:blip r:embed="rId2"/>
                 <a:stretch>
-                  <a:fillRect l="-958" b="-2128"/>
+                  <a:fillRect l="-958" b="-1942"/>
                 </a:stretch>
               </a:blipFill>
             </p:spPr>
@@ -18000,205 +18404,6 @@
                   <a:srgbClr val="000000"/>
                 </a:solidFill>
               </a:rPr>
-              <a:t>Zeit pro Einfügen (in s) in Abhängigkeit der insgesamt einzufügenden Elemente</a:t>
-            </a:r>
-          </a:p>
-        </p:txBody>
-      </p:sp>
-      <p:pic>
-        <p:nvPicPr>
-          <p:cNvPr id="5" name="Grafik 4">
-            <a:extLst>
-              <a:ext uri="{FF2B5EF4-FFF2-40B4-BE49-F238E27FC236}">
-                <a16:creationId xmlns:a16="http://schemas.microsoft.com/office/drawing/2014/main" id="{EF59A533-5A3B-66FA-411D-177F6ACDB1D4}"/>
-              </a:ext>
-            </a:extLst>
-          </p:cNvPr>
-          <p:cNvPicPr>
-            <a:picLocks noChangeAspect="1"/>
-          </p:cNvPicPr>
-          <p:nvPr/>
-        </p:nvPicPr>
-        <p:blipFill rotWithShape="1">
-          <a:blip r:embed="rId2" cstate="print">
-            <a:extLst>
-              <a:ext uri="{28A0092B-C50C-407E-A947-70E740481C1C}">
-                <a14:useLocalDpi xmlns:a14="http://schemas.microsoft.com/office/drawing/2010/main" val="0"/>
-              </a:ext>
-            </a:extLst>
-          </a:blip>
-          <a:srcRect l="8696" t="8448" r="8206" b="3658"/>
-          <a:stretch/>
-        </p:blipFill>
-        <p:spPr>
-          <a:xfrm>
-            <a:off x="1439652" y="1517153"/>
-            <a:ext cx="6264696" cy="3137157"/>
-          </a:xfrm>
-          <a:prstGeom prst="rect">
-            <a:avLst/>
-          </a:prstGeom>
-        </p:spPr>
-      </p:pic>
-    </p:spTree>
-    <p:extLst>
-      <p:ext uri="{BB962C8B-B14F-4D97-AF65-F5344CB8AC3E}">
-        <p14:creationId xmlns:p14="http://schemas.microsoft.com/office/powerpoint/2010/main" val="789067809"/>
-      </p:ext>
-    </p:extLst>
-  </p:cSld>
-  <p:clrMapOvr>
-    <a:masterClrMapping/>
-  </p:clrMapOvr>
-</p:sld>
-</file>
-
-<file path=ppt/slides/slide7.xml><?xml version="1.0" encoding="utf-8"?>
-<p:sld xmlns:a="http://schemas.openxmlformats.org/drawingml/2006/main" xmlns:r="http://schemas.openxmlformats.org/officeDocument/2006/relationships" xmlns:p="http://schemas.openxmlformats.org/presentationml/2006/main">
-  <p:cSld>
-    <p:spTree>
-      <p:nvGrpSpPr>
-        <p:cNvPr id="1" name=""/>
-        <p:cNvGrpSpPr/>
-        <p:nvPr/>
-      </p:nvGrpSpPr>
-      <p:grpSpPr>
-        <a:xfrm>
-          <a:off x="0" y="0"/>
-          <a:ext cx="0" cy="0"/>
-          <a:chOff x="0" y="0"/>
-          <a:chExt cx="0" cy="0"/>
-        </a:xfrm>
-      </p:grpSpPr>
-      <p:sp>
-        <p:nvSpPr>
-          <p:cNvPr id="6" name="Foliennummernplatzhalter 5"/>
-          <p:cNvSpPr>
-            <a:spLocks noGrp="1"/>
-          </p:cNvSpPr>
-          <p:nvPr>
-            <p:ph type="sldNum" sz="quarter" idx="4"/>
-          </p:nvPr>
-        </p:nvSpPr>
-        <p:spPr/>
-        <p:txBody>
-          <a:bodyPr/>
-          <a:lstStyle/>
-          <a:p>
-            <a:fld id="{F9CA7F02-FF28-4D8F-AF3B-6C950C783A54}" type="slidenum">
-              <a:rPr lang="de-DE" smtClean="0"/>
-              <a:pPr/>
-              <a:t>7</a:t>
-            </a:fld>
-            <a:endParaRPr lang="de-DE"/>
-          </a:p>
-        </p:txBody>
-      </p:sp>
-      <p:sp>
-        <p:nvSpPr>
-          <p:cNvPr id="3" name="Titel 2"/>
-          <p:cNvSpPr>
-            <a:spLocks noGrp="1"/>
-          </p:cNvSpPr>
-          <p:nvPr>
-            <p:ph type="title"/>
-          </p:nvPr>
-        </p:nvSpPr>
-        <p:spPr/>
-        <p:txBody>
-          <a:bodyPr/>
-          <a:lstStyle/>
-          <a:p>
-            <a:r>
-              <a:rPr lang="de-DE" dirty="0"/>
-              <a:t>BLOOM-FILTER</a:t>
-            </a:r>
-          </a:p>
-        </p:txBody>
-      </p:sp>
-      <p:sp>
-        <p:nvSpPr>
-          <p:cNvPr id="4" name="Inhaltsplatzhalter 3"/>
-          <p:cNvSpPr>
-            <a:spLocks noGrp="1"/>
-          </p:cNvSpPr>
-          <p:nvPr>
-            <p:ph sz="quarter" idx="13"/>
-          </p:nvPr>
-        </p:nvSpPr>
-        <p:spPr>
-          <a:xfrm>
-            <a:off x="936000" y="699542"/>
-            <a:ext cx="7308000" cy="429622"/>
-          </a:xfrm>
-        </p:spPr>
-        <p:txBody>
-          <a:bodyPr/>
-          <a:lstStyle/>
-          <a:p>
-            <a:r>
-              <a:rPr lang="de-DE" dirty="0"/>
-              <a:t>Funktionsweise und Operationen</a:t>
-            </a:r>
-          </a:p>
-        </p:txBody>
-      </p:sp>
-      <p:sp>
-        <p:nvSpPr>
-          <p:cNvPr id="7" name="Fußzeilenplatzhalter 6"/>
-          <p:cNvSpPr>
-            <a:spLocks noGrp="1"/>
-          </p:cNvSpPr>
-          <p:nvPr>
-            <p:ph type="ftr" sz="quarter" idx="3"/>
-          </p:nvPr>
-        </p:nvSpPr>
-        <p:spPr/>
-        <p:txBody>
-          <a:bodyPr/>
-          <a:lstStyle/>
-          <a:p>
-            <a:r>
-              <a:rPr lang="de-DE" dirty="0"/>
-              <a:t>TU Bergakademie Freiberg | Vortragender: Florian Schierz | 2022</a:t>
-            </a:r>
-          </a:p>
-        </p:txBody>
-      </p:sp>
-      <p:sp>
-        <p:nvSpPr>
-          <p:cNvPr id="8" name="Textfeld 7">
-            <a:extLst>
-              <a:ext uri="{FF2B5EF4-FFF2-40B4-BE49-F238E27FC236}">
-                <a16:creationId xmlns:a16="http://schemas.microsoft.com/office/drawing/2014/main" id="{7162C9EA-9725-333A-21C5-65FC349B92B6}"/>
-              </a:ext>
-            </a:extLst>
-          </p:cNvPr>
-          <p:cNvSpPr txBox="1"/>
-          <p:nvPr/>
-        </p:nvSpPr>
-        <p:spPr>
-          <a:xfrm>
-            <a:off x="611560" y="1203598"/>
-            <a:ext cx="7776864" cy="369332"/>
-          </a:xfrm>
-          <a:prstGeom prst="rect">
-            <a:avLst/>
-          </a:prstGeom>
-          <a:noFill/>
-        </p:spPr>
-        <p:txBody>
-          <a:bodyPr wrap="square" rtlCol="0">
-            <a:spAutoFit/>
-          </a:bodyPr>
-          <a:lstStyle/>
-          <a:p>
-            <a:r>
-              <a:rPr lang="de-DE" dirty="0">
-                <a:solidFill>
-                  <a:srgbClr val="000000"/>
-                </a:solidFill>
-              </a:rPr>
               <a:t>Zeit pro Einfügen (in s) in Abhängigkeit der Anzahl Hashfunktionen</a:t>
             </a:r>
           </a:p>
@@ -18253,7 +18458,7 @@
 </p:sld>
 </file>
 
-<file path=ppt/slides/slide8.xml><?xml version="1.0" encoding="utf-8"?>
+<file path=ppt/slides/slide7.xml><?xml version="1.0" encoding="utf-8"?>
 <p:sld xmlns:a="http://schemas.openxmlformats.org/drawingml/2006/main" xmlns:r="http://schemas.openxmlformats.org/officeDocument/2006/relationships" xmlns:p="http://schemas.openxmlformats.org/presentationml/2006/main">
   <p:cSld>
     <p:spTree>
@@ -18326,7 +18531,7 @@
             <a:fld id="{F9CA7F02-FF28-4D8F-AF3B-6C950C783A54}" type="slidenum">
               <a:rPr lang="de-DE" smtClean="0"/>
               <a:pPr/>
-              <a:t>8</a:t>
+              <a:t>7</a:t>
             </a:fld>
             <a:endParaRPr lang="de-DE"/>
           </a:p>
@@ -18671,7 +18876,7 @@
                       <a:srgbClr val="000000"/>
                     </a:solidFill>
                   </a:rPr>
-                  <a:t> (FPP) </a:t>
+                  <a:t> (FPR) </a:t>
                 </a:r>
               </a:p>
               <a:p>
@@ -18830,7 +19035,7 @@
 </p:sld>
 </file>
 
-<file path=ppt/slides/slide9.xml><?xml version="1.0" encoding="utf-8"?>
+<file path=ppt/slides/slide8.xml><?xml version="1.0" encoding="utf-8"?>
 <p:sld xmlns:a="http://schemas.openxmlformats.org/drawingml/2006/main" xmlns:r="http://schemas.openxmlformats.org/officeDocument/2006/relationships" xmlns:p="http://schemas.openxmlformats.org/presentationml/2006/main">
   <p:cSld>
     <p:spTree>
@@ -18865,7 +19070,7 @@
             <a:fld id="{F9CA7F02-FF28-4D8F-AF3B-6C950C783A54}" type="slidenum">
               <a:rPr lang="de-DE" smtClean="0"/>
               <a:pPr/>
-              <a:t>9</a:t>
+              <a:t>8</a:t>
             </a:fld>
             <a:endParaRPr lang="de-DE"/>
           </a:p>
@@ -19021,6 +19226,206 @@
     <p:extLst>
       <p:ext uri="{BB962C8B-B14F-4D97-AF65-F5344CB8AC3E}">
         <p14:creationId xmlns:p14="http://schemas.microsoft.com/office/powerpoint/2010/main" val="2866574215"/>
+      </p:ext>
+    </p:extLst>
+  </p:cSld>
+  <p:clrMapOvr>
+    <a:masterClrMapping/>
+  </p:clrMapOvr>
+</p:sld>
+</file>
+
+<file path=ppt/slides/slide9.xml><?xml version="1.0" encoding="utf-8"?>
+<p:sld xmlns:a="http://schemas.openxmlformats.org/drawingml/2006/main" xmlns:r="http://schemas.openxmlformats.org/officeDocument/2006/relationships" xmlns:p="http://schemas.openxmlformats.org/presentationml/2006/main">
+  <p:cSld>
+    <p:spTree>
+      <p:nvGrpSpPr>
+        <p:cNvPr id="1" name=""/>
+        <p:cNvGrpSpPr/>
+        <p:nvPr/>
+      </p:nvGrpSpPr>
+      <p:grpSpPr>
+        <a:xfrm>
+          <a:off x="0" y="0"/>
+          <a:ext cx="0" cy="0"/>
+          <a:chOff x="0" y="0"/>
+          <a:chExt cx="0" cy="0"/>
+        </a:xfrm>
+      </p:grpSpPr>
+      <p:sp>
+        <p:nvSpPr>
+          <p:cNvPr id="6" name="Foliennummernplatzhalter 5"/>
+          <p:cNvSpPr>
+            <a:spLocks noGrp="1"/>
+          </p:cNvSpPr>
+          <p:nvPr>
+            <p:ph type="sldNum" sz="quarter" idx="4"/>
+          </p:nvPr>
+        </p:nvSpPr>
+        <p:spPr/>
+        <p:txBody>
+          <a:bodyPr/>
+          <a:lstStyle/>
+          <a:p>
+            <a:fld id="{F9CA7F02-FF28-4D8F-AF3B-6C950C783A54}" type="slidenum">
+              <a:rPr lang="de-DE" smtClean="0"/>
+              <a:pPr/>
+              <a:t>9</a:t>
+            </a:fld>
+            <a:endParaRPr lang="de-DE"/>
+          </a:p>
+        </p:txBody>
+      </p:sp>
+      <p:sp>
+        <p:nvSpPr>
+          <p:cNvPr id="3" name="Titel 2"/>
+          <p:cNvSpPr>
+            <a:spLocks noGrp="1"/>
+          </p:cNvSpPr>
+          <p:nvPr>
+            <p:ph type="title"/>
+          </p:nvPr>
+        </p:nvSpPr>
+        <p:spPr/>
+        <p:txBody>
+          <a:bodyPr/>
+          <a:lstStyle/>
+          <a:p>
+            <a:r>
+              <a:rPr lang="de-DE" dirty="0"/>
+              <a:t>BLOOM-FILTER</a:t>
+            </a:r>
+          </a:p>
+        </p:txBody>
+      </p:sp>
+      <p:sp>
+        <p:nvSpPr>
+          <p:cNvPr id="4" name="Inhaltsplatzhalter 3"/>
+          <p:cNvSpPr>
+            <a:spLocks noGrp="1"/>
+          </p:cNvSpPr>
+          <p:nvPr>
+            <p:ph sz="quarter" idx="13"/>
+          </p:nvPr>
+        </p:nvSpPr>
+        <p:spPr>
+          <a:xfrm>
+            <a:off x="936000" y="699542"/>
+            <a:ext cx="7308000" cy="429622"/>
+          </a:xfrm>
+        </p:spPr>
+        <p:txBody>
+          <a:bodyPr/>
+          <a:lstStyle/>
+          <a:p>
+            <a:r>
+              <a:rPr lang="de-DE" dirty="0"/>
+              <a:t>Funktionsweise und Operationen</a:t>
+            </a:r>
+          </a:p>
+        </p:txBody>
+      </p:sp>
+      <p:sp>
+        <p:nvSpPr>
+          <p:cNvPr id="7" name="Fußzeilenplatzhalter 6"/>
+          <p:cNvSpPr>
+            <a:spLocks noGrp="1"/>
+          </p:cNvSpPr>
+          <p:nvPr>
+            <p:ph type="ftr" sz="quarter" idx="3"/>
+          </p:nvPr>
+        </p:nvSpPr>
+        <p:spPr/>
+        <p:txBody>
+          <a:bodyPr/>
+          <a:lstStyle/>
+          <a:p>
+            <a:r>
+              <a:rPr lang="de-DE" dirty="0"/>
+              <a:t>TU Bergakademie Freiberg | Vortragender: Florian Schierz | 2022</a:t>
+            </a:r>
+          </a:p>
+        </p:txBody>
+      </p:sp>
+      <p:sp>
+        <p:nvSpPr>
+          <p:cNvPr id="8" name="Textfeld 7">
+            <a:extLst>
+              <a:ext uri="{FF2B5EF4-FFF2-40B4-BE49-F238E27FC236}">
+                <a16:creationId xmlns:a16="http://schemas.microsoft.com/office/drawing/2014/main" id="{7162C9EA-9725-333A-21C5-65FC349B92B6}"/>
+              </a:ext>
+            </a:extLst>
+          </p:cNvPr>
+          <p:cNvSpPr txBox="1"/>
+          <p:nvPr/>
+        </p:nvSpPr>
+        <p:spPr>
+          <a:xfrm>
+            <a:off x="611560" y="1203598"/>
+            <a:ext cx="7776864" cy="369332"/>
+          </a:xfrm>
+          <a:prstGeom prst="rect">
+            <a:avLst/>
+          </a:prstGeom>
+          <a:noFill/>
+        </p:spPr>
+        <p:txBody>
+          <a:bodyPr wrap="square" rtlCol="0">
+            <a:spAutoFit/>
+          </a:bodyPr>
+          <a:lstStyle/>
+          <a:p>
+            <a:r>
+              <a:rPr lang="de-DE" dirty="0">
+                <a:solidFill>
+                  <a:srgbClr val="000000"/>
+                </a:solidFill>
+              </a:rPr>
+              <a:t>Zeit pro Prüfen (in s) in Abhängigkeit der Anzahl Hashfunktionen k (nur negativ)</a:t>
+            </a:r>
+          </a:p>
+        </p:txBody>
+      </p:sp>
+      <p:pic>
+        <p:nvPicPr>
+          <p:cNvPr id="9" name="Grafik 8">
+            <a:extLst>
+              <a:ext uri="{FF2B5EF4-FFF2-40B4-BE49-F238E27FC236}">
+                <a16:creationId xmlns:a16="http://schemas.microsoft.com/office/drawing/2014/main" id="{10550223-9404-007C-7640-D4680EB87F4A}"/>
+              </a:ext>
+            </a:extLst>
+          </p:cNvPr>
+          <p:cNvPicPr>
+            <a:picLocks noChangeAspect="1"/>
+          </p:cNvPicPr>
+          <p:nvPr/>
+        </p:nvPicPr>
+        <p:blipFill>
+          <a:blip r:embed="rId2" cstate="print">
+            <a:extLst>
+              <a:ext uri="{28A0092B-C50C-407E-A947-70E740481C1C}">
+                <a14:useLocalDpi xmlns:a14="http://schemas.microsoft.com/office/drawing/2010/main" val="0"/>
+              </a:ext>
+            </a:extLst>
+          </a:blip>
+          <a:stretch>
+            <a:fillRect/>
+          </a:stretch>
+        </p:blipFill>
+        <p:spPr>
+          <a:xfrm>
+            <a:off x="1331636" y="1569594"/>
+            <a:ext cx="6516728" cy="3085263"/>
+          </a:xfrm>
+          <a:prstGeom prst="rect">
+            <a:avLst/>
+          </a:prstGeom>
+        </p:spPr>
+      </p:pic>
+    </p:spTree>
+    <p:extLst>
+      <p:ext uri="{BB962C8B-B14F-4D97-AF65-F5344CB8AC3E}">
+        <p14:creationId xmlns:p14="http://schemas.microsoft.com/office/powerpoint/2010/main" val="4076983733"/>
       </p:ext>
     </p:extLst>
   </p:cSld>
